--- a/docs/diagrams/UndoRedoSequenceDiagram.pptx
+++ b/docs/diagrams/UndoRedoSequenceDiagram.pptx
@@ -212,7 +212,7 @@
           <a:p>
             <a:fld id="{F5CC4B3F-88C1-4FFA-B1B6-F41C21DC6924}" type="datetimeFigureOut">
               <a:rPr lang="en-US" smtClean="0"/>
-              <a:t>7/6/2018</a:t>
+              <a:t>3/4/19</a:t>
             </a:fld>
             <a:endParaRPr lang="en-US"/>
           </a:p>
@@ -658,7 +658,7 @@
           <a:p>
             <a:fld id="{78C97017-6FC3-485B-9764-EAC9E56C1D49}" type="datetimeFigureOut">
               <a:rPr lang="en-US" smtClean="0"/>
-              <a:t>7/6/2018</a:t>
+              <a:t>3/4/19</a:t>
             </a:fld>
             <a:endParaRPr lang="en-US"/>
           </a:p>
@@ -826,7 +826,7 @@
           <a:p>
             <a:fld id="{78C97017-6FC3-485B-9764-EAC9E56C1D49}" type="datetimeFigureOut">
               <a:rPr lang="en-US" smtClean="0"/>
-              <a:t>7/6/2018</a:t>
+              <a:t>3/4/19</a:t>
             </a:fld>
             <a:endParaRPr lang="en-US"/>
           </a:p>
@@ -1004,7 +1004,7 @@
           <a:p>
             <a:fld id="{78C97017-6FC3-485B-9764-EAC9E56C1D49}" type="datetimeFigureOut">
               <a:rPr lang="en-US" smtClean="0"/>
-              <a:t>7/6/2018</a:t>
+              <a:t>3/4/19</a:t>
             </a:fld>
             <a:endParaRPr lang="en-US"/>
           </a:p>
@@ -1172,7 +1172,7 @@
           <a:p>
             <a:fld id="{78C97017-6FC3-485B-9764-EAC9E56C1D49}" type="datetimeFigureOut">
               <a:rPr lang="en-US" smtClean="0"/>
-              <a:t>7/6/2018</a:t>
+              <a:t>3/4/19</a:t>
             </a:fld>
             <a:endParaRPr lang="en-US"/>
           </a:p>
@@ -1417,7 +1417,7 @@
           <a:p>
             <a:fld id="{78C97017-6FC3-485B-9764-EAC9E56C1D49}" type="datetimeFigureOut">
               <a:rPr lang="en-US" smtClean="0"/>
-              <a:t>7/6/2018</a:t>
+              <a:t>3/4/19</a:t>
             </a:fld>
             <a:endParaRPr lang="en-US"/>
           </a:p>
@@ -1702,7 +1702,7 @@
           <a:p>
             <a:fld id="{78C97017-6FC3-485B-9764-EAC9E56C1D49}" type="datetimeFigureOut">
               <a:rPr lang="en-US" smtClean="0"/>
-              <a:t>7/6/2018</a:t>
+              <a:t>3/4/19</a:t>
             </a:fld>
             <a:endParaRPr lang="en-US"/>
           </a:p>
@@ -2121,7 +2121,7 @@
           <a:p>
             <a:fld id="{78C97017-6FC3-485B-9764-EAC9E56C1D49}" type="datetimeFigureOut">
               <a:rPr lang="en-US" smtClean="0"/>
-              <a:t>7/6/2018</a:t>
+              <a:t>3/4/19</a:t>
             </a:fld>
             <a:endParaRPr lang="en-US"/>
           </a:p>
@@ -2238,7 +2238,7 @@
           <a:p>
             <a:fld id="{78C97017-6FC3-485B-9764-EAC9E56C1D49}" type="datetimeFigureOut">
               <a:rPr lang="en-US" smtClean="0"/>
-              <a:t>7/6/2018</a:t>
+              <a:t>3/4/19</a:t>
             </a:fld>
             <a:endParaRPr lang="en-US"/>
           </a:p>
@@ -2333,7 +2333,7 @@
           <a:p>
             <a:fld id="{78C97017-6FC3-485B-9764-EAC9E56C1D49}" type="datetimeFigureOut">
               <a:rPr lang="en-US" smtClean="0"/>
-              <a:t>7/6/2018</a:t>
+              <a:t>3/4/19</a:t>
             </a:fld>
             <a:endParaRPr lang="en-US"/>
           </a:p>
@@ -2608,7 +2608,7 @@
           <a:p>
             <a:fld id="{78C97017-6FC3-485B-9764-EAC9E56C1D49}" type="datetimeFigureOut">
               <a:rPr lang="en-US" smtClean="0"/>
-              <a:t>7/6/2018</a:t>
+              <a:t>3/4/19</a:t>
             </a:fld>
             <a:endParaRPr lang="en-US"/>
           </a:p>
@@ -2860,7 +2860,7 @@
           <a:p>
             <a:fld id="{78C97017-6FC3-485B-9764-EAC9E56C1D49}" type="datetimeFigureOut">
               <a:rPr lang="en-US" smtClean="0"/>
-              <a:t>7/6/2018</a:t>
+              <a:t>3/4/19</a:t>
             </a:fld>
             <a:endParaRPr lang="en-US"/>
           </a:p>
@@ -3071,7 +3071,7 @@
           <a:p>
             <a:fld id="{78C97017-6FC3-485B-9764-EAC9E56C1D49}" type="datetimeFigureOut">
               <a:rPr lang="en-US" smtClean="0"/>
-              <a:t>7/6/2018</a:t>
+              <a:t>3/4/19</a:t>
             </a:fld>
             <a:endParaRPr lang="en-US"/>
           </a:p>
@@ -3765,23 +3765,36 @@
           <a:p>
             <a:pPr algn="ctr"/>
             <a:r>
-              <a:rPr lang="en-US" sz="1600" dirty="0">
+              <a:rPr lang="en-US" sz="1600" dirty="0" smtClean="0">
                 <a:solidFill>
                   <a:schemeClr val="bg1"/>
                 </a:solidFill>
               </a:rPr>
-              <a:t>:Address</a:t>
-            </a:r>
+              <a:t>:Book</a:t>
+            </a:r>
+            <a:endParaRPr lang="en-US" sz="1600" dirty="0">
+              <a:solidFill>
+                <a:schemeClr val="bg1"/>
+              </a:solidFill>
+            </a:endParaRPr>
           </a:p>
           <a:p>
             <a:pPr algn="ctr"/>
             <a:r>
-              <a:rPr lang="en-US" sz="1600" dirty="0" err="1">
+              <a:rPr lang="en-US" sz="1600" dirty="0" err="1" smtClean="0">
                 <a:solidFill>
                   <a:schemeClr val="bg1"/>
                 </a:solidFill>
               </a:rPr>
-              <a:t>BookParser</a:t>
+              <a:t>List</a:t>
+            </a:r>
+            <a:r>
+              <a:rPr lang="en-US" sz="1600" dirty="0" err="1" smtClean="0">
+                <a:solidFill>
+                  <a:schemeClr val="bg1"/>
+                </a:solidFill>
+              </a:rPr>
+              <a:t>Parser</a:t>
             </a:r>
             <a:endParaRPr lang="en-SG" sz="1600" dirty="0">
               <a:solidFill>
@@ -4312,7 +4325,7 @@
           </a:lstStyle>
           <a:p>
             <a:r>
-              <a:rPr lang="en-US" sz="1200" dirty="0" err="1">
+              <a:rPr lang="en-US" sz="1200" dirty="0" err="1" smtClean="0">
                 <a:solidFill>
                   <a:schemeClr val="accent4">
                     <a:lumMod val="75000"/>
@@ -4322,15 +4335,15 @@
               <a:t>undo</a:t>
             </a:r>
             <a:r>
-              <a:rPr lang="en-US" sz="1200" dirty="0" err="1">
+              <a:rPr lang="en-US" sz="1200" dirty="0" err="1" smtClean="0">
                 <a:solidFill>
                   <a:srgbClr val="7030A0"/>
                 </a:solidFill>
               </a:rPr>
-              <a:t>AddressBook</a:t>
-            </a:r>
-            <a:r>
-              <a:rPr lang="en-US" sz="1200" dirty="0">
+              <a:t>BookList</a:t>
+            </a:r>
+            <a:r>
+              <a:rPr lang="en-US" sz="1200" dirty="0" smtClean="0">
                 <a:solidFill>
                   <a:srgbClr val="7030A0"/>
                 </a:solidFill>
@@ -4517,12 +4530,12 @@
               <a:t>:</a:t>
             </a:r>
             <a:r>
-              <a:rPr lang="en-US" sz="1600" dirty="0" err="1">
+              <a:rPr lang="en-US" sz="1600" dirty="0" err="1" smtClean="0">
                 <a:solidFill>
                   <a:schemeClr val="bg1"/>
                 </a:solidFill>
               </a:rPr>
-              <a:t>VersionedAddressBook</a:t>
+              <a:t>VersionedBookList</a:t>
             </a:r>
             <a:endParaRPr lang="en-SG" sz="1600" dirty="0">
               <a:solidFill>
@@ -4914,7 +4927,7 @@
           <p:cNvPr id="66" name="Straight Arrow Connector 65">
             <a:extLst>
               <a:ext uri="{FF2B5EF4-FFF2-40B4-BE49-F238E27FC236}">
-                <a16:creationId xmlns:a16="http://schemas.microsoft.com/office/drawing/2014/main" id="{39916E2E-195A-4DC8-B025-B05FA87E6796}"/>
+                <a16:creationId xmlns:a16="http://schemas.microsoft.com/office/drawing/2014/main" xmlns="" id="{39916E2E-195A-4DC8-B025-B05FA87E6796}"/>
               </a:ext>
             </a:extLst>
           </p:cNvPr>
@@ -4958,7 +4971,7 @@
           <p:cNvPr id="67" name="Straight Arrow Connector 66">
             <a:extLst>
               <a:ext uri="{FF2B5EF4-FFF2-40B4-BE49-F238E27FC236}">
-                <a16:creationId xmlns:a16="http://schemas.microsoft.com/office/drawing/2014/main" id="{D881596E-177C-4FDC-8E60-CAB90B3D5FAB}"/>
+                <a16:creationId xmlns:a16="http://schemas.microsoft.com/office/drawing/2014/main" xmlns="" id="{D881596E-177C-4FDC-8E60-CAB90B3D5FAB}"/>
               </a:ext>
             </a:extLst>
           </p:cNvPr>
@@ -5002,7 +5015,7 @@
           <p:cNvPr id="69" name="Straight Arrow Connector 68">
             <a:extLst>
               <a:ext uri="{FF2B5EF4-FFF2-40B4-BE49-F238E27FC236}">
-                <a16:creationId xmlns:a16="http://schemas.microsoft.com/office/drawing/2014/main" id="{7C9F21BC-13A9-471F-825A-2621FD36355F}"/>
+                <a16:creationId xmlns:a16="http://schemas.microsoft.com/office/drawing/2014/main" xmlns="" id="{7C9F21BC-13A9-471F-825A-2621FD36355F}"/>
               </a:ext>
             </a:extLst>
           </p:cNvPr>
@@ -5048,7 +5061,7 @@
           <p:cNvPr id="88" name="TextBox 87">
             <a:extLst>
               <a:ext uri="{FF2B5EF4-FFF2-40B4-BE49-F238E27FC236}">
-                <a16:creationId xmlns:a16="http://schemas.microsoft.com/office/drawing/2014/main" id="{B85C6184-7378-4E89-A338-72B1E5056F4F}"/>
+                <a16:creationId xmlns:a16="http://schemas.microsoft.com/office/drawing/2014/main" xmlns="" id="{B85C6184-7378-4E89-A338-72B1E5056F4F}"/>
               </a:ext>
             </a:extLst>
           </p:cNvPr>
@@ -5083,7 +5096,7 @@
           </a:lstStyle>
           <a:p>
             <a:r>
-              <a:rPr lang="en-US" sz="1200" dirty="0" err="1">
+              <a:rPr lang="en-US" sz="1200" dirty="0" err="1" smtClean="0">
                 <a:solidFill>
                   <a:srgbClr val="7030A0"/>
                 </a:solidFill>
@@ -5091,7 +5104,7 @@
               <a:t>resetData</a:t>
             </a:r>
             <a:r>
-              <a:rPr lang="en-US" sz="1200" dirty="0">
+              <a:rPr lang="en-US" sz="1200" dirty="0" smtClean="0">
                 <a:solidFill>
                   <a:srgbClr val="7030A0"/>
                 </a:solidFill>
@@ -5099,20 +5112,12 @@
               <a:t>(</a:t>
             </a:r>
             <a:r>
-              <a:rPr lang="en-US" sz="1200" dirty="0" err="1">
+              <a:rPr lang="en-US" sz="1200" smtClean="0">
                 <a:solidFill>
                   <a:srgbClr val="7030A0"/>
                 </a:solidFill>
               </a:rPr>
-              <a:t>ReadOnlyAddressBook</a:t>
-            </a:r>
-            <a:r>
-              <a:rPr lang="en-US" sz="1200" dirty="0">
-                <a:solidFill>
-                  <a:srgbClr val="7030A0"/>
-                </a:solidFill>
-              </a:rPr>
-              <a:t>)</a:t>
+              <a:t>ReadOnlyBookList)</a:t>
             </a:r>
             <a:endParaRPr lang="en-US" sz="1200" dirty="0"/>
           </a:p>
@@ -5123,7 +5128,7 @@
           <p:cNvPr id="89" name="Straight Connector 88">
             <a:extLst>
               <a:ext uri="{FF2B5EF4-FFF2-40B4-BE49-F238E27FC236}">
-                <a16:creationId xmlns:a16="http://schemas.microsoft.com/office/drawing/2014/main" id="{E4E1C8CA-49DF-45D8-80A5-D5C8282EE927}"/>
+                <a16:creationId xmlns:a16="http://schemas.microsoft.com/office/drawing/2014/main" xmlns="" id="{E4E1C8CA-49DF-45D8-80A5-D5C8282EE927}"/>
               </a:ext>
             </a:extLst>
           </p:cNvPr>
@@ -5302,7 +5307,7 @@
           <p:cNvPr id="60" name="Straight Arrow Connector 59">
             <a:extLst>
               <a:ext uri="{FF2B5EF4-FFF2-40B4-BE49-F238E27FC236}">
-                <a16:creationId xmlns:a16="http://schemas.microsoft.com/office/drawing/2014/main" id="{7C9F21BC-13A9-471F-825A-2621FD36355F}"/>
+                <a16:creationId xmlns:a16="http://schemas.microsoft.com/office/drawing/2014/main" xmlns="" id="{7C9F21BC-13A9-471F-825A-2621FD36355F}"/>
               </a:ext>
             </a:extLst>
           </p:cNvPr>
@@ -5348,7 +5353,7 @@
           <p:cNvPr id="63" name="Straight Arrow Connector 62">
             <a:extLst>
               <a:ext uri="{FF2B5EF4-FFF2-40B4-BE49-F238E27FC236}">
-                <a16:creationId xmlns:a16="http://schemas.microsoft.com/office/drawing/2014/main" id="{7C9F21BC-13A9-471F-825A-2621FD36355F}"/>
+                <a16:creationId xmlns:a16="http://schemas.microsoft.com/office/drawing/2014/main" xmlns="" id="{7C9F21BC-13A9-471F-825A-2621FD36355F}"/>
               </a:ext>
             </a:extLst>
           </p:cNvPr>

--- a/docs/diagrams/UndoRedoSequenceDiagram.pptx
+++ b/docs/diagrams/UndoRedoSequenceDiagram.pptx
@@ -212,7 +212,7 @@
           <a:p>
             <a:fld id="{F5CC4B3F-88C1-4FFA-B1B6-F41C21DC6924}" type="datetimeFigureOut">
               <a:rPr lang="en-US" smtClean="0"/>
-              <a:t>3/4/19</a:t>
+              <a:t>3/5/19</a:t>
             </a:fld>
             <a:endParaRPr lang="en-US"/>
           </a:p>
@@ -658,7 +658,7 @@
           <a:p>
             <a:fld id="{78C97017-6FC3-485B-9764-EAC9E56C1D49}" type="datetimeFigureOut">
               <a:rPr lang="en-US" smtClean="0"/>
-              <a:t>3/4/19</a:t>
+              <a:t>3/5/19</a:t>
             </a:fld>
             <a:endParaRPr lang="en-US"/>
           </a:p>
@@ -826,7 +826,7 @@
           <a:p>
             <a:fld id="{78C97017-6FC3-485B-9764-EAC9E56C1D49}" type="datetimeFigureOut">
               <a:rPr lang="en-US" smtClean="0"/>
-              <a:t>3/4/19</a:t>
+              <a:t>3/5/19</a:t>
             </a:fld>
             <a:endParaRPr lang="en-US"/>
           </a:p>
@@ -1004,7 +1004,7 @@
           <a:p>
             <a:fld id="{78C97017-6FC3-485B-9764-EAC9E56C1D49}" type="datetimeFigureOut">
               <a:rPr lang="en-US" smtClean="0"/>
-              <a:t>3/4/19</a:t>
+              <a:t>3/5/19</a:t>
             </a:fld>
             <a:endParaRPr lang="en-US"/>
           </a:p>
@@ -1172,7 +1172,7 @@
           <a:p>
             <a:fld id="{78C97017-6FC3-485B-9764-EAC9E56C1D49}" type="datetimeFigureOut">
               <a:rPr lang="en-US" smtClean="0"/>
-              <a:t>3/4/19</a:t>
+              <a:t>3/5/19</a:t>
             </a:fld>
             <a:endParaRPr lang="en-US"/>
           </a:p>
@@ -1417,7 +1417,7 @@
           <a:p>
             <a:fld id="{78C97017-6FC3-485B-9764-EAC9E56C1D49}" type="datetimeFigureOut">
               <a:rPr lang="en-US" smtClean="0"/>
-              <a:t>3/4/19</a:t>
+              <a:t>3/5/19</a:t>
             </a:fld>
             <a:endParaRPr lang="en-US"/>
           </a:p>
@@ -1702,7 +1702,7 @@
           <a:p>
             <a:fld id="{78C97017-6FC3-485B-9764-EAC9E56C1D49}" type="datetimeFigureOut">
               <a:rPr lang="en-US" smtClean="0"/>
-              <a:t>3/4/19</a:t>
+              <a:t>3/5/19</a:t>
             </a:fld>
             <a:endParaRPr lang="en-US"/>
           </a:p>
@@ -2121,7 +2121,7 @@
           <a:p>
             <a:fld id="{78C97017-6FC3-485B-9764-EAC9E56C1D49}" type="datetimeFigureOut">
               <a:rPr lang="en-US" smtClean="0"/>
-              <a:t>3/4/19</a:t>
+              <a:t>3/5/19</a:t>
             </a:fld>
             <a:endParaRPr lang="en-US"/>
           </a:p>
@@ -2238,7 +2238,7 @@
           <a:p>
             <a:fld id="{78C97017-6FC3-485B-9764-EAC9E56C1D49}" type="datetimeFigureOut">
               <a:rPr lang="en-US" smtClean="0"/>
-              <a:t>3/4/19</a:t>
+              <a:t>3/5/19</a:t>
             </a:fld>
             <a:endParaRPr lang="en-US"/>
           </a:p>
@@ -2333,7 +2333,7 @@
           <a:p>
             <a:fld id="{78C97017-6FC3-485B-9764-EAC9E56C1D49}" type="datetimeFigureOut">
               <a:rPr lang="en-US" smtClean="0"/>
-              <a:t>3/4/19</a:t>
+              <a:t>3/5/19</a:t>
             </a:fld>
             <a:endParaRPr lang="en-US"/>
           </a:p>
@@ -2608,7 +2608,7 @@
           <a:p>
             <a:fld id="{78C97017-6FC3-485B-9764-EAC9E56C1D49}" type="datetimeFigureOut">
               <a:rPr lang="en-US" smtClean="0"/>
-              <a:t>3/4/19</a:t>
+              <a:t>3/5/19</a:t>
             </a:fld>
             <a:endParaRPr lang="en-US"/>
           </a:p>
@@ -2860,7 +2860,7 @@
           <a:p>
             <a:fld id="{78C97017-6FC3-485B-9764-EAC9E56C1D49}" type="datetimeFigureOut">
               <a:rPr lang="en-US" smtClean="0"/>
-              <a:t>3/4/19</a:t>
+              <a:t>3/5/19</a:t>
             </a:fld>
             <a:endParaRPr lang="en-US"/>
           </a:p>
@@ -3071,7 +3071,7 @@
           <a:p>
             <a:fld id="{78C97017-6FC3-485B-9764-EAC9E56C1D49}" type="datetimeFigureOut">
               <a:rPr lang="en-US" smtClean="0"/>
-              <a:t>3/4/19</a:t>
+              <a:t>3/5/19</a:t>
             </a:fld>
             <a:endParaRPr lang="en-US"/>
           </a:p>
@@ -3786,7 +3786,7 @@
                   <a:schemeClr val="bg1"/>
                 </a:solidFill>
               </a:rPr>
-              <a:t>List</a:t>
+              <a:t>Shelf</a:t>
             </a:r>
             <a:r>
               <a:rPr lang="en-US" sz="1600" dirty="0" err="1" smtClean="0">
@@ -4340,7 +4340,7 @@
                   <a:srgbClr val="7030A0"/>
                 </a:solidFill>
               </a:rPr>
-              <a:t>BookList</a:t>
+              <a:t>BookShelf</a:t>
             </a:r>
             <a:r>
               <a:rPr lang="en-US" sz="1200" dirty="0" smtClean="0">
@@ -4927,7 +4927,7 @@
           <p:cNvPr id="66" name="Straight Arrow Connector 65">
             <a:extLst>
               <a:ext uri="{FF2B5EF4-FFF2-40B4-BE49-F238E27FC236}">
-                <a16:creationId xmlns:a16="http://schemas.microsoft.com/office/drawing/2014/main" xmlns="" id="{39916E2E-195A-4DC8-B025-B05FA87E6796}"/>
+                <a16:creationId xmlns="" xmlns:a16="http://schemas.microsoft.com/office/drawing/2014/main" id="{39916E2E-195A-4DC8-B025-B05FA87E6796}"/>
               </a:ext>
             </a:extLst>
           </p:cNvPr>
@@ -4971,7 +4971,7 @@
           <p:cNvPr id="67" name="Straight Arrow Connector 66">
             <a:extLst>
               <a:ext uri="{FF2B5EF4-FFF2-40B4-BE49-F238E27FC236}">
-                <a16:creationId xmlns:a16="http://schemas.microsoft.com/office/drawing/2014/main" xmlns="" id="{D881596E-177C-4FDC-8E60-CAB90B3D5FAB}"/>
+                <a16:creationId xmlns="" xmlns:a16="http://schemas.microsoft.com/office/drawing/2014/main" id="{D881596E-177C-4FDC-8E60-CAB90B3D5FAB}"/>
               </a:ext>
             </a:extLst>
           </p:cNvPr>
@@ -5015,7 +5015,7 @@
           <p:cNvPr id="69" name="Straight Arrow Connector 68">
             <a:extLst>
               <a:ext uri="{FF2B5EF4-FFF2-40B4-BE49-F238E27FC236}">
-                <a16:creationId xmlns:a16="http://schemas.microsoft.com/office/drawing/2014/main" xmlns="" id="{7C9F21BC-13A9-471F-825A-2621FD36355F}"/>
+                <a16:creationId xmlns="" xmlns:a16="http://schemas.microsoft.com/office/drawing/2014/main" id="{7C9F21BC-13A9-471F-825A-2621FD36355F}"/>
               </a:ext>
             </a:extLst>
           </p:cNvPr>
@@ -5061,7 +5061,7 @@
           <p:cNvPr id="88" name="TextBox 87">
             <a:extLst>
               <a:ext uri="{FF2B5EF4-FFF2-40B4-BE49-F238E27FC236}">
-                <a16:creationId xmlns:a16="http://schemas.microsoft.com/office/drawing/2014/main" xmlns="" id="{B85C6184-7378-4E89-A338-72B1E5056F4F}"/>
+                <a16:creationId xmlns="" xmlns:a16="http://schemas.microsoft.com/office/drawing/2014/main" id="{B85C6184-7378-4E89-A338-72B1E5056F4F}"/>
               </a:ext>
             </a:extLst>
           </p:cNvPr>
@@ -5128,7 +5128,7 @@
           <p:cNvPr id="89" name="Straight Connector 88">
             <a:extLst>
               <a:ext uri="{FF2B5EF4-FFF2-40B4-BE49-F238E27FC236}">
-                <a16:creationId xmlns:a16="http://schemas.microsoft.com/office/drawing/2014/main" xmlns="" id="{E4E1C8CA-49DF-45D8-80A5-D5C8282EE927}"/>
+                <a16:creationId xmlns="" xmlns:a16="http://schemas.microsoft.com/office/drawing/2014/main" id="{E4E1C8CA-49DF-45D8-80A5-D5C8282EE927}"/>
               </a:ext>
             </a:extLst>
           </p:cNvPr>
@@ -5307,7 +5307,7 @@
           <p:cNvPr id="60" name="Straight Arrow Connector 59">
             <a:extLst>
               <a:ext uri="{FF2B5EF4-FFF2-40B4-BE49-F238E27FC236}">
-                <a16:creationId xmlns:a16="http://schemas.microsoft.com/office/drawing/2014/main" xmlns="" id="{7C9F21BC-13A9-471F-825A-2621FD36355F}"/>
+                <a16:creationId xmlns="" xmlns:a16="http://schemas.microsoft.com/office/drawing/2014/main" id="{7C9F21BC-13A9-471F-825A-2621FD36355F}"/>
               </a:ext>
             </a:extLst>
           </p:cNvPr>
@@ -5353,7 +5353,7 @@
           <p:cNvPr id="63" name="Straight Arrow Connector 62">
             <a:extLst>
               <a:ext uri="{FF2B5EF4-FFF2-40B4-BE49-F238E27FC236}">
-                <a16:creationId xmlns:a16="http://schemas.microsoft.com/office/drawing/2014/main" xmlns="" id="{7C9F21BC-13A9-471F-825A-2621FD36355F}"/>
+                <a16:creationId xmlns="" xmlns:a16="http://schemas.microsoft.com/office/drawing/2014/main" id="{7C9F21BC-13A9-471F-825A-2621FD36355F}"/>
               </a:ext>
             </a:extLst>
           </p:cNvPr>

--- a/docs/diagrams/UndoRedoSequenceDiagram.pptx
+++ b/docs/diagrams/UndoRedoSequenceDiagram.pptx
@@ -212,7 +212,7 @@
           <a:p>
             <a:fld id="{F5CC4B3F-88C1-4FFA-B1B6-F41C21DC6924}" type="datetimeFigureOut">
               <a:rPr lang="en-US" smtClean="0"/>
-              <a:t>7/6/2018</a:t>
+              <a:t>3/5/19</a:t>
             </a:fld>
             <a:endParaRPr lang="en-US"/>
           </a:p>
@@ -658,7 +658,7 @@
           <a:p>
             <a:fld id="{78C97017-6FC3-485B-9764-EAC9E56C1D49}" type="datetimeFigureOut">
               <a:rPr lang="en-US" smtClean="0"/>
-              <a:t>7/6/2018</a:t>
+              <a:t>3/5/19</a:t>
             </a:fld>
             <a:endParaRPr lang="en-US"/>
           </a:p>
@@ -826,7 +826,7 @@
           <a:p>
             <a:fld id="{78C97017-6FC3-485B-9764-EAC9E56C1D49}" type="datetimeFigureOut">
               <a:rPr lang="en-US" smtClean="0"/>
-              <a:t>7/6/2018</a:t>
+              <a:t>3/5/19</a:t>
             </a:fld>
             <a:endParaRPr lang="en-US"/>
           </a:p>
@@ -1004,7 +1004,7 @@
           <a:p>
             <a:fld id="{78C97017-6FC3-485B-9764-EAC9E56C1D49}" type="datetimeFigureOut">
               <a:rPr lang="en-US" smtClean="0"/>
-              <a:t>7/6/2018</a:t>
+              <a:t>3/5/19</a:t>
             </a:fld>
             <a:endParaRPr lang="en-US"/>
           </a:p>
@@ -1172,7 +1172,7 @@
           <a:p>
             <a:fld id="{78C97017-6FC3-485B-9764-EAC9E56C1D49}" type="datetimeFigureOut">
               <a:rPr lang="en-US" smtClean="0"/>
-              <a:t>7/6/2018</a:t>
+              <a:t>3/5/19</a:t>
             </a:fld>
             <a:endParaRPr lang="en-US"/>
           </a:p>
@@ -1417,7 +1417,7 @@
           <a:p>
             <a:fld id="{78C97017-6FC3-485B-9764-EAC9E56C1D49}" type="datetimeFigureOut">
               <a:rPr lang="en-US" smtClean="0"/>
-              <a:t>7/6/2018</a:t>
+              <a:t>3/5/19</a:t>
             </a:fld>
             <a:endParaRPr lang="en-US"/>
           </a:p>
@@ -1702,7 +1702,7 @@
           <a:p>
             <a:fld id="{78C97017-6FC3-485B-9764-EAC9E56C1D49}" type="datetimeFigureOut">
               <a:rPr lang="en-US" smtClean="0"/>
-              <a:t>7/6/2018</a:t>
+              <a:t>3/5/19</a:t>
             </a:fld>
             <a:endParaRPr lang="en-US"/>
           </a:p>
@@ -2121,7 +2121,7 @@
           <a:p>
             <a:fld id="{78C97017-6FC3-485B-9764-EAC9E56C1D49}" type="datetimeFigureOut">
               <a:rPr lang="en-US" smtClean="0"/>
-              <a:t>7/6/2018</a:t>
+              <a:t>3/5/19</a:t>
             </a:fld>
             <a:endParaRPr lang="en-US"/>
           </a:p>
@@ -2238,7 +2238,7 @@
           <a:p>
             <a:fld id="{78C97017-6FC3-485B-9764-EAC9E56C1D49}" type="datetimeFigureOut">
               <a:rPr lang="en-US" smtClean="0"/>
-              <a:t>7/6/2018</a:t>
+              <a:t>3/5/19</a:t>
             </a:fld>
             <a:endParaRPr lang="en-US"/>
           </a:p>
@@ -2333,7 +2333,7 @@
           <a:p>
             <a:fld id="{78C97017-6FC3-485B-9764-EAC9E56C1D49}" type="datetimeFigureOut">
               <a:rPr lang="en-US" smtClean="0"/>
-              <a:t>7/6/2018</a:t>
+              <a:t>3/5/19</a:t>
             </a:fld>
             <a:endParaRPr lang="en-US"/>
           </a:p>
@@ -2608,7 +2608,7 @@
           <a:p>
             <a:fld id="{78C97017-6FC3-485B-9764-EAC9E56C1D49}" type="datetimeFigureOut">
               <a:rPr lang="en-US" smtClean="0"/>
-              <a:t>7/6/2018</a:t>
+              <a:t>3/5/19</a:t>
             </a:fld>
             <a:endParaRPr lang="en-US"/>
           </a:p>
@@ -2860,7 +2860,7 @@
           <a:p>
             <a:fld id="{78C97017-6FC3-485B-9764-EAC9E56C1D49}" type="datetimeFigureOut">
               <a:rPr lang="en-US" smtClean="0"/>
-              <a:t>7/6/2018</a:t>
+              <a:t>3/5/19</a:t>
             </a:fld>
             <a:endParaRPr lang="en-US"/>
           </a:p>
@@ -3071,7 +3071,7 @@
           <a:p>
             <a:fld id="{78C97017-6FC3-485B-9764-EAC9E56C1D49}" type="datetimeFigureOut">
               <a:rPr lang="en-US" smtClean="0"/>
-              <a:t>7/6/2018</a:t>
+              <a:t>3/5/19</a:t>
             </a:fld>
             <a:endParaRPr lang="en-US"/>
           </a:p>
@@ -3765,23 +3765,36 @@
           <a:p>
             <a:pPr algn="ctr"/>
             <a:r>
-              <a:rPr lang="en-US" sz="1600" dirty="0">
+              <a:rPr lang="en-US" sz="1600" dirty="0" smtClean="0">
                 <a:solidFill>
                   <a:schemeClr val="bg1"/>
                 </a:solidFill>
               </a:rPr>
-              <a:t>:Address</a:t>
-            </a:r>
+              <a:t>:Book</a:t>
+            </a:r>
+            <a:endParaRPr lang="en-US" sz="1600" dirty="0">
+              <a:solidFill>
+                <a:schemeClr val="bg1"/>
+              </a:solidFill>
+            </a:endParaRPr>
           </a:p>
           <a:p>
             <a:pPr algn="ctr"/>
             <a:r>
-              <a:rPr lang="en-US" sz="1600" dirty="0" err="1">
+              <a:rPr lang="en-US" sz="1600" dirty="0" err="1" smtClean="0">
                 <a:solidFill>
                   <a:schemeClr val="bg1"/>
                 </a:solidFill>
               </a:rPr>
-              <a:t>BookParser</a:t>
+              <a:t>Shelf</a:t>
+            </a:r>
+            <a:r>
+              <a:rPr lang="en-US" sz="1600" dirty="0" err="1" smtClean="0">
+                <a:solidFill>
+                  <a:schemeClr val="bg1"/>
+                </a:solidFill>
+              </a:rPr>
+              <a:t>Parser</a:t>
             </a:r>
             <a:endParaRPr lang="en-SG" sz="1600" dirty="0">
               <a:solidFill>
@@ -4312,7 +4325,7 @@
           </a:lstStyle>
           <a:p>
             <a:r>
-              <a:rPr lang="en-US" sz="1200" dirty="0" err="1">
+              <a:rPr lang="en-US" sz="1200" dirty="0" err="1" smtClean="0">
                 <a:solidFill>
                   <a:schemeClr val="accent4">
                     <a:lumMod val="75000"/>
@@ -4322,15 +4335,15 @@
               <a:t>undo</a:t>
             </a:r>
             <a:r>
-              <a:rPr lang="en-US" sz="1200" dirty="0" err="1">
+              <a:rPr lang="en-US" sz="1200" dirty="0" err="1" smtClean="0">
                 <a:solidFill>
                   <a:srgbClr val="7030A0"/>
                 </a:solidFill>
               </a:rPr>
-              <a:t>AddressBook</a:t>
-            </a:r>
-            <a:r>
-              <a:rPr lang="en-US" sz="1200" dirty="0">
+              <a:t>BookShelf</a:t>
+            </a:r>
+            <a:r>
+              <a:rPr lang="en-US" sz="1200" dirty="0" smtClean="0">
                 <a:solidFill>
                   <a:srgbClr val="7030A0"/>
                 </a:solidFill>
@@ -4517,12 +4530,12 @@
               <a:t>:</a:t>
             </a:r>
             <a:r>
-              <a:rPr lang="en-US" sz="1600" dirty="0" err="1">
+              <a:rPr lang="en-US" sz="1600" dirty="0" err="1" smtClean="0">
                 <a:solidFill>
                   <a:schemeClr val="bg1"/>
                 </a:solidFill>
               </a:rPr>
-              <a:t>VersionedAddressBook</a:t>
+              <a:t>VersionedBookList</a:t>
             </a:r>
             <a:endParaRPr lang="en-SG" sz="1600" dirty="0">
               <a:solidFill>
@@ -4914,7 +4927,7 @@
           <p:cNvPr id="66" name="Straight Arrow Connector 65">
             <a:extLst>
               <a:ext uri="{FF2B5EF4-FFF2-40B4-BE49-F238E27FC236}">
-                <a16:creationId xmlns:a16="http://schemas.microsoft.com/office/drawing/2014/main" id="{39916E2E-195A-4DC8-B025-B05FA87E6796}"/>
+                <a16:creationId xmlns="" xmlns:a16="http://schemas.microsoft.com/office/drawing/2014/main" id="{39916E2E-195A-4DC8-B025-B05FA87E6796}"/>
               </a:ext>
             </a:extLst>
           </p:cNvPr>
@@ -4958,7 +4971,7 @@
           <p:cNvPr id="67" name="Straight Arrow Connector 66">
             <a:extLst>
               <a:ext uri="{FF2B5EF4-FFF2-40B4-BE49-F238E27FC236}">
-                <a16:creationId xmlns:a16="http://schemas.microsoft.com/office/drawing/2014/main" id="{D881596E-177C-4FDC-8E60-CAB90B3D5FAB}"/>
+                <a16:creationId xmlns="" xmlns:a16="http://schemas.microsoft.com/office/drawing/2014/main" id="{D881596E-177C-4FDC-8E60-CAB90B3D5FAB}"/>
               </a:ext>
             </a:extLst>
           </p:cNvPr>
@@ -5002,7 +5015,7 @@
           <p:cNvPr id="69" name="Straight Arrow Connector 68">
             <a:extLst>
               <a:ext uri="{FF2B5EF4-FFF2-40B4-BE49-F238E27FC236}">
-                <a16:creationId xmlns:a16="http://schemas.microsoft.com/office/drawing/2014/main" id="{7C9F21BC-13A9-471F-825A-2621FD36355F}"/>
+                <a16:creationId xmlns="" xmlns:a16="http://schemas.microsoft.com/office/drawing/2014/main" id="{7C9F21BC-13A9-471F-825A-2621FD36355F}"/>
               </a:ext>
             </a:extLst>
           </p:cNvPr>
@@ -5048,7 +5061,7 @@
           <p:cNvPr id="88" name="TextBox 87">
             <a:extLst>
               <a:ext uri="{FF2B5EF4-FFF2-40B4-BE49-F238E27FC236}">
-                <a16:creationId xmlns:a16="http://schemas.microsoft.com/office/drawing/2014/main" id="{B85C6184-7378-4E89-A338-72B1E5056F4F}"/>
+                <a16:creationId xmlns="" xmlns:a16="http://schemas.microsoft.com/office/drawing/2014/main" id="{B85C6184-7378-4E89-A338-72B1E5056F4F}"/>
               </a:ext>
             </a:extLst>
           </p:cNvPr>
@@ -5083,7 +5096,7 @@
           </a:lstStyle>
           <a:p>
             <a:r>
-              <a:rPr lang="en-US" sz="1200" dirty="0" err="1">
+              <a:rPr lang="en-US" sz="1200" dirty="0" err="1" smtClean="0">
                 <a:solidFill>
                   <a:srgbClr val="7030A0"/>
                 </a:solidFill>
@@ -5091,7 +5104,7 @@
               <a:t>resetData</a:t>
             </a:r>
             <a:r>
-              <a:rPr lang="en-US" sz="1200" dirty="0">
+              <a:rPr lang="en-US" sz="1200" dirty="0" smtClean="0">
                 <a:solidFill>
                   <a:srgbClr val="7030A0"/>
                 </a:solidFill>
@@ -5099,20 +5112,12 @@
               <a:t>(</a:t>
             </a:r>
             <a:r>
-              <a:rPr lang="en-US" sz="1200" dirty="0" err="1">
+              <a:rPr lang="en-US" sz="1200" smtClean="0">
                 <a:solidFill>
                   <a:srgbClr val="7030A0"/>
                 </a:solidFill>
               </a:rPr>
-              <a:t>ReadOnlyAddressBook</a:t>
-            </a:r>
-            <a:r>
-              <a:rPr lang="en-US" sz="1200" dirty="0">
-                <a:solidFill>
-                  <a:srgbClr val="7030A0"/>
-                </a:solidFill>
-              </a:rPr>
-              <a:t>)</a:t>
+              <a:t>ReadOnlyBookList)</a:t>
             </a:r>
             <a:endParaRPr lang="en-US" sz="1200" dirty="0"/>
           </a:p>
@@ -5123,7 +5128,7 @@
           <p:cNvPr id="89" name="Straight Connector 88">
             <a:extLst>
               <a:ext uri="{FF2B5EF4-FFF2-40B4-BE49-F238E27FC236}">
-                <a16:creationId xmlns:a16="http://schemas.microsoft.com/office/drawing/2014/main" id="{E4E1C8CA-49DF-45D8-80A5-D5C8282EE927}"/>
+                <a16:creationId xmlns="" xmlns:a16="http://schemas.microsoft.com/office/drawing/2014/main" id="{E4E1C8CA-49DF-45D8-80A5-D5C8282EE927}"/>
               </a:ext>
             </a:extLst>
           </p:cNvPr>
@@ -5302,7 +5307,7 @@
           <p:cNvPr id="60" name="Straight Arrow Connector 59">
             <a:extLst>
               <a:ext uri="{FF2B5EF4-FFF2-40B4-BE49-F238E27FC236}">
-                <a16:creationId xmlns:a16="http://schemas.microsoft.com/office/drawing/2014/main" id="{7C9F21BC-13A9-471F-825A-2621FD36355F}"/>
+                <a16:creationId xmlns="" xmlns:a16="http://schemas.microsoft.com/office/drawing/2014/main" id="{7C9F21BC-13A9-471F-825A-2621FD36355F}"/>
               </a:ext>
             </a:extLst>
           </p:cNvPr>
@@ -5348,7 +5353,7 @@
           <p:cNvPr id="63" name="Straight Arrow Connector 62">
             <a:extLst>
               <a:ext uri="{FF2B5EF4-FFF2-40B4-BE49-F238E27FC236}">
-                <a16:creationId xmlns:a16="http://schemas.microsoft.com/office/drawing/2014/main" id="{7C9F21BC-13A9-471F-825A-2621FD36355F}"/>
+                <a16:creationId xmlns="" xmlns:a16="http://schemas.microsoft.com/office/drawing/2014/main" id="{7C9F21BC-13A9-471F-825A-2621FD36355F}"/>
               </a:ext>
             </a:extLst>
           </p:cNvPr>

--- a/docs/diagrams/UndoRedoSequenceDiagram.pptx
+++ b/docs/diagrams/UndoRedoSequenceDiagram.pptx
@@ -126,10 +126,6 @@
 </p:presentation>
 </file>
 
-<file path=ppt/revisionInfo.xml><?xml version="1.0" encoding="utf-8"?>
-<p1510:revInfo xmlns:a="http://schemas.openxmlformats.org/drawingml/2006/main" xmlns:r="http://schemas.openxmlformats.org/officeDocument/2006/relationships" xmlns:p1510="http://schemas.microsoft.com/office/powerpoint/2015/10/main"/>
-</file>
-
 <file path=ppt/notesMasters/notesMaster1.xml><?xml version="1.0" encoding="utf-8"?>
 <p:notesMaster xmlns:a="http://schemas.openxmlformats.org/drawingml/2006/main" xmlns:r="http://schemas.openxmlformats.org/officeDocument/2006/relationships" xmlns:p="http://schemas.openxmlformats.org/presentationml/2006/main">
   <p:cSld>
@@ -212,7 +208,7 @@
           <a:p>
             <a:fld id="{F5CC4B3F-88C1-4FFA-B1B6-F41C21DC6924}" type="datetimeFigureOut">
               <a:rPr lang="en-US" smtClean="0"/>
-              <a:t>7/6/2018</a:t>
+              <a:t>3/17/2019</a:t>
             </a:fld>
             <a:endParaRPr lang="en-US"/>
           </a:p>
@@ -658,7 +654,7 @@
           <a:p>
             <a:fld id="{78C97017-6FC3-485B-9764-EAC9E56C1D49}" type="datetimeFigureOut">
               <a:rPr lang="en-US" smtClean="0"/>
-              <a:t>7/6/2018</a:t>
+              <a:t>3/17/2019</a:t>
             </a:fld>
             <a:endParaRPr lang="en-US"/>
           </a:p>
@@ -826,7 +822,7 @@
           <a:p>
             <a:fld id="{78C97017-6FC3-485B-9764-EAC9E56C1D49}" type="datetimeFigureOut">
               <a:rPr lang="en-US" smtClean="0"/>
-              <a:t>7/6/2018</a:t>
+              <a:t>3/17/2019</a:t>
             </a:fld>
             <a:endParaRPr lang="en-US"/>
           </a:p>
@@ -1004,7 +1000,7 @@
           <a:p>
             <a:fld id="{78C97017-6FC3-485B-9764-EAC9E56C1D49}" type="datetimeFigureOut">
               <a:rPr lang="en-US" smtClean="0"/>
-              <a:t>7/6/2018</a:t>
+              <a:t>3/17/2019</a:t>
             </a:fld>
             <a:endParaRPr lang="en-US"/>
           </a:p>
@@ -1172,7 +1168,7 @@
           <a:p>
             <a:fld id="{78C97017-6FC3-485B-9764-EAC9E56C1D49}" type="datetimeFigureOut">
               <a:rPr lang="en-US" smtClean="0"/>
-              <a:t>7/6/2018</a:t>
+              <a:t>3/17/2019</a:t>
             </a:fld>
             <a:endParaRPr lang="en-US"/>
           </a:p>
@@ -1417,7 +1413,7 @@
           <a:p>
             <a:fld id="{78C97017-6FC3-485B-9764-EAC9E56C1D49}" type="datetimeFigureOut">
               <a:rPr lang="en-US" smtClean="0"/>
-              <a:t>7/6/2018</a:t>
+              <a:t>3/17/2019</a:t>
             </a:fld>
             <a:endParaRPr lang="en-US"/>
           </a:p>
@@ -1702,7 +1698,7 @@
           <a:p>
             <a:fld id="{78C97017-6FC3-485B-9764-EAC9E56C1D49}" type="datetimeFigureOut">
               <a:rPr lang="en-US" smtClean="0"/>
-              <a:t>7/6/2018</a:t>
+              <a:t>3/17/2019</a:t>
             </a:fld>
             <a:endParaRPr lang="en-US"/>
           </a:p>
@@ -2121,7 +2117,7 @@
           <a:p>
             <a:fld id="{78C97017-6FC3-485B-9764-EAC9E56C1D49}" type="datetimeFigureOut">
               <a:rPr lang="en-US" smtClean="0"/>
-              <a:t>7/6/2018</a:t>
+              <a:t>3/17/2019</a:t>
             </a:fld>
             <a:endParaRPr lang="en-US"/>
           </a:p>
@@ -2238,7 +2234,7 @@
           <a:p>
             <a:fld id="{78C97017-6FC3-485B-9764-EAC9E56C1D49}" type="datetimeFigureOut">
               <a:rPr lang="en-US" smtClean="0"/>
-              <a:t>7/6/2018</a:t>
+              <a:t>3/17/2019</a:t>
             </a:fld>
             <a:endParaRPr lang="en-US"/>
           </a:p>
@@ -2333,7 +2329,7 @@
           <a:p>
             <a:fld id="{78C97017-6FC3-485B-9764-EAC9E56C1D49}" type="datetimeFigureOut">
               <a:rPr lang="en-US" smtClean="0"/>
-              <a:t>7/6/2018</a:t>
+              <a:t>3/17/2019</a:t>
             </a:fld>
             <a:endParaRPr lang="en-US"/>
           </a:p>
@@ -2608,7 +2604,7 @@
           <a:p>
             <a:fld id="{78C97017-6FC3-485B-9764-EAC9E56C1D49}" type="datetimeFigureOut">
               <a:rPr lang="en-US" smtClean="0"/>
-              <a:t>7/6/2018</a:t>
+              <a:t>3/17/2019</a:t>
             </a:fld>
             <a:endParaRPr lang="en-US"/>
           </a:p>
@@ -2860,7 +2856,7 @@
           <a:p>
             <a:fld id="{78C97017-6FC3-485B-9764-EAC9E56C1D49}" type="datetimeFigureOut">
               <a:rPr lang="en-US" smtClean="0"/>
-              <a:t>7/6/2018</a:t>
+              <a:t>3/17/2019</a:t>
             </a:fld>
             <a:endParaRPr lang="en-US"/>
           </a:p>
@@ -3071,7 +3067,7 @@
           <a:p>
             <a:fld id="{78C97017-6FC3-485B-9764-EAC9E56C1D49}" type="datetimeFigureOut">
               <a:rPr lang="en-US" smtClean="0"/>
-              <a:t>7/6/2018</a:t>
+              <a:t>3/17/2019</a:t>
             </a:fld>
             <a:endParaRPr lang="en-US"/>
           </a:p>
@@ -3729,8 +3725,8 @@
         </p:nvSpPr>
         <p:spPr>
           <a:xfrm>
-            <a:off x="3437188" y="423022"/>
-            <a:ext cx="1219200" cy="467684"/>
+            <a:off x="3272755" y="381465"/>
+            <a:ext cx="1598788" cy="467684"/>
           </a:xfrm>
           <a:prstGeom prst="rect">
             <a:avLst/>
@@ -3770,18 +3766,15 @@
                   <a:schemeClr val="bg1"/>
                 </a:solidFill>
               </a:rPr>
-              <a:t>:Address</a:t>
-            </a:r>
-          </a:p>
-          <a:p>
-            <a:pPr algn="ctr"/>
+              <a:t>:</a:t>
+            </a:r>
             <a:r>
               <a:rPr lang="en-US" sz="1600" dirty="0" err="1">
                 <a:solidFill>
                   <a:schemeClr val="bg1"/>
                 </a:solidFill>
               </a:rPr>
-              <a:t>BookParser</a:t>
+              <a:t>InventoryParser</a:t>
             </a:r>
             <a:endParaRPr lang="en-SG" sz="1600" dirty="0">
               <a:solidFill>
@@ -4286,7 +4279,7 @@
         </p:nvSpPr>
         <p:spPr>
           <a:xfrm>
-            <a:off x="5651548" y="2748246"/>
+            <a:off x="5469694" y="2778391"/>
             <a:ext cx="1298078" cy="184666"/>
           </a:xfrm>
           <a:prstGeom prst="rect">
@@ -4327,7 +4320,7 @@
                   <a:srgbClr val="7030A0"/>
                 </a:solidFill>
               </a:rPr>
-              <a:t>AddressBook</a:t>
+              <a:t>Inventory</a:t>
             </a:r>
             <a:r>
               <a:rPr lang="en-US" sz="1200" dirty="0">
@@ -4522,7 +4515,7 @@
                   <a:schemeClr val="bg1"/>
                 </a:solidFill>
               </a:rPr>
-              <a:t>VersionedAddressBook</a:t>
+              <a:t>VersionedInventory</a:t>
             </a:r>
             <a:endParaRPr lang="en-SG" sz="1600" dirty="0">
               <a:solidFill>
@@ -5057,8 +5050,8 @@
         </p:nvSpPr>
         <p:spPr>
           <a:xfrm>
-            <a:off x="8769530" y="3267337"/>
-            <a:ext cx="2120786" cy="184666"/>
+            <a:off x="8758171" y="3295079"/>
+            <a:ext cx="1877511" cy="184666"/>
           </a:xfrm>
           <a:prstGeom prst="rect">
             <a:avLst/>
@@ -5104,7 +5097,7 @@
                   <a:srgbClr val="7030A0"/>
                 </a:solidFill>
               </a:rPr>
-              <a:t>ReadOnlyAddressBook</a:t>
+              <a:t>ReadOnlyInventory</a:t>
             </a:r>
             <a:r>
               <a:rPr lang="en-US" sz="1200" dirty="0">
@@ -5171,7 +5164,7 @@
         </p:nvSpPr>
         <p:spPr>
           <a:xfrm>
-            <a:off x="7667691" y="2975344"/>
+            <a:off x="7442696" y="2991325"/>
             <a:ext cx="551687" cy="184666"/>
           </a:xfrm>
           <a:prstGeom prst="rect">

--- a/docs/diagrams/UndoRedoSequenceDiagram.pptx
+++ b/docs/diagrams/UndoRedoSequenceDiagram.pptx
@@ -126,10 +126,6 @@
 </p:presentation>
 </file>
 
-<file path=ppt/revisionInfo.xml><?xml version="1.0" encoding="utf-8"?>
-<p1510:revInfo xmlns:a="http://schemas.openxmlformats.org/drawingml/2006/main" xmlns:r="http://schemas.openxmlformats.org/officeDocument/2006/relationships" xmlns:p1510="http://schemas.microsoft.com/office/powerpoint/2015/10/main"/>
-</file>
-
 <file path=ppt/notesMasters/notesMaster1.xml><?xml version="1.0" encoding="utf-8"?>
 <p:notesMaster xmlns:a="http://schemas.openxmlformats.org/drawingml/2006/main" xmlns:r="http://schemas.openxmlformats.org/officeDocument/2006/relationships" xmlns:p="http://schemas.openxmlformats.org/presentationml/2006/main">
   <p:cSld>
@@ -212,7 +208,7 @@
           <a:p>
             <a:fld id="{F5CC4B3F-88C1-4FFA-B1B6-F41C21DC6924}" type="datetimeFigureOut">
               <a:rPr lang="en-US" smtClean="0"/>
-              <a:t>7/6/2018</a:t>
+              <a:t>3/18/19</a:t>
             </a:fld>
             <a:endParaRPr lang="en-US"/>
           </a:p>
@@ -658,7 +654,7 @@
           <a:p>
             <a:fld id="{78C97017-6FC3-485B-9764-EAC9E56C1D49}" type="datetimeFigureOut">
               <a:rPr lang="en-US" smtClean="0"/>
-              <a:t>7/6/2018</a:t>
+              <a:t>3/18/19</a:t>
             </a:fld>
             <a:endParaRPr lang="en-US"/>
           </a:p>
@@ -826,7 +822,7 @@
           <a:p>
             <a:fld id="{78C97017-6FC3-485B-9764-EAC9E56C1D49}" type="datetimeFigureOut">
               <a:rPr lang="en-US" smtClean="0"/>
-              <a:t>7/6/2018</a:t>
+              <a:t>3/18/19</a:t>
             </a:fld>
             <a:endParaRPr lang="en-US"/>
           </a:p>
@@ -1004,7 +1000,7 @@
           <a:p>
             <a:fld id="{78C97017-6FC3-485B-9764-EAC9E56C1D49}" type="datetimeFigureOut">
               <a:rPr lang="en-US" smtClean="0"/>
-              <a:t>7/6/2018</a:t>
+              <a:t>3/18/19</a:t>
             </a:fld>
             <a:endParaRPr lang="en-US"/>
           </a:p>
@@ -1172,7 +1168,7 @@
           <a:p>
             <a:fld id="{78C97017-6FC3-485B-9764-EAC9E56C1D49}" type="datetimeFigureOut">
               <a:rPr lang="en-US" smtClean="0"/>
-              <a:t>7/6/2018</a:t>
+              <a:t>3/18/19</a:t>
             </a:fld>
             <a:endParaRPr lang="en-US"/>
           </a:p>
@@ -1417,7 +1413,7 @@
           <a:p>
             <a:fld id="{78C97017-6FC3-485B-9764-EAC9E56C1D49}" type="datetimeFigureOut">
               <a:rPr lang="en-US" smtClean="0"/>
-              <a:t>7/6/2018</a:t>
+              <a:t>3/18/19</a:t>
             </a:fld>
             <a:endParaRPr lang="en-US"/>
           </a:p>
@@ -1702,7 +1698,7 @@
           <a:p>
             <a:fld id="{78C97017-6FC3-485B-9764-EAC9E56C1D49}" type="datetimeFigureOut">
               <a:rPr lang="en-US" smtClean="0"/>
-              <a:t>7/6/2018</a:t>
+              <a:t>3/18/19</a:t>
             </a:fld>
             <a:endParaRPr lang="en-US"/>
           </a:p>
@@ -2121,7 +2117,7 @@
           <a:p>
             <a:fld id="{78C97017-6FC3-485B-9764-EAC9E56C1D49}" type="datetimeFigureOut">
               <a:rPr lang="en-US" smtClean="0"/>
-              <a:t>7/6/2018</a:t>
+              <a:t>3/18/19</a:t>
             </a:fld>
             <a:endParaRPr lang="en-US"/>
           </a:p>
@@ -2238,7 +2234,7 @@
           <a:p>
             <a:fld id="{78C97017-6FC3-485B-9764-EAC9E56C1D49}" type="datetimeFigureOut">
               <a:rPr lang="en-US" smtClean="0"/>
-              <a:t>7/6/2018</a:t>
+              <a:t>3/18/19</a:t>
             </a:fld>
             <a:endParaRPr lang="en-US"/>
           </a:p>
@@ -2333,7 +2329,7 @@
           <a:p>
             <a:fld id="{78C97017-6FC3-485B-9764-EAC9E56C1D49}" type="datetimeFigureOut">
               <a:rPr lang="en-US" smtClean="0"/>
-              <a:t>7/6/2018</a:t>
+              <a:t>3/18/19</a:t>
             </a:fld>
             <a:endParaRPr lang="en-US"/>
           </a:p>
@@ -2608,7 +2604,7 @@
           <a:p>
             <a:fld id="{78C97017-6FC3-485B-9764-EAC9E56C1D49}" type="datetimeFigureOut">
               <a:rPr lang="en-US" smtClean="0"/>
-              <a:t>7/6/2018</a:t>
+              <a:t>3/18/19</a:t>
             </a:fld>
             <a:endParaRPr lang="en-US"/>
           </a:p>
@@ -2860,7 +2856,7 @@
           <a:p>
             <a:fld id="{78C97017-6FC3-485B-9764-EAC9E56C1D49}" type="datetimeFigureOut">
               <a:rPr lang="en-US" smtClean="0"/>
-              <a:t>7/6/2018</a:t>
+              <a:t>3/18/19</a:t>
             </a:fld>
             <a:endParaRPr lang="en-US"/>
           </a:p>
@@ -3071,7 +3067,7 @@
           <a:p>
             <a:fld id="{78C97017-6FC3-485B-9764-EAC9E56C1D49}" type="datetimeFigureOut">
               <a:rPr lang="en-US" smtClean="0"/>
-              <a:t>7/6/2018</a:t>
+              <a:t>3/18/19</a:t>
             </a:fld>
             <a:endParaRPr lang="en-US"/>
           </a:p>
@@ -3770,7 +3766,7 @@
                   <a:schemeClr val="bg1"/>
                 </a:solidFill>
               </a:rPr>
-              <a:t>:Address</a:t>
+              <a:t>:Pdf</a:t>
             </a:r>
           </a:p>
           <a:p>
@@ -4327,7 +4323,7 @@
                   <a:srgbClr val="7030A0"/>
                 </a:solidFill>
               </a:rPr>
-              <a:t>AddressBook</a:t>
+              <a:t>PdfBook</a:t>
             </a:r>
             <a:r>
               <a:rPr lang="en-US" sz="1200" dirty="0">
@@ -4522,7 +4518,7 @@
                   <a:schemeClr val="bg1"/>
                 </a:solidFill>
               </a:rPr>
-              <a:t>VersionedAddressBook</a:t>
+              <a:t>VersionedPdfBook</a:t>
             </a:r>
             <a:endParaRPr lang="en-SG" sz="1600" dirty="0">
               <a:solidFill>
@@ -5104,7 +5100,7 @@
                   <a:srgbClr val="7030A0"/>
                 </a:solidFill>
               </a:rPr>
-              <a:t>ReadOnlyAddressBook</a:t>
+              <a:t>ReadOnlyPdfBook</a:t>
             </a:r>
             <a:r>
               <a:rPr lang="en-US" sz="1200" dirty="0">

--- a/docs/diagrams/UndoRedoSequenceDiagram.pptx
+++ b/docs/diagrams/UndoRedoSequenceDiagram.pptx
@@ -126,10 +126,6 @@
 </p:presentation>
 </file>
 
-<file path=ppt/revisionInfo.xml><?xml version="1.0" encoding="utf-8"?>
-<p1510:revInfo xmlns:a="http://schemas.openxmlformats.org/drawingml/2006/main" xmlns:r="http://schemas.openxmlformats.org/officeDocument/2006/relationships" xmlns:p1510="http://schemas.microsoft.com/office/powerpoint/2015/10/main"/>
-</file>
-
 <file path=ppt/notesMasters/notesMaster1.xml><?xml version="1.0" encoding="utf-8"?>
 <p:notesMaster xmlns:a="http://schemas.openxmlformats.org/drawingml/2006/main" xmlns:r="http://schemas.openxmlformats.org/officeDocument/2006/relationships" xmlns:p="http://schemas.openxmlformats.org/presentationml/2006/main">
   <p:cSld>
@@ -212,7 +208,7 @@
           <a:p>
             <a:fld id="{F5CC4B3F-88C1-4FFA-B1B6-F41C21DC6924}" type="datetimeFigureOut">
               <a:rPr lang="en-US" smtClean="0"/>
-              <a:t>7/6/2018</a:t>
+              <a:t>3/20/19</a:t>
             </a:fld>
             <a:endParaRPr lang="en-US"/>
           </a:p>
@@ -658,7 +654,7 @@
           <a:p>
             <a:fld id="{78C97017-6FC3-485B-9764-EAC9E56C1D49}" type="datetimeFigureOut">
               <a:rPr lang="en-US" smtClean="0"/>
-              <a:t>7/6/2018</a:t>
+              <a:t>3/20/19</a:t>
             </a:fld>
             <a:endParaRPr lang="en-US"/>
           </a:p>
@@ -826,7 +822,7 @@
           <a:p>
             <a:fld id="{78C97017-6FC3-485B-9764-EAC9E56C1D49}" type="datetimeFigureOut">
               <a:rPr lang="en-US" smtClean="0"/>
-              <a:t>7/6/2018</a:t>
+              <a:t>3/20/19</a:t>
             </a:fld>
             <a:endParaRPr lang="en-US"/>
           </a:p>
@@ -1004,7 +1000,7 @@
           <a:p>
             <a:fld id="{78C97017-6FC3-485B-9764-EAC9E56C1D49}" type="datetimeFigureOut">
               <a:rPr lang="en-US" smtClean="0"/>
-              <a:t>7/6/2018</a:t>
+              <a:t>3/20/19</a:t>
             </a:fld>
             <a:endParaRPr lang="en-US"/>
           </a:p>
@@ -1172,7 +1168,7 @@
           <a:p>
             <a:fld id="{78C97017-6FC3-485B-9764-EAC9E56C1D49}" type="datetimeFigureOut">
               <a:rPr lang="en-US" smtClean="0"/>
-              <a:t>7/6/2018</a:t>
+              <a:t>3/20/19</a:t>
             </a:fld>
             <a:endParaRPr lang="en-US"/>
           </a:p>
@@ -1417,7 +1413,7 @@
           <a:p>
             <a:fld id="{78C97017-6FC3-485B-9764-EAC9E56C1D49}" type="datetimeFigureOut">
               <a:rPr lang="en-US" smtClean="0"/>
-              <a:t>7/6/2018</a:t>
+              <a:t>3/20/19</a:t>
             </a:fld>
             <a:endParaRPr lang="en-US"/>
           </a:p>
@@ -1702,7 +1698,7 @@
           <a:p>
             <a:fld id="{78C97017-6FC3-485B-9764-EAC9E56C1D49}" type="datetimeFigureOut">
               <a:rPr lang="en-US" smtClean="0"/>
-              <a:t>7/6/2018</a:t>
+              <a:t>3/20/19</a:t>
             </a:fld>
             <a:endParaRPr lang="en-US"/>
           </a:p>
@@ -2121,7 +2117,7 @@
           <a:p>
             <a:fld id="{78C97017-6FC3-485B-9764-EAC9E56C1D49}" type="datetimeFigureOut">
               <a:rPr lang="en-US" smtClean="0"/>
-              <a:t>7/6/2018</a:t>
+              <a:t>3/20/19</a:t>
             </a:fld>
             <a:endParaRPr lang="en-US"/>
           </a:p>
@@ -2238,7 +2234,7 @@
           <a:p>
             <a:fld id="{78C97017-6FC3-485B-9764-EAC9E56C1D49}" type="datetimeFigureOut">
               <a:rPr lang="en-US" smtClean="0"/>
-              <a:t>7/6/2018</a:t>
+              <a:t>3/20/19</a:t>
             </a:fld>
             <a:endParaRPr lang="en-US"/>
           </a:p>
@@ -2333,7 +2329,7 @@
           <a:p>
             <a:fld id="{78C97017-6FC3-485B-9764-EAC9E56C1D49}" type="datetimeFigureOut">
               <a:rPr lang="en-US" smtClean="0"/>
-              <a:t>7/6/2018</a:t>
+              <a:t>3/20/19</a:t>
             </a:fld>
             <a:endParaRPr lang="en-US"/>
           </a:p>
@@ -2608,7 +2604,7 @@
           <a:p>
             <a:fld id="{78C97017-6FC3-485B-9764-EAC9E56C1D49}" type="datetimeFigureOut">
               <a:rPr lang="en-US" smtClean="0"/>
-              <a:t>7/6/2018</a:t>
+              <a:t>3/20/19</a:t>
             </a:fld>
             <a:endParaRPr lang="en-US"/>
           </a:p>
@@ -2860,7 +2856,7 @@
           <a:p>
             <a:fld id="{78C97017-6FC3-485B-9764-EAC9E56C1D49}" type="datetimeFigureOut">
               <a:rPr lang="en-US" smtClean="0"/>
-              <a:t>7/6/2018</a:t>
+              <a:t>3/20/19</a:t>
             </a:fld>
             <a:endParaRPr lang="en-US"/>
           </a:p>
@@ -3071,7 +3067,7 @@
           <a:p>
             <a:fld id="{78C97017-6FC3-485B-9764-EAC9E56C1D49}" type="datetimeFigureOut">
               <a:rPr lang="en-US" smtClean="0"/>
-              <a:t>7/6/2018</a:t>
+              <a:t>3/20/19</a:t>
             </a:fld>
             <a:endParaRPr lang="en-US"/>
           </a:p>
@@ -3515,7 +3511,7 @@
         </p:nvSpPr>
         <p:spPr>
           <a:xfrm>
-            <a:off x="467813" y="163018"/>
+            <a:off x="467438" y="147658"/>
             <a:ext cx="5863964" cy="4343400"/>
           </a:xfrm>
           <a:prstGeom prst="roundRect">
@@ -3729,8 +3725,8 @@
         </p:nvSpPr>
         <p:spPr>
           <a:xfrm>
-            <a:off x="3437188" y="423022"/>
-            <a:ext cx="1219200" cy="467684"/>
+            <a:off x="3066865" y="423022"/>
+            <a:ext cx="1863290" cy="467684"/>
           </a:xfrm>
           <a:prstGeom prst="rect">
             <a:avLst/>
@@ -3770,18 +3766,15 @@
                   <a:schemeClr val="bg1"/>
                 </a:solidFill>
               </a:rPr>
-              <a:t>:Address</a:t>
-            </a:r>
-          </a:p>
-          <a:p>
-            <a:pPr algn="ctr"/>
+              <a:t>:</a:t>
+            </a:r>
             <a:r>
               <a:rPr lang="en-US" sz="1600" dirty="0" err="1">
                 <a:solidFill>
                   <a:schemeClr val="bg1"/>
                 </a:solidFill>
               </a:rPr>
-              <a:t>BookParser</a:t>
+              <a:t>HotelManagementSystemParser</a:t>
             </a:r>
             <a:endParaRPr lang="en-SG" sz="1600" dirty="0">
               <a:solidFill>
@@ -4286,8 +4279,8 @@
         </p:nvSpPr>
         <p:spPr>
           <a:xfrm>
-            <a:off x="5651548" y="2748246"/>
-            <a:ext cx="1298078" cy="184666"/>
+            <a:off x="5701047" y="3011310"/>
+            <a:ext cx="1298078" cy="553998"/>
           </a:xfrm>
           <a:prstGeom prst="rect">
             <a:avLst/>
@@ -4311,6 +4304,7 @@
             </a:lvl1pPr>
           </a:lstStyle>
           <a:p>
+            <a:pPr algn="ctr"/>
             <a:r>
               <a:rPr lang="en-US" sz="1200" dirty="0" err="1">
                 <a:solidFill>
@@ -4327,15 +4321,34 @@
                   <a:srgbClr val="7030A0"/>
                 </a:solidFill>
               </a:rPr>
-              <a:t>AddressBook</a:t>
-            </a:r>
+              <a:t>Hotel</a:t>
+            </a:r>
+            <a:endParaRPr lang="en-US" sz="1200" dirty="0">
+              <a:solidFill>
+                <a:srgbClr val="7030A0"/>
+              </a:solidFill>
+            </a:endParaRPr>
+          </a:p>
+          <a:p>
+            <a:pPr algn="ctr"/>
             <a:r>
               <a:rPr lang="en-US" sz="1200" dirty="0">
                 <a:solidFill>
                   <a:srgbClr val="7030A0"/>
                 </a:solidFill>
               </a:rPr>
-              <a:t>()</a:t>
+              <a:t>Management</a:t>
+            </a:r>
+          </a:p>
+          <a:p>
+            <a:pPr algn="ctr"/>
+            <a:r>
+              <a:rPr lang="en-US" sz="1200" dirty="0">
+                <a:solidFill>
+                  <a:srgbClr val="7030A0"/>
+                </a:solidFill>
+              </a:rPr>
+              <a:t>System()</a:t>
             </a:r>
             <a:endParaRPr lang="en-US" sz="1200" dirty="0"/>
           </a:p>
@@ -4473,8 +4486,8 @@
         </p:nvSpPr>
         <p:spPr>
           <a:xfrm>
-            <a:off x="7497155" y="2568606"/>
-            <a:ext cx="2181777" cy="335427"/>
+            <a:off x="7497155" y="2422616"/>
+            <a:ext cx="2181777" cy="481417"/>
           </a:xfrm>
           <a:prstGeom prst="rect">
             <a:avLst/>
@@ -4522,7 +4535,23 @@
                   <a:schemeClr val="bg1"/>
                 </a:solidFill>
               </a:rPr>
-              <a:t>VersionedAddressBook</a:t>
+              <a:t>VersionedHotel</a:t>
+            </a:r>
+            <a:endParaRPr lang="en-US" sz="1600" dirty="0">
+              <a:solidFill>
+                <a:schemeClr val="bg1"/>
+              </a:solidFill>
+            </a:endParaRPr>
+          </a:p>
+          <a:p>
+            <a:pPr algn="ctr"/>
+            <a:r>
+              <a:rPr lang="en-US" sz="1600" dirty="0" err="1">
+                <a:solidFill>
+                  <a:schemeClr val="bg1"/>
+                </a:solidFill>
+              </a:rPr>
+              <a:t>ManagementSystem</a:t>
             </a:r>
             <a:endParaRPr lang="en-SG" sz="1600" dirty="0">
               <a:solidFill>
@@ -5058,7 +5087,7 @@
         <p:spPr>
           <a:xfrm>
             <a:off x="8769530" y="3267337"/>
-            <a:ext cx="2120786" cy="184666"/>
+            <a:ext cx="1552994" cy="553998"/>
           </a:xfrm>
           <a:prstGeom prst="rect">
             <a:avLst/>
@@ -5082,6 +5111,7 @@
             </a:lvl1pPr>
           </a:lstStyle>
           <a:p>
+            <a:pPr algn="ctr"/>
             <a:r>
               <a:rPr lang="en-US" sz="1200" dirty="0" err="1">
                 <a:solidFill>
@@ -5104,15 +5134,39 @@
                   <a:srgbClr val="7030A0"/>
                 </a:solidFill>
               </a:rPr>
-              <a:t>ReadOnlyAddressBook</a:t>
-            </a:r>
+              <a:t>ReadOnly</a:t>
+            </a:r>
+            <a:endParaRPr lang="en-US" sz="1200" dirty="0">
+              <a:solidFill>
+                <a:srgbClr val="7030A0"/>
+              </a:solidFill>
+            </a:endParaRPr>
+          </a:p>
+          <a:p>
+            <a:pPr algn="ctr"/>
+            <a:r>
+              <a:rPr lang="en-US" sz="1200" dirty="0" err="1">
+                <a:solidFill>
+                  <a:srgbClr val="7030A0"/>
+                </a:solidFill>
+              </a:rPr>
+              <a:t>HotelManagement</a:t>
+            </a:r>
+            <a:endParaRPr lang="en-US" sz="1200" dirty="0">
+              <a:solidFill>
+                <a:srgbClr val="7030A0"/>
+              </a:solidFill>
+            </a:endParaRPr>
+          </a:p>
+          <a:p>
+            <a:pPr algn="ctr"/>
             <a:r>
               <a:rPr lang="en-US" sz="1200" dirty="0">
                 <a:solidFill>
                   <a:srgbClr val="7030A0"/>
                 </a:solidFill>
               </a:rPr>
-              <a:t>)</a:t>
+              <a:t>System)</a:t>
             </a:r>
             <a:endParaRPr lang="en-US" sz="1200" dirty="0"/>
           </a:p>

--- a/docs/diagrams/UndoRedoSequenceDiagram.pptx
+++ b/docs/diagrams/UndoRedoSequenceDiagram.pptx
@@ -208,7 +208,7 @@
           <a:p>
             <a:fld id="{F5CC4B3F-88C1-4FFA-B1B6-F41C21DC6924}" type="datetimeFigureOut">
               <a:rPr lang="en-US" smtClean="0"/>
-              <a:t>3/20/19</a:t>
+              <a:t>3/21/19</a:t>
             </a:fld>
             <a:endParaRPr lang="en-US"/>
           </a:p>
@@ -654,7 +654,7 @@
           <a:p>
             <a:fld id="{78C97017-6FC3-485B-9764-EAC9E56C1D49}" type="datetimeFigureOut">
               <a:rPr lang="en-US" smtClean="0"/>
-              <a:t>3/20/19</a:t>
+              <a:t>3/21/19</a:t>
             </a:fld>
             <a:endParaRPr lang="en-US"/>
           </a:p>
@@ -822,7 +822,7 @@
           <a:p>
             <a:fld id="{78C97017-6FC3-485B-9764-EAC9E56C1D49}" type="datetimeFigureOut">
               <a:rPr lang="en-US" smtClean="0"/>
-              <a:t>3/20/19</a:t>
+              <a:t>3/21/19</a:t>
             </a:fld>
             <a:endParaRPr lang="en-US"/>
           </a:p>
@@ -1000,7 +1000,7 @@
           <a:p>
             <a:fld id="{78C97017-6FC3-485B-9764-EAC9E56C1D49}" type="datetimeFigureOut">
               <a:rPr lang="en-US" smtClean="0"/>
-              <a:t>3/20/19</a:t>
+              <a:t>3/21/19</a:t>
             </a:fld>
             <a:endParaRPr lang="en-US"/>
           </a:p>
@@ -1168,7 +1168,7 @@
           <a:p>
             <a:fld id="{78C97017-6FC3-485B-9764-EAC9E56C1D49}" type="datetimeFigureOut">
               <a:rPr lang="en-US" smtClean="0"/>
-              <a:t>3/20/19</a:t>
+              <a:t>3/21/19</a:t>
             </a:fld>
             <a:endParaRPr lang="en-US"/>
           </a:p>
@@ -1413,7 +1413,7 @@
           <a:p>
             <a:fld id="{78C97017-6FC3-485B-9764-EAC9E56C1D49}" type="datetimeFigureOut">
               <a:rPr lang="en-US" smtClean="0"/>
-              <a:t>3/20/19</a:t>
+              <a:t>3/21/19</a:t>
             </a:fld>
             <a:endParaRPr lang="en-US"/>
           </a:p>
@@ -1698,7 +1698,7 @@
           <a:p>
             <a:fld id="{78C97017-6FC3-485B-9764-EAC9E56C1D49}" type="datetimeFigureOut">
               <a:rPr lang="en-US" smtClean="0"/>
-              <a:t>3/20/19</a:t>
+              <a:t>3/21/19</a:t>
             </a:fld>
             <a:endParaRPr lang="en-US"/>
           </a:p>
@@ -2117,7 +2117,7 @@
           <a:p>
             <a:fld id="{78C97017-6FC3-485B-9764-EAC9E56C1D49}" type="datetimeFigureOut">
               <a:rPr lang="en-US" smtClean="0"/>
-              <a:t>3/20/19</a:t>
+              <a:t>3/21/19</a:t>
             </a:fld>
             <a:endParaRPr lang="en-US"/>
           </a:p>
@@ -2234,7 +2234,7 @@
           <a:p>
             <a:fld id="{78C97017-6FC3-485B-9764-EAC9E56C1D49}" type="datetimeFigureOut">
               <a:rPr lang="en-US" smtClean="0"/>
-              <a:t>3/20/19</a:t>
+              <a:t>3/21/19</a:t>
             </a:fld>
             <a:endParaRPr lang="en-US"/>
           </a:p>
@@ -2329,7 +2329,7 @@
           <a:p>
             <a:fld id="{78C97017-6FC3-485B-9764-EAC9E56C1D49}" type="datetimeFigureOut">
               <a:rPr lang="en-US" smtClean="0"/>
-              <a:t>3/20/19</a:t>
+              <a:t>3/21/19</a:t>
             </a:fld>
             <a:endParaRPr lang="en-US"/>
           </a:p>
@@ -2604,7 +2604,7 @@
           <a:p>
             <a:fld id="{78C97017-6FC3-485B-9764-EAC9E56C1D49}" type="datetimeFigureOut">
               <a:rPr lang="en-US" smtClean="0"/>
-              <a:t>3/20/19</a:t>
+              <a:t>3/21/19</a:t>
             </a:fld>
             <a:endParaRPr lang="en-US"/>
           </a:p>
@@ -2856,7 +2856,7 @@
           <a:p>
             <a:fld id="{78C97017-6FC3-485B-9764-EAC9E56C1D49}" type="datetimeFigureOut">
               <a:rPr lang="en-US" smtClean="0"/>
-              <a:t>3/20/19</a:t>
+              <a:t>3/21/19</a:t>
             </a:fld>
             <a:endParaRPr lang="en-US"/>
           </a:p>
@@ -3067,7 +3067,7 @@
           <a:p>
             <a:fld id="{78C97017-6FC3-485B-9764-EAC9E56C1D49}" type="datetimeFigureOut">
               <a:rPr lang="en-US" smtClean="0"/>
-              <a:t>3/20/19</a:t>
+              <a:t>3/21/19</a:t>
             </a:fld>
             <a:endParaRPr lang="en-US"/>
           </a:p>
@@ -3613,15 +3613,7 @@
                   <a:schemeClr val="bg1"/>
                 </a:solidFill>
               </a:rPr>
-              <a:t>:</a:t>
-            </a:r>
-            <a:r>
-              <a:rPr lang="en-US" sz="1600" dirty="0" err="1">
-                <a:solidFill>
-                  <a:schemeClr val="bg1"/>
-                </a:solidFill>
-              </a:rPr>
-              <a:t>LogicManager</a:t>
+              <a:t>:LogicManager</a:t>
             </a:r>
             <a:endParaRPr lang="en-SG" sz="1600" dirty="0">
               <a:solidFill>
@@ -3766,15 +3758,7 @@
                   <a:schemeClr val="bg1"/>
                 </a:solidFill>
               </a:rPr>
-              <a:t>:</a:t>
-            </a:r>
-            <a:r>
-              <a:rPr lang="en-US" sz="1600" dirty="0" err="1">
-                <a:solidFill>
-                  <a:schemeClr val="bg1"/>
-                </a:solidFill>
-              </a:rPr>
-              <a:t>HotelManagementSystemParser</a:t>
+              <a:t>:HotelManagementSystemParser</a:t>
             </a:r>
             <a:endParaRPr lang="en-SG" sz="1600" dirty="0">
               <a:solidFill>
@@ -4306,7 +4290,7 @@
           <a:p>
             <a:pPr algn="ctr"/>
             <a:r>
-              <a:rPr lang="en-US" sz="1200" dirty="0" err="1">
+              <a:rPr lang="en-US" sz="1200" dirty="0">
                 <a:solidFill>
                   <a:schemeClr val="accent4">
                     <a:lumMod val="75000"/>
@@ -4316,18 +4300,13 @@
               <a:t>undo</a:t>
             </a:r>
             <a:r>
-              <a:rPr lang="en-US" sz="1200" dirty="0" err="1">
+              <a:rPr lang="en-US" sz="1200" dirty="0">
                 <a:solidFill>
                   <a:srgbClr val="7030A0"/>
                 </a:solidFill>
               </a:rPr>
               <a:t>Hotel</a:t>
             </a:r>
-            <a:endParaRPr lang="en-US" sz="1200" dirty="0">
-              <a:solidFill>
-                <a:srgbClr val="7030A0"/>
-              </a:solidFill>
-            </a:endParaRPr>
           </a:p>
           <a:p>
             <a:pPr algn="ctr"/>
@@ -4388,12 +4367,8 @@
           </a:lstStyle>
           <a:p>
             <a:r>
-              <a:rPr lang="en-US" dirty="0" err="1"/>
-              <a:t>parseCommand</a:t>
-            </a:r>
-            <a:r>
               <a:rPr lang="en-US" dirty="0"/>
-              <a:t>(“undo”)</a:t>
+              <a:t>parseCommand(“undo”)</a:t>
             </a:r>
           </a:p>
         </p:txBody>
@@ -4527,26 +4502,13 @@
                   <a:schemeClr val="bg1"/>
                 </a:solidFill>
               </a:rPr>
-              <a:t>:</a:t>
-            </a:r>
-            <a:r>
-              <a:rPr lang="en-US" sz="1600" dirty="0" err="1">
-                <a:solidFill>
-                  <a:schemeClr val="bg1"/>
-                </a:solidFill>
-              </a:rPr>
-              <a:t>VersionedHotel</a:t>
-            </a:r>
-            <a:endParaRPr lang="en-US" sz="1600" dirty="0">
-              <a:solidFill>
-                <a:schemeClr val="bg1"/>
-              </a:solidFill>
-            </a:endParaRPr>
+              <a:t>:VersionedHotel</a:t>
+            </a:r>
           </a:p>
           <a:p>
             <a:pPr algn="ctr"/>
             <a:r>
-              <a:rPr lang="en-US" sz="1600" dirty="0" err="1">
+              <a:rPr lang="en-US" sz="1600" dirty="0">
                 <a:solidFill>
                   <a:schemeClr val="bg1"/>
                 </a:solidFill>
@@ -5113,50 +5075,24 @@
           <a:p>
             <a:pPr algn="ctr"/>
             <a:r>
-              <a:rPr lang="en-US" sz="1200" dirty="0" err="1">
-                <a:solidFill>
-                  <a:srgbClr val="7030A0"/>
-                </a:solidFill>
-              </a:rPr>
-              <a:t>resetData</a:t>
-            </a:r>
-            <a:r>
               <a:rPr lang="en-US" sz="1200" dirty="0">
                 <a:solidFill>
                   <a:srgbClr val="7030A0"/>
                 </a:solidFill>
               </a:rPr>
-              <a:t>(</a:t>
-            </a:r>
-            <a:r>
-              <a:rPr lang="en-US" sz="1200" dirty="0" err="1">
-                <a:solidFill>
-                  <a:srgbClr val="7030A0"/>
-                </a:solidFill>
-              </a:rPr>
-              <a:t>ReadOnly</a:t>
-            </a:r>
-            <a:endParaRPr lang="en-US" sz="1200" dirty="0">
-              <a:solidFill>
-                <a:srgbClr val="7030A0"/>
-              </a:solidFill>
-            </a:endParaRPr>
+              <a:t>resetData(ReadOnly</a:t>
+            </a:r>
           </a:p>
           <a:p>
             <a:pPr algn="ctr"/>
             <a:r>
-              <a:rPr lang="en-US" sz="1200" dirty="0" err="1">
+              <a:rPr lang="en-US" sz="1200" dirty="0">
                 <a:solidFill>
                   <a:srgbClr val="7030A0"/>
                 </a:solidFill>
               </a:rPr>
               <a:t>HotelManagement</a:t>
             </a:r>
-            <a:endParaRPr lang="en-US" sz="1200" dirty="0">
-              <a:solidFill>
-                <a:srgbClr val="7030A0"/>
-              </a:solidFill>
-            </a:endParaRPr>
           </a:p>
           <a:p>
             <a:pPr algn="ctr"/>

--- a/docs/diagrams/UndoRedoSequenceDiagram.pptx
+++ b/docs/diagrams/UndoRedoSequenceDiagram.pptx
@@ -126,10 +126,6 @@
 </p:presentation>
 </file>
 
-<file path=ppt/revisionInfo.xml><?xml version="1.0" encoding="utf-8"?>
-<p1510:revInfo xmlns:a="http://schemas.openxmlformats.org/drawingml/2006/main" xmlns:r="http://schemas.openxmlformats.org/officeDocument/2006/relationships" xmlns:p1510="http://schemas.microsoft.com/office/powerpoint/2015/10/main"/>
-</file>
-
 <file path=ppt/notesMasters/notesMaster1.xml><?xml version="1.0" encoding="utf-8"?>
 <p:notesMaster xmlns:a="http://schemas.openxmlformats.org/drawingml/2006/main" xmlns:r="http://schemas.openxmlformats.org/officeDocument/2006/relationships" xmlns:p="http://schemas.openxmlformats.org/presentationml/2006/main">
   <p:cSld>
@@ -212,7 +208,7 @@
           <a:p>
             <a:fld id="{F5CC4B3F-88C1-4FFA-B1B6-F41C21DC6924}" type="datetimeFigureOut">
               <a:rPr lang="en-US" smtClean="0"/>
-              <a:t>7/6/2018</a:t>
+              <a:t>22-Mar-19</a:t>
             </a:fld>
             <a:endParaRPr lang="en-US"/>
           </a:p>
@@ -658,7 +654,7 @@
           <a:p>
             <a:fld id="{78C97017-6FC3-485B-9764-EAC9E56C1D49}" type="datetimeFigureOut">
               <a:rPr lang="en-US" smtClean="0"/>
-              <a:t>7/6/2018</a:t>
+              <a:t>22-Mar-19</a:t>
             </a:fld>
             <a:endParaRPr lang="en-US"/>
           </a:p>
@@ -826,7 +822,7 @@
           <a:p>
             <a:fld id="{78C97017-6FC3-485B-9764-EAC9E56C1D49}" type="datetimeFigureOut">
               <a:rPr lang="en-US" smtClean="0"/>
-              <a:t>7/6/2018</a:t>
+              <a:t>22-Mar-19</a:t>
             </a:fld>
             <a:endParaRPr lang="en-US"/>
           </a:p>
@@ -1004,7 +1000,7 @@
           <a:p>
             <a:fld id="{78C97017-6FC3-485B-9764-EAC9E56C1D49}" type="datetimeFigureOut">
               <a:rPr lang="en-US" smtClean="0"/>
-              <a:t>7/6/2018</a:t>
+              <a:t>22-Mar-19</a:t>
             </a:fld>
             <a:endParaRPr lang="en-US"/>
           </a:p>
@@ -1172,7 +1168,7 @@
           <a:p>
             <a:fld id="{78C97017-6FC3-485B-9764-EAC9E56C1D49}" type="datetimeFigureOut">
               <a:rPr lang="en-US" smtClean="0"/>
-              <a:t>7/6/2018</a:t>
+              <a:t>22-Mar-19</a:t>
             </a:fld>
             <a:endParaRPr lang="en-US"/>
           </a:p>
@@ -1417,7 +1413,7 @@
           <a:p>
             <a:fld id="{78C97017-6FC3-485B-9764-EAC9E56C1D49}" type="datetimeFigureOut">
               <a:rPr lang="en-US" smtClean="0"/>
-              <a:t>7/6/2018</a:t>
+              <a:t>22-Mar-19</a:t>
             </a:fld>
             <a:endParaRPr lang="en-US"/>
           </a:p>
@@ -1702,7 +1698,7 @@
           <a:p>
             <a:fld id="{78C97017-6FC3-485B-9764-EAC9E56C1D49}" type="datetimeFigureOut">
               <a:rPr lang="en-US" smtClean="0"/>
-              <a:t>7/6/2018</a:t>
+              <a:t>22-Mar-19</a:t>
             </a:fld>
             <a:endParaRPr lang="en-US"/>
           </a:p>
@@ -2121,7 +2117,7 @@
           <a:p>
             <a:fld id="{78C97017-6FC3-485B-9764-EAC9E56C1D49}" type="datetimeFigureOut">
               <a:rPr lang="en-US" smtClean="0"/>
-              <a:t>7/6/2018</a:t>
+              <a:t>22-Mar-19</a:t>
             </a:fld>
             <a:endParaRPr lang="en-US"/>
           </a:p>
@@ -2238,7 +2234,7 @@
           <a:p>
             <a:fld id="{78C97017-6FC3-485B-9764-EAC9E56C1D49}" type="datetimeFigureOut">
               <a:rPr lang="en-US" smtClean="0"/>
-              <a:t>7/6/2018</a:t>
+              <a:t>22-Mar-19</a:t>
             </a:fld>
             <a:endParaRPr lang="en-US"/>
           </a:p>
@@ -2333,7 +2329,7 @@
           <a:p>
             <a:fld id="{78C97017-6FC3-485B-9764-EAC9E56C1D49}" type="datetimeFigureOut">
               <a:rPr lang="en-US" smtClean="0"/>
-              <a:t>7/6/2018</a:t>
+              <a:t>22-Mar-19</a:t>
             </a:fld>
             <a:endParaRPr lang="en-US"/>
           </a:p>
@@ -2608,7 +2604,7 @@
           <a:p>
             <a:fld id="{78C97017-6FC3-485B-9764-EAC9E56C1D49}" type="datetimeFigureOut">
               <a:rPr lang="en-US" smtClean="0"/>
-              <a:t>7/6/2018</a:t>
+              <a:t>22-Mar-19</a:t>
             </a:fld>
             <a:endParaRPr lang="en-US"/>
           </a:p>
@@ -2860,7 +2856,7 @@
           <a:p>
             <a:fld id="{78C97017-6FC3-485B-9764-EAC9E56C1D49}" type="datetimeFigureOut">
               <a:rPr lang="en-US" smtClean="0"/>
-              <a:t>7/6/2018</a:t>
+              <a:t>22-Mar-19</a:t>
             </a:fld>
             <a:endParaRPr lang="en-US"/>
           </a:p>
@@ -3071,7 +3067,7 @@
           <a:p>
             <a:fld id="{78C97017-6FC3-485B-9764-EAC9E56C1D49}" type="datetimeFigureOut">
               <a:rPr lang="en-US" smtClean="0"/>
-              <a:t>7/6/2018</a:t>
+              <a:t>22-Mar-19</a:t>
             </a:fld>
             <a:endParaRPr lang="en-US"/>
           </a:p>
@@ -3729,8 +3725,8 @@
         </p:nvSpPr>
         <p:spPr>
           <a:xfrm>
-            <a:off x="3437188" y="423022"/>
-            <a:ext cx="1219200" cy="467684"/>
+            <a:off x="3437187" y="423022"/>
+            <a:ext cx="1287209" cy="467684"/>
           </a:xfrm>
           <a:prstGeom prst="rect">
             <a:avLst/>
@@ -3770,18 +3766,15 @@
                   <a:schemeClr val="bg1"/>
                 </a:solidFill>
               </a:rPr>
-              <a:t>:Address</a:t>
-            </a:r>
-          </a:p>
-          <a:p>
-            <a:pPr algn="ctr"/>
+              <a:t>:</a:t>
+            </a:r>
             <a:r>
               <a:rPr lang="en-US" sz="1600" dirty="0" err="1">
                 <a:solidFill>
                   <a:schemeClr val="bg1"/>
                 </a:solidFill>
               </a:rPr>
-              <a:t>BookParser</a:t>
+              <a:t>TravelBuddyParser</a:t>
             </a:r>
             <a:endParaRPr lang="en-SG" sz="1600" dirty="0">
               <a:solidFill>
@@ -4327,7 +4320,7 @@
                   <a:srgbClr val="7030A0"/>
                 </a:solidFill>
               </a:rPr>
-              <a:t>AddressBook</a:t>
+              <a:t>TravelBuddy</a:t>
             </a:r>
             <a:r>
               <a:rPr lang="en-US" sz="1200" dirty="0">
@@ -4522,7 +4515,7 @@
                   <a:schemeClr val="bg1"/>
                 </a:solidFill>
               </a:rPr>
-              <a:t>VersionedAddressBook</a:t>
+              <a:t>VersionedTravelBuddy</a:t>
             </a:r>
             <a:endParaRPr lang="en-SG" sz="1600" dirty="0">
               <a:solidFill>
@@ -5104,7 +5097,7 @@
                   <a:srgbClr val="7030A0"/>
                 </a:solidFill>
               </a:rPr>
-              <a:t>ReadOnlyAddressBook</a:t>
+              <a:t>ReadOnlyTravelBuddy</a:t>
             </a:r>
             <a:r>
               <a:rPr lang="en-US" sz="1200" dirty="0">

--- a/docs/diagrams/UndoRedoSequenceDiagram.pptx
+++ b/docs/diagrams/UndoRedoSequenceDiagram.pptx
@@ -109,7 +109,7 @@
   </p:defaultTextStyle>
   <p:extLst>
     <p:ext uri="{EFAFB233-063F-42B5-8137-9DF3F51BA10A}">
-      <p15:sldGuideLst xmlns:p15="http://schemas.microsoft.com/office/powerpoint/2012/main">
+      <p15:sldGuideLst xmlns:p15="http://schemas.microsoft.com/office/powerpoint/2012/main" xmlns="">
         <p15:guide id="1" orient="horz" pos="1488">
           <p15:clr>
             <a:srgbClr val="A4A3A4"/>
@@ -212,7 +212,8 @@
           <a:p>
             <a:fld id="{F5CC4B3F-88C1-4FFA-B1B6-F41C21DC6924}" type="datetimeFigureOut">
               <a:rPr lang="en-US" smtClean="0"/>
-              <a:t>7/6/2018</a:t>
+              <a:pPr/>
+              <a:t>3/31/2019</a:t>
             </a:fld>
             <a:endParaRPr lang="en-US"/>
           </a:p>
@@ -370,6 +371,7 @@
           <a:p>
             <a:fld id="{5A7AB025-77E3-4BD1-A2FD-B3183DBA47A3}" type="slidenum">
               <a:rPr lang="en-US" smtClean="0"/>
+              <a:pPr/>
               <a:t>‹#›</a:t>
             </a:fld>
             <a:endParaRPr lang="en-US"/>
@@ -379,7 +381,7 @@
     </p:spTree>
     <p:extLst>
       <p:ext uri="{BB962C8B-B14F-4D97-AF65-F5344CB8AC3E}">
-        <p14:creationId xmlns:p14="http://schemas.microsoft.com/office/powerpoint/2010/main" val="2023976206"/>
+        <p14:creationId xmlns:p14="http://schemas.microsoft.com/office/powerpoint/2010/main" xmlns="" val="2023976206"/>
       </p:ext>
     </p:extLst>
   </p:cSld>
@@ -658,7 +660,8 @@
           <a:p>
             <a:fld id="{78C97017-6FC3-485B-9764-EAC9E56C1D49}" type="datetimeFigureOut">
               <a:rPr lang="en-US" smtClean="0"/>
-              <a:t>7/6/2018</a:t>
+              <a:pPr/>
+              <a:t>3/31/2019</a:t>
             </a:fld>
             <a:endParaRPr lang="en-US"/>
           </a:p>
@@ -700,6 +703,7 @@
           <a:p>
             <a:fld id="{FB34683C-161B-4520-BF45-B179E228CF2A}" type="slidenum">
               <a:rPr lang="en-US" smtClean="0"/>
+              <a:pPr/>
               <a:t>‹#›</a:t>
             </a:fld>
             <a:endParaRPr lang="en-US"/>
@@ -709,7 +713,7 @@
     </p:spTree>
     <p:extLst>
       <p:ext uri="{BB962C8B-B14F-4D97-AF65-F5344CB8AC3E}">
-        <p14:creationId xmlns:p14="http://schemas.microsoft.com/office/powerpoint/2010/main" val="3246593157"/>
+        <p14:creationId xmlns:p14="http://schemas.microsoft.com/office/powerpoint/2010/main" xmlns="" val="3246593157"/>
       </p:ext>
     </p:extLst>
   </p:cSld>
@@ -826,7 +830,8 @@
           <a:p>
             <a:fld id="{78C97017-6FC3-485B-9764-EAC9E56C1D49}" type="datetimeFigureOut">
               <a:rPr lang="en-US" smtClean="0"/>
-              <a:t>7/6/2018</a:t>
+              <a:pPr/>
+              <a:t>3/31/2019</a:t>
             </a:fld>
             <a:endParaRPr lang="en-US"/>
           </a:p>
@@ -868,6 +873,7 @@
           <a:p>
             <a:fld id="{FB34683C-161B-4520-BF45-B179E228CF2A}" type="slidenum">
               <a:rPr lang="en-US" smtClean="0"/>
+              <a:pPr/>
               <a:t>‹#›</a:t>
             </a:fld>
             <a:endParaRPr lang="en-US"/>
@@ -877,7 +883,7 @@
     </p:spTree>
     <p:extLst>
       <p:ext uri="{BB962C8B-B14F-4D97-AF65-F5344CB8AC3E}">
-        <p14:creationId xmlns:p14="http://schemas.microsoft.com/office/powerpoint/2010/main" val="2707025021"/>
+        <p14:creationId xmlns:p14="http://schemas.microsoft.com/office/powerpoint/2010/main" xmlns="" val="2707025021"/>
       </p:ext>
     </p:extLst>
   </p:cSld>
@@ -1004,7 +1010,8 @@
           <a:p>
             <a:fld id="{78C97017-6FC3-485B-9764-EAC9E56C1D49}" type="datetimeFigureOut">
               <a:rPr lang="en-US" smtClean="0"/>
-              <a:t>7/6/2018</a:t>
+              <a:pPr/>
+              <a:t>3/31/2019</a:t>
             </a:fld>
             <a:endParaRPr lang="en-US"/>
           </a:p>
@@ -1046,6 +1053,7 @@
           <a:p>
             <a:fld id="{FB34683C-161B-4520-BF45-B179E228CF2A}" type="slidenum">
               <a:rPr lang="en-US" smtClean="0"/>
+              <a:pPr/>
               <a:t>‹#›</a:t>
             </a:fld>
             <a:endParaRPr lang="en-US"/>
@@ -1055,7 +1063,7 @@
     </p:spTree>
     <p:extLst>
       <p:ext uri="{BB962C8B-B14F-4D97-AF65-F5344CB8AC3E}">
-        <p14:creationId xmlns:p14="http://schemas.microsoft.com/office/powerpoint/2010/main" val="568378986"/>
+        <p14:creationId xmlns:p14="http://schemas.microsoft.com/office/powerpoint/2010/main" xmlns="" val="568378986"/>
       </p:ext>
     </p:extLst>
   </p:cSld>
@@ -1172,7 +1180,8 @@
           <a:p>
             <a:fld id="{78C97017-6FC3-485B-9764-EAC9E56C1D49}" type="datetimeFigureOut">
               <a:rPr lang="en-US" smtClean="0"/>
-              <a:t>7/6/2018</a:t>
+              <a:pPr/>
+              <a:t>3/31/2019</a:t>
             </a:fld>
             <a:endParaRPr lang="en-US"/>
           </a:p>
@@ -1214,6 +1223,7 @@
           <a:p>
             <a:fld id="{FB34683C-161B-4520-BF45-B179E228CF2A}" type="slidenum">
               <a:rPr lang="en-US" smtClean="0"/>
+              <a:pPr/>
               <a:t>‹#›</a:t>
             </a:fld>
             <a:endParaRPr lang="en-US"/>
@@ -1223,7 +1233,7 @@
     </p:spTree>
     <p:extLst>
       <p:ext uri="{BB962C8B-B14F-4D97-AF65-F5344CB8AC3E}">
-        <p14:creationId xmlns:p14="http://schemas.microsoft.com/office/powerpoint/2010/main" val="266658052"/>
+        <p14:creationId xmlns:p14="http://schemas.microsoft.com/office/powerpoint/2010/main" xmlns="" val="266658052"/>
       </p:ext>
     </p:extLst>
   </p:cSld>
@@ -1417,7 +1427,8 @@
           <a:p>
             <a:fld id="{78C97017-6FC3-485B-9764-EAC9E56C1D49}" type="datetimeFigureOut">
               <a:rPr lang="en-US" smtClean="0"/>
-              <a:t>7/6/2018</a:t>
+              <a:pPr/>
+              <a:t>3/31/2019</a:t>
             </a:fld>
             <a:endParaRPr lang="en-US"/>
           </a:p>
@@ -1459,6 +1470,7 @@
           <a:p>
             <a:fld id="{FB34683C-161B-4520-BF45-B179E228CF2A}" type="slidenum">
               <a:rPr lang="en-US" smtClean="0"/>
+              <a:pPr/>
               <a:t>‹#›</a:t>
             </a:fld>
             <a:endParaRPr lang="en-US"/>
@@ -1468,7 +1480,7 @@
     </p:spTree>
     <p:extLst>
       <p:ext uri="{BB962C8B-B14F-4D97-AF65-F5344CB8AC3E}">
-        <p14:creationId xmlns:p14="http://schemas.microsoft.com/office/powerpoint/2010/main" val="474686344"/>
+        <p14:creationId xmlns:p14="http://schemas.microsoft.com/office/powerpoint/2010/main" xmlns="" val="474686344"/>
       </p:ext>
     </p:extLst>
   </p:cSld>
@@ -1702,7 +1714,8 @@
           <a:p>
             <a:fld id="{78C97017-6FC3-485B-9764-EAC9E56C1D49}" type="datetimeFigureOut">
               <a:rPr lang="en-US" smtClean="0"/>
-              <a:t>7/6/2018</a:t>
+              <a:pPr/>
+              <a:t>3/31/2019</a:t>
             </a:fld>
             <a:endParaRPr lang="en-US"/>
           </a:p>
@@ -1744,6 +1757,7 @@
           <a:p>
             <a:fld id="{FB34683C-161B-4520-BF45-B179E228CF2A}" type="slidenum">
               <a:rPr lang="en-US" smtClean="0"/>
+              <a:pPr/>
               <a:t>‹#›</a:t>
             </a:fld>
             <a:endParaRPr lang="en-US"/>
@@ -1753,7 +1767,7 @@
     </p:spTree>
     <p:extLst>
       <p:ext uri="{BB962C8B-B14F-4D97-AF65-F5344CB8AC3E}">
-        <p14:creationId xmlns:p14="http://schemas.microsoft.com/office/powerpoint/2010/main" val="562293251"/>
+        <p14:creationId xmlns:p14="http://schemas.microsoft.com/office/powerpoint/2010/main" xmlns="" val="562293251"/>
       </p:ext>
     </p:extLst>
   </p:cSld>
@@ -2121,7 +2135,8 @@
           <a:p>
             <a:fld id="{78C97017-6FC3-485B-9764-EAC9E56C1D49}" type="datetimeFigureOut">
               <a:rPr lang="en-US" smtClean="0"/>
-              <a:t>7/6/2018</a:t>
+              <a:pPr/>
+              <a:t>3/31/2019</a:t>
             </a:fld>
             <a:endParaRPr lang="en-US"/>
           </a:p>
@@ -2163,6 +2178,7 @@
           <a:p>
             <a:fld id="{FB34683C-161B-4520-BF45-B179E228CF2A}" type="slidenum">
               <a:rPr lang="en-US" smtClean="0"/>
+              <a:pPr/>
               <a:t>‹#›</a:t>
             </a:fld>
             <a:endParaRPr lang="en-US"/>
@@ -2172,7 +2188,7 @@
     </p:spTree>
     <p:extLst>
       <p:ext uri="{BB962C8B-B14F-4D97-AF65-F5344CB8AC3E}">
-        <p14:creationId xmlns:p14="http://schemas.microsoft.com/office/powerpoint/2010/main" val="1126424250"/>
+        <p14:creationId xmlns:p14="http://schemas.microsoft.com/office/powerpoint/2010/main" xmlns="" val="1126424250"/>
       </p:ext>
     </p:extLst>
   </p:cSld>
@@ -2238,7 +2254,8 @@
           <a:p>
             <a:fld id="{78C97017-6FC3-485B-9764-EAC9E56C1D49}" type="datetimeFigureOut">
               <a:rPr lang="en-US" smtClean="0"/>
-              <a:t>7/6/2018</a:t>
+              <a:pPr/>
+              <a:t>3/31/2019</a:t>
             </a:fld>
             <a:endParaRPr lang="en-US"/>
           </a:p>
@@ -2280,6 +2297,7 @@
           <a:p>
             <a:fld id="{FB34683C-161B-4520-BF45-B179E228CF2A}" type="slidenum">
               <a:rPr lang="en-US" smtClean="0"/>
+              <a:pPr/>
               <a:t>‹#›</a:t>
             </a:fld>
             <a:endParaRPr lang="en-US"/>
@@ -2289,7 +2307,7 @@
     </p:spTree>
     <p:extLst>
       <p:ext uri="{BB962C8B-B14F-4D97-AF65-F5344CB8AC3E}">
-        <p14:creationId xmlns:p14="http://schemas.microsoft.com/office/powerpoint/2010/main" val="4159724230"/>
+        <p14:creationId xmlns:p14="http://schemas.microsoft.com/office/powerpoint/2010/main" xmlns="" val="4159724230"/>
       </p:ext>
     </p:extLst>
   </p:cSld>
@@ -2333,7 +2351,8 @@
           <a:p>
             <a:fld id="{78C97017-6FC3-485B-9764-EAC9E56C1D49}" type="datetimeFigureOut">
               <a:rPr lang="en-US" smtClean="0"/>
-              <a:t>7/6/2018</a:t>
+              <a:pPr/>
+              <a:t>3/31/2019</a:t>
             </a:fld>
             <a:endParaRPr lang="en-US"/>
           </a:p>
@@ -2375,6 +2394,7 @@
           <a:p>
             <a:fld id="{FB34683C-161B-4520-BF45-B179E228CF2A}" type="slidenum">
               <a:rPr lang="en-US" smtClean="0"/>
+              <a:pPr/>
               <a:t>‹#›</a:t>
             </a:fld>
             <a:endParaRPr lang="en-US"/>
@@ -2384,7 +2404,7 @@
     </p:spTree>
     <p:extLst>
       <p:ext uri="{BB962C8B-B14F-4D97-AF65-F5344CB8AC3E}">
-        <p14:creationId xmlns:p14="http://schemas.microsoft.com/office/powerpoint/2010/main" val="1793928710"/>
+        <p14:creationId xmlns:p14="http://schemas.microsoft.com/office/powerpoint/2010/main" xmlns="" val="1793928710"/>
       </p:ext>
     </p:extLst>
   </p:cSld>
@@ -2608,7 +2628,8 @@
           <a:p>
             <a:fld id="{78C97017-6FC3-485B-9764-EAC9E56C1D49}" type="datetimeFigureOut">
               <a:rPr lang="en-US" smtClean="0"/>
-              <a:t>7/6/2018</a:t>
+              <a:pPr/>
+              <a:t>3/31/2019</a:t>
             </a:fld>
             <a:endParaRPr lang="en-US"/>
           </a:p>
@@ -2650,6 +2671,7 @@
           <a:p>
             <a:fld id="{FB34683C-161B-4520-BF45-B179E228CF2A}" type="slidenum">
               <a:rPr lang="en-US" smtClean="0"/>
+              <a:pPr/>
               <a:t>‹#›</a:t>
             </a:fld>
             <a:endParaRPr lang="en-US"/>
@@ -2659,7 +2681,7 @@
     </p:spTree>
     <p:extLst>
       <p:ext uri="{BB962C8B-B14F-4D97-AF65-F5344CB8AC3E}">
-        <p14:creationId xmlns:p14="http://schemas.microsoft.com/office/powerpoint/2010/main" val="2076802089"/>
+        <p14:creationId xmlns:p14="http://schemas.microsoft.com/office/powerpoint/2010/main" xmlns="" val="2076802089"/>
       </p:ext>
     </p:extLst>
   </p:cSld>
@@ -2860,7 +2882,8 @@
           <a:p>
             <a:fld id="{78C97017-6FC3-485B-9764-EAC9E56C1D49}" type="datetimeFigureOut">
               <a:rPr lang="en-US" smtClean="0"/>
-              <a:t>7/6/2018</a:t>
+              <a:pPr/>
+              <a:t>3/31/2019</a:t>
             </a:fld>
             <a:endParaRPr lang="en-US"/>
           </a:p>
@@ -2902,6 +2925,7 @@
           <a:p>
             <a:fld id="{FB34683C-161B-4520-BF45-B179E228CF2A}" type="slidenum">
               <a:rPr lang="en-US" smtClean="0"/>
+              <a:pPr/>
               <a:t>‹#›</a:t>
             </a:fld>
             <a:endParaRPr lang="en-US"/>
@@ -2911,7 +2935,7 @@
     </p:spTree>
     <p:extLst>
       <p:ext uri="{BB962C8B-B14F-4D97-AF65-F5344CB8AC3E}">
-        <p14:creationId xmlns:p14="http://schemas.microsoft.com/office/powerpoint/2010/main" val="201835938"/>
+        <p14:creationId xmlns:p14="http://schemas.microsoft.com/office/powerpoint/2010/main" xmlns="" val="201835938"/>
       </p:ext>
     </p:extLst>
   </p:cSld>
@@ -3071,7 +3095,8 @@
           <a:p>
             <a:fld id="{78C97017-6FC3-485B-9764-EAC9E56C1D49}" type="datetimeFigureOut">
               <a:rPr lang="en-US" smtClean="0"/>
-              <a:t>7/6/2018</a:t>
+              <a:pPr/>
+              <a:t>3/31/2019</a:t>
             </a:fld>
             <a:endParaRPr lang="en-US"/>
           </a:p>
@@ -3149,6 +3174,7 @@
           <a:p>
             <a:fld id="{FB34683C-161B-4520-BF45-B179E228CF2A}" type="slidenum">
               <a:rPr lang="en-US" smtClean="0"/>
+              <a:pPr/>
               <a:t>‹#›</a:t>
             </a:fld>
             <a:endParaRPr lang="en-US"/>
@@ -3158,7 +3184,7 @@
     </p:spTree>
     <p:extLst>
       <p:ext uri="{BB962C8B-B14F-4D97-AF65-F5344CB8AC3E}">
-        <p14:creationId xmlns:p14="http://schemas.microsoft.com/office/powerpoint/2010/main" val="2341400630"/>
+        <p14:creationId xmlns:p14="http://schemas.microsoft.com/office/powerpoint/2010/main" xmlns="" val="2341400630"/>
       </p:ext>
     </p:extLst>
   </p:cSld>
@@ -3765,23 +3791,20 @@
           <a:p>
             <a:pPr algn="ctr"/>
             <a:r>
-              <a:rPr lang="en-US" sz="1600" dirty="0">
+              <a:rPr lang="en-US" sz="1600" dirty="0" smtClean="0">
                 <a:solidFill>
                   <a:schemeClr val="bg1"/>
                 </a:solidFill>
               </a:rPr>
-              <a:t>:Address</a:t>
-            </a:r>
-          </a:p>
-          <a:p>
-            <a:pPr algn="ctr"/>
-            <a:r>
-              <a:rPr lang="en-US" sz="1600" dirty="0" err="1">
+              <a:t>:</a:t>
+            </a:r>
+            <a:r>
+              <a:rPr lang="en-US" sz="1600" dirty="0" err="1" smtClean="0">
                 <a:solidFill>
                   <a:schemeClr val="bg1"/>
                 </a:solidFill>
               </a:rPr>
-              <a:t>BookParser</a:t>
+              <a:t>GradTrakParser</a:t>
             </a:r>
             <a:endParaRPr lang="en-SG" sz="1600" dirty="0">
               <a:solidFill>
@@ -4312,22 +4335,32 @@
           </a:lstStyle>
           <a:p>
             <a:r>
-              <a:rPr lang="en-US" sz="1200" dirty="0" err="1">
+              <a:rPr lang="en-US" sz="1200" dirty="0" err="1" smtClean="0">
                 <a:solidFill>
                   <a:schemeClr val="accent4">
                     <a:lumMod val="75000"/>
                   </a:schemeClr>
                 </a:solidFill>
               </a:rPr>
-              <a:t>undo</a:t>
-            </a:r>
-            <a:r>
-              <a:rPr lang="en-US" sz="1200" dirty="0" err="1">
+              <a:t>u</a:t>
+            </a:r>
+            <a:r>
+              <a:rPr lang="en-US" sz="1200" dirty="0" err="1" smtClean="0">
+                <a:solidFill>
+                  <a:schemeClr val="accent4">
+                    <a:lumMod val="75000"/>
+                  </a:schemeClr>
+                </a:solidFill>
+              </a:rPr>
+              <a:t>ndo</a:t>
+            </a:r>
+            <a:r>
+              <a:rPr lang="en-US" sz="1200" dirty="0" err="1" smtClean="0">
                 <a:solidFill>
                   <a:srgbClr val="7030A0"/>
                 </a:solidFill>
               </a:rPr>
-              <a:t>AddressBook</a:t>
+              <a:t>GradTrak</a:t>
             </a:r>
             <a:r>
               <a:rPr lang="en-US" sz="1200" dirty="0">
@@ -4517,12 +4550,12 @@
               <a:t>:</a:t>
             </a:r>
             <a:r>
-              <a:rPr lang="en-US" sz="1600" dirty="0" err="1">
+              <a:rPr lang="en-US" sz="1600" dirty="0" err="1" smtClean="0">
                 <a:solidFill>
                   <a:schemeClr val="bg1"/>
                 </a:solidFill>
               </a:rPr>
-              <a:t>VersionedAddressBook</a:t>
+              <a:t>VersionedGradTrak</a:t>
             </a:r>
             <a:endParaRPr lang="en-SG" sz="1600" dirty="0">
               <a:solidFill>
@@ -4914,7 +4947,7 @@
           <p:cNvPr id="66" name="Straight Arrow Connector 65">
             <a:extLst>
               <a:ext uri="{FF2B5EF4-FFF2-40B4-BE49-F238E27FC236}">
-                <a16:creationId xmlns:a16="http://schemas.microsoft.com/office/drawing/2014/main" id="{39916E2E-195A-4DC8-B025-B05FA87E6796}"/>
+                <a16:creationId xmlns:a16="http://schemas.microsoft.com/office/drawing/2014/main" xmlns="" id="{39916E2E-195A-4DC8-B025-B05FA87E6796}"/>
               </a:ext>
             </a:extLst>
           </p:cNvPr>
@@ -4958,7 +4991,7 @@
           <p:cNvPr id="67" name="Straight Arrow Connector 66">
             <a:extLst>
               <a:ext uri="{FF2B5EF4-FFF2-40B4-BE49-F238E27FC236}">
-                <a16:creationId xmlns:a16="http://schemas.microsoft.com/office/drawing/2014/main" id="{D881596E-177C-4FDC-8E60-CAB90B3D5FAB}"/>
+                <a16:creationId xmlns:a16="http://schemas.microsoft.com/office/drawing/2014/main" xmlns="" id="{D881596E-177C-4FDC-8E60-CAB90B3D5FAB}"/>
               </a:ext>
             </a:extLst>
           </p:cNvPr>
@@ -5002,7 +5035,7 @@
           <p:cNvPr id="69" name="Straight Arrow Connector 68">
             <a:extLst>
               <a:ext uri="{FF2B5EF4-FFF2-40B4-BE49-F238E27FC236}">
-                <a16:creationId xmlns:a16="http://schemas.microsoft.com/office/drawing/2014/main" id="{7C9F21BC-13A9-471F-825A-2621FD36355F}"/>
+                <a16:creationId xmlns:a16="http://schemas.microsoft.com/office/drawing/2014/main" xmlns="" id="{7C9F21BC-13A9-471F-825A-2621FD36355F}"/>
               </a:ext>
             </a:extLst>
           </p:cNvPr>
@@ -5048,7 +5081,7 @@
           <p:cNvPr id="88" name="TextBox 87">
             <a:extLst>
               <a:ext uri="{FF2B5EF4-FFF2-40B4-BE49-F238E27FC236}">
-                <a16:creationId xmlns:a16="http://schemas.microsoft.com/office/drawing/2014/main" id="{B85C6184-7378-4E89-A338-72B1E5056F4F}"/>
+                <a16:creationId xmlns:a16="http://schemas.microsoft.com/office/drawing/2014/main" xmlns="" id="{B85C6184-7378-4E89-A338-72B1E5056F4F}"/>
               </a:ext>
             </a:extLst>
           </p:cNvPr>
@@ -5083,7 +5116,7 @@
           </a:lstStyle>
           <a:p>
             <a:r>
-              <a:rPr lang="en-US" sz="1200" dirty="0" err="1">
+              <a:rPr lang="en-US" sz="1200" dirty="0" err="1" smtClean="0">
                 <a:solidFill>
                   <a:srgbClr val="7030A0"/>
                 </a:solidFill>
@@ -5091,7 +5124,7 @@
               <a:t>resetData</a:t>
             </a:r>
             <a:r>
-              <a:rPr lang="en-US" sz="1200" dirty="0">
+              <a:rPr lang="en-US" sz="1200" dirty="0" smtClean="0">
                 <a:solidFill>
                   <a:srgbClr val="7030A0"/>
                 </a:solidFill>
@@ -5099,15 +5132,15 @@
               <a:t>(</a:t>
             </a:r>
             <a:r>
-              <a:rPr lang="en-US" sz="1200" dirty="0" err="1">
+              <a:rPr lang="en-US" sz="1200" dirty="0" err="1" smtClean="0">
                 <a:solidFill>
                   <a:srgbClr val="7030A0"/>
                 </a:solidFill>
               </a:rPr>
-              <a:t>ReadOnlyAddressBook</a:t>
-            </a:r>
-            <a:r>
-              <a:rPr lang="en-US" sz="1200" dirty="0">
+              <a:t>ReadOnlyGradTrak</a:t>
+            </a:r>
+            <a:r>
+              <a:rPr lang="en-US" sz="1200" dirty="0" smtClean="0">
                 <a:solidFill>
                   <a:srgbClr val="7030A0"/>
                 </a:solidFill>
@@ -5123,7 +5156,7 @@
           <p:cNvPr id="89" name="Straight Connector 88">
             <a:extLst>
               <a:ext uri="{FF2B5EF4-FFF2-40B4-BE49-F238E27FC236}">
-                <a16:creationId xmlns:a16="http://schemas.microsoft.com/office/drawing/2014/main" id="{E4E1C8CA-49DF-45D8-80A5-D5C8282EE927}"/>
+                <a16:creationId xmlns:a16="http://schemas.microsoft.com/office/drawing/2014/main" xmlns="" id="{E4E1C8CA-49DF-45D8-80A5-D5C8282EE927}"/>
               </a:ext>
             </a:extLst>
           </p:cNvPr>
@@ -5302,7 +5335,7 @@
           <p:cNvPr id="60" name="Straight Arrow Connector 59">
             <a:extLst>
               <a:ext uri="{FF2B5EF4-FFF2-40B4-BE49-F238E27FC236}">
-                <a16:creationId xmlns:a16="http://schemas.microsoft.com/office/drawing/2014/main" id="{7C9F21BC-13A9-471F-825A-2621FD36355F}"/>
+                <a16:creationId xmlns:a16="http://schemas.microsoft.com/office/drawing/2014/main" xmlns="" id="{7C9F21BC-13A9-471F-825A-2621FD36355F}"/>
               </a:ext>
             </a:extLst>
           </p:cNvPr>
@@ -5348,7 +5381,7 @@
           <p:cNvPr id="63" name="Straight Arrow Connector 62">
             <a:extLst>
               <a:ext uri="{FF2B5EF4-FFF2-40B4-BE49-F238E27FC236}">
-                <a16:creationId xmlns:a16="http://schemas.microsoft.com/office/drawing/2014/main" id="{7C9F21BC-13A9-471F-825A-2621FD36355F}"/>
+                <a16:creationId xmlns:a16="http://schemas.microsoft.com/office/drawing/2014/main" xmlns="" id="{7C9F21BC-13A9-471F-825A-2621FD36355F}"/>
               </a:ext>
             </a:extLst>
           </p:cNvPr>
@@ -5393,7 +5426,7 @@
     </p:spTree>
     <p:extLst>
       <p:ext uri="{BB962C8B-B14F-4D97-AF65-F5344CB8AC3E}">
-        <p14:creationId xmlns:p14="http://schemas.microsoft.com/office/powerpoint/2010/main" val="3945898909"/>
+        <p14:creationId xmlns:p14="http://schemas.microsoft.com/office/powerpoint/2010/main" xmlns="" val="3945898909"/>
       </p:ext>
     </p:extLst>
   </p:cSld>

--- a/docs/diagrams/UndoRedoSequenceDiagram.pptx
+++ b/docs/diagrams/UndoRedoSequenceDiagram.pptx
@@ -109,7 +109,7 @@
   </p:defaultTextStyle>
   <p:extLst>
     <p:ext uri="{EFAFB233-063F-42B5-8137-9DF3F51BA10A}">
-      <p15:sldGuideLst xmlns:p15="http://schemas.microsoft.com/office/powerpoint/2012/main">
+      <p15:sldGuideLst xmlns:p15="http://schemas.microsoft.com/office/powerpoint/2012/main" xmlns="">
         <p15:guide id="1" orient="horz" pos="1488">
           <p15:clr>
             <a:srgbClr val="A4A3A4"/>
@@ -212,7 +212,7 @@
           <a:p>
             <a:fld id="{F5CC4B3F-88C1-4FFA-B1B6-F41C21DC6924}" type="datetimeFigureOut">
               <a:rPr lang="en-US" smtClean="0"/>
-              <a:t>7/6/2018</a:t>
+              <a:t>4/1/2019</a:t>
             </a:fld>
             <a:endParaRPr lang="en-US"/>
           </a:p>
@@ -658,7 +658,7 @@
           <a:p>
             <a:fld id="{78C97017-6FC3-485B-9764-EAC9E56C1D49}" type="datetimeFigureOut">
               <a:rPr lang="en-US" smtClean="0"/>
-              <a:t>7/6/2018</a:t>
+              <a:t>4/1/2019</a:t>
             </a:fld>
             <a:endParaRPr lang="en-US"/>
           </a:p>
@@ -826,7 +826,7 @@
           <a:p>
             <a:fld id="{78C97017-6FC3-485B-9764-EAC9E56C1D49}" type="datetimeFigureOut">
               <a:rPr lang="en-US" smtClean="0"/>
-              <a:t>7/6/2018</a:t>
+              <a:t>4/1/2019</a:t>
             </a:fld>
             <a:endParaRPr lang="en-US"/>
           </a:p>
@@ -1004,7 +1004,7 @@
           <a:p>
             <a:fld id="{78C97017-6FC3-485B-9764-EAC9E56C1D49}" type="datetimeFigureOut">
               <a:rPr lang="en-US" smtClean="0"/>
-              <a:t>7/6/2018</a:t>
+              <a:t>4/1/2019</a:t>
             </a:fld>
             <a:endParaRPr lang="en-US"/>
           </a:p>
@@ -1172,7 +1172,7 @@
           <a:p>
             <a:fld id="{78C97017-6FC3-485B-9764-EAC9E56C1D49}" type="datetimeFigureOut">
               <a:rPr lang="en-US" smtClean="0"/>
-              <a:t>7/6/2018</a:t>
+              <a:t>4/1/2019</a:t>
             </a:fld>
             <a:endParaRPr lang="en-US"/>
           </a:p>
@@ -1417,7 +1417,7 @@
           <a:p>
             <a:fld id="{78C97017-6FC3-485B-9764-EAC9E56C1D49}" type="datetimeFigureOut">
               <a:rPr lang="en-US" smtClean="0"/>
-              <a:t>7/6/2018</a:t>
+              <a:t>4/1/2019</a:t>
             </a:fld>
             <a:endParaRPr lang="en-US"/>
           </a:p>
@@ -1702,7 +1702,7 @@
           <a:p>
             <a:fld id="{78C97017-6FC3-485B-9764-EAC9E56C1D49}" type="datetimeFigureOut">
               <a:rPr lang="en-US" smtClean="0"/>
-              <a:t>7/6/2018</a:t>
+              <a:t>4/1/2019</a:t>
             </a:fld>
             <a:endParaRPr lang="en-US"/>
           </a:p>
@@ -2121,7 +2121,7 @@
           <a:p>
             <a:fld id="{78C97017-6FC3-485B-9764-EAC9E56C1D49}" type="datetimeFigureOut">
               <a:rPr lang="en-US" smtClean="0"/>
-              <a:t>7/6/2018</a:t>
+              <a:t>4/1/2019</a:t>
             </a:fld>
             <a:endParaRPr lang="en-US"/>
           </a:p>
@@ -2238,7 +2238,7 @@
           <a:p>
             <a:fld id="{78C97017-6FC3-485B-9764-EAC9E56C1D49}" type="datetimeFigureOut">
               <a:rPr lang="en-US" smtClean="0"/>
-              <a:t>7/6/2018</a:t>
+              <a:t>4/1/2019</a:t>
             </a:fld>
             <a:endParaRPr lang="en-US"/>
           </a:p>
@@ -2333,7 +2333,7 @@
           <a:p>
             <a:fld id="{78C97017-6FC3-485B-9764-EAC9E56C1D49}" type="datetimeFigureOut">
               <a:rPr lang="en-US" smtClean="0"/>
-              <a:t>7/6/2018</a:t>
+              <a:t>4/1/2019</a:t>
             </a:fld>
             <a:endParaRPr lang="en-US"/>
           </a:p>
@@ -2608,7 +2608,7 @@
           <a:p>
             <a:fld id="{78C97017-6FC3-485B-9764-EAC9E56C1D49}" type="datetimeFigureOut">
               <a:rPr lang="en-US" smtClean="0"/>
-              <a:t>7/6/2018</a:t>
+              <a:t>4/1/2019</a:t>
             </a:fld>
             <a:endParaRPr lang="en-US"/>
           </a:p>
@@ -2860,7 +2860,7 @@
           <a:p>
             <a:fld id="{78C97017-6FC3-485B-9764-EAC9E56C1D49}" type="datetimeFigureOut">
               <a:rPr lang="en-US" smtClean="0"/>
-              <a:t>7/6/2018</a:t>
+              <a:t>4/1/2019</a:t>
             </a:fld>
             <a:endParaRPr lang="en-US"/>
           </a:p>
@@ -3071,7 +3071,7 @@
           <a:p>
             <a:fld id="{78C97017-6FC3-485B-9764-EAC9E56C1D49}" type="datetimeFigureOut">
               <a:rPr lang="en-US" smtClean="0"/>
-              <a:t>7/6/2018</a:t>
+              <a:t>4/1/2019</a:t>
             </a:fld>
             <a:endParaRPr lang="en-US"/>
           </a:p>
@@ -3729,8 +3729,8 @@
         </p:nvSpPr>
         <p:spPr>
           <a:xfrm>
-            <a:off x="3437188" y="423022"/>
-            <a:ext cx="1219200" cy="467684"/>
+            <a:off x="3437187" y="423022"/>
+            <a:ext cx="1598789" cy="467684"/>
           </a:xfrm>
           <a:prstGeom prst="rect">
             <a:avLst/>
@@ -3765,23 +3765,28 @@
           <a:p>
             <a:pPr algn="ctr"/>
             <a:r>
-              <a:rPr lang="en-US" sz="1600" dirty="0">
+              <a:rPr lang="en-US" sz="1600" dirty="0" smtClean="0">
                 <a:solidFill>
                   <a:schemeClr val="bg1"/>
                 </a:solidFill>
               </a:rPr>
-              <a:t>:Address</a:t>
-            </a:r>
-          </a:p>
-          <a:p>
-            <a:pPr algn="ctr"/>
-            <a:r>
-              <a:rPr lang="en-US" sz="1600" dirty="0" err="1">
+              <a:t>:</a:t>
+            </a:r>
+            <a:r>
+              <a:rPr lang="en-US" sz="1600" dirty="0" err="1" smtClean="0">
                 <a:solidFill>
                   <a:schemeClr val="bg1"/>
                 </a:solidFill>
               </a:rPr>
-              <a:t>BookParser</a:t>
+              <a:t>TopDeck</a:t>
+            </a:r>
+            <a:r>
+              <a:rPr lang="en-US" sz="1600" dirty="0" err="1" smtClean="0">
+                <a:solidFill>
+                  <a:schemeClr val="bg1"/>
+                </a:solidFill>
+              </a:rPr>
+              <a:t>Parser</a:t>
             </a:r>
             <a:endParaRPr lang="en-SG" sz="1600" dirty="0">
               <a:solidFill>
@@ -4286,7 +4291,7 @@
         </p:nvSpPr>
         <p:spPr>
           <a:xfrm>
-            <a:off x="5651548" y="2748246"/>
+            <a:off x="5532578" y="2748246"/>
             <a:ext cx="1298078" cy="184666"/>
           </a:xfrm>
           <a:prstGeom prst="rect">
@@ -4312,7 +4317,7 @@
           </a:lstStyle>
           <a:p>
             <a:r>
-              <a:rPr lang="en-US" sz="1200" dirty="0" err="1">
+              <a:rPr lang="en-US" sz="1200" dirty="0" err="1" smtClean="0">
                 <a:solidFill>
                   <a:schemeClr val="accent4">
                     <a:lumMod val="75000"/>
@@ -4322,15 +4327,15 @@
               <a:t>undo</a:t>
             </a:r>
             <a:r>
-              <a:rPr lang="en-US" sz="1200" dirty="0" err="1">
+              <a:rPr lang="en-US" sz="1200" dirty="0" err="1" smtClean="0">
                 <a:solidFill>
                   <a:srgbClr val="7030A0"/>
                 </a:solidFill>
               </a:rPr>
-              <a:t>AddressBook</a:t>
-            </a:r>
-            <a:r>
-              <a:rPr lang="en-US" sz="1200" dirty="0">
+              <a:t>TopDeck</a:t>
+            </a:r>
+            <a:r>
+              <a:rPr lang="en-US" sz="1200" dirty="0" smtClean="0">
                 <a:solidFill>
                   <a:srgbClr val="7030A0"/>
                 </a:solidFill>
@@ -4473,8 +4478,8 @@
         </p:nvSpPr>
         <p:spPr>
           <a:xfrm>
-            <a:off x="7497155" y="2568606"/>
-            <a:ext cx="2181777" cy="335427"/>
+            <a:off x="7667691" y="2568606"/>
+            <a:ext cx="1857309" cy="335427"/>
           </a:xfrm>
           <a:prstGeom prst="rect">
             <a:avLst/>
@@ -4517,12 +4522,12 @@
               <a:t>:</a:t>
             </a:r>
             <a:r>
-              <a:rPr lang="en-US" sz="1600" dirty="0" err="1">
+              <a:rPr lang="en-US" sz="1600" dirty="0" err="1" smtClean="0">
                 <a:solidFill>
                   <a:schemeClr val="bg1"/>
                 </a:solidFill>
               </a:rPr>
-              <a:t>VersionedAddressBook</a:t>
+              <a:t>VersionedTopDeck</a:t>
             </a:r>
             <a:endParaRPr lang="en-SG" sz="1600" dirty="0">
               <a:solidFill>
@@ -4914,7 +4919,7 @@
           <p:cNvPr id="66" name="Straight Arrow Connector 65">
             <a:extLst>
               <a:ext uri="{FF2B5EF4-FFF2-40B4-BE49-F238E27FC236}">
-                <a16:creationId xmlns:a16="http://schemas.microsoft.com/office/drawing/2014/main" id="{39916E2E-195A-4DC8-B025-B05FA87E6796}"/>
+                <a16:creationId xmlns:a16="http://schemas.microsoft.com/office/drawing/2014/main" xmlns="" id="{39916E2E-195A-4DC8-B025-B05FA87E6796}"/>
               </a:ext>
             </a:extLst>
           </p:cNvPr>
@@ -4958,7 +4963,7 @@
           <p:cNvPr id="67" name="Straight Arrow Connector 66">
             <a:extLst>
               <a:ext uri="{FF2B5EF4-FFF2-40B4-BE49-F238E27FC236}">
-                <a16:creationId xmlns:a16="http://schemas.microsoft.com/office/drawing/2014/main" id="{D881596E-177C-4FDC-8E60-CAB90B3D5FAB}"/>
+                <a16:creationId xmlns:a16="http://schemas.microsoft.com/office/drawing/2014/main" xmlns="" id="{D881596E-177C-4FDC-8E60-CAB90B3D5FAB}"/>
               </a:ext>
             </a:extLst>
           </p:cNvPr>
@@ -5002,7 +5007,7 @@
           <p:cNvPr id="69" name="Straight Arrow Connector 68">
             <a:extLst>
               <a:ext uri="{FF2B5EF4-FFF2-40B4-BE49-F238E27FC236}">
-                <a16:creationId xmlns:a16="http://schemas.microsoft.com/office/drawing/2014/main" id="{7C9F21BC-13A9-471F-825A-2621FD36355F}"/>
+                <a16:creationId xmlns:a16="http://schemas.microsoft.com/office/drawing/2014/main" xmlns="" id="{7C9F21BC-13A9-471F-825A-2621FD36355F}"/>
               </a:ext>
             </a:extLst>
           </p:cNvPr>
@@ -5048,7 +5053,7 @@
           <p:cNvPr id="88" name="TextBox 87">
             <a:extLst>
               <a:ext uri="{FF2B5EF4-FFF2-40B4-BE49-F238E27FC236}">
-                <a16:creationId xmlns:a16="http://schemas.microsoft.com/office/drawing/2014/main" id="{B85C6184-7378-4E89-A338-72B1E5056F4F}"/>
+                <a16:creationId xmlns:a16="http://schemas.microsoft.com/office/drawing/2014/main" xmlns="" id="{B85C6184-7378-4E89-A338-72B1E5056F4F}"/>
               </a:ext>
             </a:extLst>
           </p:cNvPr>
@@ -5083,7 +5088,7 @@
           </a:lstStyle>
           <a:p>
             <a:r>
-              <a:rPr lang="en-US" sz="1200" dirty="0" err="1">
+              <a:rPr lang="en-US" sz="1200" dirty="0" err="1" smtClean="0">
                 <a:solidFill>
                   <a:srgbClr val="7030A0"/>
                 </a:solidFill>
@@ -5091,7 +5096,7 @@
               <a:t>resetData</a:t>
             </a:r>
             <a:r>
-              <a:rPr lang="en-US" sz="1200" dirty="0">
+              <a:rPr lang="en-US" sz="1200" dirty="0" smtClean="0">
                 <a:solidFill>
                   <a:srgbClr val="7030A0"/>
                 </a:solidFill>
@@ -5099,15 +5104,15 @@
               <a:t>(</a:t>
             </a:r>
             <a:r>
-              <a:rPr lang="en-US" sz="1200" dirty="0" err="1">
+              <a:rPr lang="en-US" sz="1200" dirty="0" err="1" smtClean="0">
                 <a:solidFill>
                   <a:srgbClr val="7030A0"/>
                 </a:solidFill>
               </a:rPr>
-              <a:t>ReadOnlyAddressBook</a:t>
-            </a:r>
-            <a:r>
-              <a:rPr lang="en-US" sz="1200" dirty="0">
+              <a:t>ReadOnlyTopDeck</a:t>
+            </a:r>
+            <a:r>
+              <a:rPr lang="en-US" sz="1200" dirty="0" smtClean="0">
                 <a:solidFill>
                   <a:srgbClr val="7030A0"/>
                 </a:solidFill>
@@ -5123,7 +5128,7 @@
           <p:cNvPr id="89" name="Straight Connector 88">
             <a:extLst>
               <a:ext uri="{FF2B5EF4-FFF2-40B4-BE49-F238E27FC236}">
-                <a16:creationId xmlns:a16="http://schemas.microsoft.com/office/drawing/2014/main" id="{E4E1C8CA-49DF-45D8-80A5-D5C8282EE927}"/>
+                <a16:creationId xmlns:a16="http://schemas.microsoft.com/office/drawing/2014/main" xmlns="" id="{E4E1C8CA-49DF-45D8-80A5-D5C8282EE927}"/>
               </a:ext>
             </a:extLst>
           </p:cNvPr>
@@ -5302,7 +5307,7 @@
           <p:cNvPr id="60" name="Straight Arrow Connector 59">
             <a:extLst>
               <a:ext uri="{FF2B5EF4-FFF2-40B4-BE49-F238E27FC236}">
-                <a16:creationId xmlns:a16="http://schemas.microsoft.com/office/drawing/2014/main" id="{7C9F21BC-13A9-471F-825A-2621FD36355F}"/>
+                <a16:creationId xmlns:a16="http://schemas.microsoft.com/office/drawing/2014/main" xmlns="" id="{7C9F21BC-13A9-471F-825A-2621FD36355F}"/>
               </a:ext>
             </a:extLst>
           </p:cNvPr>
@@ -5348,7 +5353,7 @@
           <p:cNvPr id="63" name="Straight Arrow Connector 62">
             <a:extLst>
               <a:ext uri="{FF2B5EF4-FFF2-40B4-BE49-F238E27FC236}">
-                <a16:creationId xmlns:a16="http://schemas.microsoft.com/office/drawing/2014/main" id="{7C9F21BC-13A9-471F-825A-2621FD36355F}"/>
+                <a16:creationId xmlns:a16="http://schemas.microsoft.com/office/drawing/2014/main" xmlns="" id="{7C9F21BC-13A9-471F-825A-2621FD36355F}"/>
               </a:ext>
             </a:extLst>
           </p:cNvPr>

--- a/docs/diagrams/UndoRedoSequenceDiagram.pptx
+++ b/docs/diagrams/UndoRedoSequenceDiagram.pptx
@@ -126,10 +126,6 @@
 </p:presentation>
 </file>
 
-<file path=ppt/revisionInfo.xml><?xml version="1.0" encoding="utf-8"?>
-<p1510:revInfo xmlns:a="http://schemas.openxmlformats.org/drawingml/2006/main" xmlns:r="http://schemas.openxmlformats.org/officeDocument/2006/relationships" xmlns:p1510="http://schemas.microsoft.com/office/powerpoint/2015/10/main"/>
-</file>
-
 <file path=ppt/notesMasters/notesMaster1.xml><?xml version="1.0" encoding="utf-8"?>
 <p:notesMaster xmlns:a="http://schemas.openxmlformats.org/drawingml/2006/main" xmlns:r="http://schemas.openxmlformats.org/officeDocument/2006/relationships" xmlns:p="http://schemas.openxmlformats.org/presentationml/2006/main">
   <p:cSld>
@@ -212,7 +208,7 @@
           <a:p>
             <a:fld id="{F5CC4B3F-88C1-4FFA-B1B6-F41C21DC6924}" type="datetimeFigureOut">
               <a:rPr lang="en-US" smtClean="0"/>
-              <a:t>7/6/2018</a:t>
+              <a:t>4/1/2019</a:t>
             </a:fld>
             <a:endParaRPr lang="en-US"/>
           </a:p>
@@ -658,7 +654,7 @@
           <a:p>
             <a:fld id="{78C97017-6FC3-485B-9764-EAC9E56C1D49}" type="datetimeFigureOut">
               <a:rPr lang="en-US" smtClean="0"/>
-              <a:t>7/6/2018</a:t>
+              <a:t>4/1/2019</a:t>
             </a:fld>
             <a:endParaRPr lang="en-US"/>
           </a:p>
@@ -826,7 +822,7 @@
           <a:p>
             <a:fld id="{78C97017-6FC3-485B-9764-EAC9E56C1D49}" type="datetimeFigureOut">
               <a:rPr lang="en-US" smtClean="0"/>
-              <a:t>7/6/2018</a:t>
+              <a:t>4/1/2019</a:t>
             </a:fld>
             <a:endParaRPr lang="en-US"/>
           </a:p>
@@ -1004,7 +1000,7 @@
           <a:p>
             <a:fld id="{78C97017-6FC3-485B-9764-EAC9E56C1D49}" type="datetimeFigureOut">
               <a:rPr lang="en-US" smtClean="0"/>
-              <a:t>7/6/2018</a:t>
+              <a:t>4/1/2019</a:t>
             </a:fld>
             <a:endParaRPr lang="en-US"/>
           </a:p>
@@ -1172,7 +1168,7 @@
           <a:p>
             <a:fld id="{78C97017-6FC3-485B-9764-EAC9E56C1D49}" type="datetimeFigureOut">
               <a:rPr lang="en-US" smtClean="0"/>
-              <a:t>7/6/2018</a:t>
+              <a:t>4/1/2019</a:t>
             </a:fld>
             <a:endParaRPr lang="en-US"/>
           </a:p>
@@ -1417,7 +1413,7 @@
           <a:p>
             <a:fld id="{78C97017-6FC3-485B-9764-EAC9E56C1D49}" type="datetimeFigureOut">
               <a:rPr lang="en-US" smtClean="0"/>
-              <a:t>7/6/2018</a:t>
+              <a:t>4/1/2019</a:t>
             </a:fld>
             <a:endParaRPr lang="en-US"/>
           </a:p>
@@ -1702,7 +1698,7 @@
           <a:p>
             <a:fld id="{78C97017-6FC3-485B-9764-EAC9E56C1D49}" type="datetimeFigureOut">
               <a:rPr lang="en-US" smtClean="0"/>
-              <a:t>7/6/2018</a:t>
+              <a:t>4/1/2019</a:t>
             </a:fld>
             <a:endParaRPr lang="en-US"/>
           </a:p>
@@ -2121,7 +2117,7 @@
           <a:p>
             <a:fld id="{78C97017-6FC3-485B-9764-EAC9E56C1D49}" type="datetimeFigureOut">
               <a:rPr lang="en-US" smtClean="0"/>
-              <a:t>7/6/2018</a:t>
+              <a:t>4/1/2019</a:t>
             </a:fld>
             <a:endParaRPr lang="en-US"/>
           </a:p>
@@ -2238,7 +2234,7 @@
           <a:p>
             <a:fld id="{78C97017-6FC3-485B-9764-EAC9E56C1D49}" type="datetimeFigureOut">
               <a:rPr lang="en-US" smtClean="0"/>
-              <a:t>7/6/2018</a:t>
+              <a:t>4/1/2019</a:t>
             </a:fld>
             <a:endParaRPr lang="en-US"/>
           </a:p>
@@ -2333,7 +2329,7 @@
           <a:p>
             <a:fld id="{78C97017-6FC3-485B-9764-EAC9E56C1D49}" type="datetimeFigureOut">
               <a:rPr lang="en-US" smtClean="0"/>
-              <a:t>7/6/2018</a:t>
+              <a:t>4/1/2019</a:t>
             </a:fld>
             <a:endParaRPr lang="en-US"/>
           </a:p>
@@ -2608,7 +2604,7 @@
           <a:p>
             <a:fld id="{78C97017-6FC3-485B-9764-EAC9E56C1D49}" type="datetimeFigureOut">
               <a:rPr lang="en-US" smtClean="0"/>
-              <a:t>7/6/2018</a:t>
+              <a:t>4/1/2019</a:t>
             </a:fld>
             <a:endParaRPr lang="en-US"/>
           </a:p>
@@ -2860,7 +2856,7 @@
           <a:p>
             <a:fld id="{78C97017-6FC3-485B-9764-EAC9E56C1D49}" type="datetimeFigureOut">
               <a:rPr lang="en-US" smtClean="0"/>
-              <a:t>7/6/2018</a:t>
+              <a:t>4/1/2019</a:t>
             </a:fld>
             <a:endParaRPr lang="en-US"/>
           </a:p>
@@ -3071,7 +3067,7 @@
           <a:p>
             <a:fld id="{78C97017-6FC3-485B-9764-EAC9E56C1D49}" type="datetimeFigureOut">
               <a:rPr lang="en-US" smtClean="0"/>
-              <a:t>7/6/2018</a:t>
+              <a:t>4/1/2019</a:t>
             </a:fld>
             <a:endParaRPr lang="en-US"/>
           </a:p>
@@ -3729,8 +3725,8 @@
         </p:nvSpPr>
         <p:spPr>
           <a:xfrm>
-            <a:off x="3437188" y="423022"/>
-            <a:ext cx="1219200" cy="467684"/>
+            <a:off x="3307635" y="446716"/>
+            <a:ext cx="1492965" cy="467684"/>
           </a:xfrm>
           <a:prstGeom prst="rect">
             <a:avLst/>
@@ -3770,18 +3766,15 @@
                   <a:schemeClr val="bg1"/>
                 </a:solidFill>
               </a:rPr>
-              <a:t>:Address</a:t>
-            </a:r>
-          </a:p>
-          <a:p>
-            <a:pPr algn="ctr"/>
+              <a:t>:</a:t>
+            </a:r>
             <a:r>
               <a:rPr lang="en-US" sz="1600" dirty="0" err="1">
                 <a:solidFill>
                   <a:schemeClr val="bg1"/>
                 </a:solidFill>
               </a:rPr>
-              <a:t>BookParser</a:t>
+              <a:t>FinanceTrackerParser</a:t>
             </a:r>
             <a:endParaRPr lang="en-SG" sz="1600" dirty="0">
               <a:solidFill>
@@ -4286,8 +4279,8 @@
         </p:nvSpPr>
         <p:spPr>
           <a:xfrm>
-            <a:off x="5651548" y="2748246"/>
-            <a:ext cx="1298078" cy="184666"/>
+            <a:off x="5386369" y="2599418"/>
+            <a:ext cx="1298078" cy="369332"/>
           </a:xfrm>
           <a:prstGeom prst="rect">
             <a:avLst/>
@@ -4327,15 +4320,22 @@
                   <a:srgbClr val="7030A0"/>
                 </a:solidFill>
               </a:rPr>
-              <a:t>AddressBook</a:t>
-            </a:r>
+              <a:t>Finance</a:t>
+            </a:r>
+            <a:endParaRPr lang="en-US" sz="1200" dirty="0">
+              <a:solidFill>
+                <a:srgbClr val="7030A0"/>
+              </a:solidFill>
+            </a:endParaRPr>
+          </a:p>
+          <a:p>
             <a:r>
               <a:rPr lang="en-US" sz="1200" dirty="0">
                 <a:solidFill>
                   <a:srgbClr val="7030A0"/>
                 </a:solidFill>
               </a:rPr>
-              <a:t>()</a:t>
+              <a:t>Tracker()</a:t>
             </a:r>
             <a:endParaRPr lang="en-US" sz="1200" dirty="0"/>
           </a:p>
@@ -4473,8 +4473,8 @@
         </p:nvSpPr>
         <p:spPr>
           <a:xfrm>
-            <a:off x="7497155" y="2568606"/>
-            <a:ext cx="2181777" cy="335427"/>
+            <a:off x="7497155" y="2505472"/>
+            <a:ext cx="2324727" cy="398561"/>
           </a:xfrm>
           <a:prstGeom prst="rect">
             <a:avLst/>
@@ -4522,7 +4522,7 @@
                   <a:schemeClr val="bg1"/>
                 </a:solidFill>
               </a:rPr>
-              <a:t>VersionedAddressBook</a:t>
+              <a:t>VersionedFinanceTracker</a:t>
             </a:r>
             <a:endParaRPr lang="en-SG" sz="1600" dirty="0">
               <a:solidFill>
@@ -4627,7 +4627,7 @@
         </p:nvSpPr>
         <p:spPr>
           <a:xfrm>
-            <a:off x="6549765" y="2362200"/>
+            <a:off x="6549220" y="2291613"/>
             <a:ext cx="841636" cy="300180"/>
           </a:xfrm>
           <a:prstGeom prst="rect">
@@ -5057,8 +5057,8 @@
         </p:nvSpPr>
         <p:spPr>
           <a:xfrm>
-            <a:off x="8769530" y="3267337"/>
-            <a:ext cx="2120786" cy="184666"/>
+            <a:off x="8769529" y="3267337"/>
+            <a:ext cx="2321759" cy="184666"/>
           </a:xfrm>
           <a:prstGeom prst="rect">
             <a:avLst/>
@@ -5104,7 +5104,7 @@
                   <a:srgbClr val="7030A0"/>
                 </a:solidFill>
               </a:rPr>
-              <a:t>ReadOnlyAddressBook</a:t>
+              <a:t>ReadOnlyFinanceTracker</a:t>
             </a:r>
             <a:r>
               <a:rPr lang="en-US" sz="1200" dirty="0">

--- a/docs/diagrams/UndoRedoSequenceDiagram.pptx
+++ b/docs/diagrams/UndoRedoSequenceDiagram.pptx
@@ -5,10 +5,11 @@
     <p:sldMasterId id="2147483648" r:id="rId1"/>
   </p:sldMasterIdLst>
   <p:notesMasterIdLst>
-    <p:notesMasterId r:id="rId3"/>
+    <p:notesMasterId r:id="rId4"/>
   </p:notesMasterIdLst>
   <p:sldIdLst>
     <p:sldId id="267" r:id="rId2"/>
+    <p:sldId id="268" r:id="rId3"/>
   </p:sldIdLst>
   <p:sldSz cx="9144000" cy="6858000" type="screen4x3"/>
   <p:notesSz cx="6858000" cy="9144000"/>
@@ -126,10 +127,6 @@
 </p:presentation>
 </file>
 
-<file path=ppt/revisionInfo.xml><?xml version="1.0" encoding="utf-8"?>
-<p1510:revInfo xmlns:a="http://schemas.openxmlformats.org/drawingml/2006/main" xmlns:r="http://schemas.openxmlformats.org/officeDocument/2006/relationships" xmlns:p1510="http://schemas.microsoft.com/office/powerpoint/2015/10/main"/>
-</file>
-
 <file path=ppt/notesMasters/notesMaster1.xml><?xml version="1.0" encoding="utf-8"?>
 <p:notesMaster xmlns:a="http://schemas.openxmlformats.org/drawingml/2006/main" xmlns:r="http://schemas.openxmlformats.org/officeDocument/2006/relationships" xmlns:p="http://schemas.openxmlformats.org/presentationml/2006/main">
   <p:cSld>
@@ -212,7 +209,7 @@
           <a:p>
             <a:fld id="{F5CC4B3F-88C1-4FFA-B1B6-F41C21DC6924}" type="datetimeFigureOut">
               <a:rPr lang="en-US" smtClean="0"/>
-              <a:t>3/5/19</a:t>
+              <a:t>4/2/19</a:t>
             </a:fld>
             <a:endParaRPr lang="en-US"/>
           </a:p>
@@ -658,7 +655,7 @@
           <a:p>
             <a:fld id="{78C97017-6FC3-485B-9764-EAC9E56C1D49}" type="datetimeFigureOut">
               <a:rPr lang="en-US" smtClean="0"/>
-              <a:t>3/5/19</a:t>
+              <a:t>4/2/19</a:t>
             </a:fld>
             <a:endParaRPr lang="en-US"/>
           </a:p>
@@ -826,7 +823,7 @@
           <a:p>
             <a:fld id="{78C97017-6FC3-485B-9764-EAC9E56C1D49}" type="datetimeFigureOut">
               <a:rPr lang="en-US" smtClean="0"/>
-              <a:t>3/5/19</a:t>
+              <a:t>4/2/19</a:t>
             </a:fld>
             <a:endParaRPr lang="en-US"/>
           </a:p>
@@ -1004,7 +1001,7 @@
           <a:p>
             <a:fld id="{78C97017-6FC3-485B-9764-EAC9E56C1D49}" type="datetimeFigureOut">
               <a:rPr lang="en-US" smtClean="0"/>
-              <a:t>3/5/19</a:t>
+              <a:t>4/2/19</a:t>
             </a:fld>
             <a:endParaRPr lang="en-US"/>
           </a:p>
@@ -1172,7 +1169,7 @@
           <a:p>
             <a:fld id="{78C97017-6FC3-485B-9764-EAC9E56C1D49}" type="datetimeFigureOut">
               <a:rPr lang="en-US" smtClean="0"/>
-              <a:t>3/5/19</a:t>
+              <a:t>4/2/19</a:t>
             </a:fld>
             <a:endParaRPr lang="en-US"/>
           </a:p>
@@ -1417,7 +1414,7 @@
           <a:p>
             <a:fld id="{78C97017-6FC3-485B-9764-EAC9E56C1D49}" type="datetimeFigureOut">
               <a:rPr lang="en-US" smtClean="0"/>
-              <a:t>3/5/19</a:t>
+              <a:t>4/2/19</a:t>
             </a:fld>
             <a:endParaRPr lang="en-US"/>
           </a:p>
@@ -1702,7 +1699,7 @@
           <a:p>
             <a:fld id="{78C97017-6FC3-485B-9764-EAC9E56C1D49}" type="datetimeFigureOut">
               <a:rPr lang="en-US" smtClean="0"/>
-              <a:t>3/5/19</a:t>
+              <a:t>4/2/19</a:t>
             </a:fld>
             <a:endParaRPr lang="en-US"/>
           </a:p>
@@ -2121,7 +2118,7 @@
           <a:p>
             <a:fld id="{78C97017-6FC3-485B-9764-EAC9E56C1D49}" type="datetimeFigureOut">
               <a:rPr lang="en-US" smtClean="0"/>
-              <a:t>3/5/19</a:t>
+              <a:t>4/2/19</a:t>
             </a:fld>
             <a:endParaRPr lang="en-US"/>
           </a:p>
@@ -2238,7 +2235,7 @@
           <a:p>
             <a:fld id="{78C97017-6FC3-485B-9764-EAC9E56C1D49}" type="datetimeFigureOut">
               <a:rPr lang="en-US" smtClean="0"/>
-              <a:t>3/5/19</a:t>
+              <a:t>4/2/19</a:t>
             </a:fld>
             <a:endParaRPr lang="en-US"/>
           </a:p>
@@ -2333,7 +2330,7 @@
           <a:p>
             <a:fld id="{78C97017-6FC3-485B-9764-EAC9E56C1D49}" type="datetimeFigureOut">
               <a:rPr lang="en-US" smtClean="0"/>
-              <a:t>3/5/19</a:t>
+              <a:t>4/2/19</a:t>
             </a:fld>
             <a:endParaRPr lang="en-US"/>
           </a:p>
@@ -2608,7 +2605,7 @@
           <a:p>
             <a:fld id="{78C97017-6FC3-485B-9764-EAC9E56C1D49}" type="datetimeFigureOut">
               <a:rPr lang="en-US" smtClean="0"/>
-              <a:t>3/5/19</a:t>
+              <a:t>4/2/19</a:t>
             </a:fld>
             <a:endParaRPr lang="en-US"/>
           </a:p>
@@ -2860,7 +2857,7 @@
           <a:p>
             <a:fld id="{78C97017-6FC3-485B-9764-EAC9E56C1D49}" type="datetimeFigureOut">
               <a:rPr lang="en-US" smtClean="0"/>
-              <a:t>3/5/19</a:t>
+              <a:t>4/2/19</a:t>
             </a:fld>
             <a:endParaRPr lang="en-US"/>
           </a:p>
@@ -3071,7 +3068,7 @@
           <a:p>
             <a:fld id="{78C97017-6FC3-485B-9764-EAC9E56C1D49}" type="datetimeFigureOut">
               <a:rPr lang="en-US" smtClean="0"/>
-              <a:t>3/5/19</a:t>
+              <a:t>4/2/19</a:t>
             </a:fld>
             <a:endParaRPr lang="en-US"/>
           </a:p>
@@ -3765,36 +3762,23 @@
           <a:p>
             <a:pPr algn="ctr"/>
             <a:r>
-              <a:rPr lang="en-US" sz="1600" dirty="0" smtClean="0">
+              <a:rPr lang="en-US" sz="1600" dirty="0">
                 <a:solidFill>
                   <a:schemeClr val="bg1"/>
                 </a:solidFill>
               </a:rPr>
               <a:t>:Book</a:t>
             </a:r>
-            <a:endParaRPr lang="en-US" sz="1600" dirty="0">
-              <a:solidFill>
-                <a:schemeClr val="bg1"/>
-              </a:solidFill>
-            </a:endParaRPr>
           </a:p>
           <a:p>
             <a:pPr algn="ctr"/>
             <a:r>
-              <a:rPr lang="en-US" sz="1600" dirty="0" err="1" smtClean="0">
+              <a:rPr lang="en-US" sz="1600" dirty="0" err="1">
                 <a:solidFill>
                   <a:schemeClr val="bg1"/>
                 </a:solidFill>
               </a:rPr>
-              <a:t>Shelf</a:t>
-            </a:r>
-            <a:r>
-              <a:rPr lang="en-US" sz="1600" dirty="0" err="1" smtClean="0">
-                <a:solidFill>
-                  <a:schemeClr val="bg1"/>
-                </a:solidFill>
-              </a:rPr>
-              <a:t>Parser</a:t>
+              <a:t>ShelfParser</a:t>
             </a:r>
             <a:endParaRPr lang="en-SG" sz="1600" dirty="0">
               <a:solidFill>
@@ -4325,7 +4309,7 @@
           </a:lstStyle>
           <a:p>
             <a:r>
-              <a:rPr lang="en-US" sz="1200" dirty="0" err="1" smtClean="0">
+              <a:rPr lang="en-US" sz="1200" dirty="0" err="1">
                 <a:solidFill>
                   <a:schemeClr val="accent4">
                     <a:lumMod val="75000"/>
@@ -4335,7 +4319,7 @@
               <a:t>undo</a:t>
             </a:r>
             <a:r>
-              <a:rPr lang="en-US" sz="1200" dirty="0" err="1" smtClean="0">
+              <a:rPr lang="en-US" sz="1200" dirty="0" err="1">
                 <a:solidFill>
                   <a:srgbClr val="7030A0"/>
                 </a:solidFill>
@@ -4343,7 +4327,7 @@
               <a:t>BookShelf</a:t>
             </a:r>
             <a:r>
-              <a:rPr lang="en-US" sz="1200" dirty="0" smtClean="0">
+              <a:rPr lang="en-US" sz="1200" dirty="0">
                 <a:solidFill>
                   <a:srgbClr val="7030A0"/>
                 </a:solidFill>
@@ -4530,7 +4514,7 @@
               <a:t>:</a:t>
             </a:r>
             <a:r>
-              <a:rPr lang="en-US" sz="1600" dirty="0" err="1" smtClean="0">
+              <a:rPr lang="en-US" sz="1600" dirty="0" err="1">
                 <a:solidFill>
                   <a:schemeClr val="bg1"/>
                 </a:solidFill>
@@ -4927,7 +4911,7 @@
           <p:cNvPr id="66" name="Straight Arrow Connector 65">
             <a:extLst>
               <a:ext uri="{FF2B5EF4-FFF2-40B4-BE49-F238E27FC236}">
-                <a16:creationId xmlns="" xmlns:a16="http://schemas.microsoft.com/office/drawing/2014/main" id="{39916E2E-195A-4DC8-B025-B05FA87E6796}"/>
+                <a16:creationId xmlns:a16="http://schemas.microsoft.com/office/drawing/2014/main" id="{39916E2E-195A-4DC8-B025-B05FA87E6796}"/>
               </a:ext>
             </a:extLst>
           </p:cNvPr>
@@ -4971,7 +4955,7 @@
           <p:cNvPr id="67" name="Straight Arrow Connector 66">
             <a:extLst>
               <a:ext uri="{FF2B5EF4-FFF2-40B4-BE49-F238E27FC236}">
-                <a16:creationId xmlns="" xmlns:a16="http://schemas.microsoft.com/office/drawing/2014/main" id="{D881596E-177C-4FDC-8E60-CAB90B3D5FAB}"/>
+                <a16:creationId xmlns:a16="http://schemas.microsoft.com/office/drawing/2014/main" id="{D881596E-177C-4FDC-8E60-CAB90B3D5FAB}"/>
               </a:ext>
             </a:extLst>
           </p:cNvPr>
@@ -5015,7 +4999,7 @@
           <p:cNvPr id="69" name="Straight Arrow Connector 68">
             <a:extLst>
               <a:ext uri="{FF2B5EF4-FFF2-40B4-BE49-F238E27FC236}">
-                <a16:creationId xmlns="" xmlns:a16="http://schemas.microsoft.com/office/drawing/2014/main" id="{7C9F21BC-13A9-471F-825A-2621FD36355F}"/>
+                <a16:creationId xmlns:a16="http://schemas.microsoft.com/office/drawing/2014/main" id="{7C9F21BC-13A9-471F-825A-2621FD36355F}"/>
               </a:ext>
             </a:extLst>
           </p:cNvPr>
@@ -5061,7 +5045,7 @@
           <p:cNvPr id="88" name="TextBox 87">
             <a:extLst>
               <a:ext uri="{FF2B5EF4-FFF2-40B4-BE49-F238E27FC236}">
-                <a16:creationId xmlns="" xmlns:a16="http://schemas.microsoft.com/office/drawing/2014/main" id="{B85C6184-7378-4E89-A338-72B1E5056F4F}"/>
+                <a16:creationId xmlns:a16="http://schemas.microsoft.com/office/drawing/2014/main" id="{B85C6184-7378-4E89-A338-72B1E5056F4F}"/>
               </a:ext>
             </a:extLst>
           </p:cNvPr>
@@ -5096,7 +5080,7 @@
           </a:lstStyle>
           <a:p>
             <a:r>
-              <a:rPr lang="en-US" sz="1200" dirty="0" err="1" smtClean="0">
+              <a:rPr lang="en-US" sz="1200" dirty="0" err="1">
                 <a:solidFill>
                   <a:srgbClr val="7030A0"/>
                 </a:solidFill>
@@ -5104,7 +5088,7 @@
               <a:t>resetData</a:t>
             </a:r>
             <a:r>
-              <a:rPr lang="en-US" sz="1200" dirty="0" smtClean="0">
+              <a:rPr lang="en-US" sz="1200" dirty="0">
                 <a:solidFill>
                   <a:srgbClr val="7030A0"/>
                 </a:solidFill>
@@ -5112,7 +5096,7 @@
               <a:t>(</a:t>
             </a:r>
             <a:r>
-              <a:rPr lang="en-US" sz="1200" smtClean="0">
+              <a:rPr lang="en-US" sz="1200">
                 <a:solidFill>
                   <a:srgbClr val="7030A0"/>
                 </a:solidFill>
@@ -5128,7 +5112,7 @@
           <p:cNvPr id="89" name="Straight Connector 88">
             <a:extLst>
               <a:ext uri="{FF2B5EF4-FFF2-40B4-BE49-F238E27FC236}">
-                <a16:creationId xmlns="" xmlns:a16="http://schemas.microsoft.com/office/drawing/2014/main" id="{E4E1C8CA-49DF-45D8-80A5-D5C8282EE927}"/>
+                <a16:creationId xmlns:a16="http://schemas.microsoft.com/office/drawing/2014/main" id="{E4E1C8CA-49DF-45D8-80A5-D5C8282EE927}"/>
               </a:ext>
             </a:extLst>
           </p:cNvPr>
@@ -5307,7 +5291,7 @@
           <p:cNvPr id="60" name="Straight Arrow Connector 59">
             <a:extLst>
               <a:ext uri="{FF2B5EF4-FFF2-40B4-BE49-F238E27FC236}">
-                <a16:creationId xmlns="" xmlns:a16="http://schemas.microsoft.com/office/drawing/2014/main" id="{7C9F21BC-13A9-471F-825A-2621FD36355F}"/>
+                <a16:creationId xmlns:a16="http://schemas.microsoft.com/office/drawing/2014/main" id="{7C9F21BC-13A9-471F-825A-2621FD36355F}"/>
               </a:ext>
             </a:extLst>
           </p:cNvPr>
@@ -5353,7 +5337,7 @@
           <p:cNvPr id="63" name="Straight Arrow Connector 62">
             <a:extLst>
               <a:ext uri="{FF2B5EF4-FFF2-40B4-BE49-F238E27FC236}">
-                <a16:creationId xmlns="" xmlns:a16="http://schemas.microsoft.com/office/drawing/2014/main" id="{7C9F21BC-13A9-471F-825A-2621FD36355F}"/>
+                <a16:creationId xmlns:a16="http://schemas.microsoft.com/office/drawing/2014/main" id="{7C9F21BC-13A9-471F-825A-2621FD36355F}"/>
               </a:ext>
             </a:extLst>
           </p:cNvPr>
@@ -5399,6 +5383,2109 @@
     <p:extLst>
       <p:ext uri="{BB962C8B-B14F-4D97-AF65-F5344CB8AC3E}">
         <p14:creationId xmlns:p14="http://schemas.microsoft.com/office/powerpoint/2010/main" val="3945898909"/>
+      </p:ext>
+    </p:extLst>
+  </p:cSld>
+  <p:clrMapOvr>
+    <a:masterClrMapping/>
+  </p:clrMapOvr>
+</p:sld>
+</file>
+
+<file path=ppt/slides/slide2.xml><?xml version="1.0" encoding="utf-8"?>
+<p:sld xmlns:a="http://schemas.openxmlformats.org/drawingml/2006/main" xmlns:r="http://schemas.openxmlformats.org/officeDocument/2006/relationships" xmlns:p="http://schemas.openxmlformats.org/presentationml/2006/main">
+  <p:cSld>
+    <p:spTree>
+      <p:nvGrpSpPr>
+        <p:cNvPr id="1" name=""/>
+        <p:cNvGrpSpPr/>
+        <p:nvPr/>
+      </p:nvGrpSpPr>
+      <p:grpSpPr>
+        <a:xfrm>
+          <a:off x="0" y="0"/>
+          <a:ext cx="0" cy="0"/>
+          <a:chOff x="0" y="0"/>
+          <a:chExt cx="0" cy="0"/>
+        </a:xfrm>
+      </p:grpSpPr>
+      <p:sp>
+        <p:nvSpPr>
+          <p:cNvPr id="81" name="Rectangle 65"/>
+          <p:cNvSpPr/>
+          <p:nvPr/>
+        </p:nvSpPr>
+        <p:spPr>
+          <a:xfrm>
+            <a:off x="467813" y="163018"/>
+            <a:ext cx="7234444" cy="4343400"/>
+          </a:xfrm>
+          <a:prstGeom prst="roundRect">
+            <a:avLst>
+              <a:gd name="adj" fmla="val 3484"/>
+            </a:avLst>
+          </a:prstGeom>
+          <a:solidFill>
+            <a:schemeClr val="accent1">
+              <a:lumMod val="20000"/>
+              <a:lumOff val="80000"/>
+            </a:schemeClr>
+          </a:solidFill>
+          <a:ln w="19050">
+            <a:noFill/>
+          </a:ln>
+          <a:effectLst/>
+        </p:spPr>
+        <p:style>
+          <a:lnRef idx="1">
+            <a:schemeClr val="accent2"/>
+          </a:lnRef>
+          <a:fillRef idx="2">
+            <a:schemeClr val="accent2"/>
+          </a:fillRef>
+          <a:effectRef idx="1">
+            <a:schemeClr val="accent2"/>
+          </a:effectRef>
+          <a:fontRef idx="minor">
+            <a:schemeClr val="dk1"/>
+          </a:fontRef>
+        </p:style>
+        <p:txBody>
+          <a:bodyPr rtlCol="0" anchor="t"/>
+          <a:lstStyle/>
+          <a:p>
+            <a:r>
+              <a:rPr lang="en-US" sz="1200" b="1" dirty="0">
+                <a:solidFill>
+                  <a:srgbClr val="0070C0"/>
+                </a:solidFill>
+              </a:rPr>
+              <a:t>Logic</a:t>
+            </a:r>
+            <a:endParaRPr lang="en-SG" sz="1200" b="1" dirty="0">
+              <a:solidFill>
+                <a:srgbClr val="0070C0"/>
+              </a:solidFill>
+            </a:endParaRPr>
+          </a:p>
+        </p:txBody>
+      </p:sp>
+      <p:sp>
+        <p:nvSpPr>
+          <p:cNvPr id="2" name="Rectangle 62"/>
+          <p:cNvSpPr/>
+          <p:nvPr/>
+        </p:nvSpPr>
+        <p:spPr>
+          <a:xfrm>
+            <a:off x="883145" y="543946"/>
+            <a:ext cx="1455629" cy="346760"/>
+          </a:xfrm>
+          <a:prstGeom prst="rect">
+            <a:avLst/>
+          </a:prstGeom>
+          <a:solidFill>
+            <a:srgbClr val="0070C0"/>
+          </a:solidFill>
+          <a:ln w="19050">
+            <a:solidFill>
+              <a:srgbClr val="0070C0"/>
+            </a:solidFill>
+          </a:ln>
+          <a:effectLst/>
+        </p:spPr>
+        <p:style>
+          <a:lnRef idx="1">
+            <a:schemeClr val="accent2"/>
+          </a:lnRef>
+          <a:fillRef idx="2">
+            <a:schemeClr val="accent2"/>
+          </a:fillRef>
+          <a:effectRef idx="1">
+            <a:schemeClr val="accent2"/>
+          </a:effectRef>
+          <a:fontRef idx="minor">
+            <a:schemeClr val="dk1"/>
+          </a:fontRef>
+        </p:style>
+        <p:txBody>
+          <a:bodyPr rtlCol="0" anchor="ctr"/>
+          <a:lstStyle/>
+          <a:p>
+            <a:pPr algn="ctr"/>
+            <a:r>
+              <a:rPr lang="en-US" sz="1600" dirty="0">
+                <a:solidFill>
+                  <a:schemeClr val="bg1"/>
+                </a:solidFill>
+              </a:rPr>
+              <a:t>:</a:t>
+            </a:r>
+            <a:r>
+              <a:rPr lang="en-US" sz="1600" dirty="0" err="1">
+                <a:solidFill>
+                  <a:schemeClr val="bg1"/>
+                </a:solidFill>
+              </a:rPr>
+              <a:t>LogicManager</a:t>
+            </a:r>
+            <a:endParaRPr lang="en-SG" sz="1600" dirty="0">
+              <a:solidFill>
+                <a:schemeClr val="bg1"/>
+              </a:solidFill>
+            </a:endParaRPr>
+          </a:p>
+        </p:txBody>
+      </p:sp>
+      <p:cxnSp>
+        <p:nvCxnSpPr>
+          <p:cNvPr id="5" name="Straight Connector 4"/>
+          <p:cNvCxnSpPr>
+            <a:cxnSpLocks/>
+          </p:cNvCxnSpPr>
+          <p:nvPr/>
+        </p:nvCxnSpPr>
+        <p:spPr>
+          <a:xfrm>
+            <a:off x="1610959" y="907617"/>
+            <a:ext cx="0" cy="3481399"/>
+          </a:xfrm>
+          <a:prstGeom prst="line">
+            <a:avLst/>
+          </a:prstGeom>
+          <a:ln w="19050">
+            <a:solidFill>
+              <a:srgbClr val="0070C0"/>
+            </a:solidFill>
+            <a:prstDash val="sysDash"/>
+          </a:ln>
+          <a:effectLst/>
+        </p:spPr>
+        <p:style>
+          <a:lnRef idx="1">
+            <a:schemeClr val="accent1"/>
+          </a:lnRef>
+          <a:fillRef idx="2">
+            <a:schemeClr val="accent1"/>
+          </a:fillRef>
+          <a:effectRef idx="1">
+            <a:schemeClr val="accent1"/>
+          </a:effectRef>
+          <a:fontRef idx="minor">
+            <a:schemeClr val="dk1"/>
+          </a:fontRef>
+        </p:style>
+      </p:cxnSp>
+      <p:sp>
+        <p:nvSpPr>
+          <p:cNvPr id="6" name="Rectangle 5"/>
+          <p:cNvSpPr/>
+          <p:nvPr/>
+        </p:nvSpPr>
+        <p:spPr>
+          <a:xfrm>
+            <a:off x="1538951" y="1258311"/>
+            <a:ext cx="152400" cy="2932689"/>
+          </a:xfrm>
+          <a:prstGeom prst="rect">
+            <a:avLst/>
+          </a:prstGeom>
+          <a:solidFill>
+            <a:srgbClr val="0070C0"/>
+          </a:solidFill>
+          <a:ln>
+            <a:solidFill>
+              <a:srgbClr val="0070C0"/>
+            </a:solidFill>
+          </a:ln>
+          <a:effectLst/>
+        </p:spPr>
+        <p:style>
+          <a:lnRef idx="1">
+            <a:schemeClr val="accent3"/>
+          </a:lnRef>
+          <a:fillRef idx="2">
+            <a:schemeClr val="accent3"/>
+          </a:fillRef>
+          <a:effectRef idx="1">
+            <a:schemeClr val="accent3"/>
+          </a:effectRef>
+          <a:fontRef idx="minor">
+            <a:schemeClr val="dk1"/>
+          </a:fontRef>
+        </p:style>
+        <p:txBody>
+          <a:bodyPr rtlCol="0" anchor="ctr"/>
+          <a:lstStyle/>
+          <a:p>
+            <a:pPr algn="ctr"/>
+            <a:endParaRPr lang="en-SG" sz="1400"/>
+          </a:p>
+        </p:txBody>
+      </p:sp>
+      <p:sp>
+        <p:nvSpPr>
+          <p:cNvPr id="16" name="Rectangle 62"/>
+          <p:cNvSpPr/>
+          <p:nvPr/>
+        </p:nvSpPr>
+        <p:spPr>
+          <a:xfrm>
+            <a:off x="3437188" y="423022"/>
+            <a:ext cx="1219200" cy="467684"/>
+          </a:xfrm>
+          <a:prstGeom prst="rect">
+            <a:avLst/>
+          </a:prstGeom>
+          <a:solidFill>
+            <a:srgbClr val="0070C0"/>
+          </a:solidFill>
+          <a:ln w="19050">
+            <a:solidFill>
+              <a:srgbClr val="0070C0"/>
+            </a:solidFill>
+          </a:ln>
+          <a:effectLst/>
+        </p:spPr>
+        <p:style>
+          <a:lnRef idx="1">
+            <a:schemeClr val="accent2"/>
+          </a:lnRef>
+          <a:fillRef idx="2">
+            <a:schemeClr val="accent2"/>
+          </a:fillRef>
+          <a:effectRef idx="1">
+            <a:schemeClr val="accent2"/>
+          </a:effectRef>
+          <a:fontRef idx="minor">
+            <a:schemeClr val="dk1"/>
+          </a:fontRef>
+        </p:style>
+        <p:txBody>
+          <a:bodyPr rtlCol="0" anchor="ctr"/>
+          <a:lstStyle/>
+          <a:p>
+            <a:pPr algn="ctr"/>
+            <a:r>
+              <a:rPr lang="en-US" sz="1600" dirty="0">
+                <a:solidFill>
+                  <a:schemeClr val="bg1"/>
+                </a:solidFill>
+              </a:rPr>
+              <a:t>:Book</a:t>
+            </a:r>
+          </a:p>
+          <a:p>
+            <a:pPr algn="ctr"/>
+            <a:r>
+              <a:rPr lang="en-US" sz="1600" dirty="0" err="1">
+                <a:solidFill>
+                  <a:schemeClr val="bg1"/>
+                </a:solidFill>
+              </a:rPr>
+              <a:t>ShelfParser</a:t>
+            </a:r>
+            <a:endParaRPr lang="en-SG" sz="1600" dirty="0">
+              <a:solidFill>
+                <a:schemeClr val="bg1"/>
+              </a:solidFill>
+            </a:endParaRPr>
+          </a:p>
+        </p:txBody>
+      </p:sp>
+      <p:cxnSp>
+        <p:nvCxnSpPr>
+          <p:cNvPr id="17" name="Straight Connector 16"/>
+          <p:cNvCxnSpPr>
+            <a:cxnSpLocks/>
+          </p:cNvCxnSpPr>
+          <p:nvPr/>
+        </p:nvCxnSpPr>
+        <p:spPr>
+          <a:xfrm flipH="1">
+            <a:off x="4039418" y="907617"/>
+            <a:ext cx="11169" cy="1840629"/>
+          </a:xfrm>
+          <a:prstGeom prst="line">
+            <a:avLst/>
+          </a:prstGeom>
+          <a:ln w="19050">
+            <a:solidFill>
+              <a:srgbClr val="0070C0"/>
+            </a:solidFill>
+            <a:prstDash val="sysDash"/>
+          </a:ln>
+          <a:effectLst/>
+        </p:spPr>
+        <p:style>
+          <a:lnRef idx="1">
+            <a:schemeClr val="accent1"/>
+          </a:lnRef>
+          <a:fillRef idx="2">
+            <a:schemeClr val="accent1"/>
+          </a:fillRef>
+          <a:effectRef idx="1">
+            <a:schemeClr val="accent1"/>
+          </a:effectRef>
+          <a:fontRef idx="minor">
+            <a:schemeClr val="dk1"/>
+          </a:fontRef>
+        </p:style>
+      </p:cxnSp>
+      <p:sp>
+        <p:nvSpPr>
+          <p:cNvPr id="18" name="Rectangle 17"/>
+          <p:cNvSpPr/>
+          <p:nvPr/>
+        </p:nvSpPr>
+        <p:spPr>
+          <a:xfrm>
+            <a:off x="3978580" y="1365809"/>
+            <a:ext cx="131864" cy="1024791"/>
+          </a:xfrm>
+          <a:prstGeom prst="rect">
+            <a:avLst/>
+          </a:prstGeom>
+          <a:solidFill>
+            <a:srgbClr val="0070C0"/>
+          </a:solidFill>
+          <a:ln>
+            <a:solidFill>
+              <a:srgbClr val="0070C0"/>
+            </a:solidFill>
+          </a:ln>
+          <a:effectLst/>
+        </p:spPr>
+        <p:style>
+          <a:lnRef idx="1">
+            <a:schemeClr val="accent3"/>
+          </a:lnRef>
+          <a:fillRef idx="2">
+            <a:schemeClr val="accent3"/>
+          </a:fillRef>
+          <a:effectRef idx="1">
+            <a:schemeClr val="accent3"/>
+          </a:effectRef>
+          <a:fontRef idx="minor">
+            <a:schemeClr val="dk1"/>
+          </a:fontRef>
+        </p:style>
+        <p:txBody>
+          <a:bodyPr rtlCol="0" anchor="ctr"/>
+          <a:lstStyle/>
+          <a:p>
+            <a:pPr algn="ctr"/>
+            <a:endParaRPr lang="en-SG" sz="1400">
+              <a:solidFill>
+                <a:schemeClr val="dk1"/>
+              </a:solidFill>
+            </a:endParaRPr>
+          </a:p>
+        </p:txBody>
+      </p:sp>
+      <p:cxnSp>
+        <p:nvCxnSpPr>
+          <p:cNvPr id="20" name="Straight Connector 19"/>
+          <p:cNvCxnSpPr>
+            <a:cxnSpLocks/>
+            <a:stCxn id="21" idx="0"/>
+            <a:endCxn id="4" idx="0"/>
+          </p:cNvCxnSpPr>
+          <p:nvPr/>
+        </p:nvCxnSpPr>
+        <p:spPr>
+          <a:xfrm>
+            <a:off x="5599715" y="1533550"/>
+            <a:ext cx="2367" cy="2724661"/>
+          </a:xfrm>
+          <a:prstGeom prst="line">
+            <a:avLst/>
+          </a:prstGeom>
+          <a:ln w="19050">
+            <a:solidFill>
+              <a:srgbClr val="0070C0"/>
+            </a:solidFill>
+            <a:prstDash val="sysDash"/>
+          </a:ln>
+          <a:effectLst/>
+        </p:spPr>
+        <p:style>
+          <a:lnRef idx="1">
+            <a:schemeClr val="accent1"/>
+          </a:lnRef>
+          <a:fillRef idx="2">
+            <a:schemeClr val="accent1"/>
+          </a:fillRef>
+          <a:effectRef idx="1">
+            <a:schemeClr val="accent1"/>
+          </a:effectRef>
+          <a:fontRef idx="minor">
+            <a:schemeClr val="dk1"/>
+          </a:fontRef>
+        </p:style>
+      </p:cxnSp>
+      <p:sp>
+        <p:nvSpPr>
+          <p:cNvPr id="21" name="Rectangle 20"/>
+          <p:cNvSpPr/>
+          <p:nvPr/>
+        </p:nvSpPr>
+        <p:spPr>
+          <a:xfrm>
+            <a:off x="5523515" y="1533550"/>
+            <a:ext cx="152400" cy="276003"/>
+          </a:xfrm>
+          <a:prstGeom prst="rect">
+            <a:avLst/>
+          </a:prstGeom>
+          <a:solidFill>
+            <a:srgbClr val="0070C0"/>
+          </a:solidFill>
+          <a:ln>
+            <a:solidFill>
+              <a:srgbClr val="0070C0"/>
+            </a:solidFill>
+          </a:ln>
+          <a:effectLst/>
+        </p:spPr>
+        <p:style>
+          <a:lnRef idx="1">
+            <a:schemeClr val="accent3"/>
+          </a:lnRef>
+          <a:fillRef idx="2">
+            <a:schemeClr val="accent3"/>
+          </a:fillRef>
+          <a:effectRef idx="1">
+            <a:schemeClr val="accent3"/>
+          </a:effectRef>
+          <a:fontRef idx="minor">
+            <a:schemeClr val="dk1"/>
+          </a:fontRef>
+        </p:style>
+        <p:txBody>
+          <a:bodyPr rtlCol="0" anchor="ctr"/>
+          <a:lstStyle/>
+          <a:p>
+            <a:pPr algn="ctr"/>
+            <a:endParaRPr lang="en-SG" sz="1400"/>
+          </a:p>
+        </p:txBody>
+      </p:sp>
+      <p:cxnSp>
+        <p:nvCxnSpPr>
+          <p:cNvPr id="23" name="Straight Arrow Connector 22"/>
+          <p:cNvCxnSpPr/>
+          <p:nvPr/>
+        </p:nvCxnSpPr>
+        <p:spPr>
+          <a:xfrm>
+            <a:off x="419100" y="1261999"/>
+            <a:ext cx="1119851" cy="0"/>
+          </a:xfrm>
+          <a:prstGeom prst="straightConnector1">
+            <a:avLst/>
+          </a:prstGeom>
+          <a:ln w="19050">
+            <a:solidFill>
+              <a:srgbClr val="00B050"/>
+            </a:solidFill>
+            <a:tailEnd type="arrow"/>
+          </a:ln>
+        </p:spPr>
+        <p:style>
+          <a:lnRef idx="1">
+            <a:schemeClr val="accent1"/>
+          </a:lnRef>
+          <a:fillRef idx="0">
+            <a:schemeClr val="accent1"/>
+          </a:fillRef>
+          <a:effectRef idx="0">
+            <a:schemeClr val="accent1"/>
+          </a:effectRef>
+          <a:fontRef idx="minor">
+            <a:schemeClr val="tx1"/>
+          </a:fontRef>
+        </p:style>
+      </p:cxnSp>
+      <p:sp>
+        <p:nvSpPr>
+          <p:cNvPr id="26" name="TextBox 25"/>
+          <p:cNvSpPr txBox="1"/>
+          <p:nvPr/>
+        </p:nvSpPr>
+        <p:spPr>
+          <a:xfrm>
+            <a:off x="387748" y="862127"/>
+            <a:ext cx="1320497" cy="430887"/>
+          </a:xfrm>
+          <a:prstGeom prst="rect">
+            <a:avLst/>
+          </a:prstGeom>
+          <a:noFill/>
+        </p:spPr>
+        <p:txBody>
+          <a:bodyPr wrap="square" lIns="0" tIns="0" rIns="0" bIns="0" rtlCol="0">
+            <a:spAutoFit/>
+          </a:bodyPr>
+          <a:lstStyle/>
+          <a:p>
+            <a:pPr algn="ctr"/>
+            <a:r>
+              <a:rPr lang="en-US" sz="1400" dirty="0">
+                <a:solidFill>
+                  <a:srgbClr val="0070C0"/>
+                </a:solidFill>
+              </a:rPr>
+              <a:t>Execute</a:t>
+            </a:r>
+          </a:p>
+          <a:p>
+            <a:pPr algn="ctr"/>
+            <a:r>
+              <a:rPr lang="en-US" sz="1400" dirty="0">
+                <a:solidFill>
+                  <a:srgbClr val="0070C0"/>
+                </a:solidFill>
+              </a:rPr>
+              <a:t>(“</a:t>
+            </a:r>
+            <a:r>
+              <a:rPr lang="en-US" sz="1400" dirty="0" err="1">
+                <a:solidFill>
+                  <a:srgbClr val="0070C0"/>
+                </a:solidFill>
+              </a:rPr>
+              <a:t>delteBook</a:t>
+            </a:r>
+            <a:r>
+              <a:rPr lang="en-US" sz="1400" dirty="0">
+                <a:solidFill>
+                  <a:srgbClr val="0070C0"/>
+                </a:solidFill>
+              </a:rPr>
+              <a:t> 1”)</a:t>
+            </a:r>
+          </a:p>
+        </p:txBody>
+      </p:sp>
+      <p:cxnSp>
+        <p:nvCxnSpPr>
+          <p:cNvPr id="28" name="Straight Arrow Connector 27"/>
+          <p:cNvCxnSpPr/>
+          <p:nvPr/>
+        </p:nvCxnSpPr>
+        <p:spPr>
+          <a:xfrm flipV="1">
+            <a:off x="4135972" y="1512340"/>
+            <a:ext cx="922392" cy="1"/>
+          </a:xfrm>
+          <a:prstGeom prst="straightConnector1">
+            <a:avLst/>
+          </a:prstGeom>
+          <a:ln w="19050">
+            <a:solidFill>
+              <a:srgbClr val="0070C0"/>
+            </a:solidFill>
+            <a:tailEnd type="arrow"/>
+          </a:ln>
+        </p:spPr>
+        <p:style>
+          <a:lnRef idx="1">
+            <a:schemeClr val="accent1"/>
+          </a:lnRef>
+          <a:fillRef idx="0">
+            <a:schemeClr val="accent1"/>
+          </a:fillRef>
+          <a:effectRef idx="0">
+            <a:schemeClr val="accent1"/>
+          </a:effectRef>
+          <a:fontRef idx="minor">
+            <a:schemeClr val="tx1"/>
+          </a:fontRef>
+        </p:style>
+      </p:cxnSp>
+      <p:sp>
+        <p:nvSpPr>
+          <p:cNvPr id="29" name="TextBox 28"/>
+          <p:cNvSpPr txBox="1"/>
+          <p:nvPr/>
+        </p:nvSpPr>
+        <p:spPr>
+          <a:xfrm>
+            <a:off x="3243421" y="2484071"/>
+            <a:ext cx="855809" cy="215444"/>
+          </a:xfrm>
+          <a:prstGeom prst="rect">
+            <a:avLst/>
+          </a:prstGeom>
+          <a:noFill/>
+        </p:spPr>
+        <p:txBody>
+          <a:bodyPr wrap="square" lIns="0" tIns="0" rIns="0" bIns="0" rtlCol="0">
+            <a:spAutoFit/>
+          </a:bodyPr>
+          <a:lstStyle>
+            <a:defPPr>
+              <a:defRPr lang="en-US"/>
+            </a:defPPr>
+            <a:lvl1pPr algn="r">
+              <a:defRPr sz="1400">
+                <a:solidFill>
+                  <a:srgbClr val="0070C0"/>
+                </a:solidFill>
+              </a:defRPr>
+            </a:lvl1pPr>
+          </a:lstStyle>
+          <a:p>
+            <a:r>
+              <a:rPr lang="en-US" dirty="0"/>
+              <a:t>execute()</a:t>
+            </a:r>
+          </a:p>
+        </p:txBody>
+      </p:sp>
+      <p:cxnSp>
+        <p:nvCxnSpPr>
+          <p:cNvPr id="34" name="Straight Arrow Connector 33"/>
+          <p:cNvCxnSpPr/>
+          <p:nvPr/>
+        </p:nvCxnSpPr>
+        <p:spPr>
+          <a:xfrm>
+            <a:off x="4114175" y="1749705"/>
+            <a:ext cx="1492974" cy="0"/>
+          </a:xfrm>
+          <a:prstGeom prst="straightConnector1">
+            <a:avLst/>
+          </a:prstGeom>
+          <a:ln w="19050">
+            <a:solidFill>
+              <a:srgbClr val="0070C0"/>
+            </a:solidFill>
+            <a:prstDash val="sysDash"/>
+            <a:headEnd type="arrow" w="med" len="med"/>
+            <a:tailEnd type="none" w="med" len="med"/>
+          </a:ln>
+        </p:spPr>
+        <p:style>
+          <a:lnRef idx="1">
+            <a:schemeClr val="accent1"/>
+          </a:lnRef>
+          <a:fillRef idx="0">
+            <a:schemeClr val="accent1"/>
+          </a:fillRef>
+          <a:effectRef idx="0">
+            <a:schemeClr val="accent1"/>
+          </a:effectRef>
+          <a:fontRef idx="minor">
+            <a:schemeClr val="tx1"/>
+          </a:fontRef>
+        </p:style>
+      </p:cxnSp>
+      <p:cxnSp>
+        <p:nvCxnSpPr>
+          <p:cNvPr id="35" name="Straight Arrow Connector 34"/>
+          <p:cNvCxnSpPr>
+            <a:cxnSpLocks/>
+          </p:cNvCxnSpPr>
+          <p:nvPr/>
+        </p:nvCxnSpPr>
+        <p:spPr>
+          <a:xfrm>
+            <a:off x="1691351" y="2133600"/>
+            <a:ext cx="2348067" cy="0"/>
+          </a:xfrm>
+          <a:prstGeom prst="straightConnector1">
+            <a:avLst/>
+          </a:prstGeom>
+          <a:ln w="19050">
+            <a:solidFill>
+              <a:srgbClr val="0070C0"/>
+            </a:solidFill>
+            <a:prstDash val="sysDash"/>
+            <a:headEnd type="arrow" w="med" len="med"/>
+            <a:tailEnd type="none" w="med" len="med"/>
+          </a:ln>
+        </p:spPr>
+        <p:style>
+          <a:lnRef idx="1">
+            <a:schemeClr val="accent1"/>
+          </a:lnRef>
+          <a:fillRef idx="0">
+            <a:schemeClr val="accent1"/>
+          </a:fillRef>
+          <a:effectRef idx="0">
+            <a:schemeClr val="accent1"/>
+          </a:effectRef>
+          <a:fontRef idx="minor">
+            <a:schemeClr val="tx1"/>
+          </a:fontRef>
+        </p:style>
+      </p:cxnSp>
+      <p:cxnSp>
+        <p:nvCxnSpPr>
+          <p:cNvPr id="37" name="Straight Arrow Connector 36"/>
+          <p:cNvCxnSpPr/>
+          <p:nvPr/>
+        </p:nvCxnSpPr>
+        <p:spPr>
+          <a:xfrm>
+            <a:off x="380999" y="4191000"/>
+            <a:ext cx="1196051" cy="0"/>
+          </a:xfrm>
+          <a:prstGeom prst="straightConnector1">
+            <a:avLst/>
+          </a:prstGeom>
+          <a:ln w="19050">
+            <a:solidFill>
+              <a:schemeClr val="accent1"/>
+            </a:solidFill>
+            <a:prstDash val="sysDash"/>
+            <a:headEnd type="arrow" w="med" len="med"/>
+            <a:tailEnd type="none" w="med" len="med"/>
+          </a:ln>
+        </p:spPr>
+        <p:style>
+          <a:lnRef idx="1">
+            <a:schemeClr val="accent1"/>
+          </a:lnRef>
+          <a:fillRef idx="0">
+            <a:schemeClr val="accent1"/>
+          </a:fillRef>
+          <a:effectRef idx="0">
+            <a:schemeClr val="accent1"/>
+          </a:effectRef>
+          <a:fontRef idx="minor">
+            <a:schemeClr val="tx1"/>
+          </a:fontRef>
+        </p:style>
+      </p:cxnSp>
+      <p:sp>
+        <p:nvSpPr>
+          <p:cNvPr id="65" name="Rectangle 64"/>
+          <p:cNvSpPr/>
+          <p:nvPr/>
+        </p:nvSpPr>
+        <p:spPr>
+          <a:xfrm>
+            <a:off x="6860808" y="2508082"/>
+            <a:ext cx="164504" cy="1653264"/>
+          </a:xfrm>
+          <a:prstGeom prst="rect">
+            <a:avLst/>
+          </a:prstGeom>
+          <a:solidFill>
+            <a:srgbClr val="0070C0"/>
+          </a:solidFill>
+          <a:ln>
+            <a:solidFill>
+              <a:srgbClr val="0070C0"/>
+            </a:solidFill>
+          </a:ln>
+          <a:effectLst/>
+        </p:spPr>
+        <p:style>
+          <a:lnRef idx="1">
+            <a:schemeClr val="accent3"/>
+          </a:lnRef>
+          <a:fillRef idx="2">
+            <a:schemeClr val="accent3"/>
+          </a:fillRef>
+          <a:effectRef idx="1">
+            <a:schemeClr val="accent3"/>
+          </a:effectRef>
+          <a:fontRef idx="minor">
+            <a:schemeClr val="dk1"/>
+          </a:fontRef>
+        </p:style>
+        <p:txBody>
+          <a:bodyPr rtlCol="0" anchor="ctr"/>
+          <a:lstStyle/>
+          <a:p>
+            <a:pPr algn="ctr"/>
+            <a:endParaRPr lang="en-SG" sz="1400"/>
+          </a:p>
+        </p:txBody>
+      </p:sp>
+      <p:sp>
+        <p:nvSpPr>
+          <p:cNvPr id="79" name="TextBox 78"/>
+          <p:cNvSpPr txBox="1"/>
+          <p:nvPr/>
+        </p:nvSpPr>
+        <p:spPr>
+          <a:xfrm>
+            <a:off x="6852797" y="2809186"/>
+            <a:ext cx="1298078" cy="184666"/>
+          </a:xfrm>
+          <a:prstGeom prst="rect">
+            <a:avLst/>
+          </a:prstGeom>
+          <a:noFill/>
+        </p:spPr>
+        <p:txBody>
+          <a:bodyPr wrap="square" lIns="0" tIns="0" rIns="0" bIns="0" rtlCol="0">
+            <a:spAutoFit/>
+          </a:bodyPr>
+          <a:lstStyle>
+            <a:defPPr>
+              <a:defRPr lang="en-US"/>
+            </a:defPPr>
+            <a:lvl1pPr algn="r">
+              <a:defRPr sz="1400">
+                <a:solidFill>
+                  <a:srgbClr val="0070C0"/>
+                </a:solidFill>
+              </a:defRPr>
+            </a:lvl1pPr>
+          </a:lstStyle>
+          <a:p>
+            <a:r>
+              <a:rPr lang="en-US" sz="1200" dirty="0" err="1"/>
+              <a:t>deleteBook</a:t>
+            </a:r>
+            <a:r>
+              <a:rPr lang="en-US" sz="1200" dirty="0"/>
+              <a:t>(1)</a:t>
+            </a:r>
+          </a:p>
+        </p:txBody>
+      </p:sp>
+      <p:sp>
+        <p:nvSpPr>
+          <p:cNvPr id="80" name="TextBox 79"/>
+          <p:cNvSpPr txBox="1"/>
+          <p:nvPr/>
+        </p:nvSpPr>
+        <p:spPr>
+          <a:xfrm>
+            <a:off x="1721875" y="917625"/>
+            <a:ext cx="2382011" cy="430887"/>
+          </a:xfrm>
+          <a:prstGeom prst="rect">
+            <a:avLst/>
+          </a:prstGeom>
+          <a:noFill/>
+        </p:spPr>
+        <p:txBody>
+          <a:bodyPr wrap="square" lIns="0" tIns="0" rIns="0" bIns="0" rtlCol="0">
+            <a:spAutoFit/>
+          </a:bodyPr>
+          <a:lstStyle>
+            <a:defPPr>
+              <a:defRPr lang="en-US"/>
+            </a:defPPr>
+            <a:lvl1pPr algn="r">
+              <a:defRPr sz="1400">
+                <a:solidFill>
+                  <a:srgbClr val="0070C0"/>
+                </a:solidFill>
+              </a:defRPr>
+            </a:lvl1pPr>
+          </a:lstStyle>
+          <a:p>
+            <a:pPr algn="ctr"/>
+            <a:r>
+              <a:rPr lang="en-US" dirty="0" err="1"/>
+              <a:t>parseCommand</a:t>
+            </a:r>
+            <a:endParaRPr lang="en-US" dirty="0"/>
+          </a:p>
+          <a:p>
+            <a:pPr algn="ctr"/>
+            <a:r>
+              <a:rPr lang="en-US" dirty="0"/>
+              <a:t>(“</a:t>
+            </a:r>
+            <a:r>
+              <a:rPr lang="en-US" dirty="0" err="1"/>
+              <a:t>deleteBook</a:t>
+            </a:r>
+            <a:r>
+              <a:rPr lang="en-US" dirty="0"/>
+              <a:t> 1”)</a:t>
+            </a:r>
+          </a:p>
+        </p:txBody>
+      </p:sp>
+      <p:sp>
+        <p:nvSpPr>
+          <p:cNvPr id="82" name="TextBox 81"/>
+          <p:cNvSpPr txBox="1"/>
+          <p:nvPr/>
+        </p:nvSpPr>
+        <p:spPr>
+          <a:xfrm>
+            <a:off x="3272755" y="3791076"/>
+            <a:ext cx="621216" cy="215444"/>
+          </a:xfrm>
+          <a:prstGeom prst="rect">
+            <a:avLst/>
+          </a:prstGeom>
+          <a:noFill/>
+        </p:spPr>
+        <p:txBody>
+          <a:bodyPr wrap="square" lIns="0" tIns="0" rIns="0" bIns="0" rtlCol="0">
+            <a:spAutoFit/>
+          </a:bodyPr>
+          <a:lstStyle>
+            <a:defPPr>
+              <a:defRPr lang="en-US"/>
+            </a:defPPr>
+            <a:lvl1pPr algn="r">
+              <a:defRPr sz="1400">
+                <a:solidFill>
+                  <a:srgbClr val="0070C0"/>
+                </a:solidFill>
+              </a:defRPr>
+            </a:lvl1pPr>
+          </a:lstStyle>
+          <a:p>
+            <a:r>
+              <a:rPr lang="en-US" dirty="0"/>
+              <a:t>result</a:t>
+            </a:r>
+          </a:p>
+        </p:txBody>
+      </p:sp>
+      <p:sp>
+        <p:nvSpPr>
+          <p:cNvPr id="83" name="TextBox 82"/>
+          <p:cNvSpPr txBox="1"/>
+          <p:nvPr/>
+        </p:nvSpPr>
+        <p:spPr>
+          <a:xfrm>
+            <a:off x="645270" y="3945901"/>
+            <a:ext cx="762000" cy="215444"/>
+          </a:xfrm>
+          <a:prstGeom prst="rect">
+            <a:avLst/>
+          </a:prstGeom>
+          <a:noFill/>
+        </p:spPr>
+        <p:txBody>
+          <a:bodyPr wrap="square" lIns="0" tIns="0" rIns="0" bIns="0" rtlCol="0">
+            <a:spAutoFit/>
+          </a:bodyPr>
+          <a:lstStyle>
+            <a:defPPr>
+              <a:defRPr lang="en-US"/>
+            </a:defPPr>
+            <a:lvl1pPr algn="r">
+              <a:defRPr sz="1400">
+                <a:solidFill>
+                  <a:srgbClr val="0070C0"/>
+                </a:solidFill>
+              </a:defRPr>
+            </a:lvl1pPr>
+          </a:lstStyle>
+          <a:p>
+            <a:r>
+              <a:rPr lang="en-US" dirty="0"/>
+              <a:t>result</a:t>
+            </a:r>
+          </a:p>
+        </p:txBody>
+      </p:sp>
+      <p:sp>
+        <p:nvSpPr>
+          <p:cNvPr id="93" name="TextBox 92"/>
+          <p:cNvSpPr txBox="1"/>
+          <p:nvPr/>
+        </p:nvSpPr>
+        <p:spPr>
+          <a:xfrm>
+            <a:off x="2724792" y="1905793"/>
+            <a:ext cx="220343" cy="215444"/>
+          </a:xfrm>
+          <a:prstGeom prst="rect">
+            <a:avLst/>
+          </a:prstGeom>
+          <a:noFill/>
+        </p:spPr>
+        <p:txBody>
+          <a:bodyPr wrap="square" lIns="0" tIns="0" rIns="0" bIns="0" rtlCol="0">
+            <a:spAutoFit/>
+          </a:bodyPr>
+          <a:lstStyle>
+            <a:defPPr>
+              <a:defRPr lang="en-US"/>
+            </a:defPPr>
+            <a:lvl1pPr algn="r">
+              <a:defRPr sz="1400">
+                <a:solidFill>
+                  <a:srgbClr val="0070C0"/>
+                </a:solidFill>
+              </a:defRPr>
+            </a:lvl1pPr>
+          </a:lstStyle>
+          <a:p>
+            <a:r>
+              <a:rPr lang="en-US" dirty="0"/>
+              <a:t>d</a:t>
+            </a:r>
+          </a:p>
+        </p:txBody>
+      </p:sp>
+      <p:sp>
+        <p:nvSpPr>
+          <p:cNvPr id="40" name="Rectangle 62"/>
+          <p:cNvSpPr/>
+          <p:nvPr/>
+        </p:nvSpPr>
+        <p:spPr>
+          <a:xfrm>
+            <a:off x="8223277" y="203128"/>
+            <a:ext cx="841636" cy="300180"/>
+          </a:xfrm>
+          <a:prstGeom prst="rect">
+            <a:avLst/>
+          </a:prstGeom>
+          <a:solidFill>
+            <a:srgbClr val="7030A0"/>
+          </a:solidFill>
+          <a:ln w="19050">
+            <a:solidFill>
+              <a:srgbClr val="7030A0"/>
+            </a:solidFill>
+          </a:ln>
+          <a:effectLst/>
+        </p:spPr>
+        <p:style>
+          <a:lnRef idx="1">
+            <a:schemeClr val="accent2"/>
+          </a:lnRef>
+          <a:fillRef idx="2">
+            <a:schemeClr val="accent2"/>
+          </a:fillRef>
+          <a:effectRef idx="1">
+            <a:schemeClr val="accent2"/>
+          </a:effectRef>
+          <a:fontRef idx="minor">
+            <a:schemeClr val="dk1"/>
+          </a:fontRef>
+        </p:style>
+        <p:txBody>
+          <a:bodyPr rtlCol="0" anchor="ctr"/>
+          <a:lstStyle/>
+          <a:p>
+            <a:pPr algn="ctr"/>
+            <a:r>
+              <a:rPr lang="en-US" sz="1600" dirty="0">
+                <a:solidFill>
+                  <a:schemeClr val="bg1"/>
+                </a:solidFill>
+              </a:rPr>
+              <a:t>: Model</a:t>
+            </a:r>
+            <a:endParaRPr lang="en-SG" sz="1600" dirty="0">
+              <a:solidFill>
+                <a:schemeClr val="bg1"/>
+              </a:solidFill>
+            </a:endParaRPr>
+          </a:p>
+        </p:txBody>
+      </p:sp>
+      <p:cxnSp>
+        <p:nvCxnSpPr>
+          <p:cNvPr id="46" name="Straight Connector 45"/>
+          <p:cNvCxnSpPr>
+            <a:cxnSpLocks/>
+          </p:cNvCxnSpPr>
+          <p:nvPr/>
+        </p:nvCxnSpPr>
+        <p:spPr>
+          <a:xfrm>
+            <a:off x="8742197" y="574468"/>
+            <a:ext cx="0" cy="2294111"/>
+          </a:xfrm>
+          <a:prstGeom prst="line">
+            <a:avLst/>
+          </a:prstGeom>
+          <a:ln w="19050">
+            <a:solidFill>
+              <a:srgbClr val="7030A0"/>
+            </a:solidFill>
+            <a:prstDash val="sysDash"/>
+          </a:ln>
+          <a:effectLst/>
+        </p:spPr>
+        <p:style>
+          <a:lnRef idx="1">
+            <a:schemeClr val="accent1"/>
+          </a:lnRef>
+          <a:fillRef idx="2">
+            <a:schemeClr val="accent1"/>
+          </a:fillRef>
+          <a:effectRef idx="1">
+            <a:schemeClr val="accent1"/>
+          </a:effectRef>
+          <a:fontRef idx="minor">
+            <a:schemeClr val="dk1"/>
+          </a:fontRef>
+        </p:style>
+      </p:cxnSp>
+      <p:sp>
+        <p:nvSpPr>
+          <p:cNvPr id="49" name="Rectangle 48"/>
+          <p:cNvSpPr/>
+          <p:nvPr/>
+        </p:nvSpPr>
+        <p:spPr>
+          <a:xfrm>
+            <a:off x="8651760" y="2909217"/>
+            <a:ext cx="140286" cy="419888"/>
+          </a:xfrm>
+          <a:prstGeom prst="rect">
+            <a:avLst/>
+          </a:prstGeom>
+          <a:solidFill>
+            <a:srgbClr val="7030A0"/>
+          </a:solidFill>
+          <a:ln>
+            <a:solidFill>
+              <a:srgbClr val="7030A0"/>
+            </a:solidFill>
+          </a:ln>
+          <a:effectLst/>
+        </p:spPr>
+        <p:style>
+          <a:lnRef idx="1">
+            <a:schemeClr val="accent3"/>
+          </a:lnRef>
+          <a:fillRef idx="2">
+            <a:schemeClr val="accent3"/>
+          </a:fillRef>
+          <a:effectRef idx="1">
+            <a:schemeClr val="accent3"/>
+          </a:effectRef>
+          <a:fontRef idx="minor">
+            <a:schemeClr val="dk1"/>
+          </a:fontRef>
+        </p:style>
+        <p:txBody>
+          <a:bodyPr rtlCol="0" anchor="ctr"/>
+          <a:lstStyle/>
+          <a:p>
+            <a:pPr algn="ctr"/>
+            <a:endParaRPr lang="en-SG" sz="1400"/>
+          </a:p>
+        </p:txBody>
+      </p:sp>
+      <p:cxnSp>
+        <p:nvCxnSpPr>
+          <p:cNvPr id="50" name="Straight Arrow Connector 49"/>
+          <p:cNvCxnSpPr>
+            <a:cxnSpLocks/>
+          </p:cNvCxnSpPr>
+          <p:nvPr/>
+        </p:nvCxnSpPr>
+        <p:spPr>
+          <a:xfrm>
+            <a:off x="7012932" y="3017298"/>
+            <a:ext cx="1631163" cy="0"/>
+          </a:xfrm>
+          <a:prstGeom prst="straightConnector1">
+            <a:avLst/>
+          </a:prstGeom>
+          <a:ln w="19050">
+            <a:solidFill>
+              <a:srgbClr val="0070C0"/>
+            </a:solidFill>
+            <a:tailEnd type="arrow"/>
+          </a:ln>
+        </p:spPr>
+        <p:style>
+          <a:lnRef idx="1">
+            <a:schemeClr val="accent1"/>
+          </a:lnRef>
+          <a:fillRef idx="0">
+            <a:schemeClr val="accent1"/>
+          </a:fillRef>
+          <a:effectRef idx="0">
+            <a:schemeClr val="accent1"/>
+          </a:effectRef>
+          <a:fontRef idx="minor">
+            <a:schemeClr val="tx1"/>
+          </a:fontRef>
+        </p:style>
+      </p:cxnSp>
+      <p:sp>
+        <p:nvSpPr>
+          <p:cNvPr id="4" name="TextBox 3"/>
+          <p:cNvSpPr txBox="1"/>
+          <p:nvPr/>
+        </p:nvSpPr>
+        <p:spPr>
+          <a:xfrm>
+            <a:off x="5472880" y="4258211"/>
+            <a:ext cx="258404" cy="261610"/>
+          </a:xfrm>
+          <a:prstGeom prst="rect">
+            <a:avLst/>
+          </a:prstGeom>
+          <a:noFill/>
+        </p:spPr>
+        <p:txBody>
+          <a:bodyPr wrap="none" rtlCol="0">
+            <a:spAutoFit/>
+          </a:bodyPr>
+          <a:lstStyle/>
+          <a:p>
+            <a:r>
+              <a:rPr lang="en-SG" sz="1100" dirty="0">
+                <a:solidFill>
+                  <a:srgbClr val="002060"/>
+                </a:solidFill>
+              </a:rPr>
+              <a:t>X</a:t>
+            </a:r>
+          </a:p>
+        </p:txBody>
+      </p:sp>
+      <p:sp>
+        <p:nvSpPr>
+          <p:cNvPr id="19" name="Rectangle 62"/>
+          <p:cNvSpPr/>
+          <p:nvPr/>
+        </p:nvSpPr>
+        <p:spPr>
+          <a:xfrm>
+            <a:off x="5035976" y="1168487"/>
+            <a:ext cx="1816821" cy="461538"/>
+          </a:xfrm>
+          <a:prstGeom prst="rect">
+            <a:avLst/>
+          </a:prstGeom>
+          <a:solidFill>
+            <a:srgbClr val="0070C0"/>
+          </a:solidFill>
+          <a:ln w="19050">
+            <a:solidFill>
+              <a:srgbClr val="0070C0"/>
+            </a:solidFill>
+          </a:ln>
+          <a:effectLst/>
+        </p:spPr>
+        <p:style>
+          <a:lnRef idx="1">
+            <a:schemeClr val="accent2"/>
+          </a:lnRef>
+          <a:fillRef idx="2">
+            <a:schemeClr val="accent2"/>
+          </a:fillRef>
+          <a:effectRef idx="1">
+            <a:schemeClr val="accent2"/>
+          </a:effectRef>
+          <a:fontRef idx="minor">
+            <a:schemeClr val="dk1"/>
+          </a:fontRef>
+        </p:style>
+        <p:txBody>
+          <a:bodyPr rtlCol="0" anchor="ctr"/>
+          <a:lstStyle/>
+          <a:p>
+            <a:pPr algn="ctr"/>
+            <a:r>
+              <a:rPr lang="en-US" sz="1600" dirty="0">
+                <a:solidFill>
+                  <a:schemeClr val="bg1"/>
+                </a:solidFill>
+              </a:rPr>
+              <a:t>: </a:t>
+            </a:r>
+            <a:r>
+              <a:rPr lang="en-US" sz="1600" dirty="0" err="1">
+                <a:solidFill>
+                  <a:schemeClr val="bg1"/>
+                </a:solidFill>
+              </a:rPr>
+              <a:t>DeleteCommand</a:t>
+            </a:r>
+            <a:br>
+              <a:rPr lang="en-US" sz="1600" dirty="0">
+                <a:solidFill>
+                  <a:schemeClr val="bg1"/>
+                </a:solidFill>
+              </a:rPr>
+            </a:br>
+            <a:r>
+              <a:rPr lang="en-US" sz="1600" dirty="0">
+                <a:solidFill>
+                  <a:schemeClr val="bg1"/>
+                </a:solidFill>
+              </a:rPr>
+              <a:t>Parser</a:t>
+            </a:r>
+            <a:endParaRPr lang="en-SG" sz="1600" dirty="0">
+              <a:solidFill>
+                <a:schemeClr val="bg1"/>
+              </a:solidFill>
+            </a:endParaRPr>
+          </a:p>
+        </p:txBody>
+      </p:sp>
+      <p:cxnSp>
+        <p:nvCxnSpPr>
+          <p:cNvPr id="66" name="Straight Arrow Connector 65">
+            <a:extLst>
+              <a:ext uri="{FF2B5EF4-FFF2-40B4-BE49-F238E27FC236}">
+                <a16:creationId xmlns:a16="http://schemas.microsoft.com/office/drawing/2014/main" id="{39916E2E-195A-4DC8-B025-B05FA87E6796}"/>
+              </a:ext>
+            </a:extLst>
+          </p:cNvPr>
+          <p:cNvCxnSpPr>
+            <a:cxnSpLocks/>
+          </p:cNvCxnSpPr>
+          <p:nvPr/>
+        </p:nvCxnSpPr>
+        <p:spPr>
+          <a:xfrm>
+            <a:off x="1704981" y="2707791"/>
+            <a:ext cx="5142197" cy="13795"/>
+          </a:xfrm>
+          <a:prstGeom prst="straightConnector1">
+            <a:avLst/>
+          </a:prstGeom>
+          <a:ln w="19050">
+            <a:solidFill>
+              <a:srgbClr val="0070C0"/>
+            </a:solidFill>
+            <a:tailEnd type="arrow"/>
+          </a:ln>
+        </p:spPr>
+        <p:style>
+          <a:lnRef idx="1">
+            <a:schemeClr val="accent1"/>
+          </a:lnRef>
+          <a:fillRef idx="0">
+            <a:schemeClr val="accent1"/>
+          </a:fillRef>
+          <a:effectRef idx="0">
+            <a:schemeClr val="accent1"/>
+          </a:effectRef>
+          <a:fontRef idx="minor">
+            <a:schemeClr val="tx1"/>
+          </a:fontRef>
+        </p:style>
+      </p:cxnSp>
+      <p:cxnSp>
+        <p:nvCxnSpPr>
+          <p:cNvPr id="67" name="Straight Arrow Connector 66">
+            <a:extLst>
+              <a:ext uri="{FF2B5EF4-FFF2-40B4-BE49-F238E27FC236}">
+                <a16:creationId xmlns:a16="http://schemas.microsoft.com/office/drawing/2014/main" id="{D881596E-177C-4FDC-8E60-CAB90B3D5FAB}"/>
+              </a:ext>
+            </a:extLst>
+          </p:cNvPr>
+          <p:cNvCxnSpPr>
+            <a:cxnSpLocks/>
+          </p:cNvCxnSpPr>
+          <p:nvPr/>
+        </p:nvCxnSpPr>
+        <p:spPr>
+          <a:xfrm>
+            <a:off x="1708245" y="1363918"/>
+            <a:ext cx="2256705" cy="1"/>
+          </a:xfrm>
+          <a:prstGeom prst="straightConnector1">
+            <a:avLst/>
+          </a:prstGeom>
+          <a:ln w="19050">
+            <a:solidFill>
+              <a:srgbClr val="0070C0"/>
+            </a:solidFill>
+            <a:tailEnd type="arrow"/>
+          </a:ln>
+        </p:spPr>
+        <p:style>
+          <a:lnRef idx="1">
+            <a:schemeClr val="accent1"/>
+          </a:lnRef>
+          <a:fillRef idx="0">
+            <a:schemeClr val="accent1"/>
+          </a:fillRef>
+          <a:effectRef idx="0">
+            <a:schemeClr val="accent1"/>
+          </a:effectRef>
+          <a:fontRef idx="minor">
+            <a:schemeClr val="tx1"/>
+          </a:fontRef>
+        </p:style>
+      </p:cxnSp>
+      <p:cxnSp>
+        <p:nvCxnSpPr>
+          <p:cNvPr id="69" name="Straight Arrow Connector 68">
+            <a:extLst>
+              <a:ext uri="{FF2B5EF4-FFF2-40B4-BE49-F238E27FC236}">
+                <a16:creationId xmlns:a16="http://schemas.microsoft.com/office/drawing/2014/main" id="{7C9F21BC-13A9-471F-825A-2621FD36355F}"/>
+              </a:ext>
+            </a:extLst>
+          </p:cNvPr>
+          <p:cNvCxnSpPr>
+            <a:cxnSpLocks/>
+          </p:cNvCxnSpPr>
+          <p:nvPr/>
+        </p:nvCxnSpPr>
+        <p:spPr>
+          <a:xfrm>
+            <a:off x="1668370" y="4071168"/>
+            <a:ext cx="5192438" cy="0"/>
+          </a:xfrm>
+          <a:prstGeom prst="straightConnector1">
+            <a:avLst/>
+          </a:prstGeom>
+          <a:ln w="19050">
+            <a:solidFill>
+              <a:srgbClr val="0070C0"/>
+            </a:solidFill>
+            <a:prstDash val="sysDash"/>
+            <a:headEnd type="arrow" w="med" len="med"/>
+            <a:tailEnd type="none" w="med" len="med"/>
+          </a:ln>
+        </p:spPr>
+        <p:style>
+          <a:lnRef idx="1">
+            <a:schemeClr val="accent1"/>
+          </a:lnRef>
+          <a:fillRef idx="0">
+            <a:schemeClr val="accent1"/>
+          </a:fillRef>
+          <a:effectRef idx="0">
+            <a:schemeClr val="accent1"/>
+          </a:effectRef>
+          <a:fontRef idx="minor">
+            <a:schemeClr val="tx1"/>
+          </a:fontRef>
+        </p:style>
+      </p:cxnSp>
+      <p:cxnSp>
+        <p:nvCxnSpPr>
+          <p:cNvPr id="45" name="Straight Connector 44">
+            <a:extLst>
+              <a:ext uri="{FF2B5EF4-FFF2-40B4-BE49-F238E27FC236}">
+                <a16:creationId xmlns:a16="http://schemas.microsoft.com/office/drawing/2014/main" id="{0F2EDBE4-D808-8C46-9031-6361B2AC0E86}"/>
+              </a:ext>
+            </a:extLst>
+          </p:cNvPr>
+          <p:cNvCxnSpPr>
+            <a:cxnSpLocks/>
+          </p:cNvCxnSpPr>
+          <p:nvPr/>
+        </p:nvCxnSpPr>
+        <p:spPr>
+          <a:xfrm>
+            <a:off x="8759765" y="3329105"/>
+            <a:ext cx="0" cy="1071797"/>
+          </a:xfrm>
+          <a:prstGeom prst="line">
+            <a:avLst/>
+          </a:prstGeom>
+          <a:ln w="19050">
+            <a:solidFill>
+              <a:srgbClr val="7030A0"/>
+            </a:solidFill>
+            <a:prstDash val="sysDash"/>
+          </a:ln>
+          <a:effectLst/>
+        </p:spPr>
+        <p:style>
+          <a:lnRef idx="1">
+            <a:schemeClr val="accent1"/>
+          </a:lnRef>
+          <a:fillRef idx="2">
+            <a:schemeClr val="accent1"/>
+          </a:fillRef>
+          <a:effectRef idx="1">
+            <a:schemeClr val="accent1"/>
+          </a:effectRef>
+          <a:fontRef idx="minor">
+            <a:schemeClr val="dk1"/>
+          </a:fontRef>
+        </p:style>
+      </p:cxnSp>
+      <p:cxnSp>
+        <p:nvCxnSpPr>
+          <p:cNvPr id="51" name="Straight Arrow Connector 50">
+            <a:extLst>
+              <a:ext uri="{FF2B5EF4-FFF2-40B4-BE49-F238E27FC236}">
+                <a16:creationId xmlns:a16="http://schemas.microsoft.com/office/drawing/2014/main" id="{1F3A2057-92BA-F648-B272-67D806224104}"/>
+              </a:ext>
+            </a:extLst>
+          </p:cNvPr>
+          <p:cNvCxnSpPr>
+            <a:cxnSpLocks/>
+          </p:cNvCxnSpPr>
+          <p:nvPr/>
+        </p:nvCxnSpPr>
+        <p:spPr>
+          <a:xfrm>
+            <a:off x="4050587" y="1981348"/>
+            <a:ext cx="1432505" cy="0"/>
+          </a:xfrm>
+          <a:prstGeom prst="straightConnector1">
+            <a:avLst/>
+          </a:prstGeom>
+          <a:ln w="19050">
+            <a:solidFill>
+              <a:srgbClr val="0070C0"/>
+            </a:solidFill>
+            <a:tailEnd type="arrow"/>
+          </a:ln>
+        </p:spPr>
+        <p:style>
+          <a:lnRef idx="1">
+            <a:schemeClr val="accent1"/>
+          </a:lnRef>
+          <a:fillRef idx="0">
+            <a:schemeClr val="accent1"/>
+          </a:fillRef>
+          <a:effectRef idx="0">
+            <a:schemeClr val="accent1"/>
+          </a:effectRef>
+          <a:fontRef idx="minor">
+            <a:schemeClr val="tx1"/>
+          </a:fontRef>
+        </p:style>
+      </p:cxnSp>
+      <p:sp>
+        <p:nvSpPr>
+          <p:cNvPr id="53" name="Rectangle 62">
+            <a:extLst>
+              <a:ext uri="{FF2B5EF4-FFF2-40B4-BE49-F238E27FC236}">
+                <a16:creationId xmlns:a16="http://schemas.microsoft.com/office/drawing/2014/main" id="{A5C262E8-1A88-8E46-BB19-B6395C7DB647}"/>
+              </a:ext>
+            </a:extLst>
+          </p:cNvPr>
+          <p:cNvSpPr/>
+          <p:nvPr/>
+        </p:nvSpPr>
+        <p:spPr>
+          <a:xfrm>
+            <a:off x="6324115" y="1747506"/>
+            <a:ext cx="1391772" cy="643094"/>
+          </a:xfrm>
+          <a:prstGeom prst="rect">
+            <a:avLst/>
+          </a:prstGeom>
+          <a:solidFill>
+            <a:srgbClr val="0070C0"/>
+          </a:solidFill>
+          <a:ln w="19050">
+            <a:solidFill>
+              <a:srgbClr val="0070C0"/>
+            </a:solidFill>
+          </a:ln>
+          <a:effectLst/>
+        </p:spPr>
+        <p:style>
+          <a:lnRef idx="1">
+            <a:schemeClr val="accent2"/>
+          </a:lnRef>
+          <a:fillRef idx="2">
+            <a:schemeClr val="accent2"/>
+          </a:fillRef>
+          <a:effectRef idx="1">
+            <a:schemeClr val="accent2"/>
+          </a:effectRef>
+          <a:fontRef idx="minor">
+            <a:schemeClr val="dk1"/>
+          </a:fontRef>
+        </p:style>
+        <p:txBody>
+          <a:bodyPr rtlCol="0" anchor="ctr"/>
+          <a:lstStyle/>
+          <a:p>
+            <a:pPr algn="ctr"/>
+            <a:r>
+              <a:rPr lang="en-US" sz="1600" dirty="0" err="1">
+                <a:solidFill>
+                  <a:schemeClr val="bg1"/>
+                </a:solidFill>
+              </a:rPr>
+              <a:t>d:DeleteBook</a:t>
+            </a:r>
+            <a:endParaRPr lang="en-US" sz="1600" dirty="0">
+              <a:solidFill>
+                <a:schemeClr val="bg1"/>
+              </a:solidFill>
+            </a:endParaRPr>
+          </a:p>
+          <a:p>
+            <a:pPr algn="ctr"/>
+            <a:r>
+              <a:rPr lang="en-US" sz="1600" dirty="0">
+                <a:solidFill>
+                  <a:schemeClr val="bg1"/>
+                </a:solidFill>
+              </a:rPr>
+              <a:t>Command</a:t>
+            </a:r>
+            <a:endParaRPr lang="en-SG" sz="1600" dirty="0">
+              <a:solidFill>
+                <a:schemeClr val="bg1"/>
+              </a:solidFill>
+            </a:endParaRPr>
+          </a:p>
+        </p:txBody>
+      </p:sp>
+      <p:sp>
+        <p:nvSpPr>
+          <p:cNvPr id="54" name="Rectangle 53">
+            <a:extLst>
+              <a:ext uri="{FF2B5EF4-FFF2-40B4-BE49-F238E27FC236}">
+                <a16:creationId xmlns:a16="http://schemas.microsoft.com/office/drawing/2014/main" id="{512B588A-B67B-F14D-BD36-2C64BE0007A1}"/>
+              </a:ext>
+            </a:extLst>
+          </p:cNvPr>
+          <p:cNvSpPr/>
+          <p:nvPr/>
+        </p:nvSpPr>
+        <p:spPr>
+          <a:xfrm>
+            <a:off x="5508620" y="1870415"/>
+            <a:ext cx="177135" cy="706035"/>
+          </a:xfrm>
+          <a:prstGeom prst="rect">
+            <a:avLst/>
+          </a:prstGeom>
+          <a:solidFill>
+            <a:srgbClr val="0070C0"/>
+          </a:solidFill>
+          <a:ln>
+            <a:solidFill>
+              <a:srgbClr val="0070C0"/>
+            </a:solidFill>
+          </a:ln>
+          <a:effectLst/>
+        </p:spPr>
+        <p:style>
+          <a:lnRef idx="1">
+            <a:schemeClr val="accent3"/>
+          </a:lnRef>
+          <a:fillRef idx="2">
+            <a:schemeClr val="accent3"/>
+          </a:fillRef>
+          <a:effectRef idx="1">
+            <a:schemeClr val="accent3"/>
+          </a:effectRef>
+          <a:fontRef idx="minor">
+            <a:schemeClr val="dk1"/>
+          </a:fontRef>
+        </p:style>
+        <p:txBody>
+          <a:bodyPr rtlCol="0" anchor="ctr"/>
+          <a:lstStyle/>
+          <a:p>
+            <a:pPr algn="ctr"/>
+            <a:endParaRPr lang="en-SG" sz="1400"/>
+          </a:p>
+        </p:txBody>
+      </p:sp>
+      <p:cxnSp>
+        <p:nvCxnSpPr>
+          <p:cNvPr id="59" name="Straight Arrow Connector 58">
+            <a:extLst>
+              <a:ext uri="{FF2B5EF4-FFF2-40B4-BE49-F238E27FC236}">
+                <a16:creationId xmlns:a16="http://schemas.microsoft.com/office/drawing/2014/main" id="{ED661C7A-CE87-AB44-B2CA-914DA8D3B501}"/>
+              </a:ext>
+            </a:extLst>
+          </p:cNvPr>
+          <p:cNvCxnSpPr>
+            <a:cxnSpLocks/>
+          </p:cNvCxnSpPr>
+          <p:nvPr/>
+        </p:nvCxnSpPr>
+        <p:spPr>
+          <a:xfrm>
+            <a:off x="5711283" y="1981348"/>
+            <a:ext cx="589304" cy="0"/>
+          </a:xfrm>
+          <a:prstGeom prst="straightConnector1">
+            <a:avLst/>
+          </a:prstGeom>
+          <a:ln w="19050">
+            <a:solidFill>
+              <a:srgbClr val="0070C0"/>
+            </a:solidFill>
+            <a:tailEnd type="arrow"/>
+          </a:ln>
+        </p:spPr>
+        <p:style>
+          <a:lnRef idx="1">
+            <a:schemeClr val="accent1"/>
+          </a:lnRef>
+          <a:fillRef idx="0">
+            <a:schemeClr val="accent1"/>
+          </a:fillRef>
+          <a:effectRef idx="0">
+            <a:schemeClr val="accent1"/>
+          </a:effectRef>
+          <a:fontRef idx="minor">
+            <a:schemeClr val="tx1"/>
+          </a:fontRef>
+        </p:style>
+      </p:cxnSp>
+      <p:cxnSp>
+        <p:nvCxnSpPr>
+          <p:cNvPr id="72" name="Straight Arrow Connector 71">
+            <a:extLst>
+              <a:ext uri="{FF2B5EF4-FFF2-40B4-BE49-F238E27FC236}">
+                <a16:creationId xmlns:a16="http://schemas.microsoft.com/office/drawing/2014/main" id="{29CFA690-1586-EB45-8F74-953855D59075}"/>
+              </a:ext>
+            </a:extLst>
+          </p:cNvPr>
+          <p:cNvCxnSpPr/>
+          <p:nvPr/>
+        </p:nvCxnSpPr>
+        <p:spPr>
+          <a:xfrm>
+            <a:off x="4104213" y="2334718"/>
+            <a:ext cx="1492974" cy="0"/>
+          </a:xfrm>
+          <a:prstGeom prst="straightConnector1">
+            <a:avLst/>
+          </a:prstGeom>
+          <a:ln w="19050">
+            <a:solidFill>
+              <a:srgbClr val="0070C0"/>
+            </a:solidFill>
+            <a:prstDash val="sysDash"/>
+            <a:headEnd type="arrow" w="med" len="med"/>
+            <a:tailEnd type="none" w="med" len="med"/>
+          </a:ln>
+        </p:spPr>
+        <p:style>
+          <a:lnRef idx="1">
+            <a:schemeClr val="accent1"/>
+          </a:lnRef>
+          <a:fillRef idx="0">
+            <a:schemeClr val="accent1"/>
+          </a:fillRef>
+          <a:effectRef idx="0">
+            <a:schemeClr val="accent1"/>
+          </a:effectRef>
+          <a:fontRef idx="minor">
+            <a:schemeClr val="tx1"/>
+          </a:fontRef>
+        </p:style>
+      </p:cxnSp>
+      <p:cxnSp>
+        <p:nvCxnSpPr>
+          <p:cNvPr id="74" name="Straight Arrow Connector 73">
+            <a:extLst>
+              <a:ext uri="{FF2B5EF4-FFF2-40B4-BE49-F238E27FC236}">
+                <a16:creationId xmlns:a16="http://schemas.microsoft.com/office/drawing/2014/main" id="{72503C73-7C56-1346-ADBF-EA5A7D9C2677}"/>
+              </a:ext>
+            </a:extLst>
+          </p:cNvPr>
+          <p:cNvCxnSpPr>
+            <a:cxnSpLocks/>
+          </p:cNvCxnSpPr>
+          <p:nvPr/>
+        </p:nvCxnSpPr>
+        <p:spPr>
+          <a:xfrm>
+            <a:off x="5685755" y="2333732"/>
+            <a:ext cx="974678" cy="0"/>
+          </a:xfrm>
+          <a:prstGeom prst="straightConnector1">
+            <a:avLst/>
+          </a:prstGeom>
+          <a:ln w="19050">
+            <a:solidFill>
+              <a:srgbClr val="0070C0"/>
+            </a:solidFill>
+            <a:prstDash val="sysDash"/>
+            <a:headEnd type="arrow" w="med" len="med"/>
+            <a:tailEnd type="none" w="med" len="med"/>
+          </a:ln>
+        </p:spPr>
+        <p:style>
+          <a:lnRef idx="1">
+            <a:schemeClr val="accent1"/>
+          </a:lnRef>
+          <a:fillRef idx="0">
+            <a:schemeClr val="accent1"/>
+          </a:fillRef>
+          <a:effectRef idx="0">
+            <a:schemeClr val="accent1"/>
+          </a:effectRef>
+          <a:fontRef idx="minor">
+            <a:schemeClr val="tx1"/>
+          </a:fontRef>
+        </p:style>
+      </p:cxnSp>
+      <p:cxnSp>
+        <p:nvCxnSpPr>
+          <p:cNvPr id="85" name="Straight Arrow Connector 84">
+            <a:extLst>
+              <a:ext uri="{FF2B5EF4-FFF2-40B4-BE49-F238E27FC236}">
+                <a16:creationId xmlns:a16="http://schemas.microsoft.com/office/drawing/2014/main" id="{82A38609-56CC-0C4F-8C5C-962BEDE47FCF}"/>
+              </a:ext>
+            </a:extLst>
+          </p:cNvPr>
+          <p:cNvCxnSpPr>
+            <a:cxnSpLocks/>
+          </p:cNvCxnSpPr>
+          <p:nvPr/>
+        </p:nvCxnSpPr>
+        <p:spPr>
+          <a:xfrm>
+            <a:off x="7001234" y="3166388"/>
+            <a:ext cx="1642861" cy="0"/>
+          </a:xfrm>
+          <a:prstGeom prst="straightConnector1">
+            <a:avLst/>
+          </a:prstGeom>
+          <a:ln w="19050">
+            <a:solidFill>
+              <a:srgbClr val="7030A0"/>
+            </a:solidFill>
+            <a:prstDash val="sysDash"/>
+            <a:headEnd type="arrow" w="med" len="med"/>
+            <a:tailEnd type="none" w="med" len="med"/>
+          </a:ln>
+        </p:spPr>
+        <p:style>
+          <a:lnRef idx="1">
+            <a:schemeClr val="accent1"/>
+          </a:lnRef>
+          <a:fillRef idx="0">
+            <a:schemeClr val="accent1"/>
+          </a:fillRef>
+          <a:effectRef idx="0">
+            <a:schemeClr val="accent1"/>
+          </a:effectRef>
+          <a:fontRef idx="minor">
+            <a:schemeClr val="tx1"/>
+          </a:fontRef>
+        </p:style>
+      </p:cxnSp>
+      <p:sp>
+        <p:nvSpPr>
+          <p:cNvPr id="87" name="Rectangle 62">
+            <a:extLst>
+              <a:ext uri="{FF2B5EF4-FFF2-40B4-BE49-F238E27FC236}">
+                <a16:creationId xmlns:a16="http://schemas.microsoft.com/office/drawing/2014/main" id="{EA3D0A3E-76EA-5749-AC0D-FFC75253BEE1}"/>
+              </a:ext>
+            </a:extLst>
+          </p:cNvPr>
+          <p:cNvSpPr/>
+          <p:nvPr/>
+        </p:nvSpPr>
+        <p:spPr>
+          <a:xfrm>
+            <a:off x="7343135" y="3319913"/>
+            <a:ext cx="1219200" cy="762729"/>
+          </a:xfrm>
+          <a:prstGeom prst="rect">
+            <a:avLst/>
+          </a:prstGeom>
+          <a:solidFill>
+            <a:srgbClr val="0070C0"/>
+          </a:solidFill>
+          <a:ln w="19050">
+            <a:solidFill>
+              <a:srgbClr val="0070C0"/>
+            </a:solidFill>
+          </a:ln>
+          <a:effectLst/>
+        </p:spPr>
+        <p:style>
+          <a:lnRef idx="1">
+            <a:schemeClr val="accent2"/>
+          </a:lnRef>
+          <a:fillRef idx="2">
+            <a:schemeClr val="accent2"/>
+          </a:fillRef>
+          <a:effectRef idx="1">
+            <a:schemeClr val="accent2"/>
+          </a:effectRef>
+          <a:fontRef idx="minor">
+            <a:schemeClr val="dk1"/>
+          </a:fontRef>
+        </p:style>
+        <p:txBody>
+          <a:bodyPr rtlCol="0" anchor="ctr"/>
+          <a:lstStyle/>
+          <a:p>
+            <a:pPr algn="ctr"/>
+            <a:r>
+              <a:rPr lang="en-US" sz="1600" dirty="0">
+                <a:solidFill>
+                  <a:schemeClr val="bg1"/>
+                </a:solidFill>
+              </a:rPr>
+              <a:t>result: Command</a:t>
+            </a:r>
+          </a:p>
+          <a:p>
+            <a:pPr algn="ctr"/>
+            <a:r>
+              <a:rPr lang="en-US" sz="1600" dirty="0">
+                <a:solidFill>
+                  <a:schemeClr val="bg1"/>
+                </a:solidFill>
+              </a:rPr>
+              <a:t>Result</a:t>
+            </a:r>
+            <a:endParaRPr lang="en-SG" sz="1600" dirty="0">
+              <a:solidFill>
+                <a:schemeClr val="bg1"/>
+              </a:solidFill>
+            </a:endParaRPr>
+          </a:p>
+        </p:txBody>
+      </p:sp>
+      <p:cxnSp>
+        <p:nvCxnSpPr>
+          <p:cNvPr id="90" name="Straight Arrow Connector 89">
+            <a:extLst>
+              <a:ext uri="{FF2B5EF4-FFF2-40B4-BE49-F238E27FC236}">
+                <a16:creationId xmlns:a16="http://schemas.microsoft.com/office/drawing/2014/main" id="{154E43DD-F2D5-3245-8FDA-E0369EC8C282}"/>
+              </a:ext>
+            </a:extLst>
+          </p:cNvPr>
+          <p:cNvCxnSpPr>
+            <a:cxnSpLocks/>
+          </p:cNvCxnSpPr>
+          <p:nvPr/>
+        </p:nvCxnSpPr>
+        <p:spPr>
+          <a:xfrm>
+            <a:off x="7020001" y="3429000"/>
+            <a:ext cx="323134" cy="0"/>
+          </a:xfrm>
+          <a:prstGeom prst="straightConnector1">
+            <a:avLst/>
+          </a:prstGeom>
+          <a:ln w="19050">
+            <a:solidFill>
+              <a:srgbClr val="0070C0"/>
+            </a:solidFill>
+            <a:tailEnd type="arrow"/>
+          </a:ln>
+        </p:spPr>
+        <p:style>
+          <a:lnRef idx="1">
+            <a:schemeClr val="accent1"/>
+          </a:lnRef>
+          <a:fillRef idx="0">
+            <a:schemeClr val="accent1"/>
+          </a:fillRef>
+          <a:effectRef idx="0">
+            <a:schemeClr val="accent1"/>
+          </a:effectRef>
+          <a:fontRef idx="minor">
+            <a:schemeClr val="tx1"/>
+          </a:fontRef>
+        </p:style>
+      </p:cxnSp>
+      <p:sp>
+        <p:nvSpPr>
+          <p:cNvPr id="91" name="Rectangle 90">
+            <a:extLst>
+              <a:ext uri="{FF2B5EF4-FFF2-40B4-BE49-F238E27FC236}">
+                <a16:creationId xmlns:a16="http://schemas.microsoft.com/office/drawing/2014/main" id="{E706F236-ACA4-954F-9AED-9878C61B0DBE}"/>
+              </a:ext>
+            </a:extLst>
+          </p:cNvPr>
+          <p:cNvSpPr/>
+          <p:nvPr/>
+        </p:nvSpPr>
+        <p:spPr>
+          <a:xfrm>
+            <a:off x="7937668" y="4018526"/>
+            <a:ext cx="152400" cy="276003"/>
+          </a:xfrm>
+          <a:prstGeom prst="rect">
+            <a:avLst/>
+          </a:prstGeom>
+          <a:solidFill>
+            <a:srgbClr val="0070C0"/>
+          </a:solidFill>
+          <a:ln>
+            <a:solidFill>
+              <a:srgbClr val="0070C0"/>
+            </a:solidFill>
+          </a:ln>
+          <a:effectLst/>
+        </p:spPr>
+        <p:style>
+          <a:lnRef idx="1">
+            <a:schemeClr val="accent3"/>
+          </a:lnRef>
+          <a:fillRef idx="2">
+            <a:schemeClr val="accent3"/>
+          </a:fillRef>
+          <a:effectRef idx="1">
+            <a:schemeClr val="accent3"/>
+          </a:effectRef>
+          <a:fontRef idx="minor">
+            <a:schemeClr val="dk1"/>
+          </a:fontRef>
+        </p:style>
+        <p:txBody>
+          <a:bodyPr rtlCol="0" anchor="ctr"/>
+          <a:lstStyle/>
+          <a:p>
+            <a:pPr algn="ctr"/>
+            <a:endParaRPr lang="en-SG" sz="1400"/>
+          </a:p>
+        </p:txBody>
+      </p:sp>
+      <p:cxnSp>
+        <p:nvCxnSpPr>
+          <p:cNvPr id="92" name="Straight Arrow Connector 91">
+            <a:extLst>
+              <a:ext uri="{FF2B5EF4-FFF2-40B4-BE49-F238E27FC236}">
+                <a16:creationId xmlns:a16="http://schemas.microsoft.com/office/drawing/2014/main" id="{CAAE37B8-3CBD-0949-AA09-02520B86F48C}"/>
+              </a:ext>
+            </a:extLst>
+          </p:cNvPr>
+          <p:cNvCxnSpPr>
+            <a:cxnSpLocks/>
+          </p:cNvCxnSpPr>
+          <p:nvPr/>
+        </p:nvCxnSpPr>
+        <p:spPr>
+          <a:xfrm>
+            <a:off x="7009529" y="4145644"/>
+            <a:ext cx="974678" cy="0"/>
+          </a:xfrm>
+          <a:prstGeom prst="straightConnector1">
+            <a:avLst/>
+          </a:prstGeom>
+          <a:ln w="19050">
+            <a:solidFill>
+              <a:srgbClr val="0070C0"/>
+            </a:solidFill>
+            <a:prstDash val="sysDash"/>
+            <a:headEnd type="arrow" w="med" len="med"/>
+            <a:tailEnd type="none" w="med" len="med"/>
+          </a:ln>
+        </p:spPr>
+        <p:style>
+          <a:lnRef idx="1">
+            <a:schemeClr val="accent1"/>
+          </a:lnRef>
+          <a:fillRef idx="0">
+            <a:schemeClr val="accent1"/>
+          </a:fillRef>
+          <a:effectRef idx="0">
+            <a:schemeClr val="accent1"/>
+          </a:effectRef>
+          <a:fontRef idx="minor">
+            <a:schemeClr val="tx1"/>
+          </a:fontRef>
+        </p:style>
+      </p:cxnSp>
+    </p:spTree>
+    <p:extLst>
+      <p:ext uri="{BB962C8B-B14F-4D97-AF65-F5344CB8AC3E}">
+        <p14:creationId xmlns:p14="http://schemas.microsoft.com/office/powerpoint/2010/main" val="1067124333"/>
       </p:ext>
     </p:extLst>
   </p:cSld>

--- a/docs/diagrams/UndoRedoSequenceDiagram.pptx
+++ b/docs/diagrams/UndoRedoSequenceDiagram.pptx
@@ -109,25 +109,10 @@
   </p:defaultTextStyle>
   <p:extLst>
     <p:ext uri="{EFAFB233-063F-42B5-8137-9DF3F51BA10A}">
-      <p15:sldGuideLst xmlns:p15="http://schemas.microsoft.com/office/powerpoint/2012/main">
-        <p15:guide id="1" orient="horz" pos="1488">
-          <p15:clr>
-            <a:srgbClr val="A4A3A4"/>
-          </p15:clr>
-        </p15:guide>
-        <p15:guide id="2" pos="2880">
-          <p15:clr>
-            <a:srgbClr val="A4A3A4"/>
-          </p15:clr>
-        </p15:guide>
-      </p15:sldGuideLst>
+      <p15:sldGuideLst xmlns:p15="http://schemas.microsoft.com/office/powerpoint/2012/main"/>
     </p:ext>
   </p:extLst>
 </p:presentation>
-</file>
-
-<file path=ppt/revisionInfo.xml><?xml version="1.0" encoding="utf-8"?>
-<p1510:revInfo xmlns:a="http://schemas.openxmlformats.org/drawingml/2006/main" xmlns:r="http://schemas.openxmlformats.org/officeDocument/2006/relationships" xmlns:p1510="http://schemas.microsoft.com/office/powerpoint/2015/10/main"/>
 </file>
 
 <file path=ppt/notesMasters/notesMaster1.xml><?xml version="1.0" encoding="utf-8"?>
@@ -212,7 +197,7 @@
           <a:p>
             <a:fld id="{F5CC4B3F-88C1-4FFA-B1B6-F41C21DC6924}" type="datetimeFigureOut">
               <a:rPr lang="en-US" smtClean="0"/>
-              <a:t>7/6/2018</a:t>
+              <a:t>4/2/19</a:t>
             </a:fld>
             <a:endParaRPr lang="en-US"/>
           </a:p>
@@ -658,7 +643,7 @@
           <a:p>
             <a:fld id="{78C97017-6FC3-485B-9764-EAC9E56C1D49}" type="datetimeFigureOut">
               <a:rPr lang="en-US" smtClean="0"/>
-              <a:t>7/6/2018</a:t>
+              <a:t>4/2/19</a:t>
             </a:fld>
             <a:endParaRPr lang="en-US"/>
           </a:p>
@@ -826,7 +811,7 @@
           <a:p>
             <a:fld id="{78C97017-6FC3-485B-9764-EAC9E56C1D49}" type="datetimeFigureOut">
               <a:rPr lang="en-US" smtClean="0"/>
-              <a:t>7/6/2018</a:t>
+              <a:t>4/2/19</a:t>
             </a:fld>
             <a:endParaRPr lang="en-US"/>
           </a:p>
@@ -1004,7 +989,7 @@
           <a:p>
             <a:fld id="{78C97017-6FC3-485B-9764-EAC9E56C1D49}" type="datetimeFigureOut">
               <a:rPr lang="en-US" smtClean="0"/>
-              <a:t>7/6/2018</a:t>
+              <a:t>4/2/19</a:t>
             </a:fld>
             <a:endParaRPr lang="en-US"/>
           </a:p>
@@ -1172,7 +1157,7 @@
           <a:p>
             <a:fld id="{78C97017-6FC3-485B-9764-EAC9E56C1D49}" type="datetimeFigureOut">
               <a:rPr lang="en-US" smtClean="0"/>
-              <a:t>7/6/2018</a:t>
+              <a:t>4/2/19</a:t>
             </a:fld>
             <a:endParaRPr lang="en-US"/>
           </a:p>
@@ -1417,7 +1402,7 @@
           <a:p>
             <a:fld id="{78C97017-6FC3-485B-9764-EAC9E56C1D49}" type="datetimeFigureOut">
               <a:rPr lang="en-US" smtClean="0"/>
-              <a:t>7/6/2018</a:t>
+              <a:t>4/2/19</a:t>
             </a:fld>
             <a:endParaRPr lang="en-US"/>
           </a:p>
@@ -1702,7 +1687,7 @@
           <a:p>
             <a:fld id="{78C97017-6FC3-485B-9764-EAC9E56C1D49}" type="datetimeFigureOut">
               <a:rPr lang="en-US" smtClean="0"/>
-              <a:t>7/6/2018</a:t>
+              <a:t>4/2/19</a:t>
             </a:fld>
             <a:endParaRPr lang="en-US"/>
           </a:p>
@@ -2121,7 +2106,7 @@
           <a:p>
             <a:fld id="{78C97017-6FC3-485B-9764-EAC9E56C1D49}" type="datetimeFigureOut">
               <a:rPr lang="en-US" smtClean="0"/>
-              <a:t>7/6/2018</a:t>
+              <a:t>4/2/19</a:t>
             </a:fld>
             <a:endParaRPr lang="en-US"/>
           </a:p>
@@ -2238,7 +2223,7 @@
           <a:p>
             <a:fld id="{78C97017-6FC3-485B-9764-EAC9E56C1D49}" type="datetimeFigureOut">
               <a:rPr lang="en-US" smtClean="0"/>
-              <a:t>7/6/2018</a:t>
+              <a:t>4/2/19</a:t>
             </a:fld>
             <a:endParaRPr lang="en-US"/>
           </a:p>
@@ -2333,7 +2318,7 @@
           <a:p>
             <a:fld id="{78C97017-6FC3-485B-9764-EAC9E56C1D49}" type="datetimeFigureOut">
               <a:rPr lang="en-US" smtClean="0"/>
-              <a:t>7/6/2018</a:t>
+              <a:t>4/2/19</a:t>
             </a:fld>
             <a:endParaRPr lang="en-US"/>
           </a:p>
@@ -2608,7 +2593,7 @@
           <a:p>
             <a:fld id="{78C97017-6FC3-485B-9764-EAC9E56C1D49}" type="datetimeFigureOut">
               <a:rPr lang="en-US" smtClean="0"/>
-              <a:t>7/6/2018</a:t>
+              <a:t>4/2/19</a:t>
             </a:fld>
             <a:endParaRPr lang="en-US"/>
           </a:p>
@@ -2860,7 +2845,7 @@
           <a:p>
             <a:fld id="{78C97017-6FC3-485B-9764-EAC9E56C1D49}" type="datetimeFigureOut">
               <a:rPr lang="en-US" smtClean="0"/>
-              <a:t>7/6/2018</a:t>
+              <a:t>4/2/19</a:t>
             </a:fld>
             <a:endParaRPr lang="en-US"/>
           </a:p>
@@ -3071,7 +3056,7 @@
           <a:p>
             <a:fld id="{78C97017-6FC3-485B-9764-EAC9E56C1D49}" type="datetimeFigureOut">
               <a:rPr lang="en-US" smtClean="0"/>
-              <a:t>7/6/2018</a:t>
+              <a:t>4/2/19</a:t>
             </a:fld>
             <a:endParaRPr lang="en-US"/>
           </a:p>

--- a/docs/diagrams/UndoRedoSequenceDiagram.pptx
+++ b/docs/diagrams/UndoRedoSequenceDiagram.pptx
@@ -109,7 +109,7 @@
   </p:defaultTextStyle>
   <p:extLst>
     <p:ext uri="{EFAFB233-063F-42B5-8137-9DF3F51BA10A}">
-      <p15:sldGuideLst xmlns:p15="http://schemas.microsoft.com/office/powerpoint/2012/main" xmlns="">
+      <p15:sldGuideLst xmlns="" xmlns:p15="http://schemas.microsoft.com/office/powerpoint/2012/main">
         <p15:guide id="1" orient="horz" pos="1488">
           <p15:clr>
             <a:srgbClr val="A4A3A4"/>
@@ -212,7 +212,7 @@
           <a:p>
             <a:fld id="{F5CC4B3F-88C1-4FFA-B1B6-F41C21DC6924}" type="datetimeFigureOut">
               <a:rPr lang="en-US" smtClean="0"/>
-              <a:t>4/1/2019</a:t>
+              <a:t>4/3/2019</a:t>
             </a:fld>
             <a:endParaRPr lang="en-US"/>
           </a:p>
@@ -658,7 +658,7 @@
           <a:p>
             <a:fld id="{78C97017-6FC3-485B-9764-EAC9E56C1D49}" type="datetimeFigureOut">
               <a:rPr lang="en-US" smtClean="0"/>
-              <a:t>4/1/2019</a:t>
+              <a:t>4/3/2019</a:t>
             </a:fld>
             <a:endParaRPr lang="en-US"/>
           </a:p>
@@ -826,7 +826,7 @@
           <a:p>
             <a:fld id="{78C97017-6FC3-485B-9764-EAC9E56C1D49}" type="datetimeFigureOut">
               <a:rPr lang="en-US" smtClean="0"/>
-              <a:t>4/1/2019</a:t>
+              <a:t>4/3/2019</a:t>
             </a:fld>
             <a:endParaRPr lang="en-US"/>
           </a:p>
@@ -1004,7 +1004,7 @@
           <a:p>
             <a:fld id="{78C97017-6FC3-485B-9764-EAC9E56C1D49}" type="datetimeFigureOut">
               <a:rPr lang="en-US" smtClean="0"/>
-              <a:t>4/1/2019</a:t>
+              <a:t>4/3/2019</a:t>
             </a:fld>
             <a:endParaRPr lang="en-US"/>
           </a:p>
@@ -1172,7 +1172,7 @@
           <a:p>
             <a:fld id="{78C97017-6FC3-485B-9764-EAC9E56C1D49}" type="datetimeFigureOut">
               <a:rPr lang="en-US" smtClean="0"/>
-              <a:t>4/1/2019</a:t>
+              <a:t>4/3/2019</a:t>
             </a:fld>
             <a:endParaRPr lang="en-US"/>
           </a:p>
@@ -1417,7 +1417,7 @@
           <a:p>
             <a:fld id="{78C97017-6FC3-485B-9764-EAC9E56C1D49}" type="datetimeFigureOut">
               <a:rPr lang="en-US" smtClean="0"/>
-              <a:t>4/1/2019</a:t>
+              <a:t>4/3/2019</a:t>
             </a:fld>
             <a:endParaRPr lang="en-US"/>
           </a:p>
@@ -1702,7 +1702,7 @@
           <a:p>
             <a:fld id="{78C97017-6FC3-485B-9764-EAC9E56C1D49}" type="datetimeFigureOut">
               <a:rPr lang="en-US" smtClean="0"/>
-              <a:t>4/1/2019</a:t>
+              <a:t>4/3/2019</a:t>
             </a:fld>
             <a:endParaRPr lang="en-US"/>
           </a:p>
@@ -2121,7 +2121,7 @@
           <a:p>
             <a:fld id="{78C97017-6FC3-485B-9764-EAC9E56C1D49}" type="datetimeFigureOut">
               <a:rPr lang="en-US" smtClean="0"/>
-              <a:t>4/1/2019</a:t>
+              <a:t>4/3/2019</a:t>
             </a:fld>
             <a:endParaRPr lang="en-US"/>
           </a:p>
@@ -2238,7 +2238,7 @@
           <a:p>
             <a:fld id="{78C97017-6FC3-485B-9764-EAC9E56C1D49}" type="datetimeFigureOut">
               <a:rPr lang="en-US" smtClean="0"/>
-              <a:t>4/1/2019</a:t>
+              <a:t>4/3/2019</a:t>
             </a:fld>
             <a:endParaRPr lang="en-US"/>
           </a:p>
@@ -2333,7 +2333,7 @@
           <a:p>
             <a:fld id="{78C97017-6FC3-485B-9764-EAC9E56C1D49}" type="datetimeFigureOut">
               <a:rPr lang="en-US" smtClean="0"/>
-              <a:t>4/1/2019</a:t>
+              <a:t>4/3/2019</a:t>
             </a:fld>
             <a:endParaRPr lang="en-US"/>
           </a:p>
@@ -2608,7 +2608,7 @@
           <a:p>
             <a:fld id="{78C97017-6FC3-485B-9764-EAC9E56C1D49}" type="datetimeFigureOut">
               <a:rPr lang="en-US" smtClean="0"/>
-              <a:t>4/1/2019</a:t>
+              <a:t>4/3/2019</a:t>
             </a:fld>
             <a:endParaRPr lang="en-US"/>
           </a:p>
@@ -2860,7 +2860,7 @@
           <a:p>
             <a:fld id="{78C97017-6FC3-485B-9764-EAC9E56C1D49}" type="datetimeFigureOut">
               <a:rPr lang="en-US" smtClean="0"/>
-              <a:t>4/1/2019</a:t>
+              <a:t>4/3/2019</a:t>
             </a:fld>
             <a:endParaRPr lang="en-US"/>
           </a:p>
@@ -3071,7 +3071,7 @@
           <a:p>
             <a:fld id="{78C97017-6FC3-485B-9764-EAC9E56C1D49}" type="datetimeFigureOut">
               <a:rPr lang="en-US" smtClean="0"/>
-              <a:t>4/1/2019</a:t>
+              <a:t>4/3/2019</a:t>
             </a:fld>
             <a:endParaRPr lang="en-US"/>
           </a:p>
@@ -3617,15 +3617,7 @@
                   <a:schemeClr val="bg1"/>
                 </a:solidFill>
               </a:rPr>
-              <a:t>:</a:t>
-            </a:r>
-            <a:r>
-              <a:rPr lang="en-US" sz="1600" dirty="0" err="1">
-                <a:solidFill>
-                  <a:schemeClr val="bg1"/>
-                </a:solidFill>
-              </a:rPr>
-              <a:t>LogicManager</a:t>
+              <a:t>:LogicManager</a:t>
             </a:r>
             <a:endParaRPr lang="en-SG" sz="1600" dirty="0">
               <a:solidFill>
@@ -3770,23 +3762,7 @@
                   <a:schemeClr val="bg1"/>
                 </a:solidFill>
               </a:rPr>
-              <a:t>:</a:t>
-            </a:r>
-            <a:r>
-              <a:rPr lang="en-US" sz="1600" dirty="0" err="1" smtClean="0">
-                <a:solidFill>
-                  <a:schemeClr val="bg1"/>
-                </a:solidFill>
-              </a:rPr>
-              <a:t>TopDeck</a:t>
-            </a:r>
-            <a:r>
-              <a:rPr lang="en-US" sz="1600" dirty="0" err="1" smtClean="0">
-                <a:solidFill>
-                  <a:schemeClr val="bg1"/>
-                </a:solidFill>
-              </a:rPr>
-              <a:t>Parser</a:t>
+              <a:t>:TopDeckParser</a:t>
             </a:r>
             <a:endParaRPr lang="en-SG" sz="1600" dirty="0">
               <a:solidFill>
@@ -4317,7 +4293,7 @@
           </a:lstStyle>
           <a:p>
             <a:r>
-              <a:rPr lang="en-US" sz="1200" dirty="0" err="1" smtClean="0">
+              <a:rPr lang="en-US" sz="1200" dirty="0" smtClean="0">
                 <a:solidFill>
                   <a:schemeClr val="accent4">
                     <a:lumMod val="75000"/>
@@ -4327,20 +4303,12 @@
               <a:t>undo</a:t>
             </a:r>
             <a:r>
-              <a:rPr lang="en-US" sz="1200" dirty="0" err="1" smtClean="0">
-                <a:solidFill>
-                  <a:srgbClr val="7030A0"/>
-                </a:solidFill>
-              </a:rPr>
-              <a:t>TopDeck</a:t>
-            </a:r>
-            <a:r>
               <a:rPr lang="en-US" sz="1200" dirty="0" smtClean="0">
                 <a:solidFill>
                   <a:srgbClr val="7030A0"/>
                 </a:solidFill>
               </a:rPr>
-              <a:t>()</a:t>
+              <a:t>TopDeck()</a:t>
             </a:r>
             <a:endParaRPr lang="en-US" sz="1200" dirty="0"/>
           </a:p>
@@ -4380,12 +4348,8 @@
           </a:lstStyle>
           <a:p>
             <a:r>
-              <a:rPr lang="en-US" dirty="0" err="1"/>
-              <a:t>parseCommand</a:t>
-            </a:r>
-            <a:r>
               <a:rPr lang="en-US" dirty="0"/>
-              <a:t>(“undo”)</a:t>
+              <a:t>parseCommand(“undo”)</a:t>
             </a:r>
           </a:p>
         </p:txBody>
@@ -4522,7 +4486,7 @@
               <a:t>:</a:t>
             </a:r>
             <a:r>
-              <a:rPr lang="en-US" sz="1600" dirty="0" err="1" smtClean="0">
+              <a:rPr lang="en-US" sz="1600" dirty="0" smtClean="0">
                 <a:solidFill>
                   <a:schemeClr val="bg1"/>
                 </a:solidFill>
@@ -4919,7 +4883,7 @@
           <p:cNvPr id="66" name="Straight Arrow Connector 65">
             <a:extLst>
               <a:ext uri="{FF2B5EF4-FFF2-40B4-BE49-F238E27FC236}">
-                <a16:creationId xmlns:a16="http://schemas.microsoft.com/office/drawing/2014/main" xmlns="" id="{39916E2E-195A-4DC8-B025-B05FA87E6796}"/>
+                <a16:creationId xmlns="" xmlns:a16="http://schemas.microsoft.com/office/drawing/2014/main" id="{39916E2E-195A-4DC8-B025-B05FA87E6796}"/>
               </a:ext>
             </a:extLst>
           </p:cNvPr>
@@ -4963,7 +4927,7 @@
           <p:cNvPr id="67" name="Straight Arrow Connector 66">
             <a:extLst>
               <a:ext uri="{FF2B5EF4-FFF2-40B4-BE49-F238E27FC236}">
-                <a16:creationId xmlns:a16="http://schemas.microsoft.com/office/drawing/2014/main" xmlns="" id="{D881596E-177C-4FDC-8E60-CAB90B3D5FAB}"/>
+                <a16:creationId xmlns="" xmlns:a16="http://schemas.microsoft.com/office/drawing/2014/main" id="{D881596E-177C-4FDC-8E60-CAB90B3D5FAB}"/>
               </a:ext>
             </a:extLst>
           </p:cNvPr>
@@ -5007,7 +4971,7 @@
           <p:cNvPr id="69" name="Straight Arrow Connector 68">
             <a:extLst>
               <a:ext uri="{FF2B5EF4-FFF2-40B4-BE49-F238E27FC236}">
-                <a16:creationId xmlns:a16="http://schemas.microsoft.com/office/drawing/2014/main" xmlns="" id="{7C9F21BC-13A9-471F-825A-2621FD36355F}"/>
+                <a16:creationId xmlns="" xmlns:a16="http://schemas.microsoft.com/office/drawing/2014/main" id="{7C9F21BC-13A9-471F-825A-2621FD36355F}"/>
               </a:ext>
             </a:extLst>
           </p:cNvPr>
@@ -5053,7 +5017,7 @@
           <p:cNvPr id="88" name="TextBox 87">
             <a:extLst>
               <a:ext uri="{FF2B5EF4-FFF2-40B4-BE49-F238E27FC236}">
-                <a16:creationId xmlns:a16="http://schemas.microsoft.com/office/drawing/2014/main" xmlns="" id="{B85C6184-7378-4E89-A338-72B1E5056F4F}"/>
+                <a16:creationId xmlns="" xmlns:a16="http://schemas.microsoft.com/office/drawing/2014/main" id="{B85C6184-7378-4E89-A338-72B1E5056F4F}"/>
               </a:ext>
             </a:extLst>
           </p:cNvPr>
@@ -5062,8 +5026,8 @@
         </p:nvSpPr>
         <p:spPr>
           <a:xfrm>
-            <a:off x="8769530" y="3267337"/>
-            <a:ext cx="2120786" cy="184666"/>
+            <a:off x="7972803" y="3235847"/>
+            <a:ext cx="2120786" cy="369332"/>
           </a:xfrm>
           <a:prstGeom prst="rect">
             <a:avLst/>
@@ -5088,28 +5052,22 @@
           </a:lstStyle>
           <a:p>
             <a:r>
-              <a:rPr lang="en-US" sz="1200" dirty="0" err="1" smtClean="0">
-                <a:solidFill>
-                  <a:srgbClr val="7030A0"/>
-                </a:solidFill>
-              </a:rPr>
-              <a:t>resetData</a:t>
-            </a:r>
-            <a:r>
               <a:rPr lang="en-US" sz="1200" dirty="0" smtClean="0">
                 <a:solidFill>
                   <a:srgbClr val="7030A0"/>
                 </a:solidFill>
               </a:rPr>
-              <a:t>(</a:t>
-            </a:r>
-            <a:r>
-              <a:rPr lang="en-US" sz="1200" dirty="0" err="1" smtClean="0">
+              <a:t>resetData(ReadOnly</a:t>
+            </a:r>
+          </a:p>
+          <a:p>
+            <a:r>
+              <a:rPr lang="en-US" sz="1200" dirty="0" smtClean="0">
                 <a:solidFill>
                   <a:srgbClr val="7030A0"/>
                 </a:solidFill>
               </a:rPr>
-              <a:t>ReadOnlyTopDeck</a:t>
+              <a:t>TopDeck</a:t>
             </a:r>
             <a:r>
               <a:rPr lang="en-US" sz="1200" dirty="0" smtClean="0">
@@ -5128,7 +5086,7 @@
           <p:cNvPr id="89" name="Straight Connector 88">
             <a:extLst>
               <a:ext uri="{FF2B5EF4-FFF2-40B4-BE49-F238E27FC236}">
-                <a16:creationId xmlns:a16="http://schemas.microsoft.com/office/drawing/2014/main" xmlns="" id="{E4E1C8CA-49DF-45D8-80A5-D5C8282EE927}"/>
+                <a16:creationId xmlns="" xmlns:a16="http://schemas.microsoft.com/office/drawing/2014/main" id="{E4E1C8CA-49DF-45D8-80A5-D5C8282EE927}"/>
               </a:ext>
             </a:extLst>
           </p:cNvPr>
@@ -5307,7 +5265,7 @@
           <p:cNvPr id="60" name="Straight Arrow Connector 59">
             <a:extLst>
               <a:ext uri="{FF2B5EF4-FFF2-40B4-BE49-F238E27FC236}">
-                <a16:creationId xmlns:a16="http://schemas.microsoft.com/office/drawing/2014/main" xmlns="" id="{7C9F21BC-13A9-471F-825A-2621FD36355F}"/>
+                <a16:creationId xmlns="" xmlns:a16="http://schemas.microsoft.com/office/drawing/2014/main" id="{7C9F21BC-13A9-471F-825A-2621FD36355F}"/>
               </a:ext>
             </a:extLst>
           </p:cNvPr>
@@ -5353,7 +5311,7 @@
           <p:cNvPr id="63" name="Straight Arrow Connector 62">
             <a:extLst>
               <a:ext uri="{FF2B5EF4-FFF2-40B4-BE49-F238E27FC236}">
-                <a16:creationId xmlns:a16="http://schemas.microsoft.com/office/drawing/2014/main" xmlns="" id="{7C9F21BC-13A9-471F-825A-2621FD36355F}"/>
+                <a16:creationId xmlns="" xmlns:a16="http://schemas.microsoft.com/office/drawing/2014/main" id="{7C9F21BC-13A9-471F-825A-2621FD36355F}"/>
               </a:ext>
             </a:extLst>
           </p:cNvPr>

--- a/docs/diagrams/UndoRedoSequenceDiagram.pptx
+++ b/docs/diagrams/UndoRedoSequenceDiagram.pptx
@@ -109,7 +109,7 @@
   </p:defaultTextStyle>
   <p:extLst>
     <p:ext uri="{EFAFB233-063F-42B5-8137-9DF3F51BA10A}">
-      <p15:sldGuideLst xmlns:p15="http://schemas.microsoft.com/office/powerpoint/2012/main" xmlns="">
+      <p15:sldGuideLst xmlns="" xmlns:p15="http://schemas.microsoft.com/office/powerpoint/2012/main">
         <p15:guide id="1" orient="horz" pos="1488">
           <p15:clr>
             <a:srgbClr val="A4A3A4"/>
@@ -179,7 +179,7 @@
             </a:lvl1pPr>
           </a:lstStyle>
           <a:p>
-            <a:endParaRPr lang="en-US"/>
+            <a:endParaRPr lang="en-US" dirty="0"/>
           </a:p>
         </p:txBody>
       </p:sp>
@@ -213,9 +213,9 @@
             <a:fld id="{F5CC4B3F-88C1-4FFA-B1B6-F41C21DC6924}" type="datetimeFigureOut">
               <a:rPr lang="en-US" smtClean="0"/>
               <a:pPr/>
-              <a:t>3/31/2019</a:t>
+              <a:t>4/11/2019</a:t>
             </a:fld>
-            <a:endParaRPr lang="en-US"/>
+            <a:endParaRPr lang="en-US" dirty="0"/>
           </a:p>
         </p:txBody>
       </p:sp>
@@ -248,7 +248,7 @@
           <a:bodyPr vert="horz" lIns="91440" tIns="45720" rIns="91440" bIns="45720" rtlCol="0" anchor="ctr"/>
           <a:lstStyle/>
           <a:p>
-            <a:endParaRPr lang="en-US"/>
+            <a:endParaRPr lang="en-US" dirty="0"/>
           </a:p>
         </p:txBody>
       </p:sp>
@@ -338,7 +338,7 @@
             </a:lvl1pPr>
           </a:lstStyle>
           <a:p>
-            <a:endParaRPr lang="en-US"/>
+            <a:endParaRPr lang="en-US" dirty="0"/>
           </a:p>
         </p:txBody>
       </p:sp>
@@ -374,14 +374,14 @@
               <a:pPr/>
               <a:t>‹#›</a:t>
             </a:fld>
-            <a:endParaRPr lang="en-US"/>
+            <a:endParaRPr lang="en-US" dirty="0"/>
           </a:p>
         </p:txBody>
       </p:sp>
     </p:spTree>
     <p:extLst>
       <p:ext uri="{BB962C8B-B14F-4D97-AF65-F5344CB8AC3E}">
-        <p14:creationId xmlns:p14="http://schemas.microsoft.com/office/powerpoint/2010/main" xmlns="" val="2023976206"/>
+        <p14:creationId xmlns="" xmlns:p14="http://schemas.microsoft.com/office/powerpoint/2010/main" val="2023976206"/>
       </p:ext>
     </p:extLst>
   </p:cSld>
@@ -661,9 +661,9 @@
             <a:fld id="{78C97017-6FC3-485B-9764-EAC9E56C1D49}" type="datetimeFigureOut">
               <a:rPr lang="en-US" smtClean="0"/>
               <a:pPr/>
-              <a:t>3/31/2019</a:t>
+              <a:t>4/11/2019</a:t>
             </a:fld>
-            <a:endParaRPr lang="en-US"/>
+            <a:endParaRPr lang="en-US" dirty="0"/>
           </a:p>
         </p:txBody>
       </p:sp>
@@ -682,7 +682,7 @@
           <a:bodyPr/>
           <a:lstStyle/>
           <a:p>
-            <a:endParaRPr lang="en-US"/>
+            <a:endParaRPr lang="en-US" dirty="0"/>
           </a:p>
         </p:txBody>
       </p:sp>
@@ -706,14 +706,14 @@
               <a:pPr/>
               <a:t>‹#›</a:t>
             </a:fld>
-            <a:endParaRPr lang="en-US"/>
+            <a:endParaRPr lang="en-US" dirty="0"/>
           </a:p>
         </p:txBody>
       </p:sp>
     </p:spTree>
     <p:extLst>
       <p:ext uri="{BB962C8B-B14F-4D97-AF65-F5344CB8AC3E}">
-        <p14:creationId xmlns:p14="http://schemas.microsoft.com/office/powerpoint/2010/main" xmlns="" val="3246593157"/>
+        <p14:creationId xmlns="" xmlns:p14="http://schemas.microsoft.com/office/powerpoint/2010/main" val="3246593157"/>
       </p:ext>
     </p:extLst>
   </p:cSld>
@@ -831,9 +831,9 @@
             <a:fld id="{78C97017-6FC3-485B-9764-EAC9E56C1D49}" type="datetimeFigureOut">
               <a:rPr lang="en-US" smtClean="0"/>
               <a:pPr/>
-              <a:t>3/31/2019</a:t>
+              <a:t>4/11/2019</a:t>
             </a:fld>
-            <a:endParaRPr lang="en-US"/>
+            <a:endParaRPr lang="en-US" dirty="0"/>
           </a:p>
         </p:txBody>
       </p:sp>
@@ -852,7 +852,7 @@
           <a:bodyPr/>
           <a:lstStyle/>
           <a:p>
-            <a:endParaRPr lang="en-US"/>
+            <a:endParaRPr lang="en-US" dirty="0"/>
           </a:p>
         </p:txBody>
       </p:sp>
@@ -876,14 +876,14 @@
               <a:pPr/>
               <a:t>‹#›</a:t>
             </a:fld>
-            <a:endParaRPr lang="en-US"/>
+            <a:endParaRPr lang="en-US" dirty="0"/>
           </a:p>
         </p:txBody>
       </p:sp>
     </p:spTree>
     <p:extLst>
       <p:ext uri="{BB962C8B-B14F-4D97-AF65-F5344CB8AC3E}">
-        <p14:creationId xmlns:p14="http://schemas.microsoft.com/office/powerpoint/2010/main" xmlns="" val="2707025021"/>
+        <p14:creationId xmlns="" xmlns:p14="http://schemas.microsoft.com/office/powerpoint/2010/main" val="2707025021"/>
       </p:ext>
     </p:extLst>
   </p:cSld>
@@ -1011,9 +1011,9 @@
             <a:fld id="{78C97017-6FC3-485B-9764-EAC9E56C1D49}" type="datetimeFigureOut">
               <a:rPr lang="en-US" smtClean="0"/>
               <a:pPr/>
-              <a:t>3/31/2019</a:t>
+              <a:t>4/11/2019</a:t>
             </a:fld>
-            <a:endParaRPr lang="en-US"/>
+            <a:endParaRPr lang="en-US" dirty="0"/>
           </a:p>
         </p:txBody>
       </p:sp>
@@ -1032,7 +1032,7 @@
           <a:bodyPr/>
           <a:lstStyle/>
           <a:p>
-            <a:endParaRPr lang="en-US"/>
+            <a:endParaRPr lang="en-US" dirty="0"/>
           </a:p>
         </p:txBody>
       </p:sp>
@@ -1056,14 +1056,14 @@
               <a:pPr/>
               <a:t>‹#›</a:t>
             </a:fld>
-            <a:endParaRPr lang="en-US"/>
+            <a:endParaRPr lang="en-US" dirty="0"/>
           </a:p>
         </p:txBody>
       </p:sp>
     </p:spTree>
     <p:extLst>
       <p:ext uri="{BB962C8B-B14F-4D97-AF65-F5344CB8AC3E}">
-        <p14:creationId xmlns:p14="http://schemas.microsoft.com/office/powerpoint/2010/main" xmlns="" val="568378986"/>
+        <p14:creationId xmlns="" xmlns:p14="http://schemas.microsoft.com/office/powerpoint/2010/main" val="568378986"/>
       </p:ext>
     </p:extLst>
   </p:cSld>
@@ -1181,9 +1181,9 @@
             <a:fld id="{78C97017-6FC3-485B-9764-EAC9E56C1D49}" type="datetimeFigureOut">
               <a:rPr lang="en-US" smtClean="0"/>
               <a:pPr/>
-              <a:t>3/31/2019</a:t>
+              <a:t>4/11/2019</a:t>
             </a:fld>
-            <a:endParaRPr lang="en-US"/>
+            <a:endParaRPr lang="en-US" dirty="0"/>
           </a:p>
         </p:txBody>
       </p:sp>
@@ -1202,7 +1202,7 @@
           <a:bodyPr/>
           <a:lstStyle/>
           <a:p>
-            <a:endParaRPr lang="en-US"/>
+            <a:endParaRPr lang="en-US" dirty="0"/>
           </a:p>
         </p:txBody>
       </p:sp>
@@ -1226,14 +1226,14 @@
               <a:pPr/>
               <a:t>‹#›</a:t>
             </a:fld>
-            <a:endParaRPr lang="en-US"/>
+            <a:endParaRPr lang="en-US" dirty="0"/>
           </a:p>
         </p:txBody>
       </p:sp>
     </p:spTree>
     <p:extLst>
       <p:ext uri="{BB962C8B-B14F-4D97-AF65-F5344CB8AC3E}">
-        <p14:creationId xmlns:p14="http://schemas.microsoft.com/office/powerpoint/2010/main" xmlns="" val="266658052"/>
+        <p14:creationId xmlns="" xmlns:p14="http://schemas.microsoft.com/office/powerpoint/2010/main" val="266658052"/>
       </p:ext>
     </p:extLst>
   </p:cSld>
@@ -1428,9 +1428,9 @@
             <a:fld id="{78C97017-6FC3-485B-9764-EAC9E56C1D49}" type="datetimeFigureOut">
               <a:rPr lang="en-US" smtClean="0"/>
               <a:pPr/>
-              <a:t>3/31/2019</a:t>
+              <a:t>4/11/2019</a:t>
             </a:fld>
-            <a:endParaRPr lang="en-US"/>
+            <a:endParaRPr lang="en-US" dirty="0"/>
           </a:p>
         </p:txBody>
       </p:sp>
@@ -1449,7 +1449,7 @@
           <a:bodyPr/>
           <a:lstStyle/>
           <a:p>
-            <a:endParaRPr lang="en-US"/>
+            <a:endParaRPr lang="en-US" dirty="0"/>
           </a:p>
         </p:txBody>
       </p:sp>
@@ -1473,14 +1473,14 @@
               <a:pPr/>
               <a:t>‹#›</a:t>
             </a:fld>
-            <a:endParaRPr lang="en-US"/>
+            <a:endParaRPr lang="en-US" dirty="0"/>
           </a:p>
         </p:txBody>
       </p:sp>
     </p:spTree>
     <p:extLst>
       <p:ext uri="{BB962C8B-B14F-4D97-AF65-F5344CB8AC3E}">
-        <p14:creationId xmlns:p14="http://schemas.microsoft.com/office/powerpoint/2010/main" xmlns="" val="474686344"/>
+        <p14:creationId xmlns="" xmlns:p14="http://schemas.microsoft.com/office/powerpoint/2010/main" val="474686344"/>
       </p:ext>
     </p:extLst>
   </p:cSld>
@@ -1715,9 +1715,9 @@
             <a:fld id="{78C97017-6FC3-485B-9764-EAC9E56C1D49}" type="datetimeFigureOut">
               <a:rPr lang="en-US" smtClean="0"/>
               <a:pPr/>
-              <a:t>3/31/2019</a:t>
+              <a:t>4/11/2019</a:t>
             </a:fld>
-            <a:endParaRPr lang="en-US"/>
+            <a:endParaRPr lang="en-US" dirty="0"/>
           </a:p>
         </p:txBody>
       </p:sp>
@@ -1736,7 +1736,7 @@
           <a:bodyPr/>
           <a:lstStyle/>
           <a:p>
-            <a:endParaRPr lang="en-US"/>
+            <a:endParaRPr lang="en-US" dirty="0"/>
           </a:p>
         </p:txBody>
       </p:sp>
@@ -1760,14 +1760,14 @@
               <a:pPr/>
               <a:t>‹#›</a:t>
             </a:fld>
-            <a:endParaRPr lang="en-US"/>
+            <a:endParaRPr lang="en-US" dirty="0"/>
           </a:p>
         </p:txBody>
       </p:sp>
     </p:spTree>
     <p:extLst>
       <p:ext uri="{BB962C8B-B14F-4D97-AF65-F5344CB8AC3E}">
-        <p14:creationId xmlns:p14="http://schemas.microsoft.com/office/powerpoint/2010/main" xmlns="" val="562293251"/>
+        <p14:creationId xmlns="" xmlns:p14="http://schemas.microsoft.com/office/powerpoint/2010/main" val="562293251"/>
       </p:ext>
     </p:extLst>
   </p:cSld>
@@ -2136,9 +2136,9 @@
             <a:fld id="{78C97017-6FC3-485B-9764-EAC9E56C1D49}" type="datetimeFigureOut">
               <a:rPr lang="en-US" smtClean="0"/>
               <a:pPr/>
-              <a:t>3/31/2019</a:t>
+              <a:t>4/11/2019</a:t>
             </a:fld>
-            <a:endParaRPr lang="en-US"/>
+            <a:endParaRPr lang="en-US" dirty="0"/>
           </a:p>
         </p:txBody>
       </p:sp>
@@ -2157,7 +2157,7 @@
           <a:bodyPr/>
           <a:lstStyle/>
           <a:p>
-            <a:endParaRPr lang="en-US"/>
+            <a:endParaRPr lang="en-US" dirty="0"/>
           </a:p>
         </p:txBody>
       </p:sp>
@@ -2181,14 +2181,14 @@
               <a:pPr/>
               <a:t>‹#›</a:t>
             </a:fld>
-            <a:endParaRPr lang="en-US"/>
+            <a:endParaRPr lang="en-US" dirty="0"/>
           </a:p>
         </p:txBody>
       </p:sp>
     </p:spTree>
     <p:extLst>
       <p:ext uri="{BB962C8B-B14F-4D97-AF65-F5344CB8AC3E}">
-        <p14:creationId xmlns:p14="http://schemas.microsoft.com/office/powerpoint/2010/main" xmlns="" val="1126424250"/>
+        <p14:creationId xmlns="" xmlns:p14="http://schemas.microsoft.com/office/powerpoint/2010/main" val="1126424250"/>
       </p:ext>
     </p:extLst>
   </p:cSld>
@@ -2255,9 +2255,9 @@
             <a:fld id="{78C97017-6FC3-485B-9764-EAC9E56C1D49}" type="datetimeFigureOut">
               <a:rPr lang="en-US" smtClean="0"/>
               <a:pPr/>
-              <a:t>3/31/2019</a:t>
+              <a:t>4/11/2019</a:t>
             </a:fld>
-            <a:endParaRPr lang="en-US"/>
+            <a:endParaRPr lang="en-US" dirty="0"/>
           </a:p>
         </p:txBody>
       </p:sp>
@@ -2276,7 +2276,7 @@
           <a:bodyPr/>
           <a:lstStyle/>
           <a:p>
-            <a:endParaRPr lang="en-US"/>
+            <a:endParaRPr lang="en-US" dirty="0"/>
           </a:p>
         </p:txBody>
       </p:sp>
@@ -2300,14 +2300,14 @@
               <a:pPr/>
               <a:t>‹#›</a:t>
             </a:fld>
-            <a:endParaRPr lang="en-US"/>
+            <a:endParaRPr lang="en-US" dirty="0"/>
           </a:p>
         </p:txBody>
       </p:sp>
     </p:spTree>
     <p:extLst>
       <p:ext uri="{BB962C8B-B14F-4D97-AF65-F5344CB8AC3E}">
-        <p14:creationId xmlns:p14="http://schemas.microsoft.com/office/powerpoint/2010/main" xmlns="" val="4159724230"/>
+        <p14:creationId xmlns="" xmlns:p14="http://schemas.microsoft.com/office/powerpoint/2010/main" val="4159724230"/>
       </p:ext>
     </p:extLst>
   </p:cSld>
@@ -2352,9 +2352,9 @@
             <a:fld id="{78C97017-6FC3-485B-9764-EAC9E56C1D49}" type="datetimeFigureOut">
               <a:rPr lang="en-US" smtClean="0"/>
               <a:pPr/>
-              <a:t>3/31/2019</a:t>
+              <a:t>4/11/2019</a:t>
             </a:fld>
-            <a:endParaRPr lang="en-US"/>
+            <a:endParaRPr lang="en-US" dirty="0"/>
           </a:p>
         </p:txBody>
       </p:sp>
@@ -2373,7 +2373,7 @@
           <a:bodyPr/>
           <a:lstStyle/>
           <a:p>
-            <a:endParaRPr lang="en-US"/>
+            <a:endParaRPr lang="en-US" dirty="0"/>
           </a:p>
         </p:txBody>
       </p:sp>
@@ -2397,14 +2397,14 @@
               <a:pPr/>
               <a:t>‹#›</a:t>
             </a:fld>
-            <a:endParaRPr lang="en-US"/>
+            <a:endParaRPr lang="en-US" dirty="0"/>
           </a:p>
         </p:txBody>
       </p:sp>
     </p:spTree>
     <p:extLst>
       <p:ext uri="{BB962C8B-B14F-4D97-AF65-F5344CB8AC3E}">
-        <p14:creationId xmlns:p14="http://schemas.microsoft.com/office/powerpoint/2010/main" xmlns="" val="1793928710"/>
+        <p14:creationId xmlns="" xmlns:p14="http://schemas.microsoft.com/office/powerpoint/2010/main" val="1793928710"/>
       </p:ext>
     </p:extLst>
   </p:cSld>
@@ -2629,9 +2629,9 @@
             <a:fld id="{78C97017-6FC3-485B-9764-EAC9E56C1D49}" type="datetimeFigureOut">
               <a:rPr lang="en-US" smtClean="0"/>
               <a:pPr/>
-              <a:t>3/31/2019</a:t>
+              <a:t>4/11/2019</a:t>
             </a:fld>
-            <a:endParaRPr lang="en-US"/>
+            <a:endParaRPr lang="en-US" dirty="0"/>
           </a:p>
         </p:txBody>
       </p:sp>
@@ -2650,7 +2650,7 @@
           <a:bodyPr/>
           <a:lstStyle/>
           <a:p>
-            <a:endParaRPr lang="en-US"/>
+            <a:endParaRPr lang="en-US" dirty="0"/>
           </a:p>
         </p:txBody>
       </p:sp>
@@ -2674,14 +2674,14 @@
               <a:pPr/>
               <a:t>‹#›</a:t>
             </a:fld>
-            <a:endParaRPr lang="en-US"/>
+            <a:endParaRPr lang="en-US" dirty="0"/>
           </a:p>
         </p:txBody>
       </p:sp>
     </p:spTree>
     <p:extLst>
       <p:ext uri="{BB962C8B-B14F-4D97-AF65-F5344CB8AC3E}">
-        <p14:creationId xmlns:p14="http://schemas.microsoft.com/office/powerpoint/2010/main" xmlns="" val="2076802089"/>
+        <p14:creationId xmlns="" xmlns:p14="http://schemas.microsoft.com/office/powerpoint/2010/main" val="2076802089"/>
       </p:ext>
     </p:extLst>
   </p:cSld>
@@ -2796,7 +2796,7 @@
             </a:lvl9pPr>
           </a:lstStyle>
           <a:p>
-            <a:endParaRPr lang="en-US"/>
+            <a:endParaRPr lang="en-US" dirty="0"/>
           </a:p>
         </p:txBody>
       </p:sp>
@@ -2883,9 +2883,9 @@
             <a:fld id="{78C97017-6FC3-485B-9764-EAC9E56C1D49}" type="datetimeFigureOut">
               <a:rPr lang="en-US" smtClean="0"/>
               <a:pPr/>
-              <a:t>3/31/2019</a:t>
+              <a:t>4/11/2019</a:t>
             </a:fld>
-            <a:endParaRPr lang="en-US"/>
+            <a:endParaRPr lang="en-US" dirty="0"/>
           </a:p>
         </p:txBody>
       </p:sp>
@@ -2904,7 +2904,7 @@
           <a:bodyPr/>
           <a:lstStyle/>
           <a:p>
-            <a:endParaRPr lang="en-US"/>
+            <a:endParaRPr lang="en-US" dirty="0"/>
           </a:p>
         </p:txBody>
       </p:sp>
@@ -2928,14 +2928,14 @@
               <a:pPr/>
               <a:t>‹#›</a:t>
             </a:fld>
-            <a:endParaRPr lang="en-US"/>
+            <a:endParaRPr lang="en-US" dirty="0"/>
           </a:p>
         </p:txBody>
       </p:sp>
     </p:spTree>
     <p:extLst>
       <p:ext uri="{BB962C8B-B14F-4D97-AF65-F5344CB8AC3E}">
-        <p14:creationId xmlns:p14="http://schemas.microsoft.com/office/powerpoint/2010/main" xmlns="" val="201835938"/>
+        <p14:creationId xmlns="" xmlns:p14="http://schemas.microsoft.com/office/powerpoint/2010/main" val="201835938"/>
       </p:ext>
     </p:extLst>
   </p:cSld>
@@ -3096,9 +3096,9 @@
             <a:fld id="{78C97017-6FC3-485B-9764-EAC9E56C1D49}" type="datetimeFigureOut">
               <a:rPr lang="en-US" smtClean="0"/>
               <a:pPr/>
-              <a:t>3/31/2019</a:t>
+              <a:t>4/11/2019</a:t>
             </a:fld>
-            <a:endParaRPr lang="en-US"/>
+            <a:endParaRPr lang="en-US" dirty="0"/>
           </a:p>
         </p:txBody>
       </p:sp>
@@ -3135,7 +3135,7 @@
             </a:lvl1pPr>
           </a:lstStyle>
           <a:p>
-            <a:endParaRPr lang="en-US"/>
+            <a:endParaRPr lang="en-US" dirty="0"/>
           </a:p>
         </p:txBody>
       </p:sp>
@@ -3177,14 +3177,14 @@
               <a:pPr/>
               <a:t>‹#›</a:t>
             </a:fld>
-            <a:endParaRPr lang="en-US"/>
+            <a:endParaRPr lang="en-US" dirty="0"/>
           </a:p>
         </p:txBody>
       </p:sp>
     </p:spTree>
     <p:extLst>
       <p:ext uri="{BB962C8B-B14F-4D97-AF65-F5344CB8AC3E}">
-        <p14:creationId xmlns:p14="http://schemas.microsoft.com/office/powerpoint/2010/main" xmlns="" val="2341400630"/>
+        <p14:creationId xmlns="" xmlns:p14="http://schemas.microsoft.com/office/powerpoint/2010/main" val="2341400630"/>
       </p:ext>
     </p:extLst>
   </p:cSld>
@@ -3643,15 +3643,7 @@
                   <a:schemeClr val="bg1"/>
                 </a:solidFill>
               </a:rPr>
-              <a:t>:</a:t>
-            </a:r>
-            <a:r>
-              <a:rPr lang="en-US" sz="1600" dirty="0" err="1">
-                <a:solidFill>
-                  <a:schemeClr val="bg1"/>
-                </a:solidFill>
-              </a:rPr>
-              <a:t>LogicManager</a:t>
+              <a:t>:LogicManager</a:t>
             </a:r>
             <a:endParaRPr lang="en-SG" sz="1600" dirty="0">
               <a:solidFill>
@@ -3743,7 +3735,7 @@
           <a:lstStyle/>
           <a:p>
             <a:pPr algn="ctr"/>
-            <a:endParaRPr lang="en-SG" sz="1400"/>
+            <a:endParaRPr lang="en-SG" sz="1400" dirty="0"/>
           </a:p>
         </p:txBody>
       </p:sp>
@@ -3756,7 +3748,7 @@
         <p:spPr>
           <a:xfrm>
             <a:off x="3437188" y="423022"/>
-            <a:ext cx="1219200" cy="467684"/>
+            <a:ext cx="1515812" cy="467684"/>
           </a:xfrm>
           <a:prstGeom prst="rect">
             <a:avLst/>
@@ -3796,15 +3788,7 @@
                   <a:schemeClr val="bg1"/>
                 </a:solidFill>
               </a:rPr>
-              <a:t>:</a:t>
-            </a:r>
-            <a:r>
-              <a:rPr lang="en-US" sz="1600" dirty="0" err="1" smtClean="0">
-                <a:solidFill>
-                  <a:schemeClr val="bg1"/>
-                </a:solidFill>
-              </a:rPr>
-              <a:t>GradTrakParser</a:t>
+              <a:t>:GradTrakParser</a:t>
             </a:r>
             <a:endParaRPr lang="en-SG" sz="1600" dirty="0">
               <a:solidFill>
@@ -3896,7 +3880,7 @@
           <a:lstStyle/>
           <a:p>
             <a:pPr algn="ctr"/>
-            <a:endParaRPr lang="en-SG" sz="1400">
+            <a:endParaRPr lang="en-SG" sz="1400" dirty="0">
               <a:solidFill>
                 <a:schemeClr val="dk1"/>
               </a:solidFill>
@@ -3988,7 +3972,7 @@
           <a:lstStyle/>
           <a:p>
             <a:pPr algn="ctr"/>
-            <a:endParaRPr lang="en-SG" sz="1400"/>
+            <a:endParaRPr lang="en-SG" sz="1400" dirty="0"/>
           </a:p>
         </p:txBody>
       </p:sp>
@@ -4297,7 +4281,7 @@
           <a:lstStyle/>
           <a:p>
             <a:pPr algn="ctr"/>
-            <a:endParaRPr lang="en-SG" sz="1400"/>
+            <a:endParaRPr lang="en-SG" sz="1400" dirty="0"/>
           </a:p>
         </p:txBody>
       </p:sp>
@@ -4309,7 +4293,7 @@
         </p:nvSpPr>
         <p:spPr>
           <a:xfrm>
-            <a:off x="5651548" y="2748246"/>
+            <a:off x="5559922" y="2748246"/>
             <a:ext cx="1298078" cy="184666"/>
           </a:xfrm>
           <a:prstGeom prst="rect">
@@ -4335,27 +4319,17 @@
           </a:lstStyle>
           <a:p>
             <a:r>
-              <a:rPr lang="en-US" sz="1200" dirty="0" err="1" smtClean="0">
+              <a:rPr lang="en-US" sz="1200" dirty="0" smtClean="0">
                 <a:solidFill>
                   <a:schemeClr val="accent4">
                     <a:lumMod val="75000"/>
                   </a:schemeClr>
                 </a:solidFill>
               </a:rPr>
-              <a:t>u</a:t>
-            </a:r>
-            <a:r>
-              <a:rPr lang="en-US" sz="1200" dirty="0" err="1" smtClean="0">
-                <a:solidFill>
-                  <a:schemeClr val="accent4">
-                    <a:lumMod val="75000"/>
-                  </a:schemeClr>
-                </a:solidFill>
-              </a:rPr>
-              <a:t>ndo</a:t>
-            </a:r>
-            <a:r>
-              <a:rPr lang="en-US" sz="1200" dirty="0" err="1" smtClean="0">
+              <a:t>undo</a:t>
+            </a:r>
+            <a:r>
+              <a:rPr lang="en-US" sz="1200" dirty="0" smtClean="0">
                 <a:solidFill>
                   <a:srgbClr val="7030A0"/>
                 </a:solidFill>
@@ -4408,12 +4382,8 @@
           </a:lstStyle>
           <a:p>
             <a:r>
-              <a:rPr lang="en-US" dirty="0" err="1"/>
-              <a:t>parseCommand</a:t>
-            </a:r>
-            <a:r>
               <a:rPr lang="en-US" dirty="0"/>
-              <a:t>(“undo”)</a:t>
+              <a:t>parseCommand(“undo”)</a:t>
             </a:r>
           </a:p>
         </p:txBody>
@@ -4550,7 +4520,7 @@
               <a:t>:</a:t>
             </a:r>
             <a:r>
-              <a:rPr lang="en-US" sz="1600" dirty="0" err="1" smtClean="0">
+              <a:rPr lang="en-US" sz="1600" dirty="0" smtClean="0">
                 <a:solidFill>
                   <a:schemeClr val="bg1"/>
                 </a:solidFill>
@@ -4608,7 +4578,7 @@
           <a:lstStyle/>
           <a:p>
             <a:pPr algn="ctr"/>
-            <a:endParaRPr lang="en-SG" sz="1400"/>
+            <a:endParaRPr lang="en-SG" sz="1400" dirty="0"/>
           </a:p>
         </p:txBody>
       </p:sp>
@@ -4793,7 +4763,7 @@
           <a:lstStyle/>
           <a:p>
             <a:pPr algn="ctr"/>
-            <a:endParaRPr lang="en-SG" sz="1400"/>
+            <a:endParaRPr lang="en-SG" sz="1400" dirty="0"/>
           </a:p>
         </p:txBody>
       </p:sp>
@@ -4947,7 +4917,7 @@
           <p:cNvPr id="66" name="Straight Arrow Connector 65">
             <a:extLst>
               <a:ext uri="{FF2B5EF4-FFF2-40B4-BE49-F238E27FC236}">
-                <a16:creationId xmlns:a16="http://schemas.microsoft.com/office/drawing/2014/main" xmlns="" id="{39916E2E-195A-4DC8-B025-B05FA87E6796}"/>
+                <a16:creationId xmlns="" xmlns:a16="http://schemas.microsoft.com/office/drawing/2014/main" id="{39916E2E-195A-4DC8-B025-B05FA87E6796}"/>
               </a:ext>
             </a:extLst>
           </p:cNvPr>
@@ -4991,7 +4961,7 @@
           <p:cNvPr id="67" name="Straight Arrow Connector 66">
             <a:extLst>
               <a:ext uri="{FF2B5EF4-FFF2-40B4-BE49-F238E27FC236}">
-                <a16:creationId xmlns:a16="http://schemas.microsoft.com/office/drawing/2014/main" xmlns="" id="{D881596E-177C-4FDC-8E60-CAB90B3D5FAB}"/>
+                <a16:creationId xmlns="" xmlns:a16="http://schemas.microsoft.com/office/drawing/2014/main" id="{D881596E-177C-4FDC-8E60-CAB90B3D5FAB}"/>
               </a:ext>
             </a:extLst>
           </p:cNvPr>
@@ -5035,7 +5005,7 @@
           <p:cNvPr id="69" name="Straight Arrow Connector 68">
             <a:extLst>
               <a:ext uri="{FF2B5EF4-FFF2-40B4-BE49-F238E27FC236}">
-                <a16:creationId xmlns:a16="http://schemas.microsoft.com/office/drawing/2014/main" xmlns="" id="{7C9F21BC-13A9-471F-825A-2621FD36355F}"/>
+                <a16:creationId xmlns="" xmlns:a16="http://schemas.microsoft.com/office/drawing/2014/main" id="{7C9F21BC-13A9-471F-825A-2621FD36355F}"/>
               </a:ext>
             </a:extLst>
           </p:cNvPr>
@@ -5081,7 +5051,7 @@
           <p:cNvPr id="88" name="TextBox 87">
             <a:extLst>
               <a:ext uri="{FF2B5EF4-FFF2-40B4-BE49-F238E27FC236}">
-                <a16:creationId xmlns:a16="http://schemas.microsoft.com/office/drawing/2014/main" xmlns="" id="{B85C6184-7378-4E89-A338-72B1E5056F4F}"/>
+                <a16:creationId xmlns="" xmlns:a16="http://schemas.microsoft.com/office/drawing/2014/main" id="{B85C6184-7378-4E89-A338-72B1E5056F4F}"/>
               </a:ext>
             </a:extLst>
           </p:cNvPr>
@@ -5116,36 +5086,12 @@
           </a:lstStyle>
           <a:p>
             <a:r>
-              <a:rPr lang="en-US" sz="1200" dirty="0" err="1" smtClean="0">
-                <a:solidFill>
-                  <a:srgbClr val="7030A0"/>
-                </a:solidFill>
-              </a:rPr>
-              <a:t>resetData</a:t>
-            </a:r>
-            <a:r>
               <a:rPr lang="en-US" sz="1200" dirty="0" smtClean="0">
                 <a:solidFill>
                   <a:srgbClr val="7030A0"/>
                 </a:solidFill>
               </a:rPr>
-              <a:t>(</a:t>
-            </a:r>
-            <a:r>
-              <a:rPr lang="en-US" sz="1200" dirty="0" err="1" smtClean="0">
-                <a:solidFill>
-                  <a:srgbClr val="7030A0"/>
-                </a:solidFill>
-              </a:rPr>
-              <a:t>ReadOnlyGradTrak</a:t>
-            </a:r>
-            <a:r>
-              <a:rPr lang="en-US" sz="1200" dirty="0" smtClean="0">
-                <a:solidFill>
-                  <a:srgbClr val="7030A0"/>
-                </a:solidFill>
-              </a:rPr>
-              <a:t>)</a:t>
+              <a:t>resetData(ReadOnlyGradTrak)</a:t>
             </a:r>
             <a:endParaRPr lang="en-US" sz="1200" dirty="0"/>
           </a:p>
@@ -5156,7 +5102,7 @@
           <p:cNvPr id="89" name="Straight Connector 88">
             <a:extLst>
               <a:ext uri="{FF2B5EF4-FFF2-40B4-BE49-F238E27FC236}">
-                <a16:creationId xmlns:a16="http://schemas.microsoft.com/office/drawing/2014/main" xmlns="" id="{E4E1C8CA-49DF-45D8-80A5-D5C8282EE927}"/>
+                <a16:creationId xmlns="" xmlns:a16="http://schemas.microsoft.com/office/drawing/2014/main" id="{E4E1C8CA-49DF-45D8-80A5-D5C8282EE927}"/>
               </a:ext>
             </a:extLst>
           </p:cNvPr>
@@ -5335,7 +5281,7 @@
           <p:cNvPr id="60" name="Straight Arrow Connector 59">
             <a:extLst>
               <a:ext uri="{FF2B5EF4-FFF2-40B4-BE49-F238E27FC236}">
-                <a16:creationId xmlns:a16="http://schemas.microsoft.com/office/drawing/2014/main" xmlns="" id="{7C9F21BC-13A9-471F-825A-2621FD36355F}"/>
+                <a16:creationId xmlns="" xmlns:a16="http://schemas.microsoft.com/office/drawing/2014/main" id="{7C9F21BC-13A9-471F-825A-2621FD36355F}"/>
               </a:ext>
             </a:extLst>
           </p:cNvPr>
@@ -5381,7 +5327,7 @@
           <p:cNvPr id="63" name="Straight Arrow Connector 62">
             <a:extLst>
               <a:ext uri="{FF2B5EF4-FFF2-40B4-BE49-F238E27FC236}">
-                <a16:creationId xmlns:a16="http://schemas.microsoft.com/office/drawing/2014/main" xmlns="" id="{7C9F21BC-13A9-471F-825A-2621FD36355F}"/>
+                <a16:creationId xmlns="" xmlns:a16="http://schemas.microsoft.com/office/drawing/2014/main" id="{7C9F21BC-13A9-471F-825A-2621FD36355F}"/>
               </a:ext>
             </a:extLst>
           </p:cNvPr>
@@ -5426,7 +5372,7 @@
     </p:spTree>
     <p:extLst>
       <p:ext uri="{BB962C8B-B14F-4D97-AF65-F5344CB8AC3E}">
-        <p14:creationId xmlns:p14="http://schemas.microsoft.com/office/powerpoint/2010/main" xmlns="" val="3945898909"/>
+        <p14:creationId xmlns="" xmlns:p14="http://schemas.microsoft.com/office/powerpoint/2010/main" val="3945898909"/>
       </p:ext>
     </p:extLst>
   </p:cSld>

--- a/docs/diagrams/UndoRedoSequenceDiagram.pptx
+++ b/docs/diagrams/UndoRedoSequenceDiagram.pptx
@@ -126,10 +126,6 @@
 </p:presentation>
 </file>
 
-<file path=ppt/revisionInfo.xml><?xml version="1.0" encoding="utf-8"?>
-<p1510:revInfo xmlns:a="http://schemas.openxmlformats.org/drawingml/2006/main" xmlns:r="http://schemas.openxmlformats.org/officeDocument/2006/relationships" xmlns:p1510="http://schemas.microsoft.com/office/powerpoint/2015/10/main"/>
-</file>
-
 <file path=ppt/notesMasters/notesMaster1.xml><?xml version="1.0" encoding="utf-8"?>
 <p:notesMaster xmlns:a="http://schemas.openxmlformats.org/drawingml/2006/main" xmlns:r="http://schemas.openxmlformats.org/officeDocument/2006/relationships" xmlns:p="http://schemas.openxmlformats.org/presentationml/2006/main">
   <p:cSld>
@@ -212,7 +208,7 @@
           <a:p>
             <a:fld id="{F5CC4B3F-88C1-4FFA-B1B6-F41C21DC6924}" type="datetimeFigureOut">
               <a:rPr lang="en-US" smtClean="0"/>
-              <a:t>7/6/2018</a:t>
+              <a:t>4/13/2019</a:t>
             </a:fld>
             <a:endParaRPr lang="en-US"/>
           </a:p>
@@ -658,7 +654,7 @@
           <a:p>
             <a:fld id="{78C97017-6FC3-485B-9764-EAC9E56C1D49}" type="datetimeFigureOut">
               <a:rPr lang="en-US" smtClean="0"/>
-              <a:t>7/6/2018</a:t>
+              <a:t>4/13/2019</a:t>
             </a:fld>
             <a:endParaRPr lang="en-US"/>
           </a:p>
@@ -826,7 +822,7 @@
           <a:p>
             <a:fld id="{78C97017-6FC3-485B-9764-EAC9E56C1D49}" type="datetimeFigureOut">
               <a:rPr lang="en-US" smtClean="0"/>
-              <a:t>7/6/2018</a:t>
+              <a:t>4/13/2019</a:t>
             </a:fld>
             <a:endParaRPr lang="en-US"/>
           </a:p>
@@ -1004,7 +1000,7 @@
           <a:p>
             <a:fld id="{78C97017-6FC3-485B-9764-EAC9E56C1D49}" type="datetimeFigureOut">
               <a:rPr lang="en-US" smtClean="0"/>
-              <a:t>7/6/2018</a:t>
+              <a:t>4/13/2019</a:t>
             </a:fld>
             <a:endParaRPr lang="en-US"/>
           </a:p>
@@ -1172,7 +1168,7 @@
           <a:p>
             <a:fld id="{78C97017-6FC3-485B-9764-EAC9E56C1D49}" type="datetimeFigureOut">
               <a:rPr lang="en-US" smtClean="0"/>
-              <a:t>7/6/2018</a:t>
+              <a:t>4/13/2019</a:t>
             </a:fld>
             <a:endParaRPr lang="en-US"/>
           </a:p>
@@ -1417,7 +1413,7 @@
           <a:p>
             <a:fld id="{78C97017-6FC3-485B-9764-EAC9E56C1D49}" type="datetimeFigureOut">
               <a:rPr lang="en-US" smtClean="0"/>
-              <a:t>7/6/2018</a:t>
+              <a:t>4/13/2019</a:t>
             </a:fld>
             <a:endParaRPr lang="en-US"/>
           </a:p>
@@ -1702,7 +1698,7 @@
           <a:p>
             <a:fld id="{78C97017-6FC3-485B-9764-EAC9E56C1D49}" type="datetimeFigureOut">
               <a:rPr lang="en-US" smtClean="0"/>
-              <a:t>7/6/2018</a:t>
+              <a:t>4/13/2019</a:t>
             </a:fld>
             <a:endParaRPr lang="en-US"/>
           </a:p>
@@ -2121,7 +2117,7 @@
           <a:p>
             <a:fld id="{78C97017-6FC3-485B-9764-EAC9E56C1D49}" type="datetimeFigureOut">
               <a:rPr lang="en-US" smtClean="0"/>
-              <a:t>7/6/2018</a:t>
+              <a:t>4/13/2019</a:t>
             </a:fld>
             <a:endParaRPr lang="en-US"/>
           </a:p>
@@ -2238,7 +2234,7 @@
           <a:p>
             <a:fld id="{78C97017-6FC3-485B-9764-EAC9E56C1D49}" type="datetimeFigureOut">
               <a:rPr lang="en-US" smtClean="0"/>
-              <a:t>7/6/2018</a:t>
+              <a:t>4/13/2019</a:t>
             </a:fld>
             <a:endParaRPr lang="en-US"/>
           </a:p>
@@ -2333,7 +2329,7 @@
           <a:p>
             <a:fld id="{78C97017-6FC3-485B-9764-EAC9E56C1D49}" type="datetimeFigureOut">
               <a:rPr lang="en-US" smtClean="0"/>
-              <a:t>7/6/2018</a:t>
+              <a:t>4/13/2019</a:t>
             </a:fld>
             <a:endParaRPr lang="en-US"/>
           </a:p>
@@ -2608,7 +2604,7 @@
           <a:p>
             <a:fld id="{78C97017-6FC3-485B-9764-EAC9E56C1D49}" type="datetimeFigureOut">
               <a:rPr lang="en-US" smtClean="0"/>
-              <a:t>7/6/2018</a:t>
+              <a:t>4/13/2019</a:t>
             </a:fld>
             <a:endParaRPr lang="en-US"/>
           </a:p>
@@ -2860,7 +2856,7 @@
           <a:p>
             <a:fld id="{78C97017-6FC3-485B-9764-EAC9E56C1D49}" type="datetimeFigureOut">
               <a:rPr lang="en-US" smtClean="0"/>
-              <a:t>7/6/2018</a:t>
+              <a:t>4/13/2019</a:t>
             </a:fld>
             <a:endParaRPr lang="en-US"/>
           </a:p>
@@ -3071,7 +3067,7 @@
           <a:p>
             <a:fld id="{78C97017-6FC3-485B-9764-EAC9E56C1D49}" type="datetimeFigureOut">
               <a:rPr lang="en-US" smtClean="0"/>
-              <a:t>7/6/2018</a:t>
+              <a:t>4/13/2019</a:t>
             </a:fld>
             <a:endParaRPr lang="en-US"/>
           </a:p>
@@ -3765,23 +3761,23 @@
           <a:p>
             <a:pPr algn="ctr"/>
             <a:r>
-              <a:rPr lang="en-US" sz="1600" dirty="0">
+              <a:rPr lang="en-US" sz="1600">
                 <a:solidFill>
                   <a:schemeClr val="bg1"/>
                 </a:solidFill>
               </a:rPr>
-              <a:t>:Address</a:t>
+              <a:t>:Command</a:t>
             </a:r>
           </a:p>
           <a:p>
             <a:pPr algn="ctr"/>
             <a:r>
-              <a:rPr lang="en-US" sz="1600" dirty="0" err="1">
+              <a:rPr lang="en-US" sz="1600">
                 <a:solidFill>
                   <a:schemeClr val="bg1"/>
                 </a:solidFill>
               </a:rPr>
-              <a:t>BookParser</a:t>
+              <a:t>Parser</a:t>
             </a:r>
             <a:endParaRPr lang="en-SG" sz="1600" dirty="0">
               <a:solidFill>
@@ -4083,8 +4079,8 @@
         </p:nvSpPr>
         <p:spPr>
           <a:xfrm>
-            <a:off x="3243421" y="2484071"/>
-            <a:ext cx="855809" cy="215444"/>
+            <a:off x="2659188" y="2484071"/>
+            <a:ext cx="1786224" cy="215444"/>
           </a:xfrm>
           <a:prstGeom prst="rect">
             <a:avLst/>
@@ -4110,7 +4106,7 @@
           <a:p>
             <a:r>
               <a:rPr lang="en-US" dirty="0"/>
-              <a:t>execute()</a:t>
+              <a:t>execute(model, history)</a:t>
             </a:r>
           </a:p>
         </p:txBody>
@@ -4286,8 +4282,8 @@
         </p:nvSpPr>
         <p:spPr>
           <a:xfrm>
-            <a:off x="5651548" y="2748246"/>
-            <a:ext cx="1298078" cy="184666"/>
+            <a:off x="5651495" y="2574886"/>
+            <a:ext cx="1298078" cy="369332"/>
           </a:xfrm>
           <a:prstGeom prst="rect">
             <a:avLst/>
@@ -4311,6 +4307,7 @@
             </a:lvl1pPr>
           </a:lstStyle>
           <a:p>
+            <a:pPr algn="ctr"/>
             <a:r>
               <a:rPr lang="en-US" sz="1200" dirty="0" err="1">
                 <a:solidFill>
@@ -4327,7 +4324,23 @@
                   <a:srgbClr val="7030A0"/>
                 </a:solidFill>
               </a:rPr>
-              <a:t>AddressBook</a:t>
+              <a:t>Active</a:t>
+            </a:r>
+            <a:endParaRPr lang="en-US" sz="1200" dirty="0">
+              <a:solidFill>
+                <a:srgbClr val="7030A0"/>
+              </a:solidFill>
+            </a:endParaRPr>
+          </a:p>
+          <a:p>
+            <a:pPr algn="ctr"/>
+            <a:r>
+              <a:rPr lang="en-US" sz="1200" dirty="0" err="1">
+                <a:solidFill>
+                  <a:srgbClr val="7030A0"/>
+                </a:solidFill>
+              </a:rPr>
+              <a:t>CardFolder</a:t>
             </a:r>
             <a:r>
               <a:rPr lang="en-US" sz="1200" dirty="0">
@@ -4522,7 +4535,7 @@
                   <a:schemeClr val="bg1"/>
                 </a:solidFill>
               </a:rPr>
-              <a:t>VersionedAddressBook</a:t>
+              <a:t>VersionedCardFolder</a:t>
             </a:r>
             <a:endParaRPr lang="en-SG" sz="1600" dirty="0">
               <a:solidFill>
@@ -4627,7 +4640,7 @@
         </p:nvSpPr>
         <p:spPr>
           <a:xfrm>
-            <a:off x="6549765" y="2362200"/>
+            <a:off x="6551157" y="2213567"/>
             <a:ext cx="841636" cy="300180"/>
           </a:xfrm>
           <a:prstGeom prst="rect">
@@ -4683,13 +4696,14 @@
           <p:cNvPr id="46" name="Straight Connector 45"/>
           <p:cNvCxnSpPr>
             <a:cxnSpLocks/>
+            <a:stCxn id="40" idx="2"/>
           </p:cNvCxnSpPr>
           <p:nvPr/>
         </p:nvCxnSpPr>
         <p:spPr>
-          <a:xfrm flipH="1">
-            <a:off x="6986491" y="2653306"/>
-            <a:ext cx="3959" cy="1735710"/>
+          <a:xfrm>
+            <a:off x="6971975" y="2513747"/>
+            <a:ext cx="14517" cy="1875269"/>
           </a:xfrm>
           <a:prstGeom prst="line">
             <a:avLst/>
@@ -5057,8 +5071,8 @@
         </p:nvSpPr>
         <p:spPr>
           <a:xfrm>
-            <a:off x="8769530" y="3267337"/>
-            <a:ext cx="2120786" cy="184666"/>
+            <a:off x="8769530" y="3160010"/>
+            <a:ext cx="1438060" cy="369332"/>
           </a:xfrm>
           <a:prstGeom prst="rect">
             <a:avLst/>
@@ -5082,6 +5096,7 @@
             </a:lvl1pPr>
           </a:lstStyle>
           <a:p>
+            <a:pPr algn="ctr"/>
             <a:r>
               <a:rPr lang="en-US" sz="1200" dirty="0" err="1">
                 <a:solidFill>
@@ -5090,6 +5105,14 @@
               </a:rPr>
               <a:t>resetData</a:t>
             </a:r>
+            <a:endParaRPr lang="en-US" sz="1200" dirty="0">
+              <a:solidFill>
+                <a:srgbClr val="7030A0"/>
+              </a:solidFill>
+            </a:endParaRPr>
+          </a:p>
+          <a:p>
+            <a:pPr algn="ctr"/>
             <a:r>
               <a:rPr lang="en-US" sz="1200" dirty="0">
                 <a:solidFill>
@@ -5104,7 +5127,7 @@
                   <a:srgbClr val="7030A0"/>
                 </a:solidFill>
               </a:rPr>
-              <a:t>ReadOnlyAddressBook</a:t>
+              <a:t>ReadOnlyCardFolder</a:t>
             </a:r>
             <a:r>
               <a:rPr lang="en-US" sz="1200" dirty="0">

--- a/docs/diagrams/UndoRedoSequenceDiagram.pptx
+++ b/docs/diagrams/UndoRedoSequenceDiagram.pptx
@@ -126,10 +126,6 @@
 </p:presentation>
 </file>
 
-<file path=ppt/revisionInfo.xml><?xml version="1.0" encoding="utf-8"?>
-<p1510:revInfo xmlns:a="http://schemas.openxmlformats.org/drawingml/2006/main" xmlns:r="http://schemas.openxmlformats.org/officeDocument/2006/relationships" xmlns:p1510="http://schemas.microsoft.com/office/powerpoint/2015/10/main"/>
-</file>
-
 <file path=ppt/notesMasters/notesMaster1.xml><?xml version="1.0" encoding="utf-8"?>
 <p:notesMaster xmlns:a="http://schemas.openxmlformats.org/drawingml/2006/main" xmlns:r="http://schemas.openxmlformats.org/officeDocument/2006/relationships" xmlns:p="http://schemas.openxmlformats.org/presentationml/2006/main">
   <p:cSld>
@@ -212,7 +208,7 @@
           <a:p>
             <a:fld id="{F5CC4B3F-88C1-4FFA-B1B6-F41C21DC6924}" type="datetimeFigureOut">
               <a:rPr lang="en-US" smtClean="0"/>
-              <a:t>7/6/2018</a:t>
+              <a:t>4/13/2019</a:t>
             </a:fld>
             <a:endParaRPr lang="en-US"/>
           </a:p>
@@ -658,7 +654,7 @@
           <a:p>
             <a:fld id="{78C97017-6FC3-485B-9764-EAC9E56C1D49}" type="datetimeFigureOut">
               <a:rPr lang="en-US" smtClean="0"/>
-              <a:t>7/6/2018</a:t>
+              <a:t>4/13/2019</a:t>
             </a:fld>
             <a:endParaRPr lang="en-US"/>
           </a:p>
@@ -826,7 +822,7 @@
           <a:p>
             <a:fld id="{78C97017-6FC3-485B-9764-EAC9E56C1D49}" type="datetimeFigureOut">
               <a:rPr lang="en-US" smtClean="0"/>
-              <a:t>7/6/2018</a:t>
+              <a:t>4/13/2019</a:t>
             </a:fld>
             <a:endParaRPr lang="en-US"/>
           </a:p>
@@ -1004,7 +1000,7 @@
           <a:p>
             <a:fld id="{78C97017-6FC3-485B-9764-EAC9E56C1D49}" type="datetimeFigureOut">
               <a:rPr lang="en-US" smtClean="0"/>
-              <a:t>7/6/2018</a:t>
+              <a:t>4/13/2019</a:t>
             </a:fld>
             <a:endParaRPr lang="en-US"/>
           </a:p>
@@ -1172,7 +1168,7 @@
           <a:p>
             <a:fld id="{78C97017-6FC3-485B-9764-EAC9E56C1D49}" type="datetimeFigureOut">
               <a:rPr lang="en-US" smtClean="0"/>
-              <a:t>7/6/2018</a:t>
+              <a:t>4/13/2019</a:t>
             </a:fld>
             <a:endParaRPr lang="en-US"/>
           </a:p>
@@ -1417,7 +1413,7 @@
           <a:p>
             <a:fld id="{78C97017-6FC3-485B-9764-EAC9E56C1D49}" type="datetimeFigureOut">
               <a:rPr lang="en-US" smtClean="0"/>
-              <a:t>7/6/2018</a:t>
+              <a:t>4/13/2019</a:t>
             </a:fld>
             <a:endParaRPr lang="en-US"/>
           </a:p>
@@ -1702,7 +1698,7 @@
           <a:p>
             <a:fld id="{78C97017-6FC3-485B-9764-EAC9E56C1D49}" type="datetimeFigureOut">
               <a:rPr lang="en-US" smtClean="0"/>
-              <a:t>7/6/2018</a:t>
+              <a:t>4/13/2019</a:t>
             </a:fld>
             <a:endParaRPr lang="en-US"/>
           </a:p>
@@ -2121,7 +2117,7 @@
           <a:p>
             <a:fld id="{78C97017-6FC3-485B-9764-EAC9E56C1D49}" type="datetimeFigureOut">
               <a:rPr lang="en-US" smtClean="0"/>
-              <a:t>7/6/2018</a:t>
+              <a:t>4/13/2019</a:t>
             </a:fld>
             <a:endParaRPr lang="en-US"/>
           </a:p>
@@ -2238,7 +2234,7 @@
           <a:p>
             <a:fld id="{78C97017-6FC3-485B-9764-EAC9E56C1D49}" type="datetimeFigureOut">
               <a:rPr lang="en-US" smtClean="0"/>
-              <a:t>7/6/2018</a:t>
+              <a:t>4/13/2019</a:t>
             </a:fld>
             <a:endParaRPr lang="en-US"/>
           </a:p>
@@ -2333,7 +2329,7 @@
           <a:p>
             <a:fld id="{78C97017-6FC3-485B-9764-EAC9E56C1D49}" type="datetimeFigureOut">
               <a:rPr lang="en-US" smtClean="0"/>
-              <a:t>7/6/2018</a:t>
+              <a:t>4/13/2019</a:t>
             </a:fld>
             <a:endParaRPr lang="en-US"/>
           </a:p>
@@ -2608,7 +2604,7 @@
           <a:p>
             <a:fld id="{78C97017-6FC3-485B-9764-EAC9E56C1D49}" type="datetimeFigureOut">
               <a:rPr lang="en-US" smtClean="0"/>
-              <a:t>7/6/2018</a:t>
+              <a:t>4/13/2019</a:t>
             </a:fld>
             <a:endParaRPr lang="en-US"/>
           </a:p>
@@ -2860,7 +2856,7 @@
           <a:p>
             <a:fld id="{78C97017-6FC3-485B-9764-EAC9E56C1D49}" type="datetimeFigureOut">
               <a:rPr lang="en-US" smtClean="0"/>
-              <a:t>7/6/2018</a:t>
+              <a:t>4/13/2019</a:t>
             </a:fld>
             <a:endParaRPr lang="en-US"/>
           </a:p>
@@ -3071,7 +3067,7 @@
           <a:p>
             <a:fld id="{78C97017-6FC3-485B-9764-EAC9E56C1D49}" type="datetimeFigureOut">
               <a:rPr lang="en-US" smtClean="0"/>
-              <a:t>7/6/2018</a:t>
+              <a:t>4/13/2019</a:t>
             </a:fld>
             <a:endParaRPr lang="en-US"/>
           </a:p>
@@ -3454,7 +3450,7 @@
         </p:nvSpPr>
         <p:spPr>
           <a:xfrm>
-            <a:off x="6459374" y="118895"/>
+            <a:off x="6858000" y="118895"/>
             <a:ext cx="3903825" cy="4400926"/>
           </a:xfrm>
           <a:prstGeom prst="roundRect">
@@ -3617,15 +3613,7 @@
                   <a:schemeClr val="bg1"/>
                 </a:solidFill>
               </a:rPr>
-              <a:t>:</a:t>
-            </a:r>
-            <a:r>
-              <a:rPr lang="en-US" sz="1600" dirty="0" err="1">
-                <a:solidFill>
-                  <a:schemeClr val="bg1"/>
-                </a:solidFill>
-              </a:rPr>
-              <a:t>LogicManager</a:t>
+              <a:t>:LogicManager</a:t>
             </a:r>
             <a:endParaRPr lang="en-SG" sz="1600" dirty="0">
               <a:solidFill>
@@ -3729,8 +3717,8 @@
         </p:nvSpPr>
         <p:spPr>
           <a:xfrm>
-            <a:off x="3437188" y="423022"/>
-            <a:ext cx="1219200" cy="467684"/>
+            <a:off x="3205846" y="423022"/>
+            <a:ext cx="1899551" cy="467684"/>
           </a:xfrm>
           <a:prstGeom prst="rect">
             <a:avLst/>
@@ -3770,18 +3758,7 @@
                   <a:schemeClr val="bg1"/>
                 </a:solidFill>
               </a:rPr>
-              <a:t>:Address</a:t>
-            </a:r>
-          </a:p>
-          <a:p>
-            <a:pPr algn="ctr"/>
-            <a:r>
-              <a:rPr lang="en-US" sz="1600" dirty="0" err="1">
-                <a:solidFill>
-                  <a:schemeClr val="bg1"/>
-                </a:solidFill>
-              </a:rPr>
-              <a:t>BookParser</a:t>
+              <a:t>:EquipmentManagerParser</a:t>
             </a:r>
             <a:endParaRPr lang="en-SG" sz="1600" dirty="0">
               <a:solidFill>
@@ -4286,8 +4263,8 @@
         </p:nvSpPr>
         <p:spPr>
           <a:xfrm>
-            <a:off x="5651548" y="2748246"/>
-            <a:ext cx="1298078" cy="184666"/>
+            <a:off x="5651547" y="2748246"/>
+            <a:ext cx="1682115" cy="184666"/>
           </a:xfrm>
           <a:prstGeom prst="rect">
             <a:avLst/>
@@ -4312,7 +4289,7 @@
           </a:lstStyle>
           <a:p>
             <a:r>
-              <a:rPr lang="en-US" sz="1200" dirty="0" err="1">
+              <a:rPr lang="en-US" sz="1200" dirty="0">
                 <a:solidFill>
                   <a:schemeClr val="accent4">
                     <a:lumMod val="75000"/>
@@ -4322,20 +4299,12 @@
               <a:t>undo</a:t>
             </a:r>
             <a:r>
-              <a:rPr lang="en-US" sz="1200" dirty="0" err="1">
-                <a:solidFill>
-                  <a:srgbClr val="7030A0"/>
-                </a:solidFill>
-              </a:rPr>
-              <a:t>AddressBook</a:t>
-            </a:r>
-            <a:r>
               <a:rPr lang="en-US" sz="1200" dirty="0">
                 <a:solidFill>
                   <a:srgbClr val="7030A0"/>
                 </a:solidFill>
               </a:rPr>
-              <a:t>()</a:t>
+              <a:t>EquipmentManager()</a:t>
             </a:r>
             <a:endParaRPr lang="en-US" sz="1200" dirty="0"/>
           </a:p>
@@ -4375,12 +4344,8 @@
           </a:lstStyle>
           <a:p>
             <a:r>
-              <a:rPr lang="en-US" dirty="0" err="1"/>
-              <a:t>parseCommand</a:t>
-            </a:r>
-            <a:r>
               <a:rPr lang="en-US" dirty="0"/>
-              <a:t>(“undo”)</a:t>
+              <a:t>parseCommand(“undo”)</a:t>
             </a:r>
           </a:p>
         </p:txBody>
@@ -4473,8 +4438,8 @@
         </p:nvSpPr>
         <p:spPr>
           <a:xfrm>
-            <a:off x="7497155" y="2568606"/>
-            <a:ext cx="2181777" cy="335427"/>
+            <a:off x="7895781" y="2568606"/>
+            <a:ext cx="2772219" cy="335427"/>
           </a:xfrm>
           <a:prstGeom prst="rect">
             <a:avLst/>
@@ -4514,15 +4479,7 @@
                   <a:schemeClr val="bg1"/>
                 </a:solidFill>
               </a:rPr>
-              <a:t>:</a:t>
-            </a:r>
-            <a:r>
-              <a:rPr lang="en-US" sz="1600" dirty="0" err="1">
-                <a:solidFill>
-                  <a:schemeClr val="bg1"/>
-                </a:solidFill>
-              </a:rPr>
-              <a:t>VersionedAddressBook</a:t>
+              <a:t>:VersionedEquipmentManager</a:t>
             </a:r>
             <a:endParaRPr lang="en-SG" sz="1600" dirty="0">
               <a:solidFill>
@@ -4540,7 +4497,7 @@
         </p:nvSpPr>
         <p:spPr>
           <a:xfrm>
-            <a:off x="8514207" y="3182840"/>
+            <a:off x="8912833" y="3182840"/>
             <a:ext cx="129933" cy="398562"/>
           </a:xfrm>
           <a:prstGeom prst="rect">
@@ -4627,7 +4584,7 @@
         </p:nvSpPr>
         <p:spPr>
           <a:xfrm>
-            <a:off x="6549765" y="2362200"/>
+            <a:off x="6948391" y="2362200"/>
             <a:ext cx="841636" cy="300180"/>
           </a:xfrm>
           <a:prstGeom prst="rect">
@@ -4688,7 +4645,7 @@
         </p:nvCxnSpPr>
         <p:spPr>
           <a:xfrm flipH="1">
-            <a:off x="6986491" y="2653306"/>
+            <a:off x="7385117" y="2653306"/>
             <a:ext cx="3959" cy="1735710"/>
           </a:xfrm>
           <a:prstGeom prst="line">
@@ -4725,7 +4682,7 @@
         </p:nvSpPr>
         <p:spPr>
           <a:xfrm>
-            <a:off x="6887527" y="2958106"/>
+            <a:off x="7286153" y="2958106"/>
             <a:ext cx="168896" cy="775693"/>
           </a:xfrm>
           <a:prstGeom prst="rect">
@@ -4773,9 +4730,9 @@
           <p:nvPr/>
         </p:nvCxnSpPr>
         <p:spPr>
-          <a:xfrm>
-            <a:off x="5685755" y="2975344"/>
-            <a:ext cx="1210345" cy="0"/>
+          <a:xfrm flipV="1">
+            <a:off x="5685755" y="2958106"/>
+            <a:ext cx="1600398" cy="17238"/>
           </a:xfrm>
           <a:prstGeom prst="straightConnector1">
             <a:avLst/>
@@ -5057,8 +5014,8 @@
         </p:nvSpPr>
         <p:spPr>
           <a:xfrm>
-            <a:off x="8769530" y="3267337"/>
-            <a:ext cx="2120786" cy="184666"/>
+            <a:off x="9168156" y="3267337"/>
+            <a:ext cx="1590189" cy="369332"/>
           </a:xfrm>
           <a:prstGeom prst="rect">
             <a:avLst/>
@@ -5083,36 +5040,12 @@
           </a:lstStyle>
           <a:p>
             <a:r>
-              <a:rPr lang="en-US" sz="1200" dirty="0" err="1">
-                <a:solidFill>
-                  <a:srgbClr val="7030A0"/>
-                </a:solidFill>
-              </a:rPr>
-              <a:t>resetData</a:t>
-            </a:r>
-            <a:r>
               <a:rPr lang="en-US" sz="1200" dirty="0">
                 <a:solidFill>
                   <a:srgbClr val="7030A0"/>
                 </a:solidFill>
               </a:rPr>
-              <a:t>(</a:t>
-            </a:r>
-            <a:r>
-              <a:rPr lang="en-US" sz="1200" dirty="0" err="1">
-                <a:solidFill>
-                  <a:srgbClr val="7030A0"/>
-                </a:solidFill>
-              </a:rPr>
-              <a:t>ReadOnlyAddressBook</a:t>
-            </a:r>
-            <a:r>
-              <a:rPr lang="en-US" sz="1200" dirty="0">
-                <a:solidFill>
-                  <a:srgbClr val="7030A0"/>
-                </a:solidFill>
-              </a:rPr>
-              <a:t>)</a:t>
+              <a:t>resetData(ReadOnlyEquipmentManager)</a:t>
             </a:r>
             <a:endParaRPr lang="en-US" sz="1200" dirty="0"/>
           </a:p>
@@ -5134,7 +5067,7 @@
         </p:nvCxnSpPr>
         <p:spPr>
           <a:xfrm>
-            <a:off x="8588043" y="2871355"/>
+            <a:off x="8986669" y="2871355"/>
             <a:ext cx="17996" cy="1467648"/>
           </a:xfrm>
           <a:prstGeom prst="line">
@@ -5171,7 +5104,7 @@
         </p:nvSpPr>
         <p:spPr>
           <a:xfrm>
-            <a:off x="7667691" y="2975344"/>
+            <a:off x="8066317" y="2975344"/>
             <a:ext cx="551687" cy="184666"/>
           </a:xfrm>
           <a:prstGeom prst="rect">
@@ -5228,7 +5161,7 @@
         </p:nvCxnSpPr>
         <p:spPr>
           <a:xfrm rot="16200000" flipH="1">
-            <a:off x="8527578" y="3220579"/>
+            <a:off x="8926204" y="3220579"/>
             <a:ext cx="156923" cy="76200"/>
           </a:xfrm>
           <a:prstGeom prst="curvedConnector4">
@@ -5269,7 +5202,7 @@
         </p:nvCxnSpPr>
         <p:spPr>
           <a:xfrm>
-            <a:off x="7043991" y="3182839"/>
+            <a:off x="7442617" y="3182839"/>
             <a:ext cx="1470216" cy="0"/>
           </a:xfrm>
           <a:prstGeom prst="straightConnector1">
@@ -5313,7 +5246,7 @@
         </p:nvCxnSpPr>
         <p:spPr>
           <a:xfrm flipV="1">
-            <a:off x="7043991" y="3564914"/>
+            <a:off x="7442617" y="3564914"/>
             <a:ext cx="1470216" cy="6325"/>
           </a:xfrm>
           <a:prstGeom prst="straightConnector1">
@@ -5360,8 +5293,8 @@
         </p:nvCxnSpPr>
         <p:spPr>
           <a:xfrm>
-            <a:off x="5675919" y="3733799"/>
-            <a:ext cx="1296056" cy="0"/>
+            <a:off x="5685755" y="3733799"/>
+            <a:ext cx="1684846" cy="0"/>
           </a:xfrm>
           <a:prstGeom prst="straightConnector1">
             <a:avLst/>

--- a/docs/diagrams/UndoRedoSequenceDiagram.pptx
+++ b/docs/diagrams/UndoRedoSequenceDiagram.pptx
@@ -1,16 +1,13 @@
 
 <file path=ppt/presentation.xml><?xml version="1.0" encoding="utf-8"?>
-<p:presentation xmlns:a="http://schemas.openxmlformats.org/drawingml/2006/main" xmlns:r="http://schemas.openxmlformats.org/officeDocument/2006/relationships" xmlns:p="http://schemas.openxmlformats.org/presentationml/2006/main" saveSubsetFonts="1">
+<p:presentation xmlns:a="http://schemas.openxmlformats.org/drawingml/2006/main" xmlns:r="http://schemas.openxmlformats.org/officeDocument/2006/relationships" xmlns:p="http://schemas.openxmlformats.org/presentationml/2006/main" saveSubsetFonts="1" autoCompressPictures="0">
   <p:sldMasterIdLst>
     <p:sldMasterId id="2147483648" r:id="rId1"/>
   </p:sldMasterIdLst>
-  <p:notesMasterIdLst>
-    <p:notesMasterId r:id="rId3"/>
-  </p:notesMasterIdLst>
   <p:sldIdLst>
-    <p:sldId id="267" r:id="rId2"/>
+    <p:sldId id="268" r:id="rId2"/>
   </p:sldIdLst>
-  <p:sldSz cx="9144000" cy="6858000" type="screen4x3"/>
+  <p:sldSz cx="12192000" cy="6858000"/>
   <p:notesSz cx="6858000" cy="9144000"/>
   <p:defaultTextStyle>
     <a:defPPr>
@@ -109,374 +106,10 @@
   </p:defaultTextStyle>
   <p:extLst>
     <p:ext uri="{EFAFB233-063F-42B5-8137-9DF3F51BA10A}">
-      <p15:sldGuideLst xmlns:p15="http://schemas.microsoft.com/office/powerpoint/2012/main">
-        <p15:guide id="1" orient="horz" pos="1488">
-          <p15:clr>
-            <a:srgbClr val="A4A3A4"/>
-          </p15:clr>
-        </p15:guide>
-        <p15:guide id="2" pos="2880">
-          <p15:clr>
-            <a:srgbClr val="A4A3A4"/>
-          </p15:clr>
-        </p15:guide>
-      </p15:sldGuideLst>
+      <p15:sldGuideLst xmlns:p15="http://schemas.microsoft.com/office/powerpoint/2012/main"/>
     </p:ext>
   </p:extLst>
 </p:presentation>
-</file>
-
-<file path=ppt/revisionInfo.xml><?xml version="1.0" encoding="utf-8"?>
-<p1510:revInfo xmlns:a="http://schemas.openxmlformats.org/drawingml/2006/main" xmlns:r="http://schemas.openxmlformats.org/officeDocument/2006/relationships" xmlns:p1510="http://schemas.microsoft.com/office/powerpoint/2015/10/main"/>
-</file>
-
-<file path=ppt/notesMasters/notesMaster1.xml><?xml version="1.0" encoding="utf-8"?>
-<p:notesMaster xmlns:a="http://schemas.openxmlformats.org/drawingml/2006/main" xmlns:r="http://schemas.openxmlformats.org/officeDocument/2006/relationships" xmlns:p="http://schemas.openxmlformats.org/presentationml/2006/main">
-  <p:cSld>
-    <p:bg>
-      <p:bgRef idx="1001">
-        <a:schemeClr val="bg1"/>
-      </p:bgRef>
-    </p:bg>
-    <p:spTree>
-      <p:nvGrpSpPr>
-        <p:cNvPr id="1" name=""/>
-        <p:cNvGrpSpPr/>
-        <p:nvPr/>
-      </p:nvGrpSpPr>
-      <p:grpSpPr>
-        <a:xfrm>
-          <a:off x="0" y="0"/>
-          <a:ext cx="0" cy="0"/>
-          <a:chOff x="0" y="0"/>
-          <a:chExt cx="0" cy="0"/>
-        </a:xfrm>
-      </p:grpSpPr>
-      <p:sp>
-        <p:nvSpPr>
-          <p:cNvPr id="2" name="Header Placeholder 1"/>
-          <p:cNvSpPr>
-            <a:spLocks noGrp="1"/>
-          </p:cNvSpPr>
-          <p:nvPr>
-            <p:ph type="hdr" sz="quarter"/>
-          </p:nvPr>
-        </p:nvSpPr>
-        <p:spPr>
-          <a:xfrm>
-            <a:off x="0" y="0"/>
-            <a:ext cx="2971800" cy="457200"/>
-          </a:xfrm>
-          <a:prstGeom prst="rect">
-            <a:avLst/>
-          </a:prstGeom>
-        </p:spPr>
-        <p:txBody>
-          <a:bodyPr vert="horz" lIns="91440" tIns="45720" rIns="91440" bIns="45720" rtlCol="0"/>
-          <a:lstStyle>
-            <a:lvl1pPr algn="l">
-              <a:defRPr sz="1200"/>
-            </a:lvl1pPr>
-          </a:lstStyle>
-          <a:p>
-            <a:endParaRPr lang="en-US"/>
-          </a:p>
-        </p:txBody>
-      </p:sp>
-      <p:sp>
-        <p:nvSpPr>
-          <p:cNvPr id="3" name="Date Placeholder 2"/>
-          <p:cNvSpPr>
-            <a:spLocks noGrp="1"/>
-          </p:cNvSpPr>
-          <p:nvPr>
-            <p:ph type="dt" idx="1"/>
-          </p:nvPr>
-        </p:nvSpPr>
-        <p:spPr>
-          <a:xfrm>
-            <a:off x="3884613" y="0"/>
-            <a:ext cx="2971800" cy="457200"/>
-          </a:xfrm>
-          <a:prstGeom prst="rect">
-            <a:avLst/>
-          </a:prstGeom>
-        </p:spPr>
-        <p:txBody>
-          <a:bodyPr vert="horz" lIns="91440" tIns="45720" rIns="91440" bIns="45720" rtlCol="0"/>
-          <a:lstStyle>
-            <a:lvl1pPr algn="r">
-              <a:defRPr sz="1200"/>
-            </a:lvl1pPr>
-          </a:lstStyle>
-          <a:p>
-            <a:fld id="{F5CC4B3F-88C1-4FFA-B1B6-F41C21DC6924}" type="datetimeFigureOut">
-              <a:rPr lang="en-US" smtClean="0"/>
-              <a:t>7/6/2018</a:t>
-            </a:fld>
-            <a:endParaRPr lang="en-US"/>
-          </a:p>
-        </p:txBody>
-      </p:sp>
-      <p:sp>
-        <p:nvSpPr>
-          <p:cNvPr id="4" name="Slide Image Placeholder 3"/>
-          <p:cNvSpPr>
-            <a:spLocks noGrp="1" noRot="1" noChangeAspect="1"/>
-          </p:cNvSpPr>
-          <p:nvPr>
-            <p:ph type="sldImg" idx="2"/>
-          </p:nvPr>
-        </p:nvSpPr>
-        <p:spPr>
-          <a:xfrm>
-            <a:off x="1143000" y="685800"/>
-            <a:ext cx="4572000" cy="3429000"/>
-          </a:xfrm>
-          <a:prstGeom prst="rect">
-            <a:avLst/>
-          </a:prstGeom>
-          <a:noFill/>
-          <a:ln w="12700">
-            <a:solidFill>
-              <a:prstClr val="black"/>
-            </a:solidFill>
-          </a:ln>
-        </p:spPr>
-        <p:txBody>
-          <a:bodyPr vert="horz" lIns="91440" tIns="45720" rIns="91440" bIns="45720" rtlCol="0" anchor="ctr"/>
-          <a:lstStyle/>
-          <a:p>
-            <a:endParaRPr lang="en-US"/>
-          </a:p>
-        </p:txBody>
-      </p:sp>
-      <p:sp>
-        <p:nvSpPr>
-          <p:cNvPr id="5" name="Notes Placeholder 4"/>
-          <p:cNvSpPr>
-            <a:spLocks noGrp="1"/>
-          </p:cNvSpPr>
-          <p:nvPr>
-            <p:ph type="body" sz="quarter" idx="3"/>
-          </p:nvPr>
-        </p:nvSpPr>
-        <p:spPr>
-          <a:xfrm>
-            <a:off x="685800" y="4343400"/>
-            <a:ext cx="5486400" cy="4114800"/>
-          </a:xfrm>
-          <a:prstGeom prst="rect">
-            <a:avLst/>
-          </a:prstGeom>
-        </p:spPr>
-        <p:txBody>
-          <a:bodyPr vert="horz" lIns="91440" tIns="45720" rIns="91440" bIns="45720" rtlCol="0"/>
-          <a:lstStyle/>
-          <a:p>
-            <a:pPr lvl="0"/>
-            <a:r>
-              <a:rPr lang="en-US"/>
-              <a:t>Click to edit Master text styles</a:t>
-            </a:r>
-          </a:p>
-          <a:p>
-            <a:pPr lvl="1"/>
-            <a:r>
-              <a:rPr lang="en-US"/>
-              <a:t>Second level</a:t>
-            </a:r>
-          </a:p>
-          <a:p>
-            <a:pPr lvl="2"/>
-            <a:r>
-              <a:rPr lang="en-US"/>
-              <a:t>Third level</a:t>
-            </a:r>
-          </a:p>
-          <a:p>
-            <a:pPr lvl="3"/>
-            <a:r>
-              <a:rPr lang="en-US"/>
-              <a:t>Fourth level</a:t>
-            </a:r>
-          </a:p>
-          <a:p>
-            <a:pPr lvl="4"/>
-            <a:r>
-              <a:rPr lang="en-US"/>
-              <a:t>Fifth level</a:t>
-            </a:r>
-          </a:p>
-        </p:txBody>
-      </p:sp>
-      <p:sp>
-        <p:nvSpPr>
-          <p:cNvPr id="6" name="Footer Placeholder 5"/>
-          <p:cNvSpPr>
-            <a:spLocks noGrp="1"/>
-          </p:cNvSpPr>
-          <p:nvPr>
-            <p:ph type="ftr" sz="quarter" idx="4"/>
-          </p:nvPr>
-        </p:nvSpPr>
-        <p:spPr>
-          <a:xfrm>
-            <a:off x="0" y="8685213"/>
-            <a:ext cx="2971800" cy="457200"/>
-          </a:xfrm>
-          <a:prstGeom prst="rect">
-            <a:avLst/>
-          </a:prstGeom>
-        </p:spPr>
-        <p:txBody>
-          <a:bodyPr vert="horz" lIns="91440" tIns="45720" rIns="91440" bIns="45720" rtlCol="0" anchor="b"/>
-          <a:lstStyle>
-            <a:lvl1pPr algn="l">
-              <a:defRPr sz="1200"/>
-            </a:lvl1pPr>
-          </a:lstStyle>
-          <a:p>
-            <a:endParaRPr lang="en-US"/>
-          </a:p>
-        </p:txBody>
-      </p:sp>
-      <p:sp>
-        <p:nvSpPr>
-          <p:cNvPr id="7" name="Slide Number Placeholder 6"/>
-          <p:cNvSpPr>
-            <a:spLocks noGrp="1"/>
-          </p:cNvSpPr>
-          <p:nvPr>
-            <p:ph type="sldNum" sz="quarter" idx="5"/>
-          </p:nvPr>
-        </p:nvSpPr>
-        <p:spPr>
-          <a:xfrm>
-            <a:off x="3884613" y="8685213"/>
-            <a:ext cx="2971800" cy="457200"/>
-          </a:xfrm>
-          <a:prstGeom prst="rect">
-            <a:avLst/>
-          </a:prstGeom>
-        </p:spPr>
-        <p:txBody>
-          <a:bodyPr vert="horz" lIns="91440" tIns="45720" rIns="91440" bIns="45720" rtlCol="0" anchor="b"/>
-          <a:lstStyle>
-            <a:lvl1pPr algn="r">
-              <a:defRPr sz="1200"/>
-            </a:lvl1pPr>
-          </a:lstStyle>
-          <a:p>
-            <a:fld id="{5A7AB025-77E3-4BD1-A2FD-B3183DBA47A3}" type="slidenum">
-              <a:rPr lang="en-US" smtClean="0"/>
-              <a:t>‹#›</a:t>
-            </a:fld>
-            <a:endParaRPr lang="en-US"/>
-          </a:p>
-        </p:txBody>
-      </p:sp>
-    </p:spTree>
-    <p:extLst>
-      <p:ext uri="{BB962C8B-B14F-4D97-AF65-F5344CB8AC3E}">
-        <p14:creationId xmlns:p14="http://schemas.microsoft.com/office/powerpoint/2010/main" val="2023976206"/>
-      </p:ext>
-    </p:extLst>
-  </p:cSld>
-  <p:clrMap bg1="lt1" tx1="dk1" bg2="lt2" tx2="dk2" accent1="accent1" accent2="accent2" accent3="accent3" accent4="accent4" accent5="accent5" accent6="accent6" hlink="hlink" folHlink="folHlink"/>
-  <p:notesStyle>
-    <a:lvl1pPr marL="0" algn="l" defTabSz="914400" rtl="0" eaLnBrk="1" latinLnBrk="0" hangingPunct="1">
-      <a:defRPr sz="1200" kern="1200">
-        <a:solidFill>
-          <a:schemeClr val="tx1"/>
-        </a:solidFill>
-        <a:latin typeface="+mn-lt"/>
-        <a:ea typeface="+mn-ea"/>
-        <a:cs typeface="+mn-cs"/>
-      </a:defRPr>
-    </a:lvl1pPr>
-    <a:lvl2pPr marL="457200" algn="l" defTabSz="914400" rtl="0" eaLnBrk="1" latinLnBrk="0" hangingPunct="1">
-      <a:defRPr sz="1200" kern="1200">
-        <a:solidFill>
-          <a:schemeClr val="tx1"/>
-        </a:solidFill>
-        <a:latin typeface="+mn-lt"/>
-        <a:ea typeface="+mn-ea"/>
-        <a:cs typeface="+mn-cs"/>
-      </a:defRPr>
-    </a:lvl2pPr>
-    <a:lvl3pPr marL="914400" algn="l" defTabSz="914400" rtl="0" eaLnBrk="1" latinLnBrk="0" hangingPunct="1">
-      <a:defRPr sz="1200" kern="1200">
-        <a:solidFill>
-          <a:schemeClr val="tx1"/>
-        </a:solidFill>
-        <a:latin typeface="+mn-lt"/>
-        <a:ea typeface="+mn-ea"/>
-        <a:cs typeface="+mn-cs"/>
-      </a:defRPr>
-    </a:lvl3pPr>
-    <a:lvl4pPr marL="1371600" algn="l" defTabSz="914400" rtl="0" eaLnBrk="1" latinLnBrk="0" hangingPunct="1">
-      <a:defRPr sz="1200" kern="1200">
-        <a:solidFill>
-          <a:schemeClr val="tx1"/>
-        </a:solidFill>
-        <a:latin typeface="+mn-lt"/>
-        <a:ea typeface="+mn-ea"/>
-        <a:cs typeface="+mn-cs"/>
-      </a:defRPr>
-    </a:lvl4pPr>
-    <a:lvl5pPr marL="1828800" algn="l" defTabSz="914400" rtl="0" eaLnBrk="1" latinLnBrk="0" hangingPunct="1">
-      <a:defRPr sz="1200" kern="1200">
-        <a:solidFill>
-          <a:schemeClr val="tx1"/>
-        </a:solidFill>
-        <a:latin typeface="+mn-lt"/>
-        <a:ea typeface="+mn-ea"/>
-        <a:cs typeface="+mn-cs"/>
-      </a:defRPr>
-    </a:lvl5pPr>
-    <a:lvl6pPr marL="2286000" algn="l" defTabSz="914400" rtl="0" eaLnBrk="1" latinLnBrk="0" hangingPunct="1">
-      <a:defRPr sz="1200" kern="1200">
-        <a:solidFill>
-          <a:schemeClr val="tx1"/>
-        </a:solidFill>
-        <a:latin typeface="+mn-lt"/>
-        <a:ea typeface="+mn-ea"/>
-        <a:cs typeface="+mn-cs"/>
-      </a:defRPr>
-    </a:lvl6pPr>
-    <a:lvl7pPr marL="2743200" algn="l" defTabSz="914400" rtl="0" eaLnBrk="1" latinLnBrk="0" hangingPunct="1">
-      <a:defRPr sz="1200" kern="1200">
-        <a:solidFill>
-          <a:schemeClr val="tx1"/>
-        </a:solidFill>
-        <a:latin typeface="+mn-lt"/>
-        <a:ea typeface="+mn-ea"/>
-        <a:cs typeface="+mn-cs"/>
-      </a:defRPr>
-    </a:lvl7pPr>
-    <a:lvl8pPr marL="3200400" algn="l" defTabSz="914400" rtl="0" eaLnBrk="1" latinLnBrk="0" hangingPunct="1">
-      <a:defRPr sz="1200" kern="1200">
-        <a:solidFill>
-          <a:schemeClr val="tx1"/>
-        </a:solidFill>
-        <a:latin typeface="+mn-lt"/>
-        <a:ea typeface="+mn-ea"/>
-        <a:cs typeface="+mn-cs"/>
-      </a:defRPr>
-    </a:lvl8pPr>
-    <a:lvl9pPr marL="3657600" algn="l" defTabSz="914400" rtl="0" eaLnBrk="1" latinLnBrk="0" hangingPunct="1">
-      <a:defRPr sz="1200" kern="1200">
-        <a:solidFill>
-          <a:schemeClr val="tx1"/>
-        </a:solidFill>
-        <a:latin typeface="+mn-lt"/>
-        <a:ea typeface="+mn-ea"/>
-        <a:cs typeface="+mn-cs"/>
-      </a:defRPr>
-    </a:lvl9pPr>
-  </p:notesStyle>
-</p:notesMaster>
 </file>
 
 <file path=ppt/slideLayouts/slideLayout1.xml><?xml version="1.0" encoding="utf-8"?>
@@ -498,7 +131,13 @@
       </p:grpSpPr>
       <p:sp>
         <p:nvSpPr>
-          <p:cNvPr id="2" name="Title 1"/>
+          <p:cNvPr id="2" name="Title 1">
+            <a:extLst>
+              <a:ext uri="{FF2B5EF4-FFF2-40B4-BE49-F238E27FC236}">
+                <a16:creationId xmlns:a16="http://schemas.microsoft.com/office/drawing/2014/main" id="{16057FAC-71C7-2047-A03D-FEDE7BA5CE82}"/>
+              </a:ext>
+            </a:extLst>
+          </p:cNvPr>
           <p:cNvSpPr>
             <a:spLocks noGrp="1"/>
           </p:cNvSpPr>
@@ -508,13 +147,17 @@
         </p:nvSpPr>
         <p:spPr>
           <a:xfrm>
-            <a:off x="685800" y="2130425"/>
-            <a:ext cx="7772400" cy="1470025"/>
-          </a:xfrm>
-        </p:spPr>
-        <p:txBody>
-          <a:bodyPr/>
-          <a:lstStyle/>
+            <a:off x="1524000" y="1122363"/>
+            <a:ext cx="9144000" cy="2387600"/>
+          </a:xfrm>
+        </p:spPr>
+        <p:txBody>
+          <a:bodyPr anchor="b"/>
+          <a:lstStyle>
+            <a:lvl1pPr algn="ctr">
+              <a:defRPr sz="6000"/>
+            </a:lvl1pPr>
+          </a:lstStyle>
           <a:p>
             <a:r>
               <a:rPr lang="en-US"/>
@@ -525,7 +168,13 @@
       </p:sp>
       <p:sp>
         <p:nvSpPr>
-          <p:cNvPr id="3" name="Subtitle 2"/>
+          <p:cNvPr id="3" name="Subtitle 2">
+            <a:extLst>
+              <a:ext uri="{FF2B5EF4-FFF2-40B4-BE49-F238E27FC236}">
+                <a16:creationId xmlns:a16="http://schemas.microsoft.com/office/drawing/2014/main" id="{D6053B53-5AB7-0A48-8272-872E0F362BB9}"/>
+              </a:ext>
+            </a:extLst>
+          </p:cNvPr>
           <p:cNvSpPr>
             <a:spLocks noGrp="1"/>
           </p:cNvSpPr>
@@ -535,8 +184,8 @@
         </p:nvSpPr>
         <p:spPr>
           <a:xfrm>
-            <a:off x="1371600" y="3886200"/>
-            <a:ext cx="6400800" cy="1752600"/>
+            <a:off x="1524000" y="3602038"/>
+            <a:ext cx="9144000" cy="1655762"/>
           </a:xfrm>
         </p:spPr>
         <p:txBody>
@@ -544,93 +193,39 @@
           <a:lstStyle>
             <a:lvl1pPr marL="0" indent="0" algn="ctr">
               <a:buNone/>
-              <a:defRPr>
-                <a:solidFill>
-                  <a:schemeClr val="tx1">
-                    <a:tint val="75000"/>
-                  </a:schemeClr>
-                </a:solidFill>
-              </a:defRPr>
+              <a:defRPr sz="2400"/>
             </a:lvl1pPr>
             <a:lvl2pPr marL="457200" indent="0" algn="ctr">
               <a:buNone/>
-              <a:defRPr>
-                <a:solidFill>
-                  <a:schemeClr val="tx1">
-                    <a:tint val="75000"/>
-                  </a:schemeClr>
-                </a:solidFill>
-              </a:defRPr>
+              <a:defRPr sz="2000"/>
             </a:lvl2pPr>
             <a:lvl3pPr marL="914400" indent="0" algn="ctr">
               <a:buNone/>
-              <a:defRPr>
-                <a:solidFill>
-                  <a:schemeClr val="tx1">
-                    <a:tint val="75000"/>
-                  </a:schemeClr>
-                </a:solidFill>
-              </a:defRPr>
+              <a:defRPr sz="1800"/>
             </a:lvl3pPr>
             <a:lvl4pPr marL="1371600" indent="0" algn="ctr">
               <a:buNone/>
-              <a:defRPr>
-                <a:solidFill>
-                  <a:schemeClr val="tx1">
-                    <a:tint val="75000"/>
-                  </a:schemeClr>
-                </a:solidFill>
-              </a:defRPr>
+              <a:defRPr sz="1600"/>
             </a:lvl4pPr>
             <a:lvl5pPr marL="1828800" indent="0" algn="ctr">
               <a:buNone/>
-              <a:defRPr>
-                <a:solidFill>
-                  <a:schemeClr val="tx1">
-                    <a:tint val="75000"/>
-                  </a:schemeClr>
-                </a:solidFill>
-              </a:defRPr>
+              <a:defRPr sz="1600"/>
             </a:lvl5pPr>
             <a:lvl6pPr marL="2286000" indent="0" algn="ctr">
               <a:buNone/>
-              <a:defRPr>
-                <a:solidFill>
-                  <a:schemeClr val="tx1">
-                    <a:tint val="75000"/>
-                  </a:schemeClr>
-                </a:solidFill>
-              </a:defRPr>
+              <a:defRPr sz="1600"/>
             </a:lvl6pPr>
             <a:lvl7pPr marL="2743200" indent="0" algn="ctr">
               <a:buNone/>
-              <a:defRPr>
-                <a:solidFill>
-                  <a:schemeClr val="tx1">
-                    <a:tint val="75000"/>
-                  </a:schemeClr>
-                </a:solidFill>
-              </a:defRPr>
+              <a:defRPr sz="1600"/>
             </a:lvl7pPr>
             <a:lvl8pPr marL="3200400" indent="0" algn="ctr">
               <a:buNone/>
-              <a:defRPr>
-                <a:solidFill>
-                  <a:schemeClr val="tx1">
-                    <a:tint val="75000"/>
-                  </a:schemeClr>
-                </a:solidFill>
-              </a:defRPr>
+              <a:defRPr sz="1600"/>
             </a:lvl8pPr>
             <a:lvl9pPr marL="3657600" indent="0" algn="ctr">
               <a:buNone/>
-              <a:defRPr>
-                <a:solidFill>
-                  <a:schemeClr val="tx1">
-                    <a:tint val="75000"/>
-                  </a:schemeClr>
-                </a:solidFill>
-              </a:defRPr>
+              <a:defRPr sz="1600"/>
             </a:lvl9pPr>
           </a:lstStyle>
           <a:p>
@@ -643,7 +238,13 @@
       </p:sp>
       <p:sp>
         <p:nvSpPr>
-          <p:cNvPr id="4" name="Date Placeholder 3"/>
+          <p:cNvPr id="4" name="Date Placeholder 3">
+            <a:extLst>
+              <a:ext uri="{FF2B5EF4-FFF2-40B4-BE49-F238E27FC236}">
+                <a16:creationId xmlns:a16="http://schemas.microsoft.com/office/drawing/2014/main" id="{26C1F9BB-0CA2-F246-B0E5-E38F4E015A52}"/>
+              </a:ext>
+            </a:extLst>
+          </p:cNvPr>
           <p:cNvSpPr>
             <a:spLocks noGrp="1"/>
           </p:cNvSpPr>
@@ -656,9 +257,9 @@
           <a:bodyPr/>
           <a:lstStyle/>
           <a:p>
-            <a:fld id="{78C97017-6FC3-485B-9764-EAC9E56C1D49}" type="datetimeFigureOut">
+            <a:fld id="{A995DD06-FA5B-3C4A-9EC2-FFA80E37B40D}" type="datetimeFigureOut">
               <a:rPr lang="en-US" smtClean="0"/>
-              <a:t>7/6/2018</a:t>
+              <a:t>4/14/2019</a:t>
             </a:fld>
             <a:endParaRPr lang="en-US"/>
           </a:p>
@@ -666,7 +267,13 @@
       </p:sp>
       <p:sp>
         <p:nvSpPr>
-          <p:cNvPr id="5" name="Footer Placeholder 4"/>
+          <p:cNvPr id="5" name="Footer Placeholder 4">
+            <a:extLst>
+              <a:ext uri="{FF2B5EF4-FFF2-40B4-BE49-F238E27FC236}">
+                <a16:creationId xmlns:a16="http://schemas.microsoft.com/office/drawing/2014/main" id="{156B3FA3-DC41-0F41-B1A0-D2A4F0CA99CB}"/>
+              </a:ext>
+            </a:extLst>
+          </p:cNvPr>
           <p:cNvSpPr>
             <a:spLocks noGrp="1"/>
           </p:cNvSpPr>
@@ -685,7 +292,13 @@
       </p:sp>
       <p:sp>
         <p:nvSpPr>
-          <p:cNvPr id="6" name="Slide Number Placeholder 5"/>
+          <p:cNvPr id="6" name="Slide Number Placeholder 5">
+            <a:extLst>
+              <a:ext uri="{FF2B5EF4-FFF2-40B4-BE49-F238E27FC236}">
+                <a16:creationId xmlns:a16="http://schemas.microsoft.com/office/drawing/2014/main" id="{459C5B3A-4164-294E-B40D-D348FFEF1BBB}"/>
+              </a:ext>
+            </a:extLst>
+          </p:cNvPr>
           <p:cNvSpPr>
             <a:spLocks noGrp="1"/>
           </p:cNvSpPr>
@@ -698,7 +311,7 @@
           <a:bodyPr/>
           <a:lstStyle/>
           <a:p>
-            <a:fld id="{FB34683C-161B-4520-BF45-B179E228CF2A}" type="slidenum">
+            <a:fld id="{8F54CF7F-ED8D-EB4D-A513-26559C6519CD}" type="slidenum">
               <a:rPr lang="en-US" smtClean="0"/>
               <a:t>‹#›</a:t>
             </a:fld>
@@ -709,7 +322,7 @@
     </p:spTree>
     <p:extLst>
       <p:ext uri="{BB962C8B-B14F-4D97-AF65-F5344CB8AC3E}">
-        <p14:creationId xmlns:p14="http://schemas.microsoft.com/office/powerpoint/2010/main" val="3246593157"/>
+        <p14:creationId xmlns:p14="http://schemas.microsoft.com/office/powerpoint/2010/main" val="2951610645"/>
       </p:ext>
     </p:extLst>
   </p:cSld>
@@ -738,7 +351,13 @@
       </p:grpSpPr>
       <p:sp>
         <p:nvSpPr>
-          <p:cNvPr id="2" name="Title 1"/>
+          <p:cNvPr id="2" name="Title 1">
+            <a:extLst>
+              <a:ext uri="{FF2B5EF4-FFF2-40B4-BE49-F238E27FC236}">
+                <a16:creationId xmlns:a16="http://schemas.microsoft.com/office/drawing/2014/main" id="{7906BD50-4063-9C4B-A67F-CAA9DF440C1B}"/>
+              </a:ext>
+            </a:extLst>
+          </p:cNvPr>
           <p:cNvSpPr>
             <a:spLocks noGrp="1"/>
           </p:cNvSpPr>
@@ -760,7 +379,13 @@
       </p:sp>
       <p:sp>
         <p:nvSpPr>
-          <p:cNvPr id="3" name="Vertical Text Placeholder 2"/>
+          <p:cNvPr id="3" name="Vertical Text Placeholder 2">
+            <a:extLst>
+              <a:ext uri="{FF2B5EF4-FFF2-40B4-BE49-F238E27FC236}">
+                <a16:creationId xmlns:a16="http://schemas.microsoft.com/office/drawing/2014/main" id="{3308ADD2-338C-3B4D-886D-633665FA64C4}"/>
+              </a:ext>
+            </a:extLst>
+          </p:cNvPr>
           <p:cNvSpPr>
             <a:spLocks noGrp="1"/>
           </p:cNvSpPr>
@@ -776,7 +401,7 @@
             <a:pPr lvl="0"/>
             <a:r>
               <a:rPr lang="en-US"/>
-              <a:t>Click to edit Master text styles</a:t>
+              <a:t>Edit Master text styles</a:t>
             </a:r>
           </a:p>
           <a:p>
@@ -811,7 +436,13 @@
       </p:sp>
       <p:sp>
         <p:nvSpPr>
-          <p:cNvPr id="4" name="Date Placeholder 3"/>
+          <p:cNvPr id="4" name="Date Placeholder 3">
+            <a:extLst>
+              <a:ext uri="{FF2B5EF4-FFF2-40B4-BE49-F238E27FC236}">
+                <a16:creationId xmlns:a16="http://schemas.microsoft.com/office/drawing/2014/main" id="{2E663059-904A-C245-88F6-A770F66E5598}"/>
+              </a:ext>
+            </a:extLst>
+          </p:cNvPr>
           <p:cNvSpPr>
             <a:spLocks noGrp="1"/>
           </p:cNvSpPr>
@@ -824,9 +455,9 @@
           <a:bodyPr/>
           <a:lstStyle/>
           <a:p>
-            <a:fld id="{78C97017-6FC3-485B-9764-EAC9E56C1D49}" type="datetimeFigureOut">
+            <a:fld id="{A995DD06-FA5B-3C4A-9EC2-FFA80E37B40D}" type="datetimeFigureOut">
               <a:rPr lang="en-US" smtClean="0"/>
-              <a:t>7/6/2018</a:t>
+              <a:t>4/14/2019</a:t>
             </a:fld>
             <a:endParaRPr lang="en-US"/>
           </a:p>
@@ -834,7 +465,13 @@
       </p:sp>
       <p:sp>
         <p:nvSpPr>
-          <p:cNvPr id="5" name="Footer Placeholder 4"/>
+          <p:cNvPr id="5" name="Footer Placeholder 4">
+            <a:extLst>
+              <a:ext uri="{FF2B5EF4-FFF2-40B4-BE49-F238E27FC236}">
+                <a16:creationId xmlns:a16="http://schemas.microsoft.com/office/drawing/2014/main" id="{19EADA69-3D4F-8C48-B860-7ED7BC2E621E}"/>
+              </a:ext>
+            </a:extLst>
+          </p:cNvPr>
           <p:cNvSpPr>
             <a:spLocks noGrp="1"/>
           </p:cNvSpPr>
@@ -853,7 +490,13 @@
       </p:sp>
       <p:sp>
         <p:nvSpPr>
-          <p:cNvPr id="6" name="Slide Number Placeholder 5"/>
+          <p:cNvPr id="6" name="Slide Number Placeholder 5">
+            <a:extLst>
+              <a:ext uri="{FF2B5EF4-FFF2-40B4-BE49-F238E27FC236}">
+                <a16:creationId xmlns:a16="http://schemas.microsoft.com/office/drawing/2014/main" id="{23C07700-AFFE-1C4C-A670-65CB9C4DA9A7}"/>
+              </a:ext>
+            </a:extLst>
+          </p:cNvPr>
           <p:cNvSpPr>
             <a:spLocks noGrp="1"/>
           </p:cNvSpPr>
@@ -866,7 +509,7 @@
           <a:bodyPr/>
           <a:lstStyle/>
           <a:p>
-            <a:fld id="{FB34683C-161B-4520-BF45-B179E228CF2A}" type="slidenum">
+            <a:fld id="{8F54CF7F-ED8D-EB4D-A513-26559C6519CD}" type="slidenum">
               <a:rPr lang="en-US" smtClean="0"/>
               <a:t>‹#›</a:t>
             </a:fld>
@@ -877,7 +520,7 @@
     </p:spTree>
     <p:extLst>
       <p:ext uri="{BB962C8B-B14F-4D97-AF65-F5344CB8AC3E}">
-        <p14:creationId xmlns:p14="http://schemas.microsoft.com/office/powerpoint/2010/main" val="2707025021"/>
+        <p14:creationId xmlns:p14="http://schemas.microsoft.com/office/powerpoint/2010/main" val="2631742221"/>
       </p:ext>
     </p:extLst>
   </p:cSld>
@@ -906,7 +549,13 @@
       </p:grpSpPr>
       <p:sp>
         <p:nvSpPr>
-          <p:cNvPr id="2" name="Vertical Title 1"/>
+          <p:cNvPr id="2" name="Vertical Title 1">
+            <a:extLst>
+              <a:ext uri="{FF2B5EF4-FFF2-40B4-BE49-F238E27FC236}">
+                <a16:creationId xmlns:a16="http://schemas.microsoft.com/office/drawing/2014/main" id="{547F8C33-85F1-FD49-8152-84F9C69D3383}"/>
+              </a:ext>
+            </a:extLst>
+          </p:cNvPr>
           <p:cNvSpPr>
             <a:spLocks noGrp="1"/>
           </p:cNvSpPr>
@@ -916,8 +565,8 @@
         </p:nvSpPr>
         <p:spPr>
           <a:xfrm>
-            <a:off x="6629400" y="274638"/>
-            <a:ext cx="2057400" cy="5851525"/>
+            <a:off x="8724900" y="365125"/>
+            <a:ext cx="2628900" cy="5811838"/>
           </a:xfrm>
         </p:spPr>
         <p:txBody>
@@ -933,7 +582,13 @@
       </p:sp>
       <p:sp>
         <p:nvSpPr>
-          <p:cNvPr id="3" name="Vertical Text Placeholder 2"/>
+          <p:cNvPr id="3" name="Vertical Text Placeholder 2">
+            <a:extLst>
+              <a:ext uri="{FF2B5EF4-FFF2-40B4-BE49-F238E27FC236}">
+                <a16:creationId xmlns:a16="http://schemas.microsoft.com/office/drawing/2014/main" id="{A352CBC2-4505-124A-9F5F-E423F951797B}"/>
+              </a:ext>
+            </a:extLst>
+          </p:cNvPr>
           <p:cNvSpPr>
             <a:spLocks noGrp="1"/>
           </p:cNvSpPr>
@@ -943,8 +598,8 @@
         </p:nvSpPr>
         <p:spPr>
           <a:xfrm>
-            <a:off x="457200" y="274638"/>
-            <a:ext cx="6019800" cy="5851525"/>
+            <a:off x="838200" y="365125"/>
+            <a:ext cx="7734300" cy="5811838"/>
           </a:xfrm>
         </p:spPr>
         <p:txBody>
@@ -954,7 +609,7 @@
             <a:pPr lvl="0"/>
             <a:r>
               <a:rPr lang="en-US"/>
-              <a:t>Click to edit Master text styles</a:t>
+              <a:t>Edit Master text styles</a:t>
             </a:r>
           </a:p>
           <a:p>
@@ -989,7 +644,13 @@
       </p:sp>
       <p:sp>
         <p:nvSpPr>
-          <p:cNvPr id="4" name="Date Placeholder 3"/>
+          <p:cNvPr id="4" name="Date Placeholder 3">
+            <a:extLst>
+              <a:ext uri="{FF2B5EF4-FFF2-40B4-BE49-F238E27FC236}">
+                <a16:creationId xmlns:a16="http://schemas.microsoft.com/office/drawing/2014/main" id="{05476060-B0D5-9749-8575-278000EA13FE}"/>
+              </a:ext>
+            </a:extLst>
+          </p:cNvPr>
           <p:cNvSpPr>
             <a:spLocks noGrp="1"/>
           </p:cNvSpPr>
@@ -1002,9 +663,9 @@
           <a:bodyPr/>
           <a:lstStyle/>
           <a:p>
-            <a:fld id="{78C97017-6FC3-485B-9764-EAC9E56C1D49}" type="datetimeFigureOut">
+            <a:fld id="{A995DD06-FA5B-3C4A-9EC2-FFA80E37B40D}" type="datetimeFigureOut">
               <a:rPr lang="en-US" smtClean="0"/>
-              <a:t>7/6/2018</a:t>
+              <a:t>4/14/2019</a:t>
             </a:fld>
             <a:endParaRPr lang="en-US"/>
           </a:p>
@@ -1012,7 +673,13 @@
       </p:sp>
       <p:sp>
         <p:nvSpPr>
-          <p:cNvPr id="5" name="Footer Placeholder 4"/>
+          <p:cNvPr id="5" name="Footer Placeholder 4">
+            <a:extLst>
+              <a:ext uri="{FF2B5EF4-FFF2-40B4-BE49-F238E27FC236}">
+                <a16:creationId xmlns:a16="http://schemas.microsoft.com/office/drawing/2014/main" id="{11A9DEDA-5502-5346-A9F4-F2340340AD67}"/>
+              </a:ext>
+            </a:extLst>
+          </p:cNvPr>
           <p:cNvSpPr>
             <a:spLocks noGrp="1"/>
           </p:cNvSpPr>
@@ -1031,7 +698,13 @@
       </p:sp>
       <p:sp>
         <p:nvSpPr>
-          <p:cNvPr id="6" name="Slide Number Placeholder 5"/>
+          <p:cNvPr id="6" name="Slide Number Placeholder 5">
+            <a:extLst>
+              <a:ext uri="{FF2B5EF4-FFF2-40B4-BE49-F238E27FC236}">
+                <a16:creationId xmlns:a16="http://schemas.microsoft.com/office/drawing/2014/main" id="{B29DD6AB-39F2-4D4B-89A9-3EAB085CE179}"/>
+              </a:ext>
+            </a:extLst>
+          </p:cNvPr>
           <p:cNvSpPr>
             <a:spLocks noGrp="1"/>
           </p:cNvSpPr>
@@ -1044,7 +717,7 @@
           <a:bodyPr/>
           <a:lstStyle/>
           <a:p>
-            <a:fld id="{FB34683C-161B-4520-BF45-B179E228CF2A}" type="slidenum">
+            <a:fld id="{8F54CF7F-ED8D-EB4D-A513-26559C6519CD}" type="slidenum">
               <a:rPr lang="en-US" smtClean="0"/>
               <a:t>‹#›</a:t>
             </a:fld>
@@ -1055,7 +728,7 @@
     </p:spTree>
     <p:extLst>
       <p:ext uri="{BB962C8B-B14F-4D97-AF65-F5344CB8AC3E}">
-        <p14:creationId xmlns:p14="http://schemas.microsoft.com/office/powerpoint/2010/main" val="568378986"/>
+        <p14:creationId xmlns:p14="http://schemas.microsoft.com/office/powerpoint/2010/main" val="1974621815"/>
       </p:ext>
     </p:extLst>
   </p:cSld>
@@ -1084,7 +757,13 @@
       </p:grpSpPr>
       <p:sp>
         <p:nvSpPr>
-          <p:cNvPr id="2" name="Title 1"/>
+          <p:cNvPr id="2" name="Title 1">
+            <a:extLst>
+              <a:ext uri="{FF2B5EF4-FFF2-40B4-BE49-F238E27FC236}">
+                <a16:creationId xmlns:a16="http://schemas.microsoft.com/office/drawing/2014/main" id="{957C05F9-6904-E246-A33D-8D8410BE6E85}"/>
+              </a:ext>
+            </a:extLst>
+          </p:cNvPr>
           <p:cNvSpPr>
             <a:spLocks noGrp="1"/>
           </p:cNvSpPr>
@@ -1106,7 +785,13 @@
       </p:sp>
       <p:sp>
         <p:nvSpPr>
-          <p:cNvPr id="3" name="Content Placeholder 2"/>
+          <p:cNvPr id="3" name="Content Placeholder 2">
+            <a:extLst>
+              <a:ext uri="{FF2B5EF4-FFF2-40B4-BE49-F238E27FC236}">
+                <a16:creationId xmlns:a16="http://schemas.microsoft.com/office/drawing/2014/main" id="{5812C1E0-4D88-D34F-896C-549079F06477}"/>
+              </a:ext>
+            </a:extLst>
+          </p:cNvPr>
           <p:cNvSpPr>
             <a:spLocks noGrp="1"/>
           </p:cNvSpPr>
@@ -1122,7 +807,7 @@
             <a:pPr lvl="0"/>
             <a:r>
               <a:rPr lang="en-US"/>
-              <a:t>Click to edit Master text styles</a:t>
+              <a:t>Edit Master text styles</a:t>
             </a:r>
           </a:p>
           <a:p>
@@ -1157,7 +842,13 @@
       </p:sp>
       <p:sp>
         <p:nvSpPr>
-          <p:cNvPr id="4" name="Date Placeholder 3"/>
+          <p:cNvPr id="4" name="Date Placeholder 3">
+            <a:extLst>
+              <a:ext uri="{FF2B5EF4-FFF2-40B4-BE49-F238E27FC236}">
+                <a16:creationId xmlns:a16="http://schemas.microsoft.com/office/drawing/2014/main" id="{EFFC9206-6465-1C45-A9E4-BFBB28A5CE16}"/>
+              </a:ext>
+            </a:extLst>
+          </p:cNvPr>
           <p:cNvSpPr>
             <a:spLocks noGrp="1"/>
           </p:cNvSpPr>
@@ -1170,9 +861,9 @@
           <a:bodyPr/>
           <a:lstStyle/>
           <a:p>
-            <a:fld id="{78C97017-6FC3-485B-9764-EAC9E56C1D49}" type="datetimeFigureOut">
+            <a:fld id="{A995DD06-FA5B-3C4A-9EC2-FFA80E37B40D}" type="datetimeFigureOut">
               <a:rPr lang="en-US" smtClean="0"/>
-              <a:t>7/6/2018</a:t>
+              <a:t>4/14/2019</a:t>
             </a:fld>
             <a:endParaRPr lang="en-US"/>
           </a:p>
@@ -1180,7 +871,13 @@
       </p:sp>
       <p:sp>
         <p:nvSpPr>
-          <p:cNvPr id="5" name="Footer Placeholder 4"/>
+          <p:cNvPr id="5" name="Footer Placeholder 4">
+            <a:extLst>
+              <a:ext uri="{FF2B5EF4-FFF2-40B4-BE49-F238E27FC236}">
+                <a16:creationId xmlns:a16="http://schemas.microsoft.com/office/drawing/2014/main" id="{6DCE5699-4E9F-384F-9604-D34AC784BFCD}"/>
+              </a:ext>
+            </a:extLst>
+          </p:cNvPr>
           <p:cNvSpPr>
             <a:spLocks noGrp="1"/>
           </p:cNvSpPr>
@@ -1199,7 +896,13 @@
       </p:sp>
       <p:sp>
         <p:nvSpPr>
-          <p:cNvPr id="6" name="Slide Number Placeholder 5"/>
+          <p:cNvPr id="6" name="Slide Number Placeholder 5">
+            <a:extLst>
+              <a:ext uri="{FF2B5EF4-FFF2-40B4-BE49-F238E27FC236}">
+                <a16:creationId xmlns:a16="http://schemas.microsoft.com/office/drawing/2014/main" id="{201D21A3-0C51-D84E-BDC3-8EB72E3EDFDD}"/>
+              </a:ext>
+            </a:extLst>
+          </p:cNvPr>
           <p:cNvSpPr>
             <a:spLocks noGrp="1"/>
           </p:cNvSpPr>
@@ -1212,7 +915,7 @@
           <a:bodyPr/>
           <a:lstStyle/>
           <a:p>
-            <a:fld id="{FB34683C-161B-4520-BF45-B179E228CF2A}" type="slidenum">
+            <a:fld id="{8F54CF7F-ED8D-EB4D-A513-26559C6519CD}" type="slidenum">
               <a:rPr lang="en-US" smtClean="0"/>
               <a:t>‹#›</a:t>
             </a:fld>
@@ -1223,7 +926,7 @@
     </p:spTree>
     <p:extLst>
       <p:ext uri="{BB962C8B-B14F-4D97-AF65-F5344CB8AC3E}">
-        <p14:creationId xmlns:p14="http://schemas.microsoft.com/office/powerpoint/2010/main" val="266658052"/>
+        <p14:creationId xmlns:p14="http://schemas.microsoft.com/office/powerpoint/2010/main" val="3974828724"/>
       </p:ext>
     </p:extLst>
   </p:cSld>
@@ -1252,7 +955,13 @@
       </p:grpSpPr>
       <p:sp>
         <p:nvSpPr>
-          <p:cNvPr id="2" name="Title 1"/>
+          <p:cNvPr id="2" name="Title 1">
+            <a:extLst>
+              <a:ext uri="{FF2B5EF4-FFF2-40B4-BE49-F238E27FC236}">
+                <a16:creationId xmlns:a16="http://schemas.microsoft.com/office/drawing/2014/main" id="{76D9AE15-36F7-3C42-A084-E9ADEA170461}"/>
+              </a:ext>
+            </a:extLst>
+          </p:cNvPr>
           <p:cNvSpPr>
             <a:spLocks noGrp="1"/>
           </p:cNvSpPr>
@@ -1262,15 +971,15 @@
         </p:nvSpPr>
         <p:spPr>
           <a:xfrm>
-            <a:off x="722313" y="4406900"/>
-            <a:ext cx="7772400" cy="1362075"/>
-          </a:xfrm>
-        </p:spPr>
-        <p:txBody>
-          <a:bodyPr anchor="t"/>
+            <a:off x="831850" y="1709738"/>
+            <a:ext cx="10515600" cy="2852737"/>
+          </a:xfrm>
+        </p:spPr>
+        <p:txBody>
+          <a:bodyPr anchor="b"/>
           <a:lstStyle>
-            <a:lvl1pPr algn="l">
-              <a:defRPr sz="4000" b="1" cap="all"/>
+            <a:lvl1pPr>
+              <a:defRPr sz="6000"/>
             </a:lvl1pPr>
           </a:lstStyle>
           <a:p>
@@ -1283,7 +992,13 @@
       </p:sp>
       <p:sp>
         <p:nvSpPr>
-          <p:cNvPr id="3" name="Text Placeholder 2"/>
+          <p:cNvPr id="3" name="Text Placeholder 2">
+            <a:extLst>
+              <a:ext uri="{FF2B5EF4-FFF2-40B4-BE49-F238E27FC236}">
+                <a16:creationId xmlns:a16="http://schemas.microsoft.com/office/drawing/2014/main" id="{FCC988A4-65A4-3C43-8020-3BC536BFD9D3}"/>
+              </a:ext>
+            </a:extLst>
+          </p:cNvPr>
           <p:cNvSpPr>
             <a:spLocks noGrp="1"/>
           </p:cNvSpPr>
@@ -1293,16 +1008,16 @@
         </p:nvSpPr>
         <p:spPr>
           <a:xfrm>
-            <a:off x="722313" y="2906713"/>
-            <a:ext cx="7772400" cy="1500187"/>
-          </a:xfrm>
-        </p:spPr>
-        <p:txBody>
-          <a:bodyPr anchor="b"/>
+            <a:off x="831850" y="4589463"/>
+            <a:ext cx="10515600" cy="1500187"/>
+          </a:xfrm>
+        </p:spPr>
+        <p:txBody>
+          <a:bodyPr/>
           <a:lstStyle>
             <a:lvl1pPr marL="0" indent="0">
               <a:buNone/>
-              <a:defRPr sz="2000">
+              <a:defRPr sz="2400">
                 <a:solidFill>
                   <a:schemeClr val="tx1">
                     <a:tint val="75000"/>
@@ -1312,7 +1027,7 @@
             </a:lvl1pPr>
             <a:lvl2pPr marL="457200" indent="0">
               <a:buNone/>
-              <a:defRPr sz="1800">
+              <a:defRPr sz="2000">
                 <a:solidFill>
                   <a:schemeClr val="tx1">
                     <a:tint val="75000"/>
@@ -1322,7 +1037,7 @@
             </a:lvl2pPr>
             <a:lvl3pPr marL="914400" indent="0">
               <a:buNone/>
-              <a:defRPr sz="1600">
+              <a:defRPr sz="1800">
                 <a:solidFill>
                   <a:schemeClr val="tx1">
                     <a:tint val="75000"/>
@@ -1332,7 +1047,7 @@
             </a:lvl3pPr>
             <a:lvl4pPr marL="1371600" indent="0">
               <a:buNone/>
-              <a:defRPr sz="1400">
+              <a:defRPr sz="1600">
                 <a:solidFill>
                   <a:schemeClr val="tx1">
                     <a:tint val="75000"/>
@@ -1342,7 +1057,7 @@
             </a:lvl4pPr>
             <a:lvl5pPr marL="1828800" indent="0">
               <a:buNone/>
-              <a:defRPr sz="1400">
+              <a:defRPr sz="1600">
                 <a:solidFill>
                   <a:schemeClr val="tx1">
                     <a:tint val="75000"/>
@@ -1352,7 +1067,7 @@
             </a:lvl5pPr>
             <a:lvl6pPr marL="2286000" indent="0">
               <a:buNone/>
-              <a:defRPr sz="1400">
+              <a:defRPr sz="1600">
                 <a:solidFill>
                   <a:schemeClr val="tx1">
                     <a:tint val="75000"/>
@@ -1362,7 +1077,7 @@
             </a:lvl6pPr>
             <a:lvl7pPr marL="2743200" indent="0">
               <a:buNone/>
-              <a:defRPr sz="1400">
+              <a:defRPr sz="1600">
                 <a:solidFill>
                   <a:schemeClr val="tx1">
                     <a:tint val="75000"/>
@@ -1372,7 +1087,7 @@
             </a:lvl7pPr>
             <a:lvl8pPr marL="3200400" indent="0">
               <a:buNone/>
-              <a:defRPr sz="1400">
+              <a:defRPr sz="1600">
                 <a:solidFill>
                   <a:schemeClr val="tx1">
                     <a:tint val="75000"/>
@@ -1382,7 +1097,7 @@
             </a:lvl8pPr>
             <a:lvl9pPr marL="3657600" indent="0">
               <a:buNone/>
-              <a:defRPr sz="1400">
+              <a:defRPr sz="1600">
                 <a:solidFill>
                   <a:schemeClr val="tx1">
                     <a:tint val="75000"/>
@@ -1395,14 +1110,20 @@
             <a:pPr lvl="0"/>
             <a:r>
               <a:rPr lang="en-US"/>
-              <a:t>Click to edit Master text styles</a:t>
-            </a:r>
-          </a:p>
-        </p:txBody>
-      </p:sp>
-      <p:sp>
-        <p:nvSpPr>
-          <p:cNvPr id="4" name="Date Placeholder 3"/>
+              <a:t>Edit Master text styles</a:t>
+            </a:r>
+          </a:p>
+        </p:txBody>
+      </p:sp>
+      <p:sp>
+        <p:nvSpPr>
+          <p:cNvPr id="4" name="Date Placeholder 3">
+            <a:extLst>
+              <a:ext uri="{FF2B5EF4-FFF2-40B4-BE49-F238E27FC236}">
+                <a16:creationId xmlns:a16="http://schemas.microsoft.com/office/drawing/2014/main" id="{C8631DE6-1555-C949-938B-E1244B44690A}"/>
+              </a:ext>
+            </a:extLst>
+          </p:cNvPr>
           <p:cNvSpPr>
             <a:spLocks noGrp="1"/>
           </p:cNvSpPr>
@@ -1415,9 +1136,9 @@
           <a:bodyPr/>
           <a:lstStyle/>
           <a:p>
-            <a:fld id="{78C97017-6FC3-485B-9764-EAC9E56C1D49}" type="datetimeFigureOut">
+            <a:fld id="{A995DD06-FA5B-3C4A-9EC2-FFA80E37B40D}" type="datetimeFigureOut">
               <a:rPr lang="en-US" smtClean="0"/>
-              <a:t>7/6/2018</a:t>
+              <a:t>4/14/2019</a:t>
             </a:fld>
             <a:endParaRPr lang="en-US"/>
           </a:p>
@@ -1425,7 +1146,13 @@
       </p:sp>
       <p:sp>
         <p:nvSpPr>
-          <p:cNvPr id="5" name="Footer Placeholder 4"/>
+          <p:cNvPr id="5" name="Footer Placeholder 4">
+            <a:extLst>
+              <a:ext uri="{FF2B5EF4-FFF2-40B4-BE49-F238E27FC236}">
+                <a16:creationId xmlns:a16="http://schemas.microsoft.com/office/drawing/2014/main" id="{703C659F-7005-2B45-8B7B-0E37513C95F0}"/>
+              </a:ext>
+            </a:extLst>
+          </p:cNvPr>
           <p:cNvSpPr>
             <a:spLocks noGrp="1"/>
           </p:cNvSpPr>
@@ -1444,7 +1171,13 @@
       </p:sp>
       <p:sp>
         <p:nvSpPr>
-          <p:cNvPr id="6" name="Slide Number Placeholder 5"/>
+          <p:cNvPr id="6" name="Slide Number Placeholder 5">
+            <a:extLst>
+              <a:ext uri="{FF2B5EF4-FFF2-40B4-BE49-F238E27FC236}">
+                <a16:creationId xmlns:a16="http://schemas.microsoft.com/office/drawing/2014/main" id="{2B7C1C01-BFB8-4E43-93F9-54B7570D5DBD}"/>
+              </a:ext>
+            </a:extLst>
+          </p:cNvPr>
           <p:cNvSpPr>
             <a:spLocks noGrp="1"/>
           </p:cNvSpPr>
@@ -1457,7 +1190,7 @@
           <a:bodyPr/>
           <a:lstStyle/>
           <a:p>
-            <a:fld id="{FB34683C-161B-4520-BF45-B179E228CF2A}" type="slidenum">
+            <a:fld id="{8F54CF7F-ED8D-EB4D-A513-26559C6519CD}" type="slidenum">
               <a:rPr lang="en-US" smtClean="0"/>
               <a:t>‹#›</a:t>
             </a:fld>
@@ -1468,7 +1201,7 @@
     </p:spTree>
     <p:extLst>
       <p:ext uri="{BB962C8B-B14F-4D97-AF65-F5344CB8AC3E}">
-        <p14:creationId xmlns:p14="http://schemas.microsoft.com/office/powerpoint/2010/main" val="474686344"/>
+        <p14:creationId xmlns:p14="http://schemas.microsoft.com/office/powerpoint/2010/main" val="693372925"/>
       </p:ext>
     </p:extLst>
   </p:cSld>
@@ -1497,7 +1230,13 @@
       </p:grpSpPr>
       <p:sp>
         <p:nvSpPr>
-          <p:cNvPr id="2" name="Title 1"/>
+          <p:cNvPr id="2" name="Title 1">
+            <a:extLst>
+              <a:ext uri="{FF2B5EF4-FFF2-40B4-BE49-F238E27FC236}">
+                <a16:creationId xmlns:a16="http://schemas.microsoft.com/office/drawing/2014/main" id="{622AD9E0-4222-4646-8DFF-B97F14C586C0}"/>
+              </a:ext>
+            </a:extLst>
+          </p:cNvPr>
           <p:cNvSpPr>
             <a:spLocks noGrp="1"/>
           </p:cNvSpPr>
@@ -1519,7 +1258,13 @@
       </p:sp>
       <p:sp>
         <p:nvSpPr>
-          <p:cNvPr id="3" name="Content Placeholder 2"/>
+          <p:cNvPr id="3" name="Content Placeholder 2">
+            <a:extLst>
+              <a:ext uri="{FF2B5EF4-FFF2-40B4-BE49-F238E27FC236}">
+                <a16:creationId xmlns:a16="http://schemas.microsoft.com/office/drawing/2014/main" id="{2062B017-4F6C-5C47-BCA4-2F1D5193D7ED}"/>
+              </a:ext>
+            </a:extLst>
+          </p:cNvPr>
           <p:cNvSpPr>
             <a:spLocks noGrp="1"/>
           </p:cNvSpPr>
@@ -1529,46 +1274,18 @@
         </p:nvSpPr>
         <p:spPr>
           <a:xfrm>
-            <a:off x="457200" y="1600200"/>
-            <a:ext cx="4038600" cy="4525963"/>
+            <a:off x="838200" y="1825625"/>
+            <a:ext cx="5181600" cy="4351338"/>
           </a:xfrm>
         </p:spPr>
         <p:txBody>
           <a:bodyPr/>
-          <a:lstStyle>
-            <a:lvl1pPr>
-              <a:defRPr sz="2800"/>
-            </a:lvl1pPr>
-            <a:lvl2pPr>
-              <a:defRPr sz="2400"/>
-            </a:lvl2pPr>
-            <a:lvl3pPr>
-              <a:defRPr sz="2000"/>
-            </a:lvl3pPr>
-            <a:lvl4pPr>
-              <a:defRPr sz="1800"/>
-            </a:lvl4pPr>
-            <a:lvl5pPr>
-              <a:defRPr sz="1800"/>
-            </a:lvl5pPr>
-            <a:lvl6pPr>
-              <a:defRPr sz="1800"/>
-            </a:lvl6pPr>
-            <a:lvl7pPr>
-              <a:defRPr sz="1800"/>
-            </a:lvl7pPr>
-            <a:lvl8pPr>
-              <a:defRPr sz="1800"/>
-            </a:lvl8pPr>
-            <a:lvl9pPr>
-              <a:defRPr sz="1800"/>
-            </a:lvl9pPr>
-          </a:lstStyle>
+          <a:lstStyle/>
           <a:p>
             <a:pPr lvl="0"/>
             <a:r>
               <a:rPr lang="en-US"/>
-              <a:t>Click to edit Master text styles</a:t>
+              <a:t>Edit Master text styles</a:t>
             </a:r>
           </a:p>
           <a:p>
@@ -1603,7 +1320,13 @@
       </p:sp>
       <p:sp>
         <p:nvSpPr>
-          <p:cNvPr id="4" name="Content Placeholder 3"/>
+          <p:cNvPr id="4" name="Content Placeholder 3">
+            <a:extLst>
+              <a:ext uri="{FF2B5EF4-FFF2-40B4-BE49-F238E27FC236}">
+                <a16:creationId xmlns:a16="http://schemas.microsoft.com/office/drawing/2014/main" id="{270AF53B-F7BF-2B41-A79C-AAA2249DC47C}"/>
+              </a:ext>
+            </a:extLst>
+          </p:cNvPr>
           <p:cNvSpPr>
             <a:spLocks noGrp="1"/>
           </p:cNvSpPr>
@@ -1613,46 +1336,18 @@
         </p:nvSpPr>
         <p:spPr>
           <a:xfrm>
-            <a:off x="4648200" y="1600200"/>
-            <a:ext cx="4038600" cy="4525963"/>
+            <a:off x="6172200" y="1825625"/>
+            <a:ext cx="5181600" cy="4351338"/>
           </a:xfrm>
         </p:spPr>
         <p:txBody>
           <a:bodyPr/>
-          <a:lstStyle>
-            <a:lvl1pPr>
-              <a:defRPr sz="2800"/>
-            </a:lvl1pPr>
-            <a:lvl2pPr>
-              <a:defRPr sz="2400"/>
-            </a:lvl2pPr>
-            <a:lvl3pPr>
-              <a:defRPr sz="2000"/>
-            </a:lvl3pPr>
-            <a:lvl4pPr>
-              <a:defRPr sz="1800"/>
-            </a:lvl4pPr>
-            <a:lvl5pPr>
-              <a:defRPr sz="1800"/>
-            </a:lvl5pPr>
-            <a:lvl6pPr>
-              <a:defRPr sz="1800"/>
-            </a:lvl6pPr>
-            <a:lvl7pPr>
-              <a:defRPr sz="1800"/>
-            </a:lvl7pPr>
-            <a:lvl8pPr>
-              <a:defRPr sz="1800"/>
-            </a:lvl8pPr>
-            <a:lvl9pPr>
-              <a:defRPr sz="1800"/>
-            </a:lvl9pPr>
-          </a:lstStyle>
+          <a:lstStyle/>
           <a:p>
             <a:pPr lvl="0"/>
             <a:r>
               <a:rPr lang="en-US"/>
-              <a:t>Click to edit Master text styles</a:t>
+              <a:t>Edit Master text styles</a:t>
             </a:r>
           </a:p>
           <a:p>
@@ -1687,7 +1382,13 @@
       </p:sp>
       <p:sp>
         <p:nvSpPr>
-          <p:cNvPr id="5" name="Date Placeholder 4"/>
+          <p:cNvPr id="5" name="Date Placeholder 4">
+            <a:extLst>
+              <a:ext uri="{FF2B5EF4-FFF2-40B4-BE49-F238E27FC236}">
+                <a16:creationId xmlns:a16="http://schemas.microsoft.com/office/drawing/2014/main" id="{96C0E603-C107-D644-B94A-348D6F7C8212}"/>
+              </a:ext>
+            </a:extLst>
+          </p:cNvPr>
           <p:cNvSpPr>
             <a:spLocks noGrp="1"/>
           </p:cNvSpPr>
@@ -1700,9 +1401,9 @@
           <a:bodyPr/>
           <a:lstStyle/>
           <a:p>
-            <a:fld id="{78C97017-6FC3-485B-9764-EAC9E56C1D49}" type="datetimeFigureOut">
+            <a:fld id="{A995DD06-FA5B-3C4A-9EC2-FFA80E37B40D}" type="datetimeFigureOut">
               <a:rPr lang="en-US" smtClean="0"/>
-              <a:t>7/6/2018</a:t>
+              <a:t>4/14/2019</a:t>
             </a:fld>
             <a:endParaRPr lang="en-US"/>
           </a:p>
@@ -1710,7 +1411,13 @@
       </p:sp>
       <p:sp>
         <p:nvSpPr>
-          <p:cNvPr id="6" name="Footer Placeholder 5"/>
+          <p:cNvPr id="6" name="Footer Placeholder 5">
+            <a:extLst>
+              <a:ext uri="{FF2B5EF4-FFF2-40B4-BE49-F238E27FC236}">
+                <a16:creationId xmlns:a16="http://schemas.microsoft.com/office/drawing/2014/main" id="{245F69BB-FBEB-884A-94B9-7EB490B7613C}"/>
+              </a:ext>
+            </a:extLst>
+          </p:cNvPr>
           <p:cNvSpPr>
             <a:spLocks noGrp="1"/>
           </p:cNvSpPr>
@@ -1729,7 +1436,13 @@
       </p:sp>
       <p:sp>
         <p:nvSpPr>
-          <p:cNvPr id="7" name="Slide Number Placeholder 6"/>
+          <p:cNvPr id="7" name="Slide Number Placeholder 6">
+            <a:extLst>
+              <a:ext uri="{FF2B5EF4-FFF2-40B4-BE49-F238E27FC236}">
+                <a16:creationId xmlns:a16="http://schemas.microsoft.com/office/drawing/2014/main" id="{EC8E581B-918F-7D45-BFA8-65A3CD690914}"/>
+              </a:ext>
+            </a:extLst>
+          </p:cNvPr>
           <p:cNvSpPr>
             <a:spLocks noGrp="1"/>
           </p:cNvSpPr>
@@ -1742,7 +1455,7 @@
           <a:bodyPr/>
           <a:lstStyle/>
           <a:p>
-            <a:fld id="{FB34683C-161B-4520-BF45-B179E228CF2A}" type="slidenum">
+            <a:fld id="{8F54CF7F-ED8D-EB4D-A513-26559C6519CD}" type="slidenum">
               <a:rPr lang="en-US" smtClean="0"/>
               <a:t>‹#›</a:t>
             </a:fld>
@@ -1753,7 +1466,7 @@
     </p:spTree>
     <p:extLst>
       <p:ext uri="{BB962C8B-B14F-4D97-AF65-F5344CB8AC3E}">
-        <p14:creationId xmlns:p14="http://schemas.microsoft.com/office/powerpoint/2010/main" val="562293251"/>
+        <p14:creationId xmlns:p14="http://schemas.microsoft.com/office/powerpoint/2010/main" val="1982078682"/>
       </p:ext>
     </p:extLst>
   </p:cSld>
@@ -1782,7 +1495,13 @@
       </p:grpSpPr>
       <p:sp>
         <p:nvSpPr>
-          <p:cNvPr id="2" name="Title 1"/>
+          <p:cNvPr id="2" name="Title 1">
+            <a:extLst>
+              <a:ext uri="{FF2B5EF4-FFF2-40B4-BE49-F238E27FC236}">
+                <a16:creationId xmlns:a16="http://schemas.microsoft.com/office/drawing/2014/main" id="{704B0FBD-B27E-E143-9DDD-01F67EA9893F}"/>
+              </a:ext>
+            </a:extLst>
+          </p:cNvPr>
           <p:cNvSpPr>
             <a:spLocks noGrp="1"/>
           </p:cNvSpPr>
@@ -1790,14 +1509,15 @@
             <p:ph type="title"/>
           </p:nvPr>
         </p:nvSpPr>
-        <p:spPr/>
+        <p:spPr>
+          <a:xfrm>
+            <a:off x="839788" y="365125"/>
+            <a:ext cx="10515600" cy="1325563"/>
+          </a:xfrm>
+        </p:spPr>
         <p:txBody>
           <a:bodyPr/>
-          <a:lstStyle>
-            <a:lvl1pPr>
-              <a:defRPr/>
-            </a:lvl1pPr>
-          </a:lstStyle>
+          <a:lstStyle/>
           <a:p>
             <a:r>
               <a:rPr lang="en-US"/>
@@ -1808,7 +1528,13 @@
       </p:sp>
       <p:sp>
         <p:nvSpPr>
-          <p:cNvPr id="3" name="Text Placeholder 2"/>
+          <p:cNvPr id="3" name="Text Placeholder 2">
+            <a:extLst>
+              <a:ext uri="{FF2B5EF4-FFF2-40B4-BE49-F238E27FC236}">
+                <a16:creationId xmlns:a16="http://schemas.microsoft.com/office/drawing/2014/main" id="{4CFA50D7-6512-F740-9DC8-5D407A0B496D}"/>
+              </a:ext>
+            </a:extLst>
+          </p:cNvPr>
           <p:cNvSpPr>
             <a:spLocks noGrp="1"/>
           </p:cNvSpPr>
@@ -1818,8 +1544,8 @@
         </p:nvSpPr>
         <p:spPr>
           <a:xfrm>
-            <a:off x="457200" y="1535113"/>
-            <a:ext cx="4040188" cy="639762"/>
+            <a:off x="839788" y="1681163"/>
+            <a:ext cx="5157787" cy="823912"/>
           </a:xfrm>
         </p:spPr>
         <p:txBody>
@@ -1866,14 +1592,20 @@
             <a:pPr lvl="0"/>
             <a:r>
               <a:rPr lang="en-US"/>
-              <a:t>Click to edit Master text styles</a:t>
-            </a:r>
-          </a:p>
-        </p:txBody>
-      </p:sp>
-      <p:sp>
-        <p:nvSpPr>
-          <p:cNvPr id="4" name="Content Placeholder 3"/>
+              <a:t>Edit Master text styles</a:t>
+            </a:r>
+          </a:p>
+        </p:txBody>
+      </p:sp>
+      <p:sp>
+        <p:nvSpPr>
+          <p:cNvPr id="4" name="Content Placeholder 3">
+            <a:extLst>
+              <a:ext uri="{FF2B5EF4-FFF2-40B4-BE49-F238E27FC236}">
+                <a16:creationId xmlns:a16="http://schemas.microsoft.com/office/drawing/2014/main" id="{581F1C89-F3DD-7B4C-9E95-E6701C4761C0}"/>
+              </a:ext>
+            </a:extLst>
+          </p:cNvPr>
           <p:cNvSpPr>
             <a:spLocks noGrp="1"/>
           </p:cNvSpPr>
@@ -1883,46 +1615,18 @@
         </p:nvSpPr>
         <p:spPr>
           <a:xfrm>
-            <a:off x="457200" y="2174875"/>
-            <a:ext cx="4040188" cy="3951288"/>
+            <a:off x="839788" y="2505075"/>
+            <a:ext cx="5157787" cy="3684588"/>
           </a:xfrm>
         </p:spPr>
         <p:txBody>
           <a:bodyPr/>
-          <a:lstStyle>
-            <a:lvl1pPr>
-              <a:defRPr sz="2400"/>
-            </a:lvl1pPr>
-            <a:lvl2pPr>
-              <a:defRPr sz="2000"/>
-            </a:lvl2pPr>
-            <a:lvl3pPr>
-              <a:defRPr sz="1800"/>
-            </a:lvl3pPr>
-            <a:lvl4pPr>
-              <a:defRPr sz="1600"/>
-            </a:lvl4pPr>
-            <a:lvl5pPr>
-              <a:defRPr sz="1600"/>
-            </a:lvl5pPr>
-            <a:lvl6pPr>
-              <a:defRPr sz="1600"/>
-            </a:lvl6pPr>
-            <a:lvl7pPr>
-              <a:defRPr sz="1600"/>
-            </a:lvl7pPr>
-            <a:lvl8pPr>
-              <a:defRPr sz="1600"/>
-            </a:lvl8pPr>
-            <a:lvl9pPr>
-              <a:defRPr sz="1600"/>
-            </a:lvl9pPr>
-          </a:lstStyle>
+          <a:lstStyle/>
           <a:p>
             <a:pPr lvl="0"/>
             <a:r>
               <a:rPr lang="en-US"/>
-              <a:t>Click to edit Master text styles</a:t>
+              <a:t>Edit Master text styles</a:t>
             </a:r>
           </a:p>
           <a:p>
@@ -1957,7 +1661,13 @@
       </p:sp>
       <p:sp>
         <p:nvSpPr>
-          <p:cNvPr id="5" name="Text Placeholder 4"/>
+          <p:cNvPr id="5" name="Text Placeholder 4">
+            <a:extLst>
+              <a:ext uri="{FF2B5EF4-FFF2-40B4-BE49-F238E27FC236}">
+                <a16:creationId xmlns:a16="http://schemas.microsoft.com/office/drawing/2014/main" id="{0B3ABB35-17CD-B04B-9D01-698C6E439982}"/>
+              </a:ext>
+            </a:extLst>
+          </p:cNvPr>
           <p:cNvSpPr>
             <a:spLocks noGrp="1"/>
           </p:cNvSpPr>
@@ -1967,8 +1677,8 @@
         </p:nvSpPr>
         <p:spPr>
           <a:xfrm>
-            <a:off x="4645025" y="1535113"/>
-            <a:ext cx="4041775" cy="639762"/>
+            <a:off x="6172200" y="1681163"/>
+            <a:ext cx="5183188" cy="823912"/>
           </a:xfrm>
         </p:spPr>
         <p:txBody>
@@ -2015,14 +1725,20 @@
             <a:pPr lvl="0"/>
             <a:r>
               <a:rPr lang="en-US"/>
-              <a:t>Click to edit Master text styles</a:t>
-            </a:r>
-          </a:p>
-        </p:txBody>
-      </p:sp>
-      <p:sp>
-        <p:nvSpPr>
-          <p:cNvPr id="6" name="Content Placeholder 5"/>
+              <a:t>Edit Master text styles</a:t>
+            </a:r>
+          </a:p>
+        </p:txBody>
+      </p:sp>
+      <p:sp>
+        <p:nvSpPr>
+          <p:cNvPr id="6" name="Content Placeholder 5">
+            <a:extLst>
+              <a:ext uri="{FF2B5EF4-FFF2-40B4-BE49-F238E27FC236}">
+                <a16:creationId xmlns:a16="http://schemas.microsoft.com/office/drawing/2014/main" id="{D6E30E70-D202-0241-84A4-384CD2AFF0E9}"/>
+              </a:ext>
+            </a:extLst>
+          </p:cNvPr>
           <p:cNvSpPr>
             <a:spLocks noGrp="1"/>
           </p:cNvSpPr>
@@ -2032,46 +1748,18 @@
         </p:nvSpPr>
         <p:spPr>
           <a:xfrm>
-            <a:off x="4645025" y="2174875"/>
-            <a:ext cx="4041775" cy="3951288"/>
+            <a:off x="6172200" y="2505075"/>
+            <a:ext cx="5183188" cy="3684588"/>
           </a:xfrm>
         </p:spPr>
         <p:txBody>
           <a:bodyPr/>
-          <a:lstStyle>
-            <a:lvl1pPr>
-              <a:defRPr sz="2400"/>
-            </a:lvl1pPr>
-            <a:lvl2pPr>
-              <a:defRPr sz="2000"/>
-            </a:lvl2pPr>
-            <a:lvl3pPr>
-              <a:defRPr sz="1800"/>
-            </a:lvl3pPr>
-            <a:lvl4pPr>
-              <a:defRPr sz="1600"/>
-            </a:lvl4pPr>
-            <a:lvl5pPr>
-              <a:defRPr sz="1600"/>
-            </a:lvl5pPr>
-            <a:lvl6pPr>
-              <a:defRPr sz="1600"/>
-            </a:lvl6pPr>
-            <a:lvl7pPr>
-              <a:defRPr sz="1600"/>
-            </a:lvl7pPr>
-            <a:lvl8pPr>
-              <a:defRPr sz="1600"/>
-            </a:lvl8pPr>
-            <a:lvl9pPr>
-              <a:defRPr sz="1600"/>
-            </a:lvl9pPr>
-          </a:lstStyle>
+          <a:lstStyle/>
           <a:p>
             <a:pPr lvl="0"/>
             <a:r>
               <a:rPr lang="en-US"/>
-              <a:t>Click to edit Master text styles</a:t>
+              <a:t>Edit Master text styles</a:t>
             </a:r>
           </a:p>
           <a:p>
@@ -2106,7 +1794,13 @@
       </p:sp>
       <p:sp>
         <p:nvSpPr>
-          <p:cNvPr id="7" name="Date Placeholder 6"/>
+          <p:cNvPr id="7" name="Date Placeholder 6">
+            <a:extLst>
+              <a:ext uri="{FF2B5EF4-FFF2-40B4-BE49-F238E27FC236}">
+                <a16:creationId xmlns:a16="http://schemas.microsoft.com/office/drawing/2014/main" id="{568EC0F4-0950-A346-B116-EB804C05EAAA}"/>
+              </a:ext>
+            </a:extLst>
+          </p:cNvPr>
           <p:cNvSpPr>
             <a:spLocks noGrp="1"/>
           </p:cNvSpPr>
@@ -2119,9 +1813,9 @@
           <a:bodyPr/>
           <a:lstStyle/>
           <a:p>
-            <a:fld id="{78C97017-6FC3-485B-9764-EAC9E56C1D49}" type="datetimeFigureOut">
+            <a:fld id="{A995DD06-FA5B-3C4A-9EC2-FFA80E37B40D}" type="datetimeFigureOut">
               <a:rPr lang="en-US" smtClean="0"/>
-              <a:t>7/6/2018</a:t>
+              <a:t>4/14/2019</a:t>
             </a:fld>
             <a:endParaRPr lang="en-US"/>
           </a:p>
@@ -2129,7 +1823,13 @@
       </p:sp>
       <p:sp>
         <p:nvSpPr>
-          <p:cNvPr id="8" name="Footer Placeholder 7"/>
+          <p:cNvPr id="8" name="Footer Placeholder 7">
+            <a:extLst>
+              <a:ext uri="{FF2B5EF4-FFF2-40B4-BE49-F238E27FC236}">
+                <a16:creationId xmlns:a16="http://schemas.microsoft.com/office/drawing/2014/main" id="{4A4C3BD0-C059-E54E-9E2B-DCEE9F9D6FFE}"/>
+              </a:ext>
+            </a:extLst>
+          </p:cNvPr>
           <p:cNvSpPr>
             <a:spLocks noGrp="1"/>
           </p:cNvSpPr>
@@ -2148,7 +1848,13 @@
       </p:sp>
       <p:sp>
         <p:nvSpPr>
-          <p:cNvPr id="9" name="Slide Number Placeholder 8"/>
+          <p:cNvPr id="9" name="Slide Number Placeholder 8">
+            <a:extLst>
+              <a:ext uri="{FF2B5EF4-FFF2-40B4-BE49-F238E27FC236}">
+                <a16:creationId xmlns:a16="http://schemas.microsoft.com/office/drawing/2014/main" id="{74EBEE6B-58BA-AB42-8F1D-2B5D1363045F}"/>
+              </a:ext>
+            </a:extLst>
+          </p:cNvPr>
           <p:cNvSpPr>
             <a:spLocks noGrp="1"/>
           </p:cNvSpPr>
@@ -2161,7 +1867,7 @@
           <a:bodyPr/>
           <a:lstStyle/>
           <a:p>
-            <a:fld id="{FB34683C-161B-4520-BF45-B179E228CF2A}" type="slidenum">
+            <a:fld id="{8F54CF7F-ED8D-EB4D-A513-26559C6519CD}" type="slidenum">
               <a:rPr lang="en-US" smtClean="0"/>
               <a:t>‹#›</a:t>
             </a:fld>
@@ -2172,7 +1878,7 @@
     </p:spTree>
     <p:extLst>
       <p:ext uri="{BB962C8B-B14F-4D97-AF65-F5344CB8AC3E}">
-        <p14:creationId xmlns:p14="http://schemas.microsoft.com/office/powerpoint/2010/main" val="1126424250"/>
+        <p14:creationId xmlns:p14="http://schemas.microsoft.com/office/powerpoint/2010/main" val="1771144750"/>
       </p:ext>
     </p:extLst>
   </p:cSld>
@@ -2201,7 +1907,13 @@
       </p:grpSpPr>
       <p:sp>
         <p:nvSpPr>
-          <p:cNvPr id="2" name="Title 1"/>
+          <p:cNvPr id="2" name="Title 1">
+            <a:extLst>
+              <a:ext uri="{FF2B5EF4-FFF2-40B4-BE49-F238E27FC236}">
+                <a16:creationId xmlns:a16="http://schemas.microsoft.com/office/drawing/2014/main" id="{2F388DE8-F391-7749-88CC-782C94018ED8}"/>
+              </a:ext>
+            </a:extLst>
+          </p:cNvPr>
           <p:cNvSpPr>
             <a:spLocks noGrp="1"/>
           </p:cNvSpPr>
@@ -2223,7 +1935,13 @@
       </p:sp>
       <p:sp>
         <p:nvSpPr>
-          <p:cNvPr id="3" name="Date Placeholder 2"/>
+          <p:cNvPr id="3" name="Date Placeholder 2">
+            <a:extLst>
+              <a:ext uri="{FF2B5EF4-FFF2-40B4-BE49-F238E27FC236}">
+                <a16:creationId xmlns:a16="http://schemas.microsoft.com/office/drawing/2014/main" id="{908D642E-29C4-6645-9832-CFF17E88C639}"/>
+              </a:ext>
+            </a:extLst>
+          </p:cNvPr>
           <p:cNvSpPr>
             <a:spLocks noGrp="1"/>
           </p:cNvSpPr>
@@ -2236,9 +1954,9 @@
           <a:bodyPr/>
           <a:lstStyle/>
           <a:p>
-            <a:fld id="{78C97017-6FC3-485B-9764-EAC9E56C1D49}" type="datetimeFigureOut">
+            <a:fld id="{A995DD06-FA5B-3C4A-9EC2-FFA80E37B40D}" type="datetimeFigureOut">
               <a:rPr lang="en-US" smtClean="0"/>
-              <a:t>7/6/2018</a:t>
+              <a:t>4/14/2019</a:t>
             </a:fld>
             <a:endParaRPr lang="en-US"/>
           </a:p>
@@ -2246,7 +1964,13 @@
       </p:sp>
       <p:sp>
         <p:nvSpPr>
-          <p:cNvPr id="4" name="Footer Placeholder 3"/>
+          <p:cNvPr id="4" name="Footer Placeholder 3">
+            <a:extLst>
+              <a:ext uri="{FF2B5EF4-FFF2-40B4-BE49-F238E27FC236}">
+                <a16:creationId xmlns:a16="http://schemas.microsoft.com/office/drawing/2014/main" id="{14AD16FC-557D-2045-991F-6EC737928F6D}"/>
+              </a:ext>
+            </a:extLst>
+          </p:cNvPr>
           <p:cNvSpPr>
             <a:spLocks noGrp="1"/>
           </p:cNvSpPr>
@@ -2265,7 +1989,13 @@
       </p:sp>
       <p:sp>
         <p:nvSpPr>
-          <p:cNvPr id="5" name="Slide Number Placeholder 4"/>
+          <p:cNvPr id="5" name="Slide Number Placeholder 4">
+            <a:extLst>
+              <a:ext uri="{FF2B5EF4-FFF2-40B4-BE49-F238E27FC236}">
+                <a16:creationId xmlns:a16="http://schemas.microsoft.com/office/drawing/2014/main" id="{08B4FFAD-5A0E-2A40-A313-120DA618C1F9}"/>
+              </a:ext>
+            </a:extLst>
+          </p:cNvPr>
           <p:cNvSpPr>
             <a:spLocks noGrp="1"/>
           </p:cNvSpPr>
@@ -2278,7 +2008,7 @@
           <a:bodyPr/>
           <a:lstStyle/>
           <a:p>
-            <a:fld id="{FB34683C-161B-4520-BF45-B179E228CF2A}" type="slidenum">
+            <a:fld id="{8F54CF7F-ED8D-EB4D-A513-26559C6519CD}" type="slidenum">
               <a:rPr lang="en-US" smtClean="0"/>
               <a:t>‹#›</a:t>
             </a:fld>
@@ -2289,7 +2019,7 @@
     </p:spTree>
     <p:extLst>
       <p:ext uri="{BB962C8B-B14F-4D97-AF65-F5344CB8AC3E}">
-        <p14:creationId xmlns:p14="http://schemas.microsoft.com/office/powerpoint/2010/main" val="4159724230"/>
+        <p14:creationId xmlns:p14="http://schemas.microsoft.com/office/powerpoint/2010/main" val="3814806901"/>
       </p:ext>
     </p:extLst>
   </p:cSld>
@@ -2318,7 +2048,13 @@
       </p:grpSpPr>
       <p:sp>
         <p:nvSpPr>
-          <p:cNvPr id="2" name="Date Placeholder 1"/>
+          <p:cNvPr id="2" name="Date Placeholder 1">
+            <a:extLst>
+              <a:ext uri="{FF2B5EF4-FFF2-40B4-BE49-F238E27FC236}">
+                <a16:creationId xmlns:a16="http://schemas.microsoft.com/office/drawing/2014/main" id="{931A7A4C-8B47-EE4B-BA77-2E5B9C1BC0CA}"/>
+              </a:ext>
+            </a:extLst>
+          </p:cNvPr>
           <p:cNvSpPr>
             <a:spLocks noGrp="1"/>
           </p:cNvSpPr>
@@ -2331,9 +2067,9 @@
           <a:bodyPr/>
           <a:lstStyle/>
           <a:p>
-            <a:fld id="{78C97017-6FC3-485B-9764-EAC9E56C1D49}" type="datetimeFigureOut">
+            <a:fld id="{A995DD06-FA5B-3C4A-9EC2-FFA80E37B40D}" type="datetimeFigureOut">
               <a:rPr lang="en-US" smtClean="0"/>
-              <a:t>7/6/2018</a:t>
+              <a:t>4/14/2019</a:t>
             </a:fld>
             <a:endParaRPr lang="en-US"/>
           </a:p>
@@ -2341,7 +2077,13 @@
       </p:sp>
       <p:sp>
         <p:nvSpPr>
-          <p:cNvPr id="3" name="Footer Placeholder 2"/>
+          <p:cNvPr id="3" name="Footer Placeholder 2">
+            <a:extLst>
+              <a:ext uri="{FF2B5EF4-FFF2-40B4-BE49-F238E27FC236}">
+                <a16:creationId xmlns:a16="http://schemas.microsoft.com/office/drawing/2014/main" id="{0C0620D4-96BB-7441-8FDF-53D2E99089EA}"/>
+              </a:ext>
+            </a:extLst>
+          </p:cNvPr>
           <p:cNvSpPr>
             <a:spLocks noGrp="1"/>
           </p:cNvSpPr>
@@ -2360,7 +2102,13 @@
       </p:sp>
       <p:sp>
         <p:nvSpPr>
-          <p:cNvPr id="4" name="Slide Number Placeholder 3"/>
+          <p:cNvPr id="4" name="Slide Number Placeholder 3">
+            <a:extLst>
+              <a:ext uri="{FF2B5EF4-FFF2-40B4-BE49-F238E27FC236}">
+                <a16:creationId xmlns:a16="http://schemas.microsoft.com/office/drawing/2014/main" id="{471997CA-03EE-A245-8318-6E7F531A12F1}"/>
+              </a:ext>
+            </a:extLst>
+          </p:cNvPr>
           <p:cNvSpPr>
             <a:spLocks noGrp="1"/>
           </p:cNvSpPr>
@@ -2373,7 +2121,7 @@
           <a:bodyPr/>
           <a:lstStyle/>
           <a:p>
-            <a:fld id="{FB34683C-161B-4520-BF45-B179E228CF2A}" type="slidenum">
+            <a:fld id="{8F54CF7F-ED8D-EB4D-A513-26559C6519CD}" type="slidenum">
               <a:rPr lang="en-US" smtClean="0"/>
               <a:t>‹#›</a:t>
             </a:fld>
@@ -2384,7 +2132,7 @@
     </p:spTree>
     <p:extLst>
       <p:ext uri="{BB962C8B-B14F-4D97-AF65-F5344CB8AC3E}">
-        <p14:creationId xmlns:p14="http://schemas.microsoft.com/office/powerpoint/2010/main" val="1793928710"/>
+        <p14:creationId xmlns:p14="http://schemas.microsoft.com/office/powerpoint/2010/main" val="3997592935"/>
       </p:ext>
     </p:extLst>
   </p:cSld>
@@ -2413,7 +2161,13 @@
       </p:grpSpPr>
       <p:sp>
         <p:nvSpPr>
-          <p:cNvPr id="2" name="Title 1"/>
+          <p:cNvPr id="2" name="Title 1">
+            <a:extLst>
+              <a:ext uri="{FF2B5EF4-FFF2-40B4-BE49-F238E27FC236}">
+                <a16:creationId xmlns:a16="http://schemas.microsoft.com/office/drawing/2014/main" id="{44CC1788-E584-6042-82AF-E304A4443D87}"/>
+              </a:ext>
+            </a:extLst>
+          </p:cNvPr>
           <p:cNvSpPr>
             <a:spLocks noGrp="1"/>
           </p:cNvSpPr>
@@ -2423,15 +2177,15 @@
         </p:nvSpPr>
         <p:spPr>
           <a:xfrm>
-            <a:off x="457200" y="273050"/>
-            <a:ext cx="3008313" cy="1162050"/>
+            <a:off x="839788" y="457200"/>
+            <a:ext cx="3932237" cy="1600200"/>
           </a:xfrm>
         </p:spPr>
         <p:txBody>
           <a:bodyPr anchor="b"/>
           <a:lstStyle>
-            <a:lvl1pPr algn="l">
-              <a:defRPr sz="2000" b="1"/>
+            <a:lvl1pPr>
+              <a:defRPr sz="3200"/>
             </a:lvl1pPr>
           </a:lstStyle>
           <a:p>
@@ -2444,7 +2198,13 @@
       </p:sp>
       <p:sp>
         <p:nvSpPr>
-          <p:cNvPr id="3" name="Content Placeholder 2"/>
+          <p:cNvPr id="3" name="Content Placeholder 2">
+            <a:extLst>
+              <a:ext uri="{FF2B5EF4-FFF2-40B4-BE49-F238E27FC236}">
+                <a16:creationId xmlns:a16="http://schemas.microsoft.com/office/drawing/2014/main" id="{4259CA4C-7ED5-A147-B891-ABDF30F9727F}"/>
+              </a:ext>
+            </a:extLst>
+          </p:cNvPr>
           <p:cNvSpPr>
             <a:spLocks noGrp="1"/>
           </p:cNvSpPr>
@@ -2454,8 +2214,8 @@
         </p:nvSpPr>
         <p:spPr>
           <a:xfrm>
-            <a:off x="3575050" y="273050"/>
-            <a:ext cx="5111750" cy="5853113"/>
+            <a:off x="5183188" y="987425"/>
+            <a:ext cx="6172200" cy="4873625"/>
           </a:xfrm>
         </p:spPr>
         <p:txBody>
@@ -2493,7 +2253,7 @@
             <a:pPr lvl="0"/>
             <a:r>
               <a:rPr lang="en-US"/>
-              <a:t>Click to edit Master text styles</a:t>
+              <a:t>Edit Master text styles</a:t>
             </a:r>
           </a:p>
           <a:p>
@@ -2528,7 +2288,13 @@
       </p:sp>
       <p:sp>
         <p:nvSpPr>
-          <p:cNvPr id="4" name="Text Placeholder 3"/>
+          <p:cNvPr id="4" name="Text Placeholder 3">
+            <a:extLst>
+              <a:ext uri="{FF2B5EF4-FFF2-40B4-BE49-F238E27FC236}">
+                <a16:creationId xmlns:a16="http://schemas.microsoft.com/office/drawing/2014/main" id="{473C6853-4721-0949-9A73-E994B7595F4B}"/>
+              </a:ext>
+            </a:extLst>
+          </p:cNvPr>
           <p:cNvSpPr>
             <a:spLocks noGrp="1"/>
           </p:cNvSpPr>
@@ -2538,8 +2304,8 @@
         </p:nvSpPr>
         <p:spPr>
           <a:xfrm>
-            <a:off x="457200" y="1435100"/>
-            <a:ext cx="3008313" cy="4691063"/>
+            <a:off x="839788" y="2057400"/>
+            <a:ext cx="3932237" cy="3811588"/>
           </a:xfrm>
         </p:spPr>
         <p:txBody>
@@ -2547,53 +2313,59 @@
           <a:lstStyle>
             <a:lvl1pPr marL="0" indent="0">
               <a:buNone/>
-              <a:defRPr sz="1400"/>
+              <a:defRPr sz="1600"/>
             </a:lvl1pPr>
             <a:lvl2pPr marL="457200" indent="0">
               <a:buNone/>
-              <a:defRPr sz="1200"/>
+              <a:defRPr sz="1400"/>
             </a:lvl2pPr>
             <a:lvl3pPr marL="914400" indent="0">
               <a:buNone/>
-              <a:defRPr sz="1000"/>
+              <a:defRPr sz="1200"/>
             </a:lvl3pPr>
             <a:lvl4pPr marL="1371600" indent="0">
               <a:buNone/>
-              <a:defRPr sz="900"/>
+              <a:defRPr sz="1000"/>
             </a:lvl4pPr>
             <a:lvl5pPr marL="1828800" indent="0">
               <a:buNone/>
-              <a:defRPr sz="900"/>
+              <a:defRPr sz="1000"/>
             </a:lvl5pPr>
             <a:lvl6pPr marL="2286000" indent="0">
               <a:buNone/>
-              <a:defRPr sz="900"/>
+              <a:defRPr sz="1000"/>
             </a:lvl6pPr>
             <a:lvl7pPr marL="2743200" indent="0">
               <a:buNone/>
-              <a:defRPr sz="900"/>
+              <a:defRPr sz="1000"/>
             </a:lvl7pPr>
             <a:lvl8pPr marL="3200400" indent="0">
               <a:buNone/>
-              <a:defRPr sz="900"/>
+              <a:defRPr sz="1000"/>
             </a:lvl8pPr>
             <a:lvl9pPr marL="3657600" indent="0">
               <a:buNone/>
-              <a:defRPr sz="900"/>
+              <a:defRPr sz="1000"/>
             </a:lvl9pPr>
           </a:lstStyle>
           <a:p>
             <a:pPr lvl="0"/>
             <a:r>
               <a:rPr lang="en-US"/>
-              <a:t>Click to edit Master text styles</a:t>
-            </a:r>
-          </a:p>
-        </p:txBody>
-      </p:sp>
-      <p:sp>
-        <p:nvSpPr>
-          <p:cNvPr id="5" name="Date Placeholder 4"/>
+              <a:t>Edit Master text styles</a:t>
+            </a:r>
+          </a:p>
+        </p:txBody>
+      </p:sp>
+      <p:sp>
+        <p:nvSpPr>
+          <p:cNvPr id="5" name="Date Placeholder 4">
+            <a:extLst>
+              <a:ext uri="{FF2B5EF4-FFF2-40B4-BE49-F238E27FC236}">
+                <a16:creationId xmlns:a16="http://schemas.microsoft.com/office/drawing/2014/main" id="{F383C93A-55F2-0E4D-8B88-E755F39FEEC3}"/>
+              </a:ext>
+            </a:extLst>
+          </p:cNvPr>
           <p:cNvSpPr>
             <a:spLocks noGrp="1"/>
           </p:cNvSpPr>
@@ -2606,9 +2378,9 @@
           <a:bodyPr/>
           <a:lstStyle/>
           <a:p>
-            <a:fld id="{78C97017-6FC3-485B-9764-EAC9E56C1D49}" type="datetimeFigureOut">
+            <a:fld id="{A995DD06-FA5B-3C4A-9EC2-FFA80E37B40D}" type="datetimeFigureOut">
               <a:rPr lang="en-US" smtClean="0"/>
-              <a:t>7/6/2018</a:t>
+              <a:t>4/14/2019</a:t>
             </a:fld>
             <a:endParaRPr lang="en-US"/>
           </a:p>
@@ -2616,7 +2388,13 @@
       </p:sp>
       <p:sp>
         <p:nvSpPr>
-          <p:cNvPr id="6" name="Footer Placeholder 5"/>
+          <p:cNvPr id="6" name="Footer Placeholder 5">
+            <a:extLst>
+              <a:ext uri="{FF2B5EF4-FFF2-40B4-BE49-F238E27FC236}">
+                <a16:creationId xmlns:a16="http://schemas.microsoft.com/office/drawing/2014/main" id="{1EA64A88-69A4-124F-A5CE-411F8242388B}"/>
+              </a:ext>
+            </a:extLst>
+          </p:cNvPr>
           <p:cNvSpPr>
             <a:spLocks noGrp="1"/>
           </p:cNvSpPr>
@@ -2635,7 +2413,13 @@
       </p:sp>
       <p:sp>
         <p:nvSpPr>
-          <p:cNvPr id="7" name="Slide Number Placeholder 6"/>
+          <p:cNvPr id="7" name="Slide Number Placeholder 6">
+            <a:extLst>
+              <a:ext uri="{FF2B5EF4-FFF2-40B4-BE49-F238E27FC236}">
+                <a16:creationId xmlns:a16="http://schemas.microsoft.com/office/drawing/2014/main" id="{D60871AC-A3AD-9545-8DA8-25560A05AF85}"/>
+              </a:ext>
+            </a:extLst>
+          </p:cNvPr>
           <p:cNvSpPr>
             <a:spLocks noGrp="1"/>
           </p:cNvSpPr>
@@ -2648,7 +2432,7 @@
           <a:bodyPr/>
           <a:lstStyle/>
           <a:p>
-            <a:fld id="{FB34683C-161B-4520-BF45-B179E228CF2A}" type="slidenum">
+            <a:fld id="{8F54CF7F-ED8D-EB4D-A513-26559C6519CD}" type="slidenum">
               <a:rPr lang="en-US" smtClean="0"/>
               <a:t>‹#›</a:t>
             </a:fld>
@@ -2659,7 +2443,7 @@
     </p:spTree>
     <p:extLst>
       <p:ext uri="{BB962C8B-B14F-4D97-AF65-F5344CB8AC3E}">
-        <p14:creationId xmlns:p14="http://schemas.microsoft.com/office/powerpoint/2010/main" val="2076802089"/>
+        <p14:creationId xmlns:p14="http://schemas.microsoft.com/office/powerpoint/2010/main" val="3834302735"/>
       </p:ext>
     </p:extLst>
   </p:cSld>
@@ -2688,7 +2472,13 @@
       </p:grpSpPr>
       <p:sp>
         <p:nvSpPr>
-          <p:cNvPr id="2" name="Title 1"/>
+          <p:cNvPr id="2" name="Title 1">
+            <a:extLst>
+              <a:ext uri="{FF2B5EF4-FFF2-40B4-BE49-F238E27FC236}">
+                <a16:creationId xmlns:a16="http://schemas.microsoft.com/office/drawing/2014/main" id="{15ED6C2A-018D-5846-AC32-7B9A50E87971}"/>
+              </a:ext>
+            </a:extLst>
+          </p:cNvPr>
           <p:cNvSpPr>
             <a:spLocks noGrp="1"/>
           </p:cNvSpPr>
@@ -2698,15 +2488,15 @@
         </p:nvSpPr>
         <p:spPr>
           <a:xfrm>
-            <a:off x="1792288" y="4800600"/>
-            <a:ext cx="5486400" cy="566738"/>
+            <a:off x="839788" y="457200"/>
+            <a:ext cx="3932237" cy="1600200"/>
           </a:xfrm>
         </p:spPr>
         <p:txBody>
           <a:bodyPr anchor="b"/>
           <a:lstStyle>
-            <a:lvl1pPr algn="l">
-              <a:defRPr sz="2000" b="1"/>
+            <a:lvl1pPr>
+              <a:defRPr sz="3200"/>
             </a:lvl1pPr>
           </a:lstStyle>
           <a:p>
@@ -2719,7 +2509,13 @@
       </p:sp>
       <p:sp>
         <p:nvSpPr>
-          <p:cNvPr id="3" name="Picture Placeholder 2"/>
+          <p:cNvPr id="3" name="Picture Placeholder 2">
+            <a:extLst>
+              <a:ext uri="{FF2B5EF4-FFF2-40B4-BE49-F238E27FC236}">
+                <a16:creationId xmlns:a16="http://schemas.microsoft.com/office/drawing/2014/main" id="{76FA60DD-E83D-904F-8D38-41654DF4085E}"/>
+              </a:ext>
+            </a:extLst>
+          </p:cNvPr>
           <p:cNvSpPr>
             <a:spLocks noGrp="1"/>
           </p:cNvSpPr>
@@ -2729,8 +2525,8 @@
         </p:nvSpPr>
         <p:spPr>
           <a:xfrm>
-            <a:off x="1792288" y="612775"/>
-            <a:ext cx="5486400" cy="4114800"/>
+            <a:off x="5183188" y="987425"/>
+            <a:ext cx="6172200" cy="4873625"/>
           </a:xfrm>
         </p:spPr>
         <p:txBody>
@@ -2780,7 +2576,13 @@
       </p:sp>
       <p:sp>
         <p:nvSpPr>
-          <p:cNvPr id="4" name="Text Placeholder 3"/>
+          <p:cNvPr id="4" name="Text Placeholder 3">
+            <a:extLst>
+              <a:ext uri="{FF2B5EF4-FFF2-40B4-BE49-F238E27FC236}">
+                <a16:creationId xmlns:a16="http://schemas.microsoft.com/office/drawing/2014/main" id="{64727E41-66A0-8B49-AB85-D4BDA0C333F4}"/>
+              </a:ext>
+            </a:extLst>
+          </p:cNvPr>
           <p:cNvSpPr>
             <a:spLocks noGrp="1"/>
           </p:cNvSpPr>
@@ -2790,8 +2592,8 @@
         </p:nvSpPr>
         <p:spPr>
           <a:xfrm>
-            <a:off x="1792288" y="5367338"/>
-            <a:ext cx="5486400" cy="804862"/>
+            <a:off x="839788" y="2057400"/>
+            <a:ext cx="3932237" cy="3811588"/>
           </a:xfrm>
         </p:spPr>
         <p:txBody>
@@ -2799,53 +2601,59 @@
           <a:lstStyle>
             <a:lvl1pPr marL="0" indent="0">
               <a:buNone/>
-              <a:defRPr sz="1400"/>
+              <a:defRPr sz="1600"/>
             </a:lvl1pPr>
             <a:lvl2pPr marL="457200" indent="0">
               <a:buNone/>
-              <a:defRPr sz="1200"/>
+              <a:defRPr sz="1400"/>
             </a:lvl2pPr>
             <a:lvl3pPr marL="914400" indent="0">
               <a:buNone/>
-              <a:defRPr sz="1000"/>
+              <a:defRPr sz="1200"/>
             </a:lvl3pPr>
             <a:lvl4pPr marL="1371600" indent="0">
               <a:buNone/>
-              <a:defRPr sz="900"/>
+              <a:defRPr sz="1000"/>
             </a:lvl4pPr>
             <a:lvl5pPr marL="1828800" indent="0">
               <a:buNone/>
-              <a:defRPr sz="900"/>
+              <a:defRPr sz="1000"/>
             </a:lvl5pPr>
             <a:lvl6pPr marL="2286000" indent="0">
               <a:buNone/>
-              <a:defRPr sz="900"/>
+              <a:defRPr sz="1000"/>
             </a:lvl6pPr>
             <a:lvl7pPr marL="2743200" indent="0">
               <a:buNone/>
-              <a:defRPr sz="900"/>
+              <a:defRPr sz="1000"/>
             </a:lvl7pPr>
             <a:lvl8pPr marL="3200400" indent="0">
               <a:buNone/>
-              <a:defRPr sz="900"/>
+              <a:defRPr sz="1000"/>
             </a:lvl8pPr>
             <a:lvl9pPr marL="3657600" indent="0">
               <a:buNone/>
-              <a:defRPr sz="900"/>
+              <a:defRPr sz="1000"/>
             </a:lvl9pPr>
           </a:lstStyle>
           <a:p>
             <a:pPr lvl="0"/>
             <a:r>
               <a:rPr lang="en-US"/>
-              <a:t>Click to edit Master text styles</a:t>
-            </a:r>
-          </a:p>
-        </p:txBody>
-      </p:sp>
-      <p:sp>
-        <p:nvSpPr>
-          <p:cNvPr id="5" name="Date Placeholder 4"/>
+              <a:t>Edit Master text styles</a:t>
+            </a:r>
+          </a:p>
+        </p:txBody>
+      </p:sp>
+      <p:sp>
+        <p:nvSpPr>
+          <p:cNvPr id="5" name="Date Placeholder 4">
+            <a:extLst>
+              <a:ext uri="{FF2B5EF4-FFF2-40B4-BE49-F238E27FC236}">
+                <a16:creationId xmlns:a16="http://schemas.microsoft.com/office/drawing/2014/main" id="{E6B594E2-F935-204D-89C3-138DDB28E612}"/>
+              </a:ext>
+            </a:extLst>
+          </p:cNvPr>
           <p:cNvSpPr>
             <a:spLocks noGrp="1"/>
           </p:cNvSpPr>
@@ -2858,9 +2666,9 @@
           <a:bodyPr/>
           <a:lstStyle/>
           <a:p>
-            <a:fld id="{78C97017-6FC3-485B-9764-EAC9E56C1D49}" type="datetimeFigureOut">
+            <a:fld id="{A995DD06-FA5B-3C4A-9EC2-FFA80E37B40D}" type="datetimeFigureOut">
               <a:rPr lang="en-US" smtClean="0"/>
-              <a:t>7/6/2018</a:t>
+              <a:t>4/14/2019</a:t>
             </a:fld>
             <a:endParaRPr lang="en-US"/>
           </a:p>
@@ -2868,7 +2676,13 @@
       </p:sp>
       <p:sp>
         <p:nvSpPr>
-          <p:cNvPr id="6" name="Footer Placeholder 5"/>
+          <p:cNvPr id="6" name="Footer Placeholder 5">
+            <a:extLst>
+              <a:ext uri="{FF2B5EF4-FFF2-40B4-BE49-F238E27FC236}">
+                <a16:creationId xmlns:a16="http://schemas.microsoft.com/office/drawing/2014/main" id="{72843DE3-6B92-3B42-9EEF-98418EEA5945}"/>
+              </a:ext>
+            </a:extLst>
+          </p:cNvPr>
           <p:cNvSpPr>
             <a:spLocks noGrp="1"/>
           </p:cNvSpPr>
@@ -2887,7 +2701,13 @@
       </p:sp>
       <p:sp>
         <p:nvSpPr>
-          <p:cNvPr id="7" name="Slide Number Placeholder 6"/>
+          <p:cNvPr id="7" name="Slide Number Placeholder 6">
+            <a:extLst>
+              <a:ext uri="{FF2B5EF4-FFF2-40B4-BE49-F238E27FC236}">
+                <a16:creationId xmlns:a16="http://schemas.microsoft.com/office/drawing/2014/main" id="{37BCA92D-0730-E34B-AA72-853876DFF7A0}"/>
+              </a:ext>
+            </a:extLst>
+          </p:cNvPr>
           <p:cNvSpPr>
             <a:spLocks noGrp="1"/>
           </p:cNvSpPr>
@@ -2900,7 +2720,7 @@
           <a:bodyPr/>
           <a:lstStyle/>
           <a:p>
-            <a:fld id="{FB34683C-161B-4520-BF45-B179E228CF2A}" type="slidenum">
+            <a:fld id="{8F54CF7F-ED8D-EB4D-A513-26559C6519CD}" type="slidenum">
               <a:rPr lang="en-US" smtClean="0"/>
               <a:t>‹#›</a:t>
             </a:fld>
@@ -2911,7 +2731,7 @@
     </p:spTree>
     <p:extLst>
       <p:ext uri="{BB962C8B-B14F-4D97-AF65-F5344CB8AC3E}">
-        <p14:creationId xmlns:p14="http://schemas.microsoft.com/office/powerpoint/2010/main" val="201835938"/>
+        <p14:creationId xmlns:p14="http://schemas.microsoft.com/office/powerpoint/2010/main" val="1870002740"/>
       </p:ext>
     </p:extLst>
   </p:cSld>
@@ -2945,7 +2765,13 @@
       </p:grpSpPr>
       <p:sp>
         <p:nvSpPr>
-          <p:cNvPr id="2" name="Title Placeholder 1"/>
+          <p:cNvPr id="2" name="Title Placeholder 1">
+            <a:extLst>
+              <a:ext uri="{FF2B5EF4-FFF2-40B4-BE49-F238E27FC236}">
+                <a16:creationId xmlns:a16="http://schemas.microsoft.com/office/drawing/2014/main" id="{8C1D90A2-D0BA-6940-A49A-10D1BB0C9BC3}"/>
+              </a:ext>
+            </a:extLst>
+          </p:cNvPr>
           <p:cNvSpPr>
             <a:spLocks noGrp="1"/>
           </p:cNvSpPr>
@@ -2955,8 +2781,8 @@
         </p:nvSpPr>
         <p:spPr>
           <a:xfrm>
-            <a:off x="457200" y="274638"/>
-            <a:ext cx="8229600" cy="1143000"/>
+            <a:off x="838200" y="365125"/>
+            <a:ext cx="10515600" cy="1325563"/>
           </a:xfrm>
           <a:prstGeom prst="rect">
             <a:avLst/>
@@ -2977,7 +2803,13 @@
       </p:sp>
       <p:sp>
         <p:nvSpPr>
-          <p:cNvPr id="3" name="Text Placeholder 2"/>
+          <p:cNvPr id="3" name="Text Placeholder 2">
+            <a:extLst>
+              <a:ext uri="{FF2B5EF4-FFF2-40B4-BE49-F238E27FC236}">
+                <a16:creationId xmlns:a16="http://schemas.microsoft.com/office/drawing/2014/main" id="{24383CEE-C0A5-0945-A873-E237DFF9F907}"/>
+              </a:ext>
+            </a:extLst>
+          </p:cNvPr>
           <p:cNvSpPr>
             <a:spLocks noGrp="1"/>
           </p:cNvSpPr>
@@ -2987,8 +2819,8 @@
         </p:nvSpPr>
         <p:spPr>
           <a:xfrm>
-            <a:off x="457200" y="1600200"/>
-            <a:ext cx="8229600" cy="4525963"/>
+            <a:off x="838200" y="1825625"/>
+            <a:ext cx="10515600" cy="4351338"/>
           </a:xfrm>
           <a:prstGeom prst="rect">
             <a:avLst/>
@@ -3003,7 +2835,7 @@
             <a:pPr lvl="0"/>
             <a:r>
               <a:rPr lang="en-US"/>
-              <a:t>Click to edit Master text styles</a:t>
+              <a:t>Edit Master text styles</a:t>
             </a:r>
           </a:p>
           <a:p>
@@ -3038,7 +2870,13 @@
       </p:sp>
       <p:sp>
         <p:nvSpPr>
-          <p:cNvPr id="4" name="Date Placeholder 3"/>
+          <p:cNvPr id="4" name="Date Placeholder 3">
+            <a:extLst>
+              <a:ext uri="{FF2B5EF4-FFF2-40B4-BE49-F238E27FC236}">
+                <a16:creationId xmlns:a16="http://schemas.microsoft.com/office/drawing/2014/main" id="{A6A0C02D-7B06-504F-A672-C8EAA77417DB}"/>
+              </a:ext>
+            </a:extLst>
+          </p:cNvPr>
           <p:cNvSpPr>
             <a:spLocks noGrp="1"/>
           </p:cNvSpPr>
@@ -3048,8 +2886,8 @@
         </p:nvSpPr>
         <p:spPr>
           <a:xfrm>
-            <a:off x="457200" y="6356350"/>
-            <a:ext cx="2133600" cy="365125"/>
+            <a:off x="838200" y="6356350"/>
+            <a:ext cx="2743200" cy="365125"/>
           </a:xfrm>
           <a:prstGeom prst="rect">
             <a:avLst/>
@@ -3069,9 +2907,9 @@
             </a:lvl1pPr>
           </a:lstStyle>
           <a:p>
-            <a:fld id="{78C97017-6FC3-485B-9764-EAC9E56C1D49}" type="datetimeFigureOut">
+            <a:fld id="{A995DD06-FA5B-3C4A-9EC2-FFA80E37B40D}" type="datetimeFigureOut">
               <a:rPr lang="en-US" smtClean="0"/>
-              <a:t>7/6/2018</a:t>
+              <a:t>4/14/2019</a:t>
             </a:fld>
             <a:endParaRPr lang="en-US"/>
           </a:p>
@@ -3079,7 +2917,13 @@
       </p:sp>
       <p:sp>
         <p:nvSpPr>
-          <p:cNvPr id="5" name="Footer Placeholder 4"/>
+          <p:cNvPr id="5" name="Footer Placeholder 4">
+            <a:extLst>
+              <a:ext uri="{FF2B5EF4-FFF2-40B4-BE49-F238E27FC236}">
+                <a16:creationId xmlns:a16="http://schemas.microsoft.com/office/drawing/2014/main" id="{08BD92CE-5ABF-F041-A62C-F9934F50A154}"/>
+              </a:ext>
+            </a:extLst>
+          </p:cNvPr>
           <p:cNvSpPr>
             <a:spLocks noGrp="1"/>
           </p:cNvSpPr>
@@ -3089,8 +2933,8 @@
         </p:nvSpPr>
         <p:spPr>
           <a:xfrm>
-            <a:off x="3124200" y="6356350"/>
-            <a:ext cx="2895600" cy="365125"/>
+            <a:off x="4038600" y="6356350"/>
+            <a:ext cx="4114800" cy="365125"/>
           </a:xfrm>
           <a:prstGeom prst="rect">
             <a:avLst/>
@@ -3116,7 +2960,13 @@
       </p:sp>
       <p:sp>
         <p:nvSpPr>
-          <p:cNvPr id="6" name="Slide Number Placeholder 5"/>
+          <p:cNvPr id="6" name="Slide Number Placeholder 5">
+            <a:extLst>
+              <a:ext uri="{FF2B5EF4-FFF2-40B4-BE49-F238E27FC236}">
+                <a16:creationId xmlns:a16="http://schemas.microsoft.com/office/drawing/2014/main" id="{51889B78-598D-F340-972F-90057380A7EC}"/>
+              </a:ext>
+            </a:extLst>
+          </p:cNvPr>
           <p:cNvSpPr>
             <a:spLocks noGrp="1"/>
           </p:cNvSpPr>
@@ -3126,8 +2976,8 @@
         </p:nvSpPr>
         <p:spPr>
           <a:xfrm>
-            <a:off x="6553200" y="6356350"/>
-            <a:ext cx="2133600" cy="365125"/>
+            <a:off x="8610600" y="6356350"/>
+            <a:ext cx="2743200" cy="365125"/>
           </a:xfrm>
           <a:prstGeom prst="rect">
             <a:avLst/>
@@ -3147,7 +2997,7 @@
             </a:lvl1pPr>
           </a:lstStyle>
           <a:p>
-            <a:fld id="{FB34683C-161B-4520-BF45-B179E228CF2A}" type="slidenum">
+            <a:fld id="{8F54CF7F-ED8D-EB4D-A513-26559C6519CD}" type="slidenum">
               <a:rPr lang="en-US" smtClean="0"/>
               <a:t>‹#›</a:t>
             </a:fld>
@@ -3158,7 +3008,7 @@
     </p:spTree>
     <p:extLst>
       <p:ext uri="{BB962C8B-B14F-4D97-AF65-F5344CB8AC3E}">
-        <p14:creationId xmlns:p14="http://schemas.microsoft.com/office/powerpoint/2010/main" val="2341400630"/>
+        <p14:creationId xmlns:p14="http://schemas.microsoft.com/office/powerpoint/2010/main" val="4145281099"/>
       </p:ext>
     </p:extLst>
   </p:cSld>
@@ -3178,7 +3028,10 @@
   </p:sldLayoutIdLst>
   <p:txStyles>
     <p:titleStyle>
-      <a:lvl1pPr algn="ctr" defTabSz="914400" rtl="0" eaLnBrk="1" latinLnBrk="0" hangingPunct="1">
+      <a:lvl1pPr algn="l" defTabSz="914400" rtl="0" eaLnBrk="1" latinLnBrk="0" hangingPunct="1">
+        <a:lnSpc>
+          <a:spcPct val="90000"/>
+        </a:lnSpc>
         <a:spcBef>
           <a:spcPct val="0"/>
         </a:spcBef>
@@ -3194,13 +3047,16 @@
       </a:lvl1pPr>
     </p:titleStyle>
     <p:bodyStyle>
-      <a:lvl1pPr marL="342900" indent="-342900" algn="l" defTabSz="914400" rtl="0" eaLnBrk="1" latinLnBrk="0" hangingPunct="1">
+      <a:lvl1pPr marL="228600" indent="-228600" algn="l" defTabSz="914400" rtl="0" eaLnBrk="1" latinLnBrk="0" hangingPunct="1">
+        <a:lnSpc>
+          <a:spcPct val="90000"/>
+        </a:lnSpc>
         <a:spcBef>
-          <a:spcPct val="20000"/>
+          <a:spcPts val="1000"/>
         </a:spcBef>
         <a:buFont typeface="Arial" panose="020B0604020202020204" pitchFamily="34" charset="0"/>
         <a:buChar char="•"/>
-        <a:defRPr sz="3200" kern="1200">
+        <a:defRPr sz="2800" kern="1200">
           <a:solidFill>
             <a:schemeClr val="tx1"/>
           </a:solidFill>
@@ -3209,24 +3065,12 @@
           <a:cs typeface="+mn-cs"/>
         </a:defRPr>
       </a:lvl1pPr>
-      <a:lvl2pPr marL="742950" indent="-285750" algn="l" defTabSz="914400" rtl="0" eaLnBrk="1" latinLnBrk="0" hangingPunct="1">
+      <a:lvl2pPr marL="685800" indent="-228600" algn="l" defTabSz="914400" rtl="0" eaLnBrk="1" latinLnBrk="0" hangingPunct="1">
+        <a:lnSpc>
+          <a:spcPct val="90000"/>
+        </a:lnSpc>
         <a:spcBef>
-          <a:spcPct val="20000"/>
-        </a:spcBef>
-        <a:buFont typeface="Arial" panose="020B0604020202020204" pitchFamily="34" charset="0"/>
-        <a:buChar char="–"/>
-        <a:defRPr sz="2800" kern="1200">
-          <a:solidFill>
-            <a:schemeClr val="tx1"/>
-          </a:solidFill>
-          <a:latin typeface="+mn-lt"/>
-          <a:ea typeface="+mn-ea"/>
-          <a:cs typeface="+mn-cs"/>
-        </a:defRPr>
-      </a:lvl2pPr>
-      <a:lvl3pPr marL="1143000" indent="-228600" algn="l" defTabSz="914400" rtl="0" eaLnBrk="1" latinLnBrk="0" hangingPunct="1">
-        <a:spcBef>
-          <a:spcPct val="20000"/>
+          <a:spcPts val="500"/>
         </a:spcBef>
         <a:buFont typeface="Arial" panose="020B0604020202020204" pitchFamily="34" charset="0"/>
         <a:buChar char="•"/>
@@ -3238,40 +3082,13 @@
           <a:ea typeface="+mn-ea"/>
           <a:cs typeface="+mn-cs"/>
         </a:defRPr>
-      </a:lvl3pPr>
-      <a:lvl4pPr marL="1600200" indent="-228600" algn="l" defTabSz="914400" rtl="0" eaLnBrk="1" latinLnBrk="0" hangingPunct="1">
+      </a:lvl2pPr>
+      <a:lvl3pPr marL="1143000" indent="-228600" algn="l" defTabSz="914400" rtl="0" eaLnBrk="1" latinLnBrk="0" hangingPunct="1">
+        <a:lnSpc>
+          <a:spcPct val="90000"/>
+        </a:lnSpc>
         <a:spcBef>
-          <a:spcPct val="20000"/>
-        </a:spcBef>
-        <a:buFont typeface="Arial" panose="020B0604020202020204" pitchFamily="34" charset="0"/>
-        <a:buChar char="–"/>
-        <a:defRPr sz="2000" kern="1200">
-          <a:solidFill>
-            <a:schemeClr val="tx1"/>
-          </a:solidFill>
-          <a:latin typeface="+mn-lt"/>
-          <a:ea typeface="+mn-ea"/>
-          <a:cs typeface="+mn-cs"/>
-        </a:defRPr>
-      </a:lvl4pPr>
-      <a:lvl5pPr marL="2057400" indent="-228600" algn="l" defTabSz="914400" rtl="0" eaLnBrk="1" latinLnBrk="0" hangingPunct="1">
-        <a:spcBef>
-          <a:spcPct val="20000"/>
-        </a:spcBef>
-        <a:buFont typeface="Arial" panose="020B0604020202020204" pitchFamily="34" charset="0"/>
-        <a:buChar char="»"/>
-        <a:defRPr sz="2000" kern="1200">
-          <a:solidFill>
-            <a:schemeClr val="tx1"/>
-          </a:solidFill>
-          <a:latin typeface="+mn-lt"/>
-          <a:ea typeface="+mn-ea"/>
-          <a:cs typeface="+mn-cs"/>
-        </a:defRPr>
-      </a:lvl5pPr>
-      <a:lvl6pPr marL="2514600" indent="-228600" algn="l" defTabSz="914400" rtl="0" eaLnBrk="1" latinLnBrk="0" hangingPunct="1">
-        <a:spcBef>
-          <a:spcPct val="20000"/>
+          <a:spcPts val="500"/>
         </a:spcBef>
         <a:buFont typeface="Arial" panose="020B0604020202020204" pitchFamily="34" charset="0"/>
         <a:buChar char="•"/>
@@ -3283,14 +3100,71 @@
           <a:ea typeface="+mn-ea"/>
           <a:cs typeface="+mn-cs"/>
         </a:defRPr>
-      </a:lvl6pPr>
-      <a:lvl7pPr marL="2971800" indent="-228600" algn="l" defTabSz="914400" rtl="0" eaLnBrk="1" latinLnBrk="0" hangingPunct="1">
+      </a:lvl3pPr>
+      <a:lvl4pPr marL="1600200" indent="-228600" algn="l" defTabSz="914400" rtl="0" eaLnBrk="1" latinLnBrk="0" hangingPunct="1">
+        <a:lnSpc>
+          <a:spcPct val="90000"/>
+        </a:lnSpc>
         <a:spcBef>
-          <a:spcPct val="20000"/>
+          <a:spcPts val="500"/>
         </a:spcBef>
         <a:buFont typeface="Arial" panose="020B0604020202020204" pitchFamily="34" charset="0"/>
         <a:buChar char="•"/>
-        <a:defRPr sz="2000" kern="1200">
+        <a:defRPr sz="1800" kern="1200">
+          <a:solidFill>
+            <a:schemeClr val="tx1"/>
+          </a:solidFill>
+          <a:latin typeface="+mn-lt"/>
+          <a:ea typeface="+mn-ea"/>
+          <a:cs typeface="+mn-cs"/>
+        </a:defRPr>
+      </a:lvl4pPr>
+      <a:lvl5pPr marL="2057400" indent="-228600" algn="l" defTabSz="914400" rtl="0" eaLnBrk="1" latinLnBrk="0" hangingPunct="1">
+        <a:lnSpc>
+          <a:spcPct val="90000"/>
+        </a:lnSpc>
+        <a:spcBef>
+          <a:spcPts val="500"/>
+        </a:spcBef>
+        <a:buFont typeface="Arial" panose="020B0604020202020204" pitchFamily="34" charset="0"/>
+        <a:buChar char="•"/>
+        <a:defRPr sz="1800" kern="1200">
+          <a:solidFill>
+            <a:schemeClr val="tx1"/>
+          </a:solidFill>
+          <a:latin typeface="+mn-lt"/>
+          <a:ea typeface="+mn-ea"/>
+          <a:cs typeface="+mn-cs"/>
+        </a:defRPr>
+      </a:lvl5pPr>
+      <a:lvl6pPr marL="2514600" indent="-228600" algn="l" defTabSz="914400" rtl="0" eaLnBrk="1" latinLnBrk="0" hangingPunct="1">
+        <a:lnSpc>
+          <a:spcPct val="90000"/>
+        </a:lnSpc>
+        <a:spcBef>
+          <a:spcPts val="500"/>
+        </a:spcBef>
+        <a:buFont typeface="Arial" panose="020B0604020202020204" pitchFamily="34" charset="0"/>
+        <a:buChar char="•"/>
+        <a:defRPr sz="1800" kern="1200">
+          <a:solidFill>
+            <a:schemeClr val="tx1"/>
+          </a:solidFill>
+          <a:latin typeface="+mn-lt"/>
+          <a:ea typeface="+mn-ea"/>
+          <a:cs typeface="+mn-cs"/>
+        </a:defRPr>
+      </a:lvl6pPr>
+      <a:lvl7pPr marL="2971800" indent="-228600" algn="l" defTabSz="914400" rtl="0" eaLnBrk="1" latinLnBrk="0" hangingPunct="1">
+        <a:lnSpc>
+          <a:spcPct val="90000"/>
+        </a:lnSpc>
+        <a:spcBef>
+          <a:spcPts val="500"/>
+        </a:spcBef>
+        <a:buFont typeface="Arial" panose="020B0604020202020204" pitchFamily="34" charset="0"/>
+        <a:buChar char="•"/>
+        <a:defRPr sz="1800" kern="1200">
           <a:solidFill>
             <a:schemeClr val="tx1"/>
           </a:solidFill>
@@ -3300,12 +3174,15 @@
         </a:defRPr>
       </a:lvl7pPr>
       <a:lvl8pPr marL="3429000" indent="-228600" algn="l" defTabSz="914400" rtl="0" eaLnBrk="1" latinLnBrk="0" hangingPunct="1">
+        <a:lnSpc>
+          <a:spcPct val="90000"/>
+        </a:lnSpc>
         <a:spcBef>
-          <a:spcPct val="20000"/>
+          <a:spcPts val="500"/>
         </a:spcBef>
         <a:buFont typeface="Arial" panose="020B0604020202020204" pitchFamily="34" charset="0"/>
         <a:buChar char="•"/>
-        <a:defRPr sz="2000" kern="1200">
+        <a:defRPr sz="1800" kern="1200">
           <a:solidFill>
             <a:schemeClr val="tx1"/>
           </a:solidFill>
@@ -3315,12 +3192,15 @@
         </a:defRPr>
       </a:lvl8pPr>
       <a:lvl9pPr marL="3886200" indent="-228600" algn="l" defTabSz="914400" rtl="0" eaLnBrk="1" latinLnBrk="0" hangingPunct="1">
+        <a:lnSpc>
+          <a:spcPct val="90000"/>
+        </a:lnSpc>
         <a:spcBef>
-          <a:spcPct val="20000"/>
+          <a:spcPts val="500"/>
         </a:spcBef>
         <a:buFont typeface="Arial" panose="020B0604020202020204" pitchFamily="34" charset="0"/>
         <a:buChar char="•"/>
-        <a:defRPr sz="2000" kern="1200">
+        <a:defRPr sz="1800" kern="1200">
           <a:solidFill>
             <a:schemeClr val="tx1"/>
           </a:solidFill>
@@ -3454,8 +3334,8 @@
         </p:nvSpPr>
         <p:spPr>
           <a:xfrm>
-            <a:off x="6459374" y="118895"/>
-            <a:ext cx="3903825" cy="4400926"/>
+            <a:off x="6980376" y="162442"/>
+            <a:ext cx="3317722" cy="6439931"/>
           </a:xfrm>
           <a:prstGeom prst="roundRect">
             <a:avLst>
@@ -3492,12 +3372,12 @@
           <a:lstStyle/>
           <a:p>
             <a:r>
-              <a:rPr lang="en-US" sz="1200" b="1" dirty="0">
+              <a:rPr lang="en-US" sz="1200" b="1">
                 <a:solidFill>
                   <a:srgbClr val="7030A0"/>
                 </a:solidFill>
               </a:rPr>
-              <a:t>Model</a:t>
+              <a:t>CurrentEdit</a:t>
             </a:r>
             <a:endParaRPr lang="en-SG" sz="1200" b="1" dirty="0">
               <a:solidFill>
@@ -3515,8 +3395,8 @@
         </p:nvSpPr>
         <p:spPr>
           <a:xfrm>
-            <a:off x="467813" y="163018"/>
-            <a:ext cx="5863964" cy="4343400"/>
+            <a:off x="1107459" y="152780"/>
+            <a:ext cx="5863964" cy="6439933"/>
           </a:xfrm>
           <a:prstGeom prst="roundRect">
             <a:avLst>
@@ -3576,7 +3456,7 @@
         </p:nvSpPr>
         <p:spPr>
           <a:xfrm>
-            <a:off x="883145" y="543946"/>
+            <a:off x="1839375" y="119915"/>
             <a:ext cx="1455629" cy="346760"/>
           </a:xfrm>
           <a:prstGeom prst="rect">
@@ -3645,8 +3525,8 @@
         </p:nvCxnSpPr>
         <p:spPr>
           <a:xfrm>
-            <a:off x="1610959" y="907617"/>
-            <a:ext cx="0" cy="3481399"/>
+            <a:off x="2469903" y="553627"/>
+            <a:ext cx="0" cy="5908282"/>
           </a:xfrm>
           <a:prstGeom prst="line">
             <a:avLst/>
@@ -3682,8 +3562,8 @@
         </p:nvSpPr>
         <p:spPr>
           <a:xfrm>
-            <a:off x="1538951" y="1258311"/>
-            <a:ext cx="152400" cy="2932689"/>
+            <a:off x="2388973" y="904321"/>
+            <a:ext cx="193316" cy="5350427"/>
           </a:xfrm>
           <a:prstGeom prst="rect">
             <a:avLst/>
@@ -3729,7 +3609,7 @@
         </p:nvSpPr>
         <p:spPr>
           <a:xfrm>
-            <a:off x="3437188" y="423022"/>
+            <a:off x="4296132" y="69031"/>
             <a:ext cx="1219200" cy="467684"/>
           </a:xfrm>
           <a:prstGeom prst="rect">
@@ -3765,23 +3645,28 @@
           <a:p>
             <a:pPr algn="ctr"/>
             <a:r>
+              <a:rPr lang="en-US" sz="1600">
+                <a:solidFill>
+                  <a:schemeClr val="bg1"/>
+                </a:solidFill>
+              </a:rPr>
+              <a:t>:FomoFoto</a:t>
+            </a:r>
+            <a:r>
               <a:rPr lang="en-US" sz="1600" dirty="0">
                 <a:solidFill>
                   <a:schemeClr val="bg1"/>
                 </a:solidFill>
               </a:rPr>
-              <a:t>:Address</a:t>
-            </a:r>
-          </a:p>
-          <a:p>
-            <a:pPr algn="ctr"/>
-            <a:r>
-              <a:rPr lang="en-US" sz="1600" dirty="0" err="1">
+              <a:t> </a:t>
+            </a:r>
+            <a:r>
+              <a:rPr lang="en-US" sz="1600">
                 <a:solidFill>
                   <a:schemeClr val="bg1"/>
                 </a:solidFill>
               </a:rPr>
-              <a:t>BookParser</a:t>
+              <a:t>Parser</a:t>
             </a:r>
             <a:endParaRPr lang="en-SG" sz="1600" dirty="0">
               <a:solidFill>
@@ -3801,7 +3686,7 @@
         </p:nvCxnSpPr>
         <p:spPr>
           <a:xfrm>
-            <a:off x="4050587" y="907617"/>
+            <a:off x="4909531" y="553626"/>
             <a:ext cx="0" cy="1482984"/>
           </a:xfrm>
           <a:prstGeom prst="line">
@@ -3838,7 +3723,7 @@
         </p:nvSpPr>
         <p:spPr>
           <a:xfrm>
-            <a:off x="3978580" y="1365810"/>
+            <a:off x="4837524" y="1011819"/>
             <a:ext cx="154408" cy="767790"/>
           </a:xfrm>
           <a:prstGeom prst="rect">
@@ -3873,11 +3758,7 @@
           <a:lstStyle/>
           <a:p>
             <a:pPr algn="ctr"/>
-            <a:endParaRPr lang="en-SG" sz="1400">
-              <a:solidFill>
-                <a:schemeClr val="dk1"/>
-              </a:solidFill>
-            </a:endParaRPr>
+            <a:endParaRPr lang="en-SG" sz="1400"/>
           </a:p>
         </p:txBody>
       </p:sp>
@@ -3893,8 +3774,8 @@
         </p:nvCxnSpPr>
         <p:spPr>
           <a:xfrm>
-            <a:off x="5602082" y="1613633"/>
-            <a:ext cx="0" cy="2644578"/>
+            <a:off x="6461026" y="1259643"/>
+            <a:ext cx="0" cy="4940656"/>
           </a:xfrm>
           <a:prstGeom prst="line">
             <a:avLst/>
@@ -3930,7 +3811,7 @@
         </p:nvSpPr>
         <p:spPr>
           <a:xfrm>
-            <a:off x="5525882" y="1613633"/>
+            <a:off x="6384826" y="1259643"/>
             <a:ext cx="152400" cy="276003"/>
           </a:xfrm>
           <a:prstGeom prst="rect">
@@ -3972,12 +3853,14 @@
       <p:cxnSp>
         <p:nvCxnSpPr>
           <p:cNvPr id="23" name="Straight Arrow Connector 22"/>
-          <p:cNvCxnSpPr/>
+          <p:cNvCxnSpPr>
+            <a:cxnSpLocks/>
+          </p:cNvCxnSpPr>
           <p:nvPr/>
         </p:nvCxnSpPr>
         <p:spPr>
           <a:xfrm>
-            <a:off x="419100" y="1261999"/>
+            <a:off x="1278045" y="908008"/>
             <a:ext cx="1119851" cy="0"/>
           </a:xfrm>
           <a:prstGeom prst="straightConnector1">
@@ -4013,8 +3896,8 @@
         </p:nvSpPr>
         <p:spPr>
           <a:xfrm>
-            <a:off x="38100" y="990600"/>
-            <a:ext cx="1424846" cy="215444"/>
+            <a:off x="1151326" y="904319"/>
+            <a:ext cx="1179128" cy="646331"/>
           </a:xfrm>
           <a:prstGeom prst="rect">
             <a:avLst/>
@@ -4027,14 +3910,41 @@
           </a:bodyPr>
           <a:lstStyle/>
           <a:p>
-            <a:pPr algn="r"/>
+            <a:pPr algn="ctr"/>
             <a:r>
               <a:rPr lang="en-US" sz="1400" dirty="0">
                 <a:solidFill>
                   <a:srgbClr val="0070C0"/>
                 </a:solidFill>
               </a:rPr>
-              <a:t>execute(“undo”)</a:t>
+              <a:t>execute</a:t>
+            </a:r>
+          </a:p>
+          <a:p>
+            <a:pPr algn="ctr"/>
+            <a:r>
+              <a:rPr lang="en-US" sz="1400" dirty="0">
+                <a:solidFill>
+                  <a:srgbClr val="0070C0"/>
+                </a:solidFill>
+              </a:rPr>
+              <a:t>(“contrast &lt;</a:t>
+            </a:r>
+            <a:r>
+              <a:rPr lang="en-US" sz="1400" dirty="0" err="1">
+                <a:solidFill>
+                  <a:srgbClr val="0070C0"/>
+                </a:solidFill>
+              </a:rPr>
+              <a:t>args</a:t>
+            </a:r>
+            <a:r>
+              <a:rPr lang="en-US" sz="1400" dirty="0">
+                <a:solidFill>
+                  <a:srgbClr val="0070C0"/>
+                </a:solidFill>
+              </a:rPr>
+              <a:t>&gt;”)</a:t>
             </a:r>
           </a:p>
         </p:txBody>
@@ -4042,12 +3952,14 @@
       <p:cxnSp>
         <p:nvCxnSpPr>
           <p:cNvPr id="28" name="Straight Arrow Connector 27"/>
-          <p:cNvCxnSpPr/>
+          <p:cNvCxnSpPr>
+            <a:cxnSpLocks/>
+          </p:cNvCxnSpPr>
           <p:nvPr/>
         </p:nvCxnSpPr>
         <p:spPr>
           <a:xfrm flipV="1">
-            <a:off x="4135972" y="1512340"/>
+            <a:off x="4994916" y="1158350"/>
             <a:ext cx="922392" cy="1"/>
           </a:xfrm>
           <a:prstGeom prst="straightConnector1">
@@ -4083,7 +3995,7 @@
         </p:nvSpPr>
         <p:spPr>
           <a:xfrm>
-            <a:off x="3243421" y="2484071"/>
+            <a:off x="4102366" y="2130080"/>
             <a:ext cx="855809" cy="215444"/>
           </a:xfrm>
           <a:prstGeom prst="rect">
@@ -4118,12 +4030,14 @@
       <p:cxnSp>
         <p:nvCxnSpPr>
           <p:cNvPr id="34" name="Straight Arrow Connector 33"/>
-          <p:cNvCxnSpPr/>
+          <p:cNvCxnSpPr>
+            <a:cxnSpLocks/>
+          </p:cNvCxnSpPr>
           <p:nvPr/>
         </p:nvCxnSpPr>
         <p:spPr>
           <a:xfrm>
-            <a:off x="4109108" y="1878232"/>
+            <a:off x="4968052" y="1524241"/>
             <a:ext cx="1492974" cy="0"/>
           </a:xfrm>
           <a:prstGeom prst="straightConnector1">
@@ -4163,7 +4077,7 @@
         </p:nvCxnSpPr>
         <p:spPr>
           <a:xfrm>
-            <a:off x="1691351" y="2133600"/>
+            <a:off x="2550296" y="1779609"/>
             <a:ext cx="2348067" cy="0"/>
           </a:xfrm>
           <a:prstGeom prst="straightConnector1">
@@ -4196,12 +4110,14 @@
       <p:cxnSp>
         <p:nvCxnSpPr>
           <p:cNvPr id="37" name="Straight Arrow Connector 36"/>
-          <p:cNvCxnSpPr/>
+          <p:cNvCxnSpPr>
+            <a:cxnSpLocks/>
+          </p:cNvCxnSpPr>
           <p:nvPr/>
         </p:nvCxnSpPr>
         <p:spPr>
           <a:xfrm>
-            <a:off x="380999" y="4191000"/>
+            <a:off x="1289580" y="6200299"/>
             <a:ext cx="1196051" cy="0"/>
           </a:xfrm>
           <a:prstGeom prst="straightConnector1">
@@ -4239,8 +4155,8 @@
         </p:nvSpPr>
         <p:spPr>
           <a:xfrm>
-            <a:off x="5526488" y="2731313"/>
-            <a:ext cx="161322" cy="1307285"/>
+            <a:off x="6385432" y="2377323"/>
+            <a:ext cx="135889" cy="3673378"/>
           </a:xfrm>
           <a:prstGeom prst="rect">
             <a:avLst/>
@@ -4286,8 +4202,8 @@
         </p:nvSpPr>
         <p:spPr>
           <a:xfrm>
-            <a:off x="5651548" y="2748246"/>
-            <a:ext cx="1298078" cy="184666"/>
+            <a:off x="6124579" y="3051534"/>
+            <a:ext cx="1665595" cy="369332"/>
           </a:xfrm>
           <a:prstGeom prst="rect">
             <a:avLst/>
@@ -4312,25 +4228,29 @@
           </a:lstStyle>
           <a:p>
             <a:r>
-              <a:rPr lang="en-US" sz="1200" dirty="0" err="1">
+              <a:rPr lang="en-US" sz="1200">
                 <a:solidFill>
                   <a:schemeClr val="accent4">
                     <a:lumMod val="75000"/>
                   </a:schemeClr>
                 </a:solidFill>
               </a:rPr>
-              <a:t>undo</a:t>
-            </a:r>
-            <a:r>
-              <a:rPr lang="en-US" sz="1200" dirty="0" err="1">
+              <a:t>replaceTempWith</a:t>
+            </a:r>
+          </a:p>
+          <a:p>
+            <a:r>
+              <a:rPr lang="en-US" sz="1200">
                 <a:solidFill>
-                  <a:srgbClr val="7030A0"/>
+                  <a:schemeClr val="accent4">
+                    <a:lumMod val="75000"/>
+                  </a:schemeClr>
                 </a:solidFill>
               </a:rPr>
-              <a:t>AddressBook</a:t>
-            </a:r>
-            <a:r>
-              <a:rPr lang="en-US" sz="1200" dirty="0">
+              <a:t>Original</a:t>
+            </a:r>
+            <a:r>
+              <a:rPr lang="en-US" sz="1200">
                 <a:solidFill>
                   <a:srgbClr val="7030A0"/>
                 </a:solidFill>
@@ -4349,8 +4269,8 @@
         </p:nvSpPr>
         <p:spPr>
           <a:xfrm>
-            <a:off x="1885189" y="1106150"/>
-            <a:ext cx="1899551" cy="215444"/>
+            <a:off x="2609930" y="686761"/>
+            <a:ext cx="2079761" cy="215444"/>
           </a:xfrm>
           <a:prstGeom prst="rect">
             <a:avLst/>
@@ -4380,7 +4300,7 @@
             </a:r>
             <a:r>
               <a:rPr lang="en-US" dirty="0"/>
-              <a:t>(“undo”)</a:t>
+              <a:t>(“contrast”)</a:t>
             </a:r>
           </a:p>
         </p:txBody>
@@ -4393,7 +4313,7 @@
         </p:nvSpPr>
         <p:spPr>
           <a:xfrm>
-            <a:off x="3272755" y="3791076"/>
+            <a:off x="4387453" y="6061520"/>
             <a:ext cx="621216" cy="215444"/>
           </a:xfrm>
           <a:prstGeom prst="rect">
@@ -4433,7 +4353,7 @@
         </p:nvSpPr>
         <p:spPr>
           <a:xfrm>
-            <a:off x="645270" y="3945901"/>
+            <a:off x="1337478" y="5942981"/>
             <a:ext cx="762000" cy="215444"/>
           </a:xfrm>
           <a:prstGeom prst="rect">
@@ -4473,8 +4393,8 @@
         </p:nvSpPr>
         <p:spPr>
           <a:xfrm>
-            <a:off x="7497155" y="2568606"/>
-            <a:ext cx="2181777" cy="335427"/>
+            <a:off x="8927592" y="2044902"/>
+            <a:ext cx="1294659" cy="244173"/>
           </a:xfrm>
           <a:prstGeom prst="rect">
             <a:avLst/>
@@ -4514,15 +4434,7 @@
                   <a:schemeClr val="bg1"/>
                 </a:solidFill>
               </a:rPr>
-              <a:t>:</a:t>
-            </a:r>
-            <a:r>
-              <a:rPr lang="en-US" sz="1600" dirty="0" err="1">
-                <a:solidFill>
-                  <a:schemeClr val="bg1"/>
-                </a:solidFill>
-              </a:rPr>
-              <a:t>VersionedAddressBook</a:t>
+              <a:t>: Image</a:t>
             </a:r>
             <a:endParaRPr lang="en-SG" sz="1600" dirty="0">
               <a:solidFill>
@@ -4534,61 +4446,14 @@
       </p:sp>
       <p:sp>
         <p:nvSpPr>
-          <p:cNvPr id="86" name="Rectangle 85"/>
-          <p:cNvSpPr/>
-          <p:nvPr/>
-        </p:nvSpPr>
-        <p:spPr>
-          <a:xfrm>
-            <a:off x="8514207" y="3182840"/>
-            <a:ext cx="129933" cy="398562"/>
-          </a:xfrm>
-          <a:prstGeom prst="rect">
-            <a:avLst/>
-          </a:prstGeom>
-          <a:solidFill>
-            <a:srgbClr val="7030A0"/>
-          </a:solidFill>
-          <a:ln>
-            <a:solidFill>
-              <a:srgbClr val="7030A0"/>
-            </a:solidFill>
-          </a:ln>
-          <a:effectLst/>
-        </p:spPr>
-        <p:style>
-          <a:lnRef idx="1">
-            <a:schemeClr val="accent3"/>
-          </a:lnRef>
-          <a:fillRef idx="2">
-            <a:schemeClr val="accent3"/>
-          </a:fillRef>
-          <a:effectRef idx="1">
-            <a:schemeClr val="accent3"/>
-          </a:effectRef>
-          <a:fontRef idx="minor">
-            <a:schemeClr val="dk1"/>
-          </a:fontRef>
-        </p:style>
-        <p:txBody>
-          <a:bodyPr rtlCol="0" anchor="ctr"/>
-          <a:lstStyle/>
-          <a:p>
-            <a:pPr algn="ctr"/>
-            <a:endParaRPr lang="en-SG" sz="1400"/>
-          </a:p>
-        </p:txBody>
-      </p:sp>
-      <p:sp>
-        <p:nvSpPr>
           <p:cNvPr id="93" name="TextBox 92"/>
           <p:cNvSpPr txBox="1"/>
           <p:nvPr/>
         </p:nvSpPr>
         <p:spPr>
           <a:xfrm>
-            <a:off x="2724792" y="1905793"/>
-            <a:ext cx="220343" cy="215444"/>
+            <a:off x="2950636" y="1511918"/>
+            <a:ext cx="1365403" cy="215444"/>
           </a:xfrm>
           <a:prstGeom prst="rect">
             <a:avLst/>
@@ -4612,10 +4477,12 @@
             </a:lvl1pPr>
           </a:lstStyle>
           <a:p>
-            <a:r>
-              <a:rPr lang="en-US" dirty="0"/>
-              <a:t>u</a:t>
-            </a:r>
+            <a:pPr algn="ctr"/>
+            <a:r>
+              <a:rPr lang="en-US" dirty="0" err="1"/>
+              <a:t>UndoCommand</a:t>
+            </a:r>
+            <a:endParaRPr lang="en-US" dirty="0"/>
           </a:p>
         </p:txBody>
       </p:sp>
@@ -4627,8 +4494,8 @@
         </p:nvSpPr>
         <p:spPr>
           <a:xfrm>
-            <a:off x="6549765" y="2362200"/>
-            <a:ext cx="841636" cy="300180"/>
+            <a:off x="7252818" y="2044902"/>
+            <a:ext cx="1404389" cy="265287"/>
           </a:xfrm>
           <a:prstGeom prst="rect">
             <a:avLst/>
@@ -4663,12 +4530,12 @@
           <a:p>
             <a:pPr algn="ctr"/>
             <a:r>
-              <a:rPr lang="en-US" sz="1600" dirty="0">
+              <a:rPr lang="en-US" sz="1600">
                 <a:solidFill>
                   <a:schemeClr val="bg1"/>
                 </a:solidFill>
               </a:rPr>
-              <a:t>: Model</a:t>
+              <a:t>: CurrentEdit</a:t>
             </a:r>
             <a:endParaRPr lang="en-SG" sz="1600" dirty="0">
               <a:solidFill>
@@ -4687,9 +4554,9 @@
           <p:nvPr/>
         </p:nvCxnSpPr>
         <p:spPr>
-          <a:xfrm flipH="1">
-            <a:off x="6986491" y="2653306"/>
-            <a:ext cx="3959" cy="1735710"/>
+          <a:xfrm>
+            <a:off x="8005232" y="2299315"/>
+            <a:ext cx="66580" cy="4711085"/>
           </a:xfrm>
           <a:prstGeom prst="line">
             <a:avLst/>
@@ -4717,16 +4584,483 @@
           </a:fontRef>
         </p:style>
       </p:cxnSp>
-      <p:sp>
-        <p:nvSpPr>
-          <p:cNvPr id="49" name="Rectangle 48"/>
+      <p:cxnSp>
+        <p:nvCxnSpPr>
+          <p:cNvPr id="50" name="Straight Arrow Connector 49"/>
+          <p:cNvCxnSpPr>
+            <a:cxnSpLocks/>
+          </p:cNvCxnSpPr>
+          <p:nvPr/>
+        </p:nvCxnSpPr>
+        <p:spPr>
+          <a:xfrm>
+            <a:off x="6515921" y="2621353"/>
+            <a:ext cx="1462638" cy="0"/>
+          </a:xfrm>
+          <a:prstGeom prst="straightConnector1">
+            <a:avLst/>
+          </a:prstGeom>
+          <a:ln w="19050">
+            <a:solidFill>
+              <a:srgbClr val="0070C0"/>
+            </a:solidFill>
+            <a:tailEnd type="arrow"/>
+          </a:ln>
+        </p:spPr>
+        <p:style>
+          <a:lnRef idx="1">
+            <a:schemeClr val="accent1"/>
+          </a:lnRef>
+          <a:fillRef idx="0">
+            <a:schemeClr val="accent1"/>
+          </a:fillRef>
+          <a:effectRef idx="0">
+            <a:schemeClr val="accent1"/>
+          </a:effectRef>
+          <a:fontRef idx="minor">
+            <a:schemeClr val="tx1"/>
+          </a:fontRef>
+        </p:style>
+      </p:cxnSp>
+      <p:sp>
+        <p:nvSpPr>
+          <p:cNvPr id="4" name="TextBox 3"/>
+          <p:cNvSpPr txBox="1"/>
+          <p:nvPr/>
+        </p:nvSpPr>
+        <p:spPr>
+          <a:xfrm>
+            <a:off x="6331824" y="6200299"/>
+            <a:ext cx="258404" cy="261610"/>
+          </a:xfrm>
+          <a:prstGeom prst="rect">
+            <a:avLst/>
+          </a:prstGeom>
+          <a:noFill/>
+        </p:spPr>
+        <p:txBody>
+          <a:bodyPr wrap="square" rtlCol="0">
+            <a:spAutoFit/>
+          </a:bodyPr>
+          <a:lstStyle/>
+          <a:p>
+            <a:r>
+              <a:rPr lang="en-SG" sz="1100" dirty="0">
+                <a:solidFill>
+                  <a:srgbClr val="002060"/>
+                </a:solidFill>
+              </a:rPr>
+              <a:t>X</a:t>
+            </a:r>
+          </a:p>
+        </p:txBody>
+      </p:sp>
+      <p:sp>
+        <p:nvSpPr>
+          <p:cNvPr id="19" name="Rectangle 62"/>
           <p:cNvSpPr/>
           <p:nvPr/>
         </p:nvSpPr>
         <p:spPr>
           <a:xfrm>
-            <a:off x="6887527" y="2958106"/>
-            <a:ext cx="168896" cy="775693"/>
+            <a:off x="5894920" y="906277"/>
+            <a:ext cx="1299268" cy="461538"/>
+          </a:xfrm>
+          <a:prstGeom prst="rect">
+            <a:avLst/>
+          </a:prstGeom>
+          <a:solidFill>
+            <a:srgbClr val="0070C0"/>
+          </a:solidFill>
+          <a:ln w="19050">
+            <a:solidFill>
+              <a:srgbClr val="0070C0"/>
+            </a:solidFill>
+          </a:ln>
+          <a:effectLst/>
+        </p:spPr>
+        <p:style>
+          <a:lnRef idx="1">
+            <a:schemeClr val="accent2"/>
+          </a:lnRef>
+          <a:fillRef idx="2">
+            <a:schemeClr val="accent2"/>
+          </a:fillRef>
+          <a:effectRef idx="1">
+            <a:schemeClr val="accent2"/>
+          </a:effectRef>
+          <a:fontRef idx="minor">
+            <a:schemeClr val="dk1"/>
+          </a:fontRef>
+        </p:style>
+        <p:txBody>
+          <a:bodyPr rtlCol="0" anchor="ctr"/>
+          <a:lstStyle/>
+          <a:p>
+            <a:pPr algn="ctr"/>
+            <a:r>
+              <a:rPr lang="en-US" sz="1200" dirty="0">
+                <a:solidFill>
+                  <a:schemeClr val="bg1"/>
+                </a:solidFill>
+              </a:rPr>
+              <a:t>Undo: Undo</a:t>
+            </a:r>
+            <a:br>
+              <a:rPr lang="en-US" sz="1200" dirty="0">
+                <a:solidFill>
+                  <a:schemeClr val="bg1"/>
+                </a:solidFill>
+              </a:rPr>
+            </a:br>
+            <a:r>
+              <a:rPr lang="en-US" sz="1200" dirty="0">
+                <a:solidFill>
+                  <a:schemeClr val="bg1"/>
+                </a:solidFill>
+              </a:rPr>
+              <a:t>Command</a:t>
+            </a:r>
+            <a:endParaRPr lang="en-SG" sz="1200" dirty="0">
+              <a:solidFill>
+                <a:schemeClr val="bg1"/>
+              </a:solidFill>
+            </a:endParaRPr>
+          </a:p>
+        </p:txBody>
+      </p:sp>
+      <p:cxnSp>
+        <p:nvCxnSpPr>
+          <p:cNvPr id="66" name="Straight Arrow Connector 65">
+            <a:extLst>
+              <a:ext uri="{FF2B5EF4-FFF2-40B4-BE49-F238E27FC236}">
+                <a16:creationId xmlns:a16="http://schemas.microsoft.com/office/drawing/2014/main" id="{39916E2E-195A-4DC8-B025-B05FA87E6796}"/>
+              </a:ext>
+            </a:extLst>
+          </p:cNvPr>
+          <p:cNvCxnSpPr>
+            <a:cxnSpLocks/>
+          </p:cNvCxnSpPr>
+          <p:nvPr/>
+        </p:nvCxnSpPr>
+        <p:spPr>
+          <a:xfrm>
+            <a:off x="2550295" y="2377324"/>
+            <a:ext cx="3832164" cy="1"/>
+          </a:xfrm>
+          <a:prstGeom prst="straightConnector1">
+            <a:avLst/>
+          </a:prstGeom>
+          <a:ln w="19050">
+            <a:solidFill>
+              <a:srgbClr val="0070C0"/>
+            </a:solidFill>
+            <a:tailEnd type="arrow"/>
+          </a:ln>
+        </p:spPr>
+        <p:style>
+          <a:lnRef idx="1">
+            <a:schemeClr val="accent1"/>
+          </a:lnRef>
+          <a:fillRef idx="0">
+            <a:schemeClr val="accent1"/>
+          </a:fillRef>
+          <a:effectRef idx="0">
+            <a:schemeClr val="accent1"/>
+          </a:effectRef>
+          <a:fontRef idx="minor">
+            <a:schemeClr val="tx1"/>
+          </a:fontRef>
+        </p:style>
+      </p:cxnSp>
+      <p:cxnSp>
+        <p:nvCxnSpPr>
+          <p:cNvPr id="67" name="Straight Arrow Connector 66">
+            <a:extLst>
+              <a:ext uri="{FF2B5EF4-FFF2-40B4-BE49-F238E27FC236}">
+                <a16:creationId xmlns:a16="http://schemas.microsoft.com/office/drawing/2014/main" id="{D881596E-177C-4FDC-8E60-CAB90B3D5FAB}"/>
+              </a:ext>
+            </a:extLst>
+          </p:cNvPr>
+          <p:cNvCxnSpPr>
+            <a:cxnSpLocks/>
+          </p:cNvCxnSpPr>
+          <p:nvPr/>
+        </p:nvCxnSpPr>
+        <p:spPr>
+          <a:xfrm>
+            <a:off x="2567190" y="1009928"/>
+            <a:ext cx="2256705" cy="1"/>
+          </a:xfrm>
+          <a:prstGeom prst="straightConnector1">
+            <a:avLst/>
+          </a:prstGeom>
+          <a:ln w="19050">
+            <a:solidFill>
+              <a:srgbClr val="0070C0"/>
+            </a:solidFill>
+            <a:tailEnd type="arrow"/>
+          </a:ln>
+        </p:spPr>
+        <p:style>
+          <a:lnRef idx="1">
+            <a:schemeClr val="accent1"/>
+          </a:lnRef>
+          <a:fillRef idx="0">
+            <a:schemeClr val="accent1"/>
+          </a:fillRef>
+          <a:effectRef idx="0">
+            <a:schemeClr val="accent1"/>
+          </a:effectRef>
+          <a:fontRef idx="minor">
+            <a:schemeClr val="tx1"/>
+          </a:fontRef>
+        </p:style>
+      </p:cxnSp>
+      <p:cxnSp>
+        <p:nvCxnSpPr>
+          <p:cNvPr id="69" name="Straight Arrow Connector 68">
+            <a:extLst>
+              <a:ext uri="{FF2B5EF4-FFF2-40B4-BE49-F238E27FC236}">
+                <a16:creationId xmlns:a16="http://schemas.microsoft.com/office/drawing/2014/main" id="{7C9F21BC-13A9-471F-825A-2621FD36355F}"/>
+              </a:ext>
+            </a:extLst>
+          </p:cNvPr>
+          <p:cNvCxnSpPr>
+            <a:cxnSpLocks/>
+          </p:cNvCxnSpPr>
+          <p:nvPr/>
+        </p:nvCxnSpPr>
+        <p:spPr>
+          <a:xfrm>
+            <a:off x="2550295" y="6047212"/>
+            <a:ext cx="3831517" cy="0"/>
+          </a:xfrm>
+          <a:prstGeom prst="straightConnector1">
+            <a:avLst/>
+          </a:prstGeom>
+          <a:ln w="19050">
+            <a:solidFill>
+              <a:srgbClr val="0070C0"/>
+            </a:solidFill>
+            <a:prstDash val="sysDash"/>
+            <a:headEnd type="arrow" w="med" len="med"/>
+            <a:tailEnd type="none" w="med" len="med"/>
+          </a:ln>
+        </p:spPr>
+        <p:style>
+          <a:lnRef idx="1">
+            <a:schemeClr val="accent1"/>
+          </a:lnRef>
+          <a:fillRef idx="0">
+            <a:schemeClr val="accent1"/>
+          </a:fillRef>
+          <a:effectRef idx="0">
+            <a:schemeClr val="accent1"/>
+          </a:effectRef>
+          <a:fontRef idx="minor">
+            <a:schemeClr val="tx1"/>
+          </a:fontRef>
+        </p:style>
+      </p:cxnSp>
+      <p:cxnSp>
+        <p:nvCxnSpPr>
+          <p:cNvPr id="89" name="Straight Connector 88">
+            <a:extLst>
+              <a:ext uri="{FF2B5EF4-FFF2-40B4-BE49-F238E27FC236}">
+                <a16:creationId xmlns:a16="http://schemas.microsoft.com/office/drawing/2014/main" id="{E4E1C8CA-49DF-45D8-80A5-D5C8282EE927}"/>
+              </a:ext>
+            </a:extLst>
+          </p:cNvPr>
+          <p:cNvCxnSpPr>
+            <a:cxnSpLocks/>
+            <a:stCxn id="84" idx="0"/>
+          </p:cNvCxnSpPr>
+          <p:nvPr/>
+        </p:nvCxnSpPr>
+        <p:spPr>
+          <a:xfrm>
+            <a:off x="9574922" y="2044902"/>
+            <a:ext cx="12827" cy="3061691"/>
+          </a:xfrm>
+          <a:prstGeom prst="line">
+            <a:avLst/>
+          </a:prstGeom>
+          <a:ln w="19050">
+            <a:solidFill>
+              <a:srgbClr val="7030A0"/>
+            </a:solidFill>
+            <a:prstDash val="sysDash"/>
+          </a:ln>
+          <a:effectLst/>
+        </p:spPr>
+        <p:style>
+          <a:lnRef idx="1">
+            <a:schemeClr val="accent1"/>
+          </a:lnRef>
+          <a:fillRef idx="2">
+            <a:schemeClr val="accent1"/>
+          </a:fillRef>
+          <a:effectRef idx="1">
+            <a:schemeClr val="accent1"/>
+          </a:effectRef>
+          <a:fontRef idx="minor">
+            <a:schemeClr val="dk1"/>
+          </a:fontRef>
+        </p:style>
+      </p:cxnSp>
+      <p:cxnSp>
+        <p:nvCxnSpPr>
+          <p:cNvPr id="63" name="Straight Arrow Connector 62">
+            <a:extLst>
+              <a:ext uri="{FF2B5EF4-FFF2-40B4-BE49-F238E27FC236}">
+                <a16:creationId xmlns:a16="http://schemas.microsoft.com/office/drawing/2014/main" id="{7C9F21BC-13A9-471F-825A-2621FD36355F}"/>
+              </a:ext>
+            </a:extLst>
+          </p:cNvPr>
+          <p:cNvCxnSpPr>
+            <a:cxnSpLocks/>
+          </p:cNvCxnSpPr>
+          <p:nvPr/>
+        </p:nvCxnSpPr>
+        <p:spPr>
+          <a:xfrm>
+            <a:off x="6507243" y="2979834"/>
+            <a:ext cx="1471316" cy="0"/>
+          </a:xfrm>
+          <a:prstGeom prst="straightConnector1">
+            <a:avLst/>
+          </a:prstGeom>
+          <a:ln w="19050">
+            <a:solidFill>
+              <a:srgbClr val="7030A0"/>
+            </a:solidFill>
+            <a:prstDash val="sysDash"/>
+            <a:headEnd type="arrow" w="med" len="med"/>
+            <a:tailEnd type="none" w="med" len="med"/>
+          </a:ln>
+        </p:spPr>
+        <p:style>
+          <a:lnRef idx="1">
+            <a:schemeClr val="accent1"/>
+          </a:lnRef>
+          <a:fillRef idx="0">
+            <a:schemeClr val="accent1"/>
+          </a:fillRef>
+          <a:effectRef idx="0">
+            <a:schemeClr val="accent1"/>
+          </a:effectRef>
+          <a:fontRef idx="minor">
+            <a:schemeClr val="tx1"/>
+          </a:fontRef>
+        </p:style>
+      </p:cxnSp>
+      <p:cxnSp>
+        <p:nvCxnSpPr>
+          <p:cNvPr id="51" name="Straight Arrow Connector 50">
+            <a:extLst>
+              <a:ext uri="{FF2B5EF4-FFF2-40B4-BE49-F238E27FC236}">
+                <a16:creationId xmlns:a16="http://schemas.microsoft.com/office/drawing/2014/main" id="{65A39371-EC2A-9E42-900F-D14EA1319C95}"/>
+              </a:ext>
+            </a:extLst>
+          </p:cNvPr>
+          <p:cNvCxnSpPr>
+            <a:cxnSpLocks/>
+          </p:cNvCxnSpPr>
+          <p:nvPr/>
+        </p:nvCxnSpPr>
+        <p:spPr>
+          <a:xfrm>
+            <a:off x="6510146" y="3466567"/>
+            <a:ext cx="1468413" cy="0"/>
+          </a:xfrm>
+          <a:prstGeom prst="straightConnector1">
+            <a:avLst/>
+          </a:prstGeom>
+          <a:ln w="19050">
+            <a:solidFill>
+              <a:srgbClr val="0070C0"/>
+            </a:solidFill>
+            <a:tailEnd type="arrow"/>
+          </a:ln>
+        </p:spPr>
+        <p:style>
+          <a:lnRef idx="1">
+            <a:schemeClr val="accent1"/>
+          </a:lnRef>
+          <a:fillRef idx="0">
+            <a:schemeClr val="accent1"/>
+          </a:fillRef>
+          <a:effectRef idx="0">
+            <a:schemeClr val="accent1"/>
+          </a:effectRef>
+          <a:fontRef idx="minor">
+            <a:schemeClr val="tx1"/>
+          </a:fontRef>
+        </p:style>
+      </p:cxnSp>
+      <p:cxnSp>
+        <p:nvCxnSpPr>
+          <p:cNvPr id="55" name="Straight Arrow Connector 54">
+            <a:extLst>
+              <a:ext uri="{FF2B5EF4-FFF2-40B4-BE49-F238E27FC236}">
+                <a16:creationId xmlns:a16="http://schemas.microsoft.com/office/drawing/2014/main" id="{7B62C957-94C2-4F40-B158-AD4EE9913554}"/>
+              </a:ext>
+            </a:extLst>
+          </p:cNvPr>
+          <p:cNvCxnSpPr>
+            <a:cxnSpLocks/>
+          </p:cNvCxnSpPr>
+          <p:nvPr/>
+        </p:nvCxnSpPr>
+        <p:spPr>
+          <a:xfrm>
+            <a:off x="6507243" y="3676522"/>
+            <a:ext cx="1433860" cy="0"/>
+          </a:xfrm>
+          <a:prstGeom prst="straightConnector1">
+            <a:avLst/>
+          </a:prstGeom>
+          <a:ln w="19050">
+            <a:solidFill>
+              <a:srgbClr val="7030A0"/>
+            </a:solidFill>
+            <a:prstDash val="sysDash"/>
+            <a:headEnd type="arrow" w="med" len="med"/>
+            <a:tailEnd type="none" w="med" len="med"/>
+          </a:ln>
+        </p:spPr>
+        <p:style>
+          <a:lnRef idx="1">
+            <a:schemeClr val="accent1"/>
+          </a:lnRef>
+          <a:fillRef idx="0">
+            <a:schemeClr val="accent1"/>
+          </a:fillRef>
+          <a:effectRef idx="0">
+            <a:schemeClr val="accent1"/>
+          </a:effectRef>
+          <a:fontRef idx="minor">
+            <a:schemeClr val="tx1"/>
+          </a:fontRef>
+        </p:style>
+      </p:cxnSp>
+      <p:sp>
+        <p:nvSpPr>
+          <p:cNvPr id="57" name="Rectangle 56">
+            <a:extLst>
+              <a:ext uri="{FF2B5EF4-FFF2-40B4-BE49-F238E27FC236}">
+                <a16:creationId xmlns:a16="http://schemas.microsoft.com/office/drawing/2014/main" id="{9D3EC44C-C905-B546-9679-D2E738069D37}"/>
+              </a:ext>
+            </a:extLst>
+          </p:cNvPr>
+          <p:cNvSpPr/>
+          <p:nvPr/>
+        </p:nvSpPr>
+        <p:spPr>
+          <a:xfrm>
+            <a:off x="7941103" y="2537677"/>
+            <a:ext cx="130709" cy="4151550"/>
           </a:xfrm>
           <a:prstGeom prst="rect">
             <a:avLst/>
@@ -4766,7 +5100,13 @@
       </p:sp>
       <p:cxnSp>
         <p:nvCxnSpPr>
-          <p:cNvPr id="50" name="Straight Arrow Connector 49"/>
+          <p:cNvPr id="59" name="Straight Arrow Connector 58">
+            <a:extLst>
+              <a:ext uri="{FF2B5EF4-FFF2-40B4-BE49-F238E27FC236}">
+                <a16:creationId xmlns:a16="http://schemas.microsoft.com/office/drawing/2014/main" id="{39BBEF17-4744-AC4E-9304-47F488B7F971}"/>
+              </a:ext>
+            </a:extLst>
+          </p:cNvPr>
           <p:cNvCxnSpPr>
             <a:cxnSpLocks/>
           </p:cNvCxnSpPr>
@@ -4774,166 +5114,15 @@
         </p:nvCxnSpPr>
         <p:spPr>
           <a:xfrm>
-            <a:off x="5685755" y="2975344"/>
-            <a:ext cx="1210345" cy="0"/>
+            <a:off x="8071812" y="2621353"/>
+            <a:ext cx="1470216" cy="0"/>
           </a:xfrm>
           <a:prstGeom prst="straightConnector1">
             <a:avLst/>
           </a:prstGeom>
           <a:ln w="19050">
             <a:solidFill>
-              <a:srgbClr val="0070C0"/>
-            </a:solidFill>
-            <a:tailEnd type="arrow"/>
-          </a:ln>
-        </p:spPr>
-        <p:style>
-          <a:lnRef idx="1">
-            <a:schemeClr val="accent1"/>
-          </a:lnRef>
-          <a:fillRef idx="0">
-            <a:schemeClr val="accent1"/>
-          </a:fillRef>
-          <a:effectRef idx="0">
-            <a:schemeClr val="accent1"/>
-          </a:effectRef>
-          <a:fontRef idx="minor">
-            <a:schemeClr val="tx1"/>
-          </a:fontRef>
-        </p:style>
-      </p:cxnSp>
-      <p:sp>
-        <p:nvSpPr>
-          <p:cNvPr id="4" name="TextBox 3"/>
-          <p:cNvSpPr txBox="1"/>
-          <p:nvPr/>
-        </p:nvSpPr>
-        <p:spPr>
-          <a:xfrm>
-            <a:off x="5472880" y="4258211"/>
-            <a:ext cx="258404" cy="261610"/>
-          </a:xfrm>
-          <a:prstGeom prst="rect">
-            <a:avLst/>
-          </a:prstGeom>
-          <a:noFill/>
-        </p:spPr>
-        <p:txBody>
-          <a:bodyPr wrap="none" rtlCol="0">
-            <a:spAutoFit/>
-          </a:bodyPr>
-          <a:lstStyle/>
-          <a:p>
-            <a:r>
-              <a:rPr lang="en-SG" sz="1100" dirty="0">
-                <a:solidFill>
-                  <a:srgbClr val="002060"/>
-                </a:solidFill>
-              </a:rPr>
-              <a:t>X</a:t>
-            </a:r>
-          </a:p>
-        </p:txBody>
-      </p:sp>
-      <p:sp>
-        <p:nvSpPr>
-          <p:cNvPr id="19" name="Rectangle 62"/>
-          <p:cNvSpPr/>
-          <p:nvPr/>
-        </p:nvSpPr>
-        <p:spPr>
-          <a:xfrm>
-            <a:off x="5035976" y="1260268"/>
-            <a:ext cx="1093635" cy="461538"/>
-          </a:xfrm>
-          <a:prstGeom prst="rect">
-            <a:avLst/>
-          </a:prstGeom>
-          <a:solidFill>
-            <a:srgbClr val="0070C0"/>
-          </a:solidFill>
-          <a:ln w="19050">
-            <a:solidFill>
-              <a:srgbClr val="0070C0"/>
-            </a:solidFill>
-          </a:ln>
-          <a:effectLst/>
-        </p:spPr>
-        <p:style>
-          <a:lnRef idx="1">
-            <a:schemeClr val="accent2"/>
-          </a:lnRef>
-          <a:fillRef idx="2">
-            <a:schemeClr val="accent2"/>
-          </a:fillRef>
-          <a:effectRef idx="1">
-            <a:schemeClr val="accent2"/>
-          </a:effectRef>
-          <a:fontRef idx="minor">
-            <a:schemeClr val="dk1"/>
-          </a:fontRef>
-        </p:style>
-        <p:txBody>
-          <a:bodyPr rtlCol="0" anchor="ctr"/>
-          <a:lstStyle/>
-          <a:p>
-            <a:pPr algn="ctr"/>
-            <a:r>
-              <a:rPr lang="en-US" sz="1600" dirty="0">
-                <a:solidFill>
-                  <a:schemeClr val="bg1"/>
-                </a:solidFill>
-              </a:rPr>
-              <a:t>u:Undo</a:t>
-            </a:r>
-            <a:br>
-              <a:rPr lang="en-US" sz="1600" dirty="0">
-                <a:solidFill>
-                  <a:schemeClr val="bg1"/>
-                </a:solidFill>
-              </a:rPr>
-            </a:br>
-            <a:r>
-              <a:rPr lang="en-US" sz="1600" dirty="0">
-                <a:solidFill>
-                  <a:schemeClr val="bg1"/>
-                </a:solidFill>
-              </a:rPr>
-              <a:t>Command</a:t>
-            </a:r>
-            <a:endParaRPr lang="en-SG" sz="1600" dirty="0">
-              <a:solidFill>
-                <a:schemeClr val="bg1"/>
-              </a:solidFill>
-            </a:endParaRPr>
-          </a:p>
-        </p:txBody>
-      </p:sp>
-      <p:cxnSp>
-        <p:nvCxnSpPr>
-          <p:cNvPr id="66" name="Straight Arrow Connector 65">
-            <a:extLst>
-              <a:ext uri="{FF2B5EF4-FFF2-40B4-BE49-F238E27FC236}">
-                <a16:creationId xmlns:a16="http://schemas.microsoft.com/office/drawing/2014/main" id="{39916E2E-195A-4DC8-B025-B05FA87E6796}"/>
-              </a:ext>
-            </a:extLst>
-          </p:cNvPr>
-          <p:cNvCxnSpPr>
-            <a:cxnSpLocks/>
-          </p:cNvCxnSpPr>
-          <p:nvPr/>
-        </p:nvCxnSpPr>
-        <p:spPr>
-          <a:xfrm>
-            <a:off x="1691351" y="2731314"/>
-            <a:ext cx="3832164" cy="1"/>
-          </a:xfrm>
-          <a:prstGeom prst="straightConnector1">
-            <a:avLst/>
-          </a:prstGeom>
-          <a:ln w="19050">
-            <a:solidFill>
-              <a:srgbClr val="0070C0"/>
+              <a:srgbClr val="7030A0"/>
             </a:solidFill>
             <a:tailEnd type="arrow"/>
           </a:ln>
@@ -4955,10 +5144,10 @@
       </p:cxnSp>
       <p:cxnSp>
         <p:nvCxnSpPr>
-          <p:cNvPr id="67" name="Straight Arrow Connector 66">
-            <a:extLst>
-              <a:ext uri="{FF2B5EF4-FFF2-40B4-BE49-F238E27FC236}">
-                <a16:creationId xmlns:a16="http://schemas.microsoft.com/office/drawing/2014/main" id="{D881596E-177C-4FDC-8E60-CAB90B3D5FAB}"/>
+          <p:cNvPr id="61" name="Straight Arrow Connector 60">
+            <a:extLst>
+              <a:ext uri="{FF2B5EF4-FFF2-40B4-BE49-F238E27FC236}">
+                <a16:creationId xmlns:a16="http://schemas.microsoft.com/office/drawing/2014/main" id="{8CC0CF9B-A012-C54D-83A7-19F9E8E20063}"/>
               </a:ext>
             </a:extLst>
           </p:cNvPr>
@@ -4968,18 +5157,20 @@
           <p:nvPr/>
         </p:nvCxnSpPr>
         <p:spPr>
-          <a:xfrm>
-            <a:off x="1708245" y="1363918"/>
-            <a:ext cx="2256705" cy="1"/>
+          <a:xfrm flipV="1">
+            <a:off x="8045597" y="2959599"/>
+            <a:ext cx="1470216" cy="6325"/>
           </a:xfrm>
           <a:prstGeom prst="straightConnector1">
             <a:avLst/>
           </a:prstGeom>
           <a:ln w="19050">
             <a:solidFill>
-              <a:srgbClr val="0070C0"/>
+              <a:srgbClr val="7030A0"/>
             </a:solidFill>
-            <a:tailEnd type="arrow"/>
+            <a:prstDash val="sysDash"/>
+            <a:headEnd type="arrow" w="med" len="med"/>
+            <a:tailEnd type="none" w="med" len="med"/>
           </a:ln>
         </p:spPr>
         <p:style>
@@ -4997,58 +5188,12 @@
           </a:fontRef>
         </p:style>
       </p:cxnSp>
-      <p:cxnSp>
-        <p:nvCxnSpPr>
-          <p:cNvPr id="69" name="Straight Arrow Connector 68">
-            <a:extLst>
-              <a:ext uri="{FF2B5EF4-FFF2-40B4-BE49-F238E27FC236}">
-                <a16:creationId xmlns:a16="http://schemas.microsoft.com/office/drawing/2014/main" id="{7C9F21BC-13A9-471F-825A-2621FD36355F}"/>
-              </a:ext>
-            </a:extLst>
-          </p:cNvPr>
-          <p:cNvCxnSpPr>
-            <a:cxnSpLocks/>
-          </p:cNvCxnSpPr>
-          <p:nvPr/>
-        </p:nvCxnSpPr>
-        <p:spPr>
-          <a:xfrm>
-            <a:off x="1691998" y="4036462"/>
-            <a:ext cx="3831517" cy="0"/>
-          </a:xfrm>
-          <a:prstGeom prst="straightConnector1">
-            <a:avLst/>
-          </a:prstGeom>
-          <a:ln w="19050">
-            <a:solidFill>
-              <a:srgbClr val="0070C0"/>
-            </a:solidFill>
-            <a:prstDash val="sysDash"/>
-            <a:headEnd type="arrow" w="med" len="med"/>
-            <a:tailEnd type="none" w="med" len="med"/>
-          </a:ln>
-        </p:spPr>
-        <p:style>
-          <a:lnRef idx="1">
-            <a:schemeClr val="accent1"/>
-          </a:lnRef>
-          <a:fillRef idx="0">
-            <a:schemeClr val="accent1"/>
-          </a:fillRef>
-          <a:effectRef idx="0">
-            <a:schemeClr val="accent1"/>
-          </a:effectRef>
-          <a:fontRef idx="minor">
-            <a:schemeClr val="tx1"/>
-          </a:fontRef>
-        </p:style>
-      </p:cxnSp>
-      <p:sp>
-        <p:nvSpPr>
-          <p:cNvPr id="88" name="TextBox 87">
-            <a:extLst>
-              <a:ext uri="{FF2B5EF4-FFF2-40B4-BE49-F238E27FC236}">
-                <a16:creationId xmlns:a16="http://schemas.microsoft.com/office/drawing/2014/main" id="{B85C6184-7378-4E89-A338-72B1E5056F4F}"/>
+      <p:sp>
+        <p:nvSpPr>
+          <p:cNvPr id="47" name="TextBox 46">
+            <a:extLst>
+              <a:ext uri="{FF2B5EF4-FFF2-40B4-BE49-F238E27FC236}">
+                <a16:creationId xmlns:a16="http://schemas.microsoft.com/office/drawing/2014/main" id="{6F21A9EA-FD50-4F40-B337-EDA8FFB4077C}"/>
               </a:ext>
             </a:extLst>
           </p:cNvPr>
@@ -5057,8 +5202,8 @@
         </p:nvSpPr>
         <p:spPr>
           <a:xfrm>
-            <a:off x="8769530" y="3267337"/>
-            <a:ext cx="2120786" cy="184666"/>
+            <a:off x="8133743" y="4057445"/>
+            <a:ext cx="1346355" cy="184666"/>
           </a:xfrm>
           <a:prstGeom prst="rect">
             <a:avLst/>
@@ -5082,105 +5227,139 @@
             </a:lvl1pPr>
           </a:lstStyle>
           <a:p>
+            <a:pPr algn="ctr"/>
             <a:r>
               <a:rPr lang="en-US" sz="1200" dirty="0" err="1">
                 <a:solidFill>
-                  <a:srgbClr val="7030A0"/>
+                  <a:schemeClr val="accent4">
+                    <a:lumMod val="75000"/>
+                  </a:schemeClr>
                 </a:solidFill>
               </a:rPr>
-              <a:t>resetData</a:t>
-            </a:r>
-            <a:r>
-              <a:rPr lang="en-US" sz="1200" dirty="0">
-                <a:solidFill>
-                  <a:srgbClr val="7030A0"/>
-                </a:solidFill>
-              </a:rPr>
-              <a:t>(</a:t>
-            </a:r>
-            <a:r>
-              <a:rPr lang="en-US" sz="1200" dirty="0" err="1">
-                <a:solidFill>
-                  <a:srgbClr val="7030A0"/>
-                </a:solidFill>
-              </a:rPr>
-              <a:t>ReadOnlyAddressBook</a:t>
-            </a:r>
-            <a:r>
-              <a:rPr lang="en-US" sz="1200" dirty="0">
-                <a:solidFill>
-                  <a:srgbClr val="7030A0"/>
-                </a:solidFill>
-              </a:rPr>
-              <a:t>)</a:t>
+              <a:t>commandHistory</a:t>
             </a:r>
             <a:endParaRPr lang="en-US" sz="1200" dirty="0"/>
           </a:p>
         </p:txBody>
       </p:sp>
-      <p:cxnSp>
-        <p:nvCxnSpPr>
-          <p:cNvPr id="89" name="Straight Connector 88">
-            <a:extLst>
-              <a:ext uri="{FF2B5EF4-FFF2-40B4-BE49-F238E27FC236}">
-                <a16:creationId xmlns:a16="http://schemas.microsoft.com/office/drawing/2014/main" id="{E4E1C8CA-49DF-45D8-80A5-D5C8282EE927}"/>
-              </a:ext>
-            </a:extLst>
-          </p:cNvPr>
-          <p:cNvCxnSpPr>
-            <a:cxnSpLocks/>
-          </p:cNvCxnSpPr>
-          <p:nvPr/>
-        </p:nvCxnSpPr>
-        <p:spPr>
-          <a:xfrm>
-            <a:off x="8588043" y="2871355"/>
-            <a:ext cx="17996" cy="1467648"/>
-          </a:xfrm>
-          <a:prstGeom prst="line">
-            <a:avLst/>
-          </a:prstGeom>
-          <a:ln w="19050">
+      <p:sp>
+        <p:nvSpPr>
+          <p:cNvPr id="48" name="Rectangle 47">
+            <a:extLst>
+              <a:ext uri="{FF2B5EF4-FFF2-40B4-BE49-F238E27FC236}">
+                <a16:creationId xmlns:a16="http://schemas.microsoft.com/office/drawing/2014/main" id="{264B5F53-5C83-4827-AA45-0D03003F82DC}"/>
+              </a:ext>
+            </a:extLst>
+          </p:cNvPr>
+          <p:cNvSpPr/>
+          <p:nvPr/>
+        </p:nvSpPr>
+        <p:spPr>
+          <a:xfrm>
+            <a:off x="9514355" y="2457451"/>
+            <a:ext cx="146788" cy="1849914"/>
+          </a:xfrm>
+          <a:prstGeom prst="rect">
+            <a:avLst/>
+          </a:prstGeom>
+          <a:solidFill>
+            <a:srgbClr val="7030A0"/>
+          </a:solidFill>
+          <a:ln>
             <a:solidFill>
               <a:srgbClr val="7030A0"/>
             </a:solidFill>
-            <a:prstDash val="sysDash"/>
           </a:ln>
           <a:effectLst/>
         </p:spPr>
         <p:style>
           <a:lnRef idx="1">
-            <a:schemeClr val="accent1"/>
+            <a:schemeClr val="accent3"/>
           </a:lnRef>
           <a:fillRef idx="2">
-            <a:schemeClr val="accent1"/>
+            <a:schemeClr val="accent3"/>
           </a:fillRef>
           <a:effectRef idx="1">
-            <a:schemeClr val="accent1"/>
+            <a:schemeClr val="accent3"/>
           </a:effectRef>
           <a:fontRef idx="minor">
             <a:schemeClr val="dk1"/>
           </a:fontRef>
         </p:style>
+        <p:txBody>
+          <a:bodyPr rtlCol="0" anchor="ctr"/>
+          <a:lstStyle/>
+          <a:p>
+            <a:pPr algn="ctr"/>
+            <a:endParaRPr lang="en-SG" sz="1400"/>
+          </a:p>
+        </p:txBody>
+      </p:sp>
+      <p:cxnSp>
+        <p:nvCxnSpPr>
+          <p:cNvPr id="52" name="Straight Arrow Connector 51">
+            <a:extLst>
+              <a:ext uri="{FF2B5EF4-FFF2-40B4-BE49-F238E27FC236}">
+                <a16:creationId xmlns:a16="http://schemas.microsoft.com/office/drawing/2014/main" id="{1905894B-B2C7-496F-9728-5300EF7BEA0A}"/>
+              </a:ext>
+            </a:extLst>
+          </p:cNvPr>
+          <p:cNvCxnSpPr>
+            <a:cxnSpLocks/>
+          </p:cNvCxnSpPr>
+          <p:nvPr/>
+        </p:nvCxnSpPr>
+        <p:spPr>
+          <a:xfrm>
+            <a:off x="8104561" y="4061918"/>
+            <a:ext cx="1470216" cy="0"/>
+          </a:xfrm>
+          <a:prstGeom prst="straightConnector1">
+            <a:avLst/>
+          </a:prstGeom>
+          <a:ln w="19050">
+            <a:solidFill>
+              <a:srgbClr val="7030A0"/>
+            </a:solidFill>
+            <a:tailEnd type="arrow"/>
+          </a:ln>
+        </p:spPr>
+        <p:style>
+          <a:lnRef idx="1">
+            <a:schemeClr val="accent1"/>
+          </a:lnRef>
+          <a:fillRef idx="0">
+            <a:schemeClr val="accent1"/>
+          </a:fillRef>
+          <a:effectRef idx="0">
+            <a:schemeClr val="accent1"/>
+          </a:effectRef>
+          <a:fontRef idx="minor">
+            <a:schemeClr val="tx1"/>
+          </a:fontRef>
+        </p:style>
       </p:cxnSp>
       <p:sp>
         <p:nvSpPr>
-          <p:cNvPr id="41" name="TextBox 40"/>
+          <p:cNvPr id="60" name="TextBox 59">
+            <a:extLst>
+              <a:ext uri="{FF2B5EF4-FFF2-40B4-BE49-F238E27FC236}">
+                <a16:creationId xmlns:a16="http://schemas.microsoft.com/office/drawing/2014/main" id="{7EDCADD2-D8D0-4950-8A96-EC84F07F6082}"/>
+              </a:ext>
+            </a:extLst>
+          </p:cNvPr>
           <p:cNvSpPr txBox="1"/>
           <p:nvPr/>
         </p:nvSpPr>
         <p:spPr>
           <a:xfrm>
-            <a:off x="7667691" y="2975344"/>
-            <a:ext cx="551687" cy="184666"/>
+            <a:off x="8133125" y="3859517"/>
+            <a:ext cx="1346355" cy="184666"/>
           </a:xfrm>
           <a:prstGeom prst="rect">
             <a:avLst/>
           </a:prstGeom>
           <a:noFill/>
-          <a:ln>
-            <a:noFill/>
-          </a:ln>
         </p:spPr>
         <p:txBody>
           <a:bodyPr wrap="square" lIns="0" tIns="0" rIns="0" bIns="0" rtlCol="0">
@@ -5199,49 +5378,802 @@
             </a:lvl1pPr>
           </a:lstStyle>
           <a:p>
+            <a:pPr algn="ctr"/>
+            <a:r>
+              <a:rPr lang="en-US" sz="1200">
+                <a:solidFill>
+                  <a:srgbClr val="7030A0"/>
+                </a:solidFill>
+              </a:rPr>
+              <a:t>getSubHistory</a:t>
+            </a:r>
             <a:r>
               <a:rPr lang="en-US" sz="1200" dirty="0">
                 <a:solidFill>
                   <a:srgbClr val="7030A0"/>
                 </a:solidFill>
               </a:rPr>
-              <a:t>undo</a:t>
-            </a:r>
-            <a:r>
-              <a:rPr lang="en-US" sz="1200" dirty="0">
+              <a:t>()</a:t>
+            </a:r>
+            <a:endParaRPr lang="en-US" sz="1200" dirty="0"/>
+          </a:p>
+        </p:txBody>
+      </p:sp>
+      <p:sp>
+        <p:nvSpPr>
+          <p:cNvPr id="62" name="TextBox 61">
+            <a:extLst>
+              <a:ext uri="{FF2B5EF4-FFF2-40B4-BE49-F238E27FC236}">
+                <a16:creationId xmlns:a16="http://schemas.microsoft.com/office/drawing/2014/main" id="{FDF3AB53-8DEA-4DE2-B261-9F5C14AA6857}"/>
+              </a:ext>
+            </a:extLst>
+          </p:cNvPr>
+          <p:cNvSpPr txBox="1"/>
+          <p:nvPr/>
+        </p:nvSpPr>
+        <p:spPr>
+          <a:xfrm>
+            <a:off x="8127088" y="2431238"/>
+            <a:ext cx="1346355" cy="184666"/>
+          </a:xfrm>
+          <a:prstGeom prst="rect">
+            <a:avLst/>
+          </a:prstGeom>
+          <a:noFill/>
+        </p:spPr>
+        <p:txBody>
+          <a:bodyPr wrap="square" lIns="0" tIns="0" rIns="0" bIns="0" rtlCol="0">
+            <a:spAutoFit/>
+          </a:bodyPr>
+          <a:lstStyle>
+            <a:defPPr>
+              <a:defRPr lang="en-US"/>
+            </a:defPPr>
+            <a:lvl1pPr algn="r">
+              <a:defRPr sz="1400">
+                <a:solidFill>
+                  <a:srgbClr val="0070C0"/>
+                </a:solidFill>
+              </a:defRPr>
+            </a:lvl1pPr>
+          </a:lstStyle>
+          <a:p>
+            <a:pPr algn="ctr"/>
+            <a:r>
+              <a:rPr lang="en-US" sz="1200">
                 <a:solidFill>
                   <a:schemeClr val="accent4">
                     <a:lumMod val="75000"/>
                   </a:schemeClr>
                 </a:solidFill>
               </a:rPr>
+              <a:t>setUndo</a:t>
+            </a:r>
+            <a:r>
+              <a:rPr lang="en-US" sz="1200">
+                <a:solidFill>
+                  <a:srgbClr val="7030A0"/>
+                </a:solidFill>
+              </a:rPr>
               <a:t>()</a:t>
             </a:r>
+            <a:endParaRPr lang="en-US" sz="1200" dirty="0"/>
           </a:p>
         </p:txBody>
       </p:sp>
       <p:cxnSp>
         <p:nvCxnSpPr>
-          <p:cNvPr id="13" name="Curved Connector 12"/>
-          <p:cNvCxnSpPr/>
+          <p:cNvPr id="64" name="Straight Arrow Connector 63">
+            <a:extLst>
+              <a:ext uri="{FF2B5EF4-FFF2-40B4-BE49-F238E27FC236}">
+                <a16:creationId xmlns:a16="http://schemas.microsoft.com/office/drawing/2014/main" id="{5F2F0955-0E47-4929-AC61-06857055FD8D}"/>
+              </a:ext>
+            </a:extLst>
+          </p:cNvPr>
+          <p:cNvCxnSpPr>
+            <a:cxnSpLocks/>
+          </p:cNvCxnSpPr>
           <p:nvPr/>
         </p:nvCxnSpPr>
         <p:spPr>
-          <a:xfrm rot="16200000" flipH="1">
-            <a:off x="8527578" y="3220579"/>
-            <a:ext cx="156923" cy="76200"/>
-          </a:xfrm>
-          <a:prstGeom prst="curvedConnector4">
-            <a:avLst>
-              <a:gd name="adj1" fmla="val -145677"/>
-              <a:gd name="adj2" fmla="val 400000"/>
-            </a:avLst>
-          </a:prstGeom>
-          <a:ln>
+          <a:xfrm flipV="1">
+            <a:off x="8091597" y="4279183"/>
+            <a:ext cx="1470216" cy="6325"/>
+          </a:xfrm>
+          <a:prstGeom prst="straightConnector1">
+            <a:avLst/>
+          </a:prstGeom>
+          <a:ln w="19050">
             <a:solidFill>
               <a:srgbClr val="7030A0"/>
             </a:solidFill>
-            <a:tailEnd type="triangle"/>
+            <a:prstDash val="sysDash"/>
+            <a:headEnd type="arrow" w="med" len="med"/>
+            <a:tailEnd type="none" w="med" len="med"/>
+          </a:ln>
+        </p:spPr>
+        <p:style>
+          <a:lnRef idx="1">
+            <a:schemeClr val="accent1"/>
+          </a:lnRef>
+          <a:fillRef idx="0">
+            <a:schemeClr val="accent1"/>
+          </a:fillRef>
+          <a:effectRef idx="0">
+            <a:schemeClr val="accent1"/>
+          </a:effectRef>
+          <a:fontRef idx="minor">
+            <a:schemeClr val="tx1"/>
+          </a:fontRef>
+        </p:style>
+      </p:cxnSp>
+      <p:sp>
+        <p:nvSpPr>
+          <p:cNvPr id="68" name="TextBox 67">
+            <a:extLst>
+              <a:ext uri="{FF2B5EF4-FFF2-40B4-BE49-F238E27FC236}">
+                <a16:creationId xmlns:a16="http://schemas.microsoft.com/office/drawing/2014/main" id="{94A8107B-55B8-4A94-81B9-C4133F308F36}"/>
+              </a:ext>
+            </a:extLst>
+          </p:cNvPr>
+          <p:cNvSpPr txBox="1"/>
+          <p:nvPr/>
+        </p:nvSpPr>
+        <p:spPr>
+          <a:xfrm>
+            <a:off x="6534890" y="3987910"/>
+            <a:ext cx="1346355" cy="184666"/>
+          </a:xfrm>
+          <a:prstGeom prst="rect">
+            <a:avLst/>
+          </a:prstGeom>
+          <a:noFill/>
+        </p:spPr>
+        <p:txBody>
+          <a:bodyPr wrap="square" lIns="0" tIns="0" rIns="0" bIns="0" rtlCol="0">
+            <a:spAutoFit/>
+          </a:bodyPr>
+          <a:lstStyle>
+            <a:defPPr>
+              <a:defRPr lang="en-US"/>
+            </a:defPPr>
+            <a:lvl1pPr algn="r">
+              <a:defRPr sz="1400">
+                <a:solidFill>
+                  <a:srgbClr val="0070C0"/>
+                </a:solidFill>
+              </a:defRPr>
+            </a:lvl1pPr>
+          </a:lstStyle>
+          <a:p>
+            <a:pPr algn="ctr"/>
+            <a:r>
+              <a:rPr lang="en-US" sz="1200" dirty="0" err="1">
+                <a:solidFill>
+                  <a:schemeClr val="accent4">
+                    <a:lumMod val="75000"/>
+                  </a:schemeClr>
+                </a:solidFill>
+              </a:rPr>
+              <a:t>commandHistory</a:t>
+            </a:r>
+            <a:endParaRPr lang="en-US" sz="1200" dirty="0"/>
+          </a:p>
+        </p:txBody>
+      </p:sp>
+      <p:cxnSp>
+        <p:nvCxnSpPr>
+          <p:cNvPr id="70" name="Straight Arrow Connector 69">
+            <a:extLst>
+              <a:ext uri="{FF2B5EF4-FFF2-40B4-BE49-F238E27FC236}">
+                <a16:creationId xmlns:a16="http://schemas.microsoft.com/office/drawing/2014/main" id="{9212F922-0517-445C-8299-E763F0446606}"/>
+              </a:ext>
+            </a:extLst>
+          </p:cNvPr>
+          <p:cNvCxnSpPr>
+            <a:cxnSpLocks/>
+          </p:cNvCxnSpPr>
+          <p:nvPr/>
+        </p:nvCxnSpPr>
+        <p:spPr>
+          <a:xfrm flipV="1">
+            <a:off x="6510146" y="4213263"/>
+            <a:ext cx="1470216" cy="6325"/>
+          </a:xfrm>
+          <a:prstGeom prst="straightConnector1">
+            <a:avLst/>
+          </a:prstGeom>
+          <a:ln w="19050">
+            <a:solidFill>
+              <a:srgbClr val="7030A0"/>
+            </a:solidFill>
+            <a:prstDash val="sysDash"/>
+            <a:headEnd type="arrow" w="med" len="med"/>
+            <a:tailEnd type="none" w="med" len="med"/>
+          </a:ln>
+        </p:spPr>
+        <p:style>
+          <a:lnRef idx="1">
+            <a:schemeClr val="accent1"/>
+          </a:lnRef>
+          <a:fillRef idx="0">
+            <a:schemeClr val="accent1"/>
+          </a:fillRef>
+          <a:effectRef idx="0">
+            <a:schemeClr val="accent1"/>
+          </a:effectRef>
+          <a:fontRef idx="minor">
+            <a:schemeClr val="tx1"/>
+          </a:fontRef>
+        </p:style>
+      </p:cxnSp>
+      <p:sp>
+        <p:nvSpPr>
+          <p:cNvPr id="42" name="Rectangle 41">
+            <a:extLst>
+              <a:ext uri="{FF2B5EF4-FFF2-40B4-BE49-F238E27FC236}">
+                <a16:creationId xmlns:a16="http://schemas.microsoft.com/office/drawing/2014/main" id="{BC038052-6BE0-417F-BE95-0657BB46903D}"/>
+              </a:ext>
+            </a:extLst>
+          </p:cNvPr>
+          <p:cNvSpPr/>
+          <p:nvPr/>
+        </p:nvSpPr>
+        <p:spPr>
+          <a:xfrm>
+            <a:off x="3388313" y="4645317"/>
+            <a:ext cx="3409427" cy="882120"/>
+          </a:xfrm>
+          <a:prstGeom prst="rect">
+            <a:avLst/>
+          </a:prstGeom>
+          <a:noFill/>
+        </p:spPr>
+        <p:style>
+          <a:lnRef idx="2">
+            <a:schemeClr val="accent1">
+              <a:shade val="50000"/>
+            </a:schemeClr>
+          </a:lnRef>
+          <a:fillRef idx="1">
+            <a:schemeClr val="accent1"/>
+          </a:fillRef>
+          <a:effectRef idx="0">
+            <a:schemeClr val="accent1"/>
+          </a:effectRef>
+          <a:fontRef idx="minor">
+            <a:schemeClr val="lt1"/>
+          </a:fontRef>
+        </p:style>
+        <p:txBody>
+          <a:bodyPr rtlCol="0" anchor="ctr"/>
+          <a:lstStyle/>
+          <a:p>
+            <a:pPr algn="ctr"/>
+            <a:endParaRPr lang="en-SG"/>
+          </a:p>
+        </p:txBody>
+      </p:sp>
+      <p:sp>
+        <p:nvSpPr>
+          <p:cNvPr id="45" name="Freeform: Shape 44">
+            <a:extLst>
+              <a:ext uri="{FF2B5EF4-FFF2-40B4-BE49-F238E27FC236}">
+                <a16:creationId xmlns:a16="http://schemas.microsoft.com/office/drawing/2014/main" id="{EF06328C-D623-4D8E-B442-EC85345DF1D2}"/>
+              </a:ext>
+            </a:extLst>
+          </p:cNvPr>
+          <p:cNvSpPr/>
+          <p:nvPr/>
+        </p:nvSpPr>
+        <p:spPr>
+          <a:xfrm>
+            <a:off x="3375437" y="4642375"/>
+            <a:ext cx="451358" cy="358774"/>
+          </a:xfrm>
+          <a:custGeom>
+            <a:avLst/>
+            <a:gdLst>
+              <a:gd name="connsiteX0" fmla="*/ 0 w 317500"/>
+              <a:gd name="connsiteY0" fmla="*/ 285750 h 288925"/>
+              <a:gd name="connsiteX1" fmla="*/ 257175 w 317500"/>
+              <a:gd name="connsiteY1" fmla="*/ 288925 h 288925"/>
+              <a:gd name="connsiteX2" fmla="*/ 314325 w 317500"/>
+              <a:gd name="connsiteY2" fmla="*/ 215900 h 288925"/>
+              <a:gd name="connsiteX3" fmla="*/ 317500 w 317500"/>
+              <a:gd name="connsiteY3" fmla="*/ 0 h 288925"/>
+            </a:gdLst>
+            <a:ahLst/>
+            <a:cxnLst>
+              <a:cxn ang="0">
+                <a:pos x="connsiteX0" y="connsiteY0"/>
+              </a:cxn>
+              <a:cxn ang="0">
+                <a:pos x="connsiteX1" y="connsiteY1"/>
+              </a:cxn>
+              <a:cxn ang="0">
+                <a:pos x="connsiteX2" y="connsiteY2"/>
+              </a:cxn>
+              <a:cxn ang="0">
+                <a:pos x="connsiteX3" y="connsiteY3"/>
+              </a:cxn>
+            </a:cxnLst>
+            <a:rect l="l" t="t" r="r" b="b"/>
+            <a:pathLst>
+              <a:path w="317500" h="288925">
+                <a:moveTo>
+                  <a:pt x="0" y="285750"/>
+                </a:moveTo>
+                <a:lnTo>
+                  <a:pt x="257175" y="288925"/>
+                </a:lnTo>
+                <a:lnTo>
+                  <a:pt x="314325" y="215900"/>
+                </a:lnTo>
+                <a:cubicBezTo>
+                  <a:pt x="315383" y="143933"/>
+                  <a:pt x="316442" y="71967"/>
+                  <a:pt x="317500" y="0"/>
+                </a:cubicBezTo>
+              </a:path>
+            </a:pathLst>
+          </a:custGeom>
+          <a:noFill/>
+        </p:spPr>
+        <p:style>
+          <a:lnRef idx="2">
+            <a:schemeClr val="accent1">
+              <a:shade val="50000"/>
+            </a:schemeClr>
+          </a:lnRef>
+          <a:fillRef idx="1">
+            <a:schemeClr val="accent1"/>
+          </a:fillRef>
+          <a:effectRef idx="0">
+            <a:schemeClr val="accent1"/>
+          </a:effectRef>
+          <a:fontRef idx="minor">
+            <a:schemeClr val="lt1"/>
+          </a:fontRef>
+        </p:style>
+        <p:txBody>
+          <a:bodyPr rtlCol="0" anchor="ctr"/>
+          <a:lstStyle/>
+          <a:p>
+            <a:pPr algn="ctr"/>
+            <a:endParaRPr lang="en-SG"/>
+          </a:p>
+        </p:txBody>
+      </p:sp>
+      <p:sp>
+        <p:nvSpPr>
+          <p:cNvPr id="53" name="TextBox 52">
+            <a:extLst>
+              <a:ext uri="{FF2B5EF4-FFF2-40B4-BE49-F238E27FC236}">
+                <a16:creationId xmlns:a16="http://schemas.microsoft.com/office/drawing/2014/main" id="{DD29E016-A6C5-48BB-B7E2-8AB617F4ADC1}"/>
+              </a:ext>
+            </a:extLst>
+          </p:cNvPr>
+          <p:cNvSpPr txBox="1"/>
+          <p:nvPr/>
+        </p:nvSpPr>
+        <p:spPr>
+          <a:xfrm>
+            <a:off x="3368345" y="4656603"/>
+            <a:ext cx="768875" cy="276999"/>
+          </a:xfrm>
+          <a:prstGeom prst="rect">
+            <a:avLst/>
+          </a:prstGeom>
+          <a:noFill/>
+        </p:spPr>
+        <p:txBody>
+          <a:bodyPr wrap="square" rtlCol="0">
+            <a:spAutoFit/>
+          </a:bodyPr>
+          <a:lstStyle/>
+          <a:p>
+            <a:r>
+              <a:rPr lang="en-SG" sz="1200"/>
+              <a:t>loop</a:t>
+            </a:r>
+          </a:p>
+        </p:txBody>
+      </p:sp>
+      <p:sp>
+        <p:nvSpPr>
+          <p:cNvPr id="73" name="TextBox 72">
+            <a:extLst>
+              <a:ext uri="{FF2B5EF4-FFF2-40B4-BE49-F238E27FC236}">
+                <a16:creationId xmlns:a16="http://schemas.microsoft.com/office/drawing/2014/main" id="{E5870FC4-5BC4-4E3A-82F5-C7EFC299541D}"/>
+              </a:ext>
+            </a:extLst>
+          </p:cNvPr>
+          <p:cNvSpPr txBox="1"/>
+          <p:nvPr/>
+        </p:nvSpPr>
+        <p:spPr>
+          <a:xfrm>
+            <a:off x="3777556" y="4642375"/>
+            <a:ext cx="615168" cy="276999"/>
+          </a:xfrm>
+          <a:prstGeom prst="rect">
+            <a:avLst/>
+          </a:prstGeom>
+          <a:noFill/>
+        </p:spPr>
+        <p:txBody>
+          <a:bodyPr wrap="none" rtlCol="0">
+            <a:spAutoFit/>
+          </a:bodyPr>
+          <a:lstStyle/>
+          <a:p>
+            <a:r>
+              <a:rPr lang="en-SG" sz="1200"/>
+              <a:t>[index]</a:t>
+            </a:r>
+          </a:p>
+        </p:txBody>
+      </p:sp>
+      <p:sp>
+        <p:nvSpPr>
+          <p:cNvPr id="94" name="TextBox 93">
+            <a:extLst>
+              <a:ext uri="{FF2B5EF4-FFF2-40B4-BE49-F238E27FC236}">
+                <a16:creationId xmlns:a16="http://schemas.microsoft.com/office/drawing/2014/main" id="{C7199140-8E25-4AA6-8275-CD26ED5D1784}"/>
+              </a:ext>
+            </a:extLst>
+          </p:cNvPr>
+          <p:cNvSpPr txBox="1"/>
+          <p:nvPr/>
+        </p:nvSpPr>
+        <p:spPr>
+          <a:xfrm>
+            <a:off x="6476714" y="2393614"/>
+            <a:ext cx="1346355" cy="184666"/>
+          </a:xfrm>
+          <a:prstGeom prst="rect">
+            <a:avLst/>
+          </a:prstGeom>
+          <a:noFill/>
+        </p:spPr>
+        <p:txBody>
+          <a:bodyPr wrap="square" lIns="0" tIns="0" rIns="0" bIns="0" rtlCol="0">
+            <a:spAutoFit/>
+          </a:bodyPr>
+          <a:lstStyle>
+            <a:defPPr>
+              <a:defRPr lang="en-US"/>
+            </a:defPPr>
+            <a:lvl1pPr algn="r">
+              <a:defRPr sz="1400">
+                <a:solidFill>
+                  <a:srgbClr val="0070C0"/>
+                </a:solidFill>
+              </a:defRPr>
+            </a:lvl1pPr>
+          </a:lstStyle>
+          <a:p>
+            <a:pPr algn="ctr"/>
+            <a:r>
+              <a:rPr lang="en-US" sz="1200">
+                <a:solidFill>
+                  <a:schemeClr val="accent4">
+                    <a:lumMod val="75000"/>
+                  </a:schemeClr>
+                </a:solidFill>
+              </a:rPr>
+              <a:t>setUndoTemp</a:t>
+            </a:r>
+            <a:r>
+              <a:rPr lang="en-US" sz="1200">
+                <a:solidFill>
+                  <a:srgbClr val="7030A0"/>
+                </a:solidFill>
+              </a:rPr>
+              <a:t>()</a:t>
+            </a:r>
+            <a:endParaRPr lang="en-US" sz="1200" dirty="0"/>
+          </a:p>
+        </p:txBody>
+      </p:sp>
+      <p:cxnSp>
+        <p:nvCxnSpPr>
+          <p:cNvPr id="95" name="Straight Arrow Connector 94">
+            <a:extLst>
+              <a:ext uri="{FF2B5EF4-FFF2-40B4-BE49-F238E27FC236}">
+                <a16:creationId xmlns:a16="http://schemas.microsoft.com/office/drawing/2014/main" id="{E0AB412A-3CE2-4B97-953F-5B6A84D52C65}"/>
+              </a:ext>
+            </a:extLst>
+          </p:cNvPr>
+          <p:cNvCxnSpPr>
+            <a:cxnSpLocks/>
+          </p:cNvCxnSpPr>
+          <p:nvPr/>
+        </p:nvCxnSpPr>
+        <p:spPr>
+          <a:xfrm>
+            <a:off x="6461026" y="3944967"/>
+            <a:ext cx="1517533" cy="0"/>
+          </a:xfrm>
+          <a:prstGeom prst="straightConnector1">
+            <a:avLst/>
+          </a:prstGeom>
+          <a:ln w="19050">
+            <a:solidFill>
+              <a:srgbClr val="0070C0"/>
+            </a:solidFill>
+            <a:tailEnd type="arrow"/>
+          </a:ln>
+        </p:spPr>
+        <p:style>
+          <a:lnRef idx="1">
+            <a:schemeClr val="accent1"/>
+          </a:lnRef>
+          <a:fillRef idx="0">
+            <a:schemeClr val="accent1"/>
+          </a:fillRef>
+          <a:effectRef idx="0">
+            <a:schemeClr val="accent1"/>
+          </a:effectRef>
+          <a:fontRef idx="minor">
+            <a:schemeClr val="tx1"/>
+          </a:fontRef>
+        </p:style>
+      </p:cxnSp>
+      <p:sp>
+        <p:nvSpPr>
+          <p:cNvPr id="96" name="TextBox 95">
+            <a:extLst>
+              <a:ext uri="{FF2B5EF4-FFF2-40B4-BE49-F238E27FC236}">
+                <a16:creationId xmlns:a16="http://schemas.microsoft.com/office/drawing/2014/main" id="{8C3F6C87-FFC3-451C-BA1C-F2DF420BAB27}"/>
+              </a:ext>
+            </a:extLst>
+          </p:cNvPr>
+          <p:cNvSpPr txBox="1"/>
+          <p:nvPr/>
+        </p:nvSpPr>
+        <p:spPr>
+          <a:xfrm>
+            <a:off x="6163427" y="3724731"/>
+            <a:ext cx="1665595" cy="184666"/>
+          </a:xfrm>
+          <a:prstGeom prst="rect">
+            <a:avLst/>
+          </a:prstGeom>
+          <a:noFill/>
+        </p:spPr>
+        <p:txBody>
+          <a:bodyPr wrap="square" lIns="0" tIns="0" rIns="0" bIns="0" rtlCol="0">
+            <a:spAutoFit/>
+          </a:bodyPr>
+          <a:lstStyle>
+            <a:defPPr>
+              <a:defRPr lang="en-US"/>
+            </a:defPPr>
+            <a:lvl1pPr algn="r">
+              <a:defRPr sz="1400">
+                <a:solidFill>
+                  <a:srgbClr val="0070C0"/>
+                </a:solidFill>
+              </a:defRPr>
+            </a:lvl1pPr>
+          </a:lstStyle>
+          <a:p>
+            <a:r>
+              <a:rPr lang="en-US" sz="1200">
+                <a:solidFill>
+                  <a:schemeClr val="accent4">
+                    <a:lumMod val="75000"/>
+                  </a:schemeClr>
+                </a:solidFill>
+              </a:rPr>
+              <a:t>getTempSubHistory</a:t>
+            </a:r>
+            <a:r>
+              <a:rPr lang="en-US" sz="1200">
+                <a:solidFill>
+                  <a:srgbClr val="7030A0"/>
+                </a:solidFill>
+              </a:rPr>
+              <a:t>()</a:t>
+            </a:r>
+            <a:endParaRPr lang="en-US" sz="1200" dirty="0"/>
+          </a:p>
+        </p:txBody>
+      </p:sp>
+      <p:sp>
+        <p:nvSpPr>
+          <p:cNvPr id="97" name="Rectangle 62">
+            <a:extLst>
+              <a:ext uri="{FF2B5EF4-FFF2-40B4-BE49-F238E27FC236}">
+                <a16:creationId xmlns:a16="http://schemas.microsoft.com/office/drawing/2014/main" id="{C0AAD8F1-7192-41EA-A643-EB5B7DE2F2B6}"/>
+              </a:ext>
+            </a:extLst>
+          </p:cNvPr>
+          <p:cNvSpPr/>
+          <p:nvPr/>
+        </p:nvSpPr>
+        <p:spPr>
+          <a:xfrm>
+            <a:off x="4386794" y="4143251"/>
+            <a:ext cx="966665" cy="358824"/>
+          </a:xfrm>
+          <a:prstGeom prst="rect">
+            <a:avLst/>
+          </a:prstGeom>
+          <a:solidFill>
+            <a:srgbClr val="0070C0"/>
+          </a:solidFill>
+          <a:ln w="19050">
+            <a:solidFill>
+              <a:srgbClr val="0070C0"/>
+            </a:solidFill>
+          </a:ln>
+          <a:effectLst/>
+        </p:spPr>
+        <p:style>
+          <a:lnRef idx="1">
+            <a:schemeClr val="accent2"/>
+          </a:lnRef>
+          <a:fillRef idx="2">
+            <a:schemeClr val="accent2"/>
+          </a:fillRef>
+          <a:effectRef idx="1">
+            <a:schemeClr val="accent2"/>
+          </a:effectRef>
+          <a:fontRef idx="minor">
+            <a:schemeClr val="dk1"/>
+          </a:fontRef>
+        </p:style>
+        <p:txBody>
+          <a:bodyPr rtlCol="0" anchor="ctr"/>
+          <a:lstStyle/>
+          <a:p>
+            <a:pPr algn="ctr"/>
+            <a:r>
+              <a:rPr lang="en-US" sz="1200">
+                <a:solidFill>
+                  <a:schemeClr val="bg1"/>
+                </a:solidFill>
+              </a:rPr>
+              <a:t>:Command</a:t>
+            </a:r>
+            <a:endParaRPr lang="en-SG" sz="1200" dirty="0">
+              <a:solidFill>
+                <a:schemeClr val="bg1"/>
+              </a:solidFill>
+            </a:endParaRPr>
+          </a:p>
+        </p:txBody>
+      </p:sp>
+      <p:cxnSp>
+        <p:nvCxnSpPr>
+          <p:cNvPr id="98" name="Straight Connector 97">
+            <a:extLst>
+              <a:ext uri="{FF2B5EF4-FFF2-40B4-BE49-F238E27FC236}">
+                <a16:creationId xmlns:a16="http://schemas.microsoft.com/office/drawing/2014/main" id="{5D74F22E-7E26-421B-8700-4875F1BD6F39}"/>
+              </a:ext>
+            </a:extLst>
+          </p:cNvPr>
+          <p:cNvCxnSpPr>
+            <a:cxnSpLocks/>
+          </p:cNvCxnSpPr>
+          <p:nvPr/>
+        </p:nvCxnSpPr>
+        <p:spPr>
+          <a:xfrm>
+            <a:off x="4837524" y="4466359"/>
+            <a:ext cx="32602" cy="1123081"/>
+          </a:xfrm>
+          <a:prstGeom prst="line">
+            <a:avLst/>
+          </a:prstGeom>
+          <a:ln w="19050">
+            <a:solidFill>
+              <a:srgbClr val="0070C0"/>
+            </a:solidFill>
+            <a:prstDash val="sysDash"/>
+          </a:ln>
+          <a:effectLst/>
+        </p:spPr>
+        <p:style>
+          <a:lnRef idx="1">
+            <a:schemeClr val="accent1"/>
+          </a:lnRef>
+          <a:fillRef idx="2">
+            <a:schemeClr val="accent1"/>
+          </a:fillRef>
+          <a:effectRef idx="1">
+            <a:schemeClr val="accent1"/>
+          </a:effectRef>
+          <a:fontRef idx="minor">
+            <a:schemeClr val="dk1"/>
+          </a:fontRef>
+        </p:style>
+      </p:cxnSp>
+      <p:sp>
+        <p:nvSpPr>
+          <p:cNvPr id="99" name="Rectangle 98">
+            <a:extLst>
+              <a:ext uri="{FF2B5EF4-FFF2-40B4-BE49-F238E27FC236}">
+                <a16:creationId xmlns:a16="http://schemas.microsoft.com/office/drawing/2014/main" id="{A9CFEF00-9B33-4EF8-BA31-FA05DFB1468F}"/>
+              </a:ext>
+            </a:extLst>
+          </p:cNvPr>
+          <p:cNvSpPr/>
+          <p:nvPr/>
+        </p:nvSpPr>
+        <p:spPr>
+          <a:xfrm>
+            <a:off x="4803932" y="4732297"/>
+            <a:ext cx="135889" cy="643598"/>
+          </a:xfrm>
+          <a:prstGeom prst="rect">
+            <a:avLst/>
+          </a:prstGeom>
+          <a:solidFill>
+            <a:srgbClr val="0070C0"/>
+          </a:solidFill>
+          <a:ln>
+            <a:solidFill>
+              <a:srgbClr val="0070C0"/>
+            </a:solidFill>
+          </a:ln>
+          <a:effectLst/>
+        </p:spPr>
+        <p:style>
+          <a:lnRef idx="1">
+            <a:schemeClr val="accent3"/>
+          </a:lnRef>
+          <a:fillRef idx="2">
+            <a:schemeClr val="accent3"/>
+          </a:fillRef>
+          <a:effectRef idx="1">
+            <a:schemeClr val="accent3"/>
+          </a:effectRef>
+          <a:fontRef idx="minor">
+            <a:schemeClr val="dk1"/>
+          </a:fontRef>
+        </p:style>
+        <p:txBody>
+          <a:bodyPr rtlCol="0" anchor="ctr"/>
+          <a:lstStyle/>
+          <a:p>
+            <a:pPr algn="ctr"/>
+            <a:endParaRPr lang="en-SG" sz="1400"/>
+          </a:p>
+        </p:txBody>
+      </p:sp>
+      <p:cxnSp>
+        <p:nvCxnSpPr>
+          <p:cNvPr id="100" name="Straight Arrow Connector 99">
+            <a:extLst>
+              <a:ext uri="{FF2B5EF4-FFF2-40B4-BE49-F238E27FC236}">
+                <a16:creationId xmlns:a16="http://schemas.microsoft.com/office/drawing/2014/main" id="{F855B508-B6E9-4DAD-870E-919D456C7AD9}"/>
+              </a:ext>
+            </a:extLst>
+          </p:cNvPr>
+          <p:cNvCxnSpPr>
+            <a:cxnSpLocks/>
+          </p:cNvCxnSpPr>
+          <p:nvPr/>
+        </p:nvCxnSpPr>
+        <p:spPr>
+          <a:xfrm flipH="1">
+            <a:off x="4914728" y="5244092"/>
+            <a:ext cx="1467084" cy="0"/>
+          </a:xfrm>
+          <a:prstGeom prst="straightConnector1">
+            <a:avLst/>
+          </a:prstGeom>
+          <a:ln w="19050">
+            <a:solidFill>
+              <a:srgbClr val="0070C0"/>
+            </a:solidFill>
+            <a:prstDash val="sysDash"/>
+            <a:headEnd type="arrow" w="med" len="med"/>
+            <a:tailEnd type="none" w="med" len="med"/>
           </a:ln>
         </p:spPr>
         <p:style>
@@ -5261,16 +6193,218 @@
       </p:cxnSp>
       <p:cxnSp>
         <p:nvCxnSpPr>
-          <p:cNvPr id="52" name="Straight Arrow Connector 51"/>
+          <p:cNvPr id="104" name="Straight Arrow Connector 103">
+            <a:extLst>
+              <a:ext uri="{FF2B5EF4-FFF2-40B4-BE49-F238E27FC236}">
+                <a16:creationId xmlns:a16="http://schemas.microsoft.com/office/drawing/2014/main" id="{BEEA95B0-137D-4229-B803-0E69023B7103}"/>
+              </a:ext>
+            </a:extLst>
+          </p:cNvPr>
           <p:cNvCxnSpPr>
             <a:cxnSpLocks/>
           </p:cNvCxnSpPr>
           <p:nvPr/>
         </p:nvCxnSpPr>
         <p:spPr>
-          <a:xfrm>
-            <a:off x="7043991" y="3182839"/>
-            <a:ext cx="1470216" cy="0"/>
+          <a:xfrm flipH="1" flipV="1">
+            <a:off x="4936322" y="4943235"/>
+            <a:ext cx="1476995" cy="2940"/>
+          </a:xfrm>
+          <a:prstGeom prst="straightConnector1">
+            <a:avLst/>
+          </a:prstGeom>
+          <a:ln w="19050">
+            <a:solidFill>
+              <a:srgbClr val="0070C0"/>
+            </a:solidFill>
+            <a:tailEnd type="arrow"/>
+          </a:ln>
+        </p:spPr>
+        <p:style>
+          <a:lnRef idx="1">
+            <a:schemeClr val="accent1"/>
+          </a:lnRef>
+          <a:fillRef idx="0">
+            <a:schemeClr val="accent1"/>
+          </a:fillRef>
+          <a:effectRef idx="0">
+            <a:schemeClr val="accent1"/>
+          </a:effectRef>
+          <a:fontRef idx="minor">
+            <a:schemeClr val="tx1"/>
+          </a:fontRef>
+        </p:style>
+      </p:cxnSp>
+      <p:sp>
+        <p:nvSpPr>
+          <p:cNvPr id="109" name="TextBox 108">
+            <a:extLst>
+              <a:ext uri="{FF2B5EF4-FFF2-40B4-BE49-F238E27FC236}">
+                <a16:creationId xmlns:a16="http://schemas.microsoft.com/office/drawing/2014/main" id="{26A95915-91DF-4943-8046-9D45F845B661}"/>
+              </a:ext>
+            </a:extLst>
+          </p:cNvPr>
+          <p:cNvSpPr txBox="1"/>
+          <p:nvPr/>
+        </p:nvSpPr>
+        <p:spPr>
+          <a:xfrm>
+            <a:off x="5146130" y="4737308"/>
+            <a:ext cx="855809" cy="215444"/>
+          </a:xfrm>
+          <a:prstGeom prst="rect">
+            <a:avLst/>
+          </a:prstGeom>
+          <a:noFill/>
+        </p:spPr>
+        <p:txBody>
+          <a:bodyPr wrap="square" lIns="0" tIns="0" rIns="0" bIns="0" rtlCol="0">
+            <a:spAutoFit/>
+          </a:bodyPr>
+          <a:lstStyle>
+            <a:defPPr>
+              <a:defRPr lang="en-US"/>
+            </a:defPPr>
+            <a:lvl1pPr algn="r">
+              <a:defRPr sz="1400">
+                <a:solidFill>
+                  <a:srgbClr val="0070C0"/>
+                </a:solidFill>
+              </a:defRPr>
+            </a:lvl1pPr>
+          </a:lstStyle>
+          <a:p>
+            <a:r>
+              <a:rPr lang="en-US" dirty="0"/>
+              <a:t>execute()</a:t>
+            </a:r>
+          </a:p>
+        </p:txBody>
+      </p:sp>
+      <p:cxnSp>
+        <p:nvCxnSpPr>
+          <p:cNvPr id="111" name="Straight Arrow Connector 110">
+            <a:extLst>
+              <a:ext uri="{FF2B5EF4-FFF2-40B4-BE49-F238E27FC236}">
+                <a16:creationId xmlns:a16="http://schemas.microsoft.com/office/drawing/2014/main" id="{051BD164-B862-48B6-AD89-E44C16A181CA}"/>
+              </a:ext>
+            </a:extLst>
+          </p:cNvPr>
+          <p:cNvCxnSpPr>
+            <a:cxnSpLocks/>
+          </p:cNvCxnSpPr>
+          <p:nvPr/>
+        </p:nvCxnSpPr>
+        <p:spPr>
+          <a:xfrm>
+            <a:off x="6413317" y="5708117"/>
+            <a:ext cx="1527786" cy="0"/>
+          </a:xfrm>
+          <a:prstGeom prst="straightConnector1">
+            <a:avLst/>
+          </a:prstGeom>
+          <a:ln w="19050">
+            <a:solidFill>
+              <a:srgbClr val="0070C0"/>
+            </a:solidFill>
+            <a:tailEnd type="arrow"/>
+          </a:ln>
+        </p:spPr>
+        <p:style>
+          <a:lnRef idx="1">
+            <a:schemeClr val="accent1"/>
+          </a:lnRef>
+          <a:fillRef idx="0">
+            <a:schemeClr val="accent1"/>
+          </a:fillRef>
+          <a:effectRef idx="0">
+            <a:schemeClr val="accent1"/>
+          </a:effectRef>
+          <a:fontRef idx="minor">
+            <a:schemeClr val="tx1"/>
+          </a:fontRef>
+        </p:style>
+      </p:cxnSp>
+      <p:sp>
+        <p:nvSpPr>
+          <p:cNvPr id="117" name="TextBox 116">
+            <a:extLst>
+              <a:ext uri="{FF2B5EF4-FFF2-40B4-BE49-F238E27FC236}">
+                <a16:creationId xmlns:a16="http://schemas.microsoft.com/office/drawing/2014/main" id="{3A1AFBFE-CF98-4D8E-83B0-8B87BFD57959}"/>
+              </a:ext>
+            </a:extLst>
+          </p:cNvPr>
+          <p:cNvSpPr txBox="1"/>
+          <p:nvPr/>
+        </p:nvSpPr>
+        <p:spPr>
+          <a:xfrm>
+            <a:off x="6559588" y="5528221"/>
+            <a:ext cx="1346355" cy="184666"/>
+          </a:xfrm>
+          <a:prstGeom prst="rect">
+            <a:avLst/>
+          </a:prstGeom>
+          <a:noFill/>
+        </p:spPr>
+        <p:txBody>
+          <a:bodyPr wrap="square" lIns="0" tIns="0" rIns="0" bIns="0" rtlCol="0">
+            <a:spAutoFit/>
+          </a:bodyPr>
+          <a:lstStyle>
+            <a:defPPr>
+              <a:defRPr lang="en-US"/>
+            </a:defPPr>
+            <a:lvl1pPr algn="r">
+              <a:defRPr sz="1400">
+                <a:solidFill>
+                  <a:srgbClr val="0070C0"/>
+                </a:solidFill>
+              </a:defRPr>
+            </a:lvl1pPr>
+          </a:lstStyle>
+          <a:p>
+            <a:pPr algn="ctr"/>
+            <a:r>
+              <a:rPr lang="en-US" sz="1200">
+                <a:solidFill>
+                  <a:schemeClr val="accent4">
+                    <a:lumMod val="75000"/>
+                  </a:schemeClr>
+                </a:solidFill>
+              </a:rPr>
+              <a:t>displayTempImage</a:t>
+            </a:r>
+            <a:r>
+              <a:rPr lang="en-US" sz="1200">
+                <a:solidFill>
+                  <a:srgbClr val="7030A0"/>
+                </a:solidFill>
+              </a:rPr>
+              <a:t>()</a:t>
+            </a:r>
+            <a:endParaRPr lang="en-US" sz="1200" dirty="0"/>
+          </a:p>
+        </p:txBody>
+      </p:sp>
+      <p:cxnSp>
+        <p:nvCxnSpPr>
+          <p:cNvPr id="118" name="Straight Arrow Connector 117">
+            <a:extLst>
+              <a:ext uri="{FF2B5EF4-FFF2-40B4-BE49-F238E27FC236}">
+                <a16:creationId xmlns:a16="http://schemas.microsoft.com/office/drawing/2014/main" id="{F9E0F98C-059C-4831-8C13-43BDBD4D88CF}"/>
+              </a:ext>
+            </a:extLst>
+          </p:cNvPr>
+          <p:cNvCxnSpPr>
+            <a:cxnSpLocks/>
+          </p:cNvCxnSpPr>
+          <p:nvPr/>
+        </p:nvCxnSpPr>
+        <p:spPr>
+          <a:xfrm flipV="1">
+            <a:off x="6480356" y="6015272"/>
+            <a:ext cx="1470216" cy="6325"/>
           </a:xfrm>
           <a:prstGeom prst="straightConnector1">
             <a:avLst/>
@@ -5279,7 +6413,427 @@
             <a:solidFill>
               <a:srgbClr val="7030A0"/>
             </a:solidFill>
-            <a:tailEnd type="arrow"/>
+            <a:prstDash val="sysDash"/>
+            <a:headEnd type="arrow" w="med" len="med"/>
+            <a:tailEnd type="none" w="med" len="med"/>
+          </a:ln>
+        </p:spPr>
+        <p:style>
+          <a:lnRef idx="1">
+            <a:schemeClr val="accent1"/>
+          </a:lnRef>
+          <a:fillRef idx="0">
+            <a:schemeClr val="accent1"/>
+          </a:fillRef>
+          <a:effectRef idx="0">
+            <a:schemeClr val="accent1"/>
+          </a:effectRef>
+          <a:fontRef idx="minor">
+            <a:schemeClr val="tx1"/>
+          </a:fontRef>
+        </p:style>
+      </p:cxnSp>
+      <p:sp>
+        <p:nvSpPr>
+          <p:cNvPr id="71" name="Rectangle 65">
+            <a:extLst>
+              <a:ext uri="{FF2B5EF4-FFF2-40B4-BE49-F238E27FC236}">
+                <a16:creationId xmlns:a16="http://schemas.microsoft.com/office/drawing/2014/main" id="{CD2A92CE-FCA2-43F7-99F4-081ECDB3A77C}"/>
+              </a:ext>
+            </a:extLst>
+          </p:cNvPr>
+          <p:cNvSpPr/>
+          <p:nvPr/>
+        </p:nvSpPr>
+        <p:spPr>
+          <a:xfrm>
+            <a:off x="10235079" y="160320"/>
+            <a:ext cx="3899709" cy="6449593"/>
+          </a:xfrm>
+          <a:prstGeom prst="roundRect">
+            <a:avLst>
+              <a:gd name="adj" fmla="val 3484"/>
+            </a:avLst>
+          </a:prstGeom>
+          <a:solidFill>
+            <a:schemeClr val="accent6">
+              <a:lumMod val="20000"/>
+              <a:lumOff val="80000"/>
+            </a:schemeClr>
+          </a:solidFill>
+          <a:ln w="19050">
+            <a:noFill/>
+          </a:ln>
+          <a:effectLst/>
+        </p:spPr>
+        <p:style>
+          <a:lnRef idx="1">
+            <a:schemeClr val="accent2"/>
+          </a:lnRef>
+          <a:fillRef idx="2">
+            <a:schemeClr val="accent2"/>
+          </a:fillRef>
+          <a:effectRef idx="1">
+            <a:schemeClr val="accent2"/>
+          </a:effectRef>
+          <a:fontRef idx="minor">
+            <a:schemeClr val="dk1"/>
+          </a:fontRef>
+        </p:style>
+        <p:txBody>
+          <a:bodyPr rtlCol="0" anchor="t"/>
+          <a:lstStyle/>
+          <a:p>
+            <a:r>
+              <a:rPr lang="en-US" sz="1000" b="1" dirty="0">
+                <a:solidFill>
+                  <a:sysClr val="windowText" lastClr="000000"/>
+                </a:solidFill>
+              </a:rPr>
+              <a:t>UI</a:t>
+            </a:r>
+          </a:p>
+        </p:txBody>
+      </p:sp>
+      <p:sp>
+        <p:nvSpPr>
+          <p:cNvPr id="72" name="Rectangle 62">
+            <a:extLst>
+              <a:ext uri="{FF2B5EF4-FFF2-40B4-BE49-F238E27FC236}">
+                <a16:creationId xmlns:a16="http://schemas.microsoft.com/office/drawing/2014/main" id="{D020B1CC-0613-4B7F-BBD0-7EAC4A6515CA}"/>
+              </a:ext>
+            </a:extLst>
+          </p:cNvPr>
+          <p:cNvSpPr/>
+          <p:nvPr/>
+        </p:nvSpPr>
+        <p:spPr>
+          <a:xfrm>
+            <a:off x="10510512" y="4712354"/>
+            <a:ext cx="1080000" cy="442495"/>
+          </a:xfrm>
+          <a:prstGeom prst="rect">
+            <a:avLst/>
+          </a:prstGeom>
+          <a:solidFill>
+            <a:schemeClr val="accent6">
+              <a:lumMod val="75000"/>
+            </a:schemeClr>
+          </a:solidFill>
+          <a:ln w="19050">
+            <a:solidFill>
+              <a:schemeClr val="accent6">
+                <a:lumMod val="75000"/>
+              </a:schemeClr>
+            </a:solidFill>
+          </a:ln>
+          <a:effectLst/>
+        </p:spPr>
+        <p:style>
+          <a:lnRef idx="1">
+            <a:schemeClr val="accent2"/>
+          </a:lnRef>
+          <a:fillRef idx="2">
+            <a:schemeClr val="accent2"/>
+          </a:fillRef>
+          <a:effectRef idx="1">
+            <a:schemeClr val="accent2"/>
+          </a:effectRef>
+          <a:fontRef idx="minor">
+            <a:schemeClr val="dk1"/>
+          </a:fontRef>
+        </p:style>
+        <p:txBody>
+          <a:bodyPr rtlCol="0" anchor="ctr"/>
+          <a:lstStyle/>
+          <a:p>
+            <a:pPr algn="ctr"/>
+            <a:r>
+              <a:rPr lang="en-US" sz="1000" dirty="0">
+                <a:solidFill>
+                  <a:schemeClr val="bg1"/>
+                </a:solidFill>
+              </a:rPr>
+              <a:t>: Notifier</a:t>
+            </a:r>
+            <a:endParaRPr lang="en-SG" sz="1000" dirty="0">
+              <a:solidFill>
+                <a:schemeClr val="bg1"/>
+              </a:solidFill>
+            </a:endParaRPr>
+          </a:p>
+        </p:txBody>
+      </p:sp>
+      <p:sp>
+        <p:nvSpPr>
+          <p:cNvPr id="74" name="Rectangle 62">
+            <a:extLst>
+              <a:ext uri="{FF2B5EF4-FFF2-40B4-BE49-F238E27FC236}">
+                <a16:creationId xmlns:a16="http://schemas.microsoft.com/office/drawing/2014/main" id="{470D427F-D7C6-48A9-9FAB-6EACE00C7B6D}"/>
+              </a:ext>
+            </a:extLst>
+          </p:cNvPr>
+          <p:cNvSpPr/>
+          <p:nvPr/>
+        </p:nvSpPr>
+        <p:spPr>
+          <a:xfrm>
+            <a:off x="11813834" y="4733788"/>
+            <a:ext cx="1260000" cy="442495"/>
+          </a:xfrm>
+          <a:prstGeom prst="rect">
+            <a:avLst/>
+          </a:prstGeom>
+          <a:solidFill>
+            <a:schemeClr val="accent6">
+              <a:lumMod val="75000"/>
+            </a:schemeClr>
+          </a:solidFill>
+          <a:ln w="19050">
+            <a:solidFill>
+              <a:schemeClr val="accent6">
+                <a:lumMod val="75000"/>
+              </a:schemeClr>
+            </a:solidFill>
+          </a:ln>
+          <a:effectLst/>
+        </p:spPr>
+        <p:style>
+          <a:lnRef idx="1">
+            <a:schemeClr val="accent2"/>
+          </a:lnRef>
+          <a:fillRef idx="2">
+            <a:schemeClr val="accent2"/>
+          </a:fillRef>
+          <a:effectRef idx="1">
+            <a:schemeClr val="accent2"/>
+          </a:effectRef>
+          <a:fontRef idx="minor">
+            <a:schemeClr val="dk1"/>
+          </a:fontRef>
+        </p:style>
+        <p:txBody>
+          <a:bodyPr rtlCol="0" anchor="ctr"/>
+          <a:lstStyle/>
+          <a:p>
+            <a:pPr algn="ctr"/>
+            <a:r>
+              <a:rPr lang="en-US" sz="1000" dirty="0">
+                <a:solidFill>
+                  <a:schemeClr val="bg1"/>
+                </a:solidFill>
+              </a:rPr>
+              <a:t>:</a:t>
+            </a:r>
+            <a:r>
+              <a:rPr lang="en-US" sz="1000" dirty="0" err="1">
+                <a:solidFill>
+                  <a:schemeClr val="bg1"/>
+                </a:solidFill>
+              </a:rPr>
+              <a:t>InformationPanel</a:t>
+            </a:r>
+            <a:endParaRPr lang="en-SG" sz="1000" dirty="0">
+              <a:solidFill>
+                <a:schemeClr val="bg1"/>
+              </a:solidFill>
+            </a:endParaRPr>
+          </a:p>
+        </p:txBody>
+      </p:sp>
+      <p:cxnSp>
+        <p:nvCxnSpPr>
+          <p:cNvPr id="75" name="Straight Connector 74">
+            <a:extLst>
+              <a:ext uri="{FF2B5EF4-FFF2-40B4-BE49-F238E27FC236}">
+                <a16:creationId xmlns:a16="http://schemas.microsoft.com/office/drawing/2014/main" id="{794BDD1C-34E7-4390-B823-7018B1584229}"/>
+              </a:ext>
+            </a:extLst>
+          </p:cNvPr>
+          <p:cNvCxnSpPr>
+            <a:cxnSpLocks/>
+            <a:stCxn id="74" idx="2"/>
+          </p:cNvCxnSpPr>
+          <p:nvPr/>
+        </p:nvCxnSpPr>
+        <p:spPr>
+          <a:xfrm>
+            <a:off x="12443834" y="5176283"/>
+            <a:ext cx="0" cy="1247730"/>
+          </a:xfrm>
+          <a:prstGeom prst="line">
+            <a:avLst/>
+          </a:prstGeom>
+          <a:ln w="19050">
+            <a:solidFill>
+              <a:schemeClr val="accent6">
+                <a:lumMod val="75000"/>
+              </a:schemeClr>
+            </a:solidFill>
+            <a:prstDash val="sysDash"/>
+          </a:ln>
+          <a:effectLst/>
+        </p:spPr>
+        <p:style>
+          <a:lnRef idx="1">
+            <a:schemeClr val="accent1"/>
+          </a:lnRef>
+          <a:fillRef idx="2">
+            <a:schemeClr val="accent1"/>
+          </a:fillRef>
+          <a:effectRef idx="1">
+            <a:schemeClr val="accent1"/>
+          </a:effectRef>
+          <a:fontRef idx="minor">
+            <a:schemeClr val="dk1"/>
+          </a:fontRef>
+        </p:style>
+      </p:cxnSp>
+      <p:sp>
+        <p:nvSpPr>
+          <p:cNvPr id="76" name="Rectangle 75">
+            <a:extLst>
+              <a:ext uri="{FF2B5EF4-FFF2-40B4-BE49-F238E27FC236}">
+                <a16:creationId xmlns:a16="http://schemas.microsoft.com/office/drawing/2014/main" id="{DDE62273-2818-44A1-8E2B-D7D0A8E0B15C}"/>
+              </a:ext>
+            </a:extLst>
+          </p:cNvPr>
+          <p:cNvSpPr/>
+          <p:nvPr/>
+        </p:nvSpPr>
+        <p:spPr>
+          <a:xfrm>
+            <a:off x="10965472" y="5270042"/>
+            <a:ext cx="159081" cy="1153971"/>
+          </a:xfrm>
+          <a:prstGeom prst="rect">
+            <a:avLst/>
+          </a:prstGeom>
+          <a:solidFill>
+            <a:schemeClr val="accent6">
+              <a:lumMod val="75000"/>
+            </a:schemeClr>
+          </a:solidFill>
+          <a:ln>
+            <a:solidFill>
+              <a:schemeClr val="accent6">
+                <a:lumMod val="75000"/>
+              </a:schemeClr>
+            </a:solidFill>
+          </a:ln>
+          <a:effectLst/>
+        </p:spPr>
+        <p:style>
+          <a:lnRef idx="1">
+            <a:schemeClr val="accent3"/>
+          </a:lnRef>
+          <a:fillRef idx="2">
+            <a:schemeClr val="accent3"/>
+          </a:fillRef>
+          <a:effectRef idx="1">
+            <a:schemeClr val="accent3"/>
+          </a:effectRef>
+          <a:fontRef idx="minor">
+            <a:schemeClr val="dk1"/>
+          </a:fontRef>
+        </p:style>
+        <p:txBody>
+          <a:bodyPr rtlCol="0" anchor="ctr"/>
+          <a:lstStyle/>
+          <a:p>
+            <a:pPr algn="ctr"/>
+            <a:endParaRPr lang="en-SG" sz="1000"/>
+          </a:p>
+        </p:txBody>
+      </p:sp>
+      <p:sp>
+        <p:nvSpPr>
+          <p:cNvPr id="77" name="Rectangle 76">
+            <a:extLst>
+              <a:ext uri="{FF2B5EF4-FFF2-40B4-BE49-F238E27FC236}">
+                <a16:creationId xmlns:a16="http://schemas.microsoft.com/office/drawing/2014/main" id="{F1F269C0-20BF-4E39-90BF-CC18882ACF38}"/>
+              </a:ext>
+            </a:extLst>
+          </p:cNvPr>
+          <p:cNvSpPr/>
+          <p:nvPr/>
+        </p:nvSpPr>
+        <p:spPr>
+          <a:xfrm>
+            <a:off x="12347792" y="5384419"/>
+            <a:ext cx="159081" cy="567676"/>
+          </a:xfrm>
+          <a:prstGeom prst="rect">
+            <a:avLst/>
+          </a:prstGeom>
+          <a:solidFill>
+            <a:schemeClr val="accent6">
+              <a:lumMod val="75000"/>
+            </a:schemeClr>
+          </a:solidFill>
+          <a:ln>
+            <a:solidFill>
+              <a:schemeClr val="accent6">
+                <a:lumMod val="75000"/>
+              </a:schemeClr>
+            </a:solidFill>
+          </a:ln>
+          <a:effectLst/>
+        </p:spPr>
+        <p:style>
+          <a:lnRef idx="1">
+            <a:schemeClr val="accent3"/>
+          </a:lnRef>
+          <a:fillRef idx="2">
+            <a:schemeClr val="accent3"/>
+          </a:fillRef>
+          <a:effectRef idx="1">
+            <a:schemeClr val="accent3"/>
+          </a:effectRef>
+          <a:fontRef idx="minor">
+            <a:schemeClr val="dk1"/>
+          </a:fontRef>
+        </p:style>
+        <p:txBody>
+          <a:bodyPr rtlCol="0" anchor="ctr"/>
+          <a:lstStyle/>
+          <a:p>
+            <a:pPr algn="ctr"/>
+            <a:endParaRPr lang="en-SG" sz="1000"/>
+          </a:p>
+        </p:txBody>
+      </p:sp>
+      <p:cxnSp>
+        <p:nvCxnSpPr>
+          <p:cNvPr id="86" name="Straight Arrow Connector 85">
+            <a:extLst>
+              <a:ext uri="{FF2B5EF4-FFF2-40B4-BE49-F238E27FC236}">
+                <a16:creationId xmlns:a16="http://schemas.microsoft.com/office/drawing/2014/main" id="{35E589B9-795A-4C41-8DB3-73F3B446ADE5}"/>
+              </a:ext>
+            </a:extLst>
+          </p:cNvPr>
+          <p:cNvCxnSpPr>
+            <a:cxnSpLocks/>
+          </p:cNvCxnSpPr>
+          <p:nvPr/>
+        </p:nvCxnSpPr>
+        <p:spPr>
+          <a:xfrm>
+            <a:off x="8038522" y="5875336"/>
+            <a:ext cx="2850195" cy="0"/>
+          </a:xfrm>
+          <a:prstGeom prst="straightConnector1">
+            <a:avLst/>
+          </a:prstGeom>
+          <a:ln w="19050">
+            <a:solidFill>
+              <a:schemeClr val="accent6">
+                <a:lumMod val="75000"/>
+              </a:schemeClr>
+            </a:solidFill>
+            <a:prstDash val="sysDash"/>
+            <a:headEnd type="arrow" w="med" len="med"/>
+            <a:tailEnd type="none" w="med" len="med"/>
           </a:ln>
         </p:spPr>
         <p:style>
@@ -5299,10 +6853,10 @@
       </p:cxnSp>
       <p:cxnSp>
         <p:nvCxnSpPr>
-          <p:cNvPr id="60" name="Straight Arrow Connector 59">
-            <a:extLst>
-              <a:ext uri="{FF2B5EF4-FFF2-40B4-BE49-F238E27FC236}">
-                <a16:creationId xmlns:a16="http://schemas.microsoft.com/office/drawing/2014/main" id="{7C9F21BC-13A9-471F-825A-2621FD36355F}"/>
+          <p:cNvPr id="87" name="Straight Arrow Connector 86">
+            <a:extLst>
+              <a:ext uri="{FF2B5EF4-FFF2-40B4-BE49-F238E27FC236}">
+                <a16:creationId xmlns:a16="http://schemas.microsoft.com/office/drawing/2014/main" id="{6F756AB9-3B9D-47C6-99C6-50C8B43288E0}"/>
               </a:ext>
             </a:extLst>
           </p:cNvPr>
@@ -5312,16 +6866,18 @@
           <p:nvPr/>
         </p:nvCxnSpPr>
         <p:spPr>
-          <a:xfrm flipV="1">
-            <a:off x="7043991" y="3564914"/>
-            <a:ext cx="1470216" cy="6325"/>
+          <a:xfrm>
+            <a:off x="11080201" y="5908628"/>
+            <a:ext cx="1267591" cy="0"/>
           </a:xfrm>
           <a:prstGeom prst="straightConnector1">
             <a:avLst/>
           </a:prstGeom>
           <a:ln w="19050">
             <a:solidFill>
-              <a:srgbClr val="7030A0"/>
+              <a:schemeClr val="accent6">
+                <a:lumMod val="75000"/>
+              </a:schemeClr>
             </a:solidFill>
             <a:prstDash val="sysDash"/>
             <a:headEnd type="arrow" w="med" len="med"/>
@@ -5345,34 +6901,33 @@
       </p:cxnSp>
       <p:cxnSp>
         <p:nvCxnSpPr>
-          <p:cNvPr id="63" name="Straight Arrow Connector 62">
-            <a:extLst>
-              <a:ext uri="{FF2B5EF4-FFF2-40B4-BE49-F238E27FC236}">
-                <a16:creationId xmlns:a16="http://schemas.microsoft.com/office/drawing/2014/main" id="{7C9F21BC-13A9-471F-825A-2621FD36355F}"/>
+          <p:cNvPr id="88" name="Straight Arrow Connector 87">
+            <a:extLst>
+              <a:ext uri="{FF2B5EF4-FFF2-40B4-BE49-F238E27FC236}">
+                <a16:creationId xmlns:a16="http://schemas.microsoft.com/office/drawing/2014/main" id="{AFCCD816-7DDD-415A-A1E1-7B8C01F3A32F}"/>
               </a:ext>
             </a:extLst>
           </p:cNvPr>
           <p:cNvCxnSpPr>
             <a:cxnSpLocks/>
-            <a:endCxn id="49" idx="2"/>
           </p:cNvCxnSpPr>
           <p:nvPr/>
         </p:nvCxnSpPr>
         <p:spPr>
           <a:xfrm>
-            <a:off x="5675919" y="3733799"/>
-            <a:ext cx="1296056" cy="0"/>
+            <a:off x="8091597" y="5716143"/>
+            <a:ext cx="2873875" cy="0"/>
           </a:xfrm>
           <a:prstGeom prst="straightConnector1">
             <a:avLst/>
           </a:prstGeom>
           <a:ln w="19050">
             <a:solidFill>
-              <a:srgbClr val="7030A0"/>
+              <a:schemeClr val="accent2">
+                <a:lumMod val="75000"/>
+              </a:schemeClr>
             </a:solidFill>
-            <a:prstDash val="sysDash"/>
-            <a:headEnd type="arrow" w="med" len="med"/>
-            <a:tailEnd type="none" w="med" len="med"/>
+            <a:tailEnd type="arrow"/>
           </a:ln>
         </p:spPr>
         <p:style>
@@ -5390,10 +6945,242 @@
           </a:fontRef>
         </p:style>
       </p:cxnSp>
+      <p:cxnSp>
+        <p:nvCxnSpPr>
+          <p:cNvPr id="90" name="Straight Arrow Connector 89">
+            <a:extLst>
+              <a:ext uri="{FF2B5EF4-FFF2-40B4-BE49-F238E27FC236}">
+                <a16:creationId xmlns:a16="http://schemas.microsoft.com/office/drawing/2014/main" id="{E198B08B-5D8B-49B4-96FA-5A0908D5FF10}"/>
+              </a:ext>
+            </a:extLst>
+          </p:cNvPr>
+          <p:cNvCxnSpPr>
+            <a:cxnSpLocks/>
+          </p:cNvCxnSpPr>
+          <p:nvPr/>
+        </p:nvCxnSpPr>
+        <p:spPr>
+          <a:xfrm>
+            <a:off x="11124553" y="5698912"/>
+            <a:ext cx="1287466" cy="0"/>
+          </a:xfrm>
+          <a:prstGeom prst="straightConnector1">
+            <a:avLst/>
+          </a:prstGeom>
+          <a:ln w="19050">
+            <a:solidFill>
+              <a:schemeClr val="accent6">
+                <a:lumMod val="75000"/>
+              </a:schemeClr>
+            </a:solidFill>
+            <a:tailEnd type="arrow"/>
+          </a:ln>
+        </p:spPr>
+        <p:style>
+          <a:lnRef idx="1">
+            <a:schemeClr val="accent1"/>
+          </a:lnRef>
+          <a:fillRef idx="0">
+            <a:schemeClr val="accent1"/>
+          </a:fillRef>
+          <a:effectRef idx="0">
+            <a:schemeClr val="accent1"/>
+          </a:effectRef>
+          <a:fontRef idx="minor">
+            <a:schemeClr val="tx1"/>
+          </a:fontRef>
+        </p:style>
+      </p:cxnSp>
+      <p:sp>
+        <p:nvSpPr>
+          <p:cNvPr id="91" name="TextBox 90">
+            <a:extLst>
+              <a:ext uri="{FF2B5EF4-FFF2-40B4-BE49-F238E27FC236}">
+                <a16:creationId xmlns:a16="http://schemas.microsoft.com/office/drawing/2014/main" id="{9F59F70A-4FDA-4142-84CA-99EFAFD2BA1F}"/>
+              </a:ext>
+            </a:extLst>
+          </p:cNvPr>
+          <p:cNvSpPr txBox="1"/>
+          <p:nvPr/>
+        </p:nvSpPr>
+        <p:spPr>
+          <a:xfrm>
+            <a:off x="8313046" y="5193447"/>
+            <a:ext cx="1459313" cy="461665"/>
+          </a:xfrm>
+          <a:prstGeom prst="rect">
+            <a:avLst/>
+          </a:prstGeom>
+          <a:noFill/>
+        </p:spPr>
+        <p:txBody>
+          <a:bodyPr wrap="square" lIns="0" tIns="0" rIns="0" bIns="0" rtlCol="0">
+            <a:spAutoFit/>
+          </a:bodyPr>
+          <a:lstStyle>
+            <a:defPPr>
+              <a:defRPr lang="en-US"/>
+            </a:defPPr>
+            <a:lvl1pPr algn="r">
+              <a:defRPr sz="1400">
+                <a:solidFill>
+                  <a:srgbClr val="0070C0"/>
+                </a:solidFill>
+              </a:defRPr>
+            </a:lvl1pPr>
+          </a:lstStyle>
+          <a:p>
+            <a:pPr algn="ctr"/>
+            <a:r>
+              <a:rPr lang="en-US" sz="1000" dirty="0">
+                <a:solidFill>
+                  <a:schemeClr val="accent2">
+                    <a:lumMod val="75000"/>
+                  </a:schemeClr>
+                </a:solidFill>
+              </a:rPr>
+              <a:t>&lt;&lt;static&gt;&gt;</a:t>
+            </a:r>
+          </a:p>
+          <a:p>
+            <a:pPr algn="ctr"/>
+            <a:r>
+              <a:rPr lang="en-US" sz="1000" dirty="0" err="1">
+                <a:solidFill>
+                  <a:schemeClr val="accent2">
+                    <a:lumMod val="75000"/>
+                  </a:schemeClr>
+                </a:solidFill>
+              </a:rPr>
+              <a:t>firePropertyChangeListener</a:t>
+            </a:r>
+            <a:r>
+              <a:rPr lang="en-US" sz="1000" dirty="0">
+                <a:solidFill>
+                  <a:schemeClr val="accent2">
+                    <a:lumMod val="75000"/>
+                  </a:schemeClr>
+                </a:solidFill>
+              </a:rPr>
+              <a:t>(String, Object, Object</a:t>
+            </a:r>
+          </a:p>
+        </p:txBody>
+      </p:sp>
+      <p:sp>
+        <p:nvSpPr>
+          <p:cNvPr id="92" name="TextBox 91">
+            <a:extLst>
+              <a:ext uri="{FF2B5EF4-FFF2-40B4-BE49-F238E27FC236}">
+                <a16:creationId xmlns:a16="http://schemas.microsoft.com/office/drawing/2014/main" id="{4694F665-9BA4-4369-8FAF-71B250CA0B40}"/>
+              </a:ext>
+            </a:extLst>
+          </p:cNvPr>
+          <p:cNvSpPr txBox="1"/>
+          <p:nvPr/>
+        </p:nvSpPr>
+        <p:spPr>
+          <a:xfrm>
+            <a:off x="11008956" y="5394054"/>
+            <a:ext cx="1423782" cy="153888"/>
+          </a:xfrm>
+          <a:prstGeom prst="rect">
+            <a:avLst/>
+          </a:prstGeom>
+          <a:noFill/>
+        </p:spPr>
+        <p:txBody>
+          <a:bodyPr wrap="square" lIns="0" tIns="0" rIns="0" bIns="0" rtlCol="0">
+            <a:spAutoFit/>
+          </a:bodyPr>
+          <a:lstStyle>
+            <a:defPPr>
+              <a:defRPr lang="en-US"/>
+            </a:defPPr>
+            <a:lvl1pPr algn="r">
+              <a:defRPr sz="1400">
+                <a:solidFill>
+                  <a:srgbClr val="0070C0"/>
+                </a:solidFill>
+              </a:defRPr>
+            </a:lvl1pPr>
+          </a:lstStyle>
+          <a:p>
+            <a:pPr algn="ctr"/>
+            <a:r>
+              <a:rPr lang="en-US" sz="1000" dirty="0" err="1">
+                <a:solidFill>
+                  <a:schemeClr val="accent6">
+                    <a:lumMod val="75000"/>
+                  </a:schemeClr>
+                </a:solidFill>
+              </a:rPr>
+              <a:t>propertyChange</a:t>
+            </a:r>
+            <a:r>
+              <a:rPr lang="en-US" sz="1000" dirty="0">
+                <a:solidFill>
+                  <a:schemeClr val="accent6">
+                    <a:lumMod val="75000"/>
+                  </a:schemeClr>
+                </a:solidFill>
+              </a:rPr>
+              <a:t>()</a:t>
+            </a:r>
+          </a:p>
+        </p:txBody>
+      </p:sp>
+      <p:cxnSp>
+        <p:nvCxnSpPr>
+          <p:cNvPr id="101" name="Straight Connector 100">
+            <a:extLst>
+              <a:ext uri="{FF2B5EF4-FFF2-40B4-BE49-F238E27FC236}">
+                <a16:creationId xmlns:a16="http://schemas.microsoft.com/office/drawing/2014/main" id="{9CA70CA5-35B6-4AF5-B8FD-380D0023EC43}"/>
+              </a:ext>
+            </a:extLst>
+          </p:cNvPr>
+          <p:cNvCxnSpPr>
+            <a:cxnSpLocks/>
+          </p:cNvCxnSpPr>
+          <p:nvPr/>
+        </p:nvCxnSpPr>
+        <p:spPr>
+          <a:xfrm>
+            <a:off x="11034818" y="5154643"/>
+            <a:ext cx="0" cy="1534584"/>
+          </a:xfrm>
+          <a:prstGeom prst="line">
+            <a:avLst/>
+          </a:prstGeom>
+          <a:ln w="19050">
+            <a:solidFill>
+              <a:schemeClr val="accent6">
+                <a:lumMod val="75000"/>
+              </a:schemeClr>
+            </a:solidFill>
+            <a:prstDash val="sysDash"/>
+          </a:ln>
+          <a:effectLst/>
+        </p:spPr>
+        <p:style>
+          <a:lnRef idx="1">
+            <a:schemeClr val="accent1"/>
+          </a:lnRef>
+          <a:fillRef idx="2">
+            <a:schemeClr val="accent1"/>
+          </a:fillRef>
+          <a:effectRef idx="1">
+            <a:schemeClr val="accent1"/>
+          </a:effectRef>
+          <a:fontRef idx="minor">
+            <a:schemeClr val="dk1"/>
+          </a:fontRef>
+        </p:style>
+      </p:cxnSp>
     </p:spTree>
     <p:extLst>
       <p:ext uri="{BB962C8B-B14F-4D97-AF65-F5344CB8AC3E}">
-        <p14:creationId xmlns:p14="http://schemas.microsoft.com/office/powerpoint/2010/main" val="3945898909"/>
+        <p14:creationId xmlns:p14="http://schemas.microsoft.com/office/powerpoint/2010/main" val="1868284540"/>
       </p:ext>
     </p:extLst>
   </p:cSld>
@@ -5414,44 +7201,44 @@
         <a:sysClr val="window" lastClr="FFFFFF"/>
       </a:lt1>
       <a:dk2>
-        <a:srgbClr val="1F497D"/>
+        <a:srgbClr val="44546A"/>
       </a:dk2>
       <a:lt2>
-        <a:srgbClr val="EEECE1"/>
+        <a:srgbClr val="E7E6E6"/>
       </a:lt2>
       <a:accent1>
-        <a:srgbClr val="4F81BD"/>
+        <a:srgbClr val="4472C4"/>
       </a:accent1>
       <a:accent2>
-        <a:srgbClr val="C0504D"/>
+        <a:srgbClr val="ED7D31"/>
       </a:accent2>
       <a:accent3>
-        <a:srgbClr val="9BBB59"/>
+        <a:srgbClr val="A5A5A5"/>
       </a:accent3>
       <a:accent4>
-        <a:srgbClr val="8064A2"/>
+        <a:srgbClr val="FFC000"/>
       </a:accent4>
       <a:accent5>
-        <a:srgbClr val="4BACC6"/>
+        <a:srgbClr val="5B9BD5"/>
       </a:accent5>
       <a:accent6>
-        <a:srgbClr val="F79646"/>
+        <a:srgbClr val="70AD47"/>
       </a:accent6>
       <a:hlink>
-        <a:srgbClr val="0000FF"/>
+        <a:srgbClr val="0563C1"/>
       </a:hlink>
       <a:folHlink>
-        <a:srgbClr val="800080"/>
+        <a:srgbClr val="954F72"/>
       </a:folHlink>
     </a:clrScheme>
     <a:fontScheme name="Office">
       <a:majorFont>
-        <a:latin typeface="Calibri"/>
+        <a:latin typeface="Calibri Light" panose="020F0302020204030204"/>
         <a:ea typeface=""/>
         <a:cs typeface=""/>
-        <a:font script="Jpan" typeface="ＭＳ Ｐゴシック"/>
+        <a:font script="Jpan" typeface="游ゴシック Light"/>
         <a:font script="Hang" typeface="맑은 고딕"/>
-        <a:font script="Hans" typeface="宋体"/>
+        <a:font script="Hans" typeface="等线 Light"/>
         <a:font script="Hant" typeface="新細明體"/>
         <a:font script="Arab" typeface="Times New Roman"/>
         <a:font script="Hebr" typeface="Times New Roman"/>
@@ -5479,14 +7266,31 @@
         <a:font script="Viet" typeface="Times New Roman"/>
         <a:font script="Uigh" typeface="Microsoft Uighur"/>
         <a:font script="Geor" typeface="Sylfaen"/>
+        <a:font script="Armn" typeface="Arial"/>
+        <a:font script="Bugi" typeface="Leelawadee UI"/>
+        <a:font script="Bopo" typeface="Microsoft JhengHei"/>
+        <a:font script="Java" typeface="Javanese Text"/>
+        <a:font script="Lisu" typeface="Segoe UI"/>
+        <a:font script="Mymr" typeface="Myanmar Text"/>
+        <a:font script="Nkoo" typeface="Ebrima"/>
+        <a:font script="Olck" typeface="Nirmala UI"/>
+        <a:font script="Osma" typeface="Ebrima"/>
+        <a:font script="Phag" typeface="Phagspa"/>
+        <a:font script="Syrn" typeface="Estrangelo Edessa"/>
+        <a:font script="Syrj" typeface="Estrangelo Edessa"/>
+        <a:font script="Syre" typeface="Estrangelo Edessa"/>
+        <a:font script="Sora" typeface="Nirmala UI"/>
+        <a:font script="Tale" typeface="Microsoft Tai Le"/>
+        <a:font script="Talu" typeface="Microsoft New Tai Lue"/>
+        <a:font script="Tfng" typeface="Ebrima"/>
       </a:majorFont>
       <a:minorFont>
-        <a:latin typeface="Calibri"/>
+        <a:latin typeface="Calibri" panose="020F0502020204030204"/>
         <a:ea typeface=""/>
         <a:cs typeface=""/>
-        <a:font script="Jpan" typeface="ＭＳ Ｐゴシック"/>
+        <a:font script="Jpan" typeface="游ゴシック"/>
         <a:font script="Hang" typeface="맑은 고딕"/>
-        <a:font script="Hans" typeface="宋体"/>
+        <a:font script="Hans" typeface="等线"/>
         <a:font script="Hant" typeface="新細明體"/>
         <a:font script="Arab" typeface="Arial"/>
         <a:font script="Hebr" typeface="Arial"/>
@@ -5514,6 +7318,23 @@
         <a:font script="Viet" typeface="Arial"/>
         <a:font script="Uigh" typeface="Microsoft Uighur"/>
         <a:font script="Geor" typeface="Sylfaen"/>
+        <a:font script="Armn" typeface="Arial"/>
+        <a:font script="Bugi" typeface="Leelawadee UI"/>
+        <a:font script="Bopo" typeface="Microsoft JhengHei"/>
+        <a:font script="Java" typeface="Javanese Text"/>
+        <a:font script="Lisu" typeface="Segoe UI"/>
+        <a:font script="Mymr" typeface="Myanmar Text"/>
+        <a:font script="Nkoo" typeface="Ebrima"/>
+        <a:font script="Olck" typeface="Nirmala UI"/>
+        <a:font script="Osma" typeface="Ebrima"/>
+        <a:font script="Phag" typeface="Phagspa"/>
+        <a:font script="Syrn" typeface="Estrangelo Edessa"/>
+        <a:font script="Syrj" typeface="Estrangelo Edessa"/>
+        <a:font script="Syre" typeface="Estrangelo Edessa"/>
+        <a:font script="Sora" typeface="Nirmala UI"/>
+        <a:font script="Tale" typeface="Microsoft Tai Le"/>
+        <a:font script="Talu" typeface="Microsoft New Tai Lue"/>
+        <a:font script="Tfng" typeface="Ebrima"/>
       </a:minorFont>
     </a:fontScheme>
     <a:fmtScheme name="Office">
@@ -5525,450 +7346,141 @@
           <a:gsLst>
             <a:gs pos="0">
               <a:schemeClr val="phClr">
-                <a:tint val="50000"/>
-                <a:satMod val="300000"/>
+                <a:lumMod val="110000"/>
+                <a:satMod val="105000"/>
+                <a:tint val="67000"/>
               </a:schemeClr>
             </a:gs>
-            <a:gs pos="35000">
+            <a:gs pos="50000">
               <a:schemeClr val="phClr">
-                <a:tint val="37000"/>
-                <a:satMod val="300000"/>
+                <a:lumMod val="105000"/>
+                <a:satMod val="103000"/>
+                <a:tint val="73000"/>
               </a:schemeClr>
             </a:gs>
             <a:gs pos="100000">
               <a:schemeClr val="phClr">
-                <a:tint val="15000"/>
-                <a:satMod val="350000"/>
+                <a:lumMod val="105000"/>
+                <a:satMod val="109000"/>
+                <a:tint val="81000"/>
               </a:schemeClr>
             </a:gs>
           </a:gsLst>
-          <a:lin ang="16200000" scaled="1"/>
+          <a:lin ang="5400000" scaled="0"/>
         </a:gradFill>
         <a:gradFill rotWithShape="1">
           <a:gsLst>
             <a:gs pos="0">
               <a:schemeClr val="phClr">
-                <a:shade val="51000"/>
-                <a:satMod val="130000"/>
+                <a:satMod val="103000"/>
+                <a:lumMod val="102000"/>
+                <a:tint val="94000"/>
               </a:schemeClr>
             </a:gs>
-            <a:gs pos="80000">
+            <a:gs pos="50000">
               <a:schemeClr val="phClr">
-                <a:shade val="93000"/>
-                <a:satMod val="130000"/>
+                <a:satMod val="110000"/>
+                <a:lumMod val="100000"/>
+                <a:shade val="100000"/>
               </a:schemeClr>
             </a:gs>
             <a:gs pos="100000">
               <a:schemeClr val="phClr">
-                <a:shade val="94000"/>
-                <a:satMod val="135000"/>
+                <a:lumMod val="99000"/>
+                <a:satMod val="120000"/>
+                <a:shade val="78000"/>
               </a:schemeClr>
             </a:gs>
           </a:gsLst>
-          <a:lin ang="16200000" scaled="0"/>
+          <a:lin ang="5400000" scaled="0"/>
         </a:gradFill>
       </a:fillStyleLst>
       <a:lnStyleLst>
-        <a:ln w="9525" cap="flat" cmpd="sng" algn="ctr">
-          <a:solidFill>
-            <a:schemeClr val="phClr">
-              <a:shade val="95000"/>
-              <a:satMod val="105000"/>
-            </a:schemeClr>
-          </a:solidFill>
-          <a:prstDash val="solid"/>
-        </a:ln>
-        <a:ln w="25400" cap="flat" cmpd="sng" algn="ctr">
+        <a:ln w="6350" cap="flat" cmpd="sng" algn="ctr">
           <a:solidFill>
             <a:schemeClr val="phClr"/>
           </a:solidFill>
           <a:prstDash val="solid"/>
+          <a:miter lim="800000"/>
         </a:ln>
-        <a:ln w="38100" cap="flat" cmpd="sng" algn="ctr">
+        <a:ln w="12700" cap="flat" cmpd="sng" algn="ctr">
           <a:solidFill>
             <a:schemeClr val="phClr"/>
           </a:solidFill>
           <a:prstDash val="solid"/>
+          <a:miter lim="800000"/>
+        </a:ln>
+        <a:ln w="19050" cap="flat" cmpd="sng" algn="ctr">
+          <a:solidFill>
+            <a:schemeClr val="phClr"/>
+          </a:solidFill>
+          <a:prstDash val="solid"/>
+          <a:miter lim="800000"/>
         </a:ln>
       </a:lnStyleLst>
       <a:effectStyleLst>
         <a:effectStyle>
+          <a:effectLst/>
+        </a:effectStyle>
+        <a:effectStyle>
+          <a:effectLst/>
+        </a:effectStyle>
+        <a:effectStyle>
           <a:effectLst>
-            <a:outerShdw blurRad="40000" dist="20000" dir="5400000" rotWithShape="0">
+            <a:outerShdw blurRad="57150" dist="19050" dir="5400000" algn="ctr" rotWithShape="0">
               <a:srgbClr val="000000">
-                <a:alpha val="38000"/>
+                <a:alpha val="63000"/>
               </a:srgbClr>
             </a:outerShdw>
           </a:effectLst>
-        </a:effectStyle>
-        <a:effectStyle>
-          <a:effectLst>
-            <a:outerShdw blurRad="40000" dist="23000" dir="5400000" rotWithShape="0">
-              <a:srgbClr val="000000">
-                <a:alpha val="35000"/>
-              </a:srgbClr>
-            </a:outerShdw>
-          </a:effectLst>
-        </a:effectStyle>
-        <a:effectStyle>
-          <a:effectLst>
-            <a:outerShdw blurRad="40000" dist="23000" dir="5400000" rotWithShape="0">
-              <a:srgbClr val="000000">
-                <a:alpha val="35000"/>
-              </a:srgbClr>
-            </a:outerShdw>
-          </a:effectLst>
-          <a:scene3d>
-            <a:camera prst="orthographicFront">
-              <a:rot lat="0" lon="0" rev="0"/>
-            </a:camera>
-            <a:lightRig rig="threePt" dir="t">
-              <a:rot lat="0" lon="0" rev="1200000"/>
-            </a:lightRig>
-          </a:scene3d>
-          <a:sp3d>
-            <a:bevelT w="63500" h="25400"/>
-          </a:sp3d>
         </a:effectStyle>
       </a:effectStyleLst>
       <a:bgFillStyleLst>
         <a:solidFill>
           <a:schemeClr val="phClr"/>
         </a:solidFill>
+        <a:solidFill>
+          <a:schemeClr val="phClr">
+            <a:tint val="95000"/>
+            <a:satMod val="170000"/>
+          </a:schemeClr>
+        </a:solidFill>
         <a:gradFill rotWithShape="1">
           <a:gsLst>
             <a:gs pos="0">
               <a:schemeClr val="phClr">
-                <a:tint val="40000"/>
-                <a:satMod val="350000"/>
+                <a:tint val="93000"/>
+                <a:satMod val="150000"/>
+                <a:shade val="98000"/>
+                <a:lumMod val="102000"/>
               </a:schemeClr>
             </a:gs>
-            <a:gs pos="40000">
+            <a:gs pos="50000">
               <a:schemeClr val="phClr">
-                <a:tint val="45000"/>
-                <a:shade val="99000"/>
-                <a:satMod val="350000"/>
+                <a:tint val="98000"/>
+                <a:satMod val="130000"/>
+                <a:shade val="90000"/>
+                <a:lumMod val="103000"/>
               </a:schemeClr>
             </a:gs>
             <a:gs pos="100000">
               <a:schemeClr val="phClr">
-                <a:shade val="20000"/>
-                <a:satMod val="255000"/>
+                <a:shade val="63000"/>
+                <a:satMod val="120000"/>
               </a:schemeClr>
             </a:gs>
           </a:gsLst>
-          <a:path path="circle">
-            <a:fillToRect l="50000" t="-80000" r="50000" b="180000"/>
-          </a:path>
-        </a:gradFill>
-        <a:gradFill rotWithShape="1">
-          <a:gsLst>
-            <a:gs pos="0">
-              <a:schemeClr val="phClr">
-                <a:tint val="80000"/>
-                <a:satMod val="300000"/>
-              </a:schemeClr>
-            </a:gs>
-            <a:gs pos="100000">
-              <a:schemeClr val="phClr">
-                <a:shade val="30000"/>
-                <a:satMod val="200000"/>
-              </a:schemeClr>
-            </a:gs>
-          </a:gsLst>
-          <a:path path="circle">
-            <a:fillToRect l="50000" t="50000" r="50000" b="50000"/>
-          </a:path>
+          <a:lin ang="5400000" scaled="0"/>
         </a:gradFill>
       </a:bgFillStyleLst>
     </a:fmtScheme>
   </a:themeElements>
   <a:objectDefaults/>
   <a:extraClrSchemeLst/>
-</a:theme>
-</file>
-
-<file path=ppt/theme/theme2.xml><?xml version="1.0" encoding="utf-8"?>
-<a:theme xmlns:a="http://schemas.openxmlformats.org/drawingml/2006/main" name="Office Theme">
-  <a:themeElements>
-    <a:clrScheme name="Office">
-      <a:dk1>
-        <a:sysClr val="windowText" lastClr="000000"/>
-      </a:dk1>
-      <a:lt1>
-        <a:sysClr val="window" lastClr="FFFFFF"/>
-      </a:lt1>
-      <a:dk2>
-        <a:srgbClr val="1F497D"/>
-      </a:dk2>
-      <a:lt2>
-        <a:srgbClr val="EEECE1"/>
-      </a:lt2>
-      <a:accent1>
-        <a:srgbClr val="4F81BD"/>
-      </a:accent1>
-      <a:accent2>
-        <a:srgbClr val="C0504D"/>
-      </a:accent2>
-      <a:accent3>
-        <a:srgbClr val="9BBB59"/>
-      </a:accent3>
-      <a:accent4>
-        <a:srgbClr val="8064A2"/>
-      </a:accent4>
-      <a:accent5>
-        <a:srgbClr val="4BACC6"/>
-      </a:accent5>
-      <a:accent6>
-        <a:srgbClr val="F79646"/>
-      </a:accent6>
-      <a:hlink>
-        <a:srgbClr val="0000FF"/>
-      </a:hlink>
-      <a:folHlink>
-        <a:srgbClr val="800080"/>
-      </a:folHlink>
-    </a:clrScheme>
-    <a:fontScheme name="Office">
-      <a:majorFont>
-        <a:latin typeface="Calibri"/>
-        <a:ea typeface=""/>
-        <a:cs typeface=""/>
-        <a:font script="Jpan" typeface="ＭＳ Ｐゴシック"/>
-        <a:font script="Hang" typeface="맑은 고딕"/>
-        <a:font script="Hans" typeface="宋体"/>
-        <a:font script="Hant" typeface="新細明體"/>
-        <a:font script="Arab" typeface="Times New Roman"/>
-        <a:font script="Hebr" typeface="Times New Roman"/>
-        <a:font script="Thai" typeface="Angsana New"/>
-        <a:font script="Ethi" typeface="Nyala"/>
-        <a:font script="Beng" typeface="Vrinda"/>
-        <a:font script="Gujr" typeface="Shruti"/>
-        <a:font script="Khmr" typeface="MoolBoran"/>
-        <a:font script="Knda" typeface="Tunga"/>
-        <a:font script="Guru" typeface="Raavi"/>
-        <a:font script="Cans" typeface="Euphemia"/>
-        <a:font script="Cher" typeface="Plantagenet Cherokee"/>
-        <a:font script="Yiii" typeface="Microsoft Yi Baiti"/>
-        <a:font script="Tibt" typeface="Microsoft Himalaya"/>
-        <a:font script="Thaa" typeface="MV Boli"/>
-        <a:font script="Deva" typeface="Mangal"/>
-        <a:font script="Telu" typeface="Gautami"/>
-        <a:font script="Taml" typeface="Latha"/>
-        <a:font script="Syrc" typeface="Estrangelo Edessa"/>
-        <a:font script="Orya" typeface="Kalinga"/>
-        <a:font script="Mlym" typeface="Kartika"/>
-        <a:font script="Laoo" typeface="DokChampa"/>
-        <a:font script="Sinh" typeface="Iskoola Pota"/>
-        <a:font script="Mong" typeface="Mongolian Baiti"/>
-        <a:font script="Viet" typeface="Times New Roman"/>
-        <a:font script="Uigh" typeface="Microsoft Uighur"/>
-        <a:font script="Geor" typeface="Sylfaen"/>
-      </a:majorFont>
-      <a:minorFont>
-        <a:latin typeface="Calibri"/>
-        <a:ea typeface=""/>
-        <a:cs typeface=""/>
-        <a:font script="Jpan" typeface="ＭＳ Ｐゴシック"/>
-        <a:font script="Hang" typeface="맑은 고딕"/>
-        <a:font script="Hans" typeface="宋体"/>
-        <a:font script="Hant" typeface="新細明體"/>
-        <a:font script="Arab" typeface="Arial"/>
-        <a:font script="Hebr" typeface="Arial"/>
-        <a:font script="Thai" typeface="Cordia New"/>
-        <a:font script="Ethi" typeface="Nyala"/>
-        <a:font script="Beng" typeface="Vrinda"/>
-        <a:font script="Gujr" typeface="Shruti"/>
-        <a:font script="Khmr" typeface="DaunPenh"/>
-        <a:font script="Knda" typeface="Tunga"/>
-        <a:font script="Guru" typeface="Raavi"/>
-        <a:font script="Cans" typeface="Euphemia"/>
-        <a:font script="Cher" typeface="Plantagenet Cherokee"/>
-        <a:font script="Yiii" typeface="Microsoft Yi Baiti"/>
-        <a:font script="Tibt" typeface="Microsoft Himalaya"/>
-        <a:font script="Thaa" typeface="MV Boli"/>
-        <a:font script="Deva" typeface="Mangal"/>
-        <a:font script="Telu" typeface="Gautami"/>
-        <a:font script="Taml" typeface="Latha"/>
-        <a:font script="Syrc" typeface="Estrangelo Edessa"/>
-        <a:font script="Orya" typeface="Kalinga"/>
-        <a:font script="Mlym" typeface="Kartika"/>
-        <a:font script="Laoo" typeface="DokChampa"/>
-        <a:font script="Sinh" typeface="Iskoola Pota"/>
-        <a:font script="Mong" typeface="Mongolian Baiti"/>
-        <a:font script="Viet" typeface="Arial"/>
-        <a:font script="Uigh" typeface="Microsoft Uighur"/>
-        <a:font script="Geor" typeface="Sylfaen"/>
-      </a:minorFont>
-    </a:fontScheme>
-    <a:fmtScheme name="Office">
-      <a:fillStyleLst>
-        <a:solidFill>
-          <a:schemeClr val="phClr"/>
-        </a:solidFill>
-        <a:gradFill rotWithShape="1">
-          <a:gsLst>
-            <a:gs pos="0">
-              <a:schemeClr val="phClr">
-                <a:tint val="50000"/>
-                <a:satMod val="300000"/>
-              </a:schemeClr>
-            </a:gs>
-            <a:gs pos="35000">
-              <a:schemeClr val="phClr">
-                <a:tint val="37000"/>
-                <a:satMod val="300000"/>
-              </a:schemeClr>
-            </a:gs>
-            <a:gs pos="100000">
-              <a:schemeClr val="phClr">
-                <a:tint val="15000"/>
-                <a:satMod val="350000"/>
-              </a:schemeClr>
-            </a:gs>
-          </a:gsLst>
-          <a:lin ang="16200000" scaled="1"/>
-        </a:gradFill>
-        <a:gradFill rotWithShape="1">
-          <a:gsLst>
-            <a:gs pos="0">
-              <a:schemeClr val="phClr">
-                <a:shade val="51000"/>
-                <a:satMod val="130000"/>
-              </a:schemeClr>
-            </a:gs>
-            <a:gs pos="80000">
-              <a:schemeClr val="phClr">
-                <a:shade val="93000"/>
-                <a:satMod val="130000"/>
-              </a:schemeClr>
-            </a:gs>
-            <a:gs pos="100000">
-              <a:schemeClr val="phClr">
-                <a:shade val="94000"/>
-                <a:satMod val="135000"/>
-              </a:schemeClr>
-            </a:gs>
-          </a:gsLst>
-          <a:lin ang="16200000" scaled="0"/>
-        </a:gradFill>
-      </a:fillStyleLst>
-      <a:lnStyleLst>
-        <a:ln w="9525" cap="flat" cmpd="sng" algn="ctr">
-          <a:solidFill>
-            <a:schemeClr val="phClr">
-              <a:shade val="95000"/>
-              <a:satMod val="105000"/>
-            </a:schemeClr>
-          </a:solidFill>
-          <a:prstDash val="solid"/>
-        </a:ln>
-        <a:ln w="25400" cap="flat" cmpd="sng" algn="ctr">
-          <a:solidFill>
-            <a:schemeClr val="phClr"/>
-          </a:solidFill>
-          <a:prstDash val="solid"/>
-        </a:ln>
-        <a:ln w="38100" cap="flat" cmpd="sng" algn="ctr">
-          <a:solidFill>
-            <a:schemeClr val="phClr"/>
-          </a:solidFill>
-          <a:prstDash val="solid"/>
-        </a:ln>
-      </a:lnStyleLst>
-      <a:effectStyleLst>
-        <a:effectStyle>
-          <a:effectLst>
-            <a:outerShdw blurRad="40000" dist="20000" dir="5400000" rotWithShape="0">
-              <a:srgbClr val="000000">
-                <a:alpha val="38000"/>
-              </a:srgbClr>
-            </a:outerShdw>
-          </a:effectLst>
-        </a:effectStyle>
-        <a:effectStyle>
-          <a:effectLst>
-            <a:outerShdw blurRad="40000" dist="23000" dir="5400000" rotWithShape="0">
-              <a:srgbClr val="000000">
-                <a:alpha val="35000"/>
-              </a:srgbClr>
-            </a:outerShdw>
-          </a:effectLst>
-        </a:effectStyle>
-        <a:effectStyle>
-          <a:effectLst>
-            <a:outerShdw blurRad="40000" dist="23000" dir="5400000" rotWithShape="0">
-              <a:srgbClr val="000000">
-                <a:alpha val="35000"/>
-              </a:srgbClr>
-            </a:outerShdw>
-          </a:effectLst>
-          <a:scene3d>
-            <a:camera prst="orthographicFront">
-              <a:rot lat="0" lon="0" rev="0"/>
-            </a:camera>
-            <a:lightRig rig="threePt" dir="t">
-              <a:rot lat="0" lon="0" rev="1200000"/>
-            </a:lightRig>
-          </a:scene3d>
-          <a:sp3d>
-            <a:bevelT w="63500" h="25400"/>
-          </a:sp3d>
-        </a:effectStyle>
-      </a:effectStyleLst>
-      <a:bgFillStyleLst>
-        <a:solidFill>
-          <a:schemeClr val="phClr"/>
-        </a:solidFill>
-        <a:gradFill rotWithShape="1">
-          <a:gsLst>
-            <a:gs pos="0">
-              <a:schemeClr val="phClr">
-                <a:tint val="40000"/>
-                <a:satMod val="350000"/>
-              </a:schemeClr>
-            </a:gs>
-            <a:gs pos="40000">
-              <a:schemeClr val="phClr">
-                <a:tint val="45000"/>
-                <a:shade val="99000"/>
-                <a:satMod val="350000"/>
-              </a:schemeClr>
-            </a:gs>
-            <a:gs pos="100000">
-              <a:schemeClr val="phClr">
-                <a:shade val="20000"/>
-                <a:satMod val="255000"/>
-              </a:schemeClr>
-            </a:gs>
-          </a:gsLst>
-          <a:path path="circle">
-            <a:fillToRect l="50000" t="-80000" r="50000" b="180000"/>
-          </a:path>
-        </a:gradFill>
-        <a:gradFill rotWithShape="1">
-          <a:gsLst>
-            <a:gs pos="0">
-              <a:schemeClr val="phClr">
-                <a:tint val="80000"/>
-                <a:satMod val="300000"/>
-              </a:schemeClr>
-            </a:gs>
-            <a:gs pos="100000">
-              <a:schemeClr val="phClr">
-                <a:shade val="30000"/>
-                <a:satMod val="200000"/>
-              </a:schemeClr>
-            </a:gs>
-          </a:gsLst>
-          <a:path path="circle">
-            <a:fillToRect l="50000" t="50000" r="50000" b="50000"/>
-          </a:path>
-        </a:gradFill>
-      </a:bgFillStyleLst>
-    </a:fmtScheme>
-  </a:themeElements>
-  <a:objectDefaults/>
-  <a:extraClrSchemeLst/>
+  <a:extLst>
+    <a:ext uri="{05A4C25C-085E-4340-85A3-A5531E510DB2}">
+      <thm15:themeFamily xmlns:thm15="http://schemas.microsoft.com/office/thememl/2012/main" name="Office Theme" id="{62F939B6-93AF-4DB8-9C6B-D6C7DFDC589F}" vid="{4A3C46E8-61CC-4603-A589-7422A47A8E4A}"/>
+    </a:ext>
+  </a:extLst>
 </a:theme>
 </file>
--- a/docs/diagrams/UndoRedoSequenceDiagram.pptx
+++ b/docs/diagrams/UndoRedoSequenceDiagram.pptx
@@ -126,10 +126,6 @@
 </p:presentation>
 </file>
 
-<file path=ppt/revisionInfo.xml><?xml version="1.0" encoding="utf-8"?>
-<p1510:revInfo xmlns:a="http://schemas.openxmlformats.org/drawingml/2006/main" xmlns:r="http://schemas.openxmlformats.org/officeDocument/2006/relationships" xmlns:p1510="http://schemas.microsoft.com/office/powerpoint/2015/10/main"/>
-</file>
-
 <file path=ppt/notesMasters/notesMaster1.xml><?xml version="1.0" encoding="utf-8"?>
 <p:notesMaster xmlns:a="http://schemas.openxmlformats.org/drawingml/2006/main" xmlns:r="http://schemas.openxmlformats.org/officeDocument/2006/relationships" xmlns:p="http://schemas.openxmlformats.org/presentationml/2006/main">
   <p:cSld>
@@ -212,7 +208,7 @@
           <a:p>
             <a:fld id="{F5CC4B3F-88C1-4FFA-B1B6-F41C21DC6924}" type="datetimeFigureOut">
               <a:rPr lang="en-US" smtClean="0"/>
-              <a:t>7/6/2018</a:t>
+              <a:t>4/14/19</a:t>
             </a:fld>
             <a:endParaRPr lang="en-US"/>
           </a:p>
@@ -658,7 +654,7 @@
           <a:p>
             <a:fld id="{78C97017-6FC3-485B-9764-EAC9E56C1D49}" type="datetimeFigureOut">
               <a:rPr lang="en-US" smtClean="0"/>
-              <a:t>7/6/2018</a:t>
+              <a:t>4/14/19</a:t>
             </a:fld>
             <a:endParaRPr lang="en-US"/>
           </a:p>
@@ -826,7 +822,7 @@
           <a:p>
             <a:fld id="{78C97017-6FC3-485B-9764-EAC9E56C1D49}" type="datetimeFigureOut">
               <a:rPr lang="en-US" smtClean="0"/>
-              <a:t>7/6/2018</a:t>
+              <a:t>4/14/19</a:t>
             </a:fld>
             <a:endParaRPr lang="en-US"/>
           </a:p>
@@ -1004,7 +1000,7 @@
           <a:p>
             <a:fld id="{78C97017-6FC3-485B-9764-EAC9E56C1D49}" type="datetimeFigureOut">
               <a:rPr lang="en-US" smtClean="0"/>
-              <a:t>7/6/2018</a:t>
+              <a:t>4/14/19</a:t>
             </a:fld>
             <a:endParaRPr lang="en-US"/>
           </a:p>
@@ -1172,7 +1168,7 @@
           <a:p>
             <a:fld id="{78C97017-6FC3-485B-9764-EAC9E56C1D49}" type="datetimeFigureOut">
               <a:rPr lang="en-US" smtClean="0"/>
-              <a:t>7/6/2018</a:t>
+              <a:t>4/14/19</a:t>
             </a:fld>
             <a:endParaRPr lang="en-US"/>
           </a:p>
@@ -1417,7 +1413,7 @@
           <a:p>
             <a:fld id="{78C97017-6FC3-485B-9764-EAC9E56C1D49}" type="datetimeFigureOut">
               <a:rPr lang="en-US" smtClean="0"/>
-              <a:t>7/6/2018</a:t>
+              <a:t>4/14/19</a:t>
             </a:fld>
             <a:endParaRPr lang="en-US"/>
           </a:p>
@@ -1702,7 +1698,7 @@
           <a:p>
             <a:fld id="{78C97017-6FC3-485B-9764-EAC9E56C1D49}" type="datetimeFigureOut">
               <a:rPr lang="en-US" smtClean="0"/>
-              <a:t>7/6/2018</a:t>
+              <a:t>4/14/19</a:t>
             </a:fld>
             <a:endParaRPr lang="en-US"/>
           </a:p>
@@ -2121,7 +2117,7 @@
           <a:p>
             <a:fld id="{78C97017-6FC3-485B-9764-EAC9E56C1D49}" type="datetimeFigureOut">
               <a:rPr lang="en-US" smtClean="0"/>
-              <a:t>7/6/2018</a:t>
+              <a:t>4/14/19</a:t>
             </a:fld>
             <a:endParaRPr lang="en-US"/>
           </a:p>
@@ -2238,7 +2234,7 @@
           <a:p>
             <a:fld id="{78C97017-6FC3-485B-9764-EAC9E56C1D49}" type="datetimeFigureOut">
               <a:rPr lang="en-US" smtClean="0"/>
-              <a:t>7/6/2018</a:t>
+              <a:t>4/14/19</a:t>
             </a:fld>
             <a:endParaRPr lang="en-US"/>
           </a:p>
@@ -2333,7 +2329,7 @@
           <a:p>
             <a:fld id="{78C97017-6FC3-485B-9764-EAC9E56C1D49}" type="datetimeFigureOut">
               <a:rPr lang="en-US" smtClean="0"/>
-              <a:t>7/6/2018</a:t>
+              <a:t>4/14/19</a:t>
             </a:fld>
             <a:endParaRPr lang="en-US"/>
           </a:p>
@@ -2608,7 +2604,7 @@
           <a:p>
             <a:fld id="{78C97017-6FC3-485B-9764-EAC9E56C1D49}" type="datetimeFigureOut">
               <a:rPr lang="en-US" smtClean="0"/>
-              <a:t>7/6/2018</a:t>
+              <a:t>4/14/19</a:t>
             </a:fld>
             <a:endParaRPr lang="en-US"/>
           </a:p>
@@ -2860,7 +2856,7 @@
           <a:p>
             <a:fld id="{78C97017-6FC3-485B-9764-EAC9E56C1D49}" type="datetimeFigureOut">
               <a:rPr lang="en-US" smtClean="0"/>
-              <a:t>7/6/2018</a:t>
+              <a:t>4/14/19</a:t>
             </a:fld>
             <a:endParaRPr lang="en-US"/>
           </a:p>
@@ -3071,7 +3067,7 @@
           <a:p>
             <a:fld id="{78C97017-6FC3-485B-9764-EAC9E56C1D49}" type="datetimeFigureOut">
               <a:rPr lang="en-US" smtClean="0"/>
-              <a:t>7/6/2018</a:t>
+              <a:t>4/14/19</a:t>
             </a:fld>
             <a:endParaRPr lang="en-US"/>
           </a:p>
@@ -3770,18 +3766,30 @@
                   <a:schemeClr val="bg1"/>
                 </a:solidFill>
               </a:rPr>
-              <a:t>:Address</a:t>
-            </a:r>
-          </a:p>
-          <a:p>
-            <a:pPr algn="ctr"/>
+              <a:t>:</a:t>
+            </a:r>
             <a:r>
               <a:rPr lang="en-US" sz="1600" dirty="0" err="1">
                 <a:solidFill>
                   <a:schemeClr val="bg1"/>
                 </a:solidFill>
               </a:rPr>
-              <a:t>BookParser</a:t>
+              <a:t>FoodDiary</a:t>
+            </a:r>
+            <a:br>
+              <a:rPr lang="en-US" sz="1600" dirty="0">
+                <a:solidFill>
+                  <a:schemeClr val="bg1"/>
+                </a:solidFill>
+              </a:rPr>
+            </a:br>
+            <a:r>
+              <a:rPr lang="en-US" sz="1600" dirty="0">
+                <a:solidFill>
+                  <a:schemeClr val="bg1"/>
+                </a:solidFill>
+              </a:rPr>
+              <a:t>Parser</a:t>
             </a:r>
             <a:endParaRPr lang="en-SG" sz="1600" dirty="0">
               <a:solidFill>
@@ -4319,15 +4327,7 @@
                   </a:schemeClr>
                 </a:solidFill>
               </a:rPr>
-              <a:t>undo</a:t>
-            </a:r>
-            <a:r>
-              <a:rPr lang="en-US" sz="1200" dirty="0" err="1">
-                <a:solidFill>
-                  <a:srgbClr val="7030A0"/>
-                </a:solidFill>
-              </a:rPr>
-              <a:t>AddressBook</a:t>
+              <a:t>undoFoodDiary</a:t>
             </a:r>
             <a:r>
               <a:rPr lang="en-US" sz="1200" dirty="0">
@@ -4522,7 +4522,7 @@
                   <a:schemeClr val="bg1"/>
                 </a:solidFill>
               </a:rPr>
-              <a:t>VersionedAddressBook</a:t>
+              <a:t>VersionedFoodDiary</a:t>
             </a:r>
             <a:endParaRPr lang="en-SG" sz="1600" dirty="0">
               <a:solidFill>
@@ -5104,7 +5104,7 @@
                   <a:srgbClr val="7030A0"/>
                 </a:solidFill>
               </a:rPr>
-              <a:t>ReadOnlyAddressBook</a:t>
+              <a:t>ReadOnlyFoodDiary</a:t>
             </a:r>
             <a:r>
               <a:rPr lang="en-US" sz="1200" dirty="0">

--- a/docs/diagrams/UndoRedoSequenceDiagram.pptx
+++ b/docs/diagrams/UndoRedoSequenceDiagram.pptx
@@ -208,7 +208,7 @@
           <a:p>
             <a:fld id="{F5CC4B3F-88C1-4FFA-B1B6-F41C21DC6924}" type="datetimeFigureOut">
               <a:rPr lang="en-US" smtClean="0"/>
-              <a:t>22-Mar-19</a:t>
+              <a:t>4/15/2019</a:t>
             </a:fld>
             <a:endParaRPr lang="en-US"/>
           </a:p>
@@ -654,7 +654,7 @@
           <a:p>
             <a:fld id="{78C97017-6FC3-485B-9764-EAC9E56C1D49}" type="datetimeFigureOut">
               <a:rPr lang="en-US" smtClean="0"/>
-              <a:t>22-Mar-19</a:t>
+              <a:t>4/15/2019</a:t>
             </a:fld>
             <a:endParaRPr lang="en-US"/>
           </a:p>
@@ -822,7 +822,7 @@
           <a:p>
             <a:fld id="{78C97017-6FC3-485B-9764-EAC9E56C1D49}" type="datetimeFigureOut">
               <a:rPr lang="en-US" smtClean="0"/>
-              <a:t>22-Mar-19</a:t>
+              <a:t>4/15/2019</a:t>
             </a:fld>
             <a:endParaRPr lang="en-US"/>
           </a:p>
@@ -1000,7 +1000,7 @@
           <a:p>
             <a:fld id="{78C97017-6FC3-485B-9764-EAC9E56C1D49}" type="datetimeFigureOut">
               <a:rPr lang="en-US" smtClean="0"/>
-              <a:t>22-Mar-19</a:t>
+              <a:t>4/15/2019</a:t>
             </a:fld>
             <a:endParaRPr lang="en-US"/>
           </a:p>
@@ -1168,7 +1168,7 @@
           <a:p>
             <a:fld id="{78C97017-6FC3-485B-9764-EAC9E56C1D49}" type="datetimeFigureOut">
               <a:rPr lang="en-US" smtClean="0"/>
-              <a:t>22-Mar-19</a:t>
+              <a:t>4/15/2019</a:t>
             </a:fld>
             <a:endParaRPr lang="en-US"/>
           </a:p>
@@ -1413,7 +1413,7 @@
           <a:p>
             <a:fld id="{78C97017-6FC3-485B-9764-EAC9E56C1D49}" type="datetimeFigureOut">
               <a:rPr lang="en-US" smtClean="0"/>
-              <a:t>22-Mar-19</a:t>
+              <a:t>4/15/2019</a:t>
             </a:fld>
             <a:endParaRPr lang="en-US"/>
           </a:p>
@@ -1698,7 +1698,7 @@
           <a:p>
             <a:fld id="{78C97017-6FC3-485B-9764-EAC9E56C1D49}" type="datetimeFigureOut">
               <a:rPr lang="en-US" smtClean="0"/>
-              <a:t>22-Mar-19</a:t>
+              <a:t>4/15/2019</a:t>
             </a:fld>
             <a:endParaRPr lang="en-US"/>
           </a:p>
@@ -2117,7 +2117,7 @@
           <a:p>
             <a:fld id="{78C97017-6FC3-485B-9764-EAC9E56C1D49}" type="datetimeFigureOut">
               <a:rPr lang="en-US" smtClean="0"/>
-              <a:t>22-Mar-19</a:t>
+              <a:t>4/15/2019</a:t>
             </a:fld>
             <a:endParaRPr lang="en-US"/>
           </a:p>
@@ -2234,7 +2234,7 @@
           <a:p>
             <a:fld id="{78C97017-6FC3-485B-9764-EAC9E56C1D49}" type="datetimeFigureOut">
               <a:rPr lang="en-US" smtClean="0"/>
-              <a:t>22-Mar-19</a:t>
+              <a:t>4/15/2019</a:t>
             </a:fld>
             <a:endParaRPr lang="en-US"/>
           </a:p>
@@ -2329,7 +2329,7 @@
           <a:p>
             <a:fld id="{78C97017-6FC3-485B-9764-EAC9E56C1D49}" type="datetimeFigureOut">
               <a:rPr lang="en-US" smtClean="0"/>
-              <a:t>22-Mar-19</a:t>
+              <a:t>4/15/2019</a:t>
             </a:fld>
             <a:endParaRPr lang="en-US"/>
           </a:p>
@@ -2604,7 +2604,7 @@
           <a:p>
             <a:fld id="{78C97017-6FC3-485B-9764-EAC9E56C1D49}" type="datetimeFigureOut">
               <a:rPr lang="en-US" smtClean="0"/>
-              <a:t>22-Mar-19</a:t>
+              <a:t>4/15/2019</a:t>
             </a:fld>
             <a:endParaRPr lang="en-US"/>
           </a:p>
@@ -2856,7 +2856,7 @@
           <a:p>
             <a:fld id="{78C97017-6FC3-485B-9764-EAC9E56C1D49}" type="datetimeFigureOut">
               <a:rPr lang="en-US" smtClean="0"/>
-              <a:t>22-Mar-19</a:t>
+              <a:t>4/15/2019</a:t>
             </a:fld>
             <a:endParaRPr lang="en-US"/>
           </a:p>
@@ -3067,7 +3067,7 @@
           <a:p>
             <a:fld id="{78C97017-6FC3-485B-9764-EAC9E56C1D49}" type="datetimeFigureOut">
               <a:rPr lang="en-US" smtClean="0"/>
-              <a:t>22-Mar-19</a:t>
+              <a:t>4/15/2019</a:t>
             </a:fld>
             <a:endParaRPr lang="en-US"/>
           </a:p>
@@ -5215,45 +5215,6 @@
       </p:sp>
       <p:cxnSp>
         <p:nvCxnSpPr>
-          <p:cNvPr id="13" name="Curved Connector 12"/>
-          <p:cNvCxnSpPr/>
-          <p:nvPr/>
-        </p:nvCxnSpPr>
-        <p:spPr>
-          <a:xfrm rot="16200000" flipH="1">
-            <a:off x="8527578" y="3220579"/>
-            <a:ext cx="156923" cy="76200"/>
-          </a:xfrm>
-          <a:prstGeom prst="curvedConnector4">
-            <a:avLst>
-              <a:gd name="adj1" fmla="val -145677"/>
-              <a:gd name="adj2" fmla="val 400000"/>
-            </a:avLst>
-          </a:prstGeom>
-          <a:ln>
-            <a:solidFill>
-              <a:srgbClr val="7030A0"/>
-            </a:solidFill>
-            <a:tailEnd type="triangle"/>
-          </a:ln>
-        </p:spPr>
-        <p:style>
-          <a:lnRef idx="1">
-            <a:schemeClr val="accent1"/>
-          </a:lnRef>
-          <a:fillRef idx="0">
-            <a:schemeClr val="accent1"/>
-          </a:fillRef>
-          <a:effectRef idx="0">
-            <a:schemeClr val="accent1"/>
-          </a:effectRef>
-          <a:fontRef idx="minor">
-            <a:schemeClr val="tx1"/>
-          </a:fontRef>
-        </p:style>
-      </p:cxnSp>
-      <p:cxnSp>
-        <p:nvCxnSpPr>
           <p:cNvPr id="52" name="Straight Arrow Connector 51"/>
           <p:cNvCxnSpPr>
             <a:cxnSpLocks/>
@@ -5383,6 +5344,262 @@
           </a:fontRef>
         </p:style>
       </p:cxnSp>
+      <p:sp>
+        <p:nvSpPr>
+          <p:cNvPr id="43" name="Rectangle 42">
+            <a:extLst>
+              <a:ext uri="{FF2B5EF4-FFF2-40B4-BE49-F238E27FC236}">
+                <a16:creationId xmlns:a16="http://schemas.microsoft.com/office/drawing/2014/main" id="{CC7D7E32-2E89-435B-8414-B41D51E5365F}"/>
+              </a:ext>
+            </a:extLst>
+          </p:cNvPr>
+          <p:cNvSpPr/>
+          <p:nvPr/>
+        </p:nvSpPr>
+        <p:spPr>
+          <a:xfrm>
+            <a:off x="8554996" y="3267337"/>
+            <a:ext cx="150735" cy="211038"/>
+          </a:xfrm>
+          <a:prstGeom prst="rect">
+            <a:avLst/>
+          </a:prstGeom>
+          <a:solidFill>
+            <a:srgbClr val="7030A0"/>
+          </a:solidFill>
+          <a:ln>
+            <a:solidFill>
+              <a:schemeClr val="tx1"/>
+            </a:solidFill>
+          </a:ln>
+          <a:effectLst/>
+        </p:spPr>
+        <p:style>
+          <a:lnRef idx="1">
+            <a:schemeClr val="accent3"/>
+          </a:lnRef>
+          <a:fillRef idx="2">
+            <a:schemeClr val="accent3"/>
+          </a:fillRef>
+          <a:effectRef idx="1">
+            <a:schemeClr val="accent3"/>
+          </a:effectRef>
+          <a:fontRef idx="minor">
+            <a:schemeClr val="dk1"/>
+          </a:fontRef>
+        </p:style>
+        <p:txBody>
+          <a:bodyPr rtlCol="0" anchor="ctr"/>
+          <a:lstStyle/>
+          <a:p>
+            <a:pPr algn="ctr"/>
+            <a:endParaRPr lang="en-SG" sz="1400">
+              <a:solidFill>
+                <a:sysClr val="windowText" lastClr="000000"/>
+              </a:solidFill>
+            </a:endParaRPr>
+          </a:p>
+        </p:txBody>
+      </p:sp>
+      <p:sp>
+        <p:nvSpPr>
+          <p:cNvPr id="64" name="Freeform 58">
+            <a:extLst>
+              <a:ext uri="{FF2B5EF4-FFF2-40B4-BE49-F238E27FC236}">
+                <a16:creationId xmlns:a16="http://schemas.microsoft.com/office/drawing/2014/main" id="{44399195-6954-40A1-90F0-0F19BC4B1ED8}"/>
+              </a:ext>
+            </a:extLst>
+          </p:cNvPr>
+          <p:cNvSpPr/>
+          <p:nvPr/>
+        </p:nvSpPr>
+        <p:spPr>
+          <a:xfrm rot="18999002" flipV="1">
+            <a:off x="8661197" y="3102944"/>
+            <a:ext cx="167452" cy="186476"/>
+          </a:xfrm>
+          <a:custGeom>
+            <a:avLst/>
+            <a:gdLst>
+              <a:gd name="connsiteX0" fmla="*/ 0 w 226400"/>
+              <a:gd name="connsiteY0" fmla="*/ 32920 h 171466"/>
+              <a:gd name="connsiteX1" fmla="*/ 157018 w 226400"/>
+              <a:gd name="connsiteY1" fmla="*/ 5211 h 171466"/>
+              <a:gd name="connsiteX2" fmla="*/ 221673 w 226400"/>
+              <a:gd name="connsiteY2" fmla="*/ 125284 h 171466"/>
+              <a:gd name="connsiteX3" fmla="*/ 36945 w 226400"/>
+              <a:gd name="connsiteY3" fmla="*/ 171466 h 171466"/>
+            </a:gdLst>
+            <a:ahLst/>
+            <a:cxnLst>
+              <a:cxn ang="0">
+                <a:pos x="connsiteX0" y="connsiteY0"/>
+              </a:cxn>
+              <a:cxn ang="0">
+                <a:pos x="connsiteX1" y="connsiteY1"/>
+              </a:cxn>
+              <a:cxn ang="0">
+                <a:pos x="connsiteX2" y="connsiteY2"/>
+              </a:cxn>
+              <a:cxn ang="0">
+                <a:pos x="connsiteX3" y="connsiteY3"/>
+              </a:cxn>
+            </a:cxnLst>
+            <a:rect l="l" t="t" r="r" b="b"/>
+            <a:pathLst>
+              <a:path w="226400" h="171466">
+                <a:moveTo>
+                  <a:pt x="0" y="32920"/>
+                </a:moveTo>
+                <a:cubicBezTo>
+                  <a:pt x="60036" y="11368"/>
+                  <a:pt x="120073" y="-10183"/>
+                  <a:pt x="157018" y="5211"/>
+                </a:cubicBezTo>
+                <a:cubicBezTo>
+                  <a:pt x="193963" y="20605"/>
+                  <a:pt x="241685" y="97575"/>
+                  <a:pt x="221673" y="125284"/>
+                </a:cubicBezTo>
+                <a:cubicBezTo>
+                  <a:pt x="201661" y="152993"/>
+                  <a:pt x="119303" y="162229"/>
+                  <a:pt x="36945" y="171466"/>
+                </a:cubicBezTo>
+              </a:path>
+            </a:pathLst>
+          </a:custGeom>
+          <a:ln w="19050">
+            <a:solidFill>
+              <a:srgbClr val="7030A0"/>
+            </a:solidFill>
+            <a:headEnd type="arrow" w="med" len="med"/>
+            <a:tailEnd type="none" w="med" len="med"/>
+          </a:ln>
+        </p:spPr>
+        <p:style>
+          <a:lnRef idx="1">
+            <a:schemeClr val="accent1"/>
+          </a:lnRef>
+          <a:fillRef idx="0">
+            <a:schemeClr val="accent1"/>
+          </a:fillRef>
+          <a:effectRef idx="0">
+            <a:schemeClr val="accent1"/>
+          </a:effectRef>
+          <a:fontRef idx="minor">
+            <a:schemeClr val="tx1"/>
+          </a:fontRef>
+        </p:style>
+        <p:txBody>
+          <a:bodyPr rtlCol="0" anchor="ctr"/>
+          <a:lstStyle/>
+          <a:p>
+            <a:pPr algn="ctr"/>
+            <a:endParaRPr lang="en-SG" dirty="0"/>
+          </a:p>
+        </p:txBody>
+      </p:sp>
+      <p:sp>
+        <p:nvSpPr>
+          <p:cNvPr id="68" name="Freeform 58">
+            <a:extLst>
+              <a:ext uri="{FF2B5EF4-FFF2-40B4-BE49-F238E27FC236}">
+                <a16:creationId xmlns:a16="http://schemas.microsoft.com/office/drawing/2014/main" id="{CF65FA9B-45B9-495F-9457-FB80AB9F1889}"/>
+              </a:ext>
+            </a:extLst>
+          </p:cNvPr>
+          <p:cNvSpPr/>
+          <p:nvPr/>
+        </p:nvSpPr>
+        <p:spPr>
+          <a:xfrm rot="1404856" flipV="1">
+            <a:off x="8661712" y="3482096"/>
+            <a:ext cx="167452" cy="108809"/>
+          </a:xfrm>
+          <a:custGeom>
+            <a:avLst/>
+            <a:gdLst>
+              <a:gd name="connsiteX0" fmla="*/ 0 w 226400"/>
+              <a:gd name="connsiteY0" fmla="*/ 32920 h 171466"/>
+              <a:gd name="connsiteX1" fmla="*/ 157018 w 226400"/>
+              <a:gd name="connsiteY1" fmla="*/ 5211 h 171466"/>
+              <a:gd name="connsiteX2" fmla="*/ 221673 w 226400"/>
+              <a:gd name="connsiteY2" fmla="*/ 125284 h 171466"/>
+              <a:gd name="connsiteX3" fmla="*/ 36945 w 226400"/>
+              <a:gd name="connsiteY3" fmla="*/ 171466 h 171466"/>
+            </a:gdLst>
+            <a:ahLst/>
+            <a:cxnLst>
+              <a:cxn ang="0">
+                <a:pos x="connsiteX0" y="connsiteY0"/>
+              </a:cxn>
+              <a:cxn ang="0">
+                <a:pos x="connsiteX1" y="connsiteY1"/>
+              </a:cxn>
+              <a:cxn ang="0">
+                <a:pos x="connsiteX2" y="connsiteY2"/>
+              </a:cxn>
+              <a:cxn ang="0">
+                <a:pos x="connsiteX3" y="connsiteY3"/>
+              </a:cxn>
+            </a:cxnLst>
+            <a:rect l="l" t="t" r="r" b="b"/>
+            <a:pathLst>
+              <a:path w="226400" h="171466">
+                <a:moveTo>
+                  <a:pt x="0" y="32920"/>
+                </a:moveTo>
+                <a:cubicBezTo>
+                  <a:pt x="60036" y="11368"/>
+                  <a:pt x="120073" y="-10183"/>
+                  <a:pt x="157018" y="5211"/>
+                </a:cubicBezTo>
+                <a:cubicBezTo>
+                  <a:pt x="193963" y="20605"/>
+                  <a:pt x="241685" y="97575"/>
+                  <a:pt x="221673" y="125284"/>
+                </a:cubicBezTo>
+                <a:cubicBezTo>
+                  <a:pt x="201661" y="152993"/>
+                  <a:pt x="119303" y="162229"/>
+                  <a:pt x="36945" y="171466"/>
+                </a:cubicBezTo>
+              </a:path>
+            </a:pathLst>
+          </a:custGeom>
+          <a:ln w="19050">
+            <a:solidFill>
+              <a:srgbClr val="7030A0"/>
+            </a:solidFill>
+            <a:prstDash val="sysDash"/>
+            <a:headEnd type="arrow" w="med" len="med"/>
+            <a:tailEnd type="none" w="med" len="med"/>
+          </a:ln>
+        </p:spPr>
+        <p:style>
+          <a:lnRef idx="1">
+            <a:schemeClr val="accent1"/>
+          </a:lnRef>
+          <a:fillRef idx="0">
+            <a:schemeClr val="accent1"/>
+          </a:fillRef>
+          <a:effectRef idx="0">
+            <a:schemeClr val="accent1"/>
+          </a:effectRef>
+          <a:fontRef idx="minor">
+            <a:schemeClr val="tx1"/>
+          </a:fontRef>
+        </p:style>
+        <p:txBody>
+          <a:bodyPr rtlCol="0" anchor="ctr"/>
+          <a:lstStyle/>
+          <a:p>
+            <a:pPr algn="ctr"/>
+            <a:endParaRPr lang="en-SG" dirty="0"/>
+          </a:p>
+        </p:txBody>
+      </p:sp>
     </p:spTree>
     <p:extLst>
       <p:ext uri="{BB962C8B-B14F-4D97-AF65-F5344CB8AC3E}">

--- a/docs/diagrams/UndoRedoSequenceDiagram.pptx
+++ b/docs/diagrams/UndoRedoSequenceDiagram.pptx
@@ -5,10 +5,13 @@
     <p:sldMasterId id="2147483648" r:id="rId1"/>
   </p:sldMasterIdLst>
   <p:notesMasterIdLst>
-    <p:notesMasterId r:id="rId3"/>
+    <p:notesMasterId r:id="rId6"/>
   </p:notesMasterIdLst>
   <p:sldIdLst>
     <p:sldId id="267" r:id="rId2"/>
+    <p:sldId id="269" r:id="rId3"/>
+    <p:sldId id="270" r:id="rId4"/>
+    <p:sldId id="271" r:id="rId5"/>
   </p:sldIdLst>
   <p:sldSz cx="9144000" cy="6858000" type="screen4x3"/>
   <p:notesSz cx="6858000" cy="9144000"/>
@@ -208,7 +211,7 @@
           <a:p>
             <a:fld id="{F5CC4B3F-88C1-4FFA-B1B6-F41C21DC6924}" type="datetimeFigureOut">
               <a:rPr lang="en-US" smtClean="0"/>
-              <a:t>3/21/19</a:t>
+              <a:t>4/15/19</a:t>
             </a:fld>
             <a:endParaRPr lang="en-US"/>
           </a:p>
@@ -654,7 +657,7 @@
           <a:p>
             <a:fld id="{78C97017-6FC3-485B-9764-EAC9E56C1D49}" type="datetimeFigureOut">
               <a:rPr lang="en-US" smtClean="0"/>
-              <a:t>3/21/19</a:t>
+              <a:t>4/15/19</a:t>
             </a:fld>
             <a:endParaRPr lang="en-US"/>
           </a:p>
@@ -822,7 +825,7 @@
           <a:p>
             <a:fld id="{78C97017-6FC3-485B-9764-EAC9E56C1D49}" type="datetimeFigureOut">
               <a:rPr lang="en-US" smtClean="0"/>
-              <a:t>3/21/19</a:t>
+              <a:t>4/15/19</a:t>
             </a:fld>
             <a:endParaRPr lang="en-US"/>
           </a:p>
@@ -1000,7 +1003,7 @@
           <a:p>
             <a:fld id="{78C97017-6FC3-485B-9764-EAC9E56C1D49}" type="datetimeFigureOut">
               <a:rPr lang="en-US" smtClean="0"/>
-              <a:t>3/21/19</a:t>
+              <a:t>4/15/19</a:t>
             </a:fld>
             <a:endParaRPr lang="en-US"/>
           </a:p>
@@ -1168,7 +1171,7 @@
           <a:p>
             <a:fld id="{78C97017-6FC3-485B-9764-EAC9E56C1D49}" type="datetimeFigureOut">
               <a:rPr lang="en-US" smtClean="0"/>
-              <a:t>3/21/19</a:t>
+              <a:t>4/15/19</a:t>
             </a:fld>
             <a:endParaRPr lang="en-US"/>
           </a:p>
@@ -1413,7 +1416,7 @@
           <a:p>
             <a:fld id="{78C97017-6FC3-485B-9764-EAC9E56C1D49}" type="datetimeFigureOut">
               <a:rPr lang="en-US" smtClean="0"/>
-              <a:t>3/21/19</a:t>
+              <a:t>4/15/19</a:t>
             </a:fld>
             <a:endParaRPr lang="en-US"/>
           </a:p>
@@ -1698,7 +1701,7 @@
           <a:p>
             <a:fld id="{78C97017-6FC3-485B-9764-EAC9E56C1D49}" type="datetimeFigureOut">
               <a:rPr lang="en-US" smtClean="0"/>
-              <a:t>3/21/19</a:t>
+              <a:t>4/15/19</a:t>
             </a:fld>
             <a:endParaRPr lang="en-US"/>
           </a:p>
@@ -2117,7 +2120,7 @@
           <a:p>
             <a:fld id="{78C97017-6FC3-485B-9764-EAC9E56C1D49}" type="datetimeFigureOut">
               <a:rPr lang="en-US" smtClean="0"/>
-              <a:t>3/21/19</a:t>
+              <a:t>4/15/19</a:t>
             </a:fld>
             <a:endParaRPr lang="en-US"/>
           </a:p>
@@ -2234,7 +2237,7 @@
           <a:p>
             <a:fld id="{78C97017-6FC3-485B-9764-EAC9E56C1D49}" type="datetimeFigureOut">
               <a:rPr lang="en-US" smtClean="0"/>
-              <a:t>3/21/19</a:t>
+              <a:t>4/15/19</a:t>
             </a:fld>
             <a:endParaRPr lang="en-US"/>
           </a:p>
@@ -2329,7 +2332,7 @@
           <a:p>
             <a:fld id="{78C97017-6FC3-485B-9764-EAC9E56C1D49}" type="datetimeFigureOut">
               <a:rPr lang="en-US" smtClean="0"/>
-              <a:t>3/21/19</a:t>
+              <a:t>4/15/19</a:t>
             </a:fld>
             <a:endParaRPr lang="en-US"/>
           </a:p>
@@ -2604,7 +2607,7 @@
           <a:p>
             <a:fld id="{78C97017-6FC3-485B-9764-EAC9E56C1D49}" type="datetimeFigureOut">
               <a:rPr lang="en-US" smtClean="0"/>
-              <a:t>3/21/19</a:t>
+              <a:t>4/15/19</a:t>
             </a:fld>
             <a:endParaRPr lang="en-US"/>
           </a:p>
@@ -2856,7 +2859,7 @@
           <a:p>
             <a:fld id="{78C97017-6FC3-485B-9764-EAC9E56C1D49}" type="datetimeFigureOut">
               <a:rPr lang="en-US" smtClean="0"/>
-              <a:t>3/21/19</a:t>
+              <a:t>4/15/19</a:t>
             </a:fld>
             <a:endParaRPr lang="en-US"/>
           </a:p>
@@ -3067,7 +3070,7 @@
           <a:p>
             <a:fld id="{78C97017-6FC3-485B-9764-EAC9E56C1D49}" type="datetimeFigureOut">
               <a:rPr lang="en-US" smtClean="0"/>
-              <a:t>3/21/19</a:t>
+              <a:t>4/15/19</a:t>
             </a:fld>
             <a:endParaRPr lang="en-US"/>
           </a:p>
@@ -5384,6 +5387,3787 @@
     <p:extLst>
       <p:ext uri="{BB962C8B-B14F-4D97-AF65-F5344CB8AC3E}">
         <p14:creationId xmlns:p14="http://schemas.microsoft.com/office/powerpoint/2010/main" val="3945898909"/>
+      </p:ext>
+    </p:extLst>
+  </p:cSld>
+  <p:clrMapOvr>
+    <a:masterClrMapping/>
+  </p:clrMapOvr>
+</p:sld>
+</file>
+
+<file path=ppt/slides/slide2.xml><?xml version="1.0" encoding="utf-8"?>
+<p:sld xmlns:a="http://schemas.openxmlformats.org/drawingml/2006/main" xmlns:r="http://schemas.openxmlformats.org/officeDocument/2006/relationships" xmlns:p="http://schemas.openxmlformats.org/presentationml/2006/main">
+  <p:cSld>
+    <p:spTree>
+      <p:nvGrpSpPr>
+        <p:cNvPr id="1" name=""/>
+        <p:cNvGrpSpPr/>
+        <p:nvPr/>
+      </p:nvGrpSpPr>
+      <p:grpSpPr>
+        <a:xfrm>
+          <a:off x="0" y="0"/>
+          <a:ext cx="0" cy="0"/>
+          <a:chOff x="0" y="0"/>
+          <a:chExt cx="0" cy="0"/>
+        </a:xfrm>
+      </p:grpSpPr>
+      <p:sp>
+        <p:nvSpPr>
+          <p:cNvPr id="2" name="Rectangle 65">
+            <a:extLst>
+              <a:ext uri="{FF2B5EF4-FFF2-40B4-BE49-F238E27FC236}">
+                <a16:creationId xmlns:a16="http://schemas.microsoft.com/office/drawing/2014/main" id="{FB417678-5C59-7D49-9976-1F75CC9BA7CB}"/>
+              </a:ext>
+            </a:extLst>
+          </p:cNvPr>
+          <p:cNvSpPr/>
+          <p:nvPr/>
+        </p:nvSpPr>
+        <p:spPr>
+          <a:xfrm>
+            <a:off x="10224199" y="338705"/>
+            <a:ext cx="1811659" cy="4837704"/>
+          </a:xfrm>
+          <a:prstGeom prst="roundRect">
+            <a:avLst>
+              <a:gd name="adj" fmla="val 3484"/>
+            </a:avLst>
+          </a:prstGeom>
+          <a:solidFill>
+            <a:schemeClr val="accent4">
+              <a:lumMod val="20000"/>
+              <a:lumOff val="80000"/>
+            </a:schemeClr>
+          </a:solidFill>
+          <a:ln w="19050">
+            <a:noFill/>
+          </a:ln>
+          <a:effectLst/>
+        </p:spPr>
+        <p:style>
+          <a:lnRef idx="1">
+            <a:schemeClr val="accent2"/>
+          </a:lnRef>
+          <a:fillRef idx="2">
+            <a:schemeClr val="accent2"/>
+          </a:fillRef>
+          <a:effectRef idx="1">
+            <a:schemeClr val="accent2"/>
+          </a:effectRef>
+          <a:fontRef idx="minor">
+            <a:schemeClr val="dk1"/>
+          </a:fontRef>
+        </p:style>
+        <p:txBody>
+          <a:bodyPr rtlCol="0" anchor="t"/>
+          <a:lstStyle/>
+          <a:p>
+            <a:r>
+              <a:rPr lang="en-US" sz="1200" b="1" dirty="0">
+                <a:solidFill>
+                  <a:srgbClr val="7030A0"/>
+                </a:solidFill>
+              </a:rPr>
+              <a:t>Model</a:t>
+            </a:r>
+            <a:endParaRPr lang="en-SG" sz="1200" b="1" dirty="0">
+              <a:solidFill>
+                <a:srgbClr val="7030A0"/>
+              </a:solidFill>
+            </a:endParaRPr>
+          </a:p>
+        </p:txBody>
+      </p:sp>
+      <p:sp>
+        <p:nvSpPr>
+          <p:cNvPr id="4" name="Rectangle 65">
+            <a:extLst>
+              <a:ext uri="{FF2B5EF4-FFF2-40B4-BE49-F238E27FC236}">
+                <a16:creationId xmlns:a16="http://schemas.microsoft.com/office/drawing/2014/main" id="{14CD2521-D3E3-7D41-AE00-541CAC387F91}"/>
+              </a:ext>
+            </a:extLst>
+          </p:cNvPr>
+          <p:cNvSpPr/>
+          <p:nvPr/>
+        </p:nvSpPr>
+        <p:spPr>
+          <a:xfrm>
+            <a:off x="424355" y="239088"/>
+            <a:ext cx="9710245" cy="4937321"/>
+          </a:xfrm>
+          <a:prstGeom prst="roundRect">
+            <a:avLst>
+              <a:gd name="adj" fmla="val 3484"/>
+            </a:avLst>
+          </a:prstGeom>
+          <a:solidFill>
+            <a:schemeClr val="accent1">
+              <a:lumMod val="20000"/>
+              <a:lumOff val="80000"/>
+            </a:schemeClr>
+          </a:solidFill>
+          <a:ln w="19050">
+            <a:noFill/>
+          </a:ln>
+          <a:effectLst/>
+        </p:spPr>
+        <p:style>
+          <a:lnRef idx="1">
+            <a:schemeClr val="accent2"/>
+          </a:lnRef>
+          <a:fillRef idx="2">
+            <a:schemeClr val="accent2"/>
+          </a:fillRef>
+          <a:effectRef idx="1">
+            <a:schemeClr val="accent2"/>
+          </a:effectRef>
+          <a:fontRef idx="minor">
+            <a:schemeClr val="dk1"/>
+          </a:fontRef>
+        </p:style>
+        <p:txBody>
+          <a:bodyPr rtlCol="0" anchor="t"/>
+          <a:lstStyle/>
+          <a:p>
+            <a:r>
+              <a:rPr lang="en-US" sz="1210" b="1" dirty="0">
+                <a:solidFill>
+                  <a:srgbClr val="0070C0"/>
+                </a:solidFill>
+              </a:rPr>
+              <a:t>Logic</a:t>
+            </a:r>
+            <a:endParaRPr lang="en-SG" sz="1210" b="1" dirty="0">
+              <a:solidFill>
+                <a:srgbClr val="0070C0"/>
+              </a:solidFill>
+            </a:endParaRPr>
+          </a:p>
+        </p:txBody>
+      </p:sp>
+      <p:sp>
+        <p:nvSpPr>
+          <p:cNvPr id="5" name="Rectangle 62">
+            <a:extLst>
+              <a:ext uri="{FF2B5EF4-FFF2-40B4-BE49-F238E27FC236}">
+                <a16:creationId xmlns:a16="http://schemas.microsoft.com/office/drawing/2014/main" id="{DBCD5952-B681-2F4F-A96C-A808A0D21D09}"/>
+              </a:ext>
+            </a:extLst>
+          </p:cNvPr>
+          <p:cNvSpPr/>
+          <p:nvPr/>
+        </p:nvSpPr>
+        <p:spPr>
+          <a:xfrm>
+            <a:off x="883145" y="543946"/>
+            <a:ext cx="1455629" cy="346760"/>
+          </a:xfrm>
+          <a:prstGeom prst="rect">
+            <a:avLst/>
+          </a:prstGeom>
+          <a:solidFill>
+            <a:srgbClr val="0070C0"/>
+          </a:solidFill>
+          <a:ln w="19050">
+            <a:solidFill>
+              <a:srgbClr val="0070C0"/>
+            </a:solidFill>
+          </a:ln>
+          <a:effectLst/>
+        </p:spPr>
+        <p:style>
+          <a:lnRef idx="1">
+            <a:schemeClr val="accent2"/>
+          </a:lnRef>
+          <a:fillRef idx="2">
+            <a:schemeClr val="accent2"/>
+          </a:fillRef>
+          <a:effectRef idx="1">
+            <a:schemeClr val="accent2"/>
+          </a:effectRef>
+          <a:fontRef idx="minor">
+            <a:schemeClr val="dk1"/>
+          </a:fontRef>
+        </p:style>
+        <p:txBody>
+          <a:bodyPr rtlCol="0" anchor="ctr"/>
+          <a:lstStyle/>
+          <a:p>
+            <a:pPr algn="ctr"/>
+            <a:r>
+              <a:rPr lang="en-US" sz="1400" dirty="0">
+                <a:solidFill>
+                  <a:schemeClr val="bg1"/>
+                </a:solidFill>
+              </a:rPr>
+              <a:t>:LogicManager</a:t>
+            </a:r>
+            <a:endParaRPr lang="en-SG" sz="1400" dirty="0">
+              <a:solidFill>
+                <a:schemeClr val="bg1"/>
+              </a:solidFill>
+            </a:endParaRPr>
+          </a:p>
+        </p:txBody>
+      </p:sp>
+      <p:cxnSp>
+        <p:nvCxnSpPr>
+          <p:cNvPr id="6" name="Straight Connector 5">
+            <a:extLst>
+              <a:ext uri="{FF2B5EF4-FFF2-40B4-BE49-F238E27FC236}">
+                <a16:creationId xmlns:a16="http://schemas.microsoft.com/office/drawing/2014/main" id="{C2C92689-CCEA-F240-BA45-5131043DF6FD}"/>
+              </a:ext>
+            </a:extLst>
+          </p:cNvPr>
+          <p:cNvCxnSpPr>
+            <a:cxnSpLocks/>
+          </p:cNvCxnSpPr>
+          <p:nvPr/>
+        </p:nvCxnSpPr>
+        <p:spPr>
+          <a:xfrm>
+            <a:off x="1610959" y="907617"/>
+            <a:ext cx="0" cy="4268792"/>
+          </a:xfrm>
+          <a:prstGeom prst="line">
+            <a:avLst/>
+          </a:prstGeom>
+          <a:ln w="19050">
+            <a:solidFill>
+              <a:srgbClr val="0070C0"/>
+            </a:solidFill>
+            <a:prstDash val="sysDash"/>
+          </a:ln>
+          <a:effectLst/>
+        </p:spPr>
+        <p:style>
+          <a:lnRef idx="1">
+            <a:schemeClr val="accent1"/>
+          </a:lnRef>
+          <a:fillRef idx="2">
+            <a:schemeClr val="accent1"/>
+          </a:fillRef>
+          <a:effectRef idx="1">
+            <a:schemeClr val="accent1"/>
+          </a:effectRef>
+          <a:fontRef idx="minor">
+            <a:schemeClr val="dk1"/>
+          </a:fontRef>
+        </p:style>
+      </p:cxnSp>
+      <p:sp>
+        <p:nvSpPr>
+          <p:cNvPr id="7" name="Rectangle 6">
+            <a:extLst>
+              <a:ext uri="{FF2B5EF4-FFF2-40B4-BE49-F238E27FC236}">
+                <a16:creationId xmlns:a16="http://schemas.microsoft.com/office/drawing/2014/main" id="{8E8FC43A-6964-6842-9214-CD8B4B415AB9}"/>
+              </a:ext>
+            </a:extLst>
+          </p:cNvPr>
+          <p:cNvSpPr/>
+          <p:nvPr/>
+        </p:nvSpPr>
+        <p:spPr>
+          <a:xfrm>
+            <a:off x="1538951" y="1258311"/>
+            <a:ext cx="135384" cy="3656488"/>
+          </a:xfrm>
+          <a:prstGeom prst="rect">
+            <a:avLst/>
+          </a:prstGeom>
+          <a:solidFill>
+            <a:srgbClr val="0070C0"/>
+          </a:solidFill>
+          <a:ln>
+            <a:solidFill>
+              <a:srgbClr val="0070C0"/>
+            </a:solidFill>
+          </a:ln>
+          <a:effectLst/>
+        </p:spPr>
+        <p:style>
+          <a:lnRef idx="1">
+            <a:schemeClr val="accent3"/>
+          </a:lnRef>
+          <a:fillRef idx="2">
+            <a:schemeClr val="accent3"/>
+          </a:fillRef>
+          <a:effectRef idx="1">
+            <a:schemeClr val="accent3"/>
+          </a:effectRef>
+          <a:fontRef idx="minor">
+            <a:schemeClr val="dk1"/>
+          </a:fontRef>
+        </p:style>
+        <p:txBody>
+          <a:bodyPr rtlCol="0" anchor="ctr"/>
+          <a:lstStyle/>
+          <a:p>
+            <a:pPr algn="ctr"/>
+            <a:endParaRPr lang="en-SG" sz="1400"/>
+          </a:p>
+        </p:txBody>
+      </p:sp>
+      <p:sp>
+        <p:nvSpPr>
+          <p:cNvPr id="8" name="Rectangle 62">
+            <a:extLst>
+              <a:ext uri="{FF2B5EF4-FFF2-40B4-BE49-F238E27FC236}">
+                <a16:creationId xmlns:a16="http://schemas.microsoft.com/office/drawing/2014/main" id="{8E07C3DE-1E9F-B547-B964-B6A6E2C2D8FA}"/>
+              </a:ext>
+            </a:extLst>
+          </p:cNvPr>
+          <p:cNvSpPr/>
+          <p:nvPr/>
+        </p:nvSpPr>
+        <p:spPr>
+          <a:xfrm>
+            <a:off x="3066865" y="423022"/>
+            <a:ext cx="1863290" cy="467684"/>
+          </a:xfrm>
+          <a:prstGeom prst="rect">
+            <a:avLst/>
+          </a:prstGeom>
+          <a:solidFill>
+            <a:srgbClr val="0070C0"/>
+          </a:solidFill>
+          <a:ln w="19050">
+            <a:solidFill>
+              <a:srgbClr val="0070C0"/>
+            </a:solidFill>
+          </a:ln>
+          <a:effectLst/>
+        </p:spPr>
+        <p:style>
+          <a:lnRef idx="1">
+            <a:schemeClr val="accent2"/>
+          </a:lnRef>
+          <a:fillRef idx="2">
+            <a:schemeClr val="accent2"/>
+          </a:fillRef>
+          <a:effectRef idx="1">
+            <a:schemeClr val="accent2"/>
+          </a:effectRef>
+          <a:fontRef idx="minor">
+            <a:schemeClr val="dk1"/>
+          </a:fontRef>
+        </p:style>
+        <p:txBody>
+          <a:bodyPr rtlCol="0" anchor="ctr"/>
+          <a:lstStyle/>
+          <a:p>
+            <a:pPr algn="ctr"/>
+            <a:r>
+              <a:rPr lang="en-US" sz="1600" dirty="0">
+                <a:solidFill>
+                  <a:schemeClr val="bg1"/>
+                </a:solidFill>
+              </a:rPr>
+              <a:t>:HotelManagementSystemParser</a:t>
+            </a:r>
+            <a:endParaRPr lang="en-SG" sz="1600" dirty="0">
+              <a:solidFill>
+                <a:schemeClr val="bg1"/>
+              </a:solidFill>
+            </a:endParaRPr>
+          </a:p>
+        </p:txBody>
+      </p:sp>
+      <p:cxnSp>
+        <p:nvCxnSpPr>
+          <p:cNvPr id="9" name="Straight Connector 8">
+            <a:extLst>
+              <a:ext uri="{FF2B5EF4-FFF2-40B4-BE49-F238E27FC236}">
+                <a16:creationId xmlns:a16="http://schemas.microsoft.com/office/drawing/2014/main" id="{CC8D119B-8C61-2542-8A7C-B1ED9AD941AD}"/>
+              </a:ext>
+            </a:extLst>
+          </p:cNvPr>
+          <p:cNvCxnSpPr>
+            <a:cxnSpLocks/>
+          </p:cNvCxnSpPr>
+          <p:nvPr/>
+        </p:nvCxnSpPr>
+        <p:spPr>
+          <a:xfrm flipH="1">
+            <a:off x="4043335" y="907617"/>
+            <a:ext cx="7253" cy="2195770"/>
+          </a:xfrm>
+          <a:prstGeom prst="line">
+            <a:avLst/>
+          </a:prstGeom>
+          <a:ln w="19050">
+            <a:solidFill>
+              <a:srgbClr val="0070C0"/>
+            </a:solidFill>
+            <a:prstDash val="sysDash"/>
+          </a:ln>
+          <a:effectLst/>
+        </p:spPr>
+        <p:style>
+          <a:lnRef idx="1">
+            <a:schemeClr val="accent1"/>
+          </a:lnRef>
+          <a:fillRef idx="2">
+            <a:schemeClr val="accent1"/>
+          </a:fillRef>
+          <a:effectRef idx="1">
+            <a:schemeClr val="accent1"/>
+          </a:effectRef>
+          <a:fontRef idx="minor">
+            <a:schemeClr val="dk1"/>
+          </a:fontRef>
+        </p:style>
+      </p:cxnSp>
+      <p:sp>
+        <p:nvSpPr>
+          <p:cNvPr id="10" name="Rectangle 9">
+            <a:extLst>
+              <a:ext uri="{FF2B5EF4-FFF2-40B4-BE49-F238E27FC236}">
+                <a16:creationId xmlns:a16="http://schemas.microsoft.com/office/drawing/2014/main" id="{ECFCA5E0-EB98-7646-B9CA-A7C9E0604B61}"/>
+              </a:ext>
+            </a:extLst>
+          </p:cNvPr>
+          <p:cNvSpPr/>
+          <p:nvPr/>
+        </p:nvSpPr>
+        <p:spPr>
+          <a:xfrm>
+            <a:off x="3978580" y="1365809"/>
+            <a:ext cx="137038" cy="1529791"/>
+          </a:xfrm>
+          <a:prstGeom prst="rect">
+            <a:avLst/>
+          </a:prstGeom>
+          <a:solidFill>
+            <a:srgbClr val="0070C0"/>
+          </a:solidFill>
+          <a:ln>
+            <a:solidFill>
+              <a:srgbClr val="0070C0"/>
+            </a:solidFill>
+          </a:ln>
+          <a:effectLst/>
+        </p:spPr>
+        <p:style>
+          <a:lnRef idx="1">
+            <a:schemeClr val="accent3"/>
+          </a:lnRef>
+          <a:fillRef idx="2">
+            <a:schemeClr val="accent3"/>
+          </a:fillRef>
+          <a:effectRef idx="1">
+            <a:schemeClr val="accent3"/>
+          </a:effectRef>
+          <a:fontRef idx="minor">
+            <a:schemeClr val="dk1"/>
+          </a:fontRef>
+        </p:style>
+        <p:txBody>
+          <a:bodyPr rtlCol="0" anchor="ctr"/>
+          <a:lstStyle/>
+          <a:p>
+            <a:pPr algn="ctr"/>
+            <a:endParaRPr lang="en-SG" sz="1400">
+              <a:solidFill>
+                <a:schemeClr val="dk1"/>
+              </a:solidFill>
+            </a:endParaRPr>
+          </a:p>
+        </p:txBody>
+      </p:sp>
+      <p:cxnSp>
+        <p:nvCxnSpPr>
+          <p:cNvPr id="11" name="Straight Connector 10">
+            <a:extLst>
+              <a:ext uri="{FF2B5EF4-FFF2-40B4-BE49-F238E27FC236}">
+                <a16:creationId xmlns:a16="http://schemas.microsoft.com/office/drawing/2014/main" id="{875AAA76-6392-CC4C-8AB0-D54A26EB3FD1}"/>
+              </a:ext>
+            </a:extLst>
+          </p:cNvPr>
+          <p:cNvCxnSpPr>
+            <a:cxnSpLocks/>
+            <a:stCxn id="12" idx="0"/>
+          </p:cNvCxnSpPr>
+          <p:nvPr/>
+        </p:nvCxnSpPr>
+        <p:spPr>
+          <a:xfrm>
+            <a:off x="6445614" y="1602229"/>
+            <a:ext cx="0" cy="1293371"/>
+          </a:xfrm>
+          <a:prstGeom prst="line">
+            <a:avLst/>
+          </a:prstGeom>
+          <a:ln w="19050">
+            <a:solidFill>
+              <a:srgbClr val="0070C0"/>
+            </a:solidFill>
+            <a:prstDash val="sysDash"/>
+          </a:ln>
+          <a:effectLst/>
+        </p:spPr>
+        <p:style>
+          <a:lnRef idx="1">
+            <a:schemeClr val="accent1"/>
+          </a:lnRef>
+          <a:fillRef idx="2">
+            <a:schemeClr val="accent1"/>
+          </a:fillRef>
+          <a:effectRef idx="1">
+            <a:schemeClr val="accent1"/>
+          </a:effectRef>
+          <a:fontRef idx="minor">
+            <a:schemeClr val="dk1"/>
+          </a:fontRef>
+        </p:style>
+      </p:cxnSp>
+      <p:sp>
+        <p:nvSpPr>
+          <p:cNvPr id="12" name="Rectangle 11">
+            <a:extLst>
+              <a:ext uri="{FF2B5EF4-FFF2-40B4-BE49-F238E27FC236}">
+                <a16:creationId xmlns:a16="http://schemas.microsoft.com/office/drawing/2014/main" id="{E4C6D43B-C8D0-2C46-9C59-A7E73D11B708}"/>
+              </a:ext>
+            </a:extLst>
+          </p:cNvPr>
+          <p:cNvSpPr/>
+          <p:nvPr/>
+        </p:nvSpPr>
+        <p:spPr>
+          <a:xfrm>
+            <a:off x="6369414" y="1602229"/>
+            <a:ext cx="152400" cy="276003"/>
+          </a:xfrm>
+          <a:prstGeom prst="rect">
+            <a:avLst/>
+          </a:prstGeom>
+          <a:solidFill>
+            <a:srgbClr val="0070C0"/>
+          </a:solidFill>
+          <a:ln>
+            <a:solidFill>
+              <a:srgbClr val="0070C0"/>
+            </a:solidFill>
+          </a:ln>
+          <a:effectLst/>
+        </p:spPr>
+        <p:style>
+          <a:lnRef idx="1">
+            <a:schemeClr val="accent3"/>
+          </a:lnRef>
+          <a:fillRef idx="2">
+            <a:schemeClr val="accent3"/>
+          </a:fillRef>
+          <a:effectRef idx="1">
+            <a:schemeClr val="accent3"/>
+          </a:effectRef>
+          <a:fontRef idx="minor">
+            <a:schemeClr val="dk1"/>
+          </a:fontRef>
+        </p:style>
+        <p:txBody>
+          <a:bodyPr rtlCol="0" anchor="ctr"/>
+          <a:lstStyle/>
+          <a:p>
+            <a:pPr algn="ctr"/>
+            <a:endParaRPr lang="en-SG" sz="1400"/>
+          </a:p>
+        </p:txBody>
+      </p:sp>
+      <p:cxnSp>
+        <p:nvCxnSpPr>
+          <p:cNvPr id="13" name="Straight Arrow Connector 12">
+            <a:extLst>
+              <a:ext uri="{FF2B5EF4-FFF2-40B4-BE49-F238E27FC236}">
+                <a16:creationId xmlns:a16="http://schemas.microsoft.com/office/drawing/2014/main" id="{939F8948-8268-AB48-B076-28757EED90D3}"/>
+              </a:ext>
+            </a:extLst>
+          </p:cNvPr>
+          <p:cNvCxnSpPr>
+            <a:cxnSpLocks/>
+          </p:cNvCxnSpPr>
+          <p:nvPr/>
+        </p:nvCxnSpPr>
+        <p:spPr>
+          <a:xfrm>
+            <a:off x="228600" y="1261999"/>
+            <a:ext cx="1310351" cy="0"/>
+          </a:xfrm>
+          <a:prstGeom prst="straightConnector1">
+            <a:avLst/>
+          </a:prstGeom>
+          <a:ln w="19050">
+            <a:solidFill>
+              <a:srgbClr val="00B050"/>
+            </a:solidFill>
+            <a:tailEnd type="arrow"/>
+          </a:ln>
+        </p:spPr>
+        <p:style>
+          <a:lnRef idx="1">
+            <a:schemeClr val="accent1"/>
+          </a:lnRef>
+          <a:fillRef idx="0">
+            <a:schemeClr val="accent1"/>
+          </a:fillRef>
+          <a:effectRef idx="0">
+            <a:schemeClr val="accent1"/>
+          </a:effectRef>
+          <a:fontRef idx="minor">
+            <a:schemeClr val="tx1"/>
+          </a:fontRef>
+        </p:style>
+      </p:cxnSp>
+      <p:cxnSp>
+        <p:nvCxnSpPr>
+          <p:cNvPr id="14" name="Straight Arrow Connector 13">
+            <a:extLst>
+              <a:ext uri="{FF2B5EF4-FFF2-40B4-BE49-F238E27FC236}">
+                <a16:creationId xmlns:a16="http://schemas.microsoft.com/office/drawing/2014/main" id="{AC8ADDF1-9A9D-FF4D-862A-4E4DC7216776}"/>
+              </a:ext>
+            </a:extLst>
+          </p:cNvPr>
+          <p:cNvCxnSpPr/>
+          <p:nvPr/>
+        </p:nvCxnSpPr>
+        <p:spPr>
+          <a:xfrm flipV="1">
+            <a:off x="4135972" y="1512340"/>
+            <a:ext cx="922392" cy="1"/>
+          </a:xfrm>
+          <a:prstGeom prst="straightConnector1">
+            <a:avLst/>
+          </a:prstGeom>
+          <a:ln w="19050">
+            <a:solidFill>
+              <a:srgbClr val="0070C0"/>
+            </a:solidFill>
+            <a:tailEnd type="arrow"/>
+          </a:ln>
+        </p:spPr>
+        <p:style>
+          <a:lnRef idx="1">
+            <a:schemeClr val="accent1"/>
+          </a:lnRef>
+          <a:fillRef idx="0">
+            <a:schemeClr val="accent1"/>
+          </a:fillRef>
+          <a:effectRef idx="0">
+            <a:schemeClr val="accent1"/>
+          </a:effectRef>
+          <a:fontRef idx="minor">
+            <a:schemeClr val="tx1"/>
+          </a:fontRef>
+        </p:style>
+      </p:cxnSp>
+      <p:sp>
+        <p:nvSpPr>
+          <p:cNvPr id="15" name="TextBox 14">
+            <a:extLst>
+              <a:ext uri="{FF2B5EF4-FFF2-40B4-BE49-F238E27FC236}">
+                <a16:creationId xmlns:a16="http://schemas.microsoft.com/office/drawing/2014/main" id="{FE654105-00BF-3840-80C7-F106B6276EE1}"/>
+              </a:ext>
+            </a:extLst>
+          </p:cNvPr>
+          <p:cNvSpPr txBox="1"/>
+          <p:nvPr/>
+        </p:nvSpPr>
+        <p:spPr>
+          <a:xfrm>
+            <a:off x="4551225" y="2949404"/>
+            <a:ext cx="855809" cy="215444"/>
+          </a:xfrm>
+          <a:prstGeom prst="rect">
+            <a:avLst/>
+          </a:prstGeom>
+          <a:noFill/>
+        </p:spPr>
+        <p:txBody>
+          <a:bodyPr wrap="square" lIns="0" tIns="0" rIns="0" bIns="0" rtlCol="0">
+            <a:spAutoFit/>
+          </a:bodyPr>
+          <a:lstStyle>
+            <a:defPPr>
+              <a:defRPr lang="en-US"/>
+            </a:defPPr>
+            <a:lvl1pPr algn="r">
+              <a:defRPr sz="1400">
+                <a:solidFill>
+                  <a:srgbClr val="0070C0"/>
+                </a:solidFill>
+              </a:defRPr>
+            </a:lvl1pPr>
+          </a:lstStyle>
+          <a:p>
+            <a:r>
+              <a:rPr lang="en-US" dirty="0"/>
+              <a:t>execute()</a:t>
+            </a:r>
+          </a:p>
+        </p:txBody>
+      </p:sp>
+      <p:cxnSp>
+        <p:nvCxnSpPr>
+          <p:cNvPr id="16" name="Straight Arrow Connector 15">
+            <a:extLst>
+              <a:ext uri="{FF2B5EF4-FFF2-40B4-BE49-F238E27FC236}">
+                <a16:creationId xmlns:a16="http://schemas.microsoft.com/office/drawing/2014/main" id="{2BB9C2C7-908C-D24F-962F-54300184C8D6}"/>
+              </a:ext>
+            </a:extLst>
+          </p:cNvPr>
+          <p:cNvCxnSpPr>
+            <a:cxnSpLocks/>
+            <a:endCxn id="12" idx="2"/>
+          </p:cNvCxnSpPr>
+          <p:nvPr/>
+        </p:nvCxnSpPr>
+        <p:spPr>
+          <a:xfrm>
+            <a:off x="4109108" y="1878232"/>
+            <a:ext cx="2336506" cy="0"/>
+          </a:xfrm>
+          <a:prstGeom prst="straightConnector1">
+            <a:avLst/>
+          </a:prstGeom>
+          <a:ln w="19050">
+            <a:solidFill>
+              <a:srgbClr val="0070C0"/>
+            </a:solidFill>
+            <a:prstDash val="sysDash"/>
+            <a:headEnd type="arrow" w="med" len="med"/>
+            <a:tailEnd type="none" w="med" len="med"/>
+          </a:ln>
+        </p:spPr>
+        <p:style>
+          <a:lnRef idx="1">
+            <a:schemeClr val="accent1"/>
+          </a:lnRef>
+          <a:fillRef idx="0">
+            <a:schemeClr val="accent1"/>
+          </a:fillRef>
+          <a:effectRef idx="0">
+            <a:schemeClr val="accent1"/>
+          </a:effectRef>
+          <a:fontRef idx="minor">
+            <a:schemeClr val="tx1"/>
+          </a:fontRef>
+        </p:style>
+      </p:cxnSp>
+      <p:cxnSp>
+        <p:nvCxnSpPr>
+          <p:cNvPr id="17" name="Straight Arrow Connector 16">
+            <a:extLst>
+              <a:ext uri="{FF2B5EF4-FFF2-40B4-BE49-F238E27FC236}">
+                <a16:creationId xmlns:a16="http://schemas.microsoft.com/office/drawing/2014/main" id="{930D4773-D97C-2F4C-A8D4-073EF451F3DF}"/>
+              </a:ext>
+            </a:extLst>
+          </p:cNvPr>
+          <p:cNvCxnSpPr>
+            <a:cxnSpLocks/>
+          </p:cNvCxnSpPr>
+          <p:nvPr/>
+        </p:nvCxnSpPr>
+        <p:spPr>
+          <a:xfrm>
+            <a:off x="1691351" y="2895600"/>
+            <a:ext cx="2348067" cy="0"/>
+          </a:xfrm>
+          <a:prstGeom prst="straightConnector1">
+            <a:avLst/>
+          </a:prstGeom>
+          <a:ln w="19050">
+            <a:solidFill>
+              <a:srgbClr val="0070C0"/>
+            </a:solidFill>
+            <a:prstDash val="sysDash"/>
+            <a:headEnd type="arrow" w="med" len="med"/>
+            <a:tailEnd type="none" w="med" len="med"/>
+          </a:ln>
+        </p:spPr>
+        <p:style>
+          <a:lnRef idx="1">
+            <a:schemeClr val="accent1"/>
+          </a:lnRef>
+          <a:fillRef idx="0">
+            <a:schemeClr val="accent1"/>
+          </a:fillRef>
+          <a:effectRef idx="0">
+            <a:schemeClr val="accent1"/>
+          </a:effectRef>
+          <a:fontRef idx="minor">
+            <a:schemeClr val="tx1"/>
+          </a:fontRef>
+        </p:style>
+      </p:cxnSp>
+      <p:cxnSp>
+        <p:nvCxnSpPr>
+          <p:cNvPr id="18" name="Straight Arrow Connector 17">
+            <a:extLst>
+              <a:ext uri="{FF2B5EF4-FFF2-40B4-BE49-F238E27FC236}">
+                <a16:creationId xmlns:a16="http://schemas.microsoft.com/office/drawing/2014/main" id="{32CB2A0F-6C41-514C-9A91-BEE6FA972DF5}"/>
+              </a:ext>
+            </a:extLst>
+          </p:cNvPr>
+          <p:cNvCxnSpPr>
+            <a:cxnSpLocks/>
+          </p:cNvCxnSpPr>
+          <p:nvPr/>
+        </p:nvCxnSpPr>
+        <p:spPr>
+          <a:xfrm>
+            <a:off x="228600" y="4914799"/>
+            <a:ext cx="1310351" cy="0"/>
+          </a:xfrm>
+          <a:prstGeom prst="straightConnector1">
+            <a:avLst/>
+          </a:prstGeom>
+          <a:ln w="19050">
+            <a:solidFill>
+              <a:schemeClr val="accent1"/>
+            </a:solidFill>
+            <a:prstDash val="sysDash"/>
+            <a:headEnd type="arrow" w="med" len="med"/>
+            <a:tailEnd type="none" w="med" len="med"/>
+          </a:ln>
+        </p:spPr>
+        <p:style>
+          <a:lnRef idx="1">
+            <a:schemeClr val="accent1"/>
+          </a:lnRef>
+          <a:fillRef idx="0">
+            <a:schemeClr val="accent1"/>
+          </a:fillRef>
+          <a:effectRef idx="0">
+            <a:schemeClr val="accent1"/>
+          </a:effectRef>
+          <a:fontRef idx="minor">
+            <a:schemeClr val="tx1"/>
+          </a:fontRef>
+        </p:style>
+      </p:cxnSp>
+      <p:sp>
+        <p:nvSpPr>
+          <p:cNvPr id="19" name="TextBox 18">
+            <a:extLst>
+              <a:ext uri="{FF2B5EF4-FFF2-40B4-BE49-F238E27FC236}">
+                <a16:creationId xmlns:a16="http://schemas.microsoft.com/office/drawing/2014/main" id="{0DAF5897-ED76-BA49-BDFA-F766090801AC}"/>
+              </a:ext>
+            </a:extLst>
+          </p:cNvPr>
+          <p:cNvSpPr txBox="1"/>
+          <p:nvPr/>
+        </p:nvSpPr>
+        <p:spPr>
+          <a:xfrm>
+            <a:off x="1696536" y="1382289"/>
+            <a:ext cx="2223524" cy="430887"/>
+          </a:xfrm>
+          <a:prstGeom prst="rect">
+            <a:avLst/>
+          </a:prstGeom>
+          <a:noFill/>
+        </p:spPr>
+        <p:txBody>
+          <a:bodyPr wrap="square" lIns="0" tIns="0" rIns="0" bIns="0" rtlCol="0">
+            <a:spAutoFit/>
+          </a:bodyPr>
+          <a:lstStyle>
+            <a:defPPr>
+              <a:defRPr lang="en-US"/>
+            </a:defPPr>
+            <a:lvl1pPr algn="r">
+              <a:defRPr sz="1400">
+                <a:solidFill>
+                  <a:srgbClr val="0070C0"/>
+                </a:solidFill>
+              </a:defRPr>
+            </a:lvl1pPr>
+          </a:lstStyle>
+          <a:p>
+            <a:r>
+              <a:rPr lang="en-US" dirty="0" err="1"/>
+              <a:t>parseCommand</a:t>
+            </a:r>
+            <a:r>
+              <a:rPr lang="en-US" dirty="0"/>
+              <a:t>(“generate-bill-customer 1”)</a:t>
+            </a:r>
+          </a:p>
+        </p:txBody>
+      </p:sp>
+      <p:sp>
+        <p:nvSpPr>
+          <p:cNvPr id="20" name="TextBox 19">
+            <a:extLst>
+              <a:ext uri="{FF2B5EF4-FFF2-40B4-BE49-F238E27FC236}">
+                <a16:creationId xmlns:a16="http://schemas.microsoft.com/office/drawing/2014/main" id="{8C5D7D18-90C7-D44A-A4C0-502AD8E00819}"/>
+              </a:ext>
+            </a:extLst>
+          </p:cNvPr>
+          <p:cNvSpPr txBox="1"/>
+          <p:nvPr/>
+        </p:nvSpPr>
+        <p:spPr>
+          <a:xfrm>
+            <a:off x="4320589" y="4495300"/>
+            <a:ext cx="621216" cy="215444"/>
+          </a:xfrm>
+          <a:prstGeom prst="rect">
+            <a:avLst/>
+          </a:prstGeom>
+          <a:noFill/>
+        </p:spPr>
+        <p:txBody>
+          <a:bodyPr wrap="square" lIns="0" tIns="0" rIns="0" bIns="0" rtlCol="0">
+            <a:spAutoFit/>
+          </a:bodyPr>
+          <a:lstStyle>
+            <a:defPPr>
+              <a:defRPr lang="en-US"/>
+            </a:defPPr>
+            <a:lvl1pPr algn="r">
+              <a:defRPr sz="1400">
+                <a:solidFill>
+                  <a:srgbClr val="0070C0"/>
+                </a:solidFill>
+              </a:defRPr>
+            </a:lvl1pPr>
+          </a:lstStyle>
+          <a:p>
+            <a:r>
+              <a:rPr lang="en-US" dirty="0"/>
+              <a:t>result</a:t>
+            </a:r>
+          </a:p>
+        </p:txBody>
+      </p:sp>
+      <p:sp>
+        <p:nvSpPr>
+          <p:cNvPr id="21" name="TextBox 20">
+            <a:extLst>
+              <a:ext uri="{FF2B5EF4-FFF2-40B4-BE49-F238E27FC236}">
+                <a16:creationId xmlns:a16="http://schemas.microsoft.com/office/drawing/2014/main" id="{F1448E9D-ABC2-F14A-9CF7-C1942A375AC0}"/>
+              </a:ext>
+            </a:extLst>
+          </p:cNvPr>
+          <p:cNvSpPr txBox="1"/>
+          <p:nvPr/>
+        </p:nvSpPr>
+        <p:spPr>
+          <a:xfrm>
+            <a:off x="499213" y="4681856"/>
+            <a:ext cx="762000" cy="215444"/>
+          </a:xfrm>
+          <a:prstGeom prst="rect">
+            <a:avLst/>
+          </a:prstGeom>
+          <a:noFill/>
+        </p:spPr>
+        <p:txBody>
+          <a:bodyPr wrap="square" lIns="0" tIns="0" rIns="0" bIns="0" rtlCol="0">
+            <a:spAutoFit/>
+          </a:bodyPr>
+          <a:lstStyle>
+            <a:defPPr>
+              <a:defRPr lang="en-US"/>
+            </a:defPPr>
+            <a:lvl1pPr algn="r">
+              <a:defRPr sz="1400">
+                <a:solidFill>
+                  <a:srgbClr val="0070C0"/>
+                </a:solidFill>
+              </a:defRPr>
+            </a:lvl1pPr>
+          </a:lstStyle>
+          <a:p>
+            <a:r>
+              <a:rPr lang="en-US" dirty="0"/>
+              <a:t>result</a:t>
+            </a:r>
+          </a:p>
+        </p:txBody>
+      </p:sp>
+      <p:sp>
+        <p:nvSpPr>
+          <p:cNvPr id="22" name="TextBox 21">
+            <a:extLst>
+              <a:ext uri="{FF2B5EF4-FFF2-40B4-BE49-F238E27FC236}">
+                <a16:creationId xmlns:a16="http://schemas.microsoft.com/office/drawing/2014/main" id="{700B7920-A0FD-D148-B599-C30C0EE945B1}"/>
+              </a:ext>
+            </a:extLst>
+          </p:cNvPr>
+          <p:cNvSpPr txBox="1"/>
+          <p:nvPr/>
+        </p:nvSpPr>
+        <p:spPr>
+          <a:xfrm>
+            <a:off x="2694375" y="2630790"/>
+            <a:ext cx="220343" cy="215444"/>
+          </a:xfrm>
+          <a:prstGeom prst="rect">
+            <a:avLst/>
+          </a:prstGeom>
+          <a:noFill/>
+        </p:spPr>
+        <p:txBody>
+          <a:bodyPr wrap="square" lIns="0" tIns="0" rIns="0" bIns="0" rtlCol="0">
+            <a:spAutoFit/>
+          </a:bodyPr>
+          <a:lstStyle>
+            <a:defPPr>
+              <a:defRPr lang="en-US"/>
+            </a:defPPr>
+            <a:lvl1pPr algn="r">
+              <a:defRPr sz="1400">
+                <a:solidFill>
+                  <a:srgbClr val="0070C0"/>
+                </a:solidFill>
+              </a:defRPr>
+            </a:lvl1pPr>
+          </a:lstStyle>
+          <a:p>
+            <a:r>
+              <a:rPr lang="en-US" dirty="0" err="1"/>
+              <a:t>gb</a:t>
+            </a:r>
+            <a:endParaRPr lang="en-US" dirty="0"/>
+          </a:p>
+        </p:txBody>
+      </p:sp>
+      <p:sp>
+        <p:nvSpPr>
+          <p:cNvPr id="23" name="TextBox 22">
+            <a:extLst>
+              <a:ext uri="{FF2B5EF4-FFF2-40B4-BE49-F238E27FC236}">
+                <a16:creationId xmlns:a16="http://schemas.microsoft.com/office/drawing/2014/main" id="{D9E5681F-604D-5848-A13A-08B5D292D968}"/>
+              </a:ext>
+            </a:extLst>
+          </p:cNvPr>
+          <p:cNvSpPr txBox="1"/>
+          <p:nvPr/>
+        </p:nvSpPr>
+        <p:spPr>
+          <a:xfrm>
+            <a:off x="6326647" y="2841777"/>
+            <a:ext cx="258404" cy="261610"/>
+          </a:xfrm>
+          <a:prstGeom prst="rect">
+            <a:avLst/>
+          </a:prstGeom>
+          <a:noFill/>
+        </p:spPr>
+        <p:txBody>
+          <a:bodyPr wrap="none" rtlCol="0">
+            <a:spAutoFit/>
+          </a:bodyPr>
+          <a:lstStyle/>
+          <a:p>
+            <a:r>
+              <a:rPr lang="en-SG" sz="1100" dirty="0">
+                <a:solidFill>
+                  <a:srgbClr val="002060"/>
+                </a:solidFill>
+              </a:rPr>
+              <a:t>X</a:t>
+            </a:r>
+          </a:p>
+        </p:txBody>
+      </p:sp>
+      <p:sp>
+        <p:nvSpPr>
+          <p:cNvPr id="24" name="Rectangle 62">
+            <a:extLst>
+              <a:ext uri="{FF2B5EF4-FFF2-40B4-BE49-F238E27FC236}">
+                <a16:creationId xmlns:a16="http://schemas.microsoft.com/office/drawing/2014/main" id="{1260947F-325D-084D-83D8-ED4455B65887}"/>
+              </a:ext>
+            </a:extLst>
+          </p:cNvPr>
+          <p:cNvSpPr/>
+          <p:nvPr/>
+        </p:nvSpPr>
+        <p:spPr>
+          <a:xfrm>
+            <a:off x="5058364" y="952208"/>
+            <a:ext cx="2507824" cy="645525"/>
+          </a:xfrm>
+          <a:prstGeom prst="rect">
+            <a:avLst/>
+          </a:prstGeom>
+          <a:solidFill>
+            <a:srgbClr val="0070C0"/>
+          </a:solidFill>
+          <a:ln w="19050">
+            <a:solidFill>
+              <a:srgbClr val="0070C0"/>
+            </a:solidFill>
+          </a:ln>
+          <a:effectLst/>
+        </p:spPr>
+        <p:style>
+          <a:lnRef idx="1">
+            <a:schemeClr val="accent2"/>
+          </a:lnRef>
+          <a:fillRef idx="2">
+            <a:schemeClr val="accent2"/>
+          </a:fillRef>
+          <a:effectRef idx="1">
+            <a:schemeClr val="accent2"/>
+          </a:effectRef>
+          <a:fontRef idx="minor">
+            <a:schemeClr val="dk1"/>
+          </a:fontRef>
+        </p:style>
+        <p:txBody>
+          <a:bodyPr rtlCol="0" anchor="ctr"/>
+          <a:lstStyle/>
+          <a:p>
+            <a:pPr algn="ctr"/>
+            <a:r>
+              <a:rPr lang="en-US" sz="1700" dirty="0">
+                <a:solidFill>
+                  <a:schemeClr val="bg1"/>
+                </a:solidFill>
+              </a:rPr>
+              <a:t>:</a:t>
+            </a:r>
+            <a:r>
+              <a:rPr lang="en-US" sz="1700" dirty="0" err="1">
+                <a:solidFill>
+                  <a:schemeClr val="bg1"/>
+                </a:solidFill>
+              </a:rPr>
+              <a:t>GenerateBillForCustomerCommandParser</a:t>
+            </a:r>
+            <a:endParaRPr lang="en-SG" sz="1700" dirty="0">
+              <a:solidFill>
+                <a:schemeClr val="bg1"/>
+              </a:solidFill>
+            </a:endParaRPr>
+          </a:p>
+        </p:txBody>
+      </p:sp>
+      <p:cxnSp>
+        <p:nvCxnSpPr>
+          <p:cNvPr id="25" name="Straight Arrow Connector 24">
+            <a:extLst>
+              <a:ext uri="{FF2B5EF4-FFF2-40B4-BE49-F238E27FC236}">
+                <a16:creationId xmlns:a16="http://schemas.microsoft.com/office/drawing/2014/main" id="{2D9A3F3B-5678-C244-BFE6-29D04A8DA17F}"/>
+              </a:ext>
+            </a:extLst>
+          </p:cNvPr>
+          <p:cNvCxnSpPr>
+            <a:cxnSpLocks/>
+          </p:cNvCxnSpPr>
+          <p:nvPr/>
+        </p:nvCxnSpPr>
+        <p:spPr>
+          <a:xfrm>
+            <a:off x="1708245" y="3248991"/>
+            <a:ext cx="6571083" cy="7013"/>
+          </a:xfrm>
+          <a:prstGeom prst="straightConnector1">
+            <a:avLst/>
+          </a:prstGeom>
+          <a:ln w="19050">
+            <a:solidFill>
+              <a:srgbClr val="0070C0"/>
+            </a:solidFill>
+            <a:tailEnd type="arrow"/>
+          </a:ln>
+        </p:spPr>
+        <p:style>
+          <a:lnRef idx="1">
+            <a:schemeClr val="accent1"/>
+          </a:lnRef>
+          <a:fillRef idx="0">
+            <a:schemeClr val="accent1"/>
+          </a:fillRef>
+          <a:effectRef idx="0">
+            <a:schemeClr val="accent1"/>
+          </a:effectRef>
+          <a:fontRef idx="minor">
+            <a:schemeClr val="tx1"/>
+          </a:fontRef>
+        </p:style>
+      </p:cxnSp>
+      <p:cxnSp>
+        <p:nvCxnSpPr>
+          <p:cNvPr id="26" name="Straight Arrow Connector 25">
+            <a:extLst>
+              <a:ext uri="{FF2B5EF4-FFF2-40B4-BE49-F238E27FC236}">
+                <a16:creationId xmlns:a16="http://schemas.microsoft.com/office/drawing/2014/main" id="{CE172015-C5E6-D84D-8389-01FEE6217EF1}"/>
+              </a:ext>
+            </a:extLst>
+          </p:cNvPr>
+          <p:cNvCxnSpPr>
+            <a:cxnSpLocks/>
+          </p:cNvCxnSpPr>
+          <p:nvPr/>
+        </p:nvCxnSpPr>
+        <p:spPr>
+          <a:xfrm>
+            <a:off x="1708245" y="1363918"/>
+            <a:ext cx="2256705" cy="1"/>
+          </a:xfrm>
+          <a:prstGeom prst="straightConnector1">
+            <a:avLst/>
+          </a:prstGeom>
+          <a:ln w="19050">
+            <a:solidFill>
+              <a:srgbClr val="0070C0"/>
+            </a:solidFill>
+            <a:tailEnd type="arrow"/>
+          </a:ln>
+        </p:spPr>
+        <p:style>
+          <a:lnRef idx="1">
+            <a:schemeClr val="accent1"/>
+          </a:lnRef>
+          <a:fillRef idx="0">
+            <a:schemeClr val="accent1"/>
+          </a:fillRef>
+          <a:effectRef idx="0">
+            <a:schemeClr val="accent1"/>
+          </a:effectRef>
+          <a:fontRef idx="minor">
+            <a:schemeClr val="tx1"/>
+          </a:fontRef>
+        </p:style>
+      </p:cxnSp>
+      <p:cxnSp>
+        <p:nvCxnSpPr>
+          <p:cNvPr id="27" name="Straight Arrow Connector 26">
+            <a:extLst>
+              <a:ext uri="{FF2B5EF4-FFF2-40B4-BE49-F238E27FC236}">
+                <a16:creationId xmlns:a16="http://schemas.microsoft.com/office/drawing/2014/main" id="{256157D2-00B2-C340-A2FC-4E6506473349}"/>
+              </a:ext>
+            </a:extLst>
+          </p:cNvPr>
+          <p:cNvCxnSpPr>
+            <a:cxnSpLocks/>
+            <a:endCxn id="38" idx="2"/>
+          </p:cNvCxnSpPr>
+          <p:nvPr/>
+        </p:nvCxnSpPr>
+        <p:spPr>
+          <a:xfrm>
+            <a:off x="1703764" y="4726646"/>
+            <a:ext cx="6645593" cy="12985"/>
+          </a:xfrm>
+          <a:prstGeom prst="straightConnector1">
+            <a:avLst/>
+          </a:prstGeom>
+          <a:ln w="19050">
+            <a:solidFill>
+              <a:srgbClr val="0070C0"/>
+            </a:solidFill>
+            <a:prstDash val="sysDash"/>
+            <a:headEnd type="arrow" w="med" len="med"/>
+            <a:tailEnd type="none" w="med" len="med"/>
+          </a:ln>
+        </p:spPr>
+        <p:style>
+          <a:lnRef idx="1">
+            <a:schemeClr val="accent1"/>
+          </a:lnRef>
+          <a:fillRef idx="0">
+            <a:schemeClr val="accent1"/>
+          </a:fillRef>
+          <a:effectRef idx="0">
+            <a:schemeClr val="accent1"/>
+          </a:effectRef>
+          <a:fontRef idx="minor">
+            <a:schemeClr val="tx1"/>
+          </a:fontRef>
+        </p:style>
+      </p:cxnSp>
+      <p:sp>
+        <p:nvSpPr>
+          <p:cNvPr id="28" name="TextBox 27">
+            <a:extLst>
+              <a:ext uri="{FF2B5EF4-FFF2-40B4-BE49-F238E27FC236}">
+                <a16:creationId xmlns:a16="http://schemas.microsoft.com/office/drawing/2014/main" id="{D5C06FE0-F15C-2346-A53E-D38781C7CA1B}"/>
+              </a:ext>
+            </a:extLst>
+          </p:cNvPr>
+          <p:cNvSpPr txBox="1"/>
+          <p:nvPr/>
+        </p:nvSpPr>
+        <p:spPr>
+          <a:xfrm>
+            <a:off x="-106865" y="1363918"/>
+            <a:ext cx="1539393" cy="430887"/>
+          </a:xfrm>
+          <a:prstGeom prst="rect">
+            <a:avLst/>
+          </a:prstGeom>
+          <a:noFill/>
+        </p:spPr>
+        <p:txBody>
+          <a:bodyPr wrap="square" lIns="0" tIns="0" rIns="0" bIns="0" rtlCol="0">
+            <a:spAutoFit/>
+          </a:bodyPr>
+          <a:lstStyle/>
+          <a:p>
+            <a:pPr algn="r"/>
+            <a:r>
+              <a:rPr lang="en-US" sz="1400" dirty="0">
+                <a:solidFill>
+                  <a:srgbClr val="0070C0"/>
+                </a:solidFill>
+              </a:rPr>
+              <a:t>execute(“generate-bill-customer 1”)</a:t>
+            </a:r>
+          </a:p>
+        </p:txBody>
+      </p:sp>
+      <p:sp>
+        <p:nvSpPr>
+          <p:cNvPr id="29" name="Rectangle 28">
+            <a:extLst>
+              <a:ext uri="{FF2B5EF4-FFF2-40B4-BE49-F238E27FC236}">
+                <a16:creationId xmlns:a16="http://schemas.microsoft.com/office/drawing/2014/main" id="{2D728E84-6C1E-1541-90EC-43E0DBF358C0}"/>
+              </a:ext>
+            </a:extLst>
+          </p:cNvPr>
+          <p:cNvSpPr/>
+          <p:nvPr/>
+        </p:nvSpPr>
+        <p:spPr>
+          <a:xfrm>
+            <a:off x="6373331" y="2016655"/>
+            <a:ext cx="148483" cy="717344"/>
+          </a:xfrm>
+          <a:prstGeom prst="rect">
+            <a:avLst/>
+          </a:prstGeom>
+          <a:solidFill>
+            <a:srgbClr val="0070C0"/>
+          </a:solidFill>
+          <a:ln>
+            <a:solidFill>
+              <a:srgbClr val="0070C0"/>
+            </a:solidFill>
+          </a:ln>
+          <a:effectLst/>
+        </p:spPr>
+        <p:style>
+          <a:lnRef idx="1">
+            <a:schemeClr val="accent3"/>
+          </a:lnRef>
+          <a:fillRef idx="2">
+            <a:schemeClr val="accent3"/>
+          </a:fillRef>
+          <a:effectRef idx="1">
+            <a:schemeClr val="accent3"/>
+          </a:effectRef>
+          <a:fontRef idx="minor">
+            <a:schemeClr val="dk1"/>
+          </a:fontRef>
+        </p:style>
+        <p:txBody>
+          <a:bodyPr rtlCol="0" anchor="ctr"/>
+          <a:lstStyle/>
+          <a:p>
+            <a:pPr algn="ctr"/>
+            <a:endParaRPr lang="en-SG" sz="1400">
+              <a:solidFill>
+                <a:schemeClr val="dk1"/>
+              </a:solidFill>
+            </a:endParaRPr>
+          </a:p>
+        </p:txBody>
+      </p:sp>
+      <p:cxnSp>
+        <p:nvCxnSpPr>
+          <p:cNvPr id="30" name="Straight Arrow Connector 29">
+            <a:extLst>
+              <a:ext uri="{FF2B5EF4-FFF2-40B4-BE49-F238E27FC236}">
+                <a16:creationId xmlns:a16="http://schemas.microsoft.com/office/drawing/2014/main" id="{5CB298B8-8D84-4E40-8E7B-B5C9F906FBA2}"/>
+              </a:ext>
+            </a:extLst>
+          </p:cNvPr>
+          <p:cNvCxnSpPr>
+            <a:cxnSpLocks/>
+          </p:cNvCxnSpPr>
+          <p:nvPr/>
+        </p:nvCxnSpPr>
+        <p:spPr>
+          <a:xfrm>
+            <a:off x="4126441" y="2064133"/>
+            <a:ext cx="2242973" cy="0"/>
+          </a:xfrm>
+          <a:prstGeom prst="straightConnector1">
+            <a:avLst/>
+          </a:prstGeom>
+          <a:ln w="19050">
+            <a:solidFill>
+              <a:srgbClr val="0070C0"/>
+            </a:solidFill>
+            <a:tailEnd type="arrow"/>
+          </a:ln>
+        </p:spPr>
+        <p:style>
+          <a:lnRef idx="1">
+            <a:schemeClr val="accent1"/>
+          </a:lnRef>
+          <a:fillRef idx="0">
+            <a:schemeClr val="accent1"/>
+          </a:fillRef>
+          <a:effectRef idx="0">
+            <a:schemeClr val="accent1"/>
+          </a:effectRef>
+          <a:fontRef idx="minor">
+            <a:schemeClr val="tx1"/>
+          </a:fontRef>
+        </p:style>
+      </p:cxnSp>
+      <p:sp>
+        <p:nvSpPr>
+          <p:cNvPr id="31" name="TextBox 30">
+            <a:extLst>
+              <a:ext uri="{FF2B5EF4-FFF2-40B4-BE49-F238E27FC236}">
+                <a16:creationId xmlns:a16="http://schemas.microsoft.com/office/drawing/2014/main" id="{3341F4F8-4C84-854A-A4F6-3525E997F4F7}"/>
+              </a:ext>
+            </a:extLst>
+          </p:cNvPr>
+          <p:cNvSpPr txBox="1"/>
+          <p:nvPr/>
+        </p:nvSpPr>
+        <p:spPr>
+          <a:xfrm>
+            <a:off x="4099745" y="2058473"/>
+            <a:ext cx="2178993" cy="400110"/>
+          </a:xfrm>
+          <a:prstGeom prst="rect">
+            <a:avLst/>
+          </a:prstGeom>
+          <a:noFill/>
+        </p:spPr>
+        <p:txBody>
+          <a:bodyPr wrap="square" lIns="0" tIns="0" rIns="0" bIns="0" rtlCol="0">
+            <a:spAutoFit/>
+          </a:bodyPr>
+          <a:lstStyle>
+            <a:defPPr>
+              <a:defRPr lang="en-US"/>
+            </a:defPPr>
+            <a:lvl1pPr algn="r">
+              <a:defRPr sz="1400">
+                <a:solidFill>
+                  <a:srgbClr val="0070C0"/>
+                </a:solidFill>
+              </a:defRPr>
+            </a:lvl1pPr>
+          </a:lstStyle>
+          <a:p>
+            <a:r>
+              <a:rPr lang="en-US" sz="1200" dirty="0"/>
+              <a:t>parse(“1”, </a:t>
+            </a:r>
+            <a:r>
+              <a:rPr lang="en-US" sz="1200" dirty="0" err="1"/>
+              <a:t>customerModel</a:t>
+            </a:r>
+            <a:r>
+              <a:rPr lang="en-US" sz="1200" dirty="0"/>
+              <a:t>, </a:t>
+            </a:r>
+            <a:r>
+              <a:rPr lang="en-US" sz="1200" dirty="0" err="1"/>
+              <a:t>billModel</a:t>
+            </a:r>
+            <a:r>
+              <a:rPr lang="en-US" dirty="0"/>
+              <a:t>)</a:t>
+            </a:r>
+          </a:p>
+        </p:txBody>
+      </p:sp>
+      <p:cxnSp>
+        <p:nvCxnSpPr>
+          <p:cNvPr id="32" name="Straight Arrow Connector 31">
+            <a:extLst>
+              <a:ext uri="{FF2B5EF4-FFF2-40B4-BE49-F238E27FC236}">
+                <a16:creationId xmlns:a16="http://schemas.microsoft.com/office/drawing/2014/main" id="{CDBB18C8-657F-B84C-BC43-A06A49E4E981}"/>
+              </a:ext>
+            </a:extLst>
+          </p:cNvPr>
+          <p:cNvCxnSpPr>
+            <a:cxnSpLocks/>
+          </p:cNvCxnSpPr>
+          <p:nvPr/>
+        </p:nvCxnSpPr>
+        <p:spPr>
+          <a:xfrm>
+            <a:off x="4130978" y="2724655"/>
+            <a:ext cx="2238436" cy="0"/>
+          </a:xfrm>
+          <a:prstGeom prst="straightConnector1">
+            <a:avLst/>
+          </a:prstGeom>
+          <a:ln w="19050">
+            <a:solidFill>
+              <a:srgbClr val="0070C0"/>
+            </a:solidFill>
+            <a:prstDash val="sysDash"/>
+            <a:headEnd type="arrow" w="med" len="med"/>
+            <a:tailEnd type="none" w="med" len="med"/>
+          </a:ln>
+        </p:spPr>
+        <p:style>
+          <a:lnRef idx="1">
+            <a:schemeClr val="accent1"/>
+          </a:lnRef>
+          <a:fillRef idx="0">
+            <a:schemeClr val="accent1"/>
+          </a:fillRef>
+          <a:effectRef idx="0">
+            <a:schemeClr val="accent1"/>
+          </a:effectRef>
+          <a:fontRef idx="minor">
+            <a:schemeClr val="tx1"/>
+          </a:fontRef>
+        </p:style>
+      </p:cxnSp>
+      <p:cxnSp>
+        <p:nvCxnSpPr>
+          <p:cNvPr id="33" name="Straight Arrow Connector 32">
+            <a:extLst>
+              <a:ext uri="{FF2B5EF4-FFF2-40B4-BE49-F238E27FC236}">
+                <a16:creationId xmlns:a16="http://schemas.microsoft.com/office/drawing/2014/main" id="{5AF41F40-93F0-B74D-8A81-80604B07E1E0}"/>
+              </a:ext>
+            </a:extLst>
+          </p:cNvPr>
+          <p:cNvCxnSpPr>
+            <a:cxnSpLocks/>
+          </p:cNvCxnSpPr>
+          <p:nvPr/>
+        </p:nvCxnSpPr>
+        <p:spPr>
+          <a:xfrm>
+            <a:off x="6521814" y="2108129"/>
+            <a:ext cx="882549" cy="0"/>
+          </a:xfrm>
+          <a:prstGeom prst="straightConnector1">
+            <a:avLst/>
+          </a:prstGeom>
+          <a:ln w="19050">
+            <a:solidFill>
+              <a:srgbClr val="0070C0"/>
+            </a:solidFill>
+            <a:tailEnd type="arrow"/>
+          </a:ln>
+        </p:spPr>
+        <p:style>
+          <a:lnRef idx="1">
+            <a:schemeClr val="accent1"/>
+          </a:lnRef>
+          <a:fillRef idx="0">
+            <a:schemeClr val="accent1"/>
+          </a:fillRef>
+          <a:effectRef idx="0">
+            <a:schemeClr val="accent1"/>
+          </a:effectRef>
+          <a:fontRef idx="minor">
+            <a:schemeClr val="tx1"/>
+          </a:fontRef>
+        </p:style>
+      </p:cxnSp>
+      <p:sp>
+        <p:nvSpPr>
+          <p:cNvPr id="34" name="Rectangle 62">
+            <a:extLst>
+              <a:ext uri="{FF2B5EF4-FFF2-40B4-BE49-F238E27FC236}">
+                <a16:creationId xmlns:a16="http://schemas.microsoft.com/office/drawing/2014/main" id="{C792DD5A-3352-254E-AD61-7E5DF76C8377}"/>
+              </a:ext>
+            </a:extLst>
+          </p:cNvPr>
+          <p:cNvSpPr/>
+          <p:nvPr/>
+        </p:nvSpPr>
+        <p:spPr>
+          <a:xfrm>
+            <a:off x="7426564" y="1732804"/>
+            <a:ext cx="1565036" cy="698088"/>
+          </a:xfrm>
+          <a:prstGeom prst="rect">
+            <a:avLst/>
+          </a:prstGeom>
+          <a:solidFill>
+            <a:srgbClr val="0070C0"/>
+          </a:solidFill>
+          <a:ln w="19050">
+            <a:solidFill>
+              <a:srgbClr val="0070C0"/>
+            </a:solidFill>
+          </a:ln>
+          <a:effectLst/>
+        </p:spPr>
+        <p:style>
+          <a:lnRef idx="1">
+            <a:schemeClr val="accent2"/>
+          </a:lnRef>
+          <a:fillRef idx="2">
+            <a:schemeClr val="accent2"/>
+          </a:fillRef>
+          <a:effectRef idx="1">
+            <a:schemeClr val="accent2"/>
+          </a:effectRef>
+          <a:fontRef idx="minor">
+            <a:schemeClr val="dk1"/>
+          </a:fontRef>
+        </p:style>
+        <p:txBody>
+          <a:bodyPr rtlCol="0" anchor="ctr"/>
+          <a:lstStyle/>
+          <a:p>
+            <a:pPr algn="ctr"/>
+            <a:r>
+              <a:rPr lang="en-US" sz="1600" dirty="0" err="1">
+                <a:solidFill>
+                  <a:schemeClr val="bg1"/>
+                </a:solidFill>
+              </a:rPr>
+              <a:t>gb:</a:t>
+            </a:r>
+            <a:r>
+              <a:rPr lang="en-US" sz="1700" dirty="0" err="1">
+                <a:solidFill>
+                  <a:schemeClr val="bg1"/>
+                </a:solidFill>
+              </a:rPr>
+              <a:t>GenerateBillForCustomer</a:t>
+            </a:r>
+            <a:r>
+              <a:rPr lang="en-US" sz="1700" dirty="0">
+                <a:solidFill>
+                  <a:schemeClr val="bg1"/>
+                </a:solidFill>
+              </a:rPr>
+              <a:t> Command</a:t>
+            </a:r>
+            <a:endParaRPr lang="en-SG" sz="1700" dirty="0">
+              <a:solidFill>
+                <a:schemeClr val="bg1"/>
+              </a:solidFill>
+            </a:endParaRPr>
+          </a:p>
+        </p:txBody>
+      </p:sp>
+      <p:sp>
+        <p:nvSpPr>
+          <p:cNvPr id="35" name="Rectangle 34">
+            <a:extLst>
+              <a:ext uri="{FF2B5EF4-FFF2-40B4-BE49-F238E27FC236}">
+                <a16:creationId xmlns:a16="http://schemas.microsoft.com/office/drawing/2014/main" id="{C0824430-8F17-6143-B6B0-B25D8E8976A1}"/>
+              </a:ext>
+            </a:extLst>
+          </p:cNvPr>
+          <p:cNvSpPr/>
+          <p:nvPr/>
+        </p:nvSpPr>
+        <p:spPr>
+          <a:xfrm>
+            <a:off x="8279328" y="2430891"/>
+            <a:ext cx="133363" cy="199899"/>
+          </a:xfrm>
+          <a:prstGeom prst="rect">
+            <a:avLst/>
+          </a:prstGeom>
+          <a:solidFill>
+            <a:srgbClr val="0070C0"/>
+          </a:solidFill>
+          <a:ln>
+            <a:solidFill>
+              <a:srgbClr val="0070C0"/>
+            </a:solidFill>
+          </a:ln>
+          <a:effectLst/>
+        </p:spPr>
+        <p:style>
+          <a:lnRef idx="1">
+            <a:schemeClr val="accent3"/>
+          </a:lnRef>
+          <a:fillRef idx="2">
+            <a:schemeClr val="accent3"/>
+          </a:fillRef>
+          <a:effectRef idx="1">
+            <a:schemeClr val="accent3"/>
+          </a:effectRef>
+          <a:fontRef idx="minor">
+            <a:schemeClr val="dk1"/>
+          </a:fontRef>
+        </p:style>
+        <p:txBody>
+          <a:bodyPr rtlCol="0" anchor="ctr"/>
+          <a:lstStyle/>
+          <a:p>
+            <a:pPr algn="ctr"/>
+            <a:endParaRPr lang="en-SG" sz="1400"/>
+          </a:p>
+        </p:txBody>
+      </p:sp>
+      <p:cxnSp>
+        <p:nvCxnSpPr>
+          <p:cNvPr id="36" name="Straight Arrow Connector 35">
+            <a:extLst>
+              <a:ext uri="{FF2B5EF4-FFF2-40B4-BE49-F238E27FC236}">
+                <a16:creationId xmlns:a16="http://schemas.microsoft.com/office/drawing/2014/main" id="{59337B11-CAC1-DF46-A982-3B0A2E3007D1}"/>
+              </a:ext>
+            </a:extLst>
+          </p:cNvPr>
+          <p:cNvCxnSpPr>
+            <a:cxnSpLocks/>
+            <a:endCxn id="35" idx="2"/>
+          </p:cNvCxnSpPr>
+          <p:nvPr/>
+        </p:nvCxnSpPr>
+        <p:spPr>
+          <a:xfrm>
+            <a:off x="6537175" y="2630790"/>
+            <a:ext cx="1808835" cy="0"/>
+          </a:xfrm>
+          <a:prstGeom prst="straightConnector1">
+            <a:avLst/>
+          </a:prstGeom>
+          <a:ln w="19050">
+            <a:solidFill>
+              <a:srgbClr val="0070C0"/>
+            </a:solidFill>
+            <a:prstDash val="sysDash"/>
+            <a:headEnd type="arrow" w="med" len="med"/>
+            <a:tailEnd type="none" w="med" len="med"/>
+          </a:ln>
+        </p:spPr>
+        <p:style>
+          <a:lnRef idx="1">
+            <a:schemeClr val="accent1"/>
+          </a:lnRef>
+          <a:fillRef idx="0">
+            <a:schemeClr val="accent1"/>
+          </a:fillRef>
+          <a:effectRef idx="0">
+            <a:schemeClr val="accent1"/>
+          </a:effectRef>
+          <a:fontRef idx="minor">
+            <a:schemeClr val="tx1"/>
+          </a:fontRef>
+        </p:style>
+      </p:cxnSp>
+      <p:cxnSp>
+        <p:nvCxnSpPr>
+          <p:cNvPr id="37" name="Straight Connector 36">
+            <a:extLst>
+              <a:ext uri="{FF2B5EF4-FFF2-40B4-BE49-F238E27FC236}">
+                <a16:creationId xmlns:a16="http://schemas.microsoft.com/office/drawing/2014/main" id="{46A5A991-D711-9046-9CB5-866FA8B00579}"/>
+              </a:ext>
+            </a:extLst>
+          </p:cNvPr>
+          <p:cNvCxnSpPr>
+            <a:cxnSpLocks/>
+          </p:cNvCxnSpPr>
+          <p:nvPr/>
+        </p:nvCxnSpPr>
+        <p:spPr>
+          <a:xfrm>
+            <a:off x="8349636" y="2565962"/>
+            <a:ext cx="6416" cy="2387038"/>
+          </a:xfrm>
+          <a:prstGeom prst="line">
+            <a:avLst/>
+          </a:prstGeom>
+          <a:ln w="19050">
+            <a:solidFill>
+              <a:srgbClr val="0070C0"/>
+            </a:solidFill>
+            <a:prstDash val="sysDash"/>
+          </a:ln>
+          <a:effectLst/>
+        </p:spPr>
+        <p:style>
+          <a:lnRef idx="1">
+            <a:schemeClr val="accent1"/>
+          </a:lnRef>
+          <a:fillRef idx="2">
+            <a:schemeClr val="accent1"/>
+          </a:fillRef>
+          <a:effectRef idx="1">
+            <a:schemeClr val="accent1"/>
+          </a:effectRef>
+          <a:fontRef idx="minor">
+            <a:schemeClr val="dk1"/>
+          </a:fontRef>
+        </p:style>
+      </p:cxnSp>
+      <p:sp>
+        <p:nvSpPr>
+          <p:cNvPr id="38" name="Rectangle 37">
+            <a:extLst>
+              <a:ext uri="{FF2B5EF4-FFF2-40B4-BE49-F238E27FC236}">
+                <a16:creationId xmlns:a16="http://schemas.microsoft.com/office/drawing/2014/main" id="{3779C37F-0FFC-8649-914A-F96D35C6092E}"/>
+              </a:ext>
+            </a:extLst>
+          </p:cNvPr>
+          <p:cNvSpPr/>
+          <p:nvPr/>
+        </p:nvSpPr>
+        <p:spPr>
+          <a:xfrm>
+            <a:off x="8286023" y="3209841"/>
+            <a:ext cx="126668" cy="1529790"/>
+          </a:xfrm>
+          <a:prstGeom prst="rect">
+            <a:avLst/>
+          </a:prstGeom>
+          <a:solidFill>
+            <a:srgbClr val="0070C0"/>
+          </a:solidFill>
+          <a:ln>
+            <a:solidFill>
+              <a:srgbClr val="0070C0"/>
+            </a:solidFill>
+          </a:ln>
+          <a:effectLst/>
+        </p:spPr>
+        <p:style>
+          <a:lnRef idx="1">
+            <a:schemeClr val="accent3"/>
+          </a:lnRef>
+          <a:fillRef idx="2">
+            <a:schemeClr val="accent3"/>
+          </a:fillRef>
+          <a:effectRef idx="1">
+            <a:schemeClr val="accent3"/>
+          </a:effectRef>
+          <a:fontRef idx="minor">
+            <a:schemeClr val="dk1"/>
+          </a:fontRef>
+        </p:style>
+        <p:txBody>
+          <a:bodyPr rtlCol="0" anchor="ctr"/>
+          <a:lstStyle/>
+          <a:p>
+            <a:pPr algn="ctr"/>
+            <a:endParaRPr lang="en-SG" sz="1400">
+              <a:solidFill>
+                <a:schemeClr val="dk1"/>
+              </a:solidFill>
+            </a:endParaRPr>
+          </a:p>
+        </p:txBody>
+      </p:sp>
+      <p:cxnSp>
+        <p:nvCxnSpPr>
+          <p:cNvPr id="39" name="Straight Arrow Connector 38">
+            <a:extLst>
+              <a:ext uri="{FF2B5EF4-FFF2-40B4-BE49-F238E27FC236}">
+                <a16:creationId xmlns:a16="http://schemas.microsoft.com/office/drawing/2014/main" id="{B917B2DF-CD78-8E4A-B086-A431F364C313}"/>
+              </a:ext>
+            </a:extLst>
+          </p:cNvPr>
+          <p:cNvCxnSpPr>
+            <a:cxnSpLocks/>
+          </p:cNvCxnSpPr>
+          <p:nvPr/>
+        </p:nvCxnSpPr>
+        <p:spPr>
+          <a:xfrm>
+            <a:off x="8455236" y="3277941"/>
+            <a:ext cx="2334459" cy="0"/>
+          </a:xfrm>
+          <a:prstGeom prst="straightConnector1">
+            <a:avLst/>
+          </a:prstGeom>
+          <a:ln w="19050">
+            <a:solidFill>
+              <a:srgbClr val="0070C0"/>
+            </a:solidFill>
+            <a:tailEnd type="arrow"/>
+          </a:ln>
+        </p:spPr>
+        <p:style>
+          <a:lnRef idx="1">
+            <a:schemeClr val="accent1"/>
+          </a:lnRef>
+          <a:fillRef idx="0">
+            <a:schemeClr val="accent1"/>
+          </a:fillRef>
+          <a:effectRef idx="0">
+            <a:schemeClr val="accent1"/>
+          </a:effectRef>
+          <a:fontRef idx="minor">
+            <a:schemeClr val="tx1"/>
+          </a:fontRef>
+        </p:style>
+      </p:cxnSp>
+      <p:sp>
+        <p:nvSpPr>
+          <p:cNvPr id="40" name="TextBox 39">
+            <a:extLst>
+              <a:ext uri="{FF2B5EF4-FFF2-40B4-BE49-F238E27FC236}">
+                <a16:creationId xmlns:a16="http://schemas.microsoft.com/office/drawing/2014/main" id="{4FB24D0C-F14D-E442-A77C-06B796C8C695}"/>
+              </a:ext>
+            </a:extLst>
+          </p:cNvPr>
+          <p:cNvSpPr txBox="1"/>
+          <p:nvPr/>
+        </p:nvSpPr>
+        <p:spPr>
+          <a:xfrm>
+            <a:off x="9483010" y="3071979"/>
+            <a:ext cx="1298078" cy="184666"/>
+          </a:xfrm>
+          <a:prstGeom prst="rect">
+            <a:avLst/>
+          </a:prstGeom>
+          <a:noFill/>
+        </p:spPr>
+        <p:txBody>
+          <a:bodyPr wrap="square" lIns="0" tIns="0" rIns="0" bIns="0" rtlCol="0">
+            <a:spAutoFit/>
+          </a:bodyPr>
+          <a:lstStyle>
+            <a:defPPr>
+              <a:defRPr lang="en-US"/>
+            </a:defPPr>
+            <a:lvl1pPr algn="r">
+              <a:defRPr sz="1400">
+                <a:solidFill>
+                  <a:srgbClr val="0070C0"/>
+                </a:solidFill>
+              </a:defRPr>
+            </a:lvl1pPr>
+          </a:lstStyle>
+          <a:p>
+            <a:pPr algn="ctr"/>
+            <a:r>
+              <a:rPr lang="en-US" sz="1200" dirty="0">
+                <a:solidFill>
+                  <a:schemeClr val="accent4">
+                    <a:lumMod val="75000"/>
+                  </a:schemeClr>
+                </a:solidFill>
+              </a:rPr>
+              <a:t>updateBill(bill)</a:t>
+            </a:r>
+            <a:endParaRPr lang="en-US" sz="1200" dirty="0">
+              <a:solidFill>
+                <a:srgbClr val="7030A0"/>
+              </a:solidFill>
+            </a:endParaRPr>
+          </a:p>
+        </p:txBody>
+      </p:sp>
+      <p:sp>
+        <p:nvSpPr>
+          <p:cNvPr id="41" name="Rectangle 62">
+            <a:extLst>
+              <a:ext uri="{FF2B5EF4-FFF2-40B4-BE49-F238E27FC236}">
+                <a16:creationId xmlns:a16="http://schemas.microsoft.com/office/drawing/2014/main" id="{4ABF7519-B3E4-0148-9B0E-FBFEC3AB0BF3}"/>
+              </a:ext>
+            </a:extLst>
+          </p:cNvPr>
+          <p:cNvSpPr/>
+          <p:nvPr/>
+        </p:nvSpPr>
+        <p:spPr>
+          <a:xfrm>
+            <a:off x="10321119" y="2676819"/>
+            <a:ext cx="1075913" cy="300180"/>
+          </a:xfrm>
+          <a:prstGeom prst="rect">
+            <a:avLst/>
+          </a:prstGeom>
+          <a:solidFill>
+            <a:srgbClr val="7030A0"/>
+          </a:solidFill>
+          <a:ln w="19050">
+            <a:solidFill>
+              <a:srgbClr val="7030A0"/>
+            </a:solidFill>
+          </a:ln>
+          <a:effectLst/>
+        </p:spPr>
+        <p:style>
+          <a:lnRef idx="1">
+            <a:schemeClr val="accent2"/>
+          </a:lnRef>
+          <a:fillRef idx="2">
+            <a:schemeClr val="accent2"/>
+          </a:fillRef>
+          <a:effectRef idx="1">
+            <a:schemeClr val="accent2"/>
+          </a:effectRef>
+          <a:fontRef idx="minor">
+            <a:schemeClr val="dk1"/>
+          </a:fontRef>
+        </p:style>
+        <p:txBody>
+          <a:bodyPr rtlCol="0" anchor="ctr"/>
+          <a:lstStyle/>
+          <a:p>
+            <a:pPr algn="ctr"/>
+            <a:r>
+              <a:rPr lang="en-US" sz="1600" dirty="0">
+                <a:solidFill>
+                  <a:schemeClr val="bg1"/>
+                </a:solidFill>
+              </a:rPr>
+              <a:t>: </a:t>
+            </a:r>
+            <a:r>
+              <a:rPr lang="en-US" sz="1600" dirty="0" err="1">
+                <a:solidFill>
+                  <a:schemeClr val="bg1"/>
+                </a:solidFill>
+              </a:rPr>
+              <a:t>BillModel</a:t>
+            </a:r>
+            <a:endParaRPr lang="en-SG" sz="1600" dirty="0">
+              <a:solidFill>
+                <a:schemeClr val="bg1"/>
+              </a:solidFill>
+            </a:endParaRPr>
+          </a:p>
+        </p:txBody>
+      </p:sp>
+      <p:cxnSp>
+        <p:nvCxnSpPr>
+          <p:cNvPr id="42" name="Straight Connector 41">
+            <a:extLst>
+              <a:ext uri="{FF2B5EF4-FFF2-40B4-BE49-F238E27FC236}">
+                <a16:creationId xmlns:a16="http://schemas.microsoft.com/office/drawing/2014/main" id="{E6E02464-FDB1-D54D-A347-A86EF623223A}"/>
+              </a:ext>
+            </a:extLst>
+          </p:cNvPr>
+          <p:cNvCxnSpPr>
+            <a:cxnSpLocks/>
+          </p:cNvCxnSpPr>
+          <p:nvPr/>
+        </p:nvCxnSpPr>
+        <p:spPr>
+          <a:xfrm flipH="1">
+            <a:off x="10898347" y="2962284"/>
+            <a:ext cx="3959" cy="1735710"/>
+          </a:xfrm>
+          <a:prstGeom prst="line">
+            <a:avLst/>
+          </a:prstGeom>
+          <a:ln w="19050">
+            <a:solidFill>
+              <a:srgbClr val="7030A0"/>
+            </a:solidFill>
+            <a:prstDash val="sysDash"/>
+          </a:ln>
+          <a:effectLst/>
+        </p:spPr>
+        <p:style>
+          <a:lnRef idx="1">
+            <a:schemeClr val="accent1"/>
+          </a:lnRef>
+          <a:fillRef idx="2">
+            <a:schemeClr val="accent1"/>
+          </a:fillRef>
+          <a:effectRef idx="1">
+            <a:schemeClr val="accent1"/>
+          </a:effectRef>
+          <a:fontRef idx="minor">
+            <a:schemeClr val="dk1"/>
+          </a:fontRef>
+        </p:style>
+      </p:cxnSp>
+      <p:sp>
+        <p:nvSpPr>
+          <p:cNvPr id="43" name="Rectangle 42">
+            <a:extLst>
+              <a:ext uri="{FF2B5EF4-FFF2-40B4-BE49-F238E27FC236}">
+                <a16:creationId xmlns:a16="http://schemas.microsoft.com/office/drawing/2014/main" id="{0EA901BE-821A-7347-945C-60FFE8C7B939}"/>
+              </a:ext>
+            </a:extLst>
+          </p:cNvPr>
+          <p:cNvSpPr/>
+          <p:nvPr/>
+        </p:nvSpPr>
+        <p:spPr>
+          <a:xfrm>
+            <a:off x="10813899" y="3277941"/>
+            <a:ext cx="158901" cy="227259"/>
+          </a:xfrm>
+          <a:prstGeom prst="rect">
+            <a:avLst/>
+          </a:prstGeom>
+          <a:solidFill>
+            <a:srgbClr val="7030A0"/>
+          </a:solidFill>
+          <a:ln>
+            <a:solidFill>
+              <a:srgbClr val="7030A0"/>
+            </a:solidFill>
+          </a:ln>
+          <a:effectLst/>
+        </p:spPr>
+        <p:style>
+          <a:lnRef idx="1">
+            <a:schemeClr val="accent3"/>
+          </a:lnRef>
+          <a:fillRef idx="2">
+            <a:schemeClr val="accent3"/>
+          </a:fillRef>
+          <a:effectRef idx="1">
+            <a:schemeClr val="accent3"/>
+          </a:effectRef>
+          <a:fontRef idx="minor">
+            <a:schemeClr val="dk1"/>
+          </a:fontRef>
+        </p:style>
+        <p:txBody>
+          <a:bodyPr rtlCol="0" anchor="ctr"/>
+          <a:lstStyle/>
+          <a:p>
+            <a:pPr algn="ctr"/>
+            <a:endParaRPr lang="en-SG" sz="1400" dirty="0"/>
+          </a:p>
+        </p:txBody>
+      </p:sp>
+      <p:cxnSp>
+        <p:nvCxnSpPr>
+          <p:cNvPr id="44" name="Straight Arrow Connector 43">
+            <a:extLst>
+              <a:ext uri="{FF2B5EF4-FFF2-40B4-BE49-F238E27FC236}">
+                <a16:creationId xmlns:a16="http://schemas.microsoft.com/office/drawing/2014/main" id="{93B7C823-BF96-DC43-BBA1-72FC786FD801}"/>
+              </a:ext>
+            </a:extLst>
+          </p:cNvPr>
+          <p:cNvCxnSpPr>
+            <a:cxnSpLocks/>
+          </p:cNvCxnSpPr>
+          <p:nvPr/>
+        </p:nvCxnSpPr>
+        <p:spPr>
+          <a:xfrm>
+            <a:off x="8475211" y="3505200"/>
+            <a:ext cx="2314484" cy="0"/>
+          </a:xfrm>
+          <a:prstGeom prst="straightConnector1">
+            <a:avLst/>
+          </a:prstGeom>
+          <a:ln w="19050">
+            <a:solidFill>
+              <a:srgbClr val="7030A0"/>
+            </a:solidFill>
+            <a:prstDash val="sysDash"/>
+            <a:headEnd type="arrow" w="med" len="med"/>
+            <a:tailEnd type="none" w="med" len="med"/>
+          </a:ln>
+        </p:spPr>
+        <p:style>
+          <a:lnRef idx="1">
+            <a:schemeClr val="accent1"/>
+          </a:lnRef>
+          <a:fillRef idx="0">
+            <a:schemeClr val="accent1"/>
+          </a:fillRef>
+          <a:effectRef idx="0">
+            <a:schemeClr val="accent1"/>
+          </a:effectRef>
+          <a:fontRef idx="minor">
+            <a:schemeClr val="tx1"/>
+          </a:fontRef>
+        </p:style>
+      </p:cxnSp>
+      <p:sp>
+        <p:nvSpPr>
+          <p:cNvPr id="45" name="TextBox 44">
+            <a:extLst>
+              <a:ext uri="{FF2B5EF4-FFF2-40B4-BE49-F238E27FC236}">
+                <a16:creationId xmlns:a16="http://schemas.microsoft.com/office/drawing/2014/main" id="{AA2E324B-B64A-9D4C-A0A2-AC379957086D}"/>
+              </a:ext>
+            </a:extLst>
+          </p:cNvPr>
+          <p:cNvSpPr txBox="1"/>
+          <p:nvPr/>
+        </p:nvSpPr>
+        <p:spPr>
+          <a:xfrm>
+            <a:off x="8223642" y="4914799"/>
+            <a:ext cx="258404" cy="261610"/>
+          </a:xfrm>
+          <a:prstGeom prst="rect">
+            <a:avLst/>
+          </a:prstGeom>
+          <a:noFill/>
+        </p:spPr>
+        <p:txBody>
+          <a:bodyPr wrap="none" rtlCol="0">
+            <a:spAutoFit/>
+          </a:bodyPr>
+          <a:lstStyle/>
+          <a:p>
+            <a:r>
+              <a:rPr lang="en-SG" sz="1100" dirty="0">
+                <a:solidFill>
+                  <a:srgbClr val="002060"/>
+                </a:solidFill>
+              </a:rPr>
+              <a:t>X</a:t>
+            </a:r>
+          </a:p>
+        </p:txBody>
+      </p:sp>
+      <p:sp>
+        <p:nvSpPr>
+          <p:cNvPr id="46" name="Rectangle 62">
+            <a:extLst>
+              <a:ext uri="{FF2B5EF4-FFF2-40B4-BE49-F238E27FC236}">
+                <a16:creationId xmlns:a16="http://schemas.microsoft.com/office/drawing/2014/main" id="{4EF7C4AC-108A-CA4C-BF0E-60D292C95A95}"/>
+              </a:ext>
+            </a:extLst>
+          </p:cNvPr>
+          <p:cNvSpPr/>
+          <p:nvPr/>
+        </p:nvSpPr>
+        <p:spPr>
+          <a:xfrm>
+            <a:off x="8755859" y="3600416"/>
+            <a:ext cx="1276947" cy="757409"/>
+          </a:xfrm>
+          <a:prstGeom prst="rect">
+            <a:avLst/>
+          </a:prstGeom>
+          <a:solidFill>
+            <a:srgbClr val="0070C0"/>
+          </a:solidFill>
+          <a:ln w="19050">
+            <a:solidFill>
+              <a:srgbClr val="0070C0"/>
+            </a:solidFill>
+          </a:ln>
+          <a:effectLst/>
+        </p:spPr>
+        <p:style>
+          <a:lnRef idx="1">
+            <a:schemeClr val="accent2"/>
+          </a:lnRef>
+          <a:fillRef idx="2">
+            <a:schemeClr val="accent2"/>
+          </a:fillRef>
+          <a:effectRef idx="1">
+            <a:schemeClr val="accent2"/>
+          </a:effectRef>
+          <a:fontRef idx="minor">
+            <a:schemeClr val="dk1"/>
+          </a:fontRef>
+        </p:style>
+        <p:txBody>
+          <a:bodyPr rtlCol="0" anchor="ctr"/>
+          <a:lstStyle/>
+          <a:p>
+            <a:pPr algn="ctr"/>
+            <a:r>
+              <a:rPr lang="en-US" sz="1200" dirty="0" err="1">
+                <a:solidFill>
+                  <a:schemeClr val="bg1"/>
+                </a:solidFill>
+              </a:rPr>
+              <a:t>result:CommandResult</a:t>
+            </a:r>
+            <a:endParaRPr lang="en-SG" sz="1200" dirty="0">
+              <a:solidFill>
+                <a:schemeClr val="bg1"/>
+              </a:solidFill>
+            </a:endParaRPr>
+          </a:p>
+        </p:txBody>
+      </p:sp>
+      <p:sp>
+        <p:nvSpPr>
+          <p:cNvPr id="47" name="Rectangle 46">
+            <a:extLst>
+              <a:ext uri="{FF2B5EF4-FFF2-40B4-BE49-F238E27FC236}">
+                <a16:creationId xmlns:a16="http://schemas.microsoft.com/office/drawing/2014/main" id="{52951234-FDA2-9C4D-A076-13121BF1A4E5}"/>
+              </a:ext>
+            </a:extLst>
+          </p:cNvPr>
+          <p:cNvSpPr/>
+          <p:nvPr/>
+        </p:nvSpPr>
+        <p:spPr>
+          <a:xfrm>
+            <a:off x="9349647" y="4357825"/>
+            <a:ext cx="133363" cy="199899"/>
+          </a:xfrm>
+          <a:prstGeom prst="rect">
+            <a:avLst/>
+          </a:prstGeom>
+          <a:solidFill>
+            <a:srgbClr val="0070C0"/>
+          </a:solidFill>
+          <a:ln>
+            <a:solidFill>
+              <a:srgbClr val="0070C0"/>
+            </a:solidFill>
+          </a:ln>
+          <a:effectLst/>
+        </p:spPr>
+        <p:style>
+          <a:lnRef idx="1">
+            <a:schemeClr val="accent3"/>
+          </a:lnRef>
+          <a:fillRef idx="2">
+            <a:schemeClr val="accent3"/>
+          </a:fillRef>
+          <a:effectRef idx="1">
+            <a:schemeClr val="accent3"/>
+          </a:effectRef>
+          <a:fontRef idx="minor">
+            <a:schemeClr val="dk1"/>
+          </a:fontRef>
+        </p:style>
+        <p:txBody>
+          <a:bodyPr rtlCol="0" anchor="ctr"/>
+          <a:lstStyle/>
+          <a:p>
+            <a:pPr algn="ctr"/>
+            <a:endParaRPr lang="en-SG" sz="1400"/>
+          </a:p>
+        </p:txBody>
+      </p:sp>
+      <p:cxnSp>
+        <p:nvCxnSpPr>
+          <p:cNvPr id="48" name="Straight Arrow Connector 47">
+            <a:extLst>
+              <a:ext uri="{FF2B5EF4-FFF2-40B4-BE49-F238E27FC236}">
+                <a16:creationId xmlns:a16="http://schemas.microsoft.com/office/drawing/2014/main" id="{EFD46E6F-0B76-A247-A9E5-D2CD4647B9CE}"/>
+              </a:ext>
+            </a:extLst>
+          </p:cNvPr>
+          <p:cNvCxnSpPr>
+            <a:cxnSpLocks/>
+          </p:cNvCxnSpPr>
+          <p:nvPr/>
+        </p:nvCxnSpPr>
+        <p:spPr>
+          <a:xfrm flipV="1">
+            <a:off x="8375532" y="4031202"/>
+            <a:ext cx="373076" cy="1"/>
+          </a:xfrm>
+          <a:prstGeom prst="straightConnector1">
+            <a:avLst/>
+          </a:prstGeom>
+          <a:ln w="19050">
+            <a:solidFill>
+              <a:srgbClr val="0070C0"/>
+            </a:solidFill>
+            <a:tailEnd type="arrow"/>
+          </a:ln>
+        </p:spPr>
+        <p:style>
+          <a:lnRef idx="1">
+            <a:schemeClr val="accent1"/>
+          </a:lnRef>
+          <a:fillRef idx="0">
+            <a:schemeClr val="accent1"/>
+          </a:fillRef>
+          <a:effectRef idx="0">
+            <a:schemeClr val="accent1"/>
+          </a:effectRef>
+          <a:fontRef idx="minor">
+            <a:schemeClr val="tx1"/>
+          </a:fontRef>
+        </p:style>
+      </p:cxnSp>
+      <p:cxnSp>
+        <p:nvCxnSpPr>
+          <p:cNvPr id="49" name="Straight Arrow Connector 48">
+            <a:extLst>
+              <a:ext uri="{FF2B5EF4-FFF2-40B4-BE49-F238E27FC236}">
+                <a16:creationId xmlns:a16="http://schemas.microsoft.com/office/drawing/2014/main" id="{C1CC9A88-C67C-0C43-9D1C-B52DBE3EE082}"/>
+              </a:ext>
+            </a:extLst>
+          </p:cNvPr>
+          <p:cNvCxnSpPr>
+            <a:cxnSpLocks/>
+          </p:cNvCxnSpPr>
+          <p:nvPr/>
+        </p:nvCxnSpPr>
+        <p:spPr>
+          <a:xfrm>
+            <a:off x="8455236" y="4557724"/>
+            <a:ext cx="1004411" cy="0"/>
+          </a:xfrm>
+          <a:prstGeom prst="straightConnector1">
+            <a:avLst/>
+          </a:prstGeom>
+          <a:ln w="19050">
+            <a:solidFill>
+              <a:srgbClr val="0070C0"/>
+            </a:solidFill>
+            <a:prstDash val="sysDash"/>
+            <a:headEnd type="arrow" w="med" len="med"/>
+            <a:tailEnd type="none" w="med" len="med"/>
+          </a:ln>
+        </p:spPr>
+        <p:style>
+          <a:lnRef idx="1">
+            <a:schemeClr val="accent1"/>
+          </a:lnRef>
+          <a:fillRef idx="0">
+            <a:schemeClr val="accent1"/>
+          </a:fillRef>
+          <a:effectRef idx="0">
+            <a:schemeClr val="accent1"/>
+          </a:effectRef>
+          <a:fontRef idx="minor">
+            <a:schemeClr val="tx1"/>
+          </a:fontRef>
+        </p:style>
+      </p:cxnSp>
+      <p:sp>
+        <p:nvSpPr>
+          <p:cNvPr id="50" name="TextBox 49">
+            <a:extLst>
+              <a:ext uri="{FF2B5EF4-FFF2-40B4-BE49-F238E27FC236}">
+                <a16:creationId xmlns:a16="http://schemas.microsoft.com/office/drawing/2014/main" id="{968AB783-9920-D240-841A-AF6C6B9296B5}"/>
+              </a:ext>
+            </a:extLst>
+          </p:cNvPr>
+          <p:cNvSpPr txBox="1"/>
+          <p:nvPr/>
+        </p:nvSpPr>
+        <p:spPr>
+          <a:xfrm>
+            <a:off x="4938454" y="2477036"/>
+            <a:ext cx="220343" cy="215444"/>
+          </a:xfrm>
+          <a:prstGeom prst="rect">
+            <a:avLst/>
+          </a:prstGeom>
+          <a:noFill/>
+        </p:spPr>
+        <p:txBody>
+          <a:bodyPr wrap="square" lIns="0" tIns="0" rIns="0" bIns="0" rtlCol="0">
+            <a:spAutoFit/>
+          </a:bodyPr>
+          <a:lstStyle>
+            <a:defPPr>
+              <a:defRPr lang="en-US"/>
+            </a:defPPr>
+            <a:lvl1pPr algn="r">
+              <a:defRPr sz="1400">
+                <a:solidFill>
+                  <a:srgbClr val="0070C0"/>
+                </a:solidFill>
+              </a:defRPr>
+            </a:lvl1pPr>
+          </a:lstStyle>
+          <a:p>
+            <a:r>
+              <a:rPr lang="en-US" dirty="0" err="1"/>
+              <a:t>gb</a:t>
+            </a:r>
+            <a:endParaRPr lang="en-US" dirty="0"/>
+          </a:p>
+        </p:txBody>
+      </p:sp>
+      <p:sp>
+        <p:nvSpPr>
+          <p:cNvPr id="51" name="TextBox 50">
+            <a:extLst>
+              <a:ext uri="{FF2B5EF4-FFF2-40B4-BE49-F238E27FC236}">
+                <a16:creationId xmlns:a16="http://schemas.microsoft.com/office/drawing/2014/main" id="{145F808A-B7BB-E545-B64C-87D22A92A835}"/>
+              </a:ext>
+            </a:extLst>
+          </p:cNvPr>
+          <p:cNvSpPr txBox="1"/>
+          <p:nvPr/>
+        </p:nvSpPr>
+        <p:spPr>
+          <a:xfrm>
+            <a:off x="6864017" y="2367231"/>
+            <a:ext cx="220343" cy="215444"/>
+          </a:xfrm>
+          <a:prstGeom prst="rect">
+            <a:avLst/>
+          </a:prstGeom>
+          <a:noFill/>
+        </p:spPr>
+        <p:txBody>
+          <a:bodyPr wrap="square" lIns="0" tIns="0" rIns="0" bIns="0" rtlCol="0">
+            <a:spAutoFit/>
+          </a:bodyPr>
+          <a:lstStyle>
+            <a:defPPr>
+              <a:defRPr lang="en-US"/>
+            </a:defPPr>
+            <a:lvl1pPr algn="r">
+              <a:defRPr sz="1400">
+                <a:solidFill>
+                  <a:srgbClr val="0070C0"/>
+                </a:solidFill>
+              </a:defRPr>
+            </a:lvl1pPr>
+          </a:lstStyle>
+          <a:p>
+            <a:r>
+              <a:rPr lang="en-US" dirty="0" err="1"/>
+              <a:t>gb</a:t>
+            </a:r>
+            <a:endParaRPr lang="en-US" dirty="0"/>
+          </a:p>
+        </p:txBody>
+      </p:sp>
+    </p:spTree>
+    <p:extLst>
+      <p:ext uri="{BB962C8B-B14F-4D97-AF65-F5344CB8AC3E}">
+        <p14:creationId xmlns:p14="http://schemas.microsoft.com/office/powerpoint/2010/main" val="1335227093"/>
+      </p:ext>
+    </p:extLst>
+  </p:cSld>
+  <p:clrMapOvr>
+    <a:masterClrMapping/>
+  </p:clrMapOvr>
+</p:sld>
+</file>
+
+<file path=ppt/slides/slide3.xml><?xml version="1.0" encoding="utf-8"?>
+<p:sld xmlns:a="http://schemas.openxmlformats.org/drawingml/2006/main" xmlns:r="http://schemas.openxmlformats.org/officeDocument/2006/relationships" xmlns:p="http://schemas.openxmlformats.org/presentationml/2006/main">
+  <p:cSld>
+    <p:spTree>
+      <p:nvGrpSpPr>
+        <p:cNvPr id="1" name=""/>
+        <p:cNvGrpSpPr/>
+        <p:nvPr/>
+      </p:nvGrpSpPr>
+      <p:grpSpPr>
+        <a:xfrm>
+          <a:off x="0" y="0"/>
+          <a:ext cx="0" cy="0"/>
+          <a:chOff x="0" y="0"/>
+          <a:chExt cx="0" cy="0"/>
+        </a:xfrm>
+      </p:grpSpPr>
+      <p:sp>
+        <p:nvSpPr>
+          <p:cNvPr id="18" name="Rectangle 65">
+            <a:extLst>
+              <a:ext uri="{FF2B5EF4-FFF2-40B4-BE49-F238E27FC236}">
+                <a16:creationId xmlns:a16="http://schemas.microsoft.com/office/drawing/2014/main" id="{C0CD26C1-7798-3841-A8B4-C85CD1B194B5}"/>
+              </a:ext>
+            </a:extLst>
+          </p:cNvPr>
+          <p:cNvSpPr/>
+          <p:nvPr/>
+        </p:nvSpPr>
+        <p:spPr>
+          <a:xfrm>
+            <a:off x="1828800" y="4629726"/>
+            <a:ext cx="5711564" cy="1542474"/>
+          </a:xfrm>
+          <a:prstGeom prst="roundRect">
+            <a:avLst>
+              <a:gd name="adj" fmla="val 3484"/>
+            </a:avLst>
+          </a:prstGeom>
+          <a:solidFill>
+            <a:schemeClr val="accent4">
+              <a:lumMod val="20000"/>
+              <a:lumOff val="80000"/>
+            </a:schemeClr>
+          </a:solidFill>
+          <a:ln w="19050">
+            <a:noFill/>
+          </a:ln>
+          <a:effectLst/>
+        </p:spPr>
+        <p:style>
+          <a:lnRef idx="1">
+            <a:schemeClr val="accent2"/>
+          </a:lnRef>
+          <a:fillRef idx="2">
+            <a:schemeClr val="accent2"/>
+          </a:fillRef>
+          <a:effectRef idx="1">
+            <a:schemeClr val="accent2"/>
+          </a:effectRef>
+          <a:fontRef idx="minor">
+            <a:schemeClr val="dk1"/>
+          </a:fontRef>
+        </p:style>
+        <p:txBody>
+          <a:bodyPr rtlCol="0" anchor="t"/>
+          <a:lstStyle/>
+          <a:p>
+            <a:r>
+              <a:rPr lang="en-US" sz="1200" b="1" dirty="0">
+                <a:solidFill>
+                  <a:srgbClr val="7030A0"/>
+                </a:solidFill>
+              </a:rPr>
+              <a:t>Model</a:t>
+            </a:r>
+            <a:endParaRPr lang="en-SG" sz="1200" b="1" dirty="0">
+              <a:solidFill>
+                <a:srgbClr val="7030A0"/>
+              </a:solidFill>
+            </a:endParaRPr>
+          </a:p>
+        </p:txBody>
+      </p:sp>
+      <p:sp>
+        <p:nvSpPr>
+          <p:cNvPr id="19" name="Rectangle 65">
+            <a:extLst>
+              <a:ext uri="{FF2B5EF4-FFF2-40B4-BE49-F238E27FC236}">
+                <a16:creationId xmlns:a16="http://schemas.microsoft.com/office/drawing/2014/main" id="{C865E086-46A2-984F-B9CF-703E7582D890}"/>
+              </a:ext>
+            </a:extLst>
+          </p:cNvPr>
+          <p:cNvSpPr/>
+          <p:nvPr/>
+        </p:nvSpPr>
+        <p:spPr>
+          <a:xfrm>
+            <a:off x="1828800" y="1295400"/>
+            <a:ext cx="5711564" cy="3276600"/>
+          </a:xfrm>
+          <a:prstGeom prst="roundRect">
+            <a:avLst>
+              <a:gd name="adj" fmla="val 3484"/>
+            </a:avLst>
+          </a:prstGeom>
+          <a:solidFill>
+            <a:schemeClr val="accent1">
+              <a:lumMod val="20000"/>
+              <a:lumOff val="80000"/>
+            </a:schemeClr>
+          </a:solidFill>
+          <a:ln w="19050">
+            <a:noFill/>
+          </a:ln>
+          <a:effectLst/>
+        </p:spPr>
+        <p:style>
+          <a:lnRef idx="1">
+            <a:schemeClr val="accent2"/>
+          </a:lnRef>
+          <a:fillRef idx="2">
+            <a:schemeClr val="accent2"/>
+          </a:fillRef>
+          <a:effectRef idx="1">
+            <a:schemeClr val="accent2"/>
+          </a:effectRef>
+          <a:fontRef idx="minor">
+            <a:schemeClr val="dk1"/>
+          </a:fontRef>
+        </p:style>
+        <p:txBody>
+          <a:bodyPr rtlCol="0" anchor="t"/>
+          <a:lstStyle/>
+          <a:p>
+            <a:r>
+              <a:rPr lang="en-US" sz="1200" b="1" dirty="0">
+                <a:solidFill>
+                  <a:srgbClr val="0070C0"/>
+                </a:solidFill>
+              </a:rPr>
+              <a:t>Logic</a:t>
+            </a:r>
+            <a:endParaRPr lang="en-SG" sz="1200" b="1" dirty="0">
+              <a:solidFill>
+                <a:srgbClr val="0070C0"/>
+              </a:solidFill>
+            </a:endParaRPr>
+          </a:p>
+        </p:txBody>
+      </p:sp>
+      <p:sp>
+        <p:nvSpPr>
+          <p:cNvPr id="20" name="Rectangle 62">
+            <a:extLst>
+              <a:ext uri="{FF2B5EF4-FFF2-40B4-BE49-F238E27FC236}">
+                <a16:creationId xmlns:a16="http://schemas.microsoft.com/office/drawing/2014/main" id="{248EFD67-93A8-7543-B052-A463C4DD0F77}"/>
+              </a:ext>
+            </a:extLst>
+          </p:cNvPr>
+          <p:cNvSpPr/>
+          <p:nvPr/>
+        </p:nvSpPr>
+        <p:spPr>
+          <a:xfrm>
+            <a:off x="2716298" y="4038600"/>
+            <a:ext cx="3657600" cy="346760"/>
+          </a:xfrm>
+          <a:prstGeom prst="rect">
+            <a:avLst/>
+          </a:prstGeom>
+          <a:solidFill>
+            <a:srgbClr val="0070C0"/>
+          </a:solidFill>
+          <a:ln w="19050">
+            <a:solidFill>
+              <a:srgbClr val="0070C0"/>
+            </a:solidFill>
+          </a:ln>
+          <a:effectLst/>
+        </p:spPr>
+        <p:style>
+          <a:lnRef idx="1">
+            <a:schemeClr val="accent2"/>
+          </a:lnRef>
+          <a:fillRef idx="2">
+            <a:schemeClr val="accent2"/>
+          </a:fillRef>
+          <a:effectRef idx="1">
+            <a:schemeClr val="accent2"/>
+          </a:effectRef>
+          <a:fontRef idx="minor">
+            <a:schemeClr val="dk1"/>
+          </a:fontRef>
+        </p:style>
+        <p:txBody>
+          <a:bodyPr rtlCol="0" anchor="ctr"/>
+          <a:lstStyle/>
+          <a:p>
+            <a:pPr algn="ctr"/>
+            <a:r>
+              <a:rPr lang="en-US" sz="1400" dirty="0" err="1">
+                <a:solidFill>
+                  <a:schemeClr val="bg1"/>
+                </a:solidFill>
+              </a:rPr>
+              <a:t>GenerateBillForCustomerCommand</a:t>
+            </a:r>
+            <a:endParaRPr lang="en-SG" sz="1400" dirty="0">
+              <a:solidFill>
+                <a:schemeClr val="bg1"/>
+              </a:solidFill>
+            </a:endParaRPr>
+          </a:p>
+        </p:txBody>
+      </p:sp>
+      <p:sp>
+        <p:nvSpPr>
+          <p:cNvPr id="21" name="Rectangle 62">
+            <a:extLst>
+              <a:ext uri="{FF2B5EF4-FFF2-40B4-BE49-F238E27FC236}">
+                <a16:creationId xmlns:a16="http://schemas.microsoft.com/office/drawing/2014/main" id="{A18FC8C6-AA4F-1048-B0B1-A8C019BF57C6}"/>
+              </a:ext>
+            </a:extLst>
+          </p:cNvPr>
+          <p:cNvSpPr/>
+          <p:nvPr/>
+        </p:nvSpPr>
+        <p:spPr>
+          <a:xfrm>
+            <a:off x="3817283" y="2895600"/>
+            <a:ext cx="1455629" cy="346760"/>
+          </a:xfrm>
+          <a:prstGeom prst="rect">
+            <a:avLst/>
+          </a:prstGeom>
+          <a:solidFill>
+            <a:srgbClr val="0070C0"/>
+          </a:solidFill>
+          <a:ln w="19050">
+            <a:solidFill>
+              <a:srgbClr val="0070C0"/>
+            </a:solidFill>
+          </a:ln>
+          <a:effectLst/>
+        </p:spPr>
+        <p:style>
+          <a:lnRef idx="1">
+            <a:schemeClr val="accent2"/>
+          </a:lnRef>
+          <a:fillRef idx="2">
+            <a:schemeClr val="accent2"/>
+          </a:fillRef>
+          <a:effectRef idx="1">
+            <a:schemeClr val="accent2"/>
+          </a:effectRef>
+          <a:fontRef idx="minor">
+            <a:schemeClr val="dk1"/>
+          </a:fontRef>
+        </p:style>
+        <p:txBody>
+          <a:bodyPr rtlCol="0" anchor="ctr"/>
+          <a:lstStyle/>
+          <a:p>
+            <a:pPr algn="ctr"/>
+            <a:r>
+              <a:rPr lang="en-US" sz="1400" dirty="0" err="1">
+                <a:solidFill>
+                  <a:schemeClr val="bg1"/>
+                </a:solidFill>
+              </a:rPr>
+              <a:t>BillCommand</a:t>
+            </a:r>
+            <a:endParaRPr lang="en-SG" sz="1400" dirty="0">
+              <a:solidFill>
+                <a:schemeClr val="bg1"/>
+              </a:solidFill>
+            </a:endParaRPr>
+          </a:p>
+        </p:txBody>
+      </p:sp>
+      <p:sp>
+        <p:nvSpPr>
+          <p:cNvPr id="22" name="Rectangle 62">
+            <a:extLst>
+              <a:ext uri="{FF2B5EF4-FFF2-40B4-BE49-F238E27FC236}">
+                <a16:creationId xmlns:a16="http://schemas.microsoft.com/office/drawing/2014/main" id="{111C6AAA-555A-EA45-8152-941340D5511E}"/>
+              </a:ext>
+            </a:extLst>
+          </p:cNvPr>
+          <p:cNvSpPr/>
+          <p:nvPr/>
+        </p:nvSpPr>
+        <p:spPr>
+          <a:xfrm>
+            <a:off x="3817285" y="1752600"/>
+            <a:ext cx="1455629" cy="346760"/>
+          </a:xfrm>
+          <a:prstGeom prst="rect">
+            <a:avLst/>
+          </a:prstGeom>
+          <a:solidFill>
+            <a:srgbClr val="0070C0"/>
+          </a:solidFill>
+          <a:ln w="19050">
+            <a:solidFill>
+              <a:srgbClr val="0070C0"/>
+            </a:solidFill>
+          </a:ln>
+          <a:effectLst/>
+        </p:spPr>
+        <p:style>
+          <a:lnRef idx="1">
+            <a:schemeClr val="accent2"/>
+          </a:lnRef>
+          <a:fillRef idx="2">
+            <a:schemeClr val="accent2"/>
+          </a:fillRef>
+          <a:effectRef idx="1">
+            <a:schemeClr val="accent2"/>
+          </a:effectRef>
+          <a:fontRef idx="minor">
+            <a:schemeClr val="dk1"/>
+          </a:fontRef>
+        </p:style>
+        <p:txBody>
+          <a:bodyPr rtlCol="0" anchor="ctr"/>
+          <a:lstStyle/>
+          <a:p>
+            <a:pPr algn="ctr"/>
+            <a:r>
+              <a:rPr lang="en-US" sz="1400" dirty="0">
+                <a:solidFill>
+                  <a:schemeClr val="bg1"/>
+                </a:solidFill>
+              </a:rPr>
+              <a:t>Command</a:t>
+            </a:r>
+            <a:endParaRPr lang="en-SG" sz="1400" dirty="0">
+              <a:solidFill>
+                <a:schemeClr val="bg1"/>
+              </a:solidFill>
+            </a:endParaRPr>
+          </a:p>
+        </p:txBody>
+      </p:sp>
+      <p:sp>
+        <p:nvSpPr>
+          <p:cNvPr id="23" name="Triangle 22">
+            <a:extLst>
+              <a:ext uri="{FF2B5EF4-FFF2-40B4-BE49-F238E27FC236}">
+                <a16:creationId xmlns:a16="http://schemas.microsoft.com/office/drawing/2014/main" id="{39A96A7C-71DE-D64E-8A68-497E1A0BF794}"/>
+              </a:ext>
+            </a:extLst>
+          </p:cNvPr>
+          <p:cNvSpPr/>
+          <p:nvPr/>
+        </p:nvSpPr>
+        <p:spPr>
+          <a:xfrm>
+            <a:off x="4368047" y="2099360"/>
+            <a:ext cx="354097" cy="262840"/>
+          </a:xfrm>
+          <a:prstGeom prst="triangle">
+            <a:avLst/>
+          </a:prstGeom>
+        </p:spPr>
+        <p:style>
+          <a:lnRef idx="2">
+            <a:schemeClr val="accent1">
+              <a:shade val="50000"/>
+            </a:schemeClr>
+          </a:lnRef>
+          <a:fillRef idx="1">
+            <a:schemeClr val="accent1"/>
+          </a:fillRef>
+          <a:effectRef idx="0">
+            <a:schemeClr val="accent1"/>
+          </a:effectRef>
+          <a:fontRef idx="minor">
+            <a:schemeClr val="lt1"/>
+          </a:fontRef>
+        </p:style>
+        <p:txBody>
+          <a:bodyPr rtlCol="0" anchor="ctr"/>
+          <a:lstStyle/>
+          <a:p>
+            <a:pPr algn="ctr"/>
+            <a:endParaRPr lang="en-US" dirty="0"/>
+          </a:p>
+        </p:txBody>
+      </p:sp>
+      <p:sp>
+        <p:nvSpPr>
+          <p:cNvPr id="24" name="Triangle 23">
+            <a:extLst>
+              <a:ext uri="{FF2B5EF4-FFF2-40B4-BE49-F238E27FC236}">
+                <a16:creationId xmlns:a16="http://schemas.microsoft.com/office/drawing/2014/main" id="{52084275-AD77-9847-86BF-579ABAE14CAB}"/>
+              </a:ext>
+            </a:extLst>
+          </p:cNvPr>
+          <p:cNvSpPr/>
+          <p:nvPr/>
+        </p:nvSpPr>
+        <p:spPr>
+          <a:xfrm>
+            <a:off x="4368048" y="3242360"/>
+            <a:ext cx="354097" cy="262840"/>
+          </a:xfrm>
+          <a:prstGeom prst="triangle">
+            <a:avLst/>
+          </a:prstGeom>
+        </p:spPr>
+        <p:style>
+          <a:lnRef idx="2">
+            <a:schemeClr val="accent1">
+              <a:shade val="50000"/>
+            </a:schemeClr>
+          </a:lnRef>
+          <a:fillRef idx="1">
+            <a:schemeClr val="accent1"/>
+          </a:fillRef>
+          <a:effectRef idx="0">
+            <a:schemeClr val="accent1"/>
+          </a:effectRef>
+          <a:fontRef idx="minor">
+            <a:schemeClr val="lt1"/>
+          </a:fontRef>
+        </p:style>
+        <p:txBody>
+          <a:bodyPr rtlCol="0" anchor="ctr"/>
+          <a:lstStyle/>
+          <a:p>
+            <a:pPr algn="ctr"/>
+            <a:endParaRPr lang="en-US"/>
+          </a:p>
+        </p:txBody>
+      </p:sp>
+      <p:cxnSp>
+        <p:nvCxnSpPr>
+          <p:cNvPr id="25" name="Straight Connector 24">
+            <a:extLst>
+              <a:ext uri="{FF2B5EF4-FFF2-40B4-BE49-F238E27FC236}">
+                <a16:creationId xmlns:a16="http://schemas.microsoft.com/office/drawing/2014/main" id="{C870DEEE-810C-6440-8329-B16889F90A42}"/>
+              </a:ext>
+            </a:extLst>
+          </p:cNvPr>
+          <p:cNvCxnSpPr>
+            <a:stCxn id="23" idx="3"/>
+            <a:endCxn id="21" idx="0"/>
+          </p:cNvCxnSpPr>
+          <p:nvPr/>
+        </p:nvCxnSpPr>
+        <p:spPr>
+          <a:xfrm>
+            <a:off x="4545096" y="2362200"/>
+            <a:ext cx="2" cy="533400"/>
+          </a:xfrm>
+          <a:prstGeom prst="line">
+            <a:avLst/>
+          </a:prstGeom>
+        </p:spPr>
+        <p:style>
+          <a:lnRef idx="1">
+            <a:schemeClr val="accent1"/>
+          </a:lnRef>
+          <a:fillRef idx="0">
+            <a:schemeClr val="accent1"/>
+          </a:fillRef>
+          <a:effectRef idx="0">
+            <a:schemeClr val="accent1"/>
+          </a:effectRef>
+          <a:fontRef idx="minor">
+            <a:schemeClr val="tx1"/>
+          </a:fontRef>
+        </p:style>
+      </p:cxnSp>
+      <p:cxnSp>
+        <p:nvCxnSpPr>
+          <p:cNvPr id="26" name="Straight Connector 25">
+            <a:extLst>
+              <a:ext uri="{FF2B5EF4-FFF2-40B4-BE49-F238E27FC236}">
+                <a16:creationId xmlns:a16="http://schemas.microsoft.com/office/drawing/2014/main" id="{3F9207B0-F75E-344F-B7A4-16AB87A716D8}"/>
+              </a:ext>
+            </a:extLst>
+          </p:cNvPr>
+          <p:cNvCxnSpPr>
+            <a:stCxn id="24" idx="3"/>
+            <a:endCxn id="20" idx="0"/>
+          </p:cNvCxnSpPr>
+          <p:nvPr/>
+        </p:nvCxnSpPr>
+        <p:spPr>
+          <a:xfrm>
+            <a:off x="4545097" y="3505200"/>
+            <a:ext cx="1" cy="533400"/>
+          </a:xfrm>
+          <a:prstGeom prst="line">
+            <a:avLst/>
+          </a:prstGeom>
+        </p:spPr>
+        <p:style>
+          <a:lnRef idx="1">
+            <a:schemeClr val="accent1"/>
+          </a:lnRef>
+          <a:fillRef idx="0">
+            <a:schemeClr val="accent1"/>
+          </a:fillRef>
+          <a:effectRef idx="0">
+            <a:schemeClr val="accent1"/>
+          </a:effectRef>
+          <a:fontRef idx="minor">
+            <a:schemeClr val="tx1"/>
+          </a:fontRef>
+        </p:style>
+      </p:cxnSp>
+      <p:sp>
+        <p:nvSpPr>
+          <p:cNvPr id="27" name="Rectangle 62">
+            <a:extLst>
+              <a:ext uri="{FF2B5EF4-FFF2-40B4-BE49-F238E27FC236}">
+                <a16:creationId xmlns:a16="http://schemas.microsoft.com/office/drawing/2014/main" id="{A9E0A674-8702-9C46-B98E-155B457BAEF5}"/>
+              </a:ext>
+            </a:extLst>
+          </p:cNvPr>
+          <p:cNvSpPr/>
+          <p:nvPr/>
+        </p:nvSpPr>
+        <p:spPr>
+          <a:xfrm>
+            <a:off x="2057400" y="5257800"/>
+            <a:ext cx="1759883" cy="300180"/>
+          </a:xfrm>
+          <a:prstGeom prst="rect">
+            <a:avLst/>
+          </a:prstGeom>
+          <a:solidFill>
+            <a:srgbClr val="7030A0"/>
+          </a:solidFill>
+          <a:ln w="19050">
+            <a:solidFill>
+              <a:srgbClr val="7030A0"/>
+            </a:solidFill>
+          </a:ln>
+          <a:effectLst/>
+        </p:spPr>
+        <p:style>
+          <a:lnRef idx="1">
+            <a:schemeClr val="accent2"/>
+          </a:lnRef>
+          <a:fillRef idx="2">
+            <a:schemeClr val="accent2"/>
+          </a:fillRef>
+          <a:effectRef idx="1">
+            <a:schemeClr val="accent2"/>
+          </a:effectRef>
+          <a:fontRef idx="minor">
+            <a:schemeClr val="dk1"/>
+          </a:fontRef>
+        </p:style>
+        <p:txBody>
+          <a:bodyPr rtlCol="0" anchor="ctr"/>
+          <a:lstStyle/>
+          <a:p>
+            <a:pPr algn="ctr"/>
+            <a:r>
+              <a:rPr lang="en-SG" sz="1600" dirty="0" err="1">
+                <a:solidFill>
+                  <a:schemeClr val="bg1"/>
+                </a:solidFill>
+              </a:rPr>
+              <a:t>BillModel</a:t>
+            </a:r>
+            <a:endParaRPr lang="en-SG" sz="1600" dirty="0">
+              <a:solidFill>
+                <a:schemeClr val="bg1"/>
+              </a:solidFill>
+            </a:endParaRPr>
+          </a:p>
+        </p:txBody>
+      </p:sp>
+      <p:sp>
+        <p:nvSpPr>
+          <p:cNvPr id="28" name="Rectangle 62">
+            <a:extLst>
+              <a:ext uri="{FF2B5EF4-FFF2-40B4-BE49-F238E27FC236}">
+                <a16:creationId xmlns:a16="http://schemas.microsoft.com/office/drawing/2014/main" id="{97A4B376-A164-1F4F-9CFE-2569BE430EF4}"/>
+              </a:ext>
+            </a:extLst>
+          </p:cNvPr>
+          <p:cNvSpPr/>
+          <p:nvPr/>
+        </p:nvSpPr>
+        <p:spPr>
+          <a:xfrm>
+            <a:off x="5272912" y="5257800"/>
+            <a:ext cx="1759883" cy="300180"/>
+          </a:xfrm>
+          <a:prstGeom prst="rect">
+            <a:avLst/>
+          </a:prstGeom>
+          <a:solidFill>
+            <a:srgbClr val="7030A0"/>
+          </a:solidFill>
+          <a:ln w="19050">
+            <a:solidFill>
+              <a:srgbClr val="7030A0"/>
+            </a:solidFill>
+          </a:ln>
+          <a:effectLst/>
+        </p:spPr>
+        <p:style>
+          <a:lnRef idx="1">
+            <a:schemeClr val="accent2"/>
+          </a:lnRef>
+          <a:fillRef idx="2">
+            <a:schemeClr val="accent2"/>
+          </a:fillRef>
+          <a:effectRef idx="1">
+            <a:schemeClr val="accent2"/>
+          </a:effectRef>
+          <a:fontRef idx="minor">
+            <a:schemeClr val="dk1"/>
+          </a:fontRef>
+        </p:style>
+        <p:txBody>
+          <a:bodyPr rtlCol="0" anchor="ctr"/>
+          <a:lstStyle/>
+          <a:p>
+            <a:pPr algn="ctr"/>
+            <a:r>
+              <a:rPr lang="en-SG" sz="1600" dirty="0" err="1">
+                <a:solidFill>
+                  <a:schemeClr val="bg1"/>
+                </a:solidFill>
+              </a:rPr>
+              <a:t>CustomerModel</a:t>
+            </a:r>
+            <a:endParaRPr lang="en-SG" sz="1600" dirty="0">
+              <a:solidFill>
+                <a:schemeClr val="bg1"/>
+              </a:solidFill>
+            </a:endParaRPr>
+          </a:p>
+        </p:txBody>
+      </p:sp>
+      <p:sp>
+        <p:nvSpPr>
+          <p:cNvPr id="29" name="Diamond 28">
+            <a:extLst>
+              <a:ext uri="{FF2B5EF4-FFF2-40B4-BE49-F238E27FC236}">
+                <a16:creationId xmlns:a16="http://schemas.microsoft.com/office/drawing/2014/main" id="{A651054E-D2C1-0547-8467-67653DA34F1E}"/>
+              </a:ext>
+            </a:extLst>
+          </p:cNvPr>
+          <p:cNvSpPr/>
+          <p:nvPr/>
+        </p:nvSpPr>
+        <p:spPr>
+          <a:xfrm>
+            <a:off x="2784941" y="4910877"/>
+            <a:ext cx="304800" cy="304800"/>
+          </a:xfrm>
+          <a:prstGeom prst="diamond">
+            <a:avLst/>
+          </a:prstGeom>
+          <a:solidFill>
+            <a:srgbClr val="7030A0"/>
+          </a:solidFill>
+          <a:ln>
+            <a:solidFill>
+              <a:srgbClr val="7030A0"/>
+            </a:solidFill>
+          </a:ln>
+        </p:spPr>
+        <p:style>
+          <a:lnRef idx="2">
+            <a:schemeClr val="accent1">
+              <a:shade val="50000"/>
+            </a:schemeClr>
+          </a:lnRef>
+          <a:fillRef idx="1">
+            <a:schemeClr val="accent1"/>
+          </a:fillRef>
+          <a:effectRef idx="0">
+            <a:schemeClr val="accent1"/>
+          </a:effectRef>
+          <a:fontRef idx="minor">
+            <a:schemeClr val="lt1"/>
+          </a:fontRef>
+        </p:style>
+        <p:txBody>
+          <a:bodyPr rtlCol="0" anchor="ctr"/>
+          <a:lstStyle/>
+          <a:p>
+            <a:pPr algn="ctr"/>
+            <a:endParaRPr lang="en-US"/>
+          </a:p>
+        </p:txBody>
+      </p:sp>
+      <p:sp>
+        <p:nvSpPr>
+          <p:cNvPr id="30" name="Diamond 29">
+            <a:extLst>
+              <a:ext uri="{FF2B5EF4-FFF2-40B4-BE49-F238E27FC236}">
+                <a16:creationId xmlns:a16="http://schemas.microsoft.com/office/drawing/2014/main" id="{150A6BFC-DADA-F44F-8D2B-204EFFBF8245}"/>
+              </a:ext>
+            </a:extLst>
+          </p:cNvPr>
+          <p:cNvSpPr/>
+          <p:nvPr/>
+        </p:nvSpPr>
+        <p:spPr>
+          <a:xfrm>
+            <a:off x="6000453" y="4918760"/>
+            <a:ext cx="304800" cy="304800"/>
+          </a:xfrm>
+          <a:prstGeom prst="diamond">
+            <a:avLst/>
+          </a:prstGeom>
+          <a:solidFill>
+            <a:srgbClr val="7030A0"/>
+          </a:solidFill>
+          <a:ln>
+            <a:solidFill>
+              <a:srgbClr val="7030A0"/>
+            </a:solidFill>
+          </a:ln>
+        </p:spPr>
+        <p:style>
+          <a:lnRef idx="2">
+            <a:schemeClr val="accent1">
+              <a:shade val="50000"/>
+            </a:schemeClr>
+          </a:lnRef>
+          <a:fillRef idx="1">
+            <a:schemeClr val="accent1"/>
+          </a:fillRef>
+          <a:effectRef idx="0">
+            <a:schemeClr val="accent1"/>
+          </a:effectRef>
+          <a:fontRef idx="minor">
+            <a:schemeClr val="lt1"/>
+          </a:fontRef>
+        </p:style>
+        <p:txBody>
+          <a:bodyPr rtlCol="0" anchor="ctr"/>
+          <a:lstStyle/>
+          <a:p>
+            <a:pPr algn="ctr"/>
+            <a:endParaRPr lang="en-US" dirty="0"/>
+          </a:p>
+        </p:txBody>
+      </p:sp>
+      <p:cxnSp>
+        <p:nvCxnSpPr>
+          <p:cNvPr id="32" name="Straight Arrow Connector 31">
+            <a:extLst>
+              <a:ext uri="{FF2B5EF4-FFF2-40B4-BE49-F238E27FC236}">
+                <a16:creationId xmlns:a16="http://schemas.microsoft.com/office/drawing/2014/main" id="{B1817FF4-9292-F149-B663-CA4C1CE476D5}"/>
+              </a:ext>
+            </a:extLst>
+          </p:cNvPr>
+          <p:cNvCxnSpPr>
+            <a:stCxn id="29" idx="0"/>
+          </p:cNvCxnSpPr>
+          <p:nvPr/>
+        </p:nvCxnSpPr>
+        <p:spPr>
+          <a:xfrm flipV="1">
+            <a:off x="2937341" y="4385360"/>
+            <a:ext cx="1607756" cy="525517"/>
+          </a:xfrm>
+          <a:prstGeom prst="straightConnector1">
+            <a:avLst/>
+          </a:prstGeom>
+          <a:ln>
+            <a:tailEnd type="triangle"/>
+          </a:ln>
+        </p:spPr>
+        <p:style>
+          <a:lnRef idx="1">
+            <a:schemeClr val="accent1"/>
+          </a:lnRef>
+          <a:fillRef idx="0">
+            <a:schemeClr val="accent1"/>
+          </a:fillRef>
+          <a:effectRef idx="0">
+            <a:schemeClr val="accent1"/>
+          </a:effectRef>
+          <a:fontRef idx="minor">
+            <a:schemeClr val="tx1"/>
+          </a:fontRef>
+        </p:style>
+      </p:cxnSp>
+      <p:cxnSp>
+        <p:nvCxnSpPr>
+          <p:cNvPr id="34" name="Straight Arrow Connector 33">
+            <a:extLst>
+              <a:ext uri="{FF2B5EF4-FFF2-40B4-BE49-F238E27FC236}">
+                <a16:creationId xmlns:a16="http://schemas.microsoft.com/office/drawing/2014/main" id="{21051F07-B607-EA4E-AD9C-AF1C63A99970}"/>
+              </a:ext>
+            </a:extLst>
+          </p:cNvPr>
+          <p:cNvCxnSpPr>
+            <a:stCxn id="30" idx="0"/>
+          </p:cNvCxnSpPr>
+          <p:nvPr/>
+        </p:nvCxnSpPr>
+        <p:spPr>
+          <a:xfrm flipH="1" flipV="1">
+            <a:off x="4545097" y="4385360"/>
+            <a:ext cx="1607756" cy="533400"/>
+          </a:xfrm>
+          <a:prstGeom prst="straightConnector1">
+            <a:avLst/>
+          </a:prstGeom>
+          <a:ln>
+            <a:tailEnd type="triangle"/>
+          </a:ln>
+        </p:spPr>
+        <p:style>
+          <a:lnRef idx="1">
+            <a:schemeClr val="accent1"/>
+          </a:lnRef>
+          <a:fillRef idx="0">
+            <a:schemeClr val="accent1"/>
+          </a:fillRef>
+          <a:effectRef idx="0">
+            <a:schemeClr val="accent1"/>
+          </a:effectRef>
+          <a:fontRef idx="minor">
+            <a:schemeClr val="tx1"/>
+          </a:fontRef>
+        </p:style>
+      </p:cxnSp>
+    </p:spTree>
+    <p:extLst>
+      <p:ext uri="{BB962C8B-B14F-4D97-AF65-F5344CB8AC3E}">
+        <p14:creationId xmlns:p14="http://schemas.microsoft.com/office/powerpoint/2010/main" val="3794511303"/>
+      </p:ext>
+    </p:extLst>
+  </p:cSld>
+  <p:clrMapOvr>
+    <a:masterClrMapping/>
+  </p:clrMapOvr>
+</p:sld>
+</file>
+
+<file path=ppt/slides/slide4.xml><?xml version="1.0" encoding="utf-8"?>
+<p:sld xmlns:a="http://schemas.openxmlformats.org/drawingml/2006/main" xmlns:r="http://schemas.openxmlformats.org/officeDocument/2006/relationships" xmlns:p="http://schemas.openxmlformats.org/presentationml/2006/main">
+  <p:cSld>
+    <p:spTree>
+      <p:nvGrpSpPr>
+        <p:cNvPr id="1" name=""/>
+        <p:cNvGrpSpPr/>
+        <p:nvPr/>
+      </p:nvGrpSpPr>
+      <p:grpSpPr>
+        <a:xfrm>
+          <a:off x="0" y="0"/>
+          <a:ext cx="0" cy="0"/>
+          <a:chOff x="0" y="0"/>
+          <a:chExt cx="0" cy="0"/>
+        </a:xfrm>
+      </p:grpSpPr>
+      <p:sp>
+        <p:nvSpPr>
+          <p:cNvPr id="3" name="Rectangle 62">
+            <a:extLst>
+              <a:ext uri="{FF2B5EF4-FFF2-40B4-BE49-F238E27FC236}">
+                <a16:creationId xmlns:a16="http://schemas.microsoft.com/office/drawing/2014/main" id="{05BB92C4-D5F3-2449-AED2-04D9891809C6}"/>
+              </a:ext>
+            </a:extLst>
+          </p:cNvPr>
+          <p:cNvSpPr/>
+          <p:nvPr/>
+        </p:nvSpPr>
+        <p:spPr>
+          <a:xfrm>
+            <a:off x="2716298" y="4038600"/>
+            <a:ext cx="3657600" cy="346760"/>
+          </a:xfrm>
+          <a:prstGeom prst="rect">
+            <a:avLst/>
+          </a:prstGeom>
+          <a:solidFill>
+            <a:srgbClr val="0070C0"/>
+          </a:solidFill>
+          <a:ln w="19050">
+            <a:solidFill>
+              <a:srgbClr val="0070C0"/>
+            </a:solidFill>
+          </a:ln>
+          <a:effectLst/>
+        </p:spPr>
+        <p:style>
+          <a:lnRef idx="1">
+            <a:schemeClr val="accent2"/>
+          </a:lnRef>
+          <a:fillRef idx="2">
+            <a:schemeClr val="accent2"/>
+          </a:fillRef>
+          <a:effectRef idx="1">
+            <a:schemeClr val="accent2"/>
+          </a:effectRef>
+          <a:fontRef idx="minor">
+            <a:schemeClr val="dk1"/>
+          </a:fontRef>
+        </p:style>
+        <p:txBody>
+          <a:bodyPr rtlCol="0" anchor="ctr"/>
+          <a:lstStyle/>
+          <a:p>
+            <a:pPr algn="ctr"/>
+            <a:r>
+              <a:rPr lang="en-US" sz="1400" dirty="0" err="1">
+                <a:solidFill>
+                  <a:schemeClr val="bg1"/>
+                </a:solidFill>
+              </a:rPr>
+              <a:t>FindReservationCommand</a:t>
+            </a:r>
+            <a:endParaRPr lang="en-SG" sz="1400" dirty="0">
+              <a:solidFill>
+                <a:schemeClr val="bg1"/>
+              </a:solidFill>
+            </a:endParaRPr>
+          </a:p>
+        </p:txBody>
+      </p:sp>
+      <p:sp>
+        <p:nvSpPr>
+          <p:cNvPr id="4" name="Rectangle 62">
+            <a:extLst>
+              <a:ext uri="{FF2B5EF4-FFF2-40B4-BE49-F238E27FC236}">
+                <a16:creationId xmlns:a16="http://schemas.microsoft.com/office/drawing/2014/main" id="{467C8888-3CE4-9248-AF1B-1AF3856851A2}"/>
+              </a:ext>
+            </a:extLst>
+          </p:cNvPr>
+          <p:cNvSpPr/>
+          <p:nvPr/>
+        </p:nvSpPr>
+        <p:spPr>
+          <a:xfrm>
+            <a:off x="3124201" y="2895600"/>
+            <a:ext cx="2819400" cy="346760"/>
+          </a:xfrm>
+          <a:prstGeom prst="rect">
+            <a:avLst/>
+          </a:prstGeom>
+          <a:solidFill>
+            <a:srgbClr val="0070C0"/>
+          </a:solidFill>
+          <a:ln w="19050">
+            <a:solidFill>
+              <a:srgbClr val="0070C0"/>
+            </a:solidFill>
+          </a:ln>
+          <a:effectLst/>
+        </p:spPr>
+        <p:style>
+          <a:lnRef idx="1">
+            <a:schemeClr val="accent2"/>
+          </a:lnRef>
+          <a:fillRef idx="2">
+            <a:schemeClr val="accent2"/>
+          </a:fillRef>
+          <a:effectRef idx="1">
+            <a:schemeClr val="accent2"/>
+          </a:effectRef>
+          <a:fontRef idx="minor">
+            <a:schemeClr val="dk1"/>
+          </a:fontRef>
+        </p:style>
+        <p:txBody>
+          <a:bodyPr rtlCol="0" anchor="ctr"/>
+          <a:lstStyle/>
+          <a:p>
+            <a:pPr algn="ctr"/>
+            <a:r>
+              <a:rPr lang="en-US" sz="1400" dirty="0" err="1">
+                <a:solidFill>
+                  <a:schemeClr val="bg1"/>
+                </a:solidFill>
+              </a:rPr>
+              <a:t>ReservationCommand</a:t>
+            </a:r>
+            <a:endParaRPr lang="en-SG" sz="1400" dirty="0">
+              <a:solidFill>
+                <a:schemeClr val="bg1"/>
+              </a:solidFill>
+            </a:endParaRPr>
+          </a:p>
+        </p:txBody>
+      </p:sp>
+      <p:sp>
+        <p:nvSpPr>
+          <p:cNvPr id="5" name="Rectangle 62">
+            <a:extLst>
+              <a:ext uri="{FF2B5EF4-FFF2-40B4-BE49-F238E27FC236}">
+                <a16:creationId xmlns:a16="http://schemas.microsoft.com/office/drawing/2014/main" id="{71FB3ABC-003F-FF46-AB39-E9C4DD1DD959}"/>
+              </a:ext>
+            </a:extLst>
+          </p:cNvPr>
+          <p:cNvSpPr/>
+          <p:nvPr/>
+        </p:nvSpPr>
+        <p:spPr>
+          <a:xfrm>
+            <a:off x="3817285" y="1752600"/>
+            <a:ext cx="1455629" cy="346760"/>
+          </a:xfrm>
+          <a:prstGeom prst="rect">
+            <a:avLst/>
+          </a:prstGeom>
+          <a:solidFill>
+            <a:srgbClr val="0070C0"/>
+          </a:solidFill>
+          <a:ln w="19050">
+            <a:solidFill>
+              <a:srgbClr val="0070C0"/>
+            </a:solidFill>
+          </a:ln>
+          <a:effectLst/>
+        </p:spPr>
+        <p:style>
+          <a:lnRef idx="1">
+            <a:schemeClr val="accent2"/>
+          </a:lnRef>
+          <a:fillRef idx="2">
+            <a:schemeClr val="accent2"/>
+          </a:fillRef>
+          <a:effectRef idx="1">
+            <a:schemeClr val="accent2"/>
+          </a:effectRef>
+          <a:fontRef idx="minor">
+            <a:schemeClr val="dk1"/>
+          </a:fontRef>
+        </p:style>
+        <p:txBody>
+          <a:bodyPr rtlCol="0" anchor="ctr"/>
+          <a:lstStyle/>
+          <a:p>
+            <a:pPr algn="ctr"/>
+            <a:r>
+              <a:rPr lang="en-US" sz="1400" dirty="0">
+                <a:solidFill>
+                  <a:schemeClr val="bg1"/>
+                </a:solidFill>
+              </a:rPr>
+              <a:t>Command</a:t>
+            </a:r>
+            <a:endParaRPr lang="en-SG" sz="1400" dirty="0">
+              <a:solidFill>
+                <a:schemeClr val="bg1"/>
+              </a:solidFill>
+            </a:endParaRPr>
+          </a:p>
+        </p:txBody>
+      </p:sp>
+      <p:sp>
+        <p:nvSpPr>
+          <p:cNvPr id="6" name="Triangle 5">
+            <a:extLst>
+              <a:ext uri="{FF2B5EF4-FFF2-40B4-BE49-F238E27FC236}">
+                <a16:creationId xmlns:a16="http://schemas.microsoft.com/office/drawing/2014/main" id="{7C30A18F-872D-544A-8F6B-AB7154A32F89}"/>
+              </a:ext>
+            </a:extLst>
+          </p:cNvPr>
+          <p:cNvSpPr/>
+          <p:nvPr/>
+        </p:nvSpPr>
+        <p:spPr>
+          <a:xfrm>
+            <a:off x="4368048" y="2141320"/>
+            <a:ext cx="354097" cy="262840"/>
+          </a:xfrm>
+          <a:prstGeom prst="triangle">
+            <a:avLst/>
+          </a:prstGeom>
+        </p:spPr>
+        <p:style>
+          <a:lnRef idx="2">
+            <a:schemeClr val="accent1">
+              <a:shade val="50000"/>
+            </a:schemeClr>
+          </a:lnRef>
+          <a:fillRef idx="1">
+            <a:schemeClr val="accent1"/>
+          </a:fillRef>
+          <a:effectRef idx="0">
+            <a:schemeClr val="accent1"/>
+          </a:effectRef>
+          <a:fontRef idx="minor">
+            <a:schemeClr val="lt1"/>
+          </a:fontRef>
+        </p:style>
+        <p:txBody>
+          <a:bodyPr rtlCol="0" anchor="ctr"/>
+          <a:lstStyle/>
+          <a:p>
+            <a:pPr algn="ctr"/>
+            <a:endParaRPr lang="en-US" dirty="0"/>
+          </a:p>
+        </p:txBody>
+      </p:sp>
+      <p:sp>
+        <p:nvSpPr>
+          <p:cNvPr id="7" name="Triangle 6">
+            <a:extLst>
+              <a:ext uri="{FF2B5EF4-FFF2-40B4-BE49-F238E27FC236}">
+                <a16:creationId xmlns:a16="http://schemas.microsoft.com/office/drawing/2014/main" id="{70D31A00-E89B-794C-B9C6-1F0497E3805B}"/>
+              </a:ext>
+            </a:extLst>
+          </p:cNvPr>
+          <p:cNvSpPr/>
+          <p:nvPr/>
+        </p:nvSpPr>
+        <p:spPr>
+          <a:xfrm>
+            <a:off x="4368048" y="3242360"/>
+            <a:ext cx="354097" cy="262840"/>
+          </a:xfrm>
+          <a:prstGeom prst="triangle">
+            <a:avLst/>
+          </a:prstGeom>
+        </p:spPr>
+        <p:style>
+          <a:lnRef idx="2">
+            <a:schemeClr val="accent1">
+              <a:shade val="50000"/>
+            </a:schemeClr>
+          </a:lnRef>
+          <a:fillRef idx="1">
+            <a:schemeClr val="accent1"/>
+          </a:fillRef>
+          <a:effectRef idx="0">
+            <a:schemeClr val="accent1"/>
+          </a:effectRef>
+          <a:fontRef idx="minor">
+            <a:schemeClr val="lt1"/>
+          </a:fontRef>
+        </p:style>
+        <p:txBody>
+          <a:bodyPr rtlCol="0" anchor="ctr"/>
+          <a:lstStyle/>
+          <a:p>
+            <a:pPr algn="ctr"/>
+            <a:endParaRPr lang="en-US"/>
+          </a:p>
+        </p:txBody>
+      </p:sp>
+      <p:cxnSp>
+        <p:nvCxnSpPr>
+          <p:cNvPr id="8" name="Straight Connector 7">
+            <a:extLst>
+              <a:ext uri="{FF2B5EF4-FFF2-40B4-BE49-F238E27FC236}">
+                <a16:creationId xmlns:a16="http://schemas.microsoft.com/office/drawing/2014/main" id="{5AC16A59-9597-FF42-8C05-F59C6B2AE387}"/>
+              </a:ext>
+            </a:extLst>
+          </p:cNvPr>
+          <p:cNvCxnSpPr>
+            <a:cxnSpLocks/>
+            <a:stCxn id="6" idx="3"/>
+            <a:endCxn id="4" idx="0"/>
+          </p:cNvCxnSpPr>
+          <p:nvPr/>
+        </p:nvCxnSpPr>
+        <p:spPr>
+          <a:xfrm flipH="1">
+            <a:off x="4533901" y="2404160"/>
+            <a:ext cx="11196" cy="491440"/>
+          </a:xfrm>
+          <a:prstGeom prst="line">
+            <a:avLst/>
+          </a:prstGeom>
+        </p:spPr>
+        <p:style>
+          <a:lnRef idx="1">
+            <a:schemeClr val="accent1"/>
+          </a:lnRef>
+          <a:fillRef idx="0">
+            <a:schemeClr val="accent1"/>
+          </a:fillRef>
+          <a:effectRef idx="0">
+            <a:schemeClr val="accent1"/>
+          </a:effectRef>
+          <a:fontRef idx="minor">
+            <a:schemeClr val="tx1"/>
+          </a:fontRef>
+        </p:style>
+      </p:cxnSp>
+      <p:cxnSp>
+        <p:nvCxnSpPr>
+          <p:cNvPr id="9" name="Straight Connector 8">
+            <a:extLst>
+              <a:ext uri="{FF2B5EF4-FFF2-40B4-BE49-F238E27FC236}">
+                <a16:creationId xmlns:a16="http://schemas.microsoft.com/office/drawing/2014/main" id="{26D4578B-3428-0A4D-BD88-259E8BA228EA}"/>
+              </a:ext>
+            </a:extLst>
+          </p:cNvPr>
+          <p:cNvCxnSpPr>
+            <a:stCxn id="7" idx="3"/>
+            <a:endCxn id="3" idx="0"/>
+          </p:cNvCxnSpPr>
+          <p:nvPr/>
+        </p:nvCxnSpPr>
+        <p:spPr>
+          <a:xfrm>
+            <a:off x="4545097" y="3505200"/>
+            <a:ext cx="1" cy="533400"/>
+          </a:xfrm>
+          <a:prstGeom prst="line">
+            <a:avLst/>
+          </a:prstGeom>
+        </p:spPr>
+        <p:style>
+          <a:lnRef idx="1">
+            <a:schemeClr val="accent1"/>
+          </a:lnRef>
+          <a:fillRef idx="0">
+            <a:schemeClr val="accent1"/>
+          </a:fillRef>
+          <a:effectRef idx="0">
+            <a:schemeClr val="accent1"/>
+          </a:effectRef>
+          <a:fontRef idx="minor">
+            <a:schemeClr val="tx1"/>
+          </a:fontRef>
+        </p:style>
+      </p:cxnSp>
+    </p:spTree>
+    <p:extLst>
+      <p:ext uri="{BB962C8B-B14F-4D97-AF65-F5344CB8AC3E}">
+        <p14:creationId xmlns:p14="http://schemas.microsoft.com/office/powerpoint/2010/main" val="2426713918"/>
       </p:ext>
     </p:extLst>
   </p:cSld>

--- a/docs/diagrams/UndoRedoSequenceDiagram.pptx
+++ b/docs/diagrams/UndoRedoSequenceDiagram.pptx
@@ -10,7 +10,7 @@
   <p:sldIdLst>
     <p:sldId id="267" r:id="rId2"/>
   </p:sldIdLst>
-  <p:sldSz cx="9144000" cy="6858000" type="screen4x3"/>
+  <p:sldSz cx="12192000" cy="6858000"/>
   <p:notesSz cx="6858000" cy="9144000"/>
   <p:defaultTextStyle>
     <a:defPPr>
@@ -110,12 +110,12 @@
   <p:extLst>
     <p:ext uri="{EFAFB233-063F-42B5-8137-9DF3F51BA10A}">
       <p15:sldGuideLst xmlns:p15="http://schemas.microsoft.com/office/powerpoint/2012/main">
-        <p15:guide id="1" orient="horz" pos="1488">
+        <p15:guide id="1" orient="horz" pos="1488" userDrawn="1">
           <p15:clr>
             <a:srgbClr val="A4A3A4"/>
           </p15:clr>
         </p15:guide>
-        <p15:guide id="2" pos="2880">
+        <p15:guide id="2" pos="3840" userDrawn="1">
           <p15:clr>
             <a:srgbClr val="A4A3A4"/>
           </p15:clr>
@@ -124,10 +124,6 @@
     </p:ext>
   </p:extLst>
 </p:presentation>
-</file>
-
-<file path=ppt/revisionInfo.xml><?xml version="1.0" encoding="utf-8"?>
-<p1510:revInfo xmlns:a="http://schemas.openxmlformats.org/drawingml/2006/main" xmlns:r="http://schemas.openxmlformats.org/officeDocument/2006/relationships" xmlns:p1510="http://schemas.microsoft.com/office/powerpoint/2015/10/main"/>
 </file>
 
 <file path=ppt/notesMasters/notesMaster1.xml><?xml version="1.0" encoding="utf-8"?>
@@ -212,7 +208,7 @@
           <a:p>
             <a:fld id="{F5CC4B3F-88C1-4FFA-B1B6-F41C21DC6924}" type="datetimeFigureOut">
               <a:rPr lang="en-US" smtClean="0"/>
-              <a:t>7/6/2018</a:t>
+              <a:t>4/15/2019</a:t>
             </a:fld>
             <a:endParaRPr lang="en-US"/>
           </a:p>
@@ -230,8 +226,8 @@
         </p:nvSpPr>
         <p:spPr>
           <a:xfrm>
-            <a:off x="1143000" y="685800"/>
-            <a:ext cx="4572000" cy="3429000"/>
+            <a:off x="381000" y="685800"/>
+            <a:ext cx="6096000" cy="3429000"/>
           </a:xfrm>
           <a:prstGeom prst="rect">
             <a:avLst/>
@@ -508,8 +504,8 @@
         </p:nvSpPr>
         <p:spPr>
           <a:xfrm>
-            <a:off x="685800" y="2130425"/>
-            <a:ext cx="7772400" cy="1470025"/>
+            <a:off x="914400" y="2130426"/>
+            <a:ext cx="10363200" cy="1470025"/>
           </a:xfrm>
         </p:spPr>
         <p:txBody>
@@ -535,8 +531,8 @@
         </p:nvSpPr>
         <p:spPr>
           <a:xfrm>
-            <a:off x="1371600" y="3886200"/>
-            <a:ext cx="6400800" cy="1752600"/>
+            <a:off x="1828800" y="3886200"/>
+            <a:ext cx="8534400" cy="1752600"/>
           </a:xfrm>
         </p:spPr>
         <p:txBody>
@@ -658,7 +654,7 @@
           <a:p>
             <a:fld id="{78C97017-6FC3-485B-9764-EAC9E56C1D49}" type="datetimeFigureOut">
               <a:rPr lang="en-US" smtClean="0"/>
-              <a:t>7/6/2018</a:t>
+              <a:t>4/15/2019</a:t>
             </a:fld>
             <a:endParaRPr lang="en-US"/>
           </a:p>
@@ -826,7 +822,7 @@
           <a:p>
             <a:fld id="{78C97017-6FC3-485B-9764-EAC9E56C1D49}" type="datetimeFigureOut">
               <a:rPr lang="en-US" smtClean="0"/>
-              <a:t>7/6/2018</a:t>
+              <a:t>4/15/2019</a:t>
             </a:fld>
             <a:endParaRPr lang="en-US"/>
           </a:p>
@@ -916,8 +912,8 @@
         </p:nvSpPr>
         <p:spPr>
           <a:xfrm>
-            <a:off x="6629400" y="274638"/>
-            <a:ext cx="2057400" cy="5851525"/>
+            <a:off x="8839200" y="274639"/>
+            <a:ext cx="2743200" cy="5851525"/>
           </a:xfrm>
         </p:spPr>
         <p:txBody>
@@ -943,8 +939,8 @@
         </p:nvSpPr>
         <p:spPr>
           <a:xfrm>
-            <a:off x="457200" y="274638"/>
-            <a:ext cx="6019800" cy="5851525"/>
+            <a:off x="609600" y="274639"/>
+            <a:ext cx="8026400" cy="5851525"/>
           </a:xfrm>
         </p:spPr>
         <p:txBody>
@@ -1004,7 +1000,7 @@
           <a:p>
             <a:fld id="{78C97017-6FC3-485B-9764-EAC9E56C1D49}" type="datetimeFigureOut">
               <a:rPr lang="en-US" smtClean="0"/>
-              <a:t>7/6/2018</a:t>
+              <a:t>4/15/2019</a:t>
             </a:fld>
             <a:endParaRPr lang="en-US"/>
           </a:p>
@@ -1172,7 +1168,7 @@
           <a:p>
             <a:fld id="{78C97017-6FC3-485B-9764-EAC9E56C1D49}" type="datetimeFigureOut">
               <a:rPr lang="en-US" smtClean="0"/>
-              <a:t>7/6/2018</a:t>
+              <a:t>4/15/2019</a:t>
             </a:fld>
             <a:endParaRPr lang="en-US"/>
           </a:p>
@@ -1262,8 +1258,8 @@
         </p:nvSpPr>
         <p:spPr>
           <a:xfrm>
-            <a:off x="722313" y="4406900"/>
-            <a:ext cx="7772400" cy="1362075"/>
+            <a:off x="963084" y="4406901"/>
+            <a:ext cx="10363200" cy="1362075"/>
           </a:xfrm>
         </p:spPr>
         <p:txBody>
@@ -1293,8 +1289,8 @@
         </p:nvSpPr>
         <p:spPr>
           <a:xfrm>
-            <a:off x="722313" y="2906713"/>
-            <a:ext cx="7772400" cy="1500187"/>
+            <a:off x="963084" y="2906713"/>
+            <a:ext cx="10363200" cy="1500187"/>
           </a:xfrm>
         </p:spPr>
         <p:txBody>
@@ -1417,7 +1413,7 @@
           <a:p>
             <a:fld id="{78C97017-6FC3-485B-9764-EAC9E56C1D49}" type="datetimeFigureOut">
               <a:rPr lang="en-US" smtClean="0"/>
-              <a:t>7/6/2018</a:t>
+              <a:t>4/15/2019</a:t>
             </a:fld>
             <a:endParaRPr lang="en-US"/>
           </a:p>
@@ -1529,8 +1525,8 @@
         </p:nvSpPr>
         <p:spPr>
           <a:xfrm>
-            <a:off x="457200" y="1600200"/>
-            <a:ext cx="4038600" cy="4525963"/>
+            <a:off x="609600" y="1600201"/>
+            <a:ext cx="5384800" cy="4525963"/>
           </a:xfrm>
         </p:spPr>
         <p:txBody>
@@ -1613,8 +1609,8 @@
         </p:nvSpPr>
         <p:spPr>
           <a:xfrm>
-            <a:off x="4648200" y="1600200"/>
-            <a:ext cx="4038600" cy="4525963"/>
+            <a:off x="6197600" y="1600201"/>
+            <a:ext cx="5384800" cy="4525963"/>
           </a:xfrm>
         </p:spPr>
         <p:txBody>
@@ -1702,7 +1698,7 @@
           <a:p>
             <a:fld id="{78C97017-6FC3-485B-9764-EAC9E56C1D49}" type="datetimeFigureOut">
               <a:rPr lang="en-US" smtClean="0"/>
-              <a:t>7/6/2018</a:t>
+              <a:t>4/15/2019</a:t>
             </a:fld>
             <a:endParaRPr lang="en-US"/>
           </a:p>
@@ -1818,8 +1814,8 @@
         </p:nvSpPr>
         <p:spPr>
           <a:xfrm>
-            <a:off x="457200" y="1535113"/>
-            <a:ext cx="4040188" cy="639762"/>
+            <a:off x="609600" y="1535113"/>
+            <a:ext cx="5386917" cy="639762"/>
           </a:xfrm>
         </p:spPr>
         <p:txBody>
@@ -1883,8 +1879,8 @@
         </p:nvSpPr>
         <p:spPr>
           <a:xfrm>
-            <a:off x="457200" y="2174875"/>
-            <a:ext cx="4040188" cy="3951288"/>
+            <a:off x="609600" y="2174875"/>
+            <a:ext cx="5386917" cy="3951288"/>
           </a:xfrm>
         </p:spPr>
         <p:txBody>
@@ -1967,8 +1963,8 @@
         </p:nvSpPr>
         <p:spPr>
           <a:xfrm>
-            <a:off x="4645025" y="1535113"/>
-            <a:ext cx="4041775" cy="639762"/>
+            <a:off x="6193368" y="1535113"/>
+            <a:ext cx="5389033" cy="639762"/>
           </a:xfrm>
         </p:spPr>
         <p:txBody>
@@ -2032,8 +2028,8 @@
         </p:nvSpPr>
         <p:spPr>
           <a:xfrm>
-            <a:off x="4645025" y="2174875"/>
-            <a:ext cx="4041775" cy="3951288"/>
+            <a:off x="6193368" y="2174875"/>
+            <a:ext cx="5389033" cy="3951288"/>
           </a:xfrm>
         </p:spPr>
         <p:txBody>
@@ -2121,7 +2117,7 @@
           <a:p>
             <a:fld id="{78C97017-6FC3-485B-9764-EAC9E56C1D49}" type="datetimeFigureOut">
               <a:rPr lang="en-US" smtClean="0"/>
-              <a:t>7/6/2018</a:t>
+              <a:t>4/15/2019</a:t>
             </a:fld>
             <a:endParaRPr lang="en-US"/>
           </a:p>
@@ -2238,7 +2234,7 @@
           <a:p>
             <a:fld id="{78C97017-6FC3-485B-9764-EAC9E56C1D49}" type="datetimeFigureOut">
               <a:rPr lang="en-US" smtClean="0"/>
-              <a:t>7/6/2018</a:t>
+              <a:t>4/15/2019</a:t>
             </a:fld>
             <a:endParaRPr lang="en-US"/>
           </a:p>
@@ -2333,7 +2329,7 @@
           <a:p>
             <a:fld id="{78C97017-6FC3-485B-9764-EAC9E56C1D49}" type="datetimeFigureOut">
               <a:rPr lang="en-US" smtClean="0"/>
-              <a:t>7/6/2018</a:t>
+              <a:t>4/15/2019</a:t>
             </a:fld>
             <a:endParaRPr lang="en-US"/>
           </a:p>
@@ -2423,8 +2419,8 @@
         </p:nvSpPr>
         <p:spPr>
           <a:xfrm>
-            <a:off x="457200" y="273050"/>
-            <a:ext cx="3008313" cy="1162050"/>
+            <a:off x="609601" y="273050"/>
+            <a:ext cx="4011084" cy="1162050"/>
           </a:xfrm>
         </p:spPr>
         <p:txBody>
@@ -2454,8 +2450,8 @@
         </p:nvSpPr>
         <p:spPr>
           <a:xfrm>
-            <a:off x="3575050" y="273050"/>
-            <a:ext cx="5111750" cy="5853113"/>
+            <a:off x="4766733" y="273051"/>
+            <a:ext cx="6815667" cy="5853113"/>
           </a:xfrm>
         </p:spPr>
         <p:txBody>
@@ -2538,8 +2534,8 @@
         </p:nvSpPr>
         <p:spPr>
           <a:xfrm>
-            <a:off x="457200" y="1435100"/>
-            <a:ext cx="3008313" cy="4691063"/>
+            <a:off x="609601" y="1435101"/>
+            <a:ext cx="4011084" cy="4691063"/>
           </a:xfrm>
         </p:spPr>
         <p:txBody>
@@ -2608,7 +2604,7 @@
           <a:p>
             <a:fld id="{78C97017-6FC3-485B-9764-EAC9E56C1D49}" type="datetimeFigureOut">
               <a:rPr lang="en-US" smtClean="0"/>
-              <a:t>7/6/2018</a:t>
+              <a:t>4/15/2019</a:t>
             </a:fld>
             <a:endParaRPr lang="en-US"/>
           </a:p>
@@ -2698,8 +2694,8 @@
         </p:nvSpPr>
         <p:spPr>
           <a:xfrm>
-            <a:off x="1792288" y="4800600"/>
-            <a:ext cx="5486400" cy="566738"/>
+            <a:off x="2389717" y="4800600"/>
+            <a:ext cx="7315200" cy="566738"/>
           </a:xfrm>
         </p:spPr>
         <p:txBody>
@@ -2729,8 +2725,8 @@
         </p:nvSpPr>
         <p:spPr>
           <a:xfrm>
-            <a:off x="1792288" y="612775"/>
-            <a:ext cx="5486400" cy="4114800"/>
+            <a:off x="2389717" y="612775"/>
+            <a:ext cx="7315200" cy="4114800"/>
           </a:xfrm>
         </p:spPr>
         <p:txBody>
@@ -2790,8 +2786,8 @@
         </p:nvSpPr>
         <p:spPr>
           <a:xfrm>
-            <a:off x="1792288" y="5367338"/>
-            <a:ext cx="5486400" cy="804862"/>
+            <a:off x="2389717" y="5367338"/>
+            <a:ext cx="7315200" cy="804862"/>
           </a:xfrm>
         </p:spPr>
         <p:txBody>
@@ -2860,7 +2856,7 @@
           <a:p>
             <a:fld id="{78C97017-6FC3-485B-9764-EAC9E56C1D49}" type="datetimeFigureOut">
               <a:rPr lang="en-US" smtClean="0"/>
-              <a:t>7/6/2018</a:t>
+              <a:t>4/15/2019</a:t>
             </a:fld>
             <a:endParaRPr lang="en-US"/>
           </a:p>
@@ -2955,8 +2951,8 @@
         </p:nvSpPr>
         <p:spPr>
           <a:xfrm>
-            <a:off x="457200" y="274638"/>
-            <a:ext cx="8229600" cy="1143000"/>
+            <a:off x="609600" y="274638"/>
+            <a:ext cx="10972800" cy="1143000"/>
           </a:xfrm>
           <a:prstGeom prst="rect">
             <a:avLst/>
@@ -2987,8 +2983,8 @@
         </p:nvSpPr>
         <p:spPr>
           <a:xfrm>
-            <a:off x="457200" y="1600200"/>
-            <a:ext cx="8229600" cy="4525963"/>
+            <a:off x="609600" y="1600201"/>
+            <a:ext cx="10972800" cy="4525963"/>
           </a:xfrm>
           <a:prstGeom prst="rect">
             <a:avLst/>
@@ -3048,8 +3044,8 @@
         </p:nvSpPr>
         <p:spPr>
           <a:xfrm>
-            <a:off x="457200" y="6356350"/>
-            <a:ext cx="2133600" cy="365125"/>
+            <a:off x="609600" y="6356351"/>
+            <a:ext cx="2844800" cy="365125"/>
           </a:xfrm>
           <a:prstGeom prst="rect">
             <a:avLst/>
@@ -3071,7 +3067,7 @@
           <a:p>
             <a:fld id="{78C97017-6FC3-485B-9764-EAC9E56C1D49}" type="datetimeFigureOut">
               <a:rPr lang="en-US" smtClean="0"/>
-              <a:t>7/6/2018</a:t>
+              <a:t>4/15/2019</a:t>
             </a:fld>
             <a:endParaRPr lang="en-US"/>
           </a:p>
@@ -3089,8 +3085,8 @@
         </p:nvSpPr>
         <p:spPr>
           <a:xfrm>
-            <a:off x="3124200" y="6356350"/>
-            <a:ext cx="2895600" cy="365125"/>
+            <a:off x="4165600" y="6356351"/>
+            <a:ext cx="3860800" cy="365125"/>
           </a:xfrm>
           <a:prstGeom prst="rect">
             <a:avLst/>
@@ -3126,8 +3122,8 @@
         </p:nvSpPr>
         <p:spPr>
           <a:xfrm>
-            <a:off x="6553200" y="6356350"/>
-            <a:ext cx="2133600" cy="365125"/>
+            <a:off x="8737600" y="6356351"/>
+            <a:ext cx="2844800" cy="365125"/>
           </a:xfrm>
           <a:prstGeom prst="rect">
             <a:avLst/>
@@ -3454,7 +3450,7 @@
         </p:nvSpPr>
         <p:spPr>
           <a:xfrm>
-            <a:off x="6459374" y="118895"/>
+            <a:off x="7181518" y="609600"/>
             <a:ext cx="3903825" cy="4400926"/>
           </a:xfrm>
           <a:prstGeom prst="roundRect">
@@ -3515,7 +3511,7 @@
         </p:nvSpPr>
         <p:spPr>
           <a:xfrm>
-            <a:off x="467813" y="163018"/>
+            <a:off x="1171238" y="653723"/>
             <a:ext cx="5863964" cy="4343400"/>
           </a:xfrm>
           <a:prstGeom prst="roundRect">
@@ -3576,7 +3572,7 @@
         </p:nvSpPr>
         <p:spPr>
           <a:xfrm>
-            <a:off x="883145" y="543946"/>
+            <a:off x="1586571" y="1034651"/>
             <a:ext cx="1455629" cy="346760"/>
           </a:xfrm>
           <a:prstGeom prst="rect">
@@ -3645,7 +3641,7 @@
         </p:nvCxnSpPr>
         <p:spPr>
           <a:xfrm>
-            <a:off x="1610959" y="907617"/>
+            <a:off x="2314384" y="1398323"/>
             <a:ext cx="0" cy="3481399"/>
           </a:xfrm>
           <a:prstGeom prst="line">
@@ -3682,7 +3678,7 @@
         </p:nvSpPr>
         <p:spPr>
           <a:xfrm>
-            <a:off x="1538951" y="1258311"/>
+            <a:off x="2242376" y="1749017"/>
             <a:ext cx="152400" cy="2932689"/>
           </a:xfrm>
           <a:prstGeom prst="rect">
@@ -3729,7 +3725,7 @@
         </p:nvSpPr>
         <p:spPr>
           <a:xfrm>
-            <a:off x="3437188" y="423022"/>
+            <a:off x="4140613" y="913727"/>
             <a:ext cx="1219200" cy="467684"/>
           </a:xfrm>
           <a:prstGeom prst="rect">
@@ -3776,7 +3772,7 @@
           <a:p>
             <a:pPr algn="ctr"/>
             <a:r>
-              <a:rPr lang="en-US" sz="1600" dirty="0" err="1">
+              <a:rPr lang="en-US" sz="1600" dirty="0">
                 <a:solidFill>
                   <a:schemeClr val="bg1"/>
                 </a:solidFill>
@@ -3801,7 +3797,7 @@
         </p:nvCxnSpPr>
         <p:spPr>
           <a:xfrm>
-            <a:off x="4050587" y="907617"/>
+            <a:off x="4754012" y="1398322"/>
             <a:ext cx="0" cy="1482984"/>
           </a:xfrm>
           <a:prstGeom prst="line">
@@ -3838,7 +3834,7 @@
         </p:nvSpPr>
         <p:spPr>
           <a:xfrm>
-            <a:off x="3978580" y="1365810"/>
+            <a:off x="4682005" y="1856515"/>
             <a:ext cx="154408" cy="767790"/>
           </a:xfrm>
           <a:prstGeom prst="rect">
@@ -3873,11 +3869,7 @@
           <a:lstStyle/>
           <a:p>
             <a:pPr algn="ctr"/>
-            <a:endParaRPr lang="en-SG" sz="1400">
-              <a:solidFill>
-                <a:schemeClr val="dk1"/>
-              </a:solidFill>
-            </a:endParaRPr>
+            <a:endParaRPr lang="en-SG" sz="1400"/>
           </a:p>
         </p:txBody>
       </p:sp>
@@ -3893,7 +3885,7 @@
         </p:nvCxnSpPr>
         <p:spPr>
           <a:xfrm>
-            <a:off x="5602082" y="1613633"/>
+            <a:off x="6305507" y="2104338"/>
             <a:ext cx="0" cy="2644578"/>
           </a:xfrm>
           <a:prstGeom prst="line">
@@ -3930,7 +3922,7 @@
         </p:nvSpPr>
         <p:spPr>
           <a:xfrm>
-            <a:off x="5525882" y="1613633"/>
+            <a:off x="6229307" y="2104339"/>
             <a:ext cx="152400" cy="276003"/>
           </a:xfrm>
           <a:prstGeom prst="rect">
@@ -3977,7 +3969,7 @@
         </p:nvCxnSpPr>
         <p:spPr>
           <a:xfrm>
-            <a:off x="419100" y="1261999"/>
+            <a:off x="1122526" y="1752704"/>
             <a:ext cx="1119851" cy="0"/>
           </a:xfrm>
           <a:prstGeom prst="straightConnector1">
@@ -4013,7 +4005,7 @@
         </p:nvSpPr>
         <p:spPr>
           <a:xfrm>
-            <a:off x="38100" y="990600"/>
+            <a:off x="1562100" y="990600"/>
             <a:ext cx="1424846" cy="215444"/>
           </a:xfrm>
           <a:prstGeom prst="rect">
@@ -4047,7 +4039,7 @@
         </p:nvCxnSpPr>
         <p:spPr>
           <a:xfrm flipV="1">
-            <a:off x="4135972" y="1512340"/>
+            <a:off x="4839397" y="2003046"/>
             <a:ext cx="922392" cy="1"/>
           </a:xfrm>
           <a:prstGeom prst="straightConnector1">
@@ -4083,7 +4075,7 @@
         </p:nvSpPr>
         <p:spPr>
           <a:xfrm>
-            <a:off x="3243421" y="2484071"/>
+            <a:off x="3946847" y="2974776"/>
             <a:ext cx="855809" cy="215444"/>
           </a:xfrm>
           <a:prstGeom prst="rect">
@@ -4123,7 +4115,7 @@
         </p:nvCxnSpPr>
         <p:spPr>
           <a:xfrm>
-            <a:off x="4109108" y="1878232"/>
+            <a:off x="4812533" y="2368937"/>
             <a:ext cx="1492974" cy="0"/>
           </a:xfrm>
           <a:prstGeom prst="straightConnector1">
@@ -4163,7 +4155,7 @@
         </p:nvCxnSpPr>
         <p:spPr>
           <a:xfrm>
-            <a:off x="1691351" y="2133600"/>
+            <a:off x="2394777" y="2624305"/>
             <a:ext cx="2348067" cy="0"/>
           </a:xfrm>
           <a:prstGeom prst="straightConnector1">
@@ -4201,7 +4193,7 @@
         </p:nvCxnSpPr>
         <p:spPr>
           <a:xfrm>
-            <a:off x="380999" y="4191000"/>
+            <a:off x="1084425" y="4681705"/>
             <a:ext cx="1196051" cy="0"/>
           </a:xfrm>
           <a:prstGeom prst="straightConnector1">
@@ -4239,7 +4231,7 @@
         </p:nvSpPr>
         <p:spPr>
           <a:xfrm>
-            <a:off x="5526488" y="2731313"/>
+            <a:off x="6229913" y="3222019"/>
             <a:ext cx="161322" cy="1307285"/>
           </a:xfrm>
           <a:prstGeom prst="rect">
@@ -4286,8 +4278,8 @@
         </p:nvSpPr>
         <p:spPr>
           <a:xfrm>
-            <a:off x="5651548" y="2748246"/>
-            <a:ext cx="1298078" cy="184666"/>
+            <a:off x="6451824" y="3032362"/>
+            <a:ext cx="1093635" cy="369332"/>
           </a:xfrm>
           <a:prstGeom prst="rect">
             <a:avLst/>
@@ -4312,22 +4304,14 @@
           </a:lstStyle>
           <a:p>
             <a:r>
-              <a:rPr lang="en-US" sz="1200" dirty="0" err="1">
+              <a:rPr lang="en-US" sz="1200" dirty="0">
                 <a:solidFill>
                   <a:schemeClr val="accent4">
                     <a:lumMod val="75000"/>
                   </a:schemeClr>
                 </a:solidFill>
               </a:rPr>
-              <a:t>undo</a:t>
-            </a:r>
-            <a:r>
-              <a:rPr lang="en-US" sz="1200" dirty="0" err="1">
-                <a:solidFill>
-                  <a:srgbClr val="7030A0"/>
-                </a:solidFill>
-              </a:rPr>
-              <a:t>AddressBook</a:t>
+              <a:t>sort</a:t>
             </a:r>
             <a:r>
               <a:rPr lang="en-US" sz="1200" dirty="0">
@@ -4335,7 +4319,7 @@
                   <a:srgbClr val="7030A0"/>
                 </a:solidFill>
               </a:rPr>
-              <a:t>()</a:t>
+              <a:t>AddressBook(major)</a:t>
             </a:r>
             <a:endParaRPr lang="en-US" sz="1200" dirty="0"/>
           </a:p>
@@ -4349,8 +4333,8 @@
         </p:nvSpPr>
         <p:spPr>
           <a:xfrm>
-            <a:off x="1885189" y="1106150"/>
-            <a:ext cx="1899551" cy="215444"/>
+            <a:off x="2588615" y="1596855"/>
+            <a:ext cx="1899551" cy="430887"/>
           </a:xfrm>
           <a:prstGeom prst="rect">
             <a:avLst/>
@@ -4375,12 +4359,8 @@
           </a:lstStyle>
           <a:p>
             <a:r>
-              <a:rPr lang="en-US" dirty="0" err="1"/>
-              <a:t>parseCommand</a:t>
-            </a:r>
-            <a:r>
               <a:rPr lang="en-US" dirty="0"/>
-              <a:t>(“undo”)</a:t>
+              <a:t>parseCommand(“memberSort major”)</a:t>
             </a:r>
           </a:p>
         </p:txBody>
@@ -4393,7 +4373,7 @@
         </p:nvSpPr>
         <p:spPr>
           <a:xfrm>
-            <a:off x="3272755" y="3791076"/>
+            <a:off x="3976180" y="4281781"/>
             <a:ext cx="621216" cy="215444"/>
           </a:xfrm>
           <a:prstGeom prst="rect">
@@ -4433,7 +4413,7 @@
         </p:nvSpPr>
         <p:spPr>
           <a:xfrm>
-            <a:off x="645270" y="3945901"/>
+            <a:off x="1348695" y="4436606"/>
             <a:ext cx="762000" cy="215444"/>
           </a:xfrm>
           <a:prstGeom prst="rect">
@@ -4473,7 +4453,7 @@
         </p:nvSpPr>
         <p:spPr>
           <a:xfrm>
-            <a:off x="7497155" y="2568606"/>
+            <a:off x="8209577" y="2853827"/>
             <a:ext cx="2181777" cy="335427"/>
           </a:xfrm>
           <a:prstGeom prst="rect">
@@ -4514,15 +4494,7 @@
                   <a:schemeClr val="bg1"/>
                 </a:solidFill>
               </a:rPr>
-              <a:t>:</a:t>
-            </a:r>
-            <a:r>
-              <a:rPr lang="en-US" sz="1600" dirty="0" err="1">
-                <a:solidFill>
-                  <a:schemeClr val="bg1"/>
-                </a:solidFill>
-              </a:rPr>
-              <a:t>VersionedAddressBook</a:t>
+              <a:t>:VersionedAddressBook</a:t>
             </a:r>
             <a:endParaRPr lang="en-SG" sz="1600" dirty="0">
               <a:solidFill>
@@ -4540,7 +4512,7 @@
         </p:nvSpPr>
         <p:spPr>
           <a:xfrm>
-            <a:off x="8514207" y="3182840"/>
+            <a:off x="9217633" y="3673545"/>
             <a:ext cx="129933" cy="398562"/>
           </a:xfrm>
           <a:prstGeom prst="rect">
@@ -4587,7 +4559,7 @@
         </p:nvSpPr>
         <p:spPr>
           <a:xfrm>
-            <a:off x="2724792" y="1905793"/>
+            <a:off x="3428218" y="2396498"/>
             <a:ext cx="220343" cy="215444"/>
           </a:xfrm>
           <a:prstGeom prst="rect">
@@ -4627,7 +4599,7 @@
         </p:nvSpPr>
         <p:spPr>
           <a:xfrm>
-            <a:off x="6549765" y="2362200"/>
+            <a:off x="7242276" y="2703737"/>
             <a:ext cx="841636" cy="300180"/>
           </a:xfrm>
           <a:prstGeom prst="rect">
@@ -4687,9 +4659,9 @@
           <p:nvPr/>
         </p:nvCxnSpPr>
         <p:spPr>
-          <a:xfrm flipH="1">
-            <a:off x="6986491" y="2653306"/>
-            <a:ext cx="3959" cy="1735710"/>
+          <a:xfrm>
+            <a:off x="7667205" y="3003917"/>
+            <a:ext cx="22713" cy="1875804"/>
           </a:xfrm>
           <a:prstGeom prst="line">
             <a:avLst/>
@@ -4725,7 +4697,7 @@
         </p:nvSpPr>
         <p:spPr>
           <a:xfrm>
-            <a:off x="6887527" y="2958106"/>
+            <a:off x="7590952" y="3448812"/>
             <a:ext cx="168896" cy="775693"/>
           </a:xfrm>
           <a:prstGeom prst="rect">
@@ -4774,7 +4746,7 @@
         </p:nvCxnSpPr>
         <p:spPr>
           <a:xfrm>
-            <a:off x="5685755" y="2975344"/>
+            <a:off x="6389181" y="3466049"/>
             <a:ext cx="1210345" cy="0"/>
           </a:xfrm>
           <a:prstGeom prst="straightConnector1">
@@ -4810,7 +4782,7 @@
         </p:nvSpPr>
         <p:spPr>
           <a:xfrm>
-            <a:off x="5472880" y="4258211"/>
+            <a:off x="6176305" y="4748916"/>
             <a:ext cx="258404" cy="261610"/>
           </a:xfrm>
           <a:prstGeom prst="rect">
@@ -4843,8 +4815,8 @@
         </p:nvSpPr>
         <p:spPr>
           <a:xfrm>
-            <a:off x="5035976" y="1260268"/>
-            <a:ext cx="1093635" cy="461538"/>
+            <a:off x="5739402" y="1515855"/>
+            <a:ext cx="1093635" cy="696656"/>
           </a:xfrm>
           <a:prstGeom prst="rect">
             <a:avLst/>
@@ -4884,7 +4856,7 @@
                   <a:schemeClr val="bg1"/>
                 </a:solidFill>
               </a:rPr>
-              <a:t>u:Undo</a:t>
+              <a:t>u:MemberSort</a:t>
             </a:r>
             <a:br>
               <a:rPr lang="en-US" sz="1600" dirty="0">
@@ -4925,7 +4897,7 @@
         </p:nvCxnSpPr>
         <p:spPr>
           <a:xfrm>
-            <a:off x="1691351" y="2731314"/>
+            <a:off x="2394776" y="3222020"/>
             <a:ext cx="3832164" cy="1"/>
           </a:xfrm>
           <a:prstGeom prst="straightConnector1">
@@ -4969,7 +4941,7 @@
         </p:nvCxnSpPr>
         <p:spPr>
           <a:xfrm>
-            <a:off x="1708245" y="1363918"/>
+            <a:off x="2411671" y="1854624"/>
             <a:ext cx="2256705" cy="1"/>
           </a:xfrm>
           <a:prstGeom prst="straightConnector1">
@@ -5013,7 +4985,7 @@
         </p:nvCxnSpPr>
         <p:spPr>
           <a:xfrm>
-            <a:off x="1691998" y="4036462"/>
+            <a:off x="2395424" y="4527167"/>
             <a:ext cx="3831517" cy="0"/>
           </a:xfrm>
           <a:prstGeom prst="straightConnector1">
@@ -5026,222 +4998,6 @@
             <a:prstDash val="sysDash"/>
             <a:headEnd type="arrow" w="med" len="med"/>
             <a:tailEnd type="none" w="med" len="med"/>
-          </a:ln>
-        </p:spPr>
-        <p:style>
-          <a:lnRef idx="1">
-            <a:schemeClr val="accent1"/>
-          </a:lnRef>
-          <a:fillRef idx="0">
-            <a:schemeClr val="accent1"/>
-          </a:fillRef>
-          <a:effectRef idx="0">
-            <a:schemeClr val="accent1"/>
-          </a:effectRef>
-          <a:fontRef idx="minor">
-            <a:schemeClr val="tx1"/>
-          </a:fontRef>
-        </p:style>
-      </p:cxnSp>
-      <p:sp>
-        <p:nvSpPr>
-          <p:cNvPr id="88" name="TextBox 87">
-            <a:extLst>
-              <a:ext uri="{FF2B5EF4-FFF2-40B4-BE49-F238E27FC236}">
-                <a16:creationId xmlns:a16="http://schemas.microsoft.com/office/drawing/2014/main" id="{B85C6184-7378-4E89-A338-72B1E5056F4F}"/>
-              </a:ext>
-            </a:extLst>
-          </p:cNvPr>
-          <p:cNvSpPr txBox="1"/>
-          <p:nvPr/>
-        </p:nvSpPr>
-        <p:spPr>
-          <a:xfrm>
-            <a:off x="8769530" y="3267337"/>
-            <a:ext cx="2120786" cy="184666"/>
-          </a:xfrm>
-          <a:prstGeom prst="rect">
-            <a:avLst/>
-          </a:prstGeom>
-          <a:noFill/>
-        </p:spPr>
-        <p:txBody>
-          <a:bodyPr wrap="square" lIns="0" tIns="0" rIns="0" bIns="0" rtlCol="0">
-            <a:spAutoFit/>
-          </a:bodyPr>
-          <a:lstStyle>
-            <a:defPPr>
-              <a:defRPr lang="en-US"/>
-            </a:defPPr>
-            <a:lvl1pPr algn="r">
-              <a:defRPr sz="1400">
-                <a:solidFill>
-                  <a:srgbClr val="0070C0"/>
-                </a:solidFill>
-              </a:defRPr>
-            </a:lvl1pPr>
-          </a:lstStyle>
-          <a:p>
-            <a:r>
-              <a:rPr lang="en-US" sz="1200" dirty="0" err="1">
-                <a:solidFill>
-                  <a:srgbClr val="7030A0"/>
-                </a:solidFill>
-              </a:rPr>
-              <a:t>resetData</a:t>
-            </a:r>
-            <a:r>
-              <a:rPr lang="en-US" sz="1200" dirty="0">
-                <a:solidFill>
-                  <a:srgbClr val="7030A0"/>
-                </a:solidFill>
-              </a:rPr>
-              <a:t>(</a:t>
-            </a:r>
-            <a:r>
-              <a:rPr lang="en-US" sz="1200" dirty="0" err="1">
-                <a:solidFill>
-                  <a:srgbClr val="7030A0"/>
-                </a:solidFill>
-              </a:rPr>
-              <a:t>ReadOnlyAddressBook</a:t>
-            </a:r>
-            <a:r>
-              <a:rPr lang="en-US" sz="1200" dirty="0">
-                <a:solidFill>
-                  <a:srgbClr val="7030A0"/>
-                </a:solidFill>
-              </a:rPr>
-              <a:t>)</a:t>
-            </a:r>
-            <a:endParaRPr lang="en-US" sz="1200" dirty="0"/>
-          </a:p>
-        </p:txBody>
-      </p:sp>
-      <p:cxnSp>
-        <p:nvCxnSpPr>
-          <p:cNvPr id="89" name="Straight Connector 88">
-            <a:extLst>
-              <a:ext uri="{FF2B5EF4-FFF2-40B4-BE49-F238E27FC236}">
-                <a16:creationId xmlns:a16="http://schemas.microsoft.com/office/drawing/2014/main" id="{E4E1C8CA-49DF-45D8-80A5-D5C8282EE927}"/>
-              </a:ext>
-            </a:extLst>
-          </p:cNvPr>
-          <p:cNvCxnSpPr>
-            <a:cxnSpLocks/>
-          </p:cNvCxnSpPr>
-          <p:nvPr/>
-        </p:nvCxnSpPr>
-        <p:spPr>
-          <a:xfrm>
-            <a:off x="8588043" y="2871355"/>
-            <a:ext cx="17996" cy="1467648"/>
-          </a:xfrm>
-          <a:prstGeom prst="line">
-            <a:avLst/>
-          </a:prstGeom>
-          <a:ln w="19050">
-            <a:solidFill>
-              <a:srgbClr val="7030A0"/>
-            </a:solidFill>
-            <a:prstDash val="sysDash"/>
-          </a:ln>
-          <a:effectLst/>
-        </p:spPr>
-        <p:style>
-          <a:lnRef idx="1">
-            <a:schemeClr val="accent1"/>
-          </a:lnRef>
-          <a:fillRef idx="2">
-            <a:schemeClr val="accent1"/>
-          </a:fillRef>
-          <a:effectRef idx="1">
-            <a:schemeClr val="accent1"/>
-          </a:effectRef>
-          <a:fontRef idx="minor">
-            <a:schemeClr val="dk1"/>
-          </a:fontRef>
-        </p:style>
-      </p:cxnSp>
-      <p:sp>
-        <p:nvSpPr>
-          <p:cNvPr id="41" name="TextBox 40"/>
-          <p:cNvSpPr txBox="1"/>
-          <p:nvPr/>
-        </p:nvSpPr>
-        <p:spPr>
-          <a:xfrm>
-            <a:off x="7667691" y="2975344"/>
-            <a:ext cx="551687" cy="184666"/>
-          </a:xfrm>
-          <a:prstGeom prst="rect">
-            <a:avLst/>
-          </a:prstGeom>
-          <a:noFill/>
-          <a:ln>
-            <a:noFill/>
-          </a:ln>
-        </p:spPr>
-        <p:txBody>
-          <a:bodyPr wrap="square" lIns="0" tIns="0" rIns="0" bIns="0" rtlCol="0">
-            <a:spAutoFit/>
-          </a:bodyPr>
-          <a:lstStyle>
-            <a:defPPr>
-              <a:defRPr lang="en-US"/>
-            </a:defPPr>
-            <a:lvl1pPr algn="r">
-              <a:defRPr sz="1400">
-                <a:solidFill>
-                  <a:srgbClr val="0070C0"/>
-                </a:solidFill>
-              </a:defRPr>
-            </a:lvl1pPr>
-          </a:lstStyle>
-          <a:p>
-            <a:r>
-              <a:rPr lang="en-US" sz="1200" dirty="0">
-                <a:solidFill>
-                  <a:srgbClr val="7030A0"/>
-                </a:solidFill>
-              </a:rPr>
-              <a:t>undo</a:t>
-            </a:r>
-            <a:r>
-              <a:rPr lang="en-US" sz="1200" dirty="0">
-                <a:solidFill>
-                  <a:schemeClr val="accent4">
-                    <a:lumMod val="75000"/>
-                  </a:schemeClr>
-                </a:solidFill>
-              </a:rPr>
-              <a:t>()</a:t>
-            </a:r>
-          </a:p>
-        </p:txBody>
-      </p:sp>
-      <p:cxnSp>
-        <p:nvCxnSpPr>
-          <p:cNvPr id="13" name="Curved Connector 12"/>
-          <p:cNvCxnSpPr/>
-          <p:nvPr/>
-        </p:nvCxnSpPr>
-        <p:spPr>
-          <a:xfrm rot="16200000" flipH="1">
-            <a:off x="8527578" y="3220579"/>
-            <a:ext cx="156923" cy="76200"/>
-          </a:xfrm>
-          <a:prstGeom prst="curvedConnector4">
-            <a:avLst>
-              <a:gd name="adj1" fmla="val -145677"/>
-              <a:gd name="adj2" fmla="val 400000"/>
-            </a:avLst>
-          </a:prstGeom>
-          <a:ln>
-            <a:solidFill>
-              <a:srgbClr val="7030A0"/>
-            </a:solidFill>
-            <a:tailEnd type="triangle"/>
           </a:ln>
         </p:spPr>
         <p:style>
@@ -5261,6 +5017,110 @@
       </p:cxnSp>
       <p:cxnSp>
         <p:nvCxnSpPr>
+          <p:cNvPr id="89" name="Straight Connector 88">
+            <a:extLst>
+              <a:ext uri="{FF2B5EF4-FFF2-40B4-BE49-F238E27FC236}">
+                <a16:creationId xmlns:a16="http://schemas.microsoft.com/office/drawing/2014/main" id="{E4E1C8CA-49DF-45D8-80A5-D5C8282EE927}"/>
+              </a:ext>
+            </a:extLst>
+          </p:cNvPr>
+          <p:cNvCxnSpPr>
+            <a:cxnSpLocks/>
+            <a:stCxn id="84" idx="2"/>
+          </p:cNvCxnSpPr>
+          <p:nvPr/>
+        </p:nvCxnSpPr>
+        <p:spPr>
+          <a:xfrm>
+            <a:off x="9300466" y="3189254"/>
+            <a:ext cx="8998" cy="1640454"/>
+          </a:xfrm>
+          <a:prstGeom prst="line">
+            <a:avLst/>
+          </a:prstGeom>
+          <a:ln w="19050">
+            <a:solidFill>
+              <a:srgbClr val="7030A0"/>
+            </a:solidFill>
+            <a:prstDash val="sysDash"/>
+          </a:ln>
+          <a:effectLst/>
+        </p:spPr>
+        <p:style>
+          <a:lnRef idx="1">
+            <a:schemeClr val="accent1"/>
+          </a:lnRef>
+          <a:fillRef idx="2">
+            <a:schemeClr val="accent1"/>
+          </a:fillRef>
+          <a:effectRef idx="1">
+            <a:schemeClr val="accent1"/>
+          </a:effectRef>
+          <a:fontRef idx="minor">
+            <a:schemeClr val="dk1"/>
+          </a:fontRef>
+        </p:style>
+      </p:cxnSp>
+      <p:sp>
+        <p:nvSpPr>
+          <p:cNvPr id="41" name="TextBox 40"/>
+          <p:cNvSpPr txBox="1"/>
+          <p:nvPr/>
+        </p:nvSpPr>
+        <p:spPr>
+          <a:xfrm>
+            <a:off x="7827527" y="3466049"/>
+            <a:ext cx="1095277" cy="369332"/>
+          </a:xfrm>
+          <a:prstGeom prst="rect">
+            <a:avLst/>
+          </a:prstGeom>
+          <a:noFill/>
+          <a:ln>
+            <a:noFill/>
+          </a:ln>
+        </p:spPr>
+        <p:txBody>
+          <a:bodyPr wrap="square" lIns="0" tIns="0" rIns="0" bIns="0" rtlCol="0">
+            <a:spAutoFit/>
+          </a:bodyPr>
+          <a:lstStyle>
+            <a:defPPr>
+              <a:defRPr lang="en-US"/>
+            </a:defPPr>
+            <a:lvl1pPr algn="r">
+              <a:defRPr sz="1400">
+                <a:solidFill>
+                  <a:srgbClr val="0070C0"/>
+                </a:solidFill>
+              </a:defRPr>
+            </a:lvl1pPr>
+          </a:lstStyle>
+          <a:p>
+            <a:r>
+              <a:rPr lang="en-US" sz="1200" dirty="0">
+                <a:solidFill>
+                  <a:schemeClr val="accent4">
+                    <a:lumMod val="75000"/>
+                  </a:schemeClr>
+                </a:solidFill>
+              </a:rPr>
+              <a:t>sort</a:t>
+            </a:r>
+            <a:r>
+              <a:rPr lang="en-US" sz="1200" dirty="0">
+                <a:solidFill>
+                  <a:srgbClr val="7030A0"/>
+                </a:solidFill>
+              </a:rPr>
+              <a:t>AddressBook(major)</a:t>
+            </a:r>
+            <a:endParaRPr lang="en-US" sz="1200" dirty="0"/>
+          </a:p>
+        </p:txBody>
+      </p:sp>
+      <p:cxnSp>
+        <p:nvCxnSpPr>
           <p:cNvPr id="52" name="Straight Arrow Connector 51"/>
           <p:cNvCxnSpPr>
             <a:cxnSpLocks/>
@@ -5269,7 +5129,7 @@
         </p:nvCxnSpPr>
         <p:spPr>
           <a:xfrm>
-            <a:off x="7043991" y="3182839"/>
+            <a:off x="7747416" y="3673544"/>
             <a:ext cx="1470216" cy="0"/>
           </a:xfrm>
           <a:prstGeom prst="straightConnector1">
@@ -5313,7 +5173,7 @@
         </p:nvCxnSpPr>
         <p:spPr>
           <a:xfrm flipV="1">
-            <a:off x="7043991" y="3564914"/>
+            <a:off x="7747416" y="4055620"/>
             <a:ext cx="1470216" cy="6325"/>
           </a:xfrm>
           <a:prstGeom prst="straightConnector1">
@@ -5360,7 +5220,7 @@
         </p:nvCxnSpPr>
         <p:spPr>
           <a:xfrm>
-            <a:off x="5675919" y="3733799"/>
+            <a:off x="6379344" y="4224504"/>
             <a:ext cx="1296056" cy="0"/>
           </a:xfrm>
           <a:prstGeom prst="straightConnector1">
@@ -5390,6 +5250,324 @@
           </a:fontRef>
         </p:style>
       </p:cxnSp>
+      <p:sp>
+        <p:nvSpPr>
+          <p:cNvPr id="44" name="Rectangle 62">
+            <a:extLst>
+              <a:ext uri="{FF2B5EF4-FFF2-40B4-BE49-F238E27FC236}">
+                <a16:creationId xmlns:a16="http://schemas.microsoft.com/office/drawing/2014/main" id="{E2F0D4D4-3E2D-4AC3-9741-72ECCE87B4C8}"/>
+              </a:ext>
+            </a:extLst>
+          </p:cNvPr>
+          <p:cNvSpPr/>
+          <p:nvPr/>
+        </p:nvSpPr>
+        <p:spPr>
+          <a:xfrm>
+            <a:off x="9614462" y="3290261"/>
+            <a:ext cx="2181777" cy="171562"/>
+          </a:xfrm>
+          <a:prstGeom prst="rect">
+            <a:avLst/>
+          </a:prstGeom>
+          <a:solidFill>
+            <a:srgbClr val="7030A0"/>
+          </a:solidFill>
+          <a:ln w="19050">
+            <a:solidFill>
+              <a:srgbClr val="7030A0"/>
+            </a:solidFill>
+          </a:ln>
+          <a:effectLst/>
+        </p:spPr>
+        <p:style>
+          <a:lnRef idx="1">
+            <a:schemeClr val="accent2"/>
+          </a:lnRef>
+          <a:fillRef idx="2">
+            <a:schemeClr val="accent2"/>
+          </a:fillRef>
+          <a:effectRef idx="1">
+            <a:schemeClr val="accent2"/>
+          </a:effectRef>
+          <a:fontRef idx="minor">
+            <a:schemeClr val="dk1"/>
+          </a:fontRef>
+        </p:style>
+        <p:txBody>
+          <a:bodyPr rtlCol="0" anchor="ctr"/>
+          <a:lstStyle/>
+          <a:p>
+            <a:pPr algn="ctr"/>
+            <a:r>
+              <a:rPr lang="en-US" sz="1600" dirty="0">
+                <a:solidFill>
+                  <a:schemeClr val="bg1"/>
+                </a:solidFill>
+              </a:rPr>
+              <a:t>:UniquePersonList</a:t>
+            </a:r>
+            <a:endParaRPr lang="en-SG" sz="1600" dirty="0">
+              <a:solidFill>
+                <a:schemeClr val="bg1"/>
+              </a:solidFill>
+            </a:endParaRPr>
+          </a:p>
+        </p:txBody>
+      </p:sp>
+      <p:cxnSp>
+        <p:nvCxnSpPr>
+          <p:cNvPr id="45" name="Straight Connector 44">
+            <a:extLst>
+              <a:ext uri="{FF2B5EF4-FFF2-40B4-BE49-F238E27FC236}">
+                <a16:creationId xmlns:a16="http://schemas.microsoft.com/office/drawing/2014/main" id="{77369489-C77E-4323-BF5F-7316E596BA41}"/>
+              </a:ext>
+            </a:extLst>
+          </p:cNvPr>
+          <p:cNvCxnSpPr>
+            <a:cxnSpLocks/>
+            <a:stCxn id="44" idx="2"/>
+          </p:cNvCxnSpPr>
+          <p:nvPr/>
+        </p:nvCxnSpPr>
+        <p:spPr>
+          <a:xfrm>
+            <a:off x="10705351" y="3461823"/>
+            <a:ext cx="27932" cy="1367885"/>
+          </a:xfrm>
+          <a:prstGeom prst="line">
+            <a:avLst/>
+          </a:prstGeom>
+          <a:ln w="19050">
+            <a:solidFill>
+              <a:srgbClr val="7030A0"/>
+            </a:solidFill>
+            <a:prstDash val="sysDash"/>
+          </a:ln>
+          <a:effectLst/>
+        </p:spPr>
+        <p:style>
+          <a:lnRef idx="1">
+            <a:schemeClr val="accent1"/>
+          </a:lnRef>
+          <a:fillRef idx="2">
+            <a:schemeClr val="accent1"/>
+          </a:fillRef>
+          <a:effectRef idx="1">
+            <a:schemeClr val="accent1"/>
+          </a:effectRef>
+          <a:fontRef idx="minor">
+            <a:schemeClr val="dk1"/>
+          </a:fontRef>
+        </p:style>
+      </p:cxnSp>
+      <p:sp>
+        <p:nvSpPr>
+          <p:cNvPr id="47" name="Rectangle 46">
+            <a:extLst>
+              <a:ext uri="{FF2B5EF4-FFF2-40B4-BE49-F238E27FC236}">
+                <a16:creationId xmlns:a16="http://schemas.microsoft.com/office/drawing/2014/main" id="{18C72148-A91C-4B20-AA24-D4DF43850DDC}"/>
+              </a:ext>
+            </a:extLst>
+          </p:cNvPr>
+          <p:cNvSpPr/>
+          <p:nvPr/>
+        </p:nvSpPr>
+        <p:spPr>
+          <a:xfrm>
+            <a:off x="10657850" y="3713752"/>
+            <a:ext cx="146812" cy="243258"/>
+          </a:xfrm>
+          <a:prstGeom prst="rect">
+            <a:avLst/>
+          </a:prstGeom>
+          <a:solidFill>
+            <a:srgbClr val="7030A0"/>
+          </a:solidFill>
+          <a:ln>
+            <a:solidFill>
+              <a:srgbClr val="7030A0"/>
+            </a:solidFill>
+          </a:ln>
+          <a:effectLst/>
+        </p:spPr>
+        <p:style>
+          <a:lnRef idx="1">
+            <a:schemeClr val="accent3"/>
+          </a:lnRef>
+          <a:fillRef idx="2">
+            <a:schemeClr val="accent3"/>
+          </a:fillRef>
+          <a:effectRef idx="1">
+            <a:schemeClr val="accent3"/>
+          </a:effectRef>
+          <a:fontRef idx="minor">
+            <a:schemeClr val="dk1"/>
+          </a:fontRef>
+        </p:style>
+        <p:txBody>
+          <a:bodyPr rtlCol="0" anchor="ctr"/>
+          <a:lstStyle/>
+          <a:p>
+            <a:pPr algn="ctr"/>
+            <a:endParaRPr lang="en-SG" sz="1400"/>
+          </a:p>
+        </p:txBody>
+      </p:sp>
+      <p:cxnSp>
+        <p:nvCxnSpPr>
+          <p:cNvPr id="51" name="Straight Arrow Connector 50">
+            <a:extLst>
+              <a:ext uri="{FF2B5EF4-FFF2-40B4-BE49-F238E27FC236}">
+                <a16:creationId xmlns:a16="http://schemas.microsoft.com/office/drawing/2014/main" id="{AA983D80-BEA1-4D7A-BD2F-6FF2BD190A67}"/>
+              </a:ext>
+            </a:extLst>
+          </p:cNvPr>
+          <p:cNvCxnSpPr>
+            <a:cxnSpLocks/>
+          </p:cNvCxnSpPr>
+          <p:nvPr/>
+        </p:nvCxnSpPr>
+        <p:spPr>
+          <a:xfrm>
+            <a:off x="9347566" y="3733800"/>
+            <a:ext cx="1310284" cy="0"/>
+          </a:xfrm>
+          <a:prstGeom prst="straightConnector1">
+            <a:avLst/>
+          </a:prstGeom>
+          <a:ln w="19050">
+            <a:solidFill>
+              <a:srgbClr val="7030A0"/>
+            </a:solidFill>
+            <a:tailEnd type="arrow"/>
+          </a:ln>
+        </p:spPr>
+        <p:style>
+          <a:lnRef idx="1">
+            <a:schemeClr val="accent1"/>
+          </a:lnRef>
+          <a:fillRef idx="0">
+            <a:schemeClr val="accent1"/>
+          </a:fillRef>
+          <a:effectRef idx="0">
+            <a:schemeClr val="accent1"/>
+          </a:effectRef>
+          <a:fontRef idx="minor">
+            <a:schemeClr val="tx1"/>
+          </a:fontRef>
+        </p:style>
+      </p:cxnSp>
+      <p:cxnSp>
+        <p:nvCxnSpPr>
+          <p:cNvPr id="53" name="Straight Arrow Connector 52">
+            <a:extLst>
+              <a:ext uri="{FF2B5EF4-FFF2-40B4-BE49-F238E27FC236}">
+                <a16:creationId xmlns:a16="http://schemas.microsoft.com/office/drawing/2014/main" id="{B31774F0-D74D-402B-B83C-AB92ABC81FEA}"/>
+              </a:ext>
+            </a:extLst>
+          </p:cNvPr>
+          <p:cNvCxnSpPr>
+            <a:cxnSpLocks/>
+          </p:cNvCxnSpPr>
+          <p:nvPr/>
+        </p:nvCxnSpPr>
+        <p:spPr>
+          <a:xfrm flipV="1">
+            <a:off x="9356965" y="3941819"/>
+            <a:ext cx="1277007" cy="15191"/>
+          </a:xfrm>
+          <a:prstGeom prst="straightConnector1">
+            <a:avLst/>
+          </a:prstGeom>
+          <a:ln w="19050">
+            <a:solidFill>
+              <a:srgbClr val="7030A0"/>
+            </a:solidFill>
+            <a:prstDash val="sysDash"/>
+            <a:headEnd type="arrow" w="med" len="med"/>
+            <a:tailEnd type="none" w="med" len="med"/>
+          </a:ln>
+        </p:spPr>
+        <p:style>
+          <a:lnRef idx="1">
+            <a:schemeClr val="accent1"/>
+          </a:lnRef>
+          <a:fillRef idx="0">
+            <a:schemeClr val="accent1"/>
+          </a:fillRef>
+          <a:effectRef idx="0">
+            <a:schemeClr val="accent1"/>
+          </a:effectRef>
+          <a:fontRef idx="minor">
+            <a:schemeClr val="tx1"/>
+          </a:fontRef>
+        </p:style>
+      </p:cxnSp>
+      <p:sp>
+        <p:nvSpPr>
+          <p:cNvPr id="57" name="TextBox 56">
+            <a:extLst>
+              <a:ext uri="{FF2B5EF4-FFF2-40B4-BE49-F238E27FC236}">
+                <a16:creationId xmlns:a16="http://schemas.microsoft.com/office/drawing/2014/main" id="{E0228E38-47F1-4F0E-983B-C4AEACED218E}"/>
+              </a:ext>
+            </a:extLst>
+          </p:cNvPr>
+          <p:cNvSpPr txBox="1"/>
+          <p:nvPr/>
+        </p:nvSpPr>
+        <p:spPr>
+          <a:xfrm>
+            <a:off x="8936161" y="3529086"/>
+            <a:ext cx="1534188" cy="184666"/>
+          </a:xfrm>
+          <a:prstGeom prst="rect">
+            <a:avLst/>
+          </a:prstGeom>
+          <a:noFill/>
+          <a:ln>
+            <a:noFill/>
+          </a:ln>
+        </p:spPr>
+        <p:txBody>
+          <a:bodyPr wrap="square" lIns="0" tIns="0" rIns="0" bIns="0" rtlCol="0">
+            <a:spAutoFit/>
+          </a:bodyPr>
+          <a:lstStyle>
+            <a:defPPr>
+              <a:defRPr lang="en-US"/>
+            </a:defPPr>
+            <a:lvl1pPr algn="r">
+              <a:defRPr sz="1400">
+                <a:solidFill>
+                  <a:srgbClr val="0070C0"/>
+                </a:solidFill>
+              </a:defRPr>
+            </a:lvl1pPr>
+          </a:lstStyle>
+          <a:p>
+            <a:r>
+              <a:rPr lang="en-US" sz="1200" dirty="0">
+                <a:solidFill>
+                  <a:schemeClr val="accent4">
+                    <a:lumMod val="75000"/>
+                  </a:schemeClr>
+                </a:solidFill>
+              </a:rPr>
+              <a:t>sort</a:t>
+            </a:r>
+            <a:r>
+              <a:rPr lang="en-US" sz="1200" dirty="0">
+                <a:solidFill>
+                  <a:srgbClr val="7030A0"/>
+                </a:solidFill>
+              </a:rPr>
+              <a:t>List(major)</a:t>
+            </a:r>
+            <a:endParaRPr lang="en-US" sz="1200" dirty="0"/>
+          </a:p>
+        </p:txBody>
+      </p:sp>
     </p:spTree>
     <p:extLst>
       <p:ext uri="{BB962C8B-B14F-4D97-AF65-F5344CB8AC3E}">
